--- a/MW/RecipeBox_DB/DB_schema_viz.pptx
+++ b/MW/RecipeBox_DB/DB_schema_viz.pptx
@@ -104,6 +104,11 @@
       </a:defRPr>
     </a:lvl9pPr>
   </p:defaultTextStyle>
+  <p:extLst>
+    <p:ext uri="{EFAFB233-063F-42B5-8137-9DF3F51BA10A}">
+      <p15:sldGuideLst xmlns:p15="http://schemas.microsoft.com/office/powerpoint/2012/main"/>
+    </p:ext>
+  </p:extLst>
 </p:presentation>
 </file>
 
@@ -2842,6 +2847,50 @@
         </a:p>
       </dgm:t>
     </dgm:pt>
+    <dgm:pt modelId="{8F25F80D-4148-4172-8A18-DB868B5E04E8}" type="asst">
+      <dgm:prSet phldrT="[Text]"/>
+      <dgm:spPr/>
+      <dgm:t>
+        <a:bodyPr/>
+        <a:lstStyle/>
+        <a:p>
+          <a:r>
+            <a:rPr lang="fr-FR" dirty="0"/>
+            <a:t>Budget</a:t>
+          </a:r>
+        </a:p>
+      </dgm:t>
+    </dgm:pt>
+    <dgm:pt modelId="{B2206A5F-C5A8-4377-AEBE-B9CA5071E7D3}" type="parTrans" cxnId="{67CF1938-7EBA-44A3-9302-FAA830BE5A62}">
+      <dgm:prSet/>
+      <dgm:spPr/>
+    </dgm:pt>
+    <dgm:pt modelId="{AB9FE619-16A4-4CB2-8610-EDC92DAD869D}" type="sibTrans" cxnId="{67CF1938-7EBA-44A3-9302-FAA830BE5A62}">
+      <dgm:prSet/>
+      <dgm:spPr/>
+    </dgm:pt>
+    <dgm:pt modelId="{CFBBDE2F-F64F-4F41-B999-94B8508F8C57}" type="asst">
+      <dgm:prSet phldrT="[Text]"/>
+      <dgm:spPr/>
+      <dgm:t>
+        <a:bodyPr/>
+        <a:lstStyle/>
+        <a:p>
+          <a:r>
+            <a:rPr lang="fr-FR" dirty="0"/>
+            <a:t>Description</a:t>
+          </a:r>
+        </a:p>
+      </dgm:t>
+    </dgm:pt>
+    <dgm:pt modelId="{1B7DDC3B-5191-4D44-AA1A-57A901202772}" type="parTrans" cxnId="{6144356E-9FB4-42C6-9845-981751C41778}">
+      <dgm:prSet/>
+      <dgm:spPr/>
+    </dgm:pt>
+    <dgm:pt modelId="{E4F263A4-CDA4-4518-AAA5-2C349886EC2C}" type="sibTrans" cxnId="{6144356E-9FB4-42C6-9845-981751C41778}">
+      <dgm:prSet/>
+      <dgm:spPr/>
+    </dgm:pt>
     <dgm:pt modelId="{31C73E42-7413-4086-8AA9-82EE4FDF4688}" type="pres">
       <dgm:prSet presAssocID="{7ED7F82A-B3BC-4965-908C-DB18A189650A}" presName="hierChild1" presStyleCnt="0">
         <dgm:presLayoutVars>
@@ -2904,7 +2953,7 @@
       <dgm:spPr/>
     </dgm:pt>
     <dgm:pt modelId="{E827EE73-A458-47A5-9402-688307433157}" type="pres">
-      <dgm:prSet presAssocID="{5A130CF4-82A1-480D-B1BC-8C9BC041D947}" presName="rootText3" presStyleLbl="asst1" presStyleIdx="0" presStyleCnt="48">
+      <dgm:prSet presAssocID="{5A130CF4-82A1-480D-B1BC-8C9BC041D947}" presName="rootText3" presStyleLbl="asst1" presStyleIdx="0" presStyleCnt="50">
         <dgm:presLayoutVars>
           <dgm:chPref val="3"/>
         </dgm:presLayoutVars>
@@ -2912,7 +2961,7 @@
       <dgm:spPr/>
     </dgm:pt>
     <dgm:pt modelId="{6F03B1E2-CF5E-4160-BEAE-D46AE17D2A57}" type="pres">
-      <dgm:prSet presAssocID="{5A130CF4-82A1-480D-B1BC-8C9BC041D947}" presName="rootConnector3" presStyleLbl="asst1" presStyleIdx="0" presStyleCnt="48"/>
+      <dgm:prSet presAssocID="{5A130CF4-82A1-480D-B1BC-8C9BC041D947}" presName="rootConnector3" presStyleLbl="asst1" presStyleIdx="0" presStyleCnt="50"/>
       <dgm:spPr/>
     </dgm:pt>
     <dgm:pt modelId="{7D67871C-FAA3-49E9-8269-C8132AE608BC}" type="pres">
@@ -2940,7 +2989,7 @@
       <dgm:spPr/>
     </dgm:pt>
     <dgm:pt modelId="{E0D9D789-8723-4EBE-96CD-7B761C793469}" type="pres">
-      <dgm:prSet presAssocID="{3E8CC39E-1D51-463A-8607-640A4960C4BD}" presName="rootText3" presStyleLbl="asst1" presStyleIdx="1" presStyleCnt="48">
+      <dgm:prSet presAssocID="{3E8CC39E-1D51-463A-8607-640A4960C4BD}" presName="rootText3" presStyleLbl="asst1" presStyleIdx="1" presStyleCnt="50">
         <dgm:presLayoutVars>
           <dgm:chPref val="3"/>
         </dgm:presLayoutVars>
@@ -2948,7 +2997,7 @@
       <dgm:spPr/>
     </dgm:pt>
     <dgm:pt modelId="{8646981E-4CB0-4655-AE68-C8DAF4D043B7}" type="pres">
-      <dgm:prSet presAssocID="{3E8CC39E-1D51-463A-8607-640A4960C4BD}" presName="rootConnector3" presStyleLbl="asst1" presStyleIdx="1" presStyleCnt="48"/>
+      <dgm:prSet presAssocID="{3E8CC39E-1D51-463A-8607-640A4960C4BD}" presName="rootConnector3" presStyleLbl="asst1" presStyleIdx="1" presStyleCnt="50"/>
       <dgm:spPr/>
     </dgm:pt>
     <dgm:pt modelId="{8682349C-655C-40C6-804C-5F9E015BA993}" type="pres">
@@ -2960,7 +3009,7 @@
       <dgm:spPr/>
     </dgm:pt>
     <dgm:pt modelId="{B47D875A-07B5-4BAB-BA1B-24FF28ECFCDA}" type="pres">
-      <dgm:prSet presAssocID="{4D634B1D-052E-47B6-9561-6DB08B508886}" presName="Name111" presStyleLbl="parChTrans1D4" presStyleIdx="0" presStyleCnt="30"/>
+      <dgm:prSet presAssocID="{4D634B1D-052E-47B6-9561-6DB08B508886}" presName="Name111" presStyleLbl="parChTrans1D4" presStyleIdx="0" presStyleCnt="32"/>
       <dgm:spPr/>
     </dgm:pt>
     <dgm:pt modelId="{8739B7E2-E227-46ED-8ED8-C9F1C26455A7}" type="pres">
@@ -2976,7 +3025,7 @@
       <dgm:spPr/>
     </dgm:pt>
     <dgm:pt modelId="{4C561BD1-6498-41FC-9541-C2D44F4A10CE}" type="pres">
-      <dgm:prSet presAssocID="{23209160-44D6-468D-88E0-7F515DA6C8E1}" presName="rootText3" presStyleLbl="asst1" presStyleIdx="2" presStyleCnt="48">
+      <dgm:prSet presAssocID="{23209160-44D6-468D-88E0-7F515DA6C8E1}" presName="rootText3" presStyleLbl="asst1" presStyleIdx="2" presStyleCnt="50">
         <dgm:presLayoutVars>
           <dgm:chPref val="3"/>
         </dgm:presLayoutVars>
@@ -2984,7 +3033,7 @@
       <dgm:spPr/>
     </dgm:pt>
     <dgm:pt modelId="{6D8FBC58-20D1-417B-A42C-58A7512AF578}" type="pres">
-      <dgm:prSet presAssocID="{23209160-44D6-468D-88E0-7F515DA6C8E1}" presName="rootConnector3" presStyleLbl="asst1" presStyleIdx="2" presStyleCnt="48"/>
+      <dgm:prSet presAssocID="{23209160-44D6-468D-88E0-7F515DA6C8E1}" presName="rootConnector3" presStyleLbl="asst1" presStyleIdx="2" presStyleCnt="50"/>
       <dgm:spPr/>
     </dgm:pt>
     <dgm:pt modelId="{4E4FC650-02F1-418C-86B7-4E33A344D5ED}" type="pres">
@@ -2996,7 +3045,7 @@
       <dgm:spPr/>
     </dgm:pt>
     <dgm:pt modelId="{2330DF79-6759-44AF-BF5B-48DAF401A9FC}" type="pres">
-      <dgm:prSet presAssocID="{2E07F3E9-F9E3-489C-835A-A259CF4F2EB3}" presName="Name111" presStyleLbl="parChTrans1D4" presStyleIdx="1" presStyleCnt="30"/>
+      <dgm:prSet presAssocID="{2E07F3E9-F9E3-489C-835A-A259CF4F2EB3}" presName="Name111" presStyleLbl="parChTrans1D4" presStyleIdx="1" presStyleCnt="32"/>
       <dgm:spPr/>
     </dgm:pt>
     <dgm:pt modelId="{71E537D4-428E-43E4-A665-2E6C020ABEEE}" type="pres">
@@ -3012,7 +3061,7 @@
       <dgm:spPr/>
     </dgm:pt>
     <dgm:pt modelId="{CA29F901-FB62-40CB-93B0-5FA3D3E89153}" type="pres">
-      <dgm:prSet presAssocID="{50744334-6503-43A4-ADDB-0CC5326D54D8}" presName="rootText3" presStyleLbl="asst1" presStyleIdx="3" presStyleCnt="48">
+      <dgm:prSet presAssocID="{50744334-6503-43A4-ADDB-0CC5326D54D8}" presName="rootText3" presStyleLbl="asst1" presStyleIdx="3" presStyleCnt="50">
         <dgm:presLayoutVars>
           <dgm:chPref val="3"/>
         </dgm:presLayoutVars>
@@ -3020,7 +3069,7 @@
       <dgm:spPr/>
     </dgm:pt>
     <dgm:pt modelId="{E5C1CEEB-72CF-4D85-BA23-818995F5318D}" type="pres">
-      <dgm:prSet presAssocID="{50744334-6503-43A4-ADDB-0CC5326D54D8}" presName="rootConnector3" presStyleLbl="asst1" presStyleIdx="3" presStyleCnt="48"/>
+      <dgm:prSet presAssocID="{50744334-6503-43A4-ADDB-0CC5326D54D8}" presName="rootConnector3" presStyleLbl="asst1" presStyleIdx="3" presStyleCnt="50"/>
       <dgm:spPr/>
     </dgm:pt>
     <dgm:pt modelId="{97E5797F-DD2C-4858-AC6C-95E76A1F24F4}" type="pres">
@@ -3032,7 +3081,7 @@
       <dgm:spPr/>
     </dgm:pt>
     <dgm:pt modelId="{A7D1E3CC-CF40-419B-A23A-A0E30CC143C9}" type="pres">
-      <dgm:prSet presAssocID="{D56DBF74-740C-4F96-8CAA-F39D952A495F}" presName="Name111" presStyleLbl="parChTrans1D4" presStyleIdx="2" presStyleCnt="30"/>
+      <dgm:prSet presAssocID="{D56DBF74-740C-4F96-8CAA-F39D952A495F}" presName="Name111" presStyleLbl="parChTrans1D4" presStyleIdx="2" presStyleCnt="32"/>
       <dgm:spPr/>
     </dgm:pt>
     <dgm:pt modelId="{9878BEFD-2D78-4AEE-A197-36319D839771}" type="pres">
@@ -3048,7 +3097,7 @@
       <dgm:spPr/>
     </dgm:pt>
     <dgm:pt modelId="{FADDC691-0A86-4B40-AA55-39069DDC51CC}" type="pres">
-      <dgm:prSet presAssocID="{FBE65CBC-7EC3-4A2A-9C5B-BB24267C7434}" presName="rootText3" presStyleLbl="asst1" presStyleIdx="4" presStyleCnt="48">
+      <dgm:prSet presAssocID="{FBE65CBC-7EC3-4A2A-9C5B-BB24267C7434}" presName="rootText3" presStyleLbl="asst1" presStyleIdx="4" presStyleCnt="50">
         <dgm:presLayoutVars>
           <dgm:chPref val="3"/>
         </dgm:presLayoutVars>
@@ -3056,7 +3105,7 @@
       <dgm:spPr/>
     </dgm:pt>
     <dgm:pt modelId="{7F51D0F5-C74B-4D44-B08D-5D034389763E}" type="pres">
-      <dgm:prSet presAssocID="{FBE65CBC-7EC3-4A2A-9C5B-BB24267C7434}" presName="rootConnector3" presStyleLbl="asst1" presStyleIdx="4" presStyleCnt="48"/>
+      <dgm:prSet presAssocID="{FBE65CBC-7EC3-4A2A-9C5B-BB24267C7434}" presName="rootConnector3" presStyleLbl="asst1" presStyleIdx="4" presStyleCnt="50"/>
       <dgm:spPr/>
     </dgm:pt>
     <dgm:pt modelId="{63D90A7A-BC9D-436C-AA10-5F2D6E9CDF54}" type="pres">
@@ -3068,7 +3117,7 @@
       <dgm:spPr/>
     </dgm:pt>
     <dgm:pt modelId="{A3AD00AC-C08B-40FB-8083-19D64B9EF040}" type="pres">
-      <dgm:prSet presAssocID="{F8B36BD7-227B-481D-B93A-AC0E3729CD8F}" presName="Name111" presStyleLbl="parChTrans1D4" presStyleIdx="3" presStyleCnt="30"/>
+      <dgm:prSet presAssocID="{F8B36BD7-227B-481D-B93A-AC0E3729CD8F}" presName="Name111" presStyleLbl="parChTrans1D4" presStyleIdx="3" presStyleCnt="32"/>
       <dgm:spPr/>
     </dgm:pt>
     <dgm:pt modelId="{EF8DBBF1-0981-4FB4-9DDB-99713E54ECBC}" type="pres">
@@ -3084,7 +3133,7 @@
       <dgm:spPr/>
     </dgm:pt>
     <dgm:pt modelId="{9A2566C5-9F5E-4D8B-9060-A8D3B81F3336}" type="pres">
-      <dgm:prSet presAssocID="{E086C18C-6586-4CDA-90D8-BA574ABF75C5}" presName="rootText3" presStyleLbl="asst1" presStyleIdx="5" presStyleCnt="48">
+      <dgm:prSet presAssocID="{E086C18C-6586-4CDA-90D8-BA574ABF75C5}" presName="rootText3" presStyleLbl="asst1" presStyleIdx="5" presStyleCnt="50">
         <dgm:presLayoutVars>
           <dgm:chPref val="3"/>
         </dgm:presLayoutVars>
@@ -3092,7 +3141,7 @@
       <dgm:spPr/>
     </dgm:pt>
     <dgm:pt modelId="{B58AA6A6-3178-4EE1-83E4-04B4CF34D00B}" type="pres">
-      <dgm:prSet presAssocID="{E086C18C-6586-4CDA-90D8-BA574ABF75C5}" presName="rootConnector3" presStyleLbl="asst1" presStyleIdx="5" presStyleCnt="48"/>
+      <dgm:prSet presAssocID="{E086C18C-6586-4CDA-90D8-BA574ABF75C5}" presName="rootConnector3" presStyleLbl="asst1" presStyleIdx="5" presStyleCnt="50"/>
       <dgm:spPr/>
     </dgm:pt>
     <dgm:pt modelId="{77D96003-1FE6-40EE-AF18-7CA375ABE68E}" type="pres">
@@ -3104,7 +3153,7 @@
       <dgm:spPr/>
     </dgm:pt>
     <dgm:pt modelId="{C0A1A1E0-23B3-45C2-B4A2-6D0F5E85036E}" type="pres">
-      <dgm:prSet presAssocID="{D59CD930-FAC4-45A4-A9F1-98FDD212E676}" presName="Name111" presStyleLbl="parChTrans1D4" presStyleIdx="4" presStyleCnt="30"/>
+      <dgm:prSet presAssocID="{D59CD930-FAC4-45A4-A9F1-98FDD212E676}" presName="Name111" presStyleLbl="parChTrans1D4" presStyleIdx="4" presStyleCnt="32"/>
       <dgm:spPr/>
     </dgm:pt>
     <dgm:pt modelId="{2D2828CC-EB4B-49B2-B78A-7860064CAA91}" type="pres">
@@ -3120,7 +3169,7 @@
       <dgm:spPr/>
     </dgm:pt>
     <dgm:pt modelId="{7BBCE7BB-9B24-4968-9CF1-8802A8F83A58}" type="pres">
-      <dgm:prSet presAssocID="{3E06C824-B207-4BB9-8299-6DB685B22456}" presName="rootText3" presStyleLbl="asst1" presStyleIdx="6" presStyleCnt="48">
+      <dgm:prSet presAssocID="{3E06C824-B207-4BB9-8299-6DB685B22456}" presName="rootText3" presStyleLbl="asst1" presStyleIdx="6" presStyleCnt="50">
         <dgm:presLayoutVars>
           <dgm:chPref val="3"/>
         </dgm:presLayoutVars>
@@ -3128,7 +3177,7 @@
       <dgm:spPr/>
     </dgm:pt>
     <dgm:pt modelId="{1F5AFEBC-03BC-4BD6-A5BF-2EC34D010DE7}" type="pres">
-      <dgm:prSet presAssocID="{3E06C824-B207-4BB9-8299-6DB685B22456}" presName="rootConnector3" presStyleLbl="asst1" presStyleIdx="6" presStyleCnt="48"/>
+      <dgm:prSet presAssocID="{3E06C824-B207-4BB9-8299-6DB685B22456}" presName="rootConnector3" presStyleLbl="asst1" presStyleIdx="6" presStyleCnt="50"/>
       <dgm:spPr/>
     </dgm:pt>
     <dgm:pt modelId="{D66959BE-DCB5-4899-BB1B-2FE35AEB0266}" type="pres">
@@ -3140,7 +3189,7 @@
       <dgm:spPr/>
     </dgm:pt>
     <dgm:pt modelId="{0E3782B3-E865-4373-BB27-4F6E0F061D18}" type="pres">
-      <dgm:prSet presAssocID="{571A605A-EC94-4BD6-A530-277BA2DA874F}" presName="Name111" presStyleLbl="parChTrans1D4" presStyleIdx="5" presStyleCnt="30"/>
+      <dgm:prSet presAssocID="{571A605A-EC94-4BD6-A530-277BA2DA874F}" presName="Name111" presStyleLbl="parChTrans1D4" presStyleIdx="5" presStyleCnt="32"/>
       <dgm:spPr/>
     </dgm:pt>
     <dgm:pt modelId="{660F532D-8D3E-4E4A-B333-24634BCD93B5}" type="pres">
@@ -3156,7 +3205,7 @@
       <dgm:spPr/>
     </dgm:pt>
     <dgm:pt modelId="{16878670-2316-40C8-BBED-5A791E94C876}" type="pres">
-      <dgm:prSet presAssocID="{3EBB3AF4-834B-4DA5-9346-169CC5FA8B6C}" presName="rootText3" presStyleLbl="asst1" presStyleIdx="7" presStyleCnt="48">
+      <dgm:prSet presAssocID="{3EBB3AF4-834B-4DA5-9346-169CC5FA8B6C}" presName="rootText3" presStyleLbl="asst1" presStyleIdx="7" presStyleCnt="50">
         <dgm:presLayoutVars>
           <dgm:chPref val="3"/>
         </dgm:presLayoutVars>
@@ -3164,7 +3213,7 @@
       <dgm:spPr/>
     </dgm:pt>
     <dgm:pt modelId="{BF451C11-49F1-4671-99EE-E0DB77414EDF}" type="pres">
-      <dgm:prSet presAssocID="{3EBB3AF4-834B-4DA5-9346-169CC5FA8B6C}" presName="rootConnector3" presStyleLbl="asst1" presStyleIdx="7" presStyleCnt="48"/>
+      <dgm:prSet presAssocID="{3EBB3AF4-834B-4DA5-9346-169CC5FA8B6C}" presName="rootConnector3" presStyleLbl="asst1" presStyleIdx="7" presStyleCnt="50"/>
       <dgm:spPr/>
     </dgm:pt>
     <dgm:pt modelId="{218D5055-3F6D-4824-ADA4-05A10B00B0F7}" type="pres">
@@ -3176,7 +3225,7 @@
       <dgm:spPr/>
     </dgm:pt>
     <dgm:pt modelId="{55A88246-B398-4A41-9C16-FB7D7E803901}" type="pres">
-      <dgm:prSet presAssocID="{0F7BB613-974A-4529-A0EF-B00F076028A4}" presName="Name111" presStyleLbl="parChTrans1D4" presStyleIdx="6" presStyleCnt="30"/>
+      <dgm:prSet presAssocID="{0F7BB613-974A-4529-A0EF-B00F076028A4}" presName="Name111" presStyleLbl="parChTrans1D4" presStyleIdx="6" presStyleCnt="32"/>
       <dgm:spPr/>
     </dgm:pt>
     <dgm:pt modelId="{99B909E4-8163-46BA-A44E-98A2083DFB03}" type="pres">
@@ -3192,7 +3241,7 @@
       <dgm:spPr/>
     </dgm:pt>
     <dgm:pt modelId="{1F20BA95-876A-4CA7-8474-083218689804}" type="pres">
-      <dgm:prSet presAssocID="{5A24ACE5-68D0-4967-9DE2-03D6135DC87E}" presName="rootText3" presStyleLbl="asst1" presStyleIdx="8" presStyleCnt="48">
+      <dgm:prSet presAssocID="{5A24ACE5-68D0-4967-9DE2-03D6135DC87E}" presName="rootText3" presStyleLbl="asst1" presStyleIdx="8" presStyleCnt="50">
         <dgm:presLayoutVars>
           <dgm:chPref val="3"/>
         </dgm:presLayoutVars>
@@ -3200,7 +3249,7 @@
       <dgm:spPr/>
     </dgm:pt>
     <dgm:pt modelId="{BECB09A8-AD65-4C77-9143-3C7111625FA0}" type="pres">
-      <dgm:prSet presAssocID="{5A24ACE5-68D0-4967-9DE2-03D6135DC87E}" presName="rootConnector3" presStyleLbl="asst1" presStyleIdx="8" presStyleCnt="48"/>
+      <dgm:prSet presAssocID="{5A24ACE5-68D0-4967-9DE2-03D6135DC87E}" presName="rootConnector3" presStyleLbl="asst1" presStyleIdx="8" presStyleCnt="50"/>
       <dgm:spPr/>
     </dgm:pt>
     <dgm:pt modelId="{11AA1DBA-290F-465A-99B1-3D5EFF5AC61F}" type="pres">
@@ -3212,7 +3261,7 @@
       <dgm:spPr/>
     </dgm:pt>
     <dgm:pt modelId="{4BA0FD2B-D648-4FD0-8F33-BC723D7B9B66}" type="pres">
-      <dgm:prSet presAssocID="{F264BCA0-E208-4FB7-B1BB-E25907FEC487}" presName="Name111" presStyleLbl="parChTrans1D4" presStyleIdx="7" presStyleCnt="30"/>
+      <dgm:prSet presAssocID="{F264BCA0-E208-4FB7-B1BB-E25907FEC487}" presName="Name111" presStyleLbl="parChTrans1D4" presStyleIdx="7" presStyleCnt="32"/>
       <dgm:spPr/>
     </dgm:pt>
     <dgm:pt modelId="{8C8AAAB9-A186-4ACE-A26D-8E2DC895C11B}" type="pres">
@@ -3228,7 +3277,7 @@
       <dgm:spPr/>
     </dgm:pt>
     <dgm:pt modelId="{D086313A-D390-46C5-9D6A-A8D0967A109B}" type="pres">
-      <dgm:prSet presAssocID="{105699BB-7017-453A-8C0E-2004027AD789}" presName="rootText3" presStyleLbl="asst1" presStyleIdx="9" presStyleCnt="48">
+      <dgm:prSet presAssocID="{105699BB-7017-453A-8C0E-2004027AD789}" presName="rootText3" presStyleLbl="asst1" presStyleIdx="9" presStyleCnt="50">
         <dgm:presLayoutVars>
           <dgm:chPref val="3"/>
         </dgm:presLayoutVars>
@@ -3236,7 +3285,7 @@
       <dgm:spPr/>
     </dgm:pt>
     <dgm:pt modelId="{4992B22D-4DD8-4B66-8921-9B600E91A1A2}" type="pres">
-      <dgm:prSet presAssocID="{105699BB-7017-453A-8C0E-2004027AD789}" presName="rootConnector3" presStyleLbl="asst1" presStyleIdx="9" presStyleCnt="48"/>
+      <dgm:prSet presAssocID="{105699BB-7017-453A-8C0E-2004027AD789}" presName="rootConnector3" presStyleLbl="asst1" presStyleIdx="9" presStyleCnt="50"/>
       <dgm:spPr/>
     </dgm:pt>
     <dgm:pt modelId="{6A41F1CE-10DC-41EF-81CC-D339CBC49D6F}" type="pres">
@@ -3248,7 +3297,7 @@
       <dgm:spPr/>
     </dgm:pt>
     <dgm:pt modelId="{098EF2EF-54F9-4DB9-9B90-CA77F8509B37}" type="pres">
-      <dgm:prSet presAssocID="{1ACA5A08-FB34-4B93-B527-18564E327613}" presName="Name111" presStyleLbl="parChTrans1D4" presStyleIdx="8" presStyleCnt="30"/>
+      <dgm:prSet presAssocID="{1ACA5A08-FB34-4B93-B527-18564E327613}" presName="Name111" presStyleLbl="parChTrans1D4" presStyleIdx="8" presStyleCnt="32"/>
       <dgm:spPr/>
     </dgm:pt>
     <dgm:pt modelId="{1889ECEE-51F8-4933-BE96-DDB5504919A1}" type="pres">
@@ -3264,7 +3313,7 @@
       <dgm:spPr/>
     </dgm:pt>
     <dgm:pt modelId="{0922FE8B-DF89-4405-8D8B-F8F3C875E2DD}" type="pres">
-      <dgm:prSet presAssocID="{B146A1B1-B0D4-43AF-9F61-DBA9336A534C}" presName="rootText3" presStyleLbl="asst1" presStyleIdx="10" presStyleCnt="48">
+      <dgm:prSet presAssocID="{B146A1B1-B0D4-43AF-9F61-DBA9336A534C}" presName="rootText3" presStyleLbl="asst1" presStyleIdx="10" presStyleCnt="50">
         <dgm:presLayoutVars>
           <dgm:chPref val="3"/>
         </dgm:presLayoutVars>
@@ -3272,7 +3321,7 @@
       <dgm:spPr/>
     </dgm:pt>
     <dgm:pt modelId="{668A8947-A38B-435F-9375-33A1F548AD46}" type="pres">
-      <dgm:prSet presAssocID="{B146A1B1-B0D4-43AF-9F61-DBA9336A534C}" presName="rootConnector3" presStyleLbl="asst1" presStyleIdx="10" presStyleCnt="48"/>
+      <dgm:prSet presAssocID="{B146A1B1-B0D4-43AF-9F61-DBA9336A534C}" presName="rootConnector3" presStyleLbl="asst1" presStyleIdx="10" presStyleCnt="50"/>
       <dgm:spPr/>
     </dgm:pt>
     <dgm:pt modelId="{85322F85-0272-4FC7-86DE-F7E4CD155D63}" type="pres">
@@ -3284,7 +3333,7 @@
       <dgm:spPr/>
     </dgm:pt>
     <dgm:pt modelId="{940D5A6A-3D20-4AF7-A598-183C785A991B}" type="pres">
-      <dgm:prSet presAssocID="{46C21EAD-A920-4646-8331-AAC76B296F08}" presName="Name111" presStyleLbl="parChTrans1D4" presStyleIdx="9" presStyleCnt="30"/>
+      <dgm:prSet presAssocID="{46C21EAD-A920-4646-8331-AAC76B296F08}" presName="Name111" presStyleLbl="parChTrans1D4" presStyleIdx="9" presStyleCnt="32"/>
       <dgm:spPr/>
     </dgm:pt>
     <dgm:pt modelId="{A02C4304-2B2A-4D66-A0B5-1E92C3A9B692}" type="pres">
@@ -3300,7 +3349,7 @@
       <dgm:spPr/>
     </dgm:pt>
     <dgm:pt modelId="{BCFCD26C-86D8-4D7F-B57A-880FC9A97A3F}" type="pres">
-      <dgm:prSet presAssocID="{F1C186BE-BD2A-4C33-BAA2-8C22BA45FE1C}" presName="rootText3" presStyleLbl="asst1" presStyleIdx="11" presStyleCnt="48">
+      <dgm:prSet presAssocID="{F1C186BE-BD2A-4C33-BAA2-8C22BA45FE1C}" presName="rootText3" presStyleLbl="asst1" presStyleIdx="11" presStyleCnt="50">
         <dgm:presLayoutVars>
           <dgm:chPref val="3"/>
         </dgm:presLayoutVars>
@@ -3308,7 +3357,7 @@
       <dgm:spPr/>
     </dgm:pt>
     <dgm:pt modelId="{6B83C2E2-791C-4166-B03A-F42D6D25230D}" type="pres">
-      <dgm:prSet presAssocID="{F1C186BE-BD2A-4C33-BAA2-8C22BA45FE1C}" presName="rootConnector3" presStyleLbl="asst1" presStyleIdx="11" presStyleCnt="48"/>
+      <dgm:prSet presAssocID="{F1C186BE-BD2A-4C33-BAA2-8C22BA45FE1C}" presName="rootConnector3" presStyleLbl="asst1" presStyleIdx="11" presStyleCnt="50"/>
       <dgm:spPr/>
     </dgm:pt>
     <dgm:pt modelId="{8117AC7E-F658-41AD-8E54-EF2799434183}" type="pres">
@@ -3320,7 +3369,7 @@
       <dgm:spPr/>
     </dgm:pt>
     <dgm:pt modelId="{88BEF9BE-BD95-49C8-BC77-2259BEFB9056}" type="pres">
-      <dgm:prSet presAssocID="{D7FB8382-77BA-4D1C-BA5F-39BCA282884D}" presName="Name111" presStyleLbl="parChTrans1D4" presStyleIdx="10" presStyleCnt="30"/>
+      <dgm:prSet presAssocID="{D7FB8382-77BA-4D1C-BA5F-39BCA282884D}" presName="Name111" presStyleLbl="parChTrans1D4" presStyleIdx="10" presStyleCnt="32"/>
       <dgm:spPr/>
     </dgm:pt>
     <dgm:pt modelId="{1E6786F4-574A-4F50-8103-9BABDBB530E9}" type="pres">
@@ -3336,7 +3385,7 @@
       <dgm:spPr/>
     </dgm:pt>
     <dgm:pt modelId="{E51E6F38-46A5-4263-9055-A1AEB09CD03A}" type="pres">
-      <dgm:prSet presAssocID="{275D6578-A6C0-4038-AA6E-BAF2BF3B0470}" presName="rootText3" presStyleLbl="asst1" presStyleIdx="12" presStyleCnt="48">
+      <dgm:prSet presAssocID="{275D6578-A6C0-4038-AA6E-BAF2BF3B0470}" presName="rootText3" presStyleLbl="asst1" presStyleIdx="12" presStyleCnt="50">
         <dgm:presLayoutVars>
           <dgm:chPref val="3"/>
         </dgm:presLayoutVars>
@@ -3344,7 +3393,7 @@
       <dgm:spPr/>
     </dgm:pt>
     <dgm:pt modelId="{537DB5FB-5D30-4BFC-B4B9-2FBB575FA24A}" type="pres">
-      <dgm:prSet presAssocID="{275D6578-A6C0-4038-AA6E-BAF2BF3B0470}" presName="rootConnector3" presStyleLbl="asst1" presStyleIdx="12" presStyleCnt="48"/>
+      <dgm:prSet presAssocID="{275D6578-A6C0-4038-AA6E-BAF2BF3B0470}" presName="rootConnector3" presStyleLbl="asst1" presStyleIdx="12" presStyleCnt="50"/>
       <dgm:spPr/>
     </dgm:pt>
     <dgm:pt modelId="{47793928-2EB7-415B-96B0-96AC361D6FB1}" type="pres">
@@ -3356,7 +3405,7 @@
       <dgm:spPr/>
     </dgm:pt>
     <dgm:pt modelId="{9566F6EE-4358-4C72-A5E0-69FB940F8986}" type="pres">
-      <dgm:prSet presAssocID="{1275C6AF-D6DB-42CA-91E1-614D01323013}" presName="Name111" presStyleLbl="parChTrans1D4" presStyleIdx="11" presStyleCnt="30"/>
+      <dgm:prSet presAssocID="{1275C6AF-D6DB-42CA-91E1-614D01323013}" presName="Name111" presStyleLbl="parChTrans1D4" presStyleIdx="11" presStyleCnt="32"/>
       <dgm:spPr/>
     </dgm:pt>
     <dgm:pt modelId="{FFDA8AF5-959B-4008-A629-49FE40AD0E99}" type="pres">
@@ -3372,7 +3421,7 @@
       <dgm:spPr/>
     </dgm:pt>
     <dgm:pt modelId="{1005FA76-D947-46F8-8000-A279BD4348DD}" type="pres">
-      <dgm:prSet presAssocID="{E0ED939F-CDDA-4743-843F-304C40BEDDFE}" presName="rootText3" presStyleLbl="asst1" presStyleIdx="13" presStyleCnt="48">
+      <dgm:prSet presAssocID="{E0ED939F-CDDA-4743-843F-304C40BEDDFE}" presName="rootText3" presStyleLbl="asst1" presStyleIdx="13" presStyleCnt="50">
         <dgm:presLayoutVars>
           <dgm:chPref val="3"/>
         </dgm:presLayoutVars>
@@ -3380,7 +3429,7 @@
       <dgm:spPr/>
     </dgm:pt>
     <dgm:pt modelId="{226FC570-8666-4E17-822A-229712F04EEC}" type="pres">
-      <dgm:prSet presAssocID="{E0ED939F-CDDA-4743-843F-304C40BEDDFE}" presName="rootConnector3" presStyleLbl="asst1" presStyleIdx="13" presStyleCnt="48"/>
+      <dgm:prSet presAssocID="{E0ED939F-CDDA-4743-843F-304C40BEDDFE}" presName="rootConnector3" presStyleLbl="asst1" presStyleIdx="13" presStyleCnt="50"/>
       <dgm:spPr/>
     </dgm:pt>
     <dgm:pt modelId="{032BE594-115C-477F-9BC1-846C3D972AAF}" type="pres">
@@ -3408,7 +3457,7 @@
       <dgm:spPr/>
     </dgm:pt>
     <dgm:pt modelId="{1A5F4A39-3F72-454B-8E34-BA033BF3C5E1}" type="pres">
-      <dgm:prSet presAssocID="{57178ABE-A017-45D8-9354-71432AE8CB88}" presName="rootText3" presStyleLbl="asst1" presStyleIdx="14" presStyleCnt="48">
+      <dgm:prSet presAssocID="{57178ABE-A017-45D8-9354-71432AE8CB88}" presName="rootText3" presStyleLbl="asst1" presStyleIdx="14" presStyleCnt="50">
         <dgm:presLayoutVars>
           <dgm:chPref val="3"/>
         </dgm:presLayoutVars>
@@ -3416,7 +3465,7 @@
       <dgm:spPr/>
     </dgm:pt>
     <dgm:pt modelId="{B1709F27-9F7A-41B5-8C1E-08B9561462CF}" type="pres">
-      <dgm:prSet presAssocID="{57178ABE-A017-45D8-9354-71432AE8CB88}" presName="rootConnector3" presStyleLbl="asst1" presStyleIdx="14" presStyleCnt="48"/>
+      <dgm:prSet presAssocID="{57178ABE-A017-45D8-9354-71432AE8CB88}" presName="rootConnector3" presStyleLbl="asst1" presStyleIdx="14" presStyleCnt="50"/>
       <dgm:spPr/>
     </dgm:pt>
     <dgm:pt modelId="{3CBB8D2C-D4EF-48E5-8073-CFC51627524C}" type="pres">
@@ -3444,7 +3493,7 @@
       <dgm:spPr/>
     </dgm:pt>
     <dgm:pt modelId="{7C453B80-2575-4477-8225-282BC5C3B02F}" type="pres">
-      <dgm:prSet presAssocID="{EC79ACA4-03F9-443C-9782-38DADB913262}" presName="rootText3" presStyleLbl="asst1" presStyleIdx="15" presStyleCnt="48">
+      <dgm:prSet presAssocID="{EC79ACA4-03F9-443C-9782-38DADB913262}" presName="rootText3" presStyleLbl="asst1" presStyleIdx="15" presStyleCnt="50">
         <dgm:presLayoutVars>
           <dgm:chPref val="3"/>
         </dgm:presLayoutVars>
@@ -3452,7 +3501,7 @@
       <dgm:spPr/>
     </dgm:pt>
     <dgm:pt modelId="{843863CD-4836-4135-9668-97550F9AFA14}" type="pres">
-      <dgm:prSet presAssocID="{EC79ACA4-03F9-443C-9782-38DADB913262}" presName="rootConnector3" presStyleLbl="asst1" presStyleIdx="15" presStyleCnt="48"/>
+      <dgm:prSet presAssocID="{EC79ACA4-03F9-443C-9782-38DADB913262}" presName="rootConnector3" presStyleLbl="asst1" presStyleIdx="15" presStyleCnt="50"/>
       <dgm:spPr/>
     </dgm:pt>
     <dgm:pt modelId="{4D235D28-9C58-49DC-845E-2AD72F359C07}" type="pres">
@@ -3464,7 +3513,7 @@
       <dgm:spPr/>
     </dgm:pt>
     <dgm:pt modelId="{2B9A6652-0CDC-4A06-8130-3523581C7640}" type="pres">
-      <dgm:prSet presAssocID="{E423D0F6-8CED-4F3F-9A84-93E0370E44A7}" presName="Name111" presStyleLbl="parChTrans1D4" presStyleIdx="12" presStyleCnt="30"/>
+      <dgm:prSet presAssocID="{E423D0F6-8CED-4F3F-9A84-93E0370E44A7}" presName="Name111" presStyleLbl="parChTrans1D4" presStyleIdx="12" presStyleCnt="32"/>
       <dgm:spPr/>
     </dgm:pt>
     <dgm:pt modelId="{E44BC461-30C2-4362-96E6-D08763713B9A}" type="pres">
@@ -3480,7 +3529,7 @@
       <dgm:spPr/>
     </dgm:pt>
     <dgm:pt modelId="{CFFB4314-3114-427D-9439-8EE9BFA47093}" type="pres">
-      <dgm:prSet presAssocID="{CCC2EB33-60ED-4872-98F3-0FFD00EF13A0}" presName="rootText3" presStyleLbl="asst1" presStyleIdx="16" presStyleCnt="48">
+      <dgm:prSet presAssocID="{CCC2EB33-60ED-4872-98F3-0FFD00EF13A0}" presName="rootText3" presStyleLbl="asst1" presStyleIdx="16" presStyleCnt="50">
         <dgm:presLayoutVars>
           <dgm:chPref val="3"/>
         </dgm:presLayoutVars>
@@ -3488,7 +3537,7 @@
       <dgm:spPr/>
     </dgm:pt>
     <dgm:pt modelId="{BEB93244-3355-4351-ABC6-45C93C1A7BE4}" type="pres">
-      <dgm:prSet presAssocID="{CCC2EB33-60ED-4872-98F3-0FFD00EF13A0}" presName="rootConnector3" presStyleLbl="asst1" presStyleIdx="16" presStyleCnt="48"/>
+      <dgm:prSet presAssocID="{CCC2EB33-60ED-4872-98F3-0FFD00EF13A0}" presName="rootConnector3" presStyleLbl="asst1" presStyleIdx="16" presStyleCnt="50"/>
       <dgm:spPr/>
     </dgm:pt>
     <dgm:pt modelId="{A3FA42AA-5571-4A00-A3D1-A8169E881DC8}" type="pres">
@@ -3500,7 +3549,7 @@
       <dgm:spPr/>
     </dgm:pt>
     <dgm:pt modelId="{1D04A93D-63FE-4ED7-BC5D-79850A2E6AE1}" type="pres">
-      <dgm:prSet presAssocID="{0E0F7677-F927-426F-933F-C7759496133D}" presName="Name111" presStyleLbl="parChTrans1D4" presStyleIdx="13" presStyleCnt="30"/>
+      <dgm:prSet presAssocID="{0E0F7677-F927-426F-933F-C7759496133D}" presName="Name111" presStyleLbl="parChTrans1D4" presStyleIdx="13" presStyleCnt="32"/>
       <dgm:spPr/>
     </dgm:pt>
     <dgm:pt modelId="{35D34483-7B98-406B-BCB9-4FA64FB581E5}" type="pres">
@@ -3516,7 +3565,7 @@
       <dgm:spPr/>
     </dgm:pt>
     <dgm:pt modelId="{5AEF1B41-FBF0-46FE-8187-960FE966BE9B}" type="pres">
-      <dgm:prSet presAssocID="{AAD5DB4F-B470-4935-9FA1-84FFF055E1E1}" presName="rootText3" presStyleLbl="asst1" presStyleIdx="17" presStyleCnt="48">
+      <dgm:prSet presAssocID="{AAD5DB4F-B470-4935-9FA1-84FFF055E1E1}" presName="rootText3" presStyleLbl="asst1" presStyleIdx="17" presStyleCnt="50">
         <dgm:presLayoutVars>
           <dgm:chPref val="3"/>
         </dgm:presLayoutVars>
@@ -3524,7 +3573,7 @@
       <dgm:spPr/>
     </dgm:pt>
     <dgm:pt modelId="{ADC7B2D3-EE10-4AE2-947F-FE856394553B}" type="pres">
-      <dgm:prSet presAssocID="{AAD5DB4F-B470-4935-9FA1-84FFF055E1E1}" presName="rootConnector3" presStyleLbl="asst1" presStyleIdx="17" presStyleCnt="48"/>
+      <dgm:prSet presAssocID="{AAD5DB4F-B470-4935-9FA1-84FFF055E1E1}" presName="rootConnector3" presStyleLbl="asst1" presStyleIdx="17" presStyleCnt="50"/>
       <dgm:spPr/>
     </dgm:pt>
     <dgm:pt modelId="{DB986778-49A5-46E0-A537-82E64E7C0850}" type="pres">
@@ -3536,7 +3585,7 @@
       <dgm:spPr/>
     </dgm:pt>
     <dgm:pt modelId="{3B8B80CA-A300-4E85-AD7F-DE2B7485EAFA}" type="pres">
-      <dgm:prSet presAssocID="{897CE3CE-C73F-4950-BB70-A9A2F12F29C1}" presName="Name111" presStyleLbl="parChTrans1D4" presStyleIdx="14" presStyleCnt="30"/>
+      <dgm:prSet presAssocID="{897CE3CE-C73F-4950-BB70-A9A2F12F29C1}" presName="Name111" presStyleLbl="parChTrans1D4" presStyleIdx="14" presStyleCnt="32"/>
       <dgm:spPr/>
     </dgm:pt>
     <dgm:pt modelId="{00086CBD-24BD-4163-B8D3-B7BD4174E81C}" type="pres">
@@ -3552,7 +3601,7 @@
       <dgm:spPr/>
     </dgm:pt>
     <dgm:pt modelId="{2F5DA395-98D7-4FE9-ADDD-B78A90D4D5C8}" type="pres">
-      <dgm:prSet presAssocID="{7A35A079-E45F-4CB2-8E3A-46407BA36BDD}" presName="rootText3" presStyleLbl="asst1" presStyleIdx="18" presStyleCnt="48">
+      <dgm:prSet presAssocID="{7A35A079-E45F-4CB2-8E3A-46407BA36BDD}" presName="rootText3" presStyleLbl="asst1" presStyleIdx="18" presStyleCnt="50">
         <dgm:presLayoutVars>
           <dgm:chPref val="3"/>
         </dgm:presLayoutVars>
@@ -3560,7 +3609,7 @@
       <dgm:spPr/>
     </dgm:pt>
     <dgm:pt modelId="{D1CA009F-84BB-4814-85E3-0F2600BA9EED}" type="pres">
-      <dgm:prSet presAssocID="{7A35A079-E45F-4CB2-8E3A-46407BA36BDD}" presName="rootConnector3" presStyleLbl="asst1" presStyleIdx="18" presStyleCnt="48"/>
+      <dgm:prSet presAssocID="{7A35A079-E45F-4CB2-8E3A-46407BA36BDD}" presName="rootConnector3" presStyleLbl="asst1" presStyleIdx="18" presStyleCnt="50"/>
       <dgm:spPr/>
     </dgm:pt>
     <dgm:pt modelId="{6796FD29-F065-4A29-8C7D-ECB80E4539DC}" type="pres">
@@ -3588,7 +3637,7 @@
       <dgm:spPr/>
     </dgm:pt>
     <dgm:pt modelId="{7B729E8C-5D0D-4C65-A18C-D77CE62B6E3D}" type="pres">
-      <dgm:prSet presAssocID="{F4555AF6-45CD-4C98-8ED0-75426DB0E00B}" presName="rootText3" presStyleLbl="asst1" presStyleIdx="19" presStyleCnt="48">
+      <dgm:prSet presAssocID="{F4555AF6-45CD-4C98-8ED0-75426DB0E00B}" presName="rootText3" presStyleLbl="asst1" presStyleIdx="19" presStyleCnt="50">
         <dgm:presLayoutVars>
           <dgm:chPref val="3"/>
         </dgm:presLayoutVars>
@@ -3596,7 +3645,7 @@
       <dgm:spPr/>
     </dgm:pt>
     <dgm:pt modelId="{7966AC9D-8D21-4573-ABE4-FD17B8A3A950}" type="pres">
-      <dgm:prSet presAssocID="{F4555AF6-45CD-4C98-8ED0-75426DB0E00B}" presName="rootConnector3" presStyleLbl="asst1" presStyleIdx="19" presStyleCnt="48"/>
+      <dgm:prSet presAssocID="{F4555AF6-45CD-4C98-8ED0-75426DB0E00B}" presName="rootConnector3" presStyleLbl="asst1" presStyleIdx="19" presStyleCnt="50"/>
       <dgm:spPr/>
     </dgm:pt>
     <dgm:pt modelId="{F074DA1D-3F8B-44DC-BD56-DFF77AE07C87}" type="pres">
@@ -3624,7 +3673,7 @@
       <dgm:spPr/>
     </dgm:pt>
     <dgm:pt modelId="{CBC61EC5-8357-41D5-A566-A8644C9E413A}" type="pres">
-      <dgm:prSet presAssocID="{E36657BB-C992-457D-ABD4-294FF0D9E0B9}" presName="rootText3" presStyleLbl="asst1" presStyleIdx="20" presStyleCnt="48">
+      <dgm:prSet presAssocID="{E36657BB-C992-457D-ABD4-294FF0D9E0B9}" presName="rootText3" presStyleLbl="asst1" presStyleIdx="20" presStyleCnt="50">
         <dgm:presLayoutVars>
           <dgm:chPref val="3"/>
         </dgm:presLayoutVars>
@@ -3632,7 +3681,7 @@
       <dgm:spPr/>
     </dgm:pt>
     <dgm:pt modelId="{C1082ACE-4B57-4223-B5E4-93B6C7F0399C}" type="pres">
-      <dgm:prSet presAssocID="{E36657BB-C992-457D-ABD4-294FF0D9E0B9}" presName="rootConnector3" presStyleLbl="asst1" presStyleIdx="20" presStyleCnt="48"/>
+      <dgm:prSet presAssocID="{E36657BB-C992-457D-ABD4-294FF0D9E0B9}" presName="rootConnector3" presStyleLbl="asst1" presStyleIdx="20" presStyleCnt="50"/>
       <dgm:spPr/>
     </dgm:pt>
     <dgm:pt modelId="{A010814C-0C13-4886-991D-EEDB6B1E328E}" type="pres">
@@ -3644,7 +3693,7 @@
       <dgm:spPr/>
     </dgm:pt>
     <dgm:pt modelId="{D3CCF87E-6C72-43B2-97D4-4E82C64CD863}" type="pres">
-      <dgm:prSet presAssocID="{3BE59F7A-45B6-4CE6-B638-4FB12D537F41}" presName="Name111" presStyleLbl="parChTrans1D4" presStyleIdx="15" presStyleCnt="30"/>
+      <dgm:prSet presAssocID="{3BE59F7A-45B6-4CE6-B638-4FB12D537F41}" presName="Name111" presStyleLbl="parChTrans1D4" presStyleIdx="15" presStyleCnt="32"/>
       <dgm:spPr/>
     </dgm:pt>
     <dgm:pt modelId="{BE619F38-D364-4CA2-92BD-A37E50089B16}" type="pres">
@@ -3660,7 +3709,7 @@
       <dgm:spPr/>
     </dgm:pt>
     <dgm:pt modelId="{551598E9-034F-4447-97E1-782205478AE8}" type="pres">
-      <dgm:prSet presAssocID="{678E8F72-3967-48CC-9A5A-BD97DEB27994}" presName="rootText3" presStyleLbl="asst1" presStyleIdx="21" presStyleCnt="48">
+      <dgm:prSet presAssocID="{678E8F72-3967-48CC-9A5A-BD97DEB27994}" presName="rootText3" presStyleLbl="asst1" presStyleIdx="21" presStyleCnt="50">
         <dgm:presLayoutVars>
           <dgm:chPref val="3"/>
         </dgm:presLayoutVars>
@@ -3668,7 +3717,7 @@
       <dgm:spPr/>
     </dgm:pt>
     <dgm:pt modelId="{1A880197-E40B-48B6-A00E-3B1B844CF43E}" type="pres">
-      <dgm:prSet presAssocID="{678E8F72-3967-48CC-9A5A-BD97DEB27994}" presName="rootConnector3" presStyleLbl="asst1" presStyleIdx="21" presStyleCnt="48"/>
+      <dgm:prSet presAssocID="{678E8F72-3967-48CC-9A5A-BD97DEB27994}" presName="rootConnector3" presStyleLbl="asst1" presStyleIdx="21" presStyleCnt="50"/>
       <dgm:spPr/>
     </dgm:pt>
     <dgm:pt modelId="{6B2781D0-0F20-47A0-87E8-3283D1F5226D}" type="pres">
@@ -3680,7 +3729,7 @@
       <dgm:spPr/>
     </dgm:pt>
     <dgm:pt modelId="{9DA744D5-350D-4A69-A847-EB442D828B83}" type="pres">
-      <dgm:prSet presAssocID="{E2B40DA0-67AF-4A83-9084-E878E7DAD26A}" presName="Name111" presStyleLbl="parChTrans1D4" presStyleIdx="16" presStyleCnt="30"/>
+      <dgm:prSet presAssocID="{E2B40DA0-67AF-4A83-9084-E878E7DAD26A}" presName="Name111" presStyleLbl="parChTrans1D4" presStyleIdx="16" presStyleCnt="32"/>
       <dgm:spPr/>
     </dgm:pt>
     <dgm:pt modelId="{C8A45D8E-C54E-47FE-8ADD-C2263008F577}" type="pres">
@@ -3696,7 +3745,7 @@
       <dgm:spPr/>
     </dgm:pt>
     <dgm:pt modelId="{05121054-EFD6-49CC-81C8-AF91D8C37724}" type="pres">
-      <dgm:prSet presAssocID="{C87D81A1-6CC8-4DCA-BD15-B97D48806961}" presName="rootText3" presStyleLbl="asst1" presStyleIdx="22" presStyleCnt="48">
+      <dgm:prSet presAssocID="{C87D81A1-6CC8-4DCA-BD15-B97D48806961}" presName="rootText3" presStyleLbl="asst1" presStyleIdx="22" presStyleCnt="50">
         <dgm:presLayoutVars>
           <dgm:chPref val="3"/>
         </dgm:presLayoutVars>
@@ -3704,7 +3753,7 @@
       <dgm:spPr/>
     </dgm:pt>
     <dgm:pt modelId="{774BED4D-5A96-4C60-885C-497ACC6441F2}" type="pres">
-      <dgm:prSet presAssocID="{C87D81A1-6CC8-4DCA-BD15-B97D48806961}" presName="rootConnector3" presStyleLbl="asst1" presStyleIdx="22" presStyleCnt="48"/>
+      <dgm:prSet presAssocID="{C87D81A1-6CC8-4DCA-BD15-B97D48806961}" presName="rootConnector3" presStyleLbl="asst1" presStyleIdx="22" presStyleCnt="50"/>
       <dgm:spPr/>
     </dgm:pt>
     <dgm:pt modelId="{B9BB1E45-A877-4507-8CD3-439C79929DB4}" type="pres">
@@ -3716,7 +3765,7 @@
       <dgm:spPr/>
     </dgm:pt>
     <dgm:pt modelId="{DF8E89CD-BF8E-47B8-BE68-B8E177AB7234}" type="pres">
-      <dgm:prSet presAssocID="{D1B5A967-3CEB-46AD-BF90-D273A6B14619}" presName="Name111" presStyleLbl="parChTrans1D4" presStyleIdx="17" presStyleCnt="30"/>
+      <dgm:prSet presAssocID="{D1B5A967-3CEB-46AD-BF90-D273A6B14619}" presName="Name111" presStyleLbl="parChTrans1D4" presStyleIdx="17" presStyleCnt="32"/>
       <dgm:spPr/>
     </dgm:pt>
     <dgm:pt modelId="{AB169289-E06F-4D06-978E-A5F2981C357B}" type="pres">
@@ -3732,7 +3781,7 @@
       <dgm:spPr/>
     </dgm:pt>
     <dgm:pt modelId="{059FBCEB-C1E8-4D3B-AEFC-9AF2EAB5A0C0}" type="pres">
-      <dgm:prSet presAssocID="{AA8F3353-CF59-4492-826B-98B162F4CD24}" presName="rootText3" presStyleLbl="asst1" presStyleIdx="23" presStyleCnt="48">
+      <dgm:prSet presAssocID="{AA8F3353-CF59-4492-826B-98B162F4CD24}" presName="rootText3" presStyleLbl="asst1" presStyleIdx="23" presStyleCnt="50">
         <dgm:presLayoutVars>
           <dgm:chPref val="3"/>
         </dgm:presLayoutVars>
@@ -3740,7 +3789,7 @@
       <dgm:spPr/>
     </dgm:pt>
     <dgm:pt modelId="{11BC200D-0CDD-48A9-8270-990285883250}" type="pres">
-      <dgm:prSet presAssocID="{AA8F3353-CF59-4492-826B-98B162F4CD24}" presName="rootConnector3" presStyleLbl="asst1" presStyleIdx="23" presStyleCnt="48"/>
+      <dgm:prSet presAssocID="{AA8F3353-CF59-4492-826B-98B162F4CD24}" presName="rootConnector3" presStyleLbl="asst1" presStyleIdx="23" presStyleCnt="50"/>
       <dgm:spPr/>
     </dgm:pt>
     <dgm:pt modelId="{4108A0F4-DC73-4E59-8BC6-11F495CE5EC4}" type="pres">
@@ -3751,8 +3800,44 @@
       <dgm:prSet presAssocID="{AA8F3353-CF59-4492-826B-98B162F4CD24}" presName="hierChild7" presStyleCnt="0"/>
       <dgm:spPr/>
     </dgm:pt>
+    <dgm:pt modelId="{6A7C5EC1-5A17-46BD-B28A-0E77CB3F5AE0}" type="pres">
+      <dgm:prSet presAssocID="{B2206A5F-C5A8-4377-AEBE-B9CA5071E7D3}" presName="Name111" presStyleLbl="parChTrans1D4" presStyleIdx="18" presStyleCnt="32"/>
+      <dgm:spPr/>
+    </dgm:pt>
+    <dgm:pt modelId="{7D4F22CF-DBE2-49C3-A353-D134EC92A7C8}" type="pres">
+      <dgm:prSet presAssocID="{8F25F80D-4148-4172-8A18-DB868B5E04E8}" presName="hierRoot3" presStyleCnt="0">
+        <dgm:presLayoutVars>
+          <dgm:hierBranch val="init"/>
+        </dgm:presLayoutVars>
+      </dgm:prSet>
+      <dgm:spPr/>
+    </dgm:pt>
+    <dgm:pt modelId="{0C640E40-E6B5-4503-815F-A2CAE3A9A9A5}" type="pres">
+      <dgm:prSet presAssocID="{8F25F80D-4148-4172-8A18-DB868B5E04E8}" presName="rootComposite3" presStyleCnt="0"/>
+      <dgm:spPr/>
+    </dgm:pt>
+    <dgm:pt modelId="{835FBC05-15F8-43EF-A036-E3BC2CA82BE9}" type="pres">
+      <dgm:prSet presAssocID="{8F25F80D-4148-4172-8A18-DB868B5E04E8}" presName="rootText3" presStyleLbl="asst1" presStyleIdx="24" presStyleCnt="50">
+        <dgm:presLayoutVars>
+          <dgm:chPref val="3"/>
+        </dgm:presLayoutVars>
+      </dgm:prSet>
+      <dgm:spPr/>
+    </dgm:pt>
+    <dgm:pt modelId="{5A1B7CEC-1033-4139-AA7A-0CA46EFB700D}" type="pres">
+      <dgm:prSet presAssocID="{8F25F80D-4148-4172-8A18-DB868B5E04E8}" presName="rootConnector3" presStyleLbl="asst1" presStyleIdx="24" presStyleCnt="50"/>
+      <dgm:spPr/>
+    </dgm:pt>
+    <dgm:pt modelId="{109D503A-E976-4E74-B81F-C16541A8C66E}" type="pres">
+      <dgm:prSet presAssocID="{8F25F80D-4148-4172-8A18-DB868B5E04E8}" presName="hierChild6" presStyleCnt="0"/>
+      <dgm:spPr/>
+    </dgm:pt>
+    <dgm:pt modelId="{2DB6EF81-23DD-4D57-824C-E31B7708681F}" type="pres">
+      <dgm:prSet presAssocID="{8F25F80D-4148-4172-8A18-DB868B5E04E8}" presName="hierChild7" presStyleCnt="0"/>
+      <dgm:spPr/>
+    </dgm:pt>
     <dgm:pt modelId="{EFE6615F-D31F-4C36-B70C-2208DE3019FC}" type="pres">
-      <dgm:prSet presAssocID="{370BCFBA-06A4-4104-8062-395094EC89E2}" presName="Name111" presStyleLbl="parChTrans1D4" presStyleIdx="18" presStyleCnt="30"/>
+      <dgm:prSet presAssocID="{370BCFBA-06A4-4104-8062-395094EC89E2}" presName="Name111" presStyleLbl="parChTrans1D4" presStyleIdx="19" presStyleCnt="32"/>
       <dgm:spPr/>
     </dgm:pt>
     <dgm:pt modelId="{2B3D3838-8B9C-4230-A930-4A86654E68C9}" type="pres">
@@ -3768,7 +3853,7 @@
       <dgm:spPr/>
     </dgm:pt>
     <dgm:pt modelId="{E2F6B417-5BD4-4008-AAF6-B738C8BED1E8}" type="pres">
-      <dgm:prSet presAssocID="{A1CD47A1-26A2-43AA-95C3-0AE9675E5CC8}" presName="rootText3" presStyleLbl="asst1" presStyleIdx="24" presStyleCnt="48">
+      <dgm:prSet presAssocID="{A1CD47A1-26A2-43AA-95C3-0AE9675E5CC8}" presName="rootText3" presStyleLbl="asst1" presStyleIdx="25" presStyleCnt="50">
         <dgm:presLayoutVars>
           <dgm:chPref val="3"/>
         </dgm:presLayoutVars>
@@ -3776,7 +3861,7 @@
       <dgm:spPr/>
     </dgm:pt>
     <dgm:pt modelId="{D524F5A4-33EA-48AA-A363-575954A8203D}" type="pres">
-      <dgm:prSet presAssocID="{A1CD47A1-26A2-43AA-95C3-0AE9675E5CC8}" presName="rootConnector3" presStyleLbl="asst1" presStyleIdx="24" presStyleCnt="48"/>
+      <dgm:prSet presAssocID="{A1CD47A1-26A2-43AA-95C3-0AE9675E5CC8}" presName="rootConnector3" presStyleLbl="asst1" presStyleIdx="25" presStyleCnt="50"/>
       <dgm:spPr/>
     </dgm:pt>
     <dgm:pt modelId="{239CDB71-084C-4A32-B528-0DA5B0E23402}" type="pres">
@@ -3785,6 +3870,42 @@
     </dgm:pt>
     <dgm:pt modelId="{83E0C910-AE58-46BD-B1A5-696E127A2842}" type="pres">
       <dgm:prSet presAssocID="{A1CD47A1-26A2-43AA-95C3-0AE9675E5CC8}" presName="hierChild7" presStyleCnt="0"/>
+      <dgm:spPr/>
+    </dgm:pt>
+    <dgm:pt modelId="{D0839BF5-848A-4548-8D53-A40C09B050CB}" type="pres">
+      <dgm:prSet presAssocID="{1B7DDC3B-5191-4D44-AA1A-57A901202772}" presName="Name111" presStyleLbl="parChTrans1D4" presStyleIdx="20" presStyleCnt="32"/>
+      <dgm:spPr/>
+    </dgm:pt>
+    <dgm:pt modelId="{59E22F8F-9B03-481B-BD3A-C70A0F3AC604}" type="pres">
+      <dgm:prSet presAssocID="{CFBBDE2F-F64F-4F41-B999-94B8508F8C57}" presName="hierRoot3" presStyleCnt="0">
+        <dgm:presLayoutVars>
+          <dgm:hierBranch val="init"/>
+        </dgm:presLayoutVars>
+      </dgm:prSet>
+      <dgm:spPr/>
+    </dgm:pt>
+    <dgm:pt modelId="{D7F8286C-D541-4AC5-9680-97CBED17A204}" type="pres">
+      <dgm:prSet presAssocID="{CFBBDE2F-F64F-4F41-B999-94B8508F8C57}" presName="rootComposite3" presStyleCnt="0"/>
+      <dgm:spPr/>
+    </dgm:pt>
+    <dgm:pt modelId="{8E052154-49ED-445C-A8C9-E6354099F9EA}" type="pres">
+      <dgm:prSet presAssocID="{CFBBDE2F-F64F-4F41-B999-94B8508F8C57}" presName="rootText3" presStyleLbl="asst1" presStyleIdx="26" presStyleCnt="50">
+        <dgm:presLayoutVars>
+          <dgm:chPref val="3"/>
+        </dgm:presLayoutVars>
+      </dgm:prSet>
+      <dgm:spPr/>
+    </dgm:pt>
+    <dgm:pt modelId="{B675B579-3FD3-4543-90A6-DFD1BBEBBB31}" type="pres">
+      <dgm:prSet presAssocID="{CFBBDE2F-F64F-4F41-B999-94B8508F8C57}" presName="rootConnector3" presStyleLbl="asst1" presStyleIdx="26" presStyleCnt="50"/>
+      <dgm:spPr/>
+    </dgm:pt>
+    <dgm:pt modelId="{53E4BBE2-94CF-4D73-96F9-1F96DE01991D}" type="pres">
+      <dgm:prSet presAssocID="{CFBBDE2F-F64F-4F41-B999-94B8508F8C57}" presName="hierChild6" presStyleCnt="0"/>
+      <dgm:spPr/>
+    </dgm:pt>
+    <dgm:pt modelId="{36EF9590-ABD5-429F-8520-BF6C3D9BA90B}" type="pres">
+      <dgm:prSet presAssocID="{CFBBDE2F-F64F-4F41-B999-94B8508F8C57}" presName="hierChild7" presStyleCnt="0"/>
       <dgm:spPr/>
     </dgm:pt>
     <dgm:pt modelId="{8A86FEC2-6718-46FE-A370-0342ACF303E1}" type="pres">
@@ -3804,7 +3925,7 @@
       <dgm:spPr/>
     </dgm:pt>
     <dgm:pt modelId="{BD989610-072D-44CD-9333-4475C63B1B88}" type="pres">
-      <dgm:prSet presAssocID="{311D6DD8-8C54-4E2C-8C71-2F8BD8D0EDDB}" presName="rootText3" presStyleLbl="asst1" presStyleIdx="25" presStyleCnt="48">
+      <dgm:prSet presAssocID="{311D6DD8-8C54-4E2C-8C71-2F8BD8D0EDDB}" presName="rootText3" presStyleLbl="asst1" presStyleIdx="27" presStyleCnt="50">
         <dgm:presLayoutVars>
           <dgm:chPref val="3"/>
         </dgm:presLayoutVars>
@@ -3812,7 +3933,7 @@
       <dgm:spPr/>
     </dgm:pt>
     <dgm:pt modelId="{E55CB309-9971-4A1C-AA94-2CB36CF5F2D5}" type="pres">
-      <dgm:prSet presAssocID="{311D6DD8-8C54-4E2C-8C71-2F8BD8D0EDDB}" presName="rootConnector3" presStyleLbl="asst1" presStyleIdx="25" presStyleCnt="48"/>
+      <dgm:prSet presAssocID="{311D6DD8-8C54-4E2C-8C71-2F8BD8D0EDDB}" presName="rootConnector3" presStyleLbl="asst1" presStyleIdx="27" presStyleCnt="50"/>
       <dgm:spPr/>
     </dgm:pt>
     <dgm:pt modelId="{43D9169E-E550-4044-BB1C-FF4F4AE1DCAD}" type="pres">
@@ -3840,7 +3961,7 @@
       <dgm:spPr/>
     </dgm:pt>
     <dgm:pt modelId="{BE96DB66-AD1E-4365-AE46-C3C60770B1CA}" type="pres">
-      <dgm:prSet presAssocID="{F280482C-C798-459D-B6E1-466FA717CC5B}" presName="rootText3" presStyleLbl="asst1" presStyleIdx="26" presStyleCnt="48">
+      <dgm:prSet presAssocID="{F280482C-C798-459D-B6E1-466FA717CC5B}" presName="rootText3" presStyleLbl="asst1" presStyleIdx="28" presStyleCnt="50">
         <dgm:presLayoutVars>
           <dgm:chPref val="3"/>
         </dgm:presLayoutVars>
@@ -3848,7 +3969,7 @@
       <dgm:spPr/>
     </dgm:pt>
     <dgm:pt modelId="{F5702E8F-99A5-44FF-8B7A-856358C50EDF}" type="pres">
-      <dgm:prSet presAssocID="{F280482C-C798-459D-B6E1-466FA717CC5B}" presName="rootConnector3" presStyleLbl="asst1" presStyleIdx="26" presStyleCnt="48"/>
+      <dgm:prSet presAssocID="{F280482C-C798-459D-B6E1-466FA717CC5B}" presName="rootConnector3" presStyleLbl="asst1" presStyleIdx="28" presStyleCnt="50"/>
       <dgm:spPr/>
     </dgm:pt>
     <dgm:pt modelId="{E6588B84-EE0A-48A7-8CB8-A063EC0371F0}" type="pres">
@@ -3876,7 +3997,7 @@
       <dgm:spPr/>
     </dgm:pt>
     <dgm:pt modelId="{8DFB8425-051F-429D-9AA7-ABE75BE636A3}" type="pres">
-      <dgm:prSet presAssocID="{74770414-BDD0-4889-954D-29401DF5704B}" presName="rootText3" presStyleLbl="asst1" presStyleIdx="27" presStyleCnt="48">
+      <dgm:prSet presAssocID="{74770414-BDD0-4889-954D-29401DF5704B}" presName="rootText3" presStyleLbl="asst1" presStyleIdx="29" presStyleCnt="50">
         <dgm:presLayoutVars>
           <dgm:chPref val="3"/>
         </dgm:presLayoutVars>
@@ -3884,7 +4005,7 @@
       <dgm:spPr/>
     </dgm:pt>
     <dgm:pt modelId="{72DF69CC-9FF0-427E-820B-8A51A19F5227}" type="pres">
-      <dgm:prSet presAssocID="{74770414-BDD0-4889-954D-29401DF5704B}" presName="rootConnector3" presStyleLbl="asst1" presStyleIdx="27" presStyleCnt="48"/>
+      <dgm:prSet presAssocID="{74770414-BDD0-4889-954D-29401DF5704B}" presName="rootConnector3" presStyleLbl="asst1" presStyleIdx="29" presStyleCnt="50"/>
       <dgm:spPr/>
     </dgm:pt>
     <dgm:pt modelId="{8CD25A93-3163-4B6D-8295-491E61BD5184}" type="pres">
@@ -3912,7 +4033,7 @@
       <dgm:spPr/>
     </dgm:pt>
     <dgm:pt modelId="{22A8CFEC-7F3C-48AD-9648-26B468C40213}" type="pres">
-      <dgm:prSet presAssocID="{04C3F39C-3FB3-4129-9260-FB9863BCD4C5}" presName="rootText3" presStyleLbl="asst1" presStyleIdx="28" presStyleCnt="48">
+      <dgm:prSet presAssocID="{04C3F39C-3FB3-4129-9260-FB9863BCD4C5}" presName="rootText3" presStyleLbl="asst1" presStyleIdx="30" presStyleCnt="50">
         <dgm:presLayoutVars>
           <dgm:chPref val="3"/>
         </dgm:presLayoutVars>
@@ -3920,7 +4041,7 @@
       <dgm:spPr/>
     </dgm:pt>
     <dgm:pt modelId="{550E3E6C-A9FD-4899-BA39-A266D75AD87F}" type="pres">
-      <dgm:prSet presAssocID="{04C3F39C-3FB3-4129-9260-FB9863BCD4C5}" presName="rootConnector3" presStyleLbl="asst1" presStyleIdx="28" presStyleCnt="48"/>
+      <dgm:prSet presAssocID="{04C3F39C-3FB3-4129-9260-FB9863BCD4C5}" presName="rootConnector3" presStyleLbl="asst1" presStyleIdx="30" presStyleCnt="50"/>
       <dgm:spPr/>
     </dgm:pt>
     <dgm:pt modelId="{BF8C2740-E1EA-4186-8159-FCC35DF055D0}" type="pres">
@@ -3948,7 +4069,7 @@
       <dgm:spPr/>
     </dgm:pt>
     <dgm:pt modelId="{8B0677EB-6953-47E5-8009-4399C01D45A6}" type="pres">
-      <dgm:prSet presAssocID="{73BDB8CB-FD3D-428C-BDF6-B53E9FF51360}" presName="rootText3" presStyleLbl="asst1" presStyleIdx="29" presStyleCnt="48">
+      <dgm:prSet presAssocID="{73BDB8CB-FD3D-428C-BDF6-B53E9FF51360}" presName="rootText3" presStyleLbl="asst1" presStyleIdx="31" presStyleCnt="50">
         <dgm:presLayoutVars>
           <dgm:chPref val="3"/>
         </dgm:presLayoutVars>
@@ -3956,7 +4077,7 @@
       <dgm:spPr/>
     </dgm:pt>
     <dgm:pt modelId="{7B32ABA5-A43D-4770-A7B1-88984F475AFE}" type="pres">
-      <dgm:prSet presAssocID="{73BDB8CB-FD3D-428C-BDF6-B53E9FF51360}" presName="rootConnector3" presStyleLbl="asst1" presStyleIdx="29" presStyleCnt="48"/>
+      <dgm:prSet presAssocID="{73BDB8CB-FD3D-428C-BDF6-B53E9FF51360}" presName="rootConnector3" presStyleLbl="asst1" presStyleIdx="31" presStyleCnt="50"/>
       <dgm:spPr/>
     </dgm:pt>
     <dgm:pt modelId="{B707D197-E342-45C5-952D-65D378A03A75}" type="pres">
@@ -3984,7 +4105,7 @@
       <dgm:spPr/>
     </dgm:pt>
     <dgm:pt modelId="{8EDD4C9F-41A6-4BF3-ACD8-E3DDBBD245E6}" type="pres">
-      <dgm:prSet presAssocID="{3E8FCCA5-7848-4FCB-B52D-ED572BE02795}" presName="rootText3" presStyleLbl="asst1" presStyleIdx="30" presStyleCnt="48">
+      <dgm:prSet presAssocID="{3E8FCCA5-7848-4FCB-B52D-ED572BE02795}" presName="rootText3" presStyleLbl="asst1" presStyleIdx="32" presStyleCnt="50">
         <dgm:presLayoutVars>
           <dgm:chPref val="3"/>
         </dgm:presLayoutVars>
@@ -3992,7 +4113,7 @@
       <dgm:spPr/>
     </dgm:pt>
     <dgm:pt modelId="{9FAADA75-86B5-4859-A5E7-56F98170838E}" type="pres">
-      <dgm:prSet presAssocID="{3E8FCCA5-7848-4FCB-B52D-ED572BE02795}" presName="rootConnector3" presStyleLbl="asst1" presStyleIdx="30" presStyleCnt="48"/>
+      <dgm:prSet presAssocID="{3E8FCCA5-7848-4FCB-B52D-ED572BE02795}" presName="rootConnector3" presStyleLbl="asst1" presStyleIdx="32" presStyleCnt="50"/>
       <dgm:spPr/>
     </dgm:pt>
     <dgm:pt modelId="{C77D939B-F089-4A53-9DFB-1DD2771E303C}" type="pres">
@@ -4020,7 +4141,7 @@
       <dgm:spPr/>
     </dgm:pt>
     <dgm:pt modelId="{29282C8B-69C0-461B-8924-B327399CEF5A}" type="pres">
-      <dgm:prSet presAssocID="{1FE88220-37D4-441E-9066-A93196D32898}" presName="rootText3" presStyleLbl="asst1" presStyleIdx="31" presStyleCnt="48">
+      <dgm:prSet presAssocID="{1FE88220-37D4-441E-9066-A93196D32898}" presName="rootText3" presStyleLbl="asst1" presStyleIdx="33" presStyleCnt="50">
         <dgm:presLayoutVars>
           <dgm:chPref val="3"/>
         </dgm:presLayoutVars>
@@ -4028,7 +4149,7 @@
       <dgm:spPr/>
     </dgm:pt>
     <dgm:pt modelId="{A9DA0E6C-BD77-43AC-94EB-5163129CBDB6}" type="pres">
-      <dgm:prSet presAssocID="{1FE88220-37D4-441E-9066-A93196D32898}" presName="rootConnector3" presStyleLbl="asst1" presStyleIdx="31" presStyleCnt="48"/>
+      <dgm:prSet presAssocID="{1FE88220-37D4-441E-9066-A93196D32898}" presName="rootConnector3" presStyleLbl="asst1" presStyleIdx="33" presStyleCnt="50"/>
       <dgm:spPr/>
     </dgm:pt>
     <dgm:pt modelId="{A818E8BB-53B1-484A-9767-6D5E4CE8E3E9}" type="pres">
@@ -4040,7 +4161,7 @@
       <dgm:spPr/>
     </dgm:pt>
     <dgm:pt modelId="{283D763B-6143-45EB-869D-44B1F2176961}" type="pres">
-      <dgm:prSet presAssocID="{FDABD39C-83E8-4787-8474-A85D0A389321}" presName="Name111" presStyleLbl="parChTrans1D4" presStyleIdx="19" presStyleCnt="30"/>
+      <dgm:prSet presAssocID="{FDABD39C-83E8-4787-8474-A85D0A389321}" presName="Name111" presStyleLbl="parChTrans1D4" presStyleIdx="21" presStyleCnt="32"/>
       <dgm:spPr/>
     </dgm:pt>
     <dgm:pt modelId="{8CC7C6EF-F400-44A4-9428-89B3B074352B}" type="pres">
@@ -4056,7 +4177,7 @@
       <dgm:spPr/>
     </dgm:pt>
     <dgm:pt modelId="{66690EF5-AA87-4B5A-9AB9-BA66C34A1D3F}" type="pres">
-      <dgm:prSet presAssocID="{4A105108-65E5-4EE2-A22C-18D34E494B88}" presName="rootText3" presStyleLbl="asst1" presStyleIdx="32" presStyleCnt="48">
+      <dgm:prSet presAssocID="{4A105108-65E5-4EE2-A22C-18D34E494B88}" presName="rootText3" presStyleLbl="asst1" presStyleIdx="34" presStyleCnt="50">
         <dgm:presLayoutVars>
           <dgm:chPref val="3"/>
         </dgm:presLayoutVars>
@@ -4064,7 +4185,7 @@
       <dgm:spPr/>
     </dgm:pt>
     <dgm:pt modelId="{DC3A95D5-8574-4CFE-8458-1D720BECAFC1}" type="pres">
-      <dgm:prSet presAssocID="{4A105108-65E5-4EE2-A22C-18D34E494B88}" presName="rootConnector3" presStyleLbl="asst1" presStyleIdx="32" presStyleCnt="48"/>
+      <dgm:prSet presAssocID="{4A105108-65E5-4EE2-A22C-18D34E494B88}" presName="rootConnector3" presStyleLbl="asst1" presStyleIdx="34" presStyleCnt="50"/>
       <dgm:spPr/>
     </dgm:pt>
     <dgm:pt modelId="{BE509FA9-F489-4AB6-AEA3-F9B65A091DED}" type="pres">
@@ -4076,7 +4197,7 @@
       <dgm:spPr/>
     </dgm:pt>
     <dgm:pt modelId="{05F1B35B-225D-4225-8D26-A2FF05B82751}" type="pres">
-      <dgm:prSet presAssocID="{4FCF2090-2A38-4101-98D9-62711114F190}" presName="Name111" presStyleLbl="parChTrans1D4" presStyleIdx="20" presStyleCnt="30"/>
+      <dgm:prSet presAssocID="{4FCF2090-2A38-4101-98D9-62711114F190}" presName="Name111" presStyleLbl="parChTrans1D4" presStyleIdx="22" presStyleCnt="32"/>
       <dgm:spPr/>
     </dgm:pt>
     <dgm:pt modelId="{4B0122E7-A288-4806-A71B-DDADF20D7614}" type="pres">
@@ -4092,7 +4213,7 @@
       <dgm:spPr/>
     </dgm:pt>
     <dgm:pt modelId="{1477FD6A-9723-424D-B2A6-33C1EDCDD02C}" type="pres">
-      <dgm:prSet presAssocID="{DDA688CE-CF40-4247-A0A4-2595516C72EB}" presName="rootText3" presStyleLbl="asst1" presStyleIdx="33" presStyleCnt="48">
+      <dgm:prSet presAssocID="{DDA688CE-CF40-4247-A0A4-2595516C72EB}" presName="rootText3" presStyleLbl="asst1" presStyleIdx="35" presStyleCnt="50">
         <dgm:presLayoutVars>
           <dgm:chPref val="3"/>
         </dgm:presLayoutVars>
@@ -4100,7 +4221,7 @@
       <dgm:spPr/>
     </dgm:pt>
     <dgm:pt modelId="{39F983ED-FCB7-4B94-AB6A-A8D1044BA41A}" type="pres">
-      <dgm:prSet presAssocID="{DDA688CE-CF40-4247-A0A4-2595516C72EB}" presName="rootConnector3" presStyleLbl="asst1" presStyleIdx="33" presStyleCnt="48"/>
+      <dgm:prSet presAssocID="{DDA688CE-CF40-4247-A0A4-2595516C72EB}" presName="rootConnector3" presStyleLbl="asst1" presStyleIdx="35" presStyleCnt="50"/>
       <dgm:spPr/>
     </dgm:pt>
     <dgm:pt modelId="{3BC01836-7435-4866-A683-D95D8CADAD85}" type="pres">
@@ -4112,7 +4233,7 @@
       <dgm:spPr/>
     </dgm:pt>
     <dgm:pt modelId="{0F5AD761-B34E-42A5-9870-62752DF08754}" type="pres">
-      <dgm:prSet presAssocID="{4A7E0E5B-75EB-45F8-9492-B11674A6AD26}" presName="Name111" presStyleLbl="parChTrans1D4" presStyleIdx="21" presStyleCnt="30"/>
+      <dgm:prSet presAssocID="{4A7E0E5B-75EB-45F8-9492-B11674A6AD26}" presName="Name111" presStyleLbl="parChTrans1D4" presStyleIdx="23" presStyleCnt="32"/>
       <dgm:spPr/>
     </dgm:pt>
     <dgm:pt modelId="{A69BB713-2AD0-455D-A6D9-033D6157EF8E}" type="pres">
@@ -4128,7 +4249,7 @@
       <dgm:spPr/>
     </dgm:pt>
     <dgm:pt modelId="{7349D38B-F67B-4338-BB04-CCAE4E6B7AE4}" type="pres">
-      <dgm:prSet presAssocID="{985D2A9B-00C5-4AD5-B27B-A9B865F287C9}" presName="rootText3" presStyleLbl="asst1" presStyleIdx="34" presStyleCnt="48">
+      <dgm:prSet presAssocID="{985D2A9B-00C5-4AD5-B27B-A9B865F287C9}" presName="rootText3" presStyleLbl="asst1" presStyleIdx="36" presStyleCnt="50">
         <dgm:presLayoutVars>
           <dgm:chPref val="3"/>
         </dgm:presLayoutVars>
@@ -4136,7 +4257,7 @@
       <dgm:spPr/>
     </dgm:pt>
     <dgm:pt modelId="{85DF5BD2-3D4E-4875-B872-FE0CEC611E3A}" type="pres">
-      <dgm:prSet presAssocID="{985D2A9B-00C5-4AD5-B27B-A9B865F287C9}" presName="rootConnector3" presStyleLbl="asst1" presStyleIdx="34" presStyleCnt="48"/>
+      <dgm:prSet presAssocID="{985D2A9B-00C5-4AD5-B27B-A9B865F287C9}" presName="rootConnector3" presStyleLbl="asst1" presStyleIdx="36" presStyleCnt="50"/>
       <dgm:spPr/>
     </dgm:pt>
     <dgm:pt modelId="{8F077B98-D227-45B0-A11F-0DDA2961B1D6}" type="pres">
@@ -4148,7 +4269,7 @@
       <dgm:spPr/>
     </dgm:pt>
     <dgm:pt modelId="{AC7DEC99-4036-40AE-AE68-E2251CEBFF3D}" type="pres">
-      <dgm:prSet presAssocID="{EDE3BBAB-41B8-499A-81EC-A06F6BFCD327}" presName="Name111" presStyleLbl="parChTrans1D4" presStyleIdx="22" presStyleCnt="30"/>
+      <dgm:prSet presAssocID="{EDE3BBAB-41B8-499A-81EC-A06F6BFCD327}" presName="Name111" presStyleLbl="parChTrans1D4" presStyleIdx="24" presStyleCnt="32"/>
       <dgm:spPr/>
     </dgm:pt>
     <dgm:pt modelId="{5798D0D9-6037-45EF-A098-A059ED8B5C64}" type="pres">
@@ -4164,7 +4285,7 @@
       <dgm:spPr/>
     </dgm:pt>
     <dgm:pt modelId="{339B0BFA-3E97-45D7-9D50-EBCD490669F9}" type="pres">
-      <dgm:prSet presAssocID="{1BC0C24F-9DAF-4F2A-95F6-46075020B387}" presName="rootText3" presStyleLbl="asst1" presStyleIdx="35" presStyleCnt="48">
+      <dgm:prSet presAssocID="{1BC0C24F-9DAF-4F2A-95F6-46075020B387}" presName="rootText3" presStyleLbl="asst1" presStyleIdx="37" presStyleCnt="50">
         <dgm:presLayoutVars>
           <dgm:chPref val="3"/>
         </dgm:presLayoutVars>
@@ -4172,7 +4293,7 @@
       <dgm:spPr/>
     </dgm:pt>
     <dgm:pt modelId="{1AB339BF-AEF8-4B66-A00F-ED2D7B5BF99B}" type="pres">
-      <dgm:prSet presAssocID="{1BC0C24F-9DAF-4F2A-95F6-46075020B387}" presName="rootConnector3" presStyleLbl="asst1" presStyleIdx="35" presStyleCnt="48"/>
+      <dgm:prSet presAssocID="{1BC0C24F-9DAF-4F2A-95F6-46075020B387}" presName="rootConnector3" presStyleLbl="asst1" presStyleIdx="37" presStyleCnt="50"/>
       <dgm:spPr/>
     </dgm:pt>
     <dgm:pt modelId="{453EB735-C76B-48F7-AAF8-BD5EE02B548E}" type="pres">
@@ -4184,7 +4305,7 @@
       <dgm:spPr/>
     </dgm:pt>
     <dgm:pt modelId="{5CEB9874-2E90-46D5-9E6E-F0C25BE5D71A}" type="pres">
-      <dgm:prSet presAssocID="{DBE67F1B-164C-4C1C-9DFB-1A8F9332C95B}" presName="Name111" presStyleLbl="parChTrans1D4" presStyleIdx="23" presStyleCnt="30"/>
+      <dgm:prSet presAssocID="{DBE67F1B-164C-4C1C-9DFB-1A8F9332C95B}" presName="Name111" presStyleLbl="parChTrans1D4" presStyleIdx="25" presStyleCnt="32"/>
       <dgm:spPr/>
     </dgm:pt>
     <dgm:pt modelId="{4CCA1063-1D27-4ACC-88C2-C3E260BC059F}" type="pres">
@@ -4200,7 +4321,7 @@
       <dgm:spPr/>
     </dgm:pt>
     <dgm:pt modelId="{703C605E-1889-4263-9AA9-7FBB0B1021D9}" type="pres">
-      <dgm:prSet presAssocID="{E1B7DB7E-57FF-4FED-BCCB-2827B4CE62FA}" presName="rootText3" presStyleLbl="asst1" presStyleIdx="36" presStyleCnt="48">
+      <dgm:prSet presAssocID="{E1B7DB7E-57FF-4FED-BCCB-2827B4CE62FA}" presName="rootText3" presStyleLbl="asst1" presStyleIdx="38" presStyleCnt="50">
         <dgm:presLayoutVars>
           <dgm:chPref val="3"/>
         </dgm:presLayoutVars>
@@ -4208,7 +4329,7 @@
       <dgm:spPr/>
     </dgm:pt>
     <dgm:pt modelId="{0A69BB17-0E1B-4707-A533-28B376249E37}" type="pres">
-      <dgm:prSet presAssocID="{E1B7DB7E-57FF-4FED-BCCB-2827B4CE62FA}" presName="rootConnector3" presStyleLbl="asst1" presStyleIdx="36" presStyleCnt="48"/>
+      <dgm:prSet presAssocID="{E1B7DB7E-57FF-4FED-BCCB-2827B4CE62FA}" presName="rootConnector3" presStyleLbl="asst1" presStyleIdx="38" presStyleCnt="50"/>
       <dgm:spPr/>
     </dgm:pt>
     <dgm:pt modelId="{C4351426-7088-4E38-B3B8-FB52EB53E430}" type="pres">
@@ -4236,7 +4357,7 @@
       <dgm:spPr/>
     </dgm:pt>
     <dgm:pt modelId="{3FCF524F-4B2D-44FD-942D-4FC7D10F4E3B}" type="pres">
-      <dgm:prSet presAssocID="{DC6EA711-5D3D-4A49-A2D3-993D25791FD0}" presName="rootText3" presStyleLbl="asst1" presStyleIdx="37" presStyleCnt="48">
+      <dgm:prSet presAssocID="{DC6EA711-5D3D-4A49-A2D3-993D25791FD0}" presName="rootText3" presStyleLbl="asst1" presStyleIdx="39" presStyleCnt="50">
         <dgm:presLayoutVars>
           <dgm:chPref val="3"/>
         </dgm:presLayoutVars>
@@ -4244,7 +4365,7 @@
       <dgm:spPr/>
     </dgm:pt>
     <dgm:pt modelId="{29188F3E-4D79-44E4-B2DA-6B0DDBE49240}" type="pres">
-      <dgm:prSet presAssocID="{DC6EA711-5D3D-4A49-A2D3-993D25791FD0}" presName="rootConnector3" presStyleLbl="asst1" presStyleIdx="37" presStyleCnt="48"/>
+      <dgm:prSet presAssocID="{DC6EA711-5D3D-4A49-A2D3-993D25791FD0}" presName="rootConnector3" presStyleLbl="asst1" presStyleIdx="39" presStyleCnt="50"/>
       <dgm:spPr/>
     </dgm:pt>
     <dgm:pt modelId="{50388251-1B2B-4306-8EFD-8F2FCB3D9101}" type="pres">
@@ -4272,7 +4393,7 @@
       <dgm:spPr/>
     </dgm:pt>
     <dgm:pt modelId="{29DD0E76-C366-4820-B170-C3E3DBD37CCF}" type="pres">
-      <dgm:prSet presAssocID="{3BAE0D0C-FD4F-4796-A59D-7E9173A3982F}" presName="rootText3" presStyleLbl="asst1" presStyleIdx="38" presStyleCnt="48">
+      <dgm:prSet presAssocID="{3BAE0D0C-FD4F-4796-A59D-7E9173A3982F}" presName="rootText3" presStyleLbl="asst1" presStyleIdx="40" presStyleCnt="50">
         <dgm:presLayoutVars>
           <dgm:chPref val="3"/>
         </dgm:presLayoutVars>
@@ -4280,7 +4401,7 @@
       <dgm:spPr/>
     </dgm:pt>
     <dgm:pt modelId="{8129062A-9CFC-4A36-97CB-E1A7268C2F73}" type="pres">
-      <dgm:prSet presAssocID="{3BAE0D0C-FD4F-4796-A59D-7E9173A3982F}" presName="rootConnector3" presStyleLbl="asst1" presStyleIdx="38" presStyleCnt="48"/>
+      <dgm:prSet presAssocID="{3BAE0D0C-FD4F-4796-A59D-7E9173A3982F}" presName="rootConnector3" presStyleLbl="asst1" presStyleIdx="40" presStyleCnt="50"/>
       <dgm:spPr/>
     </dgm:pt>
     <dgm:pt modelId="{32D07579-ED22-4F9C-A7A6-F2F2CC029998}" type="pres">
@@ -4292,7 +4413,7 @@
       <dgm:spPr/>
     </dgm:pt>
     <dgm:pt modelId="{A6639C85-56A8-4AE3-B0C5-F31D10FCF777}" type="pres">
-      <dgm:prSet presAssocID="{C4BDF739-9BEE-45EE-9DC9-264B0424B9D0}" presName="Name111" presStyleLbl="parChTrans1D4" presStyleIdx="24" presStyleCnt="30"/>
+      <dgm:prSet presAssocID="{C4BDF739-9BEE-45EE-9DC9-264B0424B9D0}" presName="Name111" presStyleLbl="parChTrans1D4" presStyleIdx="26" presStyleCnt="32"/>
       <dgm:spPr/>
     </dgm:pt>
     <dgm:pt modelId="{41043111-3A09-451D-B696-C7DEE5430474}" type="pres">
@@ -4308,7 +4429,7 @@
       <dgm:spPr/>
     </dgm:pt>
     <dgm:pt modelId="{1CA3A432-5662-47BD-919D-FCB44199A7CD}" type="pres">
-      <dgm:prSet presAssocID="{38B9F773-9093-4AF7-A977-EDDDF2CC954D}" presName="rootText3" presStyleLbl="asst1" presStyleIdx="39" presStyleCnt="48">
+      <dgm:prSet presAssocID="{38B9F773-9093-4AF7-A977-EDDDF2CC954D}" presName="rootText3" presStyleLbl="asst1" presStyleIdx="41" presStyleCnt="50">
         <dgm:presLayoutVars>
           <dgm:chPref val="3"/>
         </dgm:presLayoutVars>
@@ -4316,7 +4437,7 @@
       <dgm:spPr/>
     </dgm:pt>
     <dgm:pt modelId="{E0621A26-6665-4853-B22D-F2B954A35C64}" type="pres">
-      <dgm:prSet presAssocID="{38B9F773-9093-4AF7-A977-EDDDF2CC954D}" presName="rootConnector3" presStyleLbl="asst1" presStyleIdx="39" presStyleCnt="48"/>
+      <dgm:prSet presAssocID="{38B9F773-9093-4AF7-A977-EDDDF2CC954D}" presName="rootConnector3" presStyleLbl="asst1" presStyleIdx="41" presStyleCnt="50"/>
       <dgm:spPr/>
     </dgm:pt>
     <dgm:pt modelId="{E0AC8BA5-CF14-461F-8BF2-F758896FC76F}" type="pres">
@@ -4328,7 +4449,7 @@
       <dgm:spPr/>
     </dgm:pt>
     <dgm:pt modelId="{DF9F2D93-50D6-46DF-BA42-27D50139A81C}" type="pres">
-      <dgm:prSet presAssocID="{6A53FE72-3745-42CC-AC9B-5CF73CA73750}" presName="Name111" presStyleLbl="parChTrans1D4" presStyleIdx="25" presStyleCnt="30"/>
+      <dgm:prSet presAssocID="{6A53FE72-3745-42CC-AC9B-5CF73CA73750}" presName="Name111" presStyleLbl="parChTrans1D4" presStyleIdx="27" presStyleCnt="32"/>
       <dgm:spPr/>
     </dgm:pt>
     <dgm:pt modelId="{5AD255BA-3F49-4E7F-A249-7470EB442432}" type="pres">
@@ -4344,7 +4465,7 @@
       <dgm:spPr/>
     </dgm:pt>
     <dgm:pt modelId="{56B26504-DFD5-4550-9411-DF9B5E83C3BF}" type="pres">
-      <dgm:prSet presAssocID="{A822073A-130D-4D95-9086-940A97A362DA}" presName="rootText3" presStyleLbl="asst1" presStyleIdx="40" presStyleCnt="48">
+      <dgm:prSet presAssocID="{A822073A-130D-4D95-9086-940A97A362DA}" presName="rootText3" presStyleLbl="asst1" presStyleIdx="42" presStyleCnt="50">
         <dgm:presLayoutVars>
           <dgm:chPref val="3"/>
         </dgm:presLayoutVars>
@@ -4352,7 +4473,7 @@
       <dgm:spPr/>
     </dgm:pt>
     <dgm:pt modelId="{4A368993-3AE8-44A2-A107-9CF33D433C06}" type="pres">
-      <dgm:prSet presAssocID="{A822073A-130D-4D95-9086-940A97A362DA}" presName="rootConnector3" presStyleLbl="asst1" presStyleIdx="40" presStyleCnt="48"/>
+      <dgm:prSet presAssocID="{A822073A-130D-4D95-9086-940A97A362DA}" presName="rootConnector3" presStyleLbl="asst1" presStyleIdx="42" presStyleCnt="50"/>
       <dgm:spPr/>
     </dgm:pt>
     <dgm:pt modelId="{ECEAFD9B-B842-4C05-98B4-E4C2B41AB5CD}" type="pres">
@@ -4364,7 +4485,7 @@
       <dgm:spPr/>
     </dgm:pt>
     <dgm:pt modelId="{ED0EE91A-D88C-401A-B1BC-37FAB8D6E27D}" type="pres">
-      <dgm:prSet presAssocID="{7E1E1EF5-8ADE-4845-BA02-9ED0DDC100B6}" presName="Name111" presStyleLbl="parChTrans1D4" presStyleIdx="26" presStyleCnt="30"/>
+      <dgm:prSet presAssocID="{7E1E1EF5-8ADE-4845-BA02-9ED0DDC100B6}" presName="Name111" presStyleLbl="parChTrans1D4" presStyleIdx="28" presStyleCnt="32"/>
       <dgm:spPr/>
     </dgm:pt>
     <dgm:pt modelId="{352D6800-3ADC-4A26-8ADA-4B57013449E1}" type="pres">
@@ -4380,7 +4501,7 @@
       <dgm:spPr/>
     </dgm:pt>
     <dgm:pt modelId="{61911E5C-528E-4EA6-8F96-A7A60A4E2453}" type="pres">
-      <dgm:prSet presAssocID="{F73A923B-5235-4BDC-8BC7-80E4E3359E18}" presName="rootText3" presStyleLbl="asst1" presStyleIdx="41" presStyleCnt="48">
+      <dgm:prSet presAssocID="{F73A923B-5235-4BDC-8BC7-80E4E3359E18}" presName="rootText3" presStyleLbl="asst1" presStyleIdx="43" presStyleCnt="50">
         <dgm:presLayoutVars>
           <dgm:chPref val="3"/>
         </dgm:presLayoutVars>
@@ -4388,7 +4509,7 @@
       <dgm:spPr/>
     </dgm:pt>
     <dgm:pt modelId="{5DA3D279-EDB4-4A21-B151-50DAF797E237}" type="pres">
-      <dgm:prSet presAssocID="{F73A923B-5235-4BDC-8BC7-80E4E3359E18}" presName="rootConnector3" presStyleLbl="asst1" presStyleIdx="41" presStyleCnt="48"/>
+      <dgm:prSet presAssocID="{F73A923B-5235-4BDC-8BC7-80E4E3359E18}" presName="rootConnector3" presStyleLbl="asst1" presStyleIdx="43" presStyleCnt="50"/>
       <dgm:spPr/>
     </dgm:pt>
     <dgm:pt modelId="{501DD897-33B7-4E88-B345-73BE50196483}" type="pres">
@@ -4400,7 +4521,7 @@
       <dgm:spPr/>
     </dgm:pt>
     <dgm:pt modelId="{BDA28D1B-5E27-408D-ADF1-346C4D9E7E8B}" type="pres">
-      <dgm:prSet presAssocID="{6A056AE5-1D78-4388-8902-25A782F1C8A5}" presName="Name111" presStyleLbl="parChTrans1D4" presStyleIdx="27" presStyleCnt="30"/>
+      <dgm:prSet presAssocID="{6A056AE5-1D78-4388-8902-25A782F1C8A5}" presName="Name111" presStyleLbl="parChTrans1D4" presStyleIdx="29" presStyleCnt="32"/>
       <dgm:spPr/>
     </dgm:pt>
     <dgm:pt modelId="{2AEC6714-606D-48BA-BBBE-5DC30B30D59D}" type="pres">
@@ -4416,7 +4537,7 @@
       <dgm:spPr/>
     </dgm:pt>
     <dgm:pt modelId="{27279F26-69CB-4517-AC3E-0AB24822479D}" type="pres">
-      <dgm:prSet presAssocID="{372CC4E9-4D31-4CE7-9BAA-EB39525F02EC}" presName="rootText3" presStyleLbl="asst1" presStyleIdx="42" presStyleCnt="48">
+      <dgm:prSet presAssocID="{372CC4E9-4D31-4CE7-9BAA-EB39525F02EC}" presName="rootText3" presStyleLbl="asst1" presStyleIdx="44" presStyleCnt="50">
         <dgm:presLayoutVars>
           <dgm:chPref val="3"/>
         </dgm:presLayoutVars>
@@ -4424,7 +4545,7 @@
       <dgm:spPr/>
     </dgm:pt>
     <dgm:pt modelId="{E857C40C-63D5-4B2E-8DDD-6D8A99D7BB3C}" type="pres">
-      <dgm:prSet presAssocID="{372CC4E9-4D31-4CE7-9BAA-EB39525F02EC}" presName="rootConnector3" presStyleLbl="asst1" presStyleIdx="42" presStyleCnt="48"/>
+      <dgm:prSet presAssocID="{372CC4E9-4D31-4CE7-9BAA-EB39525F02EC}" presName="rootConnector3" presStyleLbl="asst1" presStyleIdx="44" presStyleCnt="50"/>
       <dgm:spPr/>
     </dgm:pt>
     <dgm:pt modelId="{A8038F4C-7010-4ED5-B0B8-8B2BEA282758}" type="pres">
@@ -4436,7 +4557,7 @@
       <dgm:spPr/>
     </dgm:pt>
     <dgm:pt modelId="{1EF3E330-73CC-4E78-8DC5-3F377E80D151}" type="pres">
-      <dgm:prSet presAssocID="{5398E45D-B833-449F-8FA4-DE5CAAF2F398}" presName="Name111" presStyleLbl="parChTrans1D4" presStyleIdx="28" presStyleCnt="30"/>
+      <dgm:prSet presAssocID="{5398E45D-B833-449F-8FA4-DE5CAAF2F398}" presName="Name111" presStyleLbl="parChTrans1D4" presStyleIdx="30" presStyleCnt="32"/>
       <dgm:spPr/>
     </dgm:pt>
     <dgm:pt modelId="{9C1AB928-2B96-43DB-9B05-36D468D1C68C}" type="pres">
@@ -4452,7 +4573,7 @@
       <dgm:spPr/>
     </dgm:pt>
     <dgm:pt modelId="{D069C8E9-8746-4CD8-9E2B-53351693FE96}" type="pres">
-      <dgm:prSet presAssocID="{398061CB-4E0D-41CF-8614-B02FCAC86CA8}" presName="rootText3" presStyleLbl="asst1" presStyleIdx="43" presStyleCnt="48">
+      <dgm:prSet presAssocID="{398061CB-4E0D-41CF-8614-B02FCAC86CA8}" presName="rootText3" presStyleLbl="asst1" presStyleIdx="45" presStyleCnt="50">
         <dgm:presLayoutVars>
           <dgm:chPref val="3"/>
         </dgm:presLayoutVars>
@@ -4460,7 +4581,7 @@
       <dgm:spPr/>
     </dgm:pt>
     <dgm:pt modelId="{0BC65EA2-4755-42C3-891F-5B58C38AA4AD}" type="pres">
-      <dgm:prSet presAssocID="{398061CB-4E0D-41CF-8614-B02FCAC86CA8}" presName="rootConnector3" presStyleLbl="asst1" presStyleIdx="43" presStyleCnt="48"/>
+      <dgm:prSet presAssocID="{398061CB-4E0D-41CF-8614-B02FCAC86CA8}" presName="rootConnector3" presStyleLbl="asst1" presStyleIdx="45" presStyleCnt="50"/>
       <dgm:spPr/>
     </dgm:pt>
     <dgm:pt modelId="{06DE44EC-48EB-41A4-9646-87DC215E4F35}" type="pres">
@@ -4472,7 +4593,7 @@
       <dgm:spPr/>
     </dgm:pt>
     <dgm:pt modelId="{A6492050-AD4D-4B12-9A72-6D05C695338D}" type="pres">
-      <dgm:prSet presAssocID="{E2065B91-90FE-4BAA-8821-6AB5979139CA}" presName="Name111" presStyleLbl="parChTrans1D4" presStyleIdx="29" presStyleCnt="30"/>
+      <dgm:prSet presAssocID="{E2065B91-90FE-4BAA-8821-6AB5979139CA}" presName="Name111" presStyleLbl="parChTrans1D4" presStyleIdx="31" presStyleCnt="32"/>
       <dgm:spPr/>
     </dgm:pt>
     <dgm:pt modelId="{6C481950-A71B-4C0B-BBC2-A7A0C4195FCC}" type="pres">
@@ -4488,7 +4609,7 @@
       <dgm:spPr/>
     </dgm:pt>
     <dgm:pt modelId="{5AE02209-1EE6-416B-B4EC-1F8CAE700954}" type="pres">
-      <dgm:prSet presAssocID="{57897E4F-B43E-4830-AA93-6F33553C8836}" presName="rootText3" presStyleLbl="asst1" presStyleIdx="44" presStyleCnt="48">
+      <dgm:prSet presAssocID="{57897E4F-B43E-4830-AA93-6F33553C8836}" presName="rootText3" presStyleLbl="asst1" presStyleIdx="46" presStyleCnt="50">
         <dgm:presLayoutVars>
           <dgm:chPref val="3"/>
         </dgm:presLayoutVars>
@@ -4496,7 +4617,7 @@
       <dgm:spPr/>
     </dgm:pt>
     <dgm:pt modelId="{F0931E07-0F79-480E-BC9F-CEB3ED830761}" type="pres">
-      <dgm:prSet presAssocID="{57897E4F-B43E-4830-AA93-6F33553C8836}" presName="rootConnector3" presStyleLbl="asst1" presStyleIdx="44" presStyleCnt="48"/>
+      <dgm:prSet presAssocID="{57897E4F-B43E-4830-AA93-6F33553C8836}" presName="rootConnector3" presStyleLbl="asst1" presStyleIdx="46" presStyleCnt="50"/>
       <dgm:spPr/>
     </dgm:pt>
     <dgm:pt modelId="{7FCE3646-4724-487D-9753-C52425A2BC63}" type="pres">
@@ -4524,7 +4645,7 @@
       <dgm:spPr/>
     </dgm:pt>
     <dgm:pt modelId="{A671F663-21D9-43F4-8EE0-2896E9628F81}" type="pres">
-      <dgm:prSet presAssocID="{4FF4BF5F-3F45-45E5-8D0C-544859DC92B0}" presName="rootText3" presStyleLbl="asst1" presStyleIdx="45" presStyleCnt="48">
+      <dgm:prSet presAssocID="{4FF4BF5F-3F45-45E5-8D0C-544859DC92B0}" presName="rootText3" presStyleLbl="asst1" presStyleIdx="47" presStyleCnt="50">
         <dgm:presLayoutVars>
           <dgm:chPref val="3"/>
         </dgm:presLayoutVars>
@@ -4532,7 +4653,7 @@
       <dgm:spPr/>
     </dgm:pt>
     <dgm:pt modelId="{548C28C3-812E-4FC5-99B3-54A70C6632DD}" type="pres">
-      <dgm:prSet presAssocID="{4FF4BF5F-3F45-45E5-8D0C-544859DC92B0}" presName="rootConnector3" presStyleLbl="asst1" presStyleIdx="45" presStyleCnt="48"/>
+      <dgm:prSet presAssocID="{4FF4BF5F-3F45-45E5-8D0C-544859DC92B0}" presName="rootConnector3" presStyleLbl="asst1" presStyleIdx="47" presStyleCnt="50"/>
       <dgm:spPr/>
     </dgm:pt>
     <dgm:pt modelId="{EE0BFE4B-C062-4A36-915F-363157FF2FC7}" type="pres">
@@ -4560,7 +4681,7 @@
       <dgm:spPr/>
     </dgm:pt>
     <dgm:pt modelId="{EECB5851-B5EA-4373-9C18-E26E94F1871F}" type="pres">
-      <dgm:prSet presAssocID="{9767A9A6-6180-4440-9441-ED05A440F85A}" presName="rootText3" presStyleLbl="asst1" presStyleIdx="46" presStyleCnt="48">
+      <dgm:prSet presAssocID="{9767A9A6-6180-4440-9441-ED05A440F85A}" presName="rootText3" presStyleLbl="asst1" presStyleIdx="48" presStyleCnt="50">
         <dgm:presLayoutVars>
           <dgm:chPref val="3"/>
         </dgm:presLayoutVars>
@@ -4568,7 +4689,7 @@
       <dgm:spPr/>
     </dgm:pt>
     <dgm:pt modelId="{ED2A5822-B406-4F8D-98D1-844E0893CB67}" type="pres">
-      <dgm:prSet presAssocID="{9767A9A6-6180-4440-9441-ED05A440F85A}" presName="rootConnector3" presStyleLbl="asst1" presStyleIdx="46" presStyleCnt="48"/>
+      <dgm:prSet presAssocID="{9767A9A6-6180-4440-9441-ED05A440F85A}" presName="rootConnector3" presStyleLbl="asst1" presStyleIdx="48" presStyleCnt="50"/>
       <dgm:spPr/>
     </dgm:pt>
     <dgm:pt modelId="{274843BF-1E7F-4D87-B5E7-8729B56745D4}" type="pres">
@@ -4596,7 +4717,7 @@
       <dgm:spPr/>
     </dgm:pt>
     <dgm:pt modelId="{FCC977D8-6D8B-4AF1-A3D4-3B8585587317}" type="pres">
-      <dgm:prSet presAssocID="{B4606959-AE1D-40D9-BAFF-A9F766124EAE}" presName="rootText3" presStyleLbl="asst1" presStyleIdx="47" presStyleCnt="48">
+      <dgm:prSet presAssocID="{B4606959-AE1D-40D9-BAFF-A9F766124EAE}" presName="rootText3" presStyleLbl="asst1" presStyleIdx="49" presStyleCnt="50">
         <dgm:presLayoutVars>
           <dgm:chPref val="3"/>
         </dgm:presLayoutVars>
@@ -4604,7 +4725,7 @@
       <dgm:spPr/>
     </dgm:pt>
     <dgm:pt modelId="{737B2E56-76F2-4644-8492-D3F6A300A23A}" type="pres">
-      <dgm:prSet presAssocID="{B4606959-AE1D-40D9-BAFF-A9F766124EAE}" presName="rootConnector3" presStyleLbl="asst1" presStyleIdx="47" presStyleCnt="48"/>
+      <dgm:prSet presAssocID="{B4606959-AE1D-40D9-BAFF-A9F766124EAE}" presName="rootConnector3" presStyleLbl="asst1" presStyleIdx="49" presStyleCnt="50"/>
       <dgm:spPr/>
     </dgm:pt>
     <dgm:pt modelId="{AF443854-8380-43ED-B915-5E505C3C40C5}" type="pres">
@@ -4646,6 +4767,7 @@
     <dgm:cxn modelId="{A2C0981F-EEFC-46A2-B8B1-43BBE4C4F137}" srcId="{E36657BB-C992-457D-ABD4-294FF0D9E0B9}" destId="{C87D81A1-6CC8-4DCA-BD15-B97D48806961}" srcOrd="1" destOrd="0" parTransId="{E2B40DA0-67AF-4A83-9084-E878E7DAD26A}" sibTransId="{80ED57C3-DA07-4266-A97B-D462D6BFA3E0}"/>
     <dgm:cxn modelId="{5AC1E31F-CBE6-4913-91A9-B1D0CDA025B0}" type="presOf" srcId="{2A2F2C46-C20C-4052-8209-B4DB5F019F03}" destId="{010814E5-491A-47DC-9F61-1B943A57B34C}" srcOrd="0" destOrd="0" presId="urn:microsoft.com/office/officeart/2005/8/layout/orgChart1"/>
     <dgm:cxn modelId="{23A2FD1F-1846-4400-9159-D8DA3E52C98C}" type="presOf" srcId="{7A35A079-E45F-4CB2-8E3A-46407BA36BDD}" destId="{D1CA009F-84BB-4814-85E3-0F2600BA9EED}" srcOrd="1" destOrd="0" presId="urn:microsoft.com/office/officeart/2005/8/layout/orgChart1"/>
+    <dgm:cxn modelId="{EEBF2121-41C1-4F05-8392-52775F25A64D}" type="presOf" srcId="{B2206A5F-C5A8-4377-AEBE-B9CA5071E7D3}" destId="{6A7C5EC1-5A17-46BD-B28A-0E77CB3F5AE0}" srcOrd="0" destOrd="0" presId="urn:microsoft.com/office/officeart/2005/8/layout/orgChart1"/>
     <dgm:cxn modelId="{162D1222-8C14-4D2E-9604-95C01163CA9F}" type="presOf" srcId="{57897E4F-B43E-4830-AA93-6F33553C8836}" destId="{5AE02209-1EE6-416B-B4EC-1F8CAE700954}" srcOrd="0" destOrd="0" presId="urn:microsoft.com/office/officeart/2005/8/layout/orgChart1"/>
     <dgm:cxn modelId="{33BF1B22-7FE2-446C-920B-A78E36F835FF}" srcId="{DC6EA711-5D3D-4A49-A2D3-993D25791FD0}" destId="{3BAE0D0C-FD4F-4796-A59D-7E9173A3982F}" srcOrd="0" destOrd="0" parTransId="{62065E90-92B1-4D62-AD52-011662F89685}" sibTransId="{D4F2B80C-8E48-4502-B69F-ECB831BB4F28}"/>
     <dgm:cxn modelId="{54EC7523-8954-424C-8E8D-A1F719CAA8DA}" srcId="{50744334-6503-43A4-ADDB-0CC5326D54D8}" destId="{FBE65CBC-7EC3-4A2A-9C5B-BB24267C7434}" srcOrd="0" destOrd="0" parTransId="{D56DBF74-740C-4F96-8CAA-F39D952A495F}" sibTransId="{E6DB8B27-25A9-4EA5-9F5D-D615C53B3317}"/>
@@ -4668,6 +4790,7 @@
     <dgm:cxn modelId="{6CDA6033-AB30-4CB3-8213-11CBB59D588F}" type="presOf" srcId="{398061CB-4E0D-41CF-8614-B02FCAC86CA8}" destId="{D069C8E9-8746-4CD8-9E2B-53351693FE96}" srcOrd="0" destOrd="0" presId="urn:microsoft.com/office/officeart/2005/8/layout/orgChart1"/>
     <dgm:cxn modelId="{711C1036-47EE-44B0-9A9D-C117762DE641}" srcId="{311D6DD8-8C54-4E2C-8C71-2F8BD8D0EDDB}" destId="{74770414-BDD0-4889-954D-29401DF5704B}" srcOrd="1" destOrd="0" parTransId="{7DF20A9C-4DE7-4ABE-9B1F-2326090D5418}" sibTransId="{C437CF4C-5D95-4003-8572-E76BEDFEF303}"/>
     <dgm:cxn modelId="{3BD92036-2606-4F2B-972A-6EE87790D881}" type="presOf" srcId="{A1059FC7-D369-4BC9-A837-B0F13FDD8608}" destId="{484C0F9D-E8DA-48A8-9EAB-3D1915A141C7}" srcOrd="0" destOrd="0" presId="urn:microsoft.com/office/officeart/2005/8/layout/orgChart1"/>
+    <dgm:cxn modelId="{67CF1938-7EBA-44A3-9302-FAA830BE5A62}" srcId="{E36657BB-C992-457D-ABD4-294FF0D9E0B9}" destId="{8F25F80D-4148-4172-8A18-DB868B5E04E8}" srcOrd="3" destOrd="0" parTransId="{B2206A5F-C5A8-4377-AEBE-B9CA5071E7D3}" sibTransId="{AB9FE619-16A4-4CB2-8610-EDC92DAD869D}"/>
     <dgm:cxn modelId="{5D79B038-A0E7-445B-80E7-CA7FC74D5980}" type="presOf" srcId="{C87D81A1-6CC8-4DCA-BD15-B97D48806961}" destId="{774BED4D-5A96-4C60-885C-497ACC6441F2}" srcOrd="1" destOrd="0" presId="urn:microsoft.com/office/officeart/2005/8/layout/orgChart1"/>
     <dgm:cxn modelId="{24C69E39-8B84-4AEE-A541-CDB5949617A0}" type="presOf" srcId="{0E0F7677-F927-426F-933F-C7759496133D}" destId="{1D04A93D-63FE-4ED7-BC5D-79850A2E6AE1}" srcOrd="0" destOrd="0" presId="urn:microsoft.com/office/officeart/2005/8/layout/orgChart1"/>
     <dgm:cxn modelId="{6A5A953B-CAE1-4EE6-9E78-8B6025BF701A}" srcId="{1FE88220-37D4-441E-9066-A93196D32898}" destId="{E1B7DB7E-57FF-4FED-BCCB-2827B4CE62FA}" srcOrd="4" destOrd="0" parTransId="{DBE67F1B-164C-4C1C-9DFB-1A8F9332C95B}" sibTransId="{16406D37-4A5B-47CF-B1FA-6816AB1EC470}"/>
@@ -4675,6 +4798,7 @@
     <dgm:cxn modelId="{94E10841-AD43-4A99-8FCB-39EB746F428D}" type="presOf" srcId="{678E8F72-3967-48CC-9A5A-BD97DEB27994}" destId="{1A880197-E40B-48B6-A00E-3B1B844CF43E}" srcOrd="1" destOrd="0" presId="urn:microsoft.com/office/officeart/2005/8/layout/orgChart1"/>
     <dgm:cxn modelId="{015A1361-81A1-4D1F-895C-0EAC10C14585}" type="presOf" srcId="{C87D81A1-6CC8-4DCA-BD15-B97D48806961}" destId="{05121054-EFD6-49CC-81C8-AF91D8C37724}" srcOrd="0" destOrd="0" presId="urn:microsoft.com/office/officeart/2005/8/layout/orgChart1"/>
     <dgm:cxn modelId="{E57AD161-A762-4377-BCC1-06A552D9B33E}" type="presOf" srcId="{3E8CC39E-1D51-463A-8607-640A4960C4BD}" destId="{E0D9D789-8723-4EBE-96CD-7B761C793469}" srcOrd="0" destOrd="0" presId="urn:microsoft.com/office/officeart/2005/8/layout/orgChart1"/>
+    <dgm:cxn modelId="{0A0D3F42-06FB-47C7-AAE1-195BC5574551}" type="presOf" srcId="{1B7DDC3B-5191-4D44-AA1A-57A901202772}" destId="{D0839BF5-848A-4548-8D53-A40C09B050CB}" srcOrd="0" destOrd="0" presId="urn:microsoft.com/office/officeart/2005/8/layout/orgChart1"/>
     <dgm:cxn modelId="{2E0ADF62-0470-48A6-8958-09B675B8FB73}" type="presOf" srcId="{5A24ACE5-68D0-4967-9DE2-03D6135DC87E}" destId="{1F20BA95-876A-4CA7-8474-083218689804}" srcOrd="0" destOrd="0" presId="urn:microsoft.com/office/officeart/2005/8/layout/orgChart1"/>
     <dgm:cxn modelId="{89865943-E186-4A6A-9B71-F902C49F0AE1}" type="presOf" srcId="{E1B7DB7E-57FF-4FED-BCCB-2827B4CE62FA}" destId="{703C605E-1889-4263-9AA9-7FBB0B1021D9}" srcOrd="0" destOrd="0" presId="urn:microsoft.com/office/officeart/2005/8/layout/orgChart1"/>
     <dgm:cxn modelId="{72BEE263-84FE-434A-AFD2-4AF6320A3B77}" type="presOf" srcId="{D56DBF74-740C-4F96-8CAA-F39D952A495F}" destId="{A7D1E3CC-CF40-419B-A23A-A0E30CC143C9}" srcOrd="0" destOrd="0" presId="urn:microsoft.com/office/officeart/2005/8/layout/orgChart1"/>
@@ -4690,6 +4814,7 @@
     <dgm:cxn modelId="{56C97D6A-8DA3-4812-8C51-275F9C2572B3}" type="presOf" srcId="{F8B36BD7-227B-481D-B93A-AC0E3729CD8F}" destId="{A3AD00AC-C08B-40FB-8083-19D64B9EF040}" srcOrd="0" destOrd="0" presId="urn:microsoft.com/office/officeart/2005/8/layout/orgChart1"/>
     <dgm:cxn modelId="{56575B4C-B45A-4071-A55F-2AD2F54102CE}" srcId="{1FE88220-37D4-441E-9066-A93196D32898}" destId="{DDA688CE-CF40-4247-A0A4-2595516C72EB}" srcOrd="1" destOrd="0" parTransId="{4FCF2090-2A38-4101-98D9-62711114F190}" sibTransId="{F598680C-DA4F-4F1E-9BAC-BBCE96C1FF78}"/>
     <dgm:cxn modelId="{660BC24D-08D3-49E3-8FA3-001072F3B05C}" type="presOf" srcId="{9767A9A6-6180-4440-9441-ED05A440F85A}" destId="{ED2A5822-B406-4F8D-98D1-844E0893CB67}" srcOrd="1" destOrd="0" presId="urn:microsoft.com/office/officeart/2005/8/layout/orgChart1"/>
+    <dgm:cxn modelId="{6144356E-9FB4-42C6-9845-981751C41778}" srcId="{E36657BB-C992-457D-ABD4-294FF0D9E0B9}" destId="{CFBBDE2F-F64F-4F41-B999-94B8508F8C57}" srcOrd="5" destOrd="0" parTransId="{1B7DDC3B-5191-4D44-AA1A-57A901202772}" sibTransId="{E4F263A4-CDA4-4518-AAA5-2C349886EC2C}"/>
     <dgm:cxn modelId="{1F31CC4F-9588-4326-818A-777B00590763}" type="presOf" srcId="{15728E7A-B3F4-4846-9859-011F8F042136}" destId="{71748AAD-9CFD-4E76-8681-C69FB598D6C6}" srcOrd="0" destOrd="0" presId="urn:microsoft.com/office/officeart/2005/8/layout/orgChart1"/>
     <dgm:cxn modelId="{D5F8E74F-E7FB-4968-87B6-376672D08B44}" type="presOf" srcId="{E423D0F6-8CED-4F3F-9A84-93E0370E44A7}" destId="{2B9A6652-0CDC-4A06-8130-3523581C7640}" srcOrd="0" destOrd="0" presId="urn:microsoft.com/office/officeart/2005/8/layout/orgChart1"/>
     <dgm:cxn modelId="{3E150050-FB9B-4EEC-9573-9BD6A257F51B}" type="presOf" srcId="{6A53FE72-3745-42CC-AC9B-5CF73CA73750}" destId="{DF9F2D93-50D6-46DF-BA42-27D50139A81C}" srcOrd="0" destOrd="0" presId="urn:microsoft.com/office/officeart/2005/8/layout/orgChart1"/>
@@ -4724,7 +4849,7 @@
     <dgm:cxn modelId="{D2EA9380-0760-4CF1-B398-2551F519FCBE}" type="presOf" srcId="{E0ED939F-CDDA-4743-843F-304C40BEDDFE}" destId="{226FC570-8666-4E17-822A-229712F04EEC}" srcOrd="1" destOrd="0" presId="urn:microsoft.com/office/officeart/2005/8/layout/orgChart1"/>
     <dgm:cxn modelId="{9A39C383-2C37-4A64-8B3C-636DC0DB9815}" srcId="{A1059FC7-D369-4BC9-A837-B0F13FDD8608}" destId="{5A130CF4-82A1-480D-B1BC-8C9BC041D947}" srcOrd="0" destOrd="0" parTransId="{2A2F2C46-C20C-4052-8209-B4DB5F019F03}" sibTransId="{9DD56AEA-E226-4AB1-B971-2522DB18B5E0}"/>
     <dgm:cxn modelId="{723CB085-5C61-4937-ABDF-A99087F30217}" srcId="{3E8CC39E-1D51-463A-8607-640A4960C4BD}" destId="{B146A1B1-B0D4-43AF-9F61-DBA9336A534C}" srcOrd="6" destOrd="0" parTransId="{1ACA5A08-FB34-4B93-B527-18564E327613}" sibTransId="{8D31468F-76EB-42A5-9875-B98DC0CC2BDB}"/>
-    <dgm:cxn modelId="{6B4C2F86-6BED-4BC5-8D96-CEDC52057934}" srcId="{E36657BB-C992-457D-ABD4-294FF0D9E0B9}" destId="{A1CD47A1-26A2-43AA-95C3-0AE9675E5CC8}" srcOrd="3" destOrd="0" parTransId="{370BCFBA-06A4-4104-8062-395094EC89E2}" sibTransId="{B3C0B0B2-2782-4DE2-A9D5-A6E9FDED785F}"/>
+    <dgm:cxn modelId="{6B4C2F86-6BED-4BC5-8D96-CEDC52057934}" srcId="{E36657BB-C992-457D-ABD4-294FF0D9E0B9}" destId="{A1CD47A1-26A2-43AA-95C3-0AE9675E5CC8}" srcOrd="4" destOrd="0" parTransId="{370BCFBA-06A4-4104-8062-395094EC89E2}" sibTransId="{B3C0B0B2-2782-4DE2-A9D5-A6E9FDED785F}"/>
     <dgm:cxn modelId="{C91DA186-FF00-4ADC-877A-259A3B330FD3}" type="presOf" srcId="{3E06C824-B207-4BB9-8299-6DB685B22456}" destId="{7BBCE7BB-9B24-4968-9CF1-8802A8F83A58}" srcOrd="0" destOrd="0" presId="urn:microsoft.com/office/officeart/2005/8/layout/orgChart1"/>
     <dgm:cxn modelId="{8EDCB586-EB4B-40E8-8E40-F1FD5B9F770C}" type="presOf" srcId="{E1C6A249-B4E0-4081-BD3F-2CCC0E6489BC}" destId="{AEE51843-F6AA-432F-8952-AFFCB8D1881F}" srcOrd="0" destOrd="0" presId="urn:microsoft.com/office/officeart/2005/8/layout/orgChart1"/>
     <dgm:cxn modelId="{BDD3A487-109C-4A01-8D6C-A3C6E84308E7}" type="presOf" srcId="{3BE59F7A-45B6-4CE6-B638-4FB12D537F41}" destId="{D3CCF87E-6C72-43B2-97D4-4E82C64CD863}" srcOrd="0" destOrd="0" presId="urn:microsoft.com/office/officeart/2005/8/layout/orgChart1"/>
@@ -4735,6 +4860,7 @@
     <dgm:cxn modelId="{30CC2D8F-866A-4A60-9272-6428B94028DF}" type="presOf" srcId="{90DCFF90-B9BD-499B-B9FE-019A7C276CB4}" destId="{D8263A46-6000-40E8-8909-48A87AEDA582}" srcOrd="0" destOrd="0" presId="urn:microsoft.com/office/officeart/2005/8/layout/orgChart1"/>
     <dgm:cxn modelId="{966DFB92-944F-4795-A183-CC9A51818912}" type="presOf" srcId="{6F9935B6-B76B-4F94-BE7E-228C22706ABF}" destId="{37C7BC80-7487-400F-942E-1D4D3EBF3734}" srcOrd="0" destOrd="0" presId="urn:microsoft.com/office/officeart/2005/8/layout/orgChart1"/>
     <dgm:cxn modelId="{8175D395-C1C3-482B-92E1-B40E248F0FE5}" srcId="{4FF4BF5F-3F45-45E5-8D0C-544859DC92B0}" destId="{9767A9A6-6180-4440-9441-ED05A440F85A}" srcOrd="0" destOrd="0" parTransId="{E451EE57-E603-4682-A7FE-0FFE0A819B6F}" sibTransId="{DA551883-C567-489D-8034-6823CD44E6E7}"/>
+    <dgm:cxn modelId="{55F00D96-BBE8-4B46-AE3A-4BACD3082C5E}" type="presOf" srcId="{8F25F80D-4148-4172-8A18-DB868B5E04E8}" destId="{5A1B7CEC-1033-4139-AA7A-0CA46EFB700D}" srcOrd="1" destOrd="0" presId="urn:microsoft.com/office/officeart/2005/8/layout/orgChart1"/>
     <dgm:cxn modelId="{EBAE5A97-4868-446E-9C31-773EC85CA4CB}" type="presOf" srcId="{A1059FC7-D369-4BC9-A837-B0F13FDD8608}" destId="{D1C78873-2967-4F4A-B0E3-9FA058D638E4}" srcOrd="1" destOrd="0" presId="urn:microsoft.com/office/officeart/2005/8/layout/orgChart1"/>
     <dgm:cxn modelId="{D7B6AF97-2EF7-4DDD-B0C0-D3F23841B2F0}" srcId="{A1059FC7-D369-4BC9-A837-B0F13FDD8608}" destId="{311D6DD8-8C54-4E2C-8C71-2F8BD8D0EDDB}" srcOrd="3" destOrd="0" parTransId="{CD634B3B-02E2-4369-A01A-7AFE98E87B26}" sibTransId="{444C6BB2-8756-433B-97B4-7B71E1EB5D47}"/>
     <dgm:cxn modelId="{296A3898-AB49-44EB-A527-E340DACE1DE8}" type="presOf" srcId="{23209160-44D6-468D-88E0-7F515DA6C8E1}" destId="{4C561BD1-6498-41FC-9541-C2D44F4A10CE}" srcOrd="0" destOrd="0" presId="urn:microsoft.com/office/officeart/2005/8/layout/orgChart1"/>
@@ -4774,6 +4900,7 @@
     <dgm:cxn modelId="{7D951DC0-1579-46D3-8A17-6EB2AD05BF2D}" type="presOf" srcId="{23209160-44D6-468D-88E0-7F515DA6C8E1}" destId="{6D8FBC58-20D1-417B-A42C-58A7512AF578}" srcOrd="1" destOrd="0" presId="urn:microsoft.com/office/officeart/2005/8/layout/orgChart1"/>
     <dgm:cxn modelId="{142404C1-B066-409C-982A-8028E901464D}" type="presOf" srcId="{985D2A9B-00C5-4AD5-B27B-A9B865F287C9}" destId="{85DF5BD2-3D4E-4875-B872-FE0CEC611E3A}" srcOrd="1" destOrd="0" presId="urn:microsoft.com/office/officeart/2005/8/layout/orgChart1"/>
     <dgm:cxn modelId="{737F33C2-C88C-4EC3-AF83-C7CF63CCDA17}" srcId="{3E8CC39E-1D51-463A-8607-640A4960C4BD}" destId="{3EBB3AF4-834B-4DA5-9346-169CC5FA8B6C}" srcOrd="3" destOrd="0" parTransId="{571A605A-EC94-4BD6-A530-277BA2DA874F}" sibTransId="{DB84B770-7545-4CEA-86D6-6735EE87EC25}"/>
+    <dgm:cxn modelId="{B44662C2-4EA1-461B-8021-8515941AB341}" type="presOf" srcId="{CFBBDE2F-F64F-4F41-B999-94B8508F8C57}" destId="{B675B579-3FD3-4543-90A6-DFD1BBEBBB31}" srcOrd="1" destOrd="0" presId="urn:microsoft.com/office/officeart/2005/8/layout/orgChart1"/>
     <dgm:cxn modelId="{D6718DC3-7465-48C6-A0D1-08842C032A5E}" srcId="{A1059FC7-D369-4BC9-A837-B0F13FDD8608}" destId="{57178ABE-A017-45D8-9354-71432AE8CB88}" srcOrd="1" destOrd="0" parTransId="{AB15E678-6BAE-4D6A-99C7-6E838A552F9B}" sibTransId="{A8113E30-DAA1-47CB-B929-3FB30371E995}"/>
     <dgm:cxn modelId="{0EE936C4-5177-41C6-8026-75C1E88E2A59}" srcId="{1FE88220-37D4-441E-9066-A93196D32898}" destId="{985D2A9B-00C5-4AD5-B27B-A9B865F287C9}" srcOrd="2" destOrd="0" parTransId="{4A7E0E5B-75EB-45F8-9492-B11674A6AD26}" sibTransId="{161758FF-46A1-401C-8CA3-307A5E5E9BB4}"/>
     <dgm:cxn modelId="{59A96CC6-2C70-4BE7-A1DC-DC36EC6A54BA}" type="presOf" srcId="{7A35A079-E45F-4CB2-8E3A-46407BA36BDD}" destId="{2F5DA395-98D7-4FE9-ADDD-B78A90D4D5C8}" srcOrd="0" destOrd="0" presId="urn:microsoft.com/office/officeart/2005/8/layout/orgChart1"/>
@@ -4789,6 +4916,8 @@
     <dgm:cxn modelId="{706535D3-948F-4092-B3B7-638B4E94C7FD}" type="presOf" srcId="{5A24ACE5-68D0-4967-9DE2-03D6135DC87E}" destId="{BECB09A8-AD65-4C77-9143-3C7111625FA0}" srcOrd="1" destOrd="0" presId="urn:microsoft.com/office/officeart/2005/8/layout/orgChart1"/>
     <dgm:cxn modelId="{19E3B5D3-5F73-4E45-8814-6CBE6A86DB6B}" srcId="{4FF4BF5F-3F45-45E5-8D0C-544859DC92B0}" destId="{B4606959-AE1D-40D9-BAFF-A9F766124EAE}" srcOrd="1" destOrd="0" parTransId="{7D9B11FF-C45C-47D7-B959-A209F43DCF54}" sibTransId="{E313BC79-3F9B-401E-B6B7-55D04D742AC5}"/>
     <dgm:cxn modelId="{19C3B0D5-3FDF-4262-9822-7AE311DDC884}" type="presOf" srcId="{5A130CF4-82A1-480D-B1BC-8C9BC041D947}" destId="{E827EE73-A458-47A5-9402-688307433157}" srcOrd="0" destOrd="0" presId="urn:microsoft.com/office/officeart/2005/8/layout/orgChart1"/>
+    <dgm:cxn modelId="{5D8256D6-AB96-4097-B32C-43AE1516D905}" type="presOf" srcId="{8F25F80D-4148-4172-8A18-DB868B5E04E8}" destId="{835FBC05-15F8-43EF-A036-E3BC2CA82BE9}" srcOrd="0" destOrd="0" presId="urn:microsoft.com/office/officeart/2005/8/layout/orgChart1"/>
+    <dgm:cxn modelId="{69CEDAD7-E91E-4764-B93A-7586352454D8}" type="presOf" srcId="{CFBBDE2F-F64F-4F41-B999-94B8508F8C57}" destId="{8E052154-49ED-445C-A8C9-E6354099F9EA}" srcOrd="0" destOrd="0" presId="urn:microsoft.com/office/officeart/2005/8/layout/orgChart1"/>
     <dgm:cxn modelId="{57FE0BD8-5744-4DFA-A845-2E79D7B5A61D}" type="presOf" srcId="{3E8FCCA5-7848-4FCB-B52D-ED572BE02795}" destId="{9FAADA75-86B5-4859-A5E7-56F98170838E}" srcOrd="1" destOrd="0" presId="urn:microsoft.com/office/officeart/2005/8/layout/orgChart1"/>
     <dgm:cxn modelId="{6F2D83D8-C8A5-43DB-9770-88592D585DCE}" srcId="{A1059FC7-D369-4BC9-A837-B0F13FDD8608}" destId="{F4555AF6-45CD-4C98-8ED0-75426DB0E00B}" srcOrd="2" destOrd="0" parTransId="{6F9935B6-B76B-4F94-BE7E-228C22706ABF}" sibTransId="{1B729E84-BA34-48AC-B1F6-4CB5601A6F82}"/>
     <dgm:cxn modelId="{76216DDB-426F-4BED-A6E9-622904D8F61E}" type="presOf" srcId="{CCC2EB33-60ED-4872-98F3-0FFD00EF13A0}" destId="{BEB93244-3355-4351-ABC6-45C93C1A7BE4}" srcOrd="1" destOrd="0" presId="urn:microsoft.com/office/officeart/2005/8/layout/orgChart1"/>
@@ -4987,13 +5116,27 @@
     <dgm:cxn modelId="{A4F6F9F5-F495-49CE-9632-E002ADED4EF8}" type="presParOf" srcId="{ABC436B1-A4CF-4029-AA69-4B0AC5F38EC5}" destId="{11BC200D-0CDD-48A9-8270-990285883250}" srcOrd="1" destOrd="0" presId="urn:microsoft.com/office/officeart/2005/8/layout/orgChart1"/>
     <dgm:cxn modelId="{F8565D8E-9646-4D31-BB19-B76265A4790F}" type="presParOf" srcId="{AB169289-E06F-4D06-978E-A5F2981C357B}" destId="{4108A0F4-DC73-4E59-8BC6-11F495CE5EC4}" srcOrd="1" destOrd="0" presId="urn:microsoft.com/office/officeart/2005/8/layout/orgChart1"/>
     <dgm:cxn modelId="{DA4B5B11-67A1-4A45-8E44-2B6C0F21A687}" type="presParOf" srcId="{AB169289-E06F-4D06-978E-A5F2981C357B}" destId="{D389714B-0B78-4266-8CF9-C2B7285D005D}" srcOrd="2" destOrd="0" presId="urn:microsoft.com/office/officeart/2005/8/layout/orgChart1"/>
-    <dgm:cxn modelId="{4CEEBAE6-4153-400D-8963-139CA12B9B7B}" type="presParOf" srcId="{40DC7726-BDEC-46B2-883A-6118B3C3E3E6}" destId="{EFE6615F-D31F-4C36-B70C-2208DE3019FC}" srcOrd="6" destOrd="0" presId="urn:microsoft.com/office/officeart/2005/8/layout/orgChart1"/>
-    <dgm:cxn modelId="{AB53FB28-2419-4DF6-8DEB-A3114DBCB667}" type="presParOf" srcId="{40DC7726-BDEC-46B2-883A-6118B3C3E3E6}" destId="{2B3D3838-8B9C-4230-A930-4A86654E68C9}" srcOrd="7" destOrd="0" presId="urn:microsoft.com/office/officeart/2005/8/layout/orgChart1"/>
+    <dgm:cxn modelId="{B1242D43-6FCC-4F77-897A-E5DEB6840904}" type="presParOf" srcId="{40DC7726-BDEC-46B2-883A-6118B3C3E3E6}" destId="{6A7C5EC1-5A17-46BD-B28A-0E77CB3F5AE0}" srcOrd="6" destOrd="0" presId="urn:microsoft.com/office/officeart/2005/8/layout/orgChart1"/>
+    <dgm:cxn modelId="{C843E88D-21A9-4E37-8DD3-91E0F1E7C525}" type="presParOf" srcId="{40DC7726-BDEC-46B2-883A-6118B3C3E3E6}" destId="{7D4F22CF-DBE2-49C3-A353-D134EC92A7C8}" srcOrd="7" destOrd="0" presId="urn:microsoft.com/office/officeart/2005/8/layout/orgChart1"/>
+    <dgm:cxn modelId="{36B39A15-C637-4A6F-BE28-C9A677C74F15}" type="presParOf" srcId="{7D4F22CF-DBE2-49C3-A353-D134EC92A7C8}" destId="{0C640E40-E6B5-4503-815F-A2CAE3A9A9A5}" srcOrd="0" destOrd="0" presId="urn:microsoft.com/office/officeart/2005/8/layout/orgChart1"/>
+    <dgm:cxn modelId="{33BB6558-9359-45E2-B6A5-8F919AA5D7BA}" type="presParOf" srcId="{0C640E40-E6B5-4503-815F-A2CAE3A9A9A5}" destId="{835FBC05-15F8-43EF-A036-E3BC2CA82BE9}" srcOrd="0" destOrd="0" presId="urn:microsoft.com/office/officeart/2005/8/layout/orgChart1"/>
+    <dgm:cxn modelId="{EDA2108F-2EFF-4B7C-A9D4-600915D5F5CC}" type="presParOf" srcId="{0C640E40-E6B5-4503-815F-A2CAE3A9A9A5}" destId="{5A1B7CEC-1033-4139-AA7A-0CA46EFB700D}" srcOrd="1" destOrd="0" presId="urn:microsoft.com/office/officeart/2005/8/layout/orgChart1"/>
+    <dgm:cxn modelId="{7F509E7C-13BC-49E4-82FF-5E116BADF860}" type="presParOf" srcId="{7D4F22CF-DBE2-49C3-A353-D134EC92A7C8}" destId="{109D503A-E976-4E74-B81F-C16541A8C66E}" srcOrd="1" destOrd="0" presId="urn:microsoft.com/office/officeart/2005/8/layout/orgChart1"/>
+    <dgm:cxn modelId="{3B57244A-D138-4542-91F2-0D6E85138E37}" type="presParOf" srcId="{7D4F22CF-DBE2-49C3-A353-D134EC92A7C8}" destId="{2DB6EF81-23DD-4D57-824C-E31B7708681F}" srcOrd="2" destOrd="0" presId="urn:microsoft.com/office/officeart/2005/8/layout/orgChart1"/>
+    <dgm:cxn modelId="{4CEEBAE6-4153-400D-8963-139CA12B9B7B}" type="presParOf" srcId="{40DC7726-BDEC-46B2-883A-6118B3C3E3E6}" destId="{EFE6615F-D31F-4C36-B70C-2208DE3019FC}" srcOrd="8" destOrd="0" presId="urn:microsoft.com/office/officeart/2005/8/layout/orgChart1"/>
+    <dgm:cxn modelId="{AB53FB28-2419-4DF6-8DEB-A3114DBCB667}" type="presParOf" srcId="{40DC7726-BDEC-46B2-883A-6118B3C3E3E6}" destId="{2B3D3838-8B9C-4230-A930-4A86654E68C9}" srcOrd="9" destOrd="0" presId="urn:microsoft.com/office/officeart/2005/8/layout/orgChart1"/>
     <dgm:cxn modelId="{E3BB49A7-0608-4B55-9278-5B46044FA1CA}" type="presParOf" srcId="{2B3D3838-8B9C-4230-A930-4A86654E68C9}" destId="{4EB7EEBD-E593-42DF-B975-478135677FFC}" srcOrd="0" destOrd="0" presId="urn:microsoft.com/office/officeart/2005/8/layout/orgChart1"/>
     <dgm:cxn modelId="{8CDDE9CE-2860-40E4-B292-9925D9E8374A}" type="presParOf" srcId="{4EB7EEBD-E593-42DF-B975-478135677FFC}" destId="{E2F6B417-5BD4-4008-AAF6-B738C8BED1E8}" srcOrd="0" destOrd="0" presId="urn:microsoft.com/office/officeart/2005/8/layout/orgChart1"/>
     <dgm:cxn modelId="{610F0EDC-9B2D-4C7A-87D3-40FF714AF20E}" type="presParOf" srcId="{4EB7EEBD-E593-42DF-B975-478135677FFC}" destId="{D524F5A4-33EA-48AA-A363-575954A8203D}" srcOrd="1" destOrd="0" presId="urn:microsoft.com/office/officeart/2005/8/layout/orgChart1"/>
     <dgm:cxn modelId="{1D8A91A1-8CE5-4F3B-BEC4-ACFC5236E3E2}" type="presParOf" srcId="{2B3D3838-8B9C-4230-A930-4A86654E68C9}" destId="{239CDB71-084C-4A32-B528-0DA5B0E23402}" srcOrd="1" destOrd="0" presId="urn:microsoft.com/office/officeart/2005/8/layout/orgChart1"/>
     <dgm:cxn modelId="{AC487F60-8600-485F-A2B7-C6E4A965DD59}" type="presParOf" srcId="{2B3D3838-8B9C-4230-A930-4A86654E68C9}" destId="{83E0C910-AE58-46BD-B1A5-696E127A2842}" srcOrd="2" destOrd="0" presId="urn:microsoft.com/office/officeart/2005/8/layout/orgChart1"/>
+    <dgm:cxn modelId="{CD34DBCF-C836-4D63-90BB-460B3065257E}" type="presParOf" srcId="{40DC7726-BDEC-46B2-883A-6118B3C3E3E6}" destId="{D0839BF5-848A-4548-8D53-A40C09B050CB}" srcOrd="10" destOrd="0" presId="urn:microsoft.com/office/officeart/2005/8/layout/orgChart1"/>
+    <dgm:cxn modelId="{20EA46BF-67E1-44E6-8A81-71AFA165032B}" type="presParOf" srcId="{40DC7726-BDEC-46B2-883A-6118B3C3E3E6}" destId="{59E22F8F-9B03-481B-BD3A-C70A0F3AC604}" srcOrd="11" destOrd="0" presId="urn:microsoft.com/office/officeart/2005/8/layout/orgChart1"/>
+    <dgm:cxn modelId="{A5FC9EA0-982E-4ED1-9D3C-7525EA576F44}" type="presParOf" srcId="{59E22F8F-9B03-481B-BD3A-C70A0F3AC604}" destId="{D7F8286C-D541-4AC5-9680-97CBED17A204}" srcOrd="0" destOrd="0" presId="urn:microsoft.com/office/officeart/2005/8/layout/orgChart1"/>
+    <dgm:cxn modelId="{021D1541-0AEB-49F4-A50F-014E1158C1AD}" type="presParOf" srcId="{D7F8286C-D541-4AC5-9680-97CBED17A204}" destId="{8E052154-49ED-445C-A8C9-E6354099F9EA}" srcOrd="0" destOrd="0" presId="urn:microsoft.com/office/officeart/2005/8/layout/orgChart1"/>
+    <dgm:cxn modelId="{2D403FF8-EE01-48EA-B370-5C940426204C}" type="presParOf" srcId="{D7F8286C-D541-4AC5-9680-97CBED17A204}" destId="{B675B579-3FD3-4543-90A6-DFD1BBEBBB31}" srcOrd="1" destOrd="0" presId="urn:microsoft.com/office/officeart/2005/8/layout/orgChart1"/>
+    <dgm:cxn modelId="{1E749BA9-525E-4283-A1E6-9FB0BC000BEA}" type="presParOf" srcId="{59E22F8F-9B03-481B-BD3A-C70A0F3AC604}" destId="{53E4BBE2-94CF-4D73-96F9-1F96DE01991D}" srcOrd="1" destOrd="0" presId="urn:microsoft.com/office/officeart/2005/8/layout/orgChart1"/>
+    <dgm:cxn modelId="{10449854-2BC3-49CD-B435-15F0FAA3ADF7}" type="presParOf" srcId="{59E22F8F-9B03-481B-BD3A-C70A0F3AC604}" destId="{36EF9590-ABD5-429F-8520-BF6C3D9BA90B}" srcOrd="2" destOrd="0" presId="urn:microsoft.com/office/officeart/2005/8/layout/orgChart1"/>
     <dgm:cxn modelId="{29AAF251-6B05-4B96-AE33-6FC438E5BB92}" type="presParOf" srcId="{2A641BF4-BB02-4390-88F4-D099BFDC28CF}" destId="{8A86FEC2-6718-46FE-A370-0342ACF303E1}" srcOrd="6" destOrd="0" presId="urn:microsoft.com/office/officeart/2005/8/layout/orgChart1"/>
     <dgm:cxn modelId="{AA78F371-5F4E-4C8F-953C-384C4A3C3670}" type="presParOf" srcId="{2A641BF4-BB02-4390-88F4-D099BFDC28CF}" destId="{FB70ECF8-9211-4C87-AA0E-DC1325992257}" srcOrd="7" destOrd="0" presId="urn:microsoft.com/office/officeart/2005/8/layout/orgChart1"/>
     <dgm:cxn modelId="{C6FBF22A-D330-452F-BB9E-0A4D20B9D153}" type="presParOf" srcId="{FB70ECF8-9211-4C87-AA0E-DC1325992257}" destId="{DB0BEB81-8421-499E-9D63-E22A4131ED02}" srcOrd="0" destOrd="0" presId="urn:microsoft.com/office/officeart/2005/8/layout/orgChart1"/>
@@ -5181,8 +5324,8 @@
       </dsp:nvSpPr>
       <dsp:spPr>
         <a:xfrm>
-          <a:off x="7088105" y="11453750"/>
-          <a:ext cx="91440" cy="396596"/>
+          <a:off x="7214011" y="11483450"/>
+          <a:ext cx="91440" cy="377450"/>
         </a:xfrm>
         <a:custGeom>
           <a:avLst/>
@@ -5196,10 +5339,10 @@
                 <a:pt x="45720" y="0"/>
               </a:moveTo>
               <a:lnTo>
-                <a:pt x="45720" y="396596"/>
+                <a:pt x="45720" y="377450"/>
               </a:lnTo>
               <a:lnTo>
-                <a:pt x="136247" y="396596"/>
+                <a:pt x="131877" y="377450"/>
               </a:lnTo>
             </a:path>
           </a:pathLst>
@@ -5240,8 +5383,8 @@
       </dsp:nvSpPr>
       <dsp:spPr>
         <a:xfrm>
-          <a:off x="6997578" y="11453750"/>
-          <a:ext cx="91440" cy="396596"/>
+          <a:off x="7127854" y="11483450"/>
+          <a:ext cx="91440" cy="377450"/>
         </a:xfrm>
         <a:custGeom>
           <a:avLst/>
@@ -5252,13 +5395,13 @@
           <a:pathLst>
             <a:path>
               <a:moveTo>
-                <a:pt x="136247" y="0"/>
+                <a:pt x="131877" y="0"/>
               </a:moveTo>
               <a:lnTo>
-                <a:pt x="136247" y="396596"/>
+                <a:pt x="131877" y="377450"/>
               </a:lnTo>
               <a:lnTo>
-                <a:pt x="45720" y="396596"/>
+                <a:pt x="45720" y="377450"/>
               </a:lnTo>
             </a:path>
           </a:pathLst>
@@ -5299,8 +5442,8 @@
       </dsp:nvSpPr>
       <dsp:spPr>
         <a:xfrm>
-          <a:off x="7564908" y="435274"/>
-          <a:ext cx="2176968" cy="10802934"/>
+          <a:off x="7670003" y="414314"/>
+          <a:ext cx="2071873" cy="10863999"/>
         </a:xfrm>
         <a:custGeom>
           <a:avLst/>
@@ -5311,13 +5454,13 @@
           <a:pathLst>
             <a:path>
               <a:moveTo>
-                <a:pt x="2176968" y="0"/>
+                <a:pt x="2071873" y="0"/>
               </a:moveTo>
               <a:lnTo>
-                <a:pt x="2176968" y="10802934"/>
+                <a:pt x="2071873" y="10863999"/>
               </a:lnTo>
               <a:lnTo>
-                <a:pt x="0" y="10802934"/>
+                <a:pt x="0" y="10863999"/>
               </a:lnTo>
             </a:path>
           </a:pathLst>
@@ -5358,8 +5501,8 @@
       </dsp:nvSpPr>
       <dsp:spPr>
         <a:xfrm>
-          <a:off x="11782597" y="9005200"/>
-          <a:ext cx="91440" cy="1620871"/>
+          <a:off x="11681872" y="9153106"/>
+          <a:ext cx="91440" cy="1542622"/>
         </a:xfrm>
         <a:custGeom>
           <a:avLst/>
@@ -5373,10 +5516,10 @@
                 <a:pt x="45720" y="0"/>
               </a:moveTo>
               <a:lnTo>
-                <a:pt x="45720" y="1620871"/>
+                <a:pt x="45720" y="1542622"/>
               </a:lnTo>
               <a:lnTo>
-                <a:pt x="136247" y="1620871"/>
+                <a:pt x="131877" y="1542622"/>
               </a:lnTo>
             </a:path>
           </a:pathLst>
@@ -5417,8 +5560,8 @@
       </dsp:nvSpPr>
       <dsp:spPr>
         <a:xfrm>
-          <a:off x="10694569" y="9005200"/>
-          <a:ext cx="1133747" cy="1620871"/>
+          <a:off x="10648577" y="9153106"/>
+          <a:ext cx="1079015" cy="1542622"/>
         </a:xfrm>
         <a:custGeom>
           <a:avLst/>
@@ -5429,13 +5572,13 @@
           <a:pathLst>
             <a:path>
               <a:moveTo>
-                <a:pt x="1133747" y="0"/>
+                <a:pt x="1079015" y="0"/>
               </a:moveTo>
               <a:lnTo>
-                <a:pt x="1133747" y="1620871"/>
+                <a:pt x="1079015" y="1542622"/>
               </a:lnTo>
               <a:lnTo>
-                <a:pt x="0" y="1620871"/>
+                <a:pt x="0" y="1542622"/>
               </a:lnTo>
             </a:path>
           </a:pathLst>
@@ -5476,8 +5619,8 @@
       </dsp:nvSpPr>
       <dsp:spPr>
         <a:xfrm>
-          <a:off x="11782597" y="9005200"/>
-          <a:ext cx="91440" cy="396596"/>
+          <a:off x="11681872" y="9153106"/>
+          <a:ext cx="91440" cy="377450"/>
         </a:xfrm>
         <a:custGeom>
           <a:avLst/>
@@ -5491,10 +5634,10 @@
                 <a:pt x="45720" y="0"/>
               </a:moveTo>
               <a:lnTo>
-                <a:pt x="45720" y="396596"/>
+                <a:pt x="45720" y="377450"/>
               </a:lnTo>
               <a:lnTo>
-                <a:pt x="136247" y="396596"/>
+                <a:pt x="131877" y="377450"/>
               </a:lnTo>
             </a:path>
           </a:pathLst>
@@ -5535,8 +5678,8 @@
       </dsp:nvSpPr>
       <dsp:spPr>
         <a:xfrm>
-          <a:off x="10739376" y="9617338"/>
-          <a:ext cx="91440" cy="396596"/>
+          <a:off x="10689014" y="9735692"/>
+          <a:ext cx="91440" cy="377450"/>
         </a:xfrm>
         <a:custGeom>
           <a:avLst/>
@@ -5550,10 +5693,10 @@
                 <a:pt x="45720" y="0"/>
               </a:moveTo>
               <a:lnTo>
-                <a:pt x="45720" y="396596"/>
+                <a:pt x="45720" y="377450"/>
               </a:lnTo>
               <a:lnTo>
-                <a:pt x="136247" y="396596"/>
+                <a:pt x="131877" y="377450"/>
               </a:lnTo>
             </a:path>
           </a:pathLst>
@@ -5594,8 +5737,8 @@
       </dsp:nvSpPr>
       <dsp:spPr>
         <a:xfrm>
-          <a:off x="10648849" y="9617338"/>
-          <a:ext cx="91440" cy="396596"/>
+          <a:off x="10602857" y="9735692"/>
+          <a:ext cx="91440" cy="377450"/>
         </a:xfrm>
         <a:custGeom>
           <a:avLst/>
@@ -5606,13 +5749,13 @@
           <a:pathLst>
             <a:path>
               <a:moveTo>
-                <a:pt x="136247" y="0"/>
+                <a:pt x="131877" y="0"/>
               </a:moveTo>
               <a:lnTo>
-                <a:pt x="136247" y="396596"/>
+                <a:pt x="131877" y="377450"/>
               </a:lnTo>
               <a:lnTo>
-                <a:pt x="45720" y="396596"/>
+                <a:pt x="45720" y="377450"/>
               </a:lnTo>
             </a:path>
           </a:pathLst>
@@ -5653,8 +5796,8 @@
       </dsp:nvSpPr>
       <dsp:spPr>
         <a:xfrm>
-          <a:off x="11216179" y="9005200"/>
-          <a:ext cx="612137" cy="396596"/>
+          <a:off x="11145006" y="9153106"/>
+          <a:ext cx="582586" cy="377450"/>
         </a:xfrm>
         <a:custGeom>
           <a:avLst/>
@@ -5665,13 +5808,13 @@
           <a:pathLst>
             <a:path>
               <a:moveTo>
-                <a:pt x="612137" y="0"/>
+                <a:pt x="582586" y="0"/>
               </a:moveTo>
               <a:lnTo>
-                <a:pt x="612137" y="396596"/>
+                <a:pt x="582586" y="377450"/>
               </a:lnTo>
               <a:lnTo>
-                <a:pt x="0" y="396596"/>
+                <a:pt x="0" y="377450"/>
               </a:lnTo>
             </a:path>
           </a:pathLst>
@@ -5712,8 +5855,8 @@
       </dsp:nvSpPr>
       <dsp:spPr>
         <a:xfrm>
-          <a:off x="12259400" y="8393062"/>
-          <a:ext cx="612137" cy="396596"/>
+          <a:off x="12137864" y="8570520"/>
+          <a:ext cx="582586" cy="377450"/>
         </a:xfrm>
         <a:custGeom>
           <a:avLst/>
@@ -5724,13 +5867,13 @@
           <a:pathLst>
             <a:path>
               <a:moveTo>
-                <a:pt x="612137" y="0"/>
+                <a:pt x="582586" y="0"/>
               </a:moveTo>
               <a:lnTo>
-                <a:pt x="612137" y="396596"/>
+                <a:pt x="582586" y="377450"/>
               </a:lnTo>
               <a:lnTo>
-                <a:pt x="0" y="396596"/>
+                <a:pt x="0" y="377450"/>
               </a:lnTo>
             </a:path>
           </a:pathLst>
@@ -5771,8 +5914,8 @@
       </dsp:nvSpPr>
       <dsp:spPr>
         <a:xfrm>
-          <a:off x="9741876" y="435274"/>
-          <a:ext cx="2698578" cy="7742246"/>
+          <a:off x="9741876" y="414314"/>
+          <a:ext cx="2568302" cy="7951069"/>
         </a:xfrm>
         <a:custGeom>
           <a:avLst/>
@@ -5786,10 +5929,10 @@
                 <a:pt x="0" y="0"/>
               </a:moveTo>
               <a:lnTo>
-                <a:pt x="0" y="7742246"/>
+                <a:pt x="0" y="7951069"/>
               </a:lnTo>
               <a:lnTo>
-                <a:pt x="2698578" y="7742246"/>
+                <a:pt x="2568302" y="7951069"/>
               </a:lnTo>
             </a:path>
           </a:pathLst>
@@ -5830,8 +5973,8 @@
       </dsp:nvSpPr>
       <dsp:spPr>
         <a:xfrm>
-          <a:off x="6997578" y="9005200"/>
-          <a:ext cx="91440" cy="1620871"/>
+          <a:off x="7127854" y="9153106"/>
+          <a:ext cx="91440" cy="1542622"/>
         </a:xfrm>
         <a:custGeom>
           <a:avLst/>
@@ -5842,13 +5985,13 @@
           <a:pathLst>
             <a:path>
               <a:moveTo>
-                <a:pt x="136247" y="0"/>
+                <a:pt x="131877" y="0"/>
               </a:moveTo>
               <a:lnTo>
-                <a:pt x="136247" y="1620871"/>
+                <a:pt x="131877" y="1542622"/>
               </a:lnTo>
               <a:lnTo>
-                <a:pt x="45720" y="1620871"/>
+                <a:pt x="45720" y="1542622"/>
               </a:lnTo>
             </a:path>
           </a:pathLst>
@@ -5889,8 +6032,8 @@
       </dsp:nvSpPr>
       <dsp:spPr>
         <a:xfrm>
-          <a:off x="7088105" y="9005200"/>
-          <a:ext cx="91440" cy="1008733"/>
+          <a:off x="7214011" y="9153106"/>
+          <a:ext cx="91440" cy="960036"/>
         </a:xfrm>
         <a:custGeom>
           <a:avLst/>
@@ -5904,10 +6047,10 @@
                 <a:pt x="45720" y="0"/>
               </a:moveTo>
               <a:lnTo>
-                <a:pt x="45720" y="1008733"/>
+                <a:pt x="45720" y="960036"/>
               </a:lnTo>
               <a:lnTo>
-                <a:pt x="136247" y="1008733"/>
+                <a:pt x="131877" y="960036"/>
               </a:lnTo>
             </a:path>
           </a:pathLst>
@@ -5948,8 +6091,8 @@
       </dsp:nvSpPr>
       <dsp:spPr>
         <a:xfrm>
-          <a:off x="6997578" y="9005200"/>
-          <a:ext cx="91440" cy="1008733"/>
+          <a:off x="7127854" y="9153106"/>
+          <a:ext cx="91440" cy="960036"/>
         </a:xfrm>
         <a:custGeom>
           <a:avLst/>
@@ -5960,13 +6103,13 @@
           <a:pathLst>
             <a:path>
               <a:moveTo>
-                <a:pt x="136247" y="0"/>
+                <a:pt x="131877" y="0"/>
               </a:moveTo>
               <a:lnTo>
-                <a:pt x="136247" y="1008733"/>
+                <a:pt x="131877" y="960036"/>
               </a:lnTo>
               <a:lnTo>
-                <a:pt x="45720" y="1008733"/>
+                <a:pt x="45720" y="960036"/>
               </a:lnTo>
             </a:path>
           </a:pathLst>
@@ -6007,8 +6150,8 @@
       </dsp:nvSpPr>
       <dsp:spPr>
         <a:xfrm>
-          <a:off x="7088105" y="9005200"/>
-          <a:ext cx="91440" cy="396596"/>
+          <a:off x="7214011" y="9153106"/>
+          <a:ext cx="91440" cy="377450"/>
         </a:xfrm>
         <a:custGeom>
           <a:avLst/>
@@ -6022,10 +6165,10 @@
                 <a:pt x="45720" y="0"/>
               </a:moveTo>
               <a:lnTo>
-                <a:pt x="45720" y="396596"/>
+                <a:pt x="45720" y="377450"/>
               </a:lnTo>
               <a:lnTo>
-                <a:pt x="136247" y="396596"/>
+                <a:pt x="131877" y="377450"/>
               </a:lnTo>
             </a:path>
           </a:pathLst>
@@ -6066,8 +6209,8 @@
       </dsp:nvSpPr>
       <dsp:spPr>
         <a:xfrm>
-          <a:off x="6997578" y="9005200"/>
-          <a:ext cx="91440" cy="396596"/>
+          <a:off x="7127854" y="9153106"/>
+          <a:ext cx="91440" cy="377450"/>
         </a:xfrm>
         <a:custGeom>
           <a:avLst/>
@@ -6078,13 +6221,13 @@
           <a:pathLst>
             <a:path>
               <a:moveTo>
-                <a:pt x="136247" y="0"/>
+                <a:pt x="131877" y="0"/>
               </a:moveTo>
               <a:lnTo>
-                <a:pt x="136247" y="396596"/>
+                <a:pt x="131877" y="377450"/>
               </a:lnTo>
               <a:lnTo>
-                <a:pt x="45720" y="396596"/>
+                <a:pt x="45720" y="377450"/>
               </a:lnTo>
             </a:path>
           </a:pathLst>
@@ -6125,8 +6268,8 @@
       </dsp:nvSpPr>
       <dsp:spPr>
         <a:xfrm>
-          <a:off x="7564908" y="8393062"/>
-          <a:ext cx="612137" cy="396596"/>
+          <a:off x="7670003" y="8570520"/>
+          <a:ext cx="582586" cy="377450"/>
         </a:xfrm>
         <a:custGeom>
           <a:avLst/>
@@ -6137,13 +6280,13 @@
           <a:pathLst>
             <a:path>
               <a:moveTo>
-                <a:pt x="612137" y="0"/>
+                <a:pt x="582586" y="0"/>
               </a:moveTo>
               <a:lnTo>
-                <a:pt x="612137" y="396596"/>
+                <a:pt x="582586" y="377450"/>
               </a:lnTo>
               <a:lnTo>
-                <a:pt x="0" y="396596"/>
+                <a:pt x="0" y="377450"/>
               </a:lnTo>
             </a:path>
           </a:pathLst>
@@ -6184,8 +6327,8 @@
       </dsp:nvSpPr>
       <dsp:spPr>
         <a:xfrm>
-          <a:off x="8608128" y="435274"/>
-          <a:ext cx="1133747" cy="7742246"/>
+          <a:off x="8662861" y="414314"/>
+          <a:ext cx="1079015" cy="7951069"/>
         </a:xfrm>
         <a:custGeom>
           <a:avLst/>
@@ -6196,13 +6339,13 @@
           <a:pathLst>
             <a:path>
               <a:moveTo>
-                <a:pt x="1133747" y="0"/>
+                <a:pt x="1079015" y="0"/>
               </a:moveTo>
               <a:lnTo>
-                <a:pt x="1133747" y="7742246"/>
+                <a:pt x="1079015" y="7951069"/>
               </a:lnTo>
               <a:lnTo>
-                <a:pt x="0" y="7742246"/>
+                <a:pt x="0" y="7951069"/>
               </a:lnTo>
             </a:path>
           </a:pathLst>
@@ -6243,8 +6386,8 @@
       </dsp:nvSpPr>
       <dsp:spPr>
         <a:xfrm>
-          <a:off x="10739376" y="5944512"/>
-          <a:ext cx="91440" cy="1008733"/>
+          <a:off x="10689014" y="5657589"/>
+          <a:ext cx="91440" cy="960036"/>
         </a:xfrm>
         <a:custGeom>
           <a:avLst/>
@@ -6258,10 +6401,10 @@
                 <a:pt x="45720" y="0"/>
               </a:moveTo>
               <a:lnTo>
-                <a:pt x="45720" y="1008733"/>
+                <a:pt x="45720" y="960036"/>
               </a:lnTo>
               <a:lnTo>
-                <a:pt x="136247" y="1008733"/>
+                <a:pt x="131877" y="960036"/>
               </a:lnTo>
             </a:path>
           </a:pathLst>
@@ -6302,8 +6445,8 @@
       </dsp:nvSpPr>
       <dsp:spPr>
         <a:xfrm>
-          <a:off x="10648849" y="5944512"/>
-          <a:ext cx="91440" cy="1008733"/>
+          <a:off x="10602857" y="5657589"/>
+          <a:ext cx="91440" cy="960036"/>
         </a:xfrm>
         <a:custGeom>
           <a:avLst/>
@@ -6314,13 +6457,13 @@
           <a:pathLst>
             <a:path>
               <a:moveTo>
-                <a:pt x="136247" y="0"/>
+                <a:pt x="131877" y="0"/>
               </a:moveTo>
               <a:lnTo>
-                <a:pt x="136247" y="1008733"/>
+                <a:pt x="131877" y="960036"/>
               </a:lnTo>
               <a:lnTo>
-                <a:pt x="45720" y="1008733"/>
+                <a:pt x="45720" y="960036"/>
               </a:lnTo>
             </a:path>
           </a:pathLst>
@@ -6361,8 +6504,8 @@
       </dsp:nvSpPr>
       <dsp:spPr>
         <a:xfrm>
-          <a:off x="10739376" y="5944512"/>
-          <a:ext cx="91440" cy="396596"/>
+          <a:off x="10689014" y="5657589"/>
+          <a:ext cx="91440" cy="377450"/>
         </a:xfrm>
         <a:custGeom>
           <a:avLst/>
@@ -6376,10 +6519,10 @@
                 <a:pt x="45720" y="0"/>
               </a:moveTo>
               <a:lnTo>
-                <a:pt x="45720" y="396596"/>
+                <a:pt x="45720" y="377450"/>
               </a:lnTo>
               <a:lnTo>
-                <a:pt x="136247" y="396596"/>
+                <a:pt x="131877" y="377450"/>
               </a:lnTo>
             </a:path>
           </a:pathLst>
@@ -6420,8 +6563,8 @@
       </dsp:nvSpPr>
       <dsp:spPr>
         <a:xfrm>
-          <a:off x="10648849" y="5944512"/>
-          <a:ext cx="91440" cy="396596"/>
+          <a:off x="10602857" y="5657589"/>
+          <a:ext cx="91440" cy="377450"/>
         </a:xfrm>
         <a:custGeom>
           <a:avLst/>
@@ -6432,13 +6575,13 @@
           <a:pathLst>
             <a:path>
               <a:moveTo>
-                <a:pt x="136247" y="0"/>
+                <a:pt x="131877" y="0"/>
               </a:moveTo>
               <a:lnTo>
-                <a:pt x="136247" y="396596"/>
+                <a:pt x="131877" y="377450"/>
               </a:lnTo>
               <a:lnTo>
-                <a:pt x="45720" y="396596"/>
+                <a:pt x="45720" y="377450"/>
               </a:lnTo>
             </a:path>
           </a:pathLst>
@@ -6479,8 +6622,8 @@
       </dsp:nvSpPr>
       <dsp:spPr>
         <a:xfrm>
-          <a:off x="9741876" y="435274"/>
-          <a:ext cx="612137" cy="5293696"/>
+          <a:off x="9741876" y="414314"/>
+          <a:ext cx="582586" cy="5038138"/>
         </a:xfrm>
         <a:custGeom>
           <a:avLst/>
@@ -6494,10 +6637,10 @@
                 <a:pt x="0" y="0"/>
               </a:moveTo>
               <a:lnTo>
-                <a:pt x="0" y="5293696"/>
+                <a:pt x="0" y="5038138"/>
               </a:lnTo>
               <a:lnTo>
-                <a:pt x="612137" y="5293696"/>
+                <a:pt x="582586" y="5038138"/>
               </a:lnTo>
             </a:path>
           </a:pathLst>
@@ -6531,15 +6674,15 @@
         <a:fontRef idx="minor"/>
       </dsp:style>
     </dsp:sp>
-    <dsp:sp modelId="{EFE6615F-D31F-4C36-B70C-2208DE3019FC}">
+    <dsp:sp modelId="{D0839BF5-848A-4548-8D53-A40C09B050CB}">
       <dsp:nvSpPr>
         <dsp:cNvPr id="0" name=""/>
         <dsp:cNvSpPr/>
       </dsp:nvSpPr>
       <dsp:spPr>
         <a:xfrm>
-          <a:off x="7088105" y="6556650"/>
-          <a:ext cx="91440" cy="1008733"/>
+          <a:off x="7214011" y="6240175"/>
+          <a:ext cx="91440" cy="1542622"/>
         </a:xfrm>
         <a:custGeom>
           <a:avLst/>
@@ -6553,10 +6696,10 @@
                 <a:pt x="45720" y="0"/>
               </a:moveTo>
               <a:lnTo>
-                <a:pt x="45720" y="1008733"/>
+                <a:pt x="45720" y="1542622"/>
               </a:lnTo>
               <a:lnTo>
-                <a:pt x="136247" y="1008733"/>
+                <a:pt x="131877" y="1542622"/>
               </a:lnTo>
             </a:path>
           </a:pathLst>
@@ -6590,15 +6733,15 @@
         <a:fontRef idx="minor"/>
       </dsp:style>
     </dsp:sp>
-    <dsp:sp modelId="{DF8E89CD-BF8E-47B8-BE68-B8E177AB7234}">
+    <dsp:sp modelId="{EFE6615F-D31F-4C36-B70C-2208DE3019FC}">
       <dsp:nvSpPr>
         <dsp:cNvPr id="0" name=""/>
         <dsp:cNvSpPr/>
       </dsp:nvSpPr>
       <dsp:spPr>
         <a:xfrm>
-          <a:off x="6997578" y="6556650"/>
-          <a:ext cx="91440" cy="1008733"/>
+          <a:off x="7127854" y="6240175"/>
+          <a:ext cx="91440" cy="1542622"/>
         </a:xfrm>
         <a:custGeom>
           <a:avLst/>
@@ -6609,13 +6752,13 @@
           <a:pathLst>
             <a:path>
               <a:moveTo>
-                <a:pt x="136247" y="0"/>
+                <a:pt x="131877" y="0"/>
               </a:moveTo>
               <a:lnTo>
-                <a:pt x="136247" y="1008733"/>
+                <a:pt x="131877" y="1542622"/>
               </a:lnTo>
               <a:lnTo>
-                <a:pt x="45720" y="1008733"/>
+                <a:pt x="45720" y="1542622"/>
               </a:lnTo>
             </a:path>
           </a:pathLst>
@@ -6649,15 +6792,15 @@
         <a:fontRef idx="minor"/>
       </dsp:style>
     </dsp:sp>
-    <dsp:sp modelId="{9DA744D5-350D-4A69-A847-EB442D828B83}">
+    <dsp:sp modelId="{6A7C5EC1-5A17-46BD-B28A-0E77CB3F5AE0}">
       <dsp:nvSpPr>
         <dsp:cNvPr id="0" name=""/>
         <dsp:cNvSpPr/>
       </dsp:nvSpPr>
       <dsp:spPr>
         <a:xfrm>
-          <a:off x="7088105" y="6556650"/>
-          <a:ext cx="91440" cy="396596"/>
+          <a:off x="7214011" y="6240175"/>
+          <a:ext cx="91440" cy="960036"/>
         </a:xfrm>
         <a:custGeom>
           <a:avLst/>
@@ -6671,10 +6814,10 @@
                 <a:pt x="45720" y="0"/>
               </a:moveTo>
               <a:lnTo>
-                <a:pt x="45720" y="396596"/>
+                <a:pt x="45720" y="960036"/>
               </a:lnTo>
               <a:lnTo>
-                <a:pt x="136247" y="396596"/>
+                <a:pt x="131877" y="960036"/>
               </a:lnTo>
             </a:path>
           </a:pathLst>
@@ -6708,15 +6851,15 @@
         <a:fontRef idx="minor"/>
       </dsp:style>
     </dsp:sp>
-    <dsp:sp modelId="{D3CCF87E-6C72-43B2-97D4-4E82C64CD863}">
+    <dsp:sp modelId="{DF8E89CD-BF8E-47B8-BE68-B8E177AB7234}">
       <dsp:nvSpPr>
         <dsp:cNvPr id="0" name=""/>
         <dsp:cNvSpPr/>
       </dsp:nvSpPr>
       <dsp:spPr>
         <a:xfrm>
-          <a:off x="6997578" y="6556650"/>
-          <a:ext cx="91440" cy="396596"/>
+          <a:off x="7127854" y="6240175"/>
+          <a:ext cx="91440" cy="960036"/>
         </a:xfrm>
         <a:custGeom>
           <a:avLst/>
@@ -6727,13 +6870,13 @@
           <a:pathLst>
             <a:path>
               <a:moveTo>
-                <a:pt x="136247" y="0"/>
+                <a:pt x="131877" y="0"/>
               </a:moveTo>
               <a:lnTo>
-                <a:pt x="136247" y="396596"/>
+                <a:pt x="131877" y="960036"/>
               </a:lnTo>
               <a:lnTo>
-                <a:pt x="45720" y="396596"/>
+                <a:pt x="45720" y="960036"/>
               </a:lnTo>
             </a:path>
           </a:pathLst>
@@ -6767,15 +6910,15 @@
         <a:fontRef idx="minor"/>
       </dsp:style>
     </dsp:sp>
-    <dsp:sp modelId="{71748AAD-9CFD-4E76-8681-C69FB598D6C6}">
+    <dsp:sp modelId="{9DA744D5-350D-4A69-A847-EB442D828B83}">
       <dsp:nvSpPr>
         <dsp:cNvPr id="0" name=""/>
         <dsp:cNvSpPr/>
       </dsp:nvSpPr>
       <dsp:spPr>
         <a:xfrm>
-          <a:off x="7564908" y="5944512"/>
-          <a:ext cx="612137" cy="396596"/>
+          <a:off x="7214011" y="6240175"/>
+          <a:ext cx="91440" cy="377450"/>
         </a:xfrm>
         <a:custGeom>
           <a:avLst/>
@@ -6786,13 +6929,131 @@
           <a:pathLst>
             <a:path>
               <a:moveTo>
-                <a:pt x="612137" y="0"/>
+                <a:pt x="45720" y="0"/>
               </a:moveTo>
               <a:lnTo>
-                <a:pt x="612137" y="396596"/>
+                <a:pt x="45720" y="377450"/>
               </a:lnTo>
               <a:lnTo>
-                <a:pt x="0" y="396596"/>
+                <a:pt x="131877" y="377450"/>
+              </a:lnTo>
+            </a:path>
+          </a:pathLst>
+        </a:custGeom>
+        <a:noFill/>
+        <a:ln w="19050" cap="flat" cmpd="sng" algn="ctr">
+          <a:solidFill>
+            <a:schemeClr val="accent1">
+              <a:tint val="50000"/>
+              <a:hueOff val="0"/>
+              <a:satOff val="0"/>
+              <a:lumOff val="0"/>
+              <a:alphaOff val="0"/>
+            </a:schemeClr>
+          </a:solidFill>
+          <a:prstDash val="solid"/>
+          <a:miter lim="800000"/>
+        </a:ln>
+        <a:effectLst/>
+      </dsp:spPr>
+      <dsp:style>
+        <a:lnRef idx="2">
+          <a:scrgbClr r="0" g="0" b="0"/>
+        </a:lnRef>
+        <a:fillRef idx="0">
+          <a:scrgbClr r="0" g="0" b="0"/>
+        </a:fillRef>
+        <a:effectRef idx="0">
+          <a:scrgbClr r="0" g="0" b="0"/>
+        </a:effectRef>
+        <a:fontRef idx="minor"/>
+      </dsp:style>
+    </dsp:sp>
+    <dsp:sp modelId="{D3CCF87E-6C72-43B2-97D4-4E82C64CD863}">
+      <dsp:nvSpPr>
+        <dsp:cNvPr id="0" name=""/>
+        <dsp:cNvSpPr/>
+      </dsp:nvSpPr>
+      <dsp:spPr>
+        <a:xfrm>
+          <a:off x="7127854" y="6240175"/>
+          <a:ext cx="91440" cy="377450"/>
+        </a:xfrm>
+        <a:custGeom>
+          <a:avLst/>
+          <a:gdLst/>
+          <a:ahLst/>
+          <a:cxnLst/>
+          <a:rect l="0" t="0" r="0" b="0"/>
+          <a:pathLst>
+            <a:path>
+              <a:moveTo>
+                <a:pt x="131877" y="0"/>
+              </a:moveTo>
+              <a:lnTo>
+                <a:pt x="131877" y="377450"/>
+              </a:lnTo>
+              <a:lnTo>
+                <a:pt x="45720" y="377450"/>
+              </a:lnTo>
+            </a:path>
+          </a:pathLst>
+        </a:custGeom>
+        <a:noFill/>
+        <a:ln w="19050" cap="flat" cmpd="sng" algn="ctr">
+          <a:solidFill>
+            <a:schemeClr val="accent1">
+              <a:tint val="50000"/>
+              <a:hueOff val="0"/>
+              <a:satOff val="0"/>
+              <a:lumOff val="0"/>
+              <a:alphaOff val="0"/>
+            </a:schemeClr>
+          </a:solidFill>
+          <a:prstDash val="solid"/>
+          <a:miter lim="800000"/>
+        </a:ln>
+        <a:effectLst/>
+      </dsp:spPr>
+      <dsp:style>
+        <a:lnRef idx="2">
+          <a:scrgbClr r="0" g="0" b="0"/>
+        </a:lnRef>
+        <a:fillRef idx="0">
+          <a:scrgbClr r="0" g="0" b="0"/>
+        </a:fillRef>
+        <a:effectRef idx="0">
+          <a:scrgbClr r="0" g="0" b="0"/>
+        </a:effectRef>
+        <a:fontRef idx="minor"/>
+      </dsp:style>
+    </dsp:sp>
+    <dsp:sp modelId="{71748AAD-9CFD-4E76-8681-C69FB598D6C6}">
+      <dsp:nvSpPr>
+        <dsp:cNvPr id="0" name=""/>
+        <dsp:cNvSpPr/>
+      </dsp:nvSpPr>
+      <dsp:spPr>
+        <a:xfrm>
+          <a:off x="7670003" y="5657589"/>
+          <a:ext cx="582586" cy="377450"/>
+        </a:xfrm>
+        <a:custGeom>
+          <a:avLst/>
+          <a:gdLst/>
+          <a:ahLst/>
+          <a:cxnLst/>
+          <a:rect l="0" t="0" r="0" b="0"/>
+          <a:pathLst>
+            <a:path>
+              <a:moveTo>
+                <a:pt x="582586" y="0"/>
+              </a:moveTo>
+              <a:lnTo>
+                <a:pt x="582586" y="377450"/>
+              </a:lnTo>
+              <a:lnTo>
+                <a:pt x="0" y="377450"/>
               </a:lnTo>
             </a:path>
           </a:pathLst>
@@ -6833,8 +7094,8 @@
       </dsp:nvSpPr>
       <dsp:spPr>
         <a:xfrm>
-          <a:off x="8608128" y="435274"/>
-          <a:ext cx="1133747" cy="5293696"/>
+          <a:off x="8662861" y="414314"/>
+          <a:ext cx="1079015" cy="5038138"/>
         </a:xfrm>
         <a:custGeom>
           <a:avLst/>
@@ -6845,13 +7106,13 @@
           <a:pathLst>
             <a:path>
               <a:moveTo>
-                <a:pt x="1133747" y="0"/>
+                <a:pt x="1079015" y="0"/>
               </a:moveTo>
               <a:lnTo>
-                <a:pt x="1133747" y="5293696"/>
+                <a:pt x="1079015" y="5038138"/>
               </a:lnTo>
               <a:lnTo>
-                <a:pt x="0" y="5293696"/>
+                <a:pt x="0" y="5038138"/>
               </a:lnTo>
             </a:path>
           </a:pathLst>
@@ -6892,8 +7153,8 @@
       </dsp:nvSpPr>
       <dsp:spPr>
         <a:xfrm>
-          <a:off x="10648849" y="1659549"/>
-          <a:ext cx="91440" cy="1008733"/>
+          <a:off x="10602857" y="1579487"/>
+          <a:ext cx="91440" cy="960036"/>
         </a:xfrm>
         <a:custGeom>
           <a:avLst/>
@@ -6904,13 +7165,13 @@
           <a:pathLst>
             <a:path>
               <a:moveTo>
-                <a:pt x="136247" y="0"/>
+                <a:pt x="131877" y="0"/>
               </a:moveTo>
               <a:lnTo>
-                <a:pt x="136247" y="1008733"/>
+                <a:pt x="131877" y="960036"/>
               </a:lnTo>
               <a:lnTo>
-                <a:pt x="45720" y="1008733"/>
+                <a:pt x="45720" y="960036"/>
               </a:lnTo>
             </a:path>
           </a:pathLst>
@@ -6951,8 +7212,8 @@
       </dsp:nvSpPr>
       <dsp:spPr>
         <a:xfrm>
-          <a:off x="10739376" y="1659549"/>
-          <a:ext cx="91440" cy="396596"/>
+          <a:off x="10689014" y="1579487"/>
+          <a:ext cx="91440" cy="377450"/>
         </a:xfrm>
         <a:custGeom>
           <a:avLst/>
@@ -6966,10 +7227,10 @@
                 <a:pt x="45720" y="0"/>
               </a:moveTo>
               <a:lnTo>
-                <a:pt x="45720" y="396596"/>
+                <a:pt x="45720" y="377450"/>
               </a:lnTo>
               <a:lnTo>
-                <a:pt x="136247" y="396596"/>
+                <a:pt x="131877" y="377450"/>
               </a:lnTo>
             </a:path>
           </a:pathLst>
@@ -7010,8 +7271,8 @@
       </dsp:nvSpPr>
       <dsp:spPr>
         <a:xfrm>
-          <a:off x="10648849" y="1659549"/>
-          <a:ext cx="91440" cy="396596"/>
+          <a:off x="10602857" y="1579487"/>
+          <a:ext cx="91440" cy="377450"/>
         </a:xfrm>
         <a:custGeom>
           <a:avLst/>
@@ -7022,13 +7283,13 @@
           <a:pathLst>
             <a:path>
               <a:moveTo>
-                <a:pt x="136247" y="0"/>
+                <a:pt x="131877" y="0"/>
               </a:moveTo>
               <a:lnTo>
-                <a:pt x="136247" y="396596"/>
+                <a:pt x="131877" y="377450"/>
               </a:lnTo>
               <a:lnTo>
-                <a:pt x="45720" y="396596"/>
+                <a:pt x="45720" y="377450"/>
               </a:lnTo>
             </a:path>
           </a:pathLst>
@@ -7069,8 +7330,8 @@
       </dsp:nvSpPr>
       <dsp:spPr>
         <a:xfrm>
-          <a:off x="11216179" y="1047412"/>
-          <a:ext cx="612137" cy="396596"/>
+          <a:off x="11145006" y="996901"/>
+          <a:ext cx="582586" cy="377450"/>
         </a:xfrm>
         <a:custGeom>
           <a:avLst/>
@@ -7081,13 +7342,13 @@
           <a:pathLst>
             <a:path>
               <a:moveTo>
-                <a:pt x="612137" y="0"/>
+                <a:pt x="582586" y="0"/>
               </a:moveTo>
               <a:lnTo>
-                <a:pt x="612137" y="396596"/>
+                <a:pt x="582586" y="377450"/>
               </a:lnTo>
               <a:lnTo>
-                <a:pt x="0" y="396596"/>
+                <a:pt x="0" y="377450"/>
               </a:lnTo>
             </a:path>
           </a:pathLst>
@@ -7128,8 +7389,8 @@
       </dsp:nvSpPr>
       <dsp:spPr>
         <a:xfrm>
-          <a:off x="9741876" y="435274"/>
-          <a:ext cx="1655357" cy="396596"/>
+          <a:off x="9741876" y="414314"/>
+          <a:ext cx="1575444" cy="377450"/>
         </a:xfrm>
         <a:custGeom>
           <a:avLst/>
@@ -7143,10 +7404,10 @@
                 <a:pt x="0" y="0"/>
               </a:moveTo>
               <a:lnTo>
-                <a:pt x="0" y="396596"/>
+                <a:pt x="0" y="377450"/>
               </a:lnTo>
               <a:lnTo>
-                <a:pt x="1655357" y="396596"/>
+                <a:pt x="1575444" y="377450"/>
               </a:lnTo>
             </a:path>
           </a:pathLst>
@@ -7187,8 +7448,8 @@
       </dsp:nvSpPr>
       <dsp:spPr>
         <a:xfrm>
-          <a:off x="7088105" y="1659549"/>
-          <a:ext cx="91440" cy="3457283"/>
+          <a:off x="7214011" y="1579487"/>
+          <a:ext cx="91440" cy="3290380"/>
         </a:xfrm>
         <a:custGeom>
           <a:avLst/>
@@ -7202,10 +7463,10 @@
                 <a:pt x="45720" y="0"/>
               </a:moveTo>
               <a:lnTo>
-                <a:pt x="45720" y="3457283"/>
+                <a:pt x="45720" y="3290380"/>
               </a:lnTo>
               <a:lnTo>
-                <a:pt x="136247" y="3457283"/>
+                <a:pt x="131877" y="3290380"/>
               </a:lnTo>
             </a:path>
           </a:pathLst>
@@ -7246,8 +7507,8 @@
       </dsp:nvSpPr>
       <dsp:spPr>
         <a:xfrm>
-          <a:off x="6997578" y="1659549"/>
-          <a:ext cx="91440" cy="3457283"/>
+          <a:off x="7127854" y="1579487"/>
+          <a:ext cx="91440" cy="3290380"/>
         </a:xfrm>
         <a:custGeom>
           <a:avLst/>
@@ -7258,13 +7519,13 @@
           <a:pathLst>
             <a:path>
               <a:moveTo>
-                <a:pt x="136247" y="0"/>
+                <a:pt x="131877" y="0"/>
               </a:moveTo>
               <a:lnTo>
-                <a:pt x="136247" y="3457283"/>
+                <a:pt x="131877" y="3290380"/>
               </a:lnTo>
               <a:lnTo>
-                <a:pt x="45720" y="3457283"/>
+                <a:pt x="45720" y="3290380"/>
               </a:lnTo>
             </a:path>
           </a:pathLst>
@@ -7305,8 +7566,8 @@
       </dsp:nvSpPr>
       <dsp:spPr>
         <a:xfrm>
-          <a:off x="7088105" y="1659549"/>
-          <a:ext cx="91440" cy="2845146"/>
+          <a:off x="7214011" y="1579487"/>
+          <a:ext cx="91440" cy="2707794"/>
         </a:xfrm>
         <a:custGeom>
           <a:avLst/>
@@ -7320,10 +7581,10 @@
                 <a:pt x="45720" y="0"/>
               </a:moveTo>
               <a:lnTo>
-                <a:pt x="45720" y="2845146"/>
+                <a:pt x="45720" y="2707794"/>
               </a:lnTo>
               <a:lnTo>
-                <a:pt x="136247" y="2845146"/>
+                <a:pt x="131877" y="2707794"/>
               </a:lnTo>
             </a:path>
           </a:pathLst>
@@ -7364,8 +7625,8 @@
       </dsp:nvSpPr>
       <dsp:spPr>
         <a:xfrm>
-          <a:off x="6997578" y="1659549"/>
-          <a:ext cx="91440" cy="2845146"/>
+          <a:off x="7127854" y="1579487"/>
+          <a:ext cx="91440" cy="2707794"/>
         </a:xfrm>
         <a:custGeom>
           <a:avLst/>
@@ -7376,13 +7637,13 @@
           <a:pathLst>
             <a:path>
               <a:moveTo>
-                <a:pt x="136247" y="0"/>
+                <a:pt x="131877" y="0"/>
               </a:moveTo>
               <a:lnTo>
-                <a:pt x="136247" y="2845146"/>
+                <a:pt x="131877" y="2707794"/>
               </a:lnTo>
               <a:lnTo>
-                <a:pt x="45720" y="2845146"/>
+                <a:pt x="45720" y="2707794"/>
               </a:lnTo>
             </a:path>
           </a:pathLst>
@@ -7423,8 +7684,8 @@
       </dsp:nvSpPr>
       <dsp:spPr>
         <a:xfrm>
-          <a:off x="7088105" y="1659549"/>
-          <a:ext cx="91440" cy="2233008"/>
+          <a:off x="7214011" y="1579487"/>
+          <a:ext cx="91440" cy="2125208"/>
         </a:xfrm>
         <a:custGeom>
           <a:avLst/>
@@ -7438,10 +7699,10 @@
                 <a:pt x="45720" y="0"/>
               </a:moveTo>
               <a:lnTo>
-                <a:pt x="45720" y="2233008"/>
+                <a:pt x="45720" y="2125208"/>
               </a:lnTo>
               <a:lnTo>
-                <a:pt x="136247" y="2233008"/>
+                <a:pt x="131877" y="2125208"/>
               </a:lnTo>
             </a:path>
           </a:pathLst>
@@ -7482,8 +7743,8 @@
       </dsp:nvSpPr>
       <dsp:spPr>
         <a:xfrm>
-          <a:off x="6997578" y="1659549"/>
-          <a:ext cx="91440" cy="2233008"/>
+          <a:off x="7127854" y="1579487"/>
+          <a:ext cx="91440" cy="2125208"/>
         </a:xfrm>
         <a:custGeom>
           <a:avLst/>
@@ -7494,13 +7755,13 @@
           <a:pathLst>
             <a:path>
               <a:moveTo>
-                <a:pt x="136247" y="0"/>
+                <a:pt x="131877" y="0"/>
               </a:moveTo>
               <a:lnTo>
-                <a:pt x="136247" y="2233008"/>
+                <a:pt x="131877" y="2125208"/>
               </a:lnTo>
               <a:lnTo>
-                <a:pt x="45720" y="2233008"/>
+                <a:pt x="45720" y="2125208"/>
               </a:lnTo>
             </a:path>
           </a:pathLst>
@@ -7541,8 +7802,8 @@
       </dsp:nvSpPr>
       <dsp:spPr>
         <a:xfrm>
-          <a:off x="7088105" y="1659549"/>
-          <a:ext cx="91440" cy="1620871"/>
+          <a:off x="7214011" y="1579487"/>
+          <a:ext cx="91440" cy="1542622"/>
         </a:xfrm>
         <a:custGeom>
           <a:avLst/>
@@ -7556,10 +7817,10 @@
                 <a:pt x="45720" y="0"/>
               </a:moveTo>
               <a:lnTo>
-                <a:pt x="45720" y="1620871"/>
+                <a:pt x="45720" y="1542622"/>
               </a:lnTo>
               <a:lnTo>
-                <a:pt x="136247" y="1620871"/>
+                <a:pt x="131877" y="1542622"/>
               </a:lnTo>
             </a:path>
           </a:pathLst>
@@ -7600,8 +7861,8 @@
       </dsp:nvSpPr>
       <dsp:spPr>
         <a:xfrm>
-          <a:off x="6997578" y="1659549"/>
-          <a:ext cx="91440" cy="1620871"/>
+          <a:off x="7127854" y="1579487"/>
+          <a:ext cx="91440" cy="1542622"/>
         </a:xfrm>
         <a:custGeom>
           <a:avLst/>
@@ -7612,13 +7873,13 @@
           <a:pathLst>
             <a:path>
               <a:moveTo>
-                <a:pt x="136247" y="0"/>
+                <a:pt x="131877" y="0"/>
               </a:moveTo>
               <a:lnTo>
-                <a:pt x="136247" y="1620871"/>
+                <a:pt x="131877" y="1542622"/>
               </a:lnTo>
               <a:lnTo>
-                <a:pt x="45720" y="1620871"/>
+                <a:pt x="45720" y="1542622"/>
               </a:lnTo>
             </a:path>
           </a:pathLst>
@@ -7659,8 +7920,8 @@
       </dsp:nvSpPr>
       <dsp:spPr>
         <a:xfrm>
-          <a:off x="8131325" y="2271687"/>
-          <a:ext cx="91440" cy="396596"/>
+          <a:off x="8206869" y="2162073"/>
+          <a:ext cx="91440" cy="377450"/>
         </a:xfrm>
         <a:custGeom>
           <a:avLst/>
@@ -7674,10 +7935,10 @@
                 <a:pt x="45720" y="0"/>
               </a:moveTo>
               <a:lnTo>
-                <a:pt x="45720" y="396596"/>
+                <a:pt x="45720" y="377450"/>
               </a:lnTo>
               <a:lnTo>
-                <a:pt x="136247" y="396596"/>
+                <a:pt x="131877" y="377450"/>
               </a:lnTo>
             </a:path>
           </a:pathLst>
@@ -7718,8 +7979,8 @@
       </dsp:nvSpPr>
       <dsp:spPr>
         <a:xfrm>
-          <a:off x="8040798" y="2271687"/>
-          <a:ext cx="91440" cy="396596"/>
+          <a:off x="8120712" y="2162073"/>
+          <a:ext cx="91440" cy="377450"/>
         </a:xfrm>
         <a:custGeom>
           <a:avLst/>
@@ -7730,13 +7991,13 @@
           <a:pathLst>
             <a:path>
               <a:moveTo>
-                <a:pt x="136247" y="0"/>
+                <a:pt x="131877" y="0"/>
               </a:moveTo>
               <a:lnTo>
-                <a:pt x="136247" y="396596"/>
+                <a:pt x="131877" y="377450"/>
               </a:lnTo>
               <a:lnTo>
-                <a:pt x="45720" y="396596"/>
+                <a:pt x="45720" y="377450"/>
               </a:lnTo>
             </a:path>
           </a:pathLst>
@@ -7777,8 +8038,8 @@
       </dsp:nvSpPr>
       <dsp:spPr>
         <a:xfrm>
-          <a:off x="7133825" y="1659549"/>
-          <a:ext cx="612137" cy="396596"/>
+          <a:off x="7259731" y="1579487"/>
+          <a:ext cx="582586" cy="377450"/>
         </a:xfrm>
         <a:custGeom>
           <a:avLst/>
@@ -7792,10 +8053,10 @@
                 <a:pt x="0" y="0"/>
               </a:moveTo>
               <a:lnTo>
-                <a:pt x="0" y="396596"/>
+                <a:pt x="0" y="377450"/>
               </a:lnTo>
               <a:lnTo>
-                <a:pt x="612137" y="396596"/>
+                <a:pt x="582586" y="377450"/>
               </a:lnTo>
             </a:path>
           </a:pathLst>
@@ -7836,8 +8097,8 @@
       </dsp:nvSpPr>
       <dsp:spPr>
         <a:xfrm>
-          <a:off x="6997578" y="1659549"/>
-          <a:ext cx="91440" cy="396596"/>
+          <a:off x="7127854" y="1579487"/>
+          <a:ext cx="91440" cy="377450"/>
         </a:xfrm>
         <a:custGeom>
           <a:avLst/>
@@ -7848,13 +8109,13 @@
           <a:pathLst>
             <a:path>
               <a:moveTo>
-                <a:pt x="136247" y="0"/>
+                <a:pt x="131877" y="0"/>
               </a:moveTo>
               <a:lnTo>
-                <a:pt x="136247" y="396596"/>
+                <a:pt x="131877" y="377450"/>
               </a:lnTo>
               <a:lnTo>
-                <a:pt x="45720" y="396596"/>
+                <a:pt x="45720" y="377450"/>
               </a:lnTo>
             </a:path>
           </a:pathLst>
@@ -7895,8 +8156,8 @@
       </dsp:nvSpPr>
       <dsp:spPr>
         <a:xfrm>
-          <a:off x="7564908" y="1047412"/>
-          <a:ext cx="1655357" cy="396596"/>
+          <a:off x="7670003" y="996901"/>
+          <a:ext cx="1575444" cy="377450"/>
         </a:xfrm>
         <a:custGeom>
           <a:avLst/>
@@ -7907,13 +8168,13 @@
           <a:pathLst>
             <a:path>
               <a:moveTo>
-                <a:pt x="1655357" y="0"/>
+                <a:pt x="1575444" y="0"/>
               </a:moveTo>
               <a:lnTo>
-                <a:pt x="1655357" y="396596"/>
+                <a:pt x="1575444" y="377450"/>
               </a:lnTo>
               <a:lnTo>
-                <a:pt x="0" y="396596"/>
+                <a:pt x="0" y="377450"/>
               </a:lnTo>
             </a:path>
           </a:pathLst>
@@ -7954,8 +8215,8 @@
       </dsp:nvSpPr>
       <dsp:spPr>
         <a:xfrm>
-          <a:off x="9605629" y="435274"/>
-          <a:ext cx="91440" cy="396596"/>
+          <a:off x="9609999" y="414314"/>
+          <a:ext cx="91440" cy="377450"/>
         </a:xfrm>
         <a:custGeom>
           <a:avLst/>
@@ -7966,13 +8227,13 @@
           <a:pathLst>
             <a:path>
               <a:moveTo>
-                <a:pt x="136247" y="0"/>
+                <a:pt x="131877" y="0"/>
               </a:moveTo>
               <a:lnTo>
-                <a:pt x="136247" y="396596"/>
+                <a:pt x="131877" y="377450"/>
               </a:lnTo>
               <a:lnTo>
-                <a:pt x="45720" y="396596"/>
+                <a:pt x="45720" y="377450"/>
               </a:lnTo>
             </a:path>
           </a:pathLst>
@@ -8013,8 +8274,8 @@
       </dsp:nvSpPr>
       <dsp:spPr>
         <a:xfrm>
-          <a:off x="9310793" y="4191"/>
-          <a:ext cx="862165" cy="431082"/>
+          <a:off x="9331604" y="4043"/>
+          <a:ext cx="820543" cy="410271"/>
         </a:xfrm>
         <a:prstGeom prst="rect">
           <a:avLst/>
@@ -8057,12 +8318,12 @@
         </a:fontRef>
       </dsp:style>
       <dsp:txBody>
-        <a:bodyPr spcFirstLastPara="0" vert="horz" wrap="square" lIns="5080" tIns="5080" rIns="5080" bIns="5080" numCol="1" spcCol="1270" anchor="ctr" anchorCtr="0">
+        <a:bodyPr spcFirstLastPara="0" vert="horz" wrap="square" lIns="4445" tIns="4445" rIns="4445" bIns="4445" numCol="1" spcCol="1270" anchor="ctr" anchorCtr="0">
           <a:noAutofit/>
         </a:bodyPr>
         <a:lstStyle/>
         <a:p>
-          <a:pPr marL="0" lvl="0" indent="0" algn="ctr" defTabSz="355600">
+          <a:pPr marL="0" lvl="0" indent="0" algn="ctr" defTabSz="311150">
             <a:lnSpc>
               <a:spcPct val="90000"/>
             </a:lnSpc>
@@ -8075,14 +8336,14 @@
             <a:buNone/>
           </a:pPr>
           <a:r>
-            <a:rPr lang="fr-FR" sz="800" kern="1200" dirty="0"/>
+            <a:rPr lang="fr-FR" sz="700" kern="1200" dirty="0"/>
             <a:t>Root</a:t>
           </a:r>
         </a:p>
       </dsp:txBody>
       <dsp:txXfrm>
-        <a:off x="9310793" y="4191"/>
-        <a:ext cx="862165" cy="431082"/>
+        <a:off x="9331604" y="4043"/>
+        <a:ext cx="820543" cy="410271"/>
       </dsp:txXfrm>
     </dsp:sp>
     <dsp:sp modelId="{E827EE73-A458-47A5-9402-688307433157}">
@@ -8092,8 +8353,8 @@
       </dsp:nvSpPr>
       <dsp:spPr>
         <a:xfrm>
-          <a:off x="8789183" y="616329"/>
-          <a:ext cx="862165" cy="431082"/>
+          <a:off x="8835175" y="586629"/>
+          <a:ext cx="820543" cy="410271"/>
         </a:xfrm>
         <a:prstGeom prst="rect">
           <a:avLst/>
@@ -8136,12 +8397,12 @@
         </a:fontRef>
       </dsp:style>
       <dsp:txBody>
-        <a:bodyPr spcFirstLastPara="0" vert="horz" wrap="square" lIns="5080" tIns="5080" rIns="5080" bIns="5080" numCol="1" spcCol="1270" anchor="ctr" anchorCtr="0">
+        <a:bodyPr spcFirstLastPara="0" vert="horz" wrap="square" lIns="4445" tIns="4445" rIns="4445" bIns="4445" numCol="1" spcCol="1270" anchor="ctr" anchorCtr="0">
           <a:noAutofit/>
         </a:bodyPr>
         <a:lstStyle/>
         <a:p>
-          <a:pPr marL="0" lvl="0" indent="0" algn="ctr" defTabSz="355600">
+          <a:pPr marL="0" lvl="0" indent="0" algn="ctr" defTabSz="311150">
             <a:lnSpc>
               <a:spcPct val="90000"/>
             </a:lnSpc>
@@ -8154,15 +8415,15 @@
             <a:buNone/>
           </a:pPr>
           <a:r>
-            <a:rPr lang="fr-FR" sz="800" kern="1200" dirty="0" err="1"/>
+            <a:rPr lang="fr-FR" sz="700" kern="1200" dirty="0" err="1"/>
             <a:t>recipes</a:t>
           </a:r>
-          <a:endParaRPr lang="fr-FR" sz="800" kern="1200" dirty="0"/>
+          <a:endParaRPr lang="fr-FR" sz="700" kern="1200" dirty="0"/>
         </a:p>
       </dsp:txBody>
       <dsp:txXfrm>
-        <a:off x="8789183" y="616329"/>
-        <a:ext cx="862165" cy="431082"/>
+        <a:off x="8835175" y="586629"/>
+        <a:ext cx="820543" cy="410271"/>
       </dsp:txXfrm>
     </dsp:sp>
     <dsp:sp modelId="{E0D9D789-8723-4EBE-96CD-7B761C793469}">
@@ -8172,8 +8433,8 @@
       </dsp:nvSpPr>
       <dsp:spPr>
         <a:xfrm>
-          <a:off x="6702742" y="1228466"/>
-          <a:ext cx="862165" cy="431082"/>
+          <a:off x="6849459" y="1169215"/>
+          <a:ext cx="820543" cy="410271"/>
         </a:xfrm>
         <a:prstGeom prst="rect">
           <a:avLst/>
@@ -8216,12 +8477,12 @@
         </a:fontRef>
       </dsp:style>
       <dsp:txBody>
-        <a:bodyPr spcFirstLastPara="0" vert="horz" wrap="square" lIns="5080" tIns="5080" rIns="5080" bIns="5080" numCol="1" spcCol="1270" anchor="ctr" anchorCtr="0">
+        <a:bodyPr spcFirstLastPara="0" vert="horz" wrap="square" lIns="4445" tIns="4445" rIns="4445" bIns="4445" numCol="1" spcCol="1270" anchor="ctr" anchorCtr="0">
           <a:noAutofit/>
         </a:bodyPr>
         <a:lstStyle/>
         <a:p>
-          <a:pPr marL="0" lvl="0" indent="0" algn="ctr" defTabSz="355600">
+          <a:pPr marL="0" lvl="0" indent="0" algn="ctr" defTabSz="311150">
             <a:lnSpc>
               <a:spcPct val="90000"/>
             </a:lnSpc>
@@ -8234,15 +8495,15 @@
             <a:buNone/>
           </a:pPr>
           <a:r>
-            <a:rPr lang="fr-FR" sz="800" kern="1200" dirty="0" err="1"/>
+            <a:rPr lang="fr-FR" sz="700" kern="1200" dirty="0" err="1"/>
             <a:t>recipe</a:t>
           </a:r>
-          <a:endParaRPr lang="fr-FR" sz="800" kern="1200" dirty="0"/>
+          <a:endParaRPr lang="fr-FR" sz="700" kern="1200" dirty="0"/>
         </a:p>
       </dsp:txBody>
       <dsp:txXfrm>
-        <a:off x="6702742" y="1228466"/>
-        <a:ext cx="862165" cy="431082"/>
+        <a:off x="6849459" y="1169215"/>
+        <a:ext cx="820543" cy="410271"/>
       </dsp:txXfrm>
     </dsp:sp>
     <dsp:sp modelId="{4C561BD1-6498-41FC-9541-C2D44F4A10CE}">
@@ -8252,8 +8513,8 @@
       </dsp:nvSpPr>
       <dsp:spPr>
         <a:xfrm>
-          <a:off x="6181132" y="1840604"/>
-          <a:ext cx="862165" cy="431082"/>
+          <a:off x="6353030" y="1751801"/>
+          <a:ext cx="820543" cy="410271"/>
         </a:xfrm>
         <a:prstGeom prst="rect">
           <a:avLst/>
@@ -8296,12 +8557,12 @@
         </a:fontRef>
       </dsp:style>
       <dsp:txBody>
-        <a:bodyPr spcFirstLastPara="0" vert="horz" wrap="square" lIns="5080" tIns="5080" rIns="5080" bIns="5080" numCol="1" spcCol="1270" anchor="ctr" anchorCtr="0">
+        <a:bodyPr spcFirstLastPara="0" vert="horz" wrap="square" lIns="4445" tIns="4445" rIns="4445" bIns="4445" numCol="1" spcCol="1270" anchor="ctr" anchorCtr="0">
           <a:noAutofit/>
         </a:bodyPr>
         <a:lstStyle/>
         <a:p>
-          <a:pPr marL="0" lvl="0" indent="0" algn="ctr" defTabSz="355600">
+          <a:pPr marL="0" lvl="0" indent="0" algn="ctr" defTabSz="311150">
             <a:lnSpc>
               <a:spcPct val="90000"/>
             </a:lnSpc>
@@ -8314,15 +8575,15 @@
             <a:buNone/>
           </a:pPr>
           <a:r>
-            <a:rPr lang="fr-FR" sz="800" kern="1200" dirty="0" err="1"/>
+            <a:rPr lang="fr-FR" sz="700" kern="1200" dirty="0" err="1"/>
             <a:t>name</a:t>
           </a:r>
-          <a:endParaRPr lang="fr-FR" sz="800" kern="1200" dirty="0"/>
+          <a:endParaRPr lang="fr-FR" sz="700" kern="1200" dirty="0"/>
         </a:p>
       </dsp:txBody>
       <dsp:txXfrm>
-        <a:off x="6181132" y="1840604"/>
-        <a:ext cx="862165" cy="431082"/>
+        <a:off x="6353030" y="1751801"/>
+        <a:ext cx="820543" cy="410271"/>
       </dsp:txXfrm>
     </dsp:sp>
     <dsp:sp modelId="{CA29F901-FB62-40CB-93B0-5FA3D3E89153}">
@@ -8332,8 +8593,8 @@
       </dsp:nvSpPr>
       <dsp:spPr>
         <a:xfrm>
-          <a:off x="7745963" y="1840604"/>
-          <a:ext cx="862165" cy="431082"/>
+          <a:off x="7842317" y="1751801"/>
+          <a:ext cx="820543" cy="410271"/>
         </a:xfrm>
         <a:prstGeom prst="rect">
           <a:avLst/>
@@ -8376,12 +8637,12 @@
         </a:fontRef>
       </dsp:style>
       <dsp:txBody>
-        <a:bodyPr spcFirstLastPara="0" vert="horz" wrap="square" lIns="5080" tIns="5080" rIns="5080" bIns="5080" numCol="1" spcCol="1270" anchor="ctr" anchorCtr="0">
+        <a:bodyPr spcFirstLastPara="0" vert="horz" wrap="square" lIns="4445" tIns="4445" rIns="4445" bIns="4445" numCol="1" spcCol="1270" anchor="ctr" anchorCtr="0">
           <a:noAutofit/>
         </a:bodyPr>
         <a:lstStyle/>
         <a:p>
-          <a:pPr marL="0" lvl="0" indent="0" algn="ctr" defTabSz="355600">
+          <a:pPr marL="0" lvl="0" indent="0" algn="ctr" defTabSz="311150">
             <a:lnSpc>
               <a:spcPct val="90000"/>
             </a:lnSpc>
@@ -8394,15 +8655,15 @@
             <a:buNone/>
           </a:pPr>
           <a:r>
-            <a:rPr lang="fr-FR" sz="800" kern="1200" dirty="0" err="1"/>
+            <a:rPr lang="fr-FR" sz="700" kern="1200" dirty="0" err="1"/>
             <a:t>Ingredient_rec</a:t>
           </a:r>
-          <a:endParaRPr lang="fr-FR" sz="800" kern="1200" dirty="0"/>
+          <a:endParaRPr lang="fr-FR" sz="700" kern="1200" dirty="0"/>
         </a:p>
       </dsp:txBody>
       <dsp:txXfrm>
-        <a:off x="7745963" y="1840604"/>
-        <a:ext cx="862165" cy="431082"/>
+        <a:off x="7842317" y="1751801"/>
+        <a:ext cx="820543" cy="410271"/>
       </dsp:txXfrm>
     </dsp:sp>
     <dsp:sp modelId="{FADDC691-0A86-4B40-AA55-39069DDC51CC}">
@@ -8412,8 +8673,8 @@
       </dsp:nvSpPr>
       <dsp:spPr>
         <a:xfrm>
-          <a:off x="7224352" y="2452741"/>
-          <a:ext cx="862165" cy="431082"/>
+          <a:off x="7345888" y="2334387"/>
+          <a:ext cx="820543" cy="410271"/>
         </a:xfrm>
         <a:prstGeom prst="rect">
           <a:avLst/>
@@ -8456,12 +8717,12 @@
         </a:fontRef>
       </dsp:style>
       <dsp:txBody>
-        <a:bodyPr spcFirstLastPara="0" vert="horz" wrap="square" lIns="5080" tIns="5080" rIns="5080" bIns="5080" numCol="1" spcCol="1270" anchor="ctr" anchorCtr="0">
+        <a:bodyPr spcFirstLastPara="0" vert="horz" wrap="square" lIns="4445" tIns="4445" rIns="4445" bIns="4445" numCol="1" spcCol="1270" anchor="ctr" anchorCtr="0">
           <a:noAutofit/>
         </a:bodyPr>
         <a:lstStyle/>
         <a:p>
-          <a:pPr marL="0" lvl="0" indent="0" algn="ctr" defTabSz="355600">
+          <a:pPr marL="0" lvl="0" indent="0" algn="ctr" defTabSz="311150">
             <a:lnSpc>
               <a:spcPct val="90000"/>
             </a:lnSpc>
@@ -8474,15 +8735,15 @@
             <a:buNone/>
           </a:pPr>
           <a:r>
-            <a:rPr lang="fr-FR" sz="800" kern="1200" dirty="0" err="1"/>
+            <a:rPr lang="fr-FR" sz="700" kern="1200" dirty="0" err="1"/>
             <a:t>Ingredient_name</a:t>
           </a:r>
-          <a:endParaRPr lang="fr-FR" sz="800" kern="1200" dirty="0"/>
+          <a:endParaRPr lang="fr-FR" sz="700" kern="1200" dirty="0"/>
         </a:p>
       </dsp:txBody>
       <dsp:txXfrm>
-        <a:off x="7224352" y="2452741"/>
-        <a:ext cx="862165" cy="431082"/>
+        <a:off x="7345888" y="2334387"/>
+        <a:ext cx="820543" cy="410271"/>
       </dsp:txXfrm>
     </dsp:sp>
     <dsp:sp modelId="{9A2566C5-9F5E-4D8B-9060-A8D3B81F3336}">
@@ -8492,8 +8753,8 @@
       </dsp:nvSpPr>
       <dsp:spPr>
         <a:xfrm>
-          <a:off x="8267573" y="2452741"/>
-          <a:ext cx="862165" cy="431082"/>
+          <a:off x="8338746" y="2334387"/>
+          <a:ext cx="820543" cy="410271"/>
         </a:xfrm>
         <a:prstGeom prst="rect">
           <a:avLst/>
@@ -8536,12 +8797,12 @@
         </a:fontRef>
       </dsp:style>
       <dsp:txBody>
-        <a:bodyPr spcFirstLastPara="0" vert="horz" wrap="square" lIns="5080" tIns="5080" rIns="5080" bIns="5080" numCol="1" spcCol="1270" anchor="ctr" anchorCtr="0">
+        <a:bodyPr spcFirstLastPara="0" vert="horz" wrap="square" lIns="4445" tIns="4445" rIns="4445" bIns="4445" numCol="1" spcCol="1270" anchor="ctr" anchorCtr="0">
           <a:noAutofit/>
         </a:bodyPr>
         <a:lstStyle/>
         <a:p>
-          <a:pPr marL="0" lvl="0" indent="0" algn="ctr" defTabSz="355600">
+          <a:pPr marL="0" lvl="0" indent="0" algn="ctr" defTabSz="311150">
             <a:lnSpc>
               <a:spcPct val="90000"/>
             </a:lnSpc>
@@ -8554,15 +8815,15 @@
             <a:buNone/>
           </a:pPr>
           <a:r>
-            <a:rPr lang="fr-FR" sz="800" kern="1200" dirty="0" err="1"/>
+            <a:rPr lang="fr-FR" sz="700" kern="1200" dirty="0" err="1"/>
             <a:t>Ingredient_quantity</a:t>
           </a:r>
-          <a:endParaRPr lang="fr-FR" sz="800" kern="1200" dirty="0"/>
+          <a:endParaRPr lang="fr-FR" sz="700" kern="1200" dirty="0"/>
         </a:p>
       </dsp:txBody>
       <dsp:txXfrm>
-        <a:off x="8267573" y="2452741"/>
-        <a:ext cx="862165" cy="431082"/>
+        <a:off x="8338746" y="2334387"/>
+        <a:ext cx="820543" cy="410271"/>
       </dsp:txXfrm>
     </dsp:sp>
     <dsp:sp modelId="{7BBCE7BB-9B24-4968-9CF1-8802A8F83A58}">
@@ -8572,8 +8833,8 @@
       </dsp:nvSpPr>
       <dsp:spPr>
         <a:xfrm>
-          <a:off x="6181132" y="3064879"/>
-          <a:ext cx="862165" cy="431082"/>
+          <a:off x="6353030" y="2916973"/>
+          <a:ext cx="820543" cy="410271"/>
         </a:xfrm>
         <a:prstGeom prst="rect">
           <a:avLst/>
@@ -8616,12 +8877,12 @@
         </a:fontRef>
       </dsp:style>
       <dsp:txBody>
-        <a:bodyPr spcFirstLastPara="0" vert="horz" wrap="square" lIns="5080" tIns="5080" rIns="5080" bIns="5080" numCol="1" spcCol="1270" anchor="ctr" anchorCtr="0">
+        <a:bodyPr spcFirstLastPara="0" vert="horz" wrap="square" lIns="4445" tIns="4445" rIns="4445" bIns="4445" numCol="1" spcCol="1270" anchor="ctr" anchorCtr="0">
           <a:noAutofit/>
         </a:bodyPr>
         <a:lstStyle/>
         <a:p>
-          <a:pPr marL="0" lvl="0" indent="0" algn="ctr" defTabSz="355600">
+          <a:pPr marL="0" lvl="0" indent="0" algn="ctr" defTabSz="311150">
             <a:lnSpc>
               <a:spcPct val="90000"/>
             </a:lnSpc>
@@ -8634,13 +8895,13 @@
             <a:buNone/>
           </a:pPr>
           <a:r>
-            <a:rPr lang="fr-FR" sz="800" kern="1200" dirty="0" err="1"/>
+            <a:rPr lang="fr-FR" sz="700" kern="1200" dirty="0" err="1"/>
             <a:t>RefCategorie</a:t>
           </a:r>
-          <a:endParaRPr lang="fr-FR" sz="800" kern="1200" dirty="0"/>
-        </a:p>
-        <a:p>
-          <a:pPr marL="0" lvl="0" indent="0" algn="ctr" defTabSz="355600">
+          <a:endParaRPr lang="fr-FR" sz="700" kern="1200" dirty="0"/>
+        </a:p>
+        <a:p>
+          <a:pPr marL="0" lvl="0" indent="0" algn="ctr" defTabSz="311150">
             <a:lnSpc>
               <a:spcPct val="90000"/>
             </a:lnSpc>
@@ -8653,26 +8914,26 @@
             <a:buNone/>
           </a:pPr>
           <a:r>
-            <a:rPr lang="fr-FR" sz="800" kern="1200" dirty="0" err="1"/>
+            <a:rPr lang="fr-FR" sz="700" kern="1200" dirty="0" err="1"/>
             <a:t>Keyref</a:t>
           </a:r>
           <a:r>
-            <a:rPr lang="fr-FR" sz="800" kern="1200" dirty="0"/>
+            <a:rPr lang="fr-FR" sz="700" kern="1200" dirty="0"/>
             <a:t>(</a:t>
           </a:r>
           <a:r>
-            <a:rPr lang="fr-FR" sz="800" kern="1200" dirty="0" err="1"/>
+            <a:rPr lang="fr-FR" sz="700" kern="1200" dirty="0" err="1"/>
             <a:t>recipeCat</a:t>
           </a:r>
           <a:r>
-            <a:rPr lang="fr-FR" sz="800" kern="1200" dirty="0"/>
+            <a:rPr lang="fr-FR" sz="700" kern="1200" dirty="0"/>
             <a:t>)</a:t>
           </a:r>
         </a:p>
       </dsp:txBody>
       <dsp:txXfrm>
-        <a:off x="6181132" y="3064879"/>
-        <a:ext cx="862165" cy="431082"/>
+        <a:off x="6353030" y="2916973"/>
+        <a:ext cx="820543" cy="410271"/>
       </dsp:txXfrm>
     </dsp:sp>
     <dsp:sp modelId="{16878670-2316-40C8-BBED-5A791E94C876}">
@@ -8682,8 +8943,8 @@
       </dsp:nvSpPr>
       <dsp:spPr>
         <a:xfrm>
-          <a:off x="7224352" y="3064879"/>
-          <a:ext cx="862165" cy="431082"/>
+          <a:off x="7345888" y="2916973"/>
+          <a:ext cx="820543" cy="410271"/>
         </a:xfrm>
         <a:prstGeom prst="rect">
           <a:avLst/>
@@ -8726,12 +8987,12 @@
         </a:fontRef>
       </dsp:style>
       <dsp:txBody>
-        <a:bodyPr spcFirstLastPara="0" vert="horz" wrap="square" lIns="5080" tIns="5080" rIns="5080" bIns="5080" numCol="1" spcCol="1270" anchor="ctr" anchorCtr="0">
+        <a:bodyPr spcFirstLastPara="0" vert="horz" wrap="square" lIns="4445" tIns="4445" rIns="4445" bIns="4445" numCol="1" spcCol="1270" anchor="ctr" anchorCtr="0">
           <a:noAutofit/>
         </a:bodyPr>
         <a:lstStyle/>
         <a:p>
-          <a:pPr marL="0" lvl="0" indent="0" algn="ctr" defTabSz="355600">
+          <a:pPr marL="0" lvl="0" indent="0" algn="ctr" defTabSz="311150">
             <a:lnSpc>
               <a:spcPct val="90000"/>
             </a:lnSpc>
@@ -8744,14 +9005,14 @@
             <a:buNone/>
           </a:pPr>
           <a:r>
-            <a:rPr lang="fr-FR" sz="800" kern="1200" dirty="0"/>
+            <a:rPr lang="fr-FR" sz="700" kern="1200" dirty="0"/>
             <a:t>Budget </a:t>
           </a:r>
         </a:p>
       </dsp:txBody>
       <dsp:txXfrm>
-        <a:off x="7224352" y="3064879"/>
-        <a:ext cx="862165" cy="431082"/>
+        <a:off x="7345888" y="2916973"/>
+        <a:ext cx="820543" cy="410271"/>
       </dsp:txXfrm>
     </dsp:sp>
     <dsp:sp modelId="{1F20BA95-876A-4CA7-8474-083218689804}">
@@ -8761,8 +9022,8 @@
       </dsp:nvSpPr>
       <dsp:spPr>
         <a:xfrm>
-          <a:off x="6181132" y="3677017"/>
-          <a:ext cx="862165" cy="431082"/>
+          <a:off x="6353030" y="3499559"/>
+          <a:ext cx="820543" cy="410271"/>
         </a:xfrm>
         <a:prstGeom prst="rect">
           <a:avLst/>
@@ -8805,12 +9066,12 @@
         </a:fontRef>
       </dsp:style>
       <dsp:txBody>
-        <a:bodyPr spcFirstLastPara="0" vert="horz" wrap="square" lIns="5080" tIns="5080" rIns="5080" bIns="5080" numCol="1" spcCol="1270" anchor="ctr" anchorCtr="0">
+        <a:bodyPr spcFirstLastPara="0" vert="horz" wrap="square" lIns="4445" tIns="4445" rIns="4445" bIns="4445" numCol="1" spcCol="1270" anchor="ctr" anchorCtr="0">
           <a:noAutofit/>
         </a:bodyPr>
         <a:lstStyle/>
         <a:p>
-          <a:pPr marL="0" lvl="0" indent="0" algn="ctr" defTabSz="355600">
+          <a:pPr marL="0" lvl="0" indent="0" algn="ctr" defTabSz="311150">
             <a:lnSpc>
               <a:spcPct val="90000"/>
             </a:lnSpc>
@@ -8823,15 +9084,15 @@
             <a:buNone/>
           </a:pPr>
           <a:r>
-            <a:rPr lang="fr-FR" sz="800" kern="1200" dirty="0" err="1"/>
+            <a:rPr lang="fr-FR" sz="700" kern="1200" dirty="0" err="1"/>
             <a:t>Cooking_time</a:t>
           </a:r>
-          <a:endParaRPr lang="fr-FR" sz="800" kern="1200" dirty="0"/>
+          <a:endParaRPr lang="fr-FR" sz="700" kern="1200" dirty="0"/>
         </a:p>
       </dsp:txBody>
       <dsp:txXfrm>
-        <a:off x="6181132" y="3677017"/>
-        <a:ext cx="862165" cy="431082"/>
+        <a:off x="6353030" y="3499559"/>
+        <a:ext cx="820543" cy="410271"/>
       </dsp:txXfrm>
     </dsp:sp>
     <dsp:sp modelId="{D086313A-D390-46C5-9D6A-A8D0967A109B}">
@@ -8841,8 +9102,8 @@
       </dsp:nvSpPr>
       <dsp:spPr>
         <a:xfrm>
-          <a:off x="7224352" y="3677017"/>
-          <a:ext cx="862165" cy="431082"/>
+          <a:off x="7345888" y="3499559"/>
+          <a:ext cx="820543" cy="410271"/>
         </a:xfrm>
         <a:prstGeom prst="rect">
           <a:avLst/>
@@ -8885,12 +9146,12 @@
         </a:fontRef>
       </dsp:style>
       <dsp:txBody>
-        <a:bodyPr spcFirstLastPara="0" vert="horz" wrap="square" lIns="5080" tIns="5080" rIns="5080" bIns="5080" numCol="1" spcCol="1270" anchor="ctr" anchorCtr="0">
+        <a:bodyPr spcFirstLastPara="0" vert="horz" wrap="square" lIns="4445" tIns="4445" rIns="4445" bIns="4445" numCol="1" spcCol="1270" anchor="ctr" anchorCtr="0">
           <a:noAutofit/>
         </a:bodyPr>
         <a:lstStyle/>
         <a:p>
-          <a:pPr marL="0" lvl="0" indent="0" algn="ctr" defTabSz="355600">
+          <a:pPr marL="0" lvl="0" indent="0" algn="ctr" defTabSz="311150">
             <a:lnSpc>
               <a:spcPct val="90000"/>
             </a:lnSpc>
@@ -8903,15 +9164,15 @@
             <a:buNone/>
           </a:pPr>
           <a:r>
-            <a:rPr lang="fr-FR" sz="800" kern="1200" dirty="0" err="1"/>
+            <a:rPr lang="fr-FR" sz="700" kern="1200" dirty="0" err="1"/>
             <a:t>Preparation_time</a:t>
           </a:r>
-          <a:endParaRPr lang="fr-FR" sz="800" kern="1200" dirty="0"/>
+          <a:endParaRPr lang="fr-FR" sz="700" kern="1200" dirty="0"/>
         </a:p>
       </dsp:txBody>
       <dsp:txXfrm>
-        <a:off x="7224352" y="3677017"/>
-        <a:ext cx="862165" cy="431082"/>
+        <a:off x="7345888" y="3499559"/>
+        <a:ext cx="820543" cy="410271"/>
       </dsp:txXfrm>
     </dsp:sp>
     <dsp:sp modelId="{0922FE8B-DF89-4405-8D8B-F8F3C875E2DD}">
@@ -8921,8 +9182,8 @@
       </dsp:nvSpPr>
       <dsp:spPr>
         <a:xfrm>
-          <a:off x="6181132" y="4289154"/>
-          <a:ext cx="862165" cy="431082"/>
+          <a:off x="6353030" y="4082145"/>
+          <a:ext cx="820543" cy="410271"/>
         </a:xfrm>
         <a:prstGeom prst="rect">
           <a:avLst/>
@@ -8965,12 +9226,12 @@
         </a:fontRef>
       </dsp:style>
       <dsp:txBody>
-        <a:bodyPr spcFirstLastPara="0" vert="horz" wrap="square" lIns="5080" tIns="5080" rIns="5080" bIns="5080" numCol="1" spcCol="1270" anchor="ctr" anchorCtr="0">
+        <a:bodyPr spcFirstLastPara="0" vert="horz" wrap="square" lIns="4445" tIns="4445" rIns="4445" bIns="4445" numCol="1" spcCol="1270" anchor="ctr" anchorCtr="0">
           <a:noAutofit/>
         </a:bodyPr>
         <a:lstStyle/>
         <a:p>
-          <a:pPr marL="0" lvl="0" indent="0" algn="ctr" defTabSz="355600">
+          <a:pPr marL="0" lvl="0" indent="0" algn="ctr" defTabSz="311150">
             <a:lnSpc>
               <a:spcPct val="90000"/>
             </a:lnSpc>
@@ -8983,15 +9244,15 @@
             <a:buNone/>
           </a:pPr>
           <a:r>
-            <a:rPr lang="fr-FR" sz="800" kern="1200" dirty="0" err="1"/>
+            <a:rPr lang="fr-FR" sz="700" kern="1200" dirty="0" err="1"/>
             <a:t>Level</a:t>
           </a:r>
-          <a:endParaRPr lang="fr-FR" sz="800" kern="1200" dirty="0"/>
+          <a:endParaRPr lang="fr-FR" sz="700" kern="1200" dirty="0"/>
         </a:p>
       </dsp:txBody>
       <dsp:txXfrm>
-        <a:off x="6181132" y="4289154"/>
-        <a:ext cx="862165" cy="431082"/>
+        <a:off x="6353030" y="4082145"/>
+        <a:ext cx="820543" cy="410271"/>
       </dsp:txXfrm>
     </dsp:sp>
     <dsp:sp modelId="{BCFCD26C-86D8-4D7F-B57A-880FC9A97A3F}">
@@ -9001,8 +9262,8 @@
       </dsp:nvSpPr>
       <dsp:spPr>
         <a:xfrm>
-          <a:off x="7224352" y="4289154"/>
-          <a:ext cx="862165" cy="431082"/>
+          <a:off x="7345888" y="4082145"/>
+          <a:ext cx="820543" cy="410271"/>
         </a:xfrm>
         <a:prstGeom prst="rect">
           <a:avLst/>
@@ -9045,12 +9306,12 @@
         </a:fontRef>
       </dsp:style>
       <dsp:txBody>
-        <a:bodyPr spcFirstLastPara="0" vert="horz" wrap="square" lIns="5080" tIns="5080" rIns="5080" bIns="5080" numCol="1" spcCol="1270" anchor="ctr" anchorCtr="0">
+        <a:bodyPr spcFirstLastPara="0" vert="horz" wrap="square" lIns="4445" tIns="4445" rIns="4445" bIns="4445" numCol="1" spcCol="1270" anchor="ctr" anchorCtr="0">
           <a:noAutofit/>
         </a:bodyPr>
         <a:lstStyle/>
         <a:p>
-          <a:pPr marL="0" lvl="0" indent="0" algn="ctr" defTabSz="355600">
+          <a:pPr marL="0" lvl="0" indent="0" algn="ctr" defTabSz="311150">
             <a:lnSpc>
               <a:spcPct val="90000"/>
             </a:lnSpc>
@@ -9063,15 +9324,15 @@
             <a:buNone/>
           </a:pPr>
           <a:r>
-            <a:rPr lang="fr-FR" sz="800" kern="1200" dirty="0" err="1"/>
+            <a:rPr lang="fr-FR" sz="700" kern="1200" dirty="0" err="1"/>
             <a:t>Number_serving</a:t>
           </a:r>
-          <a:endParaRPr lang="fr-FR" sz="800" kern="1200" dirty="0"/>
+          <a:endParaRPr lang="fr-FR" sz="700" kern="1200" dirty="0"/>
         </a:p>
       </dsp:txBody>
       <dsp:txXfrm>
-        <a:off x="7224352" y="4289154"/>
-        <a:ext cx="862165" cy="431082"/>
+        <a:off x="7345888" y="4082145"/>
+        <a:ext cx="820543" cy="410271"/>
       </dsp:txXfrm>
     </dsp:sp>
     <dsp:sp modelId="{E51E6F38-46A5-4263-9055-A1AEB09CD03A}">
@@ -9081,8 +9342,8 @@
       </dsp:nvSpPr>
       <dsp:spPr>
         <a:xfrm>
-          <a:off x="6181132" y="4901292"/>
-          <a:ext cx="862165" cy="431082"/>
+          <a:off x="6353030" y="4664731"/>
+          <a:ext cx="820543" cy="410271"/>
         </a:xfrm>
         <a:prstGeom prst="rect">
           <a:avLst/>
@@ -9125,12 +9386,12 @@
         </a:fontRef>
       </dsp:style>
       <dsp:txBody>
-        <a:bodyPr spcFirstLastPara="0" vert="horz" wrap="square" lIns="5080" tIns="5080" rIns="5080" bIns="5080" numCol="1" spcCol="1270" anchor="ctr" anchorCtr="0">
+        <a:bodyPr spcFirstLastPara="0" vert="horz" wrap="square" lIns="4445" tIns="4445" rIns="4445" bIns="4445" numCol="1" spcCol="1270" anchor="ctr" anchorCtr="0">
           <a:noAutofit/>
         </a:bodyPr>
         <a:lstStyle/>
         <a:p>
-          <a:pPr marL="0" lvl="0" indent="0" algn="ctr" defTabSz="355600">
+          <a:pPr marL="0" lvl="0" indent="0" algn="ctr" defTabSz="311150">
             <a:lnSpc>
               <a:spcPct val="90000"/>
             </a:lnSpc>
@@ -9143,15 +9404,15 @@
             <a:buNone/>
           </a:pPr>
           <a:r>
-            <a:rPr lang="fr-FR" sz="800" kern="1200" dirty="0" err="1"/>
+            <a:rPr lang="fr-FR" sz="700" kern="1200" dirty="0" err="1"/>
             <a:t>Step</a:t>
           </a:r>
-          <a:endParaRPr lang="fr-FR" sz="800" kern="1200" dirty="0"/>
+          <a:endParaRPr lang="fr-FR" sz="700" kern="1200" dirty="0"/>
         </a:p>
       </dsp:txBody>
       <dsp:txXfrm>
-        <a:off x="6181132" y="4901292"/>
-        <a:ext cx="862165" cy="431082"/>
+        <a:off x="6353030" y="4664731"/>
+        <a:ext cx="820543" cy="410271"/>
       </dsp:txXfrm>
     </dsp:sp>
     <dsp:sp modelId="{1005FA76-D947-46F8-8000-A279BD4348DD}">
@@ -9161,8 +9422,8 @@
       </dsp:nvSpPr>
       <dsp:spPr>
         <a:xfrm>
-          <a:off x="7224352" y="4901292"/>
-          <a:ext cx="862165" cy="431082"/>
+          <a:off x="7345888" y="4664731"/>
+          <a:ext cx="820543" cy="410271"/>
         </a:xfrm>
         <a:prstGeom prst="rect">
           <a:avLst/>
@@ -9205,12 +9466,12 @@
         </a:fontRef>
       </dsp:style>
       <dsp:txBody>
-        <a:bodyPr spcFirstLastPara="0" vert="horz" wrap="square" lIns="5080" tIns="5080" rIns="5080" bIns="5080" numCol="1" spcCol="1270" anchor="ctr" anchorCtr="0">
+        <a:bodyPr spcFirstLastPara="0" vert="horz" wrap="square" lIns="4445" tIns="4445" rIns="4445" bIns="4445" numCol="1" spcCol="1270" anchor="ctr" anchorCtr="0">
           <a:noAutofit/>
         </a:bodyPr>
         <a:lstStyle/>
         <a:p>
-          <a:pPr marL="0" lvl="0" indent="0" algn="ctr" defTabSz="355600">
+          <a:pPr marL="0" lvl="0" indent="0" algn="ctr" defTabSz="311150">
             <a:lnSpc>
               <a:spcPct val="90000"/>
             </a:lnSpc>
@@ -9223,14 +9484,14 @@
             <a:buNone/>
           </a:pPr>
           <a:r>
-            <a:rPr lang="fr-FR" sz="800" kern="1200" dirty="0"/>
+            <a:rPr lang="fr-FR" sz="700" kern="1200" dirty="0"/>
             <a:t>Rating</a:t>
           </a:r>
         </a:p>
       </dsp:txBody>
       <dsp:txXfrm>
-        <a:off x="7224352" y="4901292"/>
-        <a:ext cx="862165" cy="431082"/>
+        <a:off x="7345888" y="4664731"/>
+        <a:ext cx="820543" cy="410271"/>
       </dsp:txXfrm>
     </dsp:sp>
     <dsp:sp modelId="{1A5F4A39-3F72-454B-8E34-BA033BF3C5E1}">
@@ -9240,8 +9501,8 @@
       </dsp:nvSpPr>
       <dsp:spPr>
         <a:xfrm>
-          <a:off x="11397234" y="616329"/>
-          <a:ext cx="862165" cy="431082"/>
+          <a:off x="11317320" y="586629"/>
+          <a:ext cx="820543" cy="410271"/>
         </a:xfrm>
         <a:prstGeom prst="rect">
           <a:avLst/>
@@ -9284,12 +9545,12 @@
         </a:fontRef>
       </dsp:style>
       <dsp:txBody>
-        <a:bodyPr spcFirstLastPara="0" vert="horz" wrap="square" lIns="5080" tIns="5080" rIns="5080" bIns="5080" numCol="1" spcCol="1270" anchor="ctr" anchorCtr="0">
+        <a:bodyPr spcFirstLastPara="0" vert="horz" wrap="square" lIns="4445" tIns="4445" rIns="4445" bIns="4445" numCol="1" spcCol="1270" anchor="ctr" anchorCtr="0">
           <a:noAutofit/>
         </a:bodyPr>
         <a:lstStyle/>
         <a:p>
-          <a:pPr marL="0" lvl="0" indent="0" algn="ctr" defTabSz="355600">
+          <a:pPr marL="0" lvl="0" indent="0" algn="ctr" defTabSz="311150">
             <a:lnSpc>
               <a:spcPct val="90000"/>
             </a:lnSpc>
@@ -9302,15 +9563,15 @@
             <a:buNone/>
           </a:pPr>
           <a:r>
-            <a:rPr lang="fr-FR" sz="800" kern="1200" dirty="0" err="1"/>
+            <a:rPr lang="fr-FR" sz="700" kern="1200" dirty="0" err="1"/>
             <a:t>ingredients</a:t>
           </a:r>
-          <a:endParaRPr lang="fr-FR" sz="800" kern="1200" dirty="0"/>
+          <a:endParaRPr lang="fr-FR" sz="700" kern="1200" dirty="0"/>
         </a:p>
       </dsp:txBody>
       <dsp:txXfrm>
-        <a:off x="11397234" y="616329"/>
-        <a:ext cx="862165" cy="431082"/>
+        <a:off x="11317320" y="586629"/>
+        <a:ext cx="820543" cy="410271"/>
       </dsp:txXfrm>
     </dsp:sp>
     <dsp:sp modelId="{7C453B80-2575-4477-8225-282BC5C3B02F}">
@@ -9320,8 +9581,8 @@
       </dsp:nvSpPr>
       <dsp:spPr>
         <a:xfrm>
-          <a:off x="10354014" y="1228466"/>
-          <a:ext cx="862165" cy="431082"/>
+          <a:off x="10324462" y="1169215"/>
+          <a:ext cx="820543" cy="410271"/>
         </a:xfrm>
         <a:prstGeom prst="rect">
           <a:avLst/>
@@ -9364,12 +9625,12 @@
         </a:fontRef>
       </dsp:style>
       <dsp:txBody>
-        <a:bodyPr spcFirstLastPara="0" vert="horz" wrap="square" lIns="5080" tIns="5080" rIns="5080" bIns="5080" numCol="1" spcCol="1270" anchor="ctr" anchorCtr="0">
+        <a:bodyPr spcFirstLastPara="0" vert="horz" wrap="square" lIns="4445" tIns="4445" rIns="4445" bIns="4445" numCol="1" spcCol="1270" anchor="ctr" anchorCtr="0">
           <a:noAutofit/>
         </a:bodyPr>
         <a:lstStyle/>
         <a:p>
-          <a:pPr marL="0" lvl="0" indent="0" algn="ctr" defTabSz="355600">
+          <a:pPr marL="0" lvl="0" indent="0" algn="ctr" defTabSz="311150">
             <a:lnSpc>
               <a:spcPct val="90000"/>
             </a:lnSpc>
@@ -9382,15 +9643,15 @@
             <a:buNone/>
           </a:pPr>
           <a:r>
-            <a:rPr lang="fr-FR" sz="800" kern="1200" dirty="0" err="1"/>
+            <a:rPr lang="fr-FR" sz="700" kern="1200" dirty="0" err="1"/>
             <a:t>ingredient</a:t>
           </a:r>
-          <a:endParaRPr lang="fr-FR" sz="800" kern="1200" dirty="0"/>
+          <a:endParaRPr lang="fr-FR" sz="700" kern="1200" dirty="0"/>
         </a:p>
       </dsp:txBody>
       <dsp:txXfrm>
-        <a:off x="10354014" y="1228466"/>
-        <a:ext cx="862165" cy="431082"/>
+        <a:off x="10324462" y="1169215"/>
+        <a:ext cx="820543" cy="410271"/>
       </dsp:txXfrm>
     </dsp:sp>
     <dsp:sp modelId="{CFFB4314-3114-427D-9439-8EE9BFA47093}">
@@ -9400,8 +9661,8 @@
       </dsp:nvSpPr>
       <dsp:spPr>
         <a:xfrm>
-          <a:off x="9832403" y="1840604"/>
-          <a:ext cx="862165" cy="431082"/>
+          <a:off x="9828033" y="1751801"/>
+          <a:ext cx="820543" cy="410271"/>
         </a:xfrm>
         <a:prstGeom prst="rect">
           <a:avLst/>
@@ -9444,12 +9705,12 @@
         </a:fontRef>
       </dsp:style>
       <dsp:txBody>
-        <a:bodyPr spcFirstLastPara="0" vert="horz" wrap="square" lIns="5080" tIns="5080" rIns="5080" bIns="5080" numCol="1" spcCol="1270" anchor="ctr" anchorCtr="0">
+        <a:bodyPr spcFirstLastPara="0" vert="horz" wrap="square" lIns="4445" tIns="4445" rIns="4445" bIns="4445" numCol="1" spcCol="1270" anchor="ctr" anchorCtr="0">
           <a:noAutofit/>
         </a:bodyPr>
         <a:lstStyle/>
         <a:p>
-          <a:pPr marL="0" lvl="0" indent="0" algn="ctr" defTabSz="355600">
+          <a:pPr marL="0" lvl="0" indent="0" algn="ctr" defTabSz="311150">
             <a:lnSpc>
               <a:spcPct val="90000"/>
             </a:lnSpc>
@@ -9462,14 +9723,14 @@
             <a:buNone/>
           </a:pPr>
           <a:r>
-            <a:rPr lang="fr-FR" sz="800" kern="1200" dirty="0"/>
+            <a:rPr lang="fr-FR" sz="700" kern="1200" dirty="0"/>
             <a:t>Name</a:t>
           </a:r>
         </a:p>
       </dsp:txBody>
       <dsp:txXfrm>
-        <a:off x="9832403" y="1840604"/>
-        <a:ext cx="862165" cy="431082"/>
+        <a:off x="9828033" y="1751801"/>
+        <a:ext cx="820543" cy="410271"/>
       </dsp:txXfrm>
     </dsp:sp>
     <dsp:sp modelId="{5AEF1B41-FBF0-46FE-8187-960FE966BE9B}">
@@ -9479,8 +9740,8 @@
       </dsp:nvSpPr>
       <dsp:spPr>
         <a:xfrm>
-          <a:off x="10875624" y="1840604"/>
-          <a:ext cx="862165" cy="431082"/>
+          <a:off x="10820891" y="1751801"/>
+          <a:ext cx="820543" cy="410271"/>
         </a:xfrm>
         <a:prstGeom prst="rect">
           <a:avLst/>
@@ -9523,12 +9784,12 @@
         </a:fontRef>
       </dsp:style>
       <dsp:txBody>
-        <a:bodyPr spcFirstLastPara="0" vert="horz" wrap="square" lIns="5080" tIns="5080" rIns="5080" bIns="5080" numCol="1" spcCol="1270" anchor="ctr" anchorCtr="0">
+        <a:bodyPr spcFirstLastPara="0" vert="horz" wrap="square" lIns="4445" tIns="4445" rIns="4445" bIns="4445" numCol="1" spcCol="1270" anchor="ctr" anchorCtr="0">
           <a:noAutofit/>
         </a:bodyPr>
         <a:lstStyle/>
         <a:p>
-          <a:pPr marL="0" lvl="0" indent="0" algn="ctr" defTabSz="355600">
+          <a:pPr marL="0" lvl="0" indent="0" algn="ctr" defTabSz="311150">
             <a:lnSpc>
               <a:spcPct val="90000"/>
             </a:lnSpc>
@@ -9541,15 +9802,15 @@
             <a:buNone/>
           </a:pPr>
           <a:r>
-            <a:rPr lang="fr-FR" sz="800" kern="1200" dirty="0" err="1"/>
+            <a:rPr lang="fr-FR" sz="700" kern="1200" dirty="0" err="1"/>
             <a:t>Season</a:t>
           </a:r>
-          <a:endParaRPr lang="fr-FR" sz="800" kern="1200" dirty="0"/>
+          <a:endParaRPr lang="fr-FR" sz="700" kern="1200" dirty="0"/>
         </a:p>
       </dsp:txBody>
       <dsp:txXfrm>
-        <a:off x="10875624" y="1840604"/>
-        <a:ext cx="862165" cy="431082"/>
+        <a:off x="10820891" y="1751801"/>
+        <a:ext cx="820543" cy="410271"/>
       </dsp:txXfrm>
     </dsp:sp>
     <dsp:sp modelId="{2F5DA395-98D7-4FE9-ADDD-B78A90D4D5C8}">
@@ -9559,8 +9820,8 @@
       </dsp:nvSpPr>
       <dsp:spPr>
         <a:xfrm>
-          <a:off x="9832403" y="2452741"/>
-          <a:ext cx="862165" cy="431082"/>
+          <a:off x="9828033" y="2334387"/>
+          <a:ext cx="820543" cy="410271"/>
         </a:xfrm>
         <a:prstGeom prst="rect">
           <a:avLst/>
@@ -9603,12 +9864,12 @@
         </a:fontRef>
       </dsp:style>
       <dsp:txBody>
-        <a:bodyPr spcFirstLastPara="0" vert="horz" wrap="square" lIns="5080" tIns="5080" rIns="5080" bIns="5080" numCol="1" spcCol="1270" anchor="ctr" anchorCtr="0">
+        <a:bodyPr spcFirstLastPara="0" vert="horz" wrap="square" lIns="4445" tIns="4445" rIns="4445" bIns="4445" numCol="1" spcCol="1270" anchor="ctr" anchorCtr="0">
           <a:noAutofit/>
         </a:bodyPr>
         <a:lstStyle/>
         <a:p>
-          <a:pPr marL="0" lvl="0" indent="0" algn="ctr" defTabSz="355600">
+          <a:pPr marL="0" lvl="0" indent="0" algn="ctr" defTabSz="311150">
             <a:lnSpc>
               <a:spcPct val="90000"/>
             </a:lnSpc>
@@ -9621,14 +9882,14 @@
             <a:buNone/>
           </a:pPr>
           <a:r>
-            <a:rPr lang="fr-FR" sz="800" kern="1200" dirty="0"/>
+            <a:rPr lang="fr-FR" sz="700" kern="1200" dirty="0"/>
             <a:t>Budget</a:t>
           </a:r>
         </a:p>
       </dsp:txBody>
       <dsp:txXfrm>
-        <a:off x="9832403" y="2452741"/>
-        <a:ext cx="862165" cy="431082"/>
+        <a:off x="9828033" y="2334387"/>
+        <a:ext cx="820543" cy="410271"/>
       </dsp:txXfrm>
     </dsp:sp>
     <dsp:sp modelId="{7B729E8C-5D0D-4C65-A18C-D77CE62B6E3D}">
@@ -9638,8 +9899,8 @@
       </dsp:nvSpPr>
       <dsp:spPr>
         <a:xfrm>
-          <a:off x="7745963" y="5513429"/>
-          <a:ext cx="862165" cy="431082"/>
+          <a:off x="7842317" y="5247317"/>
+          <a:ext cx="820543" cy="410271"/>
         </a:xfrm>
         <a:prstGeom prst="rect">
           <a:avLst/>
@@ -9682,12 +9943,12 @@
         </a:fontRef>
       </dsp:style>
       <dsp:txBody>
-        <a:bodyPr spcFirstLastPara="0" vert="horz" wrap="square" lIns="5080" tIns="5080" rIns="5080" bIns="5080" numCol="1" spcCol="1270" anchor="ctr" anchorCtr="0">
+        <a:bodyPr spcFirstLastPara="0" vert="horz" wrap="square" lIns="4445" tIns="4445" rIns="4445" bIns="4445" numCol="1" spcCol="1270" anchor="ctr" anchorCtr="0">
           <a:noAutofit/>
         </a:bodyPr>
         <a:lstStyle/>
         <a:p>
-          <a:pPr marL="0" lvl="0" indent="0" algn="ctr" defTabSz="355600">
+          <a:pPr marL="0" lvl="0" indent="0" algn="ctr" defTabSz="311150">
             <a:lnSpc>
               <a:spcPct val="90000"/>
             </a:lnSpc>
@@ -9700,14 +9961,14 @@
             <a:buNone/>
           </a:pPr>
           <a:r>
-            <a:rPr lang="fr-FR" sz="800" kern="1200" dirty="0"/>
+            <a:rPr lang="fr-FR" sz="700" kern="1200" dirty="0"/>
             <a:t>menus</a:t>
           </a:r>
         </a:p>
       </dsp:txBody>
       <dsp:txXfrm>
-        <a:off x="7745963" y="5513429"/>
-        <a:ext cx="862165" cy="431082"/>
+        <a:off x="7842317" y="5247317"/>
+        <a:ext cx="820543" cy="410271"/>
       </dsp:txXfrm>
     </dsp:sp>
     <dsp:sp modelId="{CBC61EC5-8357-41D5-A566-A8644C9E413A}">
@@ -9717,8 +9978,8 @@
       </dsp:nvSpPr>
       <dsp:spPr>
         <a:xfrm>
-          <a:off x="6702742" y="6125567"/>
-          <a:ext cx="862165" cy="431082"/>
+          <a:off x="6849459" y="5829904"/>
+          <a:ext cx="820543" cy="410271"/>
         </a:xfrm>
         <a:prstGeom prst="rect">
           <a:avLst/>
@@ -9761,12 +10022,12 @@
         </a:fontRef>
       </dsp:style>
       <dsp:txBody>
-        <a:bodyPr spcFirstLastPara="0" vert="horz" wrap="square" lIns="5080" tIns="5080" rIns="5080" bIns="5080" numCol="1" spcCol="1270" anchor="ctr" anchorCtr="0">
+        <a:bodyPr spcFirstLastPara="0" vert="horz" wrap="square" lIns="4445" tIns="4445" rIns="4445" bIns="4445" numCol="1" spcCol="1270" anchor="ctr" anchorCtr="0">
           <a:noAutofit/>
         </a:bodyPr>
         <a:lstStyle/>
         <a:p>
-          <a:pPr marL="0" lvl="0" indent="0" algn="ctr" defTabSz="355600">
+          <a:pPr marL="0" lvl="0" indent="0" algn="ctr" defTabSz="311150">
             <a:lnSpc>
               <a:spcPct val="90000"/>
             </a:lnSpc>
@@ -9779,14 +10040,14 @@
             <a:buNone/>
           </a:pPr>
           <a:r>
-            <a:rPr lang="fr-FR" sz="800" kern="1200" dirty="0"/>
+            <a:rPr lang="fr-FR" sz="700" kern="1200" dirty="0"/>
             <a:t>Menu</a:t>
           </a:r>
         </a:p>
       </dsp:txBody>
       <dsp:txXfrm>
-        <a:off x="6702742" y="6125567"/>
-        <a:ext cx="862165" cy="431082"/>
+        <a:off x="6849459" y="5829904"/>
+        <a:ext cx="820543" cy="410271"/>
       </dsp:txXfrm>
     </dsp:sp>
     <dsp:sp modelId="{551598E9-034F-4447-97E1-782205478AE8}">
@@ -9796,8 +10057,8 @@
       </dsp:nvSpPr>
       <dsp:spPr>
         <a:xfrm>
-          <a:off x="6181132" y="6737704"/>
-          <a:ext cx="862165" cy="431082"/>
+          <a:off x="6353030" y="6412490"/>
+          <a:ext cx="820543" cy="410271"/>
         </a:xfrm>
         <a:prstGeom prst="rect">
           <a:avLst/>
@@ -9840,12 +10101,12 @@
         </a:fontRef>
       </dsp:style>
       <dsp:txBody>
-        <a:bodyPr spcFirstLastPara="0" vert="horz" wrap="square" lIns="5080" tIns="5080" rIns="5080" bIns="5080" numCol="1" spcCol="1270" anchor="ctr" anchorCtr="0">
+        <a:bodyPr spcFirstLastPara="0" vert="horz" wrap="square" lIns="4445" tIns="4445" rIns="4445" bIns="4445" numCol="1" spcCol="1270" anchor="ctr" anchorCtr="0">
           <a:noAutofit/>
         </a:bodyPr>
         <a:lstStyle/>
         <a:p>
-          <a:pPr marL="0" lvl="0" indent="0" algn="ctr" defTabSz="355600">
+          <a:pPr marL="0" lvl="0" indent="0" algn="ctr" defTabSz="311150">
             <a:lnSpc>
               <a:spcPct val="90000"/>
             </a:lnSpc>
@@ -9858,14 +10119,14 @@
             <a:buNone/>
           </a:pPr>
           <a:r>
-            <a:rPr lang="fr-FR" sz="800" kern="1200" dirty="0"/>
+            <a:rPr lang="fr-FR" sz="700" kern="1200" dirty="0"/>
             <a:t>Name</a:t>
           </a:r>
         </a:p>
       </dsp:txBody>
       <dsp:txXfrm>
-        <a:off x="6181132" y="6737704"/>
-        <a:ext cx="862165" cy="431082"/>
+        <a:off x="6353030" y="6412490"/>
+        <a:ext cx="820543" cy="410271"/>
       </dsp:txXfrm>
     </dsp:sp>
     <dsp:sp modelId="{05121054-EFD6-49CC-81C8-AF91D8C37724}">
@@ -9875,8 +10136,8 @@
       </dsp:nvSpPr>
       <dsp:spPr>
         <a:xfrm>
-          <a:off x="7224352" y="6737704"/>
-          <a:ext cx="862165" cy="431082"/>
+          <a:off x="7345888" y="6412490"/>
+          <a:ext cx="820543" cy="410271"/>
         </a:xfrm>
         <a:prstGeom prst="rect">
           <a:avLst/>
@@ -9919,12 +10180,12 @@
         </a:fontRef>
       </dsp:style>
       <dsp:txBody>
-        <a:bodyPr spcFirstLastPara="0" vert="horz" wrap="square" lIns="5080" tIns="5080" rIns="5080" bIns="5080" numCol="1" spcCol="1270" anchor="ctr" anchorCtr="0">
+        <a:bodyPr spcFirstLastPara="0" vert="horz" wrap="square" lIns="4445" tIns="4445" rIns="4445" bIns="4445" numCol="1" spcCol="1270" anchor="ctr" anchorCtr="0">
           <a:noAutofit/>
         </a:bodyPr>
         <a:lstStyle/>
         <a:p>
-          <a:pPr marL="0" lvl="0" indent="0" algn="ctr" defTabSz="355600">
+          <a:pPr marL="0" lvl="0" indent="0" algn="ctr" defTabSz="311150">
             <a:lnSpc>
               <a:spcPct val="90000"/>
             </a:lnSpc>
@@ -9937,15 +10198,15 @@
             <a:buNone/>
           </a:pPr>
           <a:r>
-            <a:rPr lang="fr-FR" sz="800" kern="1200" dirty="0" err="1"/>
+            <a:rPr lang="fr-FR" sz="700" kern="1200" dirty="0" err="1"/>
             <a:t>Number_recipe</a:t>
           </a:r>
-          <a:endParaRPr lang="fr-FR" sz="800" kern="1200" dirty="0"/>
+          <a:endParaRPr lang="fr-FR" sz="700" kern="1200" dirty="0"/>
         </a:p>
       </dsp:txBody>
       <dsp:txXfrm>
-        <a:off x="7224352" y="6737704"/>
-        <a:ext cx="862165" cy="431082"/>
+        <a:off x="7345888" y="6412490"/>
+        <a:ext cx="820543" cy="410271"/>
       </dsp:txXfrm>
     </dsp:sp>
     <dsp:sp modelId="{059FBCEB-C1E8-4D3B-AEFC-9AF2EAB5A0C0}">
@@ -9955,8 +10216,8 @@
       </dsp:nvSpPr>
       <dsp:spPr>
         <a:xfrm>
-          <a:off x="6181132" y="7349842"/>
-          <a:ext cx="862165" cy="431082"/>
+          <a:off x="6353030" y="6995076"/>
+          <a:ext cx="820543" cy="410271"/>
         </a:xfrm>
         <a:prstGeom prst="rect">
           <a:avLst/>
@@ -9999,12 +10260,12 @@
         </a:fontRef>
       </dsp:style>
       <dsp:txBody>
-        <a:bodyPr spcFirstLastPara="0" vert="horz" wrap="square" lIns="5080" tIns="5080" rIns="5080" bIns="5080" numCol="1" spcCol="1270" anchor="ctr" anchorCtr="0">
+        <a:bodyPr spcFirstLastPara="0" vert="horz" wrap="square" lIns="4445" tIns="4445" rIns="4445" bIns="4445" numCol="1" spcCol="1270" anchor="ctr" anchorCtr="0">
           <a:noAutofit/>
         </a:bodyPr>
         <a:lstStyle/>
         <a:p>
-          <a:pPr marL="0" lvl="0" indent="0" algn="ctr" defTabSz="355600">
+          <a:pPr marL="0" lvl="0" indent="0" algn="ctr" defTabSz="311150">
             <a:lnSpc>
               <a:spcPct val="90000"/>
             </a:lnSpc>
@@ -10017,26 +10278,26 @@
             <a:buNone/>
           </a:pPr>
           <a:r>
-            <a:rPr lang="fr-FR" sz="800" kern="1200" dirty="0" err="1"/>
+            <a:rPr lang="fr-FR" sz="700" kern="1200" dirty="0" err="1"/>
             <a:t>Recipe_list</a:t>
           </a:r>
-          <a:endParaRPr lang="fr-FR" sz="800" kern="1200" dirty="0"/>
+          <a:endParaRPr lang="fr-FR" sz="700" kern="1200" dirty="0"/>
         </a:p>
       </dsp:txBody>
       <dsp:txXfrm>
-        <a:off x="6181132" y="7349842"/>
-        <a:ext cx="862165" cy="431082"/>
+        <a:off x="6353030" y="6995076"/>
+        <a:ext cx="820543" cy="410271"/>
       </dsp:txXfrm>
     </dsp:sp>
-    <dsp:sp modelId="{E2F6B417-5BD4-4008-AAF6-B738C8BED1E8}">
+    <dsp:sp modelId="{835FBC05-15F8-43EF-A036-E3BC2CA82BE9}">
       <dsp:nvSpPr>
         <dsp:cNvPr id="0" name=""/>
         <dsp:cNvSpPr/>
       </dsp:nvSpPr>
       <dsp:spPr>
         <a:xfrm>
-          <a:off x="7224352" y="7349842"/>
-          <a:ext cx="862165" cy="431082"/>
+          <a:off x="7345888" y="6995076"/>
+          <a:ext cx="820543" cy="410271"/>
         </a:xfrm>
         <a:prstGeom prst="rect">
           <a:avLst/>
@@ -10079,12 +10340,12 @@
         </a:fontRef>
       </dsp:style>
       <dsp:txBody>
-        <a:bodyPr spcFirstLastPara="0" vert="horz" wrap="square" lIns="5080" tIns="5080" rIns="5080" bIns="5080" numCol="1" spcCol="1270" anchor="ctr" anchorCtr="0">
+        <a:bodyPr spcFirstLastPara="0" vert="horz" wrap="square" lIns="4445" tIns="4445" rIns="4445" bIns="4445" numCol="1" spcCol="1270" anchor="ctr" anchorCtr="0">
           <a:noAutofit/>
         </a:bodyPr>
         <a:lstStyle/>
         <a:p>
-          <a:pPr marL="0" lvl="0" indent="0" algn="ctr" defTabSz="355600">
+          <a:pPr marL="0" lvl="0" indent="0" algn="ctr" defTabSz="311150">
             <a:lnSpc>
               <a:spcPct val="90000"/>
             </a:lnSpc>
@@ -10097,25 +10358,25 @@
             <a:buNone/>
           </a:pPr>
           <a:r>
-            <a:rPr lang="fr-FR" sz="800" kern="1200" dirty="0"/>
-            <a:t>Rating</a:t>
+            <a:rPr lang="fr-FR" sz="700" kern="1200" dirty="0"/>
+            <a:t>Budget</a:t>
           </a:r>
         </a:p>
       </dsp:txBody>
       <dsp:txXfrm>
-        <a:off x="7224352" y="7349842"/>
-        <a:ext cx="862165" cy="431082"/>
+        <a:off x="7345888" y="6995076"/>
+        <a:ext cx="820543" cy="410271"/>
       </dsp:txXfrm>
     </dsp:sp>
-    <dsp:sp modelId="{BD989610-072D-44CD-9333-4475C63B1B88}">
+    <dsp:sp modelId="{E2F6B417-5BD4-4008-AAF6-B738C8BED1E8}">
       <dsp:nvSpPr>
         <dsp:cNvPr id="0" name=""/>
         <dsp:cNvSpPr/>
       </dsp:nvSpPr>
       <dsp:spPr>
         <a:xfrm>
-          <a:off x="10354014" y="5513429"/>
-          <a:ext cx="862165" cy="431082"/>
+          <a:off x="6353030" y="7577662"/>
+          <a:ext cx="820543" cy="410271"/>
         </a:xfrm>
         <a:prstGeom prst="rect">
           <a:avLst/>
@@ -10158,12 +10419,12 @@
         </a:fontRef>
       </dsp:style>
       <dsp:txBody>
-        <a:bodyPr spcFirstLastPara="0" vert="horz" wrap="square" lIns="5080" tIns="5080" rIns="5080" bIns="5080" numCol="1" spcCol="1270" anchor="ctr" anchorCtr="0">
+        <a:bodyPr spcFirstLastPara="0" vert="horz" wrap="square" lIns="4445" tIns="4445" rIns="4445" bIns="4445" numCol="1" spcCol="1270" anchor="ctr" anchorCtr="0">
           <a:noAutofit/>
         </a:bodyPr>
         <a:lstStyle/>
         <a:p>
-          <a:pPr marL="0" lvl="0" indent="0" algn="ctr" defTabSz="355600">
+          <a:pPr marL="0" lvl="0" indent="0" algn="ctr" defTabSz="311150">
             <a:lnSpc>
               <a:spcPct val="90000"/>
             </a:lnSpc>
@@ -10176,26 +10437,25 @@
             <a:buNone/>
           </a:pPr>
           <a:r>
-            <a:rPr lang="fr-FR" sz="800" kern="1200" dirty="0" err="1"/>
-            <a:t>Compagny_infos</a:t>
+            <a:rPr lang="fr-FR" sz="700" kern="1200" dirty="0"/>
+            <a:t>Rating</a:t>
           </a:r>
-          <a:endParaRPr lang="fr-FR" sz="800" kern="1200" dirty="0"/>
         </a:p>
       </dsp:txBody>
       <dsp:txXfrm>
-        <a:off x="10354014" y="5513429"/>
-        <a:ext cx="862165" cy="431082"/>
+        <a:off x="6353030" y="7577662"/>
+        <a:ext cx="820543" cy="410271"/>
       </dsp:txXfrm>
     </dsp:sp>
-    <dsp:sp modelId="{BE96DB66-AD1E-4365-AE46-C3C60770B1CA}">
+    <dsp:sp modelId="{8E052154-49ED-445C-A8C9-E6354099F9EA}">
       <dsp:nvSpPr>
         <dsp:cNvPr id="0" name=""/>
         <dsp:cNvSpPr/>
       </dsp:nvSpPr>
       <dsp:spPr>
         <a:xfrm>
-          <a:off x="9832403" y="6125567"/>
-          <a:ext cx="862165" cy="431082"/>
+          <a:off x="7345888" y="7577662"/>
+          <a:ext cx="820543" cy="410271"/>
         </a:xfrm>
         <a:prstGeom prst="rect">
           <a:avLst/>
@@ -10238,12 +10498,12 @@
         </a:fontRef>
       </dsp:style>
       <dsp:txBody>
-        <a:bodyPr spcFirstLastPara="0" vert="horz" wrap="square" lIns="5080" tIns="5080" rIns="5080" bIns="5080" numCol="1" spcCol="1270" anchor="ctr" anchorCtr="0">
+        <a:bodyPr spcFirstLastPara="0" vert="horz" wrap="square" lIns="4445" tIns="4445" rIns="4445" bIns="4445" numCol="1" spcCol="1270" anchor="ctr" anchorCtr="0">
           <a:noAutofit/>
         </a:bodyPr>
         <a:lstStyle/>
         <a:p>
-          <a:pPr marL="0" lvl="0" indent="0" algn="ctr" defTabSz="355600">
+          <a:pPr marL="0" lvl="0" indent="0" algn="ctr" defTabSz="311150">
             <a:lnSpc>
               <a:spcPct val="90000"/>
             </a:lnSpc>
@@ -10256,25 +10516,25 @@
             <a:buNone/>
           </a:pPr>
           <a:r>
-            <a:rPr lang="fr-FR" sz="800" kern="1200" dirty="0"/>
-            <a:t>Name</a:t>
+            <a:rPr lang="fr-FR" sz="700" kern="1200" dirty="0"/>
+            <a:t>Description</a:t>
           </a:r>
         </a:p>
       </dsp:txBody>
       <dsp:txXfrm>
-        <a:off x="9832403" y="6125567"/>
-        <a:ext cx="862165" cy="431082"/>
+        <a:off x="7345888" y="7577662"/>
+        <a:ext cx="820543" cy="410271"/>
       </dsp:txXfrm>
     </dsp:sp>
-    <dsp:sp modelId="{8DFB8425-051F-429D-9AA7-ABE75BE636A3}">
+    <dsp:sp modelId="{BD989610-072D-44CD-9333-4475C63B1B88}">
       <dsp:nvSpPr>
         <dsp:cNvPr id="0" name=""/>
         <dsp:cNvSpPr/>
       </dsp:nvSpPr>
       <dsp:spPr>
         <a:xfrm>
-          <a:off x="10875624" y="6125567"/>
-          <a:ext cx="862165" cy="431082"/>
+          <a:off x="10324462" y="5247317"/>
+          <a:ext cx="820543" cy="410271"/>
         </a:xfrm>
         <a:prstGeom prst="rect">
           <a:avLst/>
@@ -10317,12 +10577,12 @@
         </a:fontRef>
       </dsp:style>
       <dsp:txBody>
-        <a:bodyPr spcFirstLastPara="0" vert="horz" wrap="square" lIns="5080" tIns="5080" rIns="5080" bIns="5080" numCol="1" spcCol="1270" anchor="ctr" anchorCtr="0">
+        <a:bodyPr spcFirstLastPara="0" vert="horz" wrap="square" lIns="4445" tIns="4445" rIns="4445" bIns="4445" numCol="1" spcCol="1270" anchor="ctr" anchorCtr="0">
           <a:noAutofit/>
         </a:bodyPr>
         <a:lstStyle/>
         <a:p>
-          <a:pPr marL="0" lvl="0" indent="0" algn="ctr" defTabSz="355600">
+          <a:pPr marL="0" lvl="0" indent="0" algn="ctr" defTabSz="311150">
             <a:lnSpc>
               <a:spcPct val="90000"/>
             </a:lnSpc>
@@ -10335,26 +10595,26 @@
             <a:buNone/>
           </a:pPr>
           <a:r>
-            <a:rPr lang="fr-FR" sz="800" kern="1200" dirty="0" err="1"/>
-            <a:t>Compagny_adress</a:t>
+            <a:rPr lang="fr-FR" sz="700" kern="1200" dirty="0" err="1"/>
+            <a:t>Compagny_infos</a:t>
           </a:r>
-          <a:endParaRPr lang="fr-FR" sz="800" kern="1200" dirty="0"/>
+          <a:endParaRPr lang="fr-FR" sz="700" kern="1200" dirty="0"/>
         </a:p>
       </dsp:txBody>
       <dsp:txXfrm>
-        <a:off x="10875624" y="6125567"/>
-        <a:ext cx="862165" cy="431082"/>
+        <a:off x="10324462" y="5247317"/>
+        <a:ext cx="820543" cy="410271"/>
       </dsp:txXfrm>
     </dsp:sp>
-    <dsp:sp modelId="{22A8CFEC-7F3C-48AD-9648-26B468C40213}">
+    <dsp:sp modelId="{BE96DB66-AD1E-4365-AE46-C3C60770B1CA}">
       <dsp:nvSpPr>
         <dsp:cNvPr id="0" name=""/>
         <dsp:cNvSpPr/>
       </dsp:nvSpPr>
       <dsp:spPr>
         <a:xfrm>
-          <a:off x="9832403" y="6737704"/>
-          <a:ext cx="862165" cy="431082"/>
+          <a:off x="9828033" y="5829904"/>
+          <a:ext cx="820543" cy="410271"/>
         </a:xfrm>
         <a:prstGeom prst="rect">
           <a:avLst/>
@@ -10397,12 +10657,12 @@
         </a:fontRef>
       </dsp:style>
       <dsp:txBody>
-        <a:bodyPr spcFirstLastPara="0" vert="horz" wrap="square" lIns="5080" tIns="5080" rIns="5080" bIns="5080" numCol="1" spcCol="1270" anchor="ctr" anchorCtr="0">
+        <a:bodyPr spcFirstLastPara="0" vert="horz" wrap="square" lIns="4445" tIns="4445" rIns="4445" bIns="4445" numCol="1" spcCol="1270" anchor="ctr" anchorCtr="0">
           <a:noAutofit/>
         </a:bodyPr>
         <a:lstStyle/>
         <a:p>
-          <a:pPr marL="0" lvl="0" indent="0" algn="ctr" defTabSz="355600">
+          <a:pPr marL="0" lvl="0" indent="0" algn="ctr" defTabSz="311150">
             <a:lnSpc>
               <a:spcPct val="90000"/>
             </a:lnSpc>
@@ -10415,26 +10675,25 @@
             <a:buNone/>
           </a:pPr>
           <a:r>
-            <a:rPr lang="fr-FR" sz="800" kern="1200" dirty="0" err="1"/>
-            <a:t>Compagny_phone</a:t>
+            <a:rPr lang="fr-FR" sz="700" kern="1200" dirty="0"/>
+            <a:t>Name</a:t>
           </a:r>
-          <a:endParaRPr lang="fr-FR" sz="800" kern="1200" dirty="0"/>
         </a:p>
       </dsp:txBody>
       <dsp:txXfrm>
-        <a:off x="9832403" y="6737704"/>
-        <a:ext cx="862165" cy="431082"/>
+        <a:off x="9828033" y="5829904"/>
+        <a:ext cx="820543" cy="410271"/>
       </dsp:txXfrm>
     </dsp:sp>
-    <dsp:sp modelId="{8B0677EB-6953-47E5-8009-4399C01D45A6}">
+    <dsp:sp modelId="{8DFB8425-051F-429D-9AA7-ABE75BE636A3}">
       <dsp:nvSpPr>
         <dsp:cNvPr id="0" name=""/>
         <dsp:cNvSpPr/>
       </dsp:nvSpPr>
       <dsp:spPr>
         <a:xfrm>
-          <a:off x="10875624" y="6737704"/>
-          <a:ext cx="862165" cy="431082"/>
+          <a:off x="10820891" y="5829904"/>
+          <a:ext cx="820543" cy="410271"/>
         </a:xfrm>
         <a:prstGeom prst="rect">
           <a:avLst/>
@@ -10477,12 +10736,12 @@
         </a:fontRef>
       </dsp:style>
       <dsp:txBody>
-        <a:bodyPr spcFirstLastPara="0" vert="horz" wrap="square" lIns="5080" tIns="5080" rIns="5080" bIns="5080" numCol="1" spcCol="1270" anchor="ctr" anchorCtr="0">
+        <a:bodyPr spcFirstLastPara="0" vert="horz" wrap="square" lIns="4445" tIns="4445" rIns="4445" bIns="4445" numCol="1" spcCol="1270" anchor="ctr" anchorCtr="0">
           <a:noAutofit/>
         </a:bodyPr>
         <a:lstStyle/>
         <a:p>
-          <a:pPr marL="0" lvl="0" indent="0" algn="ctr" defTabSz="355600">
+          <a:pPr marL="0" lvl="0" indent="0" algn="ctr" defTabSz="311150">
             <a:lnSpc>
               <a:spcPct val="90000"/>
             </a:lnSpc>
@@ -10495,26 +10754,26 @@
             <a:buNone/>
           </a:pPr>
           <a:r>
-            <a:rPr lang="fr-FR" sz="800" kern="1200" dirty="0" err="1"/>
-            <a:t>Compagny_email</a:t>
+            <a:rPr lang="fr-FR" sz="700" kern="1200" dirty="0" err="1"/>
+            <a:t>Compagny_adress</a:t>
           </a:r>
-          <a:endParaRPr lang="fr-FR" sz="800" kern="1200" dirty="0"/>
+          <a:endParaRPr lang="fr-FR" sz="700" kern="1200" dirty="0"/>
         </a:p>
       </dsp:txBody>
       <dsp:txXfrm>
-        <a:off x="10875624" y="6737704"/>
-        <a:ext cx="862165" cy="431082"/>
+        <a:off x="10820891" y="5829904"/>
+        <a:ext cx="820543" cy="410271"/>
       </dsp:txXfrm>
     </dsp:sp>
-    <dsp:sp modelId="{8EDD4C9F-41A6-4BF3-ACD8-E3DDBBD245E6}">
+    <dsp:sp modelId="{22A8CFEC-7F3C-48AD-9648-26B468C40213}">
       <dsp:nvSpPr>
         <dsp:cNvPr id="0" name=""/>
         <dsp:cNvSpPr/>
       </dsp:nvSpPr>
       <dsp:spPr>
         <a:xfrm>
-          <a:off x="7745963" y="7961980"/>
-          <a:ext cx="862165" cy="431082"/>
+          <a:off x="9828033" y="6412490"/>
+          <a:ext cx="820543" cy="410271"/>
         </a:xfrm>
         <a:prstGeom prst="rect">
           <a:avLst/>
@@ -10557,12 +10816,12 @@
         </a:fontRef>
       </dsp:style>
       <dsp:txBody>
-        <a:bodyPr spcFirstLastPara="0" vert="horz" wrap="square" lIns="5080" tIns="5080" rIns="5080" bIns="5080" numCol="1" spcCol="1270" anchor="ctr" anchorCtr="0">
+        <a:bodyPr spcFirstLastPara="0" vert="horz" wrap="square" lIns="4445" tIns="4445" rIns="4445" bIns="4445" numCol="1" spcCol="1270" anchor="ctr" anchorCtr="0">
           <a:noAutofit/>
         </a:bodyPr>
         <a:lstStyle/>
         <a:p>
-          <a:pPr marL="0" lvl="0" indent="0" algn="ctr" defTabSz="355600">
+          <a:pPr marL="0" lvl="0" indent="0" algn="ctr" defTabSz="311150">
             <a:lnSpc>
               <a:spcPct val="90000"/>
             </a:lnSpc>
@@ -10575,26 +10834,26 @@
             <a:buNone/>
           </a:pPr>
           <a:r>
-            <a:rPr lang="fr-FR" sz="800" kern="1200" dirty="0" err="1"/>
-            <a:t>Customers</a:t>
+            <a:rPr lang="fr-FR" sz="700" kern="1200" dirty="0" err="1"/>
+            <a:t>Compagny_phone</a:t>
           </a:r>
-          <a:endParaRPr lang="fr-FR" sz="800" kern="1200" dirty="0"/>
+          <a:endParaRPr lang="fr-FR" sz="700" kern="1200" dirty="0"/>
         </a:p>
       </dsp:txBody>
       <dsp:txXfrm>
-        <a:off x="7745963" y="7961980"/>
-        <a:ext cx="862165" cy="431082"/>
+        <a:off x="9828033" y="6412490"/>
+        <a:ext cx="820543" cy="410271"/>
       </dsp:txXfrm>
     </dsp:sp>
-    <dsp:sp modelId="{29282C8B-69C0-461B-8924-B327399CEF5A}">
+    <dsp:sp modelId="{8B0677EB-6953-47E5-8009-4399C01D45A6}">
       <dsp:nvSpPr>
         <dsp:cNvPr id="0" name=""/>
         <dsp:cNvSpPr/>
       </dsp:nvSpPr>
       <dsp:spPr>
         <a:xfrm>
-          <a:off x="6702742" y="8574117"/>
-          <a:ext cx="862165" cy="431082"/>
+          <a:off x="10820891" y="6412490"/>
+          <a:ext cx="820543" cy="410271"/>
         </a:xfrm>
         <a:prstGeom prst="rect">
           <a:avLst/>
@@ -10637,12 +10896,12 @@
         </a:fontRef>
       </dsp:style>
       <dsp:txBody>
-        <a:bodyPr spcFirstLastPara="0" vert="horz" wrap="square" lIns="5080" tIns="5080" rIns="5080" bIns="5080" numCol="1" spcCol="1270" anchor="ctr" anchorCtr="0">
+        <a:bodyPr spcFirstLastPara="0" vert="horz" wrap="square" lIns="4445" tIns="4445" rIns="4445" bIns="4445" numCol="1" spcCol="1270" anchor="ctr" anchorCtr="0">
           <a:noAutofit/>
         </a:bodyPr>
         <a:lstStyle/>
         <a:p>
-          <a:pPr marL="0" lvl="0" indent="0" algn="ctr" defTabSz="355600">
+          <a:pPr marL="0" lvl="0" indent="0" algn="ctr" defTabSz="311150">
             <a:lnSpc>
               <a:spcPct val="90000"/>
             </a:lnSpc>
@@ -10655,25 +10914,26 @@
             <a:buNone/>
           </a:pPr>
           <a:r>
-            <a:rPr lang="fr-FR" sz="800" kern="1200" dirty="0"/>
-            <a:t>Customer</a:t>
+            <a:rPr lang="fr-FR" sz="700" kern="1200" dirty="0" err="1"/>
+            <a:t>Compagny_email</a:t>
           </a:r>
+          <a:endParaRPr lang="fr-FR" sz="700" kern="1200" dirty="0"/>
         </a:p>
       </dsp:txBody>
       <dsp:txXfrm>
-        <a:off x="6702742" y="8574117"/>
-        <a:ext cx="862165" cy="431082"/>
+        <a:off x="10820891" y="6412490"/>
+        <a:ext cx="820543" cy="410271"/>
       </dsp:txXfrm>
     </dsp:sp>
-    <dsp:sp modelId="{66690EF5-AA87-4B5A-9AB9-BA66C34A1D3F}">
+    <dsp:sp modelId="{8EDD4C9F-41A6-4BF3-ACD8-E3DDBBD245E6}">
       <dsp:nvSpPr>
         <dsp:cNvPr id="0" name=""/>
         <dsp:cNvSpPr/>
       </dsp:nvSpPr>
       <dsp:spPr>
         <a:xfrm>
-          <a:off x="6181132" y="9186255"/>
-          <a:ext cx="862165" cy="431082"/>
+          <a:off x="7842317" y="8160248"/>
+          <a:ext cx="820543" cy="410271"/>
         </a:xfrm>
         <a:prstGeom prst="rect">
           <a:avLst/>
@@ -10716,12 +10976,12 @@
         </a:fontRef>
       </dsp:style>
       <dsp:txBody>
-        <a:bodyPr spcFirstLastPara="0" vert="horz" wrap="square" lIns="5080" tIns="5080" rIns="5080" bIns="5080" numCol="1" spcCol="1270" anchor="ctr" anchorCtr="0">
+        <a:bodyPr spcFirstLastPara="0" vert="horz" wrap="square" lIns="4445" tIns="4445" rIns="4445" bIns="4445" numCol="1" spcCol="1270" anchor="ctr" anchorCtr="0">
           <a:noAutofit/>
         </a:bodyPr>
         <a:lstStyle/>
         <a:p>
-          <a:pPr marL="0" lvl="0" indent="0" algn="ctr" defTabSz="355600">
+          <a:pPr marL="0" lvl="0" indent="0" algn="ctr" defTabSz="311150">
             <a:lnSpc>
               <a:spcPct val="90000"/>
             </a:lnSpc>
@@ -10734,26 +10994,26 @@
             <a:buNone/>
           </a:pPr>
           <a:r>
-            <a:rPr lang="fr-FR" sz="800" kern="1200" dirty="0" err="1"/>
-            <a:t>CustomerName</a:t>
+            <a:rPr lang="fr-FR" sz="700" kern="1200" dirty="0" err="1"/>
+            <a:t>Customers</a:t>
           </a:r>
-          <a:endParaRPr lang="fr-FR" sz="800" kern="1200" dirty="0"/>
+          <a:endParaRPr lang="fr-FR" sz="700" kern="1200" dirty="0"/>
         </a:p>
       </dsp:txBody>
       <dsp:txXfrm>
-        <a:off x="6181132" y="9186255"/>
-        <a:ext cx="862165" cy="431082"/>
+        <a:off x="7842317" y="8160248"/>
+        <a:ext cx="820543" cy="410271"/>
       </dsp:txXfrm>
     </dsp:sp>
-    <dsp:sp modelId="{1477FD6A-9723-424D-B2A6-33C1EDCDD02C}">
+    <dsp:sp modelId="{29282C8B-69C0-461B-8924-B327399CEF5A}">
       <dsp:nvSpPr>
         <dsp:cNvPr id="0" name=""/>
         <dsp:cNvSpPr/>
       </dsp:nvSpPr>
       <dsp:spPr>
         <a:xfrm>
-          <a:off x="7224352" y="9186255"/>
-          <a:ext cx="862165" cy="431082"/>
+          <a:off x="6849459" y="8742834"/>
+          <a:ext cx="820543" cy="410271"/>
         </a:xfrm>
         <a:prstGeom prst="rect">
           <a:avLst/>
@@ -10796,12 +11056,12 @@
         </a:fontRef>
       </dsp:style>
       <dsp:txBody>
-        <a:bodyPr spcFirstLastPara="0" vert="horz" wrap="square" lIns="5080" tIns="5080" rIns="5080" bIns="5080" numCol="1" spcCol="1270" anchor="ctr" anchorCtr="0">
+        <a:bodyPr spcFirstLastPara="0" vert="horz" wrap="square" lIns="4445" tIns="4445" rIns="4445" bIns="4445" numCol="1" spcCol="1270" anchor="ctr" anchorCtr="0">
           <a:noAutofit/>
         </a:bodyPr>
         <a:lstStyle/>
         <a:p>
-          <a:pPr marL="0" lvl="0" indent="0" algn="ctr" defTabSz="355600">
+          <a:pPr marL="0" lvl="0" indent="0" algn="ctr" defTabSz="311150">
             <a:lnSpc>
               <a:spcPct val="90000"/>
             </a:lnSpc>
@@ -10814,26 +11074,25 @@
             <a:buNone/>
           </a:pPr>
           <a:r>
-            <a:rPr lang="fr-FR" sz="800" kern="1200" dirty="0" err="1"/>
-            <a:t>CustomerAddress</a:t>
+            <a:rPr lang="fr-FR" sz="700" kern="1200" dirty="0"/>
+            <a:t>Customer</a:t>
           </a:r>
-          <a:endParaRPr lang="fr-FR" sz="800" kern="1200" dirty="0"/>
         </a:p>
       </dsp:txBody>
       <dsp:txXfrm>
-        <a:off x="7224352" y="9186255"/>
-        <a:ext cx="862165" cy="431082"/>
+        <a:off x="6849459" y="8742834"/>
+        <a:ext cx="820543" cy="410271"/>
       </dsp:txXfrm>
     </dsp:sp>
-    <dsp:sp modelId="{7349D38B-F67B-4338-BB04-CCAE4E6B7AE4}">
+    <dsp:sp modelId="{66690EF5-AA87-4B5A-9AB9-BA66C34A1D3F}">
       <dsp:nvSpPr>
         <dsp:cNvPr id="0" name=""/>
         <dsp:cNvSpPr/>
       </dsp:nvSpPr>
       <dsp:spPr>
         <a:xfrm>
-          <a:off x="6181132" y="9798392"/>
-          <a:ext cx="862165" cy="431082"/>
+          <a:off x="6353030" y="9325420"/>
+          <a:ext cx="820543" cy="410271"/>
         </a:xfrm>
         <a:prstGeom prst="rect">
           <a:avLst/>
@@ -10876,12 +11135,12 @@
         </a:fontRef>
       </dsp:style>
       <dsp:txBody>
-        <a:bodyPr spcFirstLastPara="0" vert="horz" wrap="square" lIns="5080" tIns="5080" rIns="5080" bIns="5080" numCol="1" spcCol="1270" anchor="ctr" anchorCtr="0">
+        <a:bodyPr spcFirstLastPara="0" vert="horz" wrap="square" lIns="4445" tIns="4445" rIns="4445" bIns="4445" numCol="1" spcCol="1270" anchor="ctr" anchorCtr="0">
           <a:noAutofit/>
         </a:bodyPr>
         <a:lstStyle/>
         <a:p>
-          <a:pPr marL="0" lvl="0" indent="0" algn="ctr" defTabSz="355600">
+          <a:pPr marL="0" lvl="0" indent="0" algn="ctr" defTabSz="311150">
             <a:lnSpc>
               <a:spcPct val="90000"/>
             </a:lnSpc>
@@ -10894,26 +11153,26 @@
             <a:buNone/>
           </a:pPr>
           <a:r>
-            <a:rPr lang="fr-FR" sz="800" kern="1200" dirty="0" err="1"/>
-            <a:t>Phone_number</a:t>
+            <a:rPr lang="fr-FR" sz="700" kern="1200" dirty="0" err="1"/>
+            <a:t>CustomerName</a:t>
           </a:r>
-          <a:endParaRPr lang="fr-FR" sz="800" kern="1200" dirty="0"/>
+          <a:endParaRPr lang="fr-FR" sz="700" kern="1200" dirty="0"/>
         </a:p>
       </dsp:txBody>
       <dsp:txXfrm>
-        <a:off x="6181132" y="9798392"/>
-        <a:ext cx="862165" cy="431082"/>
+        <a:off x="6353030" y="9325420"/>
+        <a:ext cx="820543" cy="410271"/>
       </dsp:txXfrm>
     </dsp:sp>
-    <dsp:sp modelId="{339B0BFA-3E97-45D7-9D50-EBCD490669F9}">
+    <dsp:sp modelId="{1477FD6A-9723-424D-B2A6-33C1EDCDD02C}">
       <dsp:nvSpPr>
         <dsp:cNvPr id="0" name=""/>
         <dsp:cNvSpPr/>
       </dsp:nvSpPr>
       <dsp:spPr>
         <a:xfrm>
-          <a:off x="7224352" y="9798392"/>
-          <a:ext cx="862165" cy="431082"/>
+          <a:off x="7345888" y="9325420"/>
+          <a:ext cx="820543" cy="410271"/>
         </a:xfrm>
         <a:prstGeom prst="rect">
           <a:avLst/>
@@ -10956,12 +11215,12 @@
         </a:fontRef>
       </dsp:style>
       <dsp:txBody>
-        <a:bodyPr spcFirstLastPara="0" vert="horz" wrap="square" lIns="5080" tIns="5080" rIns="5080" bIns="5080" numCol="1" spcCol="1270" anchor="ctr" anchorCtr="0">
+        <a:bodyPr spcFirstLastPara="0" vert="horz" wrap="square" lIns="4445" tIns="4445" rIns="4445" bIns="4445" numCol="1" spcCol="1270" anchor="ctr" anchorCtr="0">
           <a:noAutofit/>
         </a:bodyPr>
         <a:lstStyle/>
         <a:p>
-          <a:pPr marL="0" lvl="0" indent="0" algn="ctr" defTabSz="355600">
+          <a:pPr marL="0" lvl="0" indent="0" algn="ctr" defTabSz="311150">
             <a:lnSpc>
               <a:spcPct val="90000"/>
             </a:lnSpc>
@@ -10974,26 +11233,26 @@
             <a:buNone/>
           </a:pPr>
           <a:r>
-            <a:rPr lang="fr-FR" sz="800" kern="1200" dirty="0" err="1"/>
-            <a:t>Cust_email</a:t>
+            <a:rPr lang="fr-FR" sz="700" kern="1200" dirty="0" err="1"/>
+            <a:t>CustomerAddress</a:t>
           </a:r>
-          <a:endParaRPr lang="fr-FR" sz="800" kern="1200" dirty="0"/>
+          <a:endParaRPr lang="fr-FR" sz="700" kern="1200" dirty="0"/>
         </a:p>
       </dsp:txBody>
       <dsp:txXfrm>
-        <a:off x="7224352" y="9798392"/>
-        <a:ext cx="862165" cy="431082"/>
+        <a:off x="7345888" y="9325420"/>
+        <a:ext cx="820543" cy="410271"/>
       </dsp:txXfrm>
     </dsp:sp>
-    <dsp:sp modelId="{703C605E-1889-4263-9AA9-7FBB0B1021D9}">
+    <dsp:sp modelId="{7349D38B-F67B-4338-BB04-CCAE4E6B7AE4}">
       <dsp:nvSpPr>
         <dsp:cNvPr id="0" name=""/>
         <dsp:cNvSpPr/>
       </dsp:nvSpPr>
       <dsp:spPr>
         <a:xfrm>
-          <a:off x="6181132" y="10410530"/>
-          <a:ext cx="862165" cy="431082"/>
+          <a:off x="6353030" y="9908006"/>
+          <a:ext cx="820543" cy="410271"/>
         </a:xfrm>
         <a:prstGeom prst="rect">
           <a:avLst/>
@@ -11036,12 +11295,12 @@
         </a:fontRef>
       </dsp:style>
       <dsp:txBody>
-        <a:bodyPr spcFirstLastPara="0" vert="horz" wrap="square" lIns="5080" tIns="5080" rIns="5080" bIns="5080" numCol="1" spcCol="1270" anchor="ctr" anchorCtr="0">
+        <a:bodyPr spcFirstLastPara="0" vert="horz" wrap="square" lIns="4445" tIns="4445" rIns="4445" bIns="4445" numCol="1" spcCol="1270" anchor="ctr" anchorCtr="0">
           <a:noAutofit/>
         </a:bodyPr>
         <a:lstStyle/>
         <a:p>
-          <a:pPr marL="0" lvl="0" indent="0" algn="ctr" defTabSz="355600">
+          <a:pPr marL="0" lvl="0" indent="0" algn="ctr" defTabSz="311150">
             <a:lnSpc>
               <a:spcPct val="90000"/>
             </a:lnSpc>
@@ -11054,26 +11313,26 @@
             <a:buNone/>
           </a:pPr>
           <a:r>
-            <a:rPr lang="fr-FR" sz="800" kern="1200" dirty="0" err="1"/>
-            <a:t>Invoice</a:t>
+            <a:rPr lang="fr-FR" sz="700" kern="1200" dirty="0" err="1"/>
+            <a:t>Phone_number</a:t>
           </a:r>
-          <a:endParaRPr lang="fr-FR" sz="800" kern="1200" dirty="0"/>
+          <a:endParaRPr lang="fr-FR" sz="700" kern="1200" dirty="0"/>
         </a:p>
       </dsp:txBody>
       <dsp:txXfrm>
-        <a:off x="6181132" y="10410530"/>
-        <a:ext cx="862165" cy="431082"/>
+        <a:off x="6353030" y="9908006"/>
+        <a:ext cx="820543" cy="410271"/>
       </dsp:txXfrm>
     </dsp:sp>
-    <dsp:sp modelId="{3FCF524F-4B2D-44FD-942D-4FC7D10F4E3B}">
+    <dsp:sp modelId="{339B0BFA-3E97-45D7-9D50-EBCD490669F9}">
       <dsp:nvSpPr>
         <dsp:cNvPr id="0" name=""/>
         <dsp:cNvSpPr/>
       </dsp:nvSpPr>
       <dsp:spPr>
         <a:xfrm>
-          <a:off x="12440454" y="7961980"/>
-          <a:ext cx="862165" cy="431082"/>
+          <a:off x="7345888" y="9908006"/>
+          <a:ext cx="820543" cy="410271"/>
         </a:xfrm>
         <a:prstGeom prst="rect">
           <a:avLst/>
@@ -11116,12 +11375,12 @@
         </a:fontRef>
       </dsp:style>
       <dsp:txBody>
-        <a:bodyPr spcFirstLastPara="0" vert="horz" wrap="square" lIns="5080" tIns="5080" rIns="5080" bIns="5080" numCol="1" spcCol="1270" anchor="ctr" anchorCtr="0">
+        <a:bodyPr spcFirstLastPara="0" vert="horz" wrap="square" lIns="4445" tIns="4445" rIns="4445" bIns="4445" numCol="1" spcCol="1270" anchor="ctr" anchorCtr="0">
           <a:noAutofit/>
         </a:bodyPr>
         <a:lstStyle/>
         <a:p>
-          <a:pPr marL="0" lvl="0" indent="0" algn="ctr" defTabSz="355600">
+          <a:pPr marL="0" lvl="0" indent="0" algn="ctr" defTabSz="311150">
             <a:lnSpc>
               <a:spcPct val="90000"/>
             </a:lnSpc>
@@ -11134,29 +11393,26 @@
             <a:buNone/>
           </a:pPr>
           <a:r>
-            <a:rPr lang="fr-FR" sz="800" kern="1200" dirty="0" err="1"/>
-            <a:t>Invoices</a:t>
+            <a:rPr lang="fr-FR" sz="700" kern="1200" dirty="0" err="1"/>
+            <a:t>Cust_email</a:t>
           </a:r>
-          <a:r>
-            <a:rPr lang="fr-FR" sz="800" kern="1200" dirty="0"/>
-            <a:t> </a:t>
-          </a:r>
+          <a:endParaRPr lang="fr-FR" sz="700" kern="1200" dirty="0"/>
         </a:p>
       </dsp:txBody>
       <dsp:txXfrm>
-        <a:off x="12440454" y="7961980"/>
-        <a:ext cx="862165" cy="431082"/>
+        <a:off x="7345888" y="9908006"/>
+        <a:ext cx="820543" cy="410271"/>
       </dsp:txXfrm>
     </dsp:sp>
-    <dsp:sp modelId="{29DD0E76-C366-4820-B170-C3E3DBD37CCF}">
+    <dsp:sp modelId="{703C605E-1889-4263-9AA9-7FBB0B1021D9}">
       <dsp:nvSpPr>
         <dsp:cNvPr id="0" name=""/>
         <dsp:cNvSpPr/>
       </dsp:nvSpPr>
       <dsp:spPr>
         <a:xfrm>
-          <a:off x="11397234" y="8574117"/>
-          <a:ext cx="862165" cy="431082"/>
+          <a:off x="6353030" y="10490592"/>
+          <a:ext cx="820543" cy="410271"/>
         </a:xfrm>
         <a:prstGeom prst="rect">
           <a:avLst/>
@@ -11199,12 +11455,12 @@
         </a:fontRef>
       </dsp:style>
       <dsp:txBody>
-        <a:bodyPr spcFirstLastPara="0" vert="horz" wrap="square" lIns="5080" tIns="5080" rIns="5080" bIns="5080" numCol="1" spcCol="1270" anchor="ctr" anchorCtr="0">
+        <a:bodyPr spcFirstLastPara="0" vert="horz" wrap="square" lIns="4445" tIns="4445" rIns="4445" bIns="4445" numCol="1" spcCol="1270" anchor="ctr" anchorCtr="0">
           <a:noAutofit/>
         </a:bodyPr>
         <a:lstStyle/>
         <a:p>
-          <a:pPr marL="0" lvl="0" indent="0" algn="ctr" defTabSz="355600">
+          <a:pPr marL="0" lvl="0" indent="0" algn="ctr" defTabSz="311150">
             <a:lnSpc>
               <a:spcPct val="90000"/>
             </a:lnSpc>
@@ -11217,26 +11473,26 @@
             <a:buNone/>
           </a:pPr>
           <a:r>
-            <a:rPr lang="fr-FR" sz="800" kern="1200" dirty="0" err="1"/>
+            <a:rPr lang="fr-FR" sz="700" kern="1200" dirty="0" err="1"/>
             <a:t>Invoice</a:t>
           </a:r>
-          <a:endParaRPr lang="fr-FR" sz="800" kern="1200" dirty="0"/>
+          <a:endParaRPr lang="fr-FR" sz="700" kern="1200" dirty="0"/>
         </a:p>
       </dsp:txBody>
       <dsp:txXfrm>
-        <a:off x="11397234" y="8574117"/>
-        <a:ext cx="862165" cy="431082"/>
+        <a:off x="6353030" y="10490592"/>
+        <a:ext cx="820543" cy="410271"/>
       </dsp:txXfrm>
     </dsp:sp>
-    <dsp:sp modelId="{1CA3A432-5662-47BD-919D-FCB44199A7CD}">
+    <dsp:sp modelId="{3FCF524F-4B2D-44FD-942D-4FC7D10F4E3B}">
       <dsp:nvSpPr>
         <dsp:cNvPr id="0" name=""/>
         <dsp:cNvSpPr/>
       </dsp:nvSpPr>
       <dsp:spPr>
         <a:xfrm>
-          <a:off x="10354014" y="9186255"/>
-          <a:ext cx="862165" cy="431082"/>
+          <a:off x="12310178" y="8160248"/>
+          <a:ext cx="820543" cy="410271"/>
         </a:xfrm>
         <a:prstGeom prst="rect">
           <a:avLst/>
@@ -11279,12 +11535,12 @@
         </a:fontRef>
       </dsp:style>
       <dsp:txBody>
-        <a:bodyPr spcFirstLastPara="0" vert="horz" wrap="square" lIns="5080" tIns="5080" rIns="5080" bIns="5080" numCol="1" spcCol="1270" anchor="ctr" anchorCtr="0">
+        <a:bodyPr spcFirstLastPara="0" vert="horz" wrap="square" lIns="4445" tIns="4445" rIns="4445" bIns="4445" numCol="1" spcCol="1270" anchor="ctr" anchorCtr="0">
           <a:noAutofit/>
         </a:bodyPr>
         <a:lstStyle/>
         <a:p>
-          <a:pPr marL="0" lvl="0" indent="0" algn="ctr" defTabSz="355600">
+          <a:pPr marL="0" lvl="0" indent="0" algn="ctr" defTabSz="311150">
             <a:lnSpc>
               <a:spcPct val="90000"/>
             </a:lnSpc>
@@ -11297,26 +11553,29 @@
             <a:buNone/>
           </a:pPr>
           <a:r>
-            <a:rPr lang="fr-FR" sz="800" kern="1200" dirty="0" err="1"/>
-            <a:t>Rec_list</a:t>
+            <a:rPr lang="fr-FR" sz="700" kern="1200" dirty="0" err="1"/>
+            <a:t>Invoices</a:t>
           </a:r>
-          <a:endParaRPr lang="fr-FR" sz="800" kern="1200" dirty="0"/>
+          <a:r>
+            <a:rPr lang="fr-FR" sz="700" kern="1200" dirty="0"/>
+            <a:t> </a:t>
+          </a:r>
         </a:p>
       </dsp:txBody>
       <dsp:txXfrm>
-        <a:off x="10354014" y="9186255"/>
-        <a:ext cx="862165" cy="431082"/>
+        <a:off x="12310178" y="8160248"/>
+        <a:ext cx="820543" cy="410271"/>
       </dsp:txXfrm>
     </dsp:sp>
-    <dsp:sp modelId="{56B26504-DFD5-4550-9411-DF9B5E83C3BF}">
+    <dsp:sp modelId="{29DD0E76-C366-4820-B170-C3E3DBD37CCF}">
       <dsp:nvSpPr>
         <dsp:cNvPr id="0" name=""/>
         <dsp:cNvSpPr/>
       </dsp:nvSpPr>
       <dsp:spPr>
         <a:xfrm>
-          <a:off x="9832403" y="9798392"/>
-          <a:ext cx="862165" cy="431082"/>
+          <a:off x="11317320" y="8742834"/>
+          <a:ext cx="820543" cy="410271"/>
         </a:xfrm>
         <a:prstGeom prst="rect">
           <a:avLst/>
@@ -11359,12 +11618,12 @@
         </a:fontRef>
       </dsp:style>
       <dsp:txBody>
-        <a:bodyPr spcFirstLastPara="0" vert="horz" wrap="square" lIns="5080" tIns="5080" rIns="5080" bIns="5080" numCol="1" spcCol="1270" anchor="ctr" anchorCtr="0">
+        <a:bodyPr spcFirstLastPara="0" vert="horz" wrap="square" lIns="4445" tIns="4445" rIns="4445" bIns="4445" numCol="1" spcCol="1270" anchor="ctr" anchorCtr="0">
           <a:noAutofit/>
         </a:bodyPr>
         <a:lstStyle/>
         <a:p>
-          <a:pPr marL="0" lvl="0" indent="0" algn="ctr" defTabSz="355600">
+          <a:pPr marL="0" lvl="0" indent="0" algn="ctr" defTabSz="311150">
             <a:lnSpc>
               <a:spcPct val="90000"/>
             </a:lnSpc>
@@ -11377,26 +11636,26 @@
             <a:buNone/>
           </a:pPr>
           <a:r>
-            <a:rPr lang="fr-FR" sz="800" kern="1200" dirty="0" err="1"/>
-            <a:t>Recipe</a:t>
+            <a:rPr lang="fr-FR" sz="700" kern="1200" dirty="0" err="1"/>
+            <a:t>Invoice</a:t>
           </a:r>
-          <a:endParaRPr lang="fr-FR" sz="800" kern="1200" dirty="0"/>
+          <a:endParaRPr lang="fr-FR" sz="700" kern="1200" dirty="0"/>
         </a:p>
       </dsp:txBody>
       <dsp:txXfrm>
-        <a:off x="9832403" y="9798392"/>
-        <a:ext cx="862165" cy="431082"/>
+        <a:off x="11317320" y="8742834"/>
+        <a:ext cx="820543" cy="410271"/>
       </dsp:txXfrm>
     </dsp:sp>
-    <dsp:sp modelId="{61911E5C-528E-4EA6-8F96-A7A60A4E2453}">
+    <dsp:sp modelId="{1CA3A432-5662-47BD-919D-FCB44199A7CD}">
       <dsp:nvSpPr>
         <dsp:cNvPr id="0" name=""/>
         <dsp:cNvSpPr/>
       </dsp:nvSpPr>
       <dsp:spPr>
         <a:xfrm>
-          <a:off x="10875624" y="9798392"/>
-          <a:ext cx="862165" cy="431082"/>
+          <a:off x="10324462" y="9325420"/>
+          <a:ext cx="820543" cy="410271"/>
         </a:xfrm>
         <a:prstGeom prst="rect">
           <a:avLst/>
@@ -11439,12 +11698,12 @@
         </a:fontRef>
       </dsp:style>
       <dsp:txBody>
-        <a:bodyPr spcFirstLastPara="0" vert="horz" wrap="square" lIns="5080" tIns="5080" rIns="5080" bIns="5080" numCol="1" spcCol="1270" anchor="ctr" anchorCtr="0">
+        <a:bodyPr spcFirstLastPara="0" vert="horz" wrap="square" lIns="4445" tIns="4445" rIns="4445" bIns="4445" numCol="1" spcCol="1270" anchor="ctr" anchorCtr="0">
           <a:noAutofit/>
         </a:bodyPr>
         <a:lstStyle/>
         <a:p>
-          <a:pPr marL="0" lvl="0" indent="0" algn="ctr" defTabSz="355600">
+          <a:pPr marL="0" lvl="0" indent="0" algn="ctr" defTabSz="311150">
             <a:lnSpc>
               <a:spcPct val="90000"/>
             </a:lnSpc>
@@ -11457,26 +11716,26 @@
             <a:buNone/>
           </a:pPr>
           <a:r>
-            <a:rPr lang="fr-FR" sz="800" kern="1200" dirty="0" err="1"/>
-            <a:t>Recipe_price</a:t>
+            <a:rPr lang="fr-FR" sz="700" kern="1200" dirty="0" err="1"/>
+            <a:t>Rec_list</a:t>
           </a:r>
-          <a:endParaRPr lang="fr-FR" sz="800" kern="1200" dirty="0"/>
+          <a:endParaRPr lang="fr-FR" sz="700" kern="1200" dirty="0"/>
         </a:p>
       </dsp:txBody>
       <dsp:txXfrm>
-        <a:off x="10875624" y="9798392"/>
-        <a:ext cx="862165" cy="431082"/>
+        <a:off x="10324462" y="9325420"/>
+        <a:ext cx="820543" cy="410271"/>
       </dsp:txXfrm>
     </dsp:sp>
-    <dsp:sp modelId="{27279F26-69CB-4517-AC3E-0AB24822479D}">
+    <dsp:sp modelId="{56B26504-DFD5-4550-9411-DF9B5E83C3BF}">
       <dsp:nvSpPr>
         <dsp:cNvPr id="0" name=""/>
         <dsp:cNvSpPr/>
       </dsp:nvSpPr>
       <dsp:spPr>
         <a:xfrm>
-          <a:off x="11918844" y="9186255"/>
-          <a:ext cx="862165" cy="431082"/>
+          <a:off x="9828033" y="9908006"/>
+          <a:ext cx="820543" cy="410271"/>
         </a:xfrm>
         <a:prstGeom prst="rect">
           <a:avLst/>
@@ -11519,12 +11778,12 @@
         </a:fontRef>
       </dsp:style>
       <dsp:txBody>
-        <a:bodyPr spcFirstLastPara="0" vert="horz" wrap="square" lIns="5080" tIns="5080" rIns="5080" bIns="5080" numCol="1" spcCol="1270" anchor="ctr" anchorCtr="0">
+        <a:bodyPr spcFirstLastPara="0" vert="horz" wrap="square" lIns="4445" tIns="4445" rIns="4445" bIns="4445" numCol="1" spcCol="1270" anchor="ctr" anchorCtr="0">
           <a:noAutofit/>
         </a:bodyPr>
         <a:lstStyle/>
         <a:p>
-          <a:pPr marL="0" lvl="0" indent="0" algn="ctr" defTabSz="355600">
+          <a:pPr marL="0" lvl="0" indent="0" algn="ctr" defTabSz="311150">
             <a:lnSpc>
               <a:spcPct val="90000"/>
             </a:lnSpc>
@@ -11537,26 +11796,26 @@
             <a:buNone/>
           </a:pPr>
           <a:r>
-            <a:rPr lang="fr-FR" sz="800" kern="1200" dirty="0" err="1"/>
-            <a:t>Number_delivered</a:t>
+            <a:rPr lang="fr-FR" sz="700" kern="1200" dirty="0" err="1"/>
+            <a:t>Recipe</a:t>
           </a:r>
-          <a:endParaRPr lang="fr-FR" sz="800" kern="1200" dirty="0"/>
+          <a:endParaRPr lang="fr-FR" sz="700" kern="1200" dirty="0"/>
         </a:p>
       </dsp:txBody>
       <dsp:txXfrm>
-        <a:off x="11918844" y="9186255"/>
-        <a:ext cx="862165" cy="431082"/>
+        <a:off x="9828033" y="9908006"/>
+        <a:ext cx="820543" cy="410271"/>
       </dsp:txXfrm>
     </dsp:sp>
-    <dsp:sp modelId="{D069C8E9-8746-4CD8-9E2B-53351693FE96}">
+    <dsp:sp modelId="{61911E5C-528E-4EA6-8F96-A7A60A4E2453}">
       <dsp:nvSpPr>
         <dsp:cNvPr id="0" name=""/>
         <dsp:cNvSpPr/>
       </dsp:nvSpPr>
       <dsp:spPr>
         <a:xfrm>
-          <a:off x="9832403" y="10410530"/>
-          <a:ext cx="862165" cy="431082"/>
+          <a:off x="10820891" y="9908006"/>
+          <a:ext cx="820543" cy="410271"/>
         </a:xfrm>
         <a:prstGeom prst="rect">
           <a:avLst/>
@@ -11599,12 +11858,12 @@
         </a:fontRef>
       </dsp:style>
       <dsp:txBody>
-        <a:bodyPr spcFirstLastPara="0" vert="horz" wrap="square" lIns="5080" tIns="5080" rIns="5080" bIns="5080" numCol="1" spcCol="1270" anchor="ctr" anchorCtr="0">
+        <a:bodyPr spcFirstLastPara="0" vert="horz" wrap="square" lIns="4445" tIns="4445" rIns="4445" bIns="4445" numCol="1" spcCol="1270" anchor="ctr" anchorCtr="0">
           <a:noAutofit/>
         </a:bodyPr>
         <a:lstStyle/>
         <a:p>
-          <a:pPr marL="0" lvl="0" indent="0" algn="ctr" defTabSz="355600">
+          <a:pPr marL="0" lvl="0" indent="0" algn="ctr" defTabSz="311150">
             <a:lnSpc>
               <a:spcPct val="90000"/>
             </a:lnSpc>
@@ -11617,26 +11876,26 @@
             <a:buNone/>
           </a:pPr>
           <a:r>
-            <a:rPr lang="fr-FR" sz="800" kern="1200" dirty="0" err="1"/>
-            <a:t>Delivery_frequency</a:t>
+            <a:rPr lang="fr-FR" sz="700" kern="1200" dirty="0" err="1"/>
+            <a:t>Recipe_price</a:t>
           </a:r>
-          <a:endParaRPr lang="fr-FR" sz="800" kern="1200" dirty="0"/>
+          <a:endParaRPr lang="fr-FR" sz="700" kern="1200" dirty="0"/>
         </a:p>
       </dsp:txBody>
       <dsp:txXfrm>
-        <a:off x="9832403" y="10410530"/>
-        <a:ext cx="862165" cy="431082"/>
+        <a:off x="10820891" y="9908006"/>
+        <a:ext cx="820543" cy="410271"/>
       </dsp:txXfrm>
     </dsp:sp>
-    <dsp:sp modelId="{5AE02209-1EE6-416B-B4EC-1F8CAE700954}">
+    <dsp:sp modelId="{27279F26-69CB-4517-AC3E-0AB24822479D}">
       <dsp:nvSpPr>
         <dsp:cNvPr id="0" name=""/>
         <dsp:cNvSpPr/>
       </dsp:nvSpPr>
       <dsp:spPr>
         <a:xfrm>
-          <a:off x="11918844" y="10410530"/>
-          <a:ext cx="862165" cy="431082"/>
+          <a:off x="11813749" y="9325420"/>
+          <a:ext cx="820543" cy="410271"/>
         </a:xfrm>
         <a:prstGeom prst="rect">
           <a:avLst/>
@@ -11679,12 +11938,12 @@
         </a:fontRef>
       </dsp:style>
       <dsp:txBody>
-        <a:bodyPr spcFirstLastPara="0" vert="horz" wrap="square" lIns="5080" tIns="5080" rIns="5080" bIns="5080" numCol="1" spcCol="1270" anchor="ctr" anchorCtr="0">
+        <a:bodyPr spcFirstLastPara="0" vert="horz" wrap="square" lIns="4445" tIns="4445" rIns="4445" bIns="4445" numCol="1" spcCol="1270" anchor="ctr" anchorCtr="0">
           <a:noAutofit/>
         </a:bodyPr>
         <a:lstStyle/>
         <a:p>
-          <a:pPr marL="0" lvl="0" indent="0" algn="ctr" defTabSz="355600">
+          <a:pPr marL="0" lvl="0" indent="0" algn="ctr" defTabSz="311150">
             <a:lnSpc>
               <a:spcPct val="90000"/>
             </a:lnSpc>
@@ -11697,26 +11956,26 @@
             <a:buNone/>
           </a:pPr>
           <a:r>
-            <a:rPr lang="fr-FR" sz="800" kern="1200" dirty="0" err="1"/>
-            <a:t>Delivery_date</a:t>
+            <a:rPr lang="fr-FR" sz="700" kern="1200" dirty="0" err="1"/>
+            <a:t>Number_delivered</a:t>
           </a:r>
-          <a:endParaRPr lang="fr-FR" sz="800" kern="1200" dirty="0"/>
+          <a:endParaRPr lang="fr-FR" sz="700" kern="1200" dirty="0"/>
         </a:p>
       </dsp:txBody>
       <dsp:txXfrm>
-        <a:off x="11918844" y="10410530"/>
-        <a:ext cx="862165" cy="431082"/>
+        <a:off x="11813749" y="9325420"/>
+        <a:ext cx="820543" cy="410271"/>
       </dsp:txXfrm>
     </dsp:sp>
-    <dsp:sp modelId="{A671F663-21D9-43F4-8EE0-2896E9628F81}">
+    <dsp:sp modelId="{D069C8E9-8746-4CD8-9E2B-53351693FE96}">
       <dsp:nvSpPr>
         <dsp:cNvPr id="0" name=""/>
         <dsp:cNvSpPr/>
       </dsp:nvSpPr>
       <dsp:spPr>
         <a:xfrm>
-          <a:off x="6702742" y="11022667"/>
-          <a:ext cx="862165" cy="431082"/>
+          <a:off x="9828033" y="10490592"/>
+          <a:ext cx="820543" cy="410271"/>
         </a:xfrm>
         <a:prstGeom prst="rect">
           <a:avLst/>
@@ -11759,12 +12018,12 @@
         </a:fontRef>
       </dsp:style>
       <dsp:txBody>
-        <a:bodyPr spcFirstLastPara="0" vert="horz" wrap="square" lIns="5080" tIns="5080" rIns="5080" bIns="5080" numCol="1" spcCol="1270" anchor="ctr" anchorCtr="0">
+        <a:bodyPr spcFirstLastPara="0" vert="horz" wrap="square" lIns="4445" tIns="4445" rIns="4445" bIns="4445" numCol="1" spcCol="1270" anchor="ctr" anchorCtr="0">
           <a:noAutofit/>
         </a:bodyPr>
         <a:lstStyle/>
         <a:p>
-          <a:pPr marL="0" lvl="0" indent="0" algn="ctr" defTabSz="355600">
+          <a:pPr marL="0" lvl="0" indent="0" algn="ctr" defTabSz="311150">
             <a:lnSpc>
               <a:spcPct val="90000"/>
             </a:lnSpc>
@@ -11777,56 +12036,26 @@
             <a:buNone/>
           </a:pPr>
           <a:r>
-            <a:rPr lang="fr-FR" sz="800" kern="1200" dirty="0" err="1"/>
-            <a:t>Categories</a:t>
+            <a:rPr lang="fr-FR" sz="700" kern="1200" dirty="0" err="1"/>
+            <a:t>Delivery_frequency</a:t>
           </a:r>
-          <a:endParaRPr lang="fr-FR" sz="800" kern="1200" dirty="0"/>
-        </a:p>
-        <a:p>
-          <a:pPr marL="0" lvl="0" indent="0" algn="ctr" defTabSz="355600">
-            <a:lnSpc>
-              <a:spcPct val="90000"/>
-            </a:lnSpc>
-            <a:spcBef>
-              <a:spcPct val="0"/>
-            </a:spcBef>
-            <a:spcAft>
-              <a:spcPct val="35000"/>
-            </a:spcAft>
-            <a:buNone/>
-          </a:pPr>
-          <a:r>
-            <a:rPr lang="fr-FR" sz="800" kern="1200" dirty="0" err="1"/>
-            <a:t>Keyref</a:t>
-          </a:r>
-          <a:r>
-            <a:rPr lang="fr-FR" sz="800" kern="1200" dirty="0"/>
-            <a:t>(</a:t>
-          </a:r>
-          <a:r>
-            <a:rPr lang="fr-FR" sz="800" kern="1200" dirty="0" err="1"/>
-            <a:t>recipeCat</a:t>
-          </a:r>
-          <a:r>
-            <a:rPr lang="fr-FR" sz="800" kern="1200" dirty="0"/>
-            <a:t>)</a:t>
-          </a:r>
+          <a:endParaRPr lang="fr-FR" sz="700" kern="1200" dirty="0"/>
         </a:p>
       </dsp:txBody>
       <dsp:txXfrm>
-        <a:off x="6702742" y="11022667"/>
-        <a:ext cx="862165" cy="431082"/>
+        <a:off x="9828033" y="10490592"/>
+        <a:ext cx="820543" cy="410271"/>
       </dsp:txXfrm>
     </dsp:sp>
-    <dsp:sp modelId="{EECB5851-B5EA-4373-9C18-E26E94F1871F}">
+    <dsp:sp modelId="{5AE02209-1EE6-416B-B4EC-1F8CAE700954}">
       <dsp:nvSpPr>
         <dsp:cNvPr id="0" name=""/>
         <dsp:cNvSpPr/>
       </dsp:nvSpPr>
       <dsp:spPr>
         <a:xfrm>
-          <a:off x="6181132" y="11634805"/>
-          <a:ext cx="862165" cy="431082"/>
+          <a:off x="11813749" y="10490592"/>
+          <a:ext cx="820543" cy="410271"/>
         </a:xfrm>
         <a:prstGeom prst="rect">
           <a:avLst/>
@@ -11869,12 +12098,12 @@
         </a:fontRef>
       </dsp:style>
       <dsp:txBody>
-        <a:bodyPr spcFirstLastPara="0" vert="horz" wrap="square" lIns="5080" tIns="5080" rIns="5080" bIns="5080" numCol="1" spcCol="1270" anchor="ctr" anchorCtr="0">
+        <a:bodyPr spcFirstLastPara="0" vert="horz" wrap="square" lIns="4445" tIns="4445" rIns="4445" bIns="4445" numCol="1" spcCol="1270" anchor="ctr" anchorCtr="0">
           <a:noAutofit/>
         </a:bodyPr>
         <a:lstStyle/>
         <a:p>
-          <a:pPr marL="0" lvl="0" indent="0" algn="ctr" defTabSz="355600">
+          <a:pPr marL="0" lvl="0" indent="0" algn="ctr" defTabSz="311150">
             <a:lnSpc>
               <a:spcPct val="90000"/>
             </a:lnSpc>
@@ -11887,26 +12116,26 @@
             <a:buNone/>
           </a:pPr>
           <a:r>
-            <a:rPr lang="fr-FR" sz="800" kern="1200" dirty="0" err="1"/>
-            <a:t>Categorie</a:t>
+            <a:rPr lang="fr-FR" sz="700" kern="1200" dirty="0" err="1"/>
+            <a:t>Delivery_date</a:t>
           </a:r>
-          <a:endParaRPr lang="fr-FR" sz="800" kern="1200" dirty="0"/>
+          <a:endParaRPr lang="fr-FR" sz="700" kern="1200" dirty="0"/>
         </a:p>
       </dsp:txBody>
       <dsp:txXfrm>
-        <a:off x="6181132" y="11634805"/>
-        <a:ext cx="862165" cy="431082"/>
+        <a:off x="11813749" y="10490592"/>
+        <a:ext cx="820543" cy="410271"/>
       </dsp:txXfrm>
     </dsp:sp>
-    <dsp:sp modelId="{FCC977D8-6D8B-4AF1-A3D4-3B8585587317}">
+    <dsp:sp modelId="{A671F663-21D9-43F4-8EE0-2896E9628F81}">
       <dsp:nvSpPr>
         <dsp:cNvPr id="0" name=""/>
         <dsp:cNvSpPr/>
       </dsp:nvSpPr>
       <dsp:spPr>
         <a:xfrm>
-          <a:off x="7224352" y="11634805"/>
-          <a:ext cx="862165" cy="431082"/>
+          <a:off x="6849459" y="11073178"/>
+          <a:ext cx="820543" cy="410271"/>
         </a:xfrm>
         <a:prstGeom prst="rect">
           <a:avLst/>
@@ -11949,12 +12178,12 @@
         </a:fontRef>
       </dsp:style>
       <dsp:txBody>
-        <a:bodyPr spcFirstLastPara="0" vert="horz" wrap="square" lIns="5080" tIns="5080" rIns="5080" bIns="5080" numCol="1" spcCol="1270" anchor="ctr" anchorCtr="0">
+        <a:bodyPr spcFirstLastPara="0" vert="horz" wrap="square" lIns="4445" tIns="4445" rIns="4445" bIns="4445" numCol="1" spcCol="1270" anchor="ctr" anchorCtr="0">
           <a:noAutofit/>
         </a:bodyPr>
         <a:lstStyle/>
         <a:p>
-          <a:pPr marL="0" lvl="0" indent="0" algn="ctr" defTabSz="355600">
+          <a:pPr marL="0" lvl="0" indent="0" algn="ctr" defTabSz="311150">
             <a:lnSpc>
               <a:spcPct val="90000"/>
             </a:lnSpc>
@@ -11967,15 +12196,205 @@
             <a:buNone/>
           </a:pPr>
           <a:r>
-            <a:rPr lang="fr-FR" sz="800" kern="1200" dirty="0" err="1"/>
+            <a:rPr lang="fr-FR" sz="700" kern="1200" dirty="0" err="1"/>
+            <a:t>Categories</a:t>
+          </a:r>
+          <a:endParaRPr lang="fr-FR" sz="700" kern="1200" dirty="0"/>
+        </a:p>
+        <a:p>
+          <a:pPr marL="0" lvl="0" indent="0" algn="ctr" defTabSz="311150">
+            <a:lnSpc>
+              <a:spcPct val="90000"/>
+            </a:lnSpc>
+            <a:spcBef>
+              <a:spcPct val="0"/>
+            </a:spcBef>
+            <a:spcAft>
+              <a:spcPct val="35000"/>
+            </a:spcAft>
+            <a:buNone/>
+          </a:pPr>
+          <a:r>
+            <a:rPr lang="fr-FR" sz="700" kern="1200" dirty="0" err="1"/>
+            <a:t>Keyref</a:t>
+          </a:r>
+          <a:r>
+            <a:rPr lang="fr-FR" sz="700" kern="1200" dirty="0"/>
+            <a:t>(</a:t>
+          </a:r>
+          <a:r>
+            <a:rPr lang="fr-FR" sz="700" kern="1200" dirty="0" err="1"/>
+            <a:t>recipeCat</a:t>
+          </a:r>
+          <a:r>
+            <a:rPr lang="fr-FR" sz="700" kern="1200" dirty="0"/>
+            <a:t>)</a:t>
+          </a:r>
+        </a:p>
+      </dsp:txBody>
+      <dsp:txXfrm>
+        <a:off x="6849459" y="11073178"/>
+        <a:ext cx="820543" cy="410271"/>
+      </dsp:txXfrm>
+    </dsp:sp>
+    <dsp:sp modelId="{EECB5851-B5EA-4373-9C18-E26E94F1871F}">
+      <dsp:nvSpPr>
+        <dsp:cNvPr id="0" name=""/>
+        <dsp:cNvSpPr/>
+      </dsp:nvSpPr>
+      <dsp:spPr>
+        <a:xfrm>
+          <a:off x="6353030" y="11655765"/>
+          <a:ext cx="820543" cy="410271"/>
+        </a:xfrm>
+        <a:prstGeom prst="rect">
+          <a:avLst/>
+        </a:prstGeom>
+        <a:solidFill>
+          <a:schemeClr val="accent1">
+            <a:alpha val="90000"/>
+            <a:hueOff val="0"/>
+            <a:satOff val="0"/>
+            <a:lumOff val="0"/>
+            <a:alphaOff val="0"/>
+          </a:schemeClr>
+        </a:solidFill>
+        <a:ln w="19050" cap="flat" cmpd="sng" algn="ctr">
+          <a:solidFill>
+            <a:schemeClr val="lt1">
+              <a:hueOff val="0"/>
+              <a:satOff val="0"/>
+              <a:lumOff val="0"/>
+              <a:alphaOff val="0"/>
+            </a:schemeClr>
+          </a:solidFill>
+          <a:prstDash val="solid"/>
+          <a:miter lim="800000"/>
+        </a:ln>
+        <a:effectLst/>
+      </dsp:spPr>
+      <dsp:style>
+        <a:lnRef idx="2">
+          <a:scrgbClr r="0" g="0" b="0"/>
+        </a:lnRef>
+        <a:fillRef idx="1">
+          <a:scrgbClr r="0" g="0" b="0"/>
+        </a:fillRef>
+        <a:effectRef idx="0">
+          <a:scrgbClr r="0" g="0" b="0"/>
+        </a:effectRef>
+        <a:fontRef idx="minor">
+          <a:schemeClr val="lt1"/>
+        </a:fontRef>
+      </dsp:style>
+      <dsp:txBody>
+        <a:bodyPr spcFirstLastPara="0" vert="horz" wrap="square" lIns="4445" tIns="4445" rIns="4445" bIns="4445" numCol="1" spcCol="1270" anchor="ctr" anchorCtr="0">
+          <a:noAutofit/>
+        </a:bodyPr>
+        <a:lstStyle/>
+        <a:p>
+          <a:pPr marL="0" lvl="0" indent="0" algn="ctr" defTabSz="311150">
+            <a:lnSpc>
+              <a:spcPct val="90000"/>
+            </a:lnSpc>
+            <a:spcBef>
+              <a:spcPct val="0"/>
+            </a:spcBef>
+            <a:spcAft>
+              <a:spcPct val="35000"/>
+            </a:spcAft>
+            <a:buNone/>
+          </a:pPr>
+          <a:r>
+            <a:rPr lang="fr-FR" sz="700" kern="1200" dirty="0" err="1"/>
+            <a:t>Categorie</a:t>
+          </a:r>
+          <a:endParaRPr lang="fr-FR" sz="700" kern="1200" dirty="0"/>
+        </a:p>
+      </dsp:txBody>
+      <dsp:txXfrm>
+        <a:off x="6353030" y="11655765"/>
+        <a:ext cx="820543" cy="410271"/>
+      </dsp:txXfrm>
+    </dsp:sp>
+    <dsp:sp modelId="{FCC977D8-6D8B-4AF1-A3D4-3B8585587317}">
+      <dsp:nvSpPr>
+        <dsp:cNvPr id="0" name=""/>
+        <dsp:cNvSpPr/>
+      </dsp:nvSpPr>
+      <dsp:spPr>
+        <a:xfrm>
+          <a:off x="7345888" y="11655765"/>
+          <a:ext cx="820543" cy="410271"/>
+        </a:xfrm>
+        <a:prstGeom prst="rect">
+          <a:avLst/>
+        </a:prstGeom>
+        <a:solidFill>
+          <a:schemeClr val="accent1">
+            <a:alpha val="90000"/>
+            <a:hueOff val="0"/>
+            <a:satOff val="0"/>
+            <a:lumOff val="0"/>
+            <a:alphaOff val="0"/>
+          </a:schemeClr>
+        </a:solidFill>
+        <a:ln w="19050" cap="flat" cmpd="sng" algn="ctr">
+          <a:solidFill>
+            <a:schemeClr val="lt1">
+              <a:hueOff val="0"/>
+              <a:satOff val="0"/>
+              <a:lumOff val="0"/>
+              <a:alphaOff val="0"/>
+            </a:schemeClr>
+          </a:solidFill>
+          <a:prstDash val="solid"/>
+          <a:miter lim="800000"/>
+        </a:ln>
+        <a:effectLst/>
+      </dsp:spPr>
+      <dsp:style>
+        <a:lnRef idx="2">
+          <a:scrgbClr r="0" g="0" b="0"/>
+        </a:lnRef>
+        <a:fillRef idx="1">
+          <a:scrgbClr r="0" g="0" b="0"/>
+        </a:fillRef>
+        <a:effectRef idx="0">
+          <a:scrgbClr r="0" g="0" b="0"/>
+        </a:effectRef>
+        <a:fontRef idx="minor">
+          <a:schemeClr val="lt1"/>
+        </a:fontRef>
+      </dsp:style>
+      <dsp:txBody>
+        <a:bodyPr spcFirstLastPara="0" vert="horz" wrap="square" lIns="4445" tIns="4445" rIns="4445" bIns="4445" numCol="1" spcCol="1270" anchor="ctr" anchorCtr="0">
+          <a:noAutofit/>
+        </a:bodyPr>
+        <a:lstStyle/>
+        <a:p>
+          <a:pPr marL="0" lvl="0" indent="0" algn="ctr" defTabSz="311150">
+            <a:lnSpc>
+              <a:spcPct val="90000"/>
+            </a:lnSpc>
+            <a:spcBef>
+              <a:spcPct val="0"/>
+            </a:spcBef>
+            <a:spcAft>
+              <a:spcPct val="35000"/>
+            </a:spcAft>
+            <a:buNone/>
+          </a:pPr>
+          <a:r>
+            <a:rPr lang="fr-FR" sz="700" kern="1200" dirty="0" err="1"/>
             <a:t>Recipe_cat</a:t>
           </a:r>
-          <a:endParaRPr lang="fr-FR" sz="800" kern="1200" dirty="0"/>
+          <a:endParaRPr lang="fr-FR" sz="700" kern="1200" dirty="0"/>
         </a:p>
       </dsp:txBody>
       <dsp:txXfrm>
-        <a:off x="7224352" y="11634805"/>
-        <a:ext cx="862165" cy="431082"/>
+        <a:off x="7345888" y="11655765"/>
+        <a:ext cx="820543" cy="410271"/>
       </dsp:txXfrm>
     </dsp:sp>
   </dsp:spTree>
@@ -14293,7 +14712,7 @@
           <a:p>
             <a:fld id="{EB66BFD0-91ED-438F-8452-904E0098E796}" type="datetimeFigureOut">
               <a:rPr lang="fr-FR" smtClean="0"/>
-              <a:t>12/08/2024</a:t>
+              <a:t>14/08/2024</a:t>
             </a:fld>
             <a:endParaRPr lang="fr-FR"/>
           </a:p>
@@ -14463,7 +14882,7 @@
           <a:p>
             <a:fld id="{EB66BFD0-91ED-438F-8452-904E0098E796}" type="datetimeFigureOut">
               <a:rPr lang="fr-FR" smtClean="0"/>
-              <a:t>12/08/2024</a:t>
+              <a:t>14/08/2024</a:t>
             </a:fld>
             <a:endParaRPr lang="fr-FR"/>
           </a:p>
@@ -14643,7 +15062,7 @@
           <a:p>
             <a:fld id="{EB66BFD0-91ED-438F-8452-904E0098E796}" type="datetimeFigureOut">
               <a:rPr lang="fr-FR" smtClean="0"/>
-              <a:t>12/08/2024</a:t>
+              <a:t>14/08/2024</a:t>
             </a:fld>
             <a:endParaRPr lang="fr-FR"/>
           </a:p>
@@ -14813,7 +15232,7 @@
           <a:p>
             <a:fld id="{EB66BFD0-91ED-438F-8452-904E0098E796}" type="datetimeFigureOut">
               <a:rPr lang="fr-FR" smtClean="0"/>
-              <a:t>12/08/2024</a:t>
+              <a:t>14/08/2024</a:t>
             </a:fld>
             <a:endParaRPr lang="fr-FR"/>
           </a:p>
@@ -15059,7 +15478,7 @@
           <a:p>
             <a:fld id="{EB66BFD0-91ED-438F-8452-904E0098E796}" type="datetimeFigureOut">
               <a:rPr lang="fr-FR" smtClean="0"/>
-              <a:t>12/08/2024</a:t>
+              <a:t>14/08/2024</a:t>
             </a:fld>
             <a:endParaRPr lang="fr-FR"/>
           </a:p>
@@ -15291,7 +15710,7 @@
           <a:p>
             <a:fld id="{EB66BFD0-91ED-438F-8452-904E0098E796}" type="datetimeFigureOut">
               <a:rPr lang="fr-FR" smtClean="0"/>
-              <a:t>12/08/2024</a:t>
+              <a:t>14/08/2024</a:t>
             </a:fld>
             <a:endParaRPr lang="fr-FR"/>
           </a:p>
@@ -15658,7 +16077,7 @@
           <a:p>
             <a:fld id="{EB66BFD0-91ED-438F-8452-904E0098E796}" type="datetimeFigureOut">
               <a:rPr lang="fr-FR" smtClean="0"/>
-              <a:t>12/08/2024</a:t>
+              <a:t>14/08/2024</a:t>
             </a:fld>
             <a:endParaRPr lang="fr-FR"/>
           </a:p>
@@ -15776,7 +16195,7 @@
           <a:p>
             <a:fld id="{EB66BFD0-91ED-438F-8452-904E0098E796}" type="datetimeFigureOut">
               <a:rPr lang="fr-FR" smtClean="0"/>
-              <a:t>12/08/2024</a:t>
+              <a:t>14/08/2024</a:t>
             </a:fld>
             <a:endParaRPr lang="fr-FR"/>
           </a:p>
@@ -15871,7 +16290,7 @@
           <a:p>
             <a:fld id="{EB66BFD0-91ED-438F-8452-904E0098E796}" type="datetimeFigureOut">
               <a:rPr lang="fr-FR" smtClean="0"/>
-              <a:t>12/08/2024</a:t>
+              <a:t>14/08/2024</a:t>
             </a:fld>
             <a:endParaRPr lang="fr-FR"/>
           </a:p>
@@ -16148,7 +16567,7 @@
           <a:p>
             <a:fld id="{EB66BFD0-91ED-438F-8452-904E0098E796}" type="datetimeFigureOut">
               <a:rPr lang="fr-FR" smtClean="0"/>
-              <a:t>12/08/2024</a:t>
+              <a:t>14/08/2024</a:t>
             </a:fld>
             <a:endParaRPr lang="fr-FR"/>
           </a:p>
@@ -16405,7 +16824,7 @@
           <a:p>
             <a:fld id="{EB66BFD0-91ED-438F-8452-904E0098E796}" type="datetimeFigureOut">
               <a:rPr lang="fr-FR" smtClean="0"/>
-              <a:t>12/08/2024</a:t>
+              <a:t>14/08/2024</a:t>
             </a:fld>
             <a:endParaRPr lang="fr-FR"/>
           </a:p>
@@ -16618,7 +17037,7 @@
           <a:p>
             <a:fld id="{EB66BFD0-91ED-438F-8452-904E0098E796}" type="datetimeFigureOut">
               <a:rPr lang="fr-FR" smtClean="0"/>
-              <a:t>12/08/2024</a:t>
+              <a:t>14/08/2024</a:t>
             </a:fld>
             <a:endParaRPr lang="fr-FR"/>
           </a:p>
@@ -17036,7 +17455,7 @@
           <p:nvPr>
             <p:extLst>
               <p:ext uri="{D42A27DB-BD31-4B8C-83A1-F6EECF244321}">
-                <p14:modId xmlns:p14="http://schemas.microsoft.com/office/powerpoint/2010/main" val="2046495902"/>
+                <p14:modId xmlns:p14="http://schemas.microsoft.com/office/powerpoint/2010/main" val="3153804440"/>
               </p:ext>
             </p:extLst>
           </p:nvPr>

--- a/MW/RecipeBox_DB/DB_schema_viz.pptx
+++ b/MW/RecipeBox_DB/DB_schema_viz.pptx
@@ -1160,10 +1160,9 @@
         <a:lstStyle/>
         <a:p>
           <a:r>
-            <a:rPr lang="fr-FR" dirty="0" err="1"/>
-            <a:t>name</a:t>
+            <a:rPr lang="fr-FR" dirty="0"/>
+            <a:t>Name</a:t>
           </a:r>
-          <a:endParaRPr lang="fr-FR" dirty="0"/>
         </a:p>
       </dgm:t>
     </dgm:pt>
@@ -1354,21 +1353,14 @@
         </a:p>
         <a:p>
           <a:r>
-            <a:rPr lang="fr-FR" dirty="0" err="1"/>
-            <a:t>Keyref</a:t>
+            <a:rPr lang="fr-FR" dirty="0"/>
+            <a:t>Key </a:t>
           </a:r>
           <a:r>
-            <a:rPr lang="fr-FR" dirty="0"/>
-            <a:t>(</a:t>
+            <a:rPr lang="fr-FR"/>
+            <a:t>of recipeCat</a:t>
           </a:r>
-          <a:r>
-            <a:rPr lang="fr-FR" dirty="0" err="1"/>
-            <a:t>recipeCat</a:t>
-          </a:r>
-          <a:r>
-            <a:rPr lang="fr-FR" dirty="0"/>
-            <a:t>)</a:t>
-          </a:r>
+          <a:endParaRPr lang="fr-FR" dirty="0"/>
         </a:p>
       </dgm:t>
     </dgm:pt>
@@ -1525,16 +1517,13 @@
           </a:r>
           <a:r>
             <a:rPr lang="fr-FR" dirty="0"/>
-            <a:t>(</a:t>
+            <a:t> to </a:t>
           </a:r>
           <a:r>
             <a:rPr lang="fr-FR" dirty="0" err="1"/>
             <a:t>recipeCat</a:t>
           </a:r>
-          <a:r>
-            <a:rPr lang="fr-FR" dirty="0"/>
-            <a:t>)</a:t>
-          </a:r>
+          <a:endParaRPr lang="fr-FR" dirty="0"/>
         </a:p>
       </dgm:t>
     </dgm:pt>
@@ -2864,10 +2853,24 @@
     <dgm:pt modelId="{B2206A5F-C5A8-4377-AEBE-B9CA5071E7D3}" type="parTrans" cxnId="{67CF1938-7EBA-44A3-9302-FAA830BE5A62}">
       <dgm:prSet/>
       <dgm:spPr/>
+      <dgm:t>
+        <a:bodyPr/>
+        <a:lstStyle/>
+        <a:p>
+          <a:endParaRPr lang="fr-FR"/>
+        </a:p>
+      </dgm:t>
     </dgm:pt>
     <dgm:pt modelId="{AB9FE619-16A4-4CB2-8610-EDC92DAD869D}" type="sibTrans" cxnId="{67CF1938-7EBA-44A3-9302-FAA830BE5A62}">
       <dgm:prSet/>
       <dgm:spPr/>
+      <dgm:t>
+        <a:bodyPr/>
+        <a:lstStyle/>
+        <a:p>
+          <a:endParaRPr lang="fr-FR"/>
+        </a:p>
+      </dgm:t>
     </dgm:pt>
     <dgm:pt modelId="{CFBBDE2F-F64F-4F41-B999-94B8508F8C57}" type="asst">
       <dgm:prSet phldrT="[Text]"/>
@@ -2886,10 +2889,493 @@
     <dgm:pt modelId="{1B7DDC3B-5191-4D44-AA1A-57A901202772}" type="parTrans" cxnId="{6144356E-9FB4-42C6-9845-981751C41778}">
       <dgm:prSet/>
       <dgm:spPr/>
+      <dgm:t>
+        <a:bodyPr/>
+        <a:lstStyle/>
+        <a:p>
+          <a:endParaRPr lang="fr-FR"/>
+        </a:p>
+      </dgm:t>
     </dgm:pt>
     <dgm:pt modelId="{E4F263A4-CDA4-4518-AAA5-2C349886EC2C}" type="sibTrans" cxnId="{6144356E-9FB4-42C6-9845-981751C41778}">
       <dgm:prSet/>
       <dgm:spPr/>
+      <dgm:t>
+        <a:bodyPr/>
+        <a:lstStyle/>
+        <a:p>
+          <a:endParaRPr lang="fr-FR"/>
+        </a:p>
+      </dgm:t>
+    </dgm:pt>
+    <dgm:pt modelId="{3DCAF95B-41E1-4F50-B5D0-426D9C1709BB}" type="asst">
+      <dgm:prSet phldrT="[Text]"/>
+      <dgm:spPr/>
+      <dgm:t>
+        <a:bodyPr/>
+        <a:lstStyle/>
+        <a:p>
+          <a:r>
+            <a:rPr lang="fr-FR" dirty="0"/>
+            <a:t>Nutritions</a:t>
+          </a:r>
+        </a:p>
+      </dgm:t>
+    </dgm:pt>
+    <dgm:pt modelId="{D296A94E-47D9-4ADF-8D56-AA8DC3233F2E}" type="parTrans" cxnId="{D0859135-396C-4043-A842-FDE9D4845D6A}">
+      <dgm:prSet/>
+      <dgm:spPr/>
+      <dgm:t>
+        <a:bodyPr/>
+        <a:lstStyle/>
+        <a:p>
+          <a:endParaRPr lang="fr-FR"/>
+        </a:p>
+      </dgm:t>
+    </dgm:pt>
+    <dgm:pt modelId="{F19D3C1F-1EAA-42AA-B59E-02E05343D154}" type="sibTrans" cxnId="{D0859135-396C-4043-A842-FDE9D4845D6A}">
+      <dgm:prSet/>
+      <dgm:spPr/>
+      <dgm:t>
+        <a:bodyPr/>
+        <a:lstStyle/>
+        <a:p>
+          <a:endParaRPr lang="fr-FR"/>
+        </a:p>
+      </dgm:t>
+    </dgm:pt>
+    <dgm:pt modelId="{699BA473-F873-45AA-B189-953810E2DF46}" type="asst">
+      <dgm:prSet phldrT="[Text]"/>
+      <dgm:spPr/>
+      <dgm:t>
+        <a:bodyPr/>
+        <a:lstStyle/>
+        <a:p>
+          <a:r>
+            <a:rPr lang="fr-FR" dirty="0"/>
+            <a:t>Nutrition</a:t>
+          </a:r>
+        </a:p>
+      </dgm:t>
+    </dgm:pt>
+    <dgm:pt modelId="{CB48E9F4-2F28-479C-9C48-97E045347217}" type="parTrans" cxnId="{9CCD55A3-C0FB-463D-BE50-E78E5B02B035}">
+      <dgm:prSet/>
+      <dgm:spPr/>
+      <dgm:t>
+        <a:bodyPr/>
+        <a:lstStyle/>
+        <a:p>
+          <a:endParaRPr lang="fr-FR"/>
+        </a:p>
+      </dgm:t>
+    </dgm:pt>
+    <dgm:pt modelId="{0E74CB7D-A988-4F83-AAF1-4FB69AB6379C}" type="sibTrans" cxnId="{9CCD55A3-C0FB-463D-BE50-E78E5B02B035}">
+      <dgm:prSet/>
+      <dgm:spPr/>
+      <dgm:t>
+        <a:bodyPr/>
+        <a:lstStyle/>
+        <a:p>
+          <a:endParaRPr lang="fr-FR"/>
+        </a:p>
+      </dgm:t>
+    </dgm:pt>
+    <dgm:pt modelId="{0FC22D25-49E6-4449-B182-5C6A94AB6B35}" type="asst">
+      <dgm:prSet phldrT="[Text]"/>
+      <dgm:spPr/>
+      <dgm:t>
+        <a:bodyPr/>
+        <a:lstStyle/>
+        <a:p>
+          <a:r>
+            <a:rPr lang="fr-FR" dirty="0" err="1"/>
+            <a:t>RecipeID</a:t>
+          </a:r>
+          <a:br>
+            <a:rPr lang="fr-FR" dirty="0"/>
+          </a:br>
+          <a:r>
+            <a:rPr lang="fr-FR" dirty="0"/>
+            <a:t>Key of </a:t>
+          </a:r>
+          <a:r>
+            <a:rPr lang="fr-FR" dirty="0" err="1"/>
+            <a:t>NutID</a:t>
+          </a:r>
+          <a:endParaRPr lang="fr-FR" dirty="0"/>
+        </a:p>
+      </dgm:t>
+    </dgm:pt>
+    <dgm:pt modelId="{6E06EBBA-6A7B-43EE-B6E8-54B7C4674852}" type="parTrans" cxnId="{BBD827DA-A192-419B-A87A-7AD3E43C5B92}">
+      <dgm:prSet/>
+      <dgm:spPr/>
+      <dgm:t>
+        <a:bodyPr/>
+        <a:lstStyle/>
+        <a:p>
+          <a:endParaRPr lang="fr-FR"/>
+        </a:p>
+      </dgm:t>
+    </dgm:pt>
+    <dgm:pt modelId="{D25C9115-F922-461C-A25D-0CD3DF1D9E56}" type="sibTrans" cxnId="{BBD827DA-A192-419B-A87A-7AD3E43C5B92}">
+      <dgm:prSet/>
+      <dgm:spPr/>
+      <dgm:t>
+        <a:bodyPr/>
+        <a:lstStyle/>
+        <a:p>
+          <a:endParaRPr lang="fr-FR"/>
+        </a:p>
+      </dgm:t>
+    </dgm:pt>
+    <dgm:pt modelId="{C57AA0CF-C64A-40DD-A0F9-F637E7536093}" type="asst">
+      <dgm:prSet phldrT="[Text]"/>
+      <dgm:spPr/>
+      <dgm:t>
+        <a:bodyPr/>
+        <a:lstStyle/>
+        <a:p>
+          <a:r>
+            <a:rPr lang="fr-FR" dirty="0" err="1"/>
+            <a:t>Recipe_name</a:t>
+          </a:r>
+          <a:endParaRPr lang="fr-FR" dirty="0"/>
+        </a:p>
+      </dgm:t>
+    </dgm:pt>
+    <dgm:pt modelId="{97ACF864-7062-497D-A255-14D58EC5AA6E}" type="parTrans" cxnId="{4A22A5A0-7261-4CA1-A5A6-6952007FE20B}">
+      <dgm:prSet/>
+      <dgm:spPr/>
+      <dgm:t>
+        <a:bodyPr/>
+        <a:lstStyle/>
+        <a:p>
+          <a:endParaRPr lang="fr-FR"/>
+        </a:p>
+      </dgm:t>
+    </dgm:pt>
+    <dgm:pt modelId="{1D7A1796-2CFF-42C1-A7EA-64ED1A1045BD}" type="sibTrans" cxnId="{4A22A5A0-7261-4CA1-A5A6-6952007FE20B}">
+      <dgm:prSet/>
+      <dgm:spPr/>
+      <dgm:t>
+        <a:bodyPr/>
+        <a:lstStyle/>
+        <a:p>
+          <a:endParaRPr lang="fr-FR"/>
+        </a:p>
+      </dgm:t>
+    </dgm:pt>
+    <dgm:pt modelId="{B68228D5-E8AB-45BD-85B3-DF6E154CDD75}" type="asst">
+      <dgm:prSet phldrT="[Text]"/>
+      <dgm:spPr/>
+      <dgm:t>
+        <a:bodyPr/>
+        <a:lstStyle/>
+        <a:p>
+          <a:r>
+            <a:rPr lang="fr-FR" dirty="0"/>
+            <a:t>Energy</a:t>
+          </a:r>
+        </a:p>
+      </dgm:t>
+    </dgm:pt>
+    <dgm:pt modelId="{12061413-849C-439D-80D3-1B412E8CC481}" type="parTrans" cxnId="{1BF18675-A16D-4D0C-BADC-AAC113CA5A7F}">
+      <dgm:prSet/>
+      <dgm:spPr/>
+      <dgm:t>
+        <a:bodyPr/>
+        <a:lstStyle/>
+        <a:p>
+          <a:endParaRPr lang="fr-FR"/>
+        </a:p>
+      </dgm:t>
+    </dgm:pt>
+    <dgm:pt modelId="{ECDD9C4A-EABA-4C1A-866D-E5F92661BE3A}" type="sibTrans" cxnId="{1BF18675-A16D-4D0C-BADC-AAC113CA5A7F}">
+      <dgm:prSet/>
+      <dgm:spPr/>
+      <dgm:t>
+        <a:bodyPr/>
+        <a:lstStyle/>
+        <a:p>
+          <a:endParaRPr lang="fr-FR"/>
+        </a:p>
+      </dgm:t>
+    </dgm:pt>
+    <dgm:pt modelId="{C7AF416C-156D-4586-9026-09CE61B4086A}" type="asst">
+      <dgm:prSet phldrT="[Text]"/>
+      <dgm:spPr/>
+      <dgm:t>
+        <a:bodyPr/>
+        <a:lstStyle/>
+        <a:p>
+          <a:r>
+            <a:rPr lang="fr-FR" dirty="0" err="1"/>
+            <a:t>Total_fat</a:t>
+          </a:r>
+          <a:endParaRPr lang="fr-FR" dirty="0"/>
+        </a:p>
+      </dgm:t>
+    </dgm:pt>
+    <dgm:pt modelId="{A3BB76E1-8F86-48BF-9B8D-1306F11AD2C6}" type="parTrans" cxnId="{4037B138-614B-44DD-9F60-442DE12F5F8A}">
+      <dgm:prSet/>
+      <dgm:spPr/>
+      <dgm:t>
+        <a:bodyPr/>
+        <a:lstStyle/>
+        <a:p>
+          <a:endParaRPr lang="fr-FR"/>
+        </a:p>
+      </dgm:t>
+    </dgm:pt>
+    <dgm:pt modelId="{1694334C-3656-487D-A3C5-E6A8E29C0832}" type="sibTrans" cxnId="{4037B138-614B-44DD-9F60-442DE12F5F8A}">
+      <dgm:prSet/>
+      <dgm:spPr/>
+      <dgm:t>
+        <a:bodyPr/>
+        <a:lstStyle/>
+        <a:p>
+          <a:endParaRPr lang="fr-FR"/>
+        </a:p>
+      </dgm:t>
+    </dgm:pt>
+    <dgm:pt modelId="{CE4BCB29-7ECB-4DF5-9F6D-BBBBB5550BEB}" type="asst">
+      <dgm:prSet phldrT="[Text]"/>
+      <dgm:spPr/>
+      <dgm:t>
+        <a:bodyPr/>
+        <a:lstStyle/>
+        <a:p>
+          <a:r>
+            <a:rPr lang="fr-FR" dirty="0" err="1"/>
+            <a:t>Cholesterol</a:t>
+          </a:r>
+          <a:endParaRPr lang="fr-FR" dirty="0"/>
+        </a:p>
+      </dgm:t>
+    </dgm:pt>
+    <dgm:pt modelId="{36D9A180-E394-4A98-9124-D8779B436D5C}" type="parTrans" cxnId="{8659EB50-A0D3-4A3F-A3B4-AA1FFCB30F16}">
+      <dgm:prSet/>
+      <dgm:spPr/>
+      <dgm:t>
+        <a:bodyPr/>
+        <a:lstStyle/>
+        <a:p>
+          <a:endParaRPr lang="fr-FR"/>
+        </a:p>
+      </dgm:t>
+    </dgm:pt>
+    <dgm:pt modelId="{0A88C87E-422C-4592-B70C-952E276B7DA6}" type="sibTrans" cxnId="{8659EB50-A0D3-4A3F-A3B4-AA1FFCB30F16}">
+      <dgm:prSet/>
+      <dgm:spPr/>
+      <dgm:t>
+        <a:bodyPr/>
+        <a:lstStyle/>
+        <a:p>
+          <a:endParaRPr lang="fr-FR"/>
+        </a:p>
+      </dgm:t>
+    </dgm:pt>
+    <dgm:pt modelId="{A5958AC4-F97F-48DF-843E-1A0DF057388E}" type="asst">
+      <dgm:prSet phldrT="[Text]"/>
+      <dgm:spPr/>
+      <dgm:t>
+        <a:bodyPr/>
+        <a:lstStyle/>
+        <a:p>
+          <a:r>
+            <a:rPr lang="fr-FR" dirty="0"/>
+            <a:t>Salt</a:t>
+          </a:r>
+        </a:p>
+      </dgm:t>
+    </dgm:pt>
+    <dgm:pt modelId="{439FFDCD-D719-41FD-B1AE-B5C3F8903A8D}" type="parTrans" cxnId="{B751AF5D-97FE-4CB3-87E1-C2204634E698}">
+      <dgm:prSet/>
+      <dgm:spPr/>
+      <dgm:t>
+        <a:bodyPr/>
+        <a:lstStyle/>
+        <a:p>
+          <a:endParaRPr lang="fr-FR"/>
+        </a:p>
+      </dgm:t>
+    </dgm:pt>
+    <dgm:pt modelId="{0DF32E9E-A11C-44B7-91CA-4D10442254C7}" type="sibTrans" cxnId="{B751AF5D-97FE-4CB3-87E1-C2204634E698}">
+      <dgm:prSet/>
+      <dgm:spPr/>
+      <dgm:t>
+        <a:bodyPr/>
+        <a:lstStyle/>
+        <a:p>
+          <a:endParaRPr lang="fr-FR"/>
+        </a:p>
+      </dgm:t>
+    </dgm:pt>
+    <dgm:pt modelId="{0364748B-4C11-4EF4-B6CC-8A79889ADC81}" type="asst">
+      <dgm:prSet phldrT="[Text]"/>
+      <dgm:spPr/>
+      <dgm:t>
+        <a:bodyPr/>
+        <a:lstStyle/>
+        <a:p>
+          <a:r>
+            <a:rPr lang="fr-FR" dirty="0" err="1"/>
+            <a:t>Total_carbohydrate</a:t>
+          </a:r>
+          <a:endParaRPr lang="fr-FR" dirty="0"/>
+        </a:p>
+      </dgm:t>
+    </dgm:pt>
+    <dgm:pt modelId="{8401AF26-EBE6-4618-87FE-C229651B7AFE}" type="parTrans" cxnId="{FE73F57D-91CE-403A-B47B-6DF28EE74A8D}">
+      <dgm:prSet/>
+      <dgm:spPr/>
+      <dgm:t>
+        <a:bodyPr/>
+        <a:lstStyle/>
+        <a:p>
+          <a:endParaRPr lang="fr-FR"/>
+        </a:p>
+      </dgm:t>
+    </dgm:pt>
+    <dgm:pt modelId="{DBA6E1E8-2372-4956-B46C-18EA12051F45}" type="sibTrans" cxnId="{FE73F57D-91CE-403A-B47B-6DF28EE74A8D}">
+      <dgm:prSet/>
+      <dgm:spPr/>
+      <dgm:t>
+        <a:bodyPr/>
+        <a:lstStyle/>
+        <a:p>
+          <a:endParaRPr lang="fr-FR"/>
+        </a:p>
+      </dgm:t>
+    </dgm:pt>
+    <dgm:pt modelId="{64B7B612-1A6D-4C00-A945-12BFF06E6E64}" type="asst">
+      <dgm:prSet phldrT="[Text]"/>
+      <dgm:spPr/>
+      <dgm:t>
+        <a:bodyPr/>
+        <a:lstStyle/>
+        <a:p>
+          <a:r>
+            <a:rPr lang="fr-FR" dirty="0" err="1"/>
+            <a:t>protein</a:t>
+          </a:r>
+          <a:endParaRPr lang="fr-FR" dirty="0"/>
+        </a:p>
+      </dgm:t>
+    </dgm:pt>
+    <dgm:pt modelId="{532CBD0B-5EFD-404C-B8CF-9C622FDAF632}" type="parTrans" cxnId="{4C5F3AB1-0F57-4D39-B616-D9105DA72FA9}">
+      <dgm:prSet/>
+      <dgm:spPr/>
+      <dgm:t>
+        <a:bodyPr/>
+        <a:lstStyle/>
+        <a:p>
+          <a:endParaRPr lang="fr-FR"/>
+        </a:p>
+      </dgm:t>
+    </dgm:pt>
+    <dgm:pt modelId="{2C45CCD9-2A5F-4F7E-BE3E-C6F515EFA426}" type="sibTrans" cxnId="{4C5F3AB1-0F57-4D39-B616-D9105DA72FA9}">
+      <dgm:prSet/>
+      <dgm:spPr/>
+      <dgm:t>
+        <a:bodyPr/>
+        <a:lstStyle/>
+        <a:p>
+          <a:endParaRPr lang="fr-FR"/>
+        </a:p>
+      </dgm:t>
+    </dgm:pt>
+    <dgm:pt modelId="{9EDB8869-1490-4D16-AD6F-AA1294D99170}" type="asst">
+      <dgm:prSet phldrT="[Text]"/>
+      <dgm:spPr/>
+      <dgm:t>
+        <a:bodyPr/>
+        <a:lstStyle/>
+        <a:p>
+          <a:r>
+            <a:rPr lang="fr-FR" dirty="0"/>
+            <a:t>type</a:t>
+          </a:r>
+        </a:p>
+      </dgm:t>
+    </dgm:pt>
+    <dgm:pt modelId="{1CD4D642-0E96-4954-A320-0C6B0EDC5EE8}" type="parTrans" cxnId="{20922F67-6726-4D6D-A234-2D9E32011C10}">
+      <dgm:prSet/>
+      <dgm:spPr/>
+      <dgm:t>
+        <a:bodyPr/>
+        <a:lstStyle/>
+        <a:p>
+          <a:endParaRPr lang="fr-FR"/>
+        </a:p>
+      </dgm:t>
+    </dgm:pt>
+    <dgm:pt modelId="{2E574F3A-E044-4D5D-B2FC-DEBDC2AC6C52}" type="sibTrans" cxnId="{20922F67-6726-4D6D-A234-2D9E32011C10}">
+      <dgm:prSet/>
+      <dgm:spPr/>
+      <dgm:t>
+        <a:bodyPr/>
+        <a:lstStyle/>
+        <a:p>
+          <a:endParaRPr lang="fr-FR"/>
+        </a:p>
+      </dgm:t>
+    </dgm:pt>
+    <dgm:pt modelId="{378B7761-7719-40D4-8C2F-6A9C4C3531A6}" type="asst">
+      <dgm:prSet phldrT="[Text]"/>
+      <dgm:spPr/>
+      <dgm:t>
+        <a:bodyPr/>
+        <a:lstStyle/>
+        <a:p>
+          <a:r>
+            <a:rPr lang="fr-FR" dirty="0" err="1"/>
+            <a:t>NutID</a:t>
+          </a:r>
+          <a:r>
+            <a:rPr lang="fr-FR" dirty="0"/>
+            <a:t> </a:t>
+          </a:r>
+          <a:br>
+            <a:rPr lang="fr-FR" dirty="0"/>
+          </a:br>
+          <a:r>
+            <a:rPr lang="fr-FR" dirty="0" err="1"/>
+            <a:t>Keyref</a:t>
+          </a:r>
+          <a:r>
+            <a:rPr lang="fr-FR" dirty="0"/>
+            <a:t> to </a:t>
+          </a:r>
+          <a:r>
+            <a:rPr lang="fr-FR" dirty="0" err="1"/>
+            <a:t>RecipeID</a:t>
+          </a:r>
+          <a:endParaRPr lang="fr-FR" dirty="0"/>
+        </a:p>
+      </dgm:t>
+    </dgm:pt>
+    <dgm:pt modelId="{5CF8F453-87E6-4F17-AEF4-247CFE452C75}" type="parTrans" cxnId="{18A3531C-4E55-461C-94C5-756021FA375F}">
+      <dgm:prSet/>
+      <dgm:spPr/>
+      <dgm:t>
+        <a:bodyPr/>
+        <a:lstStyle/>
+        <a:p>
+          <a:endParaRPr lang="fr-FR"/>
+        </a:p>
+      </dgm:t>
+    </dgm:pt>
+    <dgm:pt modelId="{C3473BBA-9271-4B76-86D3-73CB24DA7DE4}" type="sibTrans" cxnId="{18A3531C-4E55-461C-94C5-756021FA375F}">
+      <dgm:prSet/>
+      <dgm:spPr/>
+      <dgm:t>
+        <a:bodyPr/>
+        <a:lstStyle/>
+        <a:p>
+          <a:endParaRPr lang="fr-FR"/>
+        </a:p>
+      </dgm:t>
     </dgm:pt>
     <dgm:pt modelId="{31C73E42-7413-4086-8AA9-82EE4FDF4688}" type="pres">
       <dgm:prSet presAssocID="{7ED7F82A-B3BC-4965-908C-DB18A189650A}" presName="hierChild1" presStyleCnt="0">
@@ -2937,7 +3423,7 @@
       <dgm:spPr/>
     </dgm:pt>
     <dgm:pt modelId="{010814E5-491A-47DC-9F61-1B943A57B34C}" type="pres">
-      <dgm:prSet presAssocID="{2A2F2C46-C20C-4052-8209-B4DB5F019F03}" presName="Name111" presStyleLbl="parChTrans1D2" presStyleIdx="0" presStyleCnt="7"/>
+      <dgm:prSet presAssocID="{2A2F2C46-C20C-4052-8209-B4DB5F019F03}" presName="Name111" presStyleLbl="parChTrans1D2" presStyleIdx="0" presStyleCnt="8"/>
       <dgm:spPr/>
     </dgm:pt>
     <dgm:pt modelId="{304AF29E-CC88-4A46-A393-FF37617891E1}" type="pres">
@@ -2953,7 +3439,7 @@
       <dgm:spPr/>
     </dgm:pt>
     <dgm:pt modelId="{E827EE73-A458-47A5-9402-688307433157}" type="pres">
-      <dgm:prSet presAssocID="{5A130CF4-82A1-480D-B1BC-8C9BC041D947}" presName="rootText3" presStyleLbl="asst1" presStyleIdx="0" presStyleCnt="50">
+      <dgm:prSet presAssocID="{5A130CF4-82A1-480D-B1BC-8C9BC041D947}" presName="rootText3" presStyleLbl="asst1" presStyleIdx="0" presStyleCnt="62">
         <dgm:presLayoutVars>
           <dgm:chPref val="3"/>
         </dgm:presLayoutVars>
@@ -2961,7 +3447,7 @@
       <dgm:spPr/>
     </dgm:pt>
     <dgm:pt modelId="{6F03B1E2-CF5E-4160-BEAE-D46AE17D2A57}" type="pres">
-      <dgm:prSet presAssocID="{5A130CF4-82A1-480D-B1BC-8C9BC041D947}" presName="rootConnector3" presStyleLbl="asst1" presStyleIdx="0" presStyleCnt="50"/>
+      <dgm:prSet presAssocID="{5A130CF4-82A1-480D-B1BC-8C9BC041D947}" presName="rootConnector3" presStyleLbl="asst1" presStyleIdx="0" presStyleCnt="62"/>
       <dgm:spPr/>
     </dgm:pt>
     <dgm:pt modelId="{7D67871C-FAA3-49E9-8269-C8132AE608BC}" type="pres">
@@ -2973,7 +3459,7 @@
       <dgm:spPr/>
     </dgm:pt>
     <dgm:pt modelId="{6279F6A1-F335-461F-AE29-D859BC24B475}" type="pres">
-      <dgm:prSet presAssocID="{7786268B-F175-492B-BB33-0971F8904A20}" presName="Name111" presStyleLbl="parChTrans1D3" presStyleIdx="0" presStyleCnt="11"/>
+      <dgm:prSet presAssocID="{7786268B-F175-492B-BB33-0971F8904A20}" presName="Name111" presStyleLbl="parChTrans1D3" presStyleIdx="0" presStyleCnt="12"/>
       <dgm:spPr/>
     </dgm:pt>
     <dgm:pt modelId="{CF95824B-46B2-4954-8075-61C1148BD930}" type="pres">
@@ -2989,7 +3475,7 @@
       <dgm:spPr/>
     </dgm:pt>
     <dgm:pt modelId="{E0D9D789-8723-4EBE-96CD-7B761C793469}" type="pres">
-      <dgm:prSet presAssocID="{3E8CC39E-1D51-463A-8607-640A4960C4BD}" presName="rootText3" presStyleLbl="asst1" presStyleIdx="1" presStyleCnt="50">
+      <dgm:prSet presAssocID="{3E8CC39E-1D51-463A-8607-640A4960C4BD}" presName="rootText3" presStyleLbl="asst1" presStyleIdx="1" presStyleCnt="62">
         <dgm:presLayoutVars>
           <dgm:chPref val="3"/>
         </dgm:presLayoutVars>
@@ -2997,7 +3483,7 @@
       <dgm:spPr/>
     </dgm:pt>
     <dgm:pt modelId="{8646981E-4CB0-4655-AE68-C8DAF4D043B7}" type="pres">
-      <dgm:prSet presAssocID="{3E8CC39E-1D51-463A-8607-640A4960C4BD}" presName="rootConnector3" presStyleLbl="asst1" presStyleIdx="1" presStyleCnt="50"/>
+      <dgm:prSet presAssocID="{3E8CC39E-1D51-463A-8607-640A4960C4BD}" presName="rootConnector3" presStyleLbl="asst1" presStyleIdx="1" presStyleCnt="62"/>
       <dgm:spPr/>
     </dgm:pt>
     <dgm:pt modelId="{8682349C-655C-40C6-804C-5F9E015BA993}" type="pres">
@@ -3009,7 +3495,7 @@
       <dgm:spPr/>
     </dgm:pt>
     <dgm:pt modelId="{B47D875A-07B5-4BAB-BA1B-24FF28ECFCDA}" type="pres">
-      <dgm:prSet presAssocID="{4D634B1D-052E-47B6-9561-6DB08B508886}" presName="Name111" presStyleLbl="parChTrans1D4" presStyleIdx="0" presStyleCnt="32"/>
+      <dgm:prSet presAssocID="{4D634B1D-052E-47B6-9561-6DB08B508886}" presName="Name111" presStyleLbl="parChTrans1D4" presStyleIdx="0" presStyleCnt="42"/>
       <dgm:spPr/>
     </dgm:pt>
     <dgm:pt modelId="{8739B7E2-E227-46ED-8ED8-C9F1C26455A7}" type="pres">
@@ -3025,7 +3511,7 @@
       <dgm:spPr/>
     </dgm:pt>
     <dgm:pt modelId="{4C561BD1-6498-41FC-9541-C2D44F4A10CE}" type="pres">
-      <dgm:prSet presAssocID="{23209160-44D6-468D-88E0-7F515DA6C8E1}" presName="rootText3" presStyleLbl="asst1" presStyleIdx="2" presStyleCnt="50">
+      <dgm:prSet presAssocID="{23209160-44D6-468D-88E0-7F515DA6C8E1}" presName="rootText3" presStyleLbl="asst1" presStyleIdx="2" presStyleCnt="62">
         <dgm:presLayoutVars>
           <dgm:chPref val="3"/>
         </dgm:presLayoutVars>
@@ -3033,7 +3519,7 @@
       <dgm:spPr/>
     </dgm:pt>
     <dgm:pt modelId="{6D8FBC58-20D1-417B-A42C-58A7512AF578}" type="pres">
-      <dgm:prSet presAssocID="{23209160-44D6-468D-88E0-7F515DA6C8E1}" presName="rootConnector3" presStyleLbl="asst1" presStyleIdx="2" presStyleCnt="50"/>
+      <dgm:prSet presAssocID="{23209160-44D6-468D-88E0-7F515DA6C8E1}" presName="rootConnector3" presStyleLbl="asst1" presStyleIdx="2" presStyleCnt="62"/>
       <dgm:spPr/>
     </dgm:pt>
     <dgm:pt modelId="{4E4FC650-02F1-418C-86B7-4E33A344D5ED}" type="pres">
@@ -3044,8 +3530,44 @@
       <dgm:prSet presAssocID="{23209160-44D6-468D-88E0-7F515DA6C8E1}" presName="hierChild7" presStyleCnt="0"/>
       <dgm:spPr/>
     </dgm:pt>
+    <dgm:pt modelId="{2E320EFC-6739-426A-A052-6207B0F1C1BD}" type="pres">
+      <dgm:prSet presAssocID="{5CF8F453-87E6-4F17-AEF4-247CFE452C75}" presName="Name111" presStyleLbl="parChTrans1D4" presStyleIdx="1" presStyleCnt="42"/>
+      <dgm:spPr/>
+    </dgm:pt>
+    <dgm:pt modelId="{6AB43C9B-592F-4D2F-A01E-922B94E7B57E}" type="pres">
+      <dgm:prSet presAssocID="{378B7761-7719-40D4-8C2F-6A9C4C3531A6}" presName="hierRoot3" presStyleCnt="0">
+        <dgm:presLayoutVars>
+          <dgm:hierBranch val="init"/>
+        </dgm:presLayoutVars>
+      </dgm:prSet>
+      <dgm:spPr/>
+    </dgm:pt>
+    <dgm:pt modelId="{55C29F40-1A4E-4E9E-9AAB-78A6F8A60903}" type="pres">
+      <dgm:prSet presAssocID="{378B7761-7719-40D4-8C2F-6A9C4C3531A6}" presName="rootComposite3" presStyleCnt="0"/>
+      <dgm:spPr/>
+    </dgm:pt>
+    <dgm:pt modelId="{CEA5CD17-5FFF-49AA-B7BD-42AF57393911}" type="pres">
+      <dgm:prSet presAssocID="{378B7761-7719-40D4-8C2F-6A9C4C3531A6}" presName="rootText3" presStyleLbl="asst1" presStyleIdx="3" presStyleCnt="62">
+        <dgm:presLayoutVars>
+          <dgm:chPref val="3"/>
+        </dgm:presLayoutVars>
+      </dgm:prSet>
+      <dgm:spPr/>
+    </dgm:pt>
+    <dgm:pt modelId="{B7F911D6-D609-4D54-A402-C13B883E50ED}" type="pres">
+      <dgm:prSet presAssocID="{378B7761-7719-40D4-8C2F-6A9C4C3531A6}" presName="rootConnector3" presStyleLbl="asst1" presStyleIdx="3" presStyleCnt="62"/>
+      <dgm:spPr/>
+    </dgm:pt>
+    <dgm:pt modelId="{BE2F3EBF-DB94-485E-9786-295848EBFE99}" type="pres">
+      <dgm:prSet presAssocID="{378B7761-7719-40D4-8C2F-6A9C4C3531A6}" presName="hierChild6" presStyleCnt="0"/>
+      <dgm:spPr/>
+    </dgm:pt>
+    <dgm:pt modelId="{18D8C15D-E680-4C45-AC85-DAE7BA298AA7}" type="pres">
+      <dgm:prSet presAssocID="{378B7761-7719-40D4-8C2F-6A9C4C3531A6}" presName="hierChild7" presStyleCnt="0"/>
+      <dgm:spPr/>
+    </dgm:pt>
     <dgm:pt modelId="{2330DF79-6759-44AF-BF5B-48DAF401A9FC}" type="pres">
-      <dgm:prSet presAssocID="{2E07F3E9-F9E3-489C-835A-A259CF4F2EB3}" presName="Name111" presStyleLbl="parChTrans1D4" presStyleIdx="1" presStyleCnt="32"/>
+      <dgm:prSet presAssocID="{2E07F3E9-F9E3-489C-835A-A259CF4F2EB3}" presName="Name111" presStyleLbl="parChTrans1D4" presStyleIdx="2" presStyleCnt="42"/>
       <dgm:spPr/>
     </dgm:pt>
     <dgm:pt modelId="{71E537D4-428E-43E4-A665-2E6C020ABEEE}" type="pres">
@@ -3061,7 +3583,7 @@
       <dgm:spPr/>
     </dgm:pt>
     <dgm:pt modelId="{CA29F901-FB62-40CB-93B0-5FA3D3E89153}" type="pres">
-      <dgm:prSet presAssocID="{50744334-6503-43A4-ADDB-0CC5326D54D8}" presName="rootText3" presStyleLbl="asst1" presStyleIdx="3" presStyleCnt="50">
+      <dgm:prSet presAssocID="{50744334-6503-43A4-ADDB-0CC5326D54D8}" presName="rootText3" presStyleLbl="asst1" presStyleIdx="4" presStyleCnt="62">
         <dgm:presLayoutVars>
           <dgm:chPref val="3"/>
         </dgm:presLayoutVars>
@@ -3069,7 +3591,7 @@
       <dgm:spPr/>
     </dgm:pt>
     <dgm:pt modelId="{E5C1CEEB-72CF-4D85-BA23-818995F5318D}" type="pres">
-      <dgm:prSet presAssocID="{50744334-6503-43A4-ADDB-0CC5326D54D8}" presName="rootConnector3" presStyleLbl="asst1" presStyleIdx="3" presStyleCnt="50"/>
+      <dgm:prSet presAssocID="{50744334-6503-43A4-ADDB-0CC5326D54D8}" presName="rootConnector3" presStyleLbl="asst1" presStyleIdx="4" presStyleCnt="62"/>
       <dgm:spPr/>
     </dgm:pt>
     <dgm:pt modelId="{97E5797F-DD2C-4858-AC6C-95E76A1F24F4}" type="pres">
@@ -3081,7 +3603,7 @@
       <dgm:spPr/>
     </dgm:pt>
     <dgm:pt modelId="{A7D1E3CC-CF40-419B-A23A-A0E30CC143C9}" type="pres">
-      <dgm:prSet presAssocID="{D56DBF74-740C-4F96-8CAA-F39D952A495F}" presName="Name111" presStyleLbl="parChTrans1D4" presStyleIdx="2" presStyleCnt="32"/>
+      <dgm:prSet presAssocID="{D56DBF74-740C-4F96-8CAA-F39D952A495F}" presName="Name111" presStyleLbl="parChTrans1D4" presStyleIdx="3" presStyleCnt="42"/>
       <dgm:spPr/>
     </dgm:pt>
     <dgm:pt modelId="{9878BEFD-2D78-4AEE-A197-36319D839771}" type="pres">
@@ -3097,7 +3619,7 @@
       <dgm:spPr/>
     </dgm:pt>
     <dgm:pt modelId="{FADDC691-0A86-4B40-AA55-39069DDC51CC}" type="pres">
-      <dgm:prSet presAssocID="{FBE65CBC-7EC3-4A2A-9C5B-BB24267C7434}" presName="rootText3" presStyleLbl="asst1" presStyleIdx="4" presStyleCnt="50">
+      <dgm:prSet presAssocID="{FBE65CBC-7EC3-4A2A-9C5B-BB24267C7434}" presName="rootText3" presStyleLbl="asst1" presStyleIdx="5" presStyleCnt="62">
         <dgm:presLayoutVars>
           <dgm:chPref val="3"/>
         </dgm:presLayoutVars>
@@ -3105,7 +3627,7 @@
       <dgm:spPr/>
     </dgm:pt>
     <dgm:pt modelId="{7F51D0F5-C74B-4D44-B08D-5D034389763E}" type="pres">
-      <dgm:prSet presAssocID="{FBE65CBC-7EC3-4A2A-9C5B-BB24267C7434}" presName="rootConnector3" presStyleLbl="asst1" presStyleIdx="4" presStyleCnt="50"/>
+      <dgm:prSet presAssocID="{FBE65CBC-7EC3-4A2A-9C5B-BB24267C7434}" presName="rootConnector3" presStyleLbl="asst1" presStyleIdx="5" presStyleCnt="62"/>
       <dgm:spPr/>
     </dgm:pt>
     <dgm:pt modelId="{63D90A7A-BC9D-436C-AA10-5F2D6E9CDF54}" type="pres">
@@ -3117,7 +3639,7 @@
       <dgm:spPr/>
     </dgm:pt>
     <dgm:pt modelId="{A3AD00AC-C08B-40FB-8083-19D64B9EF040}" type="pres">
-      <dgm:prSet presAssocID="{F8B36BD7-227B-481D-B93A-AC0E3729CD8F}" presName="Name111" presStyleLbl="parChTrans1D4" presStyleIdx="3" presStyleCnt="32"/>
+      <dgm:prSet presAssocID="{F8B36BD7-227B-481D-B93A-AC0E3729CD8F}" presName="Name111" presStyleLbl="parChTrans1D4" presStyleIdx="4" presStyleCnt="42"/>
       <dgm:spPr/>
     </dgm:pt>
     <dgm:pt modelId="{EF8DBBF1-0981-4FB4-9DDB-99713E54ECBC}" type="pres">
@@ -3133,7 +3655,7 @@
       <dgm:spPr/>
     </dgm:pt>
     <dgm:pt modelId="{9A2566C5-9F5E-4D8B-9060-A8D3B81F3336}" type="pres">
-      <dgm:prSet presAssocID="{E086C18C-6586-4CDA-90D8-BA574ABF75C5}" presName="rootText3" presStyleLbl="asst1" presStyleIdx="5" presStyleCnt="50">
+      <dgm:prSet presAssocID="{E086C18C-6586-4CDA-90D8-BA574ABF75C5}" presName="rootText3" presStyleLbl="asst1" presStyleIdx="6" presStyleCnt="62">
         <dgm:presLayoutVars>
           <dgm:chPref val="3"/>
         </dgm:presLayoutVars>
@@ -3141,7 +3663,7 @@
       <dgm:spPr/>
     </dgm:pt>
     <dgm:pt modelId="{B58AA6A6-3178-4EE1-83E4-04B4CF34D00B}" type="pres">
-      <dgm:prSet presAssocID="{E086C18C-6586-4CDA-90D8-BA574ABF75C5}" presName="rootConnector3" presStyleLbl="asst1" presStyleIdx="5" presStyleCnt="50"/>
+      <dgm:prSet presAssocID="{E086C18C-6586-4CDA-90D8-BA574ABF75C5}" presName="rootConnector3" presStyleLbl="asst1" presStyleIdx="6" presStyleCnt="62"/>
       <dgm:spPr/>
     </dgm:pt>
     <dgm:pt modelId="{77D96003-1FE6-40EE-AF18-7CA375ABE68E}" type="pres">
@@ -3153,7 +3675,7 @@
       <dgm:spPr/>
     </dgm:pt>
     <dgm:pt modelId="{C0A1A1E0-23B3-45C2-B4A2-6D0F5E85036E}" type="pres">
-      <dgm:prSet presAssocID="{D59CD930-FAC4-45A4-A9F1-98FDD212E676}" presName="Name111" presStyleLbl="parChTrans1D4" presStyleIdx="4" presStyleCnt="32"/>
+      <dgm:prSet presAssocID="{D59CD930-FAC4-45A4-A9F1-98FDD212E676}" presName="Name111" presStyleLbl="parChTrans1D4" presStyleIdx="5" presStyleCnt="42"/>
       <dgm:spPr/>
     </dgm:pt>
     <dgm:pt modelId="{2D2828CC-EB4B-49B2-B78A-7860064CAA91}" type="pres">
@@ -3169,7 +3691,7 @@
       <dgm:spPr/>
     </dgm:pt>
     <dgm:pt modelId="{7BBCE7BB-9B24-4968-9CF1-8802A8F83A58}" type="pres">
-      <dgm:prSet presAssocID="{3E06C824-B207-4BB9-8299-6DB685B22456}" presName="rootText3" presStyleLbl="asst1" presStyleIdx="6" presStyleCnt="50">
+      <dgm:prSet presAssocID="{3E06C824-B207-4BB9-8299-6DB685B22456}" presName="rootText3" presStyleLbl="asst1" presStyleIdx="7" presStyleCnt="62">
         <dgm:presLayoutVars>
           <dgm:chPref val="3"/>
         </dgm:presLayoutVars>
@@ -3177,7 +3699,7 @@
       <dgm:spPr/>
     </dgm:pt>
     <dgm:pt modelId="{1F5AFEBC-03BC-4BD6-A5BF-2EC34D010DE7}" type="pres">
-      <dgm:prSet presAssocID="{3E06C824-B207-4BB9-8299-6DB685B22456}" presName="rootConnector3" presStyleLbl="asst1" presStyleIdx="6" presStyleCnt="50"/>
+      <dgm:prSet presAssocID="{3E06C824-B207-4BB9-8299-6DB685B22456}" presName="rootConnector3" presStyleLbl="asst1" presStyleIdx="7" presStyleCnt="62"/>
       <dgm:spPr/>
     </dgm:pt>
     <dgm:pt modelId="{D66959BE-DCB5-4899-BB1B-2FE35AEB0266}" type="pres">
@@ -3188,8 +3710,44 @@
       <dgm:prSet presAssocID="{3E06C824-B207-4BB9-8299-6DB685B22456}" presName="hierChild7" presStyleCnt="0"/>
       <dgm:spPr/>
     </dgm:pt>
+    <dgm:pt modelId="{8BE93FB5-5DDC-4147-AC43-80210D75A281}" type="pres">
+      <dgm:prSet presAssocID="{1CD4D642-0E96-4954-A320-0C6B0EDC5EE8}" presName="Name111" presStyleLbl="parChTrans1D4" presStyleIdx="6" presStyleCnt="42"/>
+      <dgm:spPr/>
+    </dgm:pt>
+    <dgm:pt modelId="{F9149B8E-CFB2-498C-8A89-B87460AFA89F}" type="pres">
+      <dgm:prSet presAssocID="{9EDB8869-1490-4D16-AD6F-AA1294D99170}" presName="hierRoot3" presStyleCnt="0">
+        <dgm:presLayoutVars>
+          <dgm:hierBranch val="init"/>
+        </dgm:presLayoutVars>
+      </dgm:prSet>
+      <dgm:spPr/>
+    </dgm:pt>
+    <dgm:pt modelId="{ACEBF838-4FD6-4708-8946-E82CA94817DF}" type="pres">
+      <dgm:prSet presAssocID="{9EDB8869-1490-4D16-AD6F-AA1294D99170}" presName="rootComposite3" presStyleCnt="0"/>
+      <dgm:spPr/>
+    </dgm:pt>
+    <dgm:pt modelId="{D190B0E1-89D9-49E4-86A8-FC5F6ECC41C4}" type="pres">
+      <dgm:prSet presAssocID="{9EDB8869-1490-4D16-AD6F-AA1294D99170}" presName="rootText3" presStyleLbl="asst1" presStyleIdx="8" presStyleCnt="62">
+        <dgm:presLayoutVars>
+          <dgm:chPref val="3"/>
+        </dgm:presLayoutVars>
+      </dgm:prSet>
+      <dgm:spPr/>
+    </dgm:pt>
+    <dgm:pt modelId="{2E3B1B3B-392F-4749-857C-BA7630881AE6}" type="pres">
+      <dgm:prSet presAssocID="{9EDB8869-1490-4D16-AD6F-AA1294D99170}" presName="rootConnector3" presStyleLbl="asst1" presStyleIdx="8" presStyleCnt="62"/>
+      <dgm:spPr/>
+    </dgm:pt>
+    <dgm:pt modelId="{62614FDE-63BD-4220-A142-A126B2BA1561}" type="pres">
+      <dgm:prSet presAssocID="{9EDB8869-1490-4D16-AD6F-AA1294D99170}" presName="hierChild6" presStyleCnt="0"/>
+      <dgm:spPr/>
+    </dgm:pt>
+    <dgm:pt modelId="{38C4081F-7D94-428A-9990-978130C76E4E}" type="pres">
+      <dgm:prSet presAssocID="{9EDB8869-1490-4D16-AD6F-AA1294D99170}" presName="hierChild7" presStyleCnt="0"/>
+      <dgm:spPr/>
+    </dgm:pt>
     <dgm:pt modelId="{0E3782B3-E865-4373-BB27-4F6E0F061D18}" type="pres">
-      <dgm:prSet presAssocID="{571A605A-EC94-4BD6-A530-277BA2DA874F}" presName="Name111" presStyleLbl="parChTrans1D4" presStyleIdx="5" presStyleCnt="32"/>
+      <dgm:prSet presAssocID="{571A605A-EC94-4BD6-A530-277BA2DA874F}" presName="Name111" presStyleLbl="parChTrans1D4" presStyleIdx="7" presStyleCnt="42"/>
       <dgm:spPr/>
     </dgm:pt>
     <dgm:pt modelId="{660F532D-8D3E-4E4A-B333-24634BCD93B5}" type="pres">
@@ -3205,7 +3763,7 @@
       <dgm:spPr/>
     </dgm:pt>
     <dgm:pt modelId="{16878670-2316-40C8-BBED-5A791E94C876}" type="pres">
-      <dgm:prSet presAssocID="{3EBB3AF4-834B-4DA5-9346-169CC5FA8B6C}" presName="rootText3" presStyleLbl="asst1" presStyleIdx="7" presStyleCnt="50">
+      <dgm:prSet presAssocID="{3EBB3AF4-834B-4DA5-9346-169CC5FA8B6C}" presName="rootText3" presStyleLbl="asst1" presStyleIdx="9" presStyleCnt="62">
         <dgm:presLayoutVars>
           <dgm:chPref val="3"/>
         </dgm:presLayoutVars>
@@ -3213,7 +3771,7 @@
       <dgm:spPr/>
     </dgm:pt>
     <dgm:pt modelId="{BF451C11-49F1-4671-99EE-E0DB77414EDF}" type="pres">
-      <dgm:prSet presAssocID="{3EBB3AF4-834B-4DA5-9346-169CC5FA8B6C}" presName="rootConnector3" presStyleLbl="asst1" presStyleIdx="7" presStyleCnt="50"/>
+      <dgm:prSet presAssocID="{3EBB3AF4-834B-4DA5-9346-169CC5FA8B6C}" presName="rootConnector3" presStyleLbl="asst1" presStyleIdx="9" presStyleCnt="62"/>
       <dgm:spPr/>
     </dgm:pt>
     <dgm:pt modelId="{218D5055-3F6D-4824-ADA4-05A10B00B0F7}" type="pres">
@@ -3225,7 +3783,7 @@
       <dgm:spPr/>
     </dgm:pt>
     <dgm:pt modelId="{55A88246-B398-4A41-9C16-FB7D7E803901}" type="pres">
-      <dgm:prSet presAssocID="{0F7BB613-974A-4529-A0EF-B00F076028A4}" presName="Name111" presStyleLbl="parChTrans1D4" presStyleIdx="6" presStyleCnt="32"/>
+      <dgm:prSet presAssocID="{0F7BB613-974A-4529-A0EF-B00F076028A4}" presName="Name111" presStyleLbl="parChTrans1D4" presStyleIdx="8" presStyleCnt="42"/>
       <dgm:spPr/>
     </dgm:pt>
     <dgm:pt modelId="{99B909E4-8163-46BA-A44E-98A2083DFB03}" type="pres">
@@ -3241,7 +3799,7 @@
       <dgm:spPr/>
     </dgm:pt>
     <dgm:pt modelId="{1F20BA95-876A-4CA7-8474-083218689804}" type="pres">
-      <dgm:prSet presAssocID="{5A24ACE5-68D0-4967-9DE2-03D6135DC87E}" presName="rootText3" presStyleLbl="asst1" presStyleIdx="8" presStyleCnt="50">
+      <dgm:prSet presAssocID="{5A24ACE5-68D0-4967-9DE2-03D6135DC87E}" presName="rootText3" presStyleLbl="asst1" presStyleIdx="10" presStyleCnt="62">
         <dgm:presLayoutVars>
           <dgm:chPref val="3"/>
         </dgm:presLayoutVars>
@@ -3249,7 +3807,7 @@
       <dgm:spPr/>
     </dgm:pt>
     <dgm:pt modelId="{BECB09A8-AD65-4C77-9143-3C7111625FA0}" type="pres">
-      <dgm:prSet presAssocID="{5A24ACE5-68D0-4967-9DE2-03D6135DC87E}" presName="rootConnector3" presStyleLbl="asst1" presStyleIdx="8" presStyleCnt="50"/>
+      <dgm:prSet presAssocID="{5A24ACE5-68D0-4967-9DE2-03D6135DC87E}" presName="rootConnector3" presStyleLbl="asst1" presStyleIdx="10" presStyleCnt="62"/>
       <dgm:spPr/>
     </dgm:pt>
     <dgm:pt modelId="{11AA1DBA-290F-465A-99B1-3D5EFF5AC61F}" type="pres">
@@ -3261,7 +3819,7 @@
       <dgm:spPr/>
     </dgm:pt>
     <dgm:pt modelId="{4BA0FD2B-D648-4FD0-8F33-BC723D7B9B66}" type="pres">
-      <dgm:prSet presAssocID="{F264BCA0-E208-4FB7-B1BB-E25907FEC487}" presName="Name111" presStyleLbl="parChTrans1D4" presStyleIdx="7" presStyleCnt="32"/>
+      <dgm:prSet presAssocID="{F264BCA0-E208-4FB7-B1BB-E25907FEC487}" presName="Name111" presStyleLbl="parChTrans1D4" presStyleIdx="9" presStyleCnt="42"/>
       <dgm:spPr/>
     </dgm:pt>
     <dgm:pt modelId="{8C8AAAB9-A186-4ACE-A26D-8E2DC895C11B}" type="pres">
@@ -3277,7 +3835,7 @@
       <dgm:spPr/>
     </dgm:pt>
     <dgm:pt modelId="{D086313A-D390-46C5-9D6A-A8D0967A109B}" type="pres">
-      <dgm:prSet presAssocID="{105699BB-7017-453A-8C0E-2004027AD789}" presName="rootText3" presStyleLbl="asst1" presStyleIdx="9" presStyleCnt="50">
+      <dgm:prSet presAssocID="{105699BB-7017-453A-8C0E-2004027AD789}" presName="rootText3" presStyleLbl="asst1" presStyleIdx="11" presStyleCnt="62">
         <dgm:presLayoutVars>
           <dgm:chPref val="3"/>
         </dgm:presLayoutVars>
@@ -3285,7 +3843,7 @@
       <dgm:spPr/>
     </dgm:pt>
     <dgm:pt modelId="{4992B22D-4DD8-4B66-8921-9B600E91A1A2}" type="pres">
-      <dgm:prSet presAssocID="{105699BB-7017-453A-8C0E-2004027AD789}" presName="rootConnector3" presStyleLbl="asst1" presStyleIdx="9" presStyleCnt="50"/>
+      <dgm:prSet presAssocID="{105699BB-7017-453A-8C0E-2004027AD789}" presName="rootConnector3" presStyleLbl="asst1" presStyleIdx="11" presStyleCnt="62"/>
       <dgm:spPr/>
     </dgm:pt>
     <dgm:pt modelId="{6A41F1CE-10DC-41EF-81CC-D339CBC49D6F}" type="pres">
@@ -3297,7 +3855,7 @@
       <dgm:spPr/>
     </dgm:pt>
     <dgm:pt modelId="{098EF2EF-54F9-4DB9-9B90-CA77F8509B37}" type="pres">
-      <dgm:prSet presAssocID="{1ACA5A08-FB34-4B93-B527-18564E327613}" presName="Name111" presStyleLbl="parChTrans1D4" presStyleIdx="8" presStyleCnt="32"/>
+      <dgm:prSet presAssocID="{1ACA5A08-FB34-4B93-B527-18564E327613}" presName="Name111" presStyleLbl="parChTrans1D4" presStyleIdx="10" presStyleCnt="42"/>
       <dgm:spPr/>
     </dgm:pt>
     <dgm:pt modelId="{1889ECEE-51F8-4933-BE96-DDB5504919A1}" type="pres">
@@ -3313,7 +3871,7 @@
       <dgm:spPr/>
     </dgm:pt>
     <dgm:pt modelId="{0922FE8B-DF89-4405-8D8B-F8F3C875E2DD}" type="pres">
-      <dgm:prSet presAssocID="{B146A1B1-B0D4-43AF-9F61-DBA9336A534C}" presName="rootText3" presStyleLbl="asst1" presStyleIdx="10" presStyleCnt="50">
+      <dgm:prSet presAssocID="{B146A1B1-B0D4-43AF-9F61-DBA9336A534C}" presName="rootText3" presStyleLbl="asst1" presStyleIdx="12" presStyleCnt="62">
         <dgm:presLayoutVars>
           <dgm:chPref val="3"/>
         </dgm:presLayoutVars>
@@ -3321,7 +3879,7 @@
       <dgm:spPr/>
     </dgm:pt>
     <dgm:pt modelId="{668A8947-A38B-435F-9375-33A1F548AD46}" type="pres">
-      <dgm:prSet presAssocID="{B146A1B1-B0D4-43AF-9F61-DBA9336A534C}" presName="rootConnector3" presStyleLbl="asst1" presStyleIdx="10" presStyleCnt="50"/>
+      <dgm:prSet presAssocID="{B146A1B1-B0D4-43AF-9F61-DBA9336A534C}" presName="rootConnector3" presStyleLbl="asst1" presStyleIdx="12" presStyleCnt="62"/>
       <dgm:spPr/>
     </dgm:pt>
     <dgm:pt modelId="{85322F85-0272-4FC7-86DE-F7E4CD155D63}" type="pres">
@@ -3333,7 +3891,7 @@
       <dgm:spPr/>
     </dgm:pt>
     <dgm:pt modelId="{940D5A6A-3D20-4AF7-A598-183C785A991B}" type="pres">
-      <dgm:prSet presAssocID="{46C21EAD-A920-4646-8331-AAC76B296F08}" presName="Name111" presStyleLbl="parChTrans1D4" presStyleIdx="9" presStyleCnt="32"/>
+      <dgm:prSet presAssocID="{46C21EAD-A920-4646-8331-AAC76B296F08}" presName="Name111" presStyleLbl="parChTrans1D4" presStyleIdx="11" presStyleCnt="42"/>
       <dgm:spPr/>
     </dgm:pt>
     <dgm:pt modelId="{A02C4304-2B2A-4D66-A0B5-1E92C3A9B692}" type="pres">
@@ -3349,7 +3907,7 @@
       <dgm:spPr/>
     </dgm:pt>
     <dgm:pt modelId="{BCFCD26C-86D8-4D7F-B57A-880FC9A97A3F}" type="pres">
-      <dgm:prSet presAssocID="{F1C186BE-BD2A-4C33-BAA2-8C22BA45FE1C}" presName="rootText3" presStyleLbl="asst1" presStyleIdx="11" presStyleCnt="50">
+      <dgm:prSet presAssocID="{F1C186BE-BD2A-4C33-BAA2-8C22BA45FE1C}" presName="rootText3" presStyleLbl="asst1" presStyleIdx="13" presStyleCnt="62">
         <dgm:presLayoutVars>
           <dgm:chPref val="3"/>
         </dgm:presLayoutVars>
@@ -3357,7 +3915,7 @@
       <dgm:spPr/>
     </dgm:pt>
     <dgm:pt modelId="{6B83C2E2-791C-4166-B03A-F42D6D25230D}" type="pres">
-      <dgm:prSet presAssocID="{F1C186BE-BD2A-4C33-BAA2-8C22BA45FE1C}" presName="rootConnector3" presStyleLbl="asst1" presStyleIdx="11" presStyleCnt="50"/>
+      <dgm:prSet presAssocID="{F1C186BE-BD2A-4C33-BAA2-8C22BA45FE1C}" presName="rootConnector3" presStyleLbl="asst1" presStyleIdx="13" presStyleCnt="62"/>
       <dgm:spPr/>
     </dgm:pt>
     <dgm:pt modelId="{8117AC7E-F658-41AD-8E54-EF2799434183}" type="pres">
@@ -3369,7 +3927,7 @@
       <dgm:spPr/>
     </dgm:pt>
     <dgm:pt modelId="{88BEF9BE-BD95-49C8-BC77-2259BEFB9056}" type="pres">
-      <dgm:prSet presAssocID="{D7FB8382-77BA-4D1C-BA5F-39BCA282884D}" presName="Name111" presStyleLbl="parChTrans1D4" presStyleIdx="10" presStyleCnt="32"/>
+      <dgm:prSet presAssocID="{D7FB8382-77BA-4D1C-BA5F-39BCA282884D}" presName="Name111" presStyleLbl="parChTrans1D4" presStyleIdx="12" presStyleCnt="42"/>
       <dgm:spPr/>
     </dgm:pt>
     <dgm:pt modelId="{1E6786F4-574A-4F50-8103-9BABDBB530E9}" type="pres">
@@ -3385,7 +3943,7 @@
       <dgm:spPr/>
     </dgm:pt>
     <dgm:pt modelId="{E51E6F38-46A5-4263-9055-A1AEB09CD03A}" type="pres">
-      <dgm:prSet presAssocID="{275D6578-A6C0-4038-AA6E-BAF2BF3B0470}" presName="rootText3" presStyleLbl="asst1" presStyleIdx="12" presStyleCnt="50">
+      <dgm:prSet presAssocID="{275D6578-A6C0-4038-AA6E-BAF2BF3B0470}" presName="rootText3" presStyleLbl="asst1" presStyleIdx="14" presStyleCnt="62">
         <dgm:presLayoutVars>
           <dgm:chPref val="3"/>
         </dgm:presLayoutVars>
@@ -3393,7 +3951,7 @@
       <dgm:spPr/>
     </dgm:pt>
     <dgm:pt modelId="{537DB5FB-5D30-4BFC-B4B9-2FBB575FA24A}" type="pres">
-      <dgm:prSet presAssocID="{275D6578-A6C0-4038-AA6E-BAF2BF3B0470}" presName="rootConnector3" presStyleLbl="asst1" presStyleIdx="12" presStyleCnt="50"/>
+      <dgm:prSet presAssocID="{275D6578-A6C0-4038-AA6E-BAF2BF3B0470}" presName="rootConnector3" presStyleLbl="asst1" presStyleIdx="14" presStyleCnt="62"/>
       <dgm:spPr/>
     </dgm:pt>
     <dgm:pt modelId="{47793928-2EB7-415B-96B0-96AC361D6FB1}" type="pres">
@@ -3405,7 +3963,7 @@
       <dgm:spPr/>
     </dgm:pt>
     <dgm:pt modelId="{9566F6EE-4358-4C72-A5E0-69FB940F8986}" type="pres">
-      <dgm:prSet presAssocID="{1275C6AF-D6DB-42CA-91E1-614D01323013}" presName="Name111" presStyleLbl="parChTrans1D4" presStyleIdx="11" presStyleCnt="32"/>
+      <dgm:prSet presAssocID="{1275C6AF-D6DB-42CA-91E1-614D01323013}" presName="Name111" presStyleLbl="parChTrans1D4" presStyleIdx="13" presStyleCnt="42"/>
       <dgm:spPr/>
     </dgm:pt>
     <dgm:pt modelId="{FFDA8AF5-959B-4008-A629-49FE40AD0E99}" type="pres">
@@ -3421,7 +3979,7 @@
       <dgm:spPr/>
     </dgm:pt>
     <dgm:pt modelId="{1005FA76-D947-46F8-8000-A279BD4348DD}" type="pres">
-      <dgm:prSet presAssocID="{E0ED939F-CDDA-4743-843F-304C40BEDDFE}" presName="rootText3" presStyleLbl="asst1" presStyleIdx="13" presStyleCnt="50">
+      <dgm:prSet presAssocID="{E0ED939F-CDDA-4743-843F-304C40BEDDFE}" presName="rootText3" presStyleLbl="asst1" presStyleIdx="15" presStyleCnt="62">
         <dgm:presLayoutVars>
           <dgm:chPref val="3"/>
         </dgm:presLayoutVars>
@@ -3429,7 +3987,7 @@
       <dgm:spPr/>
     </dgm:pt>
     <dgm:pt modelId="{226FC570-8666-4E17-822A-229712F04EEC}" type="pres">
-      <dgm:prSet presAssocID="{E0ED939F-CDDA-4743-843F-304C40BEDDFE}" presName="rootConnector3" presStyleLbl="asst1" presStyleIdx="13" presStyleCnt="50"/>
+      <dgm:prSet presAssocID="{E0ED939F-CDDA-4743-843F-304C40BEDDFE}" presName="rootConnector3" presStyleLbl="asst1" presStyleIdx="15" presStyleCnt="62"/>
       <dgm:spPr/>
     </dgm:pt>
     <dgm:pt modelId="{032BE594-115C-477F-9BC1-846C3D972AAF}" type="pres">
@@ -3441,7 +3999,7 @@
       <dgm:spPr/>
     </dgm:pt>
     <dgm:pt modelId="{405F0C65-22C7-4A10-8FEE-FF5ECF0F94F5}" type="pres">
-      <dgm:prSet presAssocID="{AB15E678-6BAE-4D6A-99C7-6E838A552F9B}" presName="Name111" presStyleLbl="parChTrans1D2" presStyleIdx="1" presStyleCnt="7"/>
+      <dgm:prSet presAssocID="{AB15E678-6BAE-4D6A-99C7-6E838A552F9B}" presName="Name111" presStyleLbl="parChTrans1D2" presStyleIdx="1" presStyleCnt="8"/>
       <dgm:spPr/>
     </dgm:pt>
     <dgm:pt modelId="{4E1805A4-94D7-4872-ACE4-E0BCA7259D70}" type="pres">
@@ -3457,7 +4015,7 @@
       <dgm:spPr/>
     </dgm:pt>
     <dgm:pt modelId="{1A5F4A39-3F72-454B-8E34-BA033BF3C5E1}" type="pres">
-      <dgm:prSet presAssocID="{57178ABE-A017-45D8-9354-71432AE8CB88}" presName="rootText3" presStyleLbl="asst1" presStyleIdx="14" presStyleCnt="50">
+      <dgm:prSet presAssocID="{57178ABE-A017-45D8-9354-71432AE8CB88}" presName="rootText3" presStyleLbl="asst1" presStyleIdx="16" presStyleCnt="62">
         <dgm:presLayoutVars>
           <dgm:chPref val="3"/>
         </dgm:presLayoutVars>
@@ -3465,7 +4023,7 @@
       <dgm:spPr/>
     </dgm:pt>
     <dgm:pt modelId="{B1709F27-9F7A-41B5-8C1E-08B9561462CF}" type="pres">
-      <dgm:prSet presAssocID="{57178ABE-A017-45D8-9354-71432AE8CB88}" presName="rootConnector3" presStyleLbl="asst1" presStyleIdx="14" presStyleCnt="50"/>
+      <dgm:prSet presAssocID="{57178ABE-A017-45D8-9354-71432AE8CB88}" presName="rootConnector3" presStyleLbl="asst1" presStyleIdx="16" presStyleCnt="62"/>
       <dgm:spPr/>
     </dgm:pt>
     <dgm:pt modelId="{3CBB8D2C-D4EF-48E5-8073-CFC51627524C}" type="pres">
@@ -3477,7 +4035,7 @@
       <dgm:spPr/>
     </dgm:pt>
     <dgm:pt modelId="{D8263A46-6000-40E8-8909-48A87AEDA582}" type="pres">
-      <dgm:prSet presAssocID="{90DCFF90-B9BD-499B-B9FE-019A7C276CB4}" presName="Name111" presStyleLbl="parChTrans1D3" presStyleIdx="1" presStyleCnt="11"/>
+      <dgm:prSet presAssocID="{90DCFF90-B9BD-499B-B9FE-019A7C276CB4}" presName="Name111" presStyleLbl="parChTrans1D3" presStyleIdx="1" presStyleCnt="12"/>
       <dgm:spPr/>
     </dgm:pt>
     <dgm:pt modelId="{0F9CD4E6-DC1A-4A86-8D69-EC7D441B4F25}" type="pres">
@@ -3493,7 +4051,7 @@
       <dgm:spPr/>
     </dgm:pt>
     <dgm:pt modelId="{7C453B80-2575-4477-8225-282BC5C3B02F}" type="pres">
-      <dgm:prSet presAssocID="{EC79ACA4-03F9-443C-9782-38DADB913262}" presName="rootText3" presStyleLbl="asst1" presStyleIdx="15" presStyleCnt="50">
+      <dgm:prSet presAssocID="{EC79ACA4-03F9-443C-9782-38DADB913262}" presName="rootText3" presStyleLbl="asst1" presStyleIdx="17" presStyleCnt="62">
         <dgm:presLayoutVars>
           <dgm:chPref val="3"/>
         </dgm:presLayoutVars>
@@ -3501,7 +4059,7 @@
       <dgm:spPr/>
     </dgm:pt>
     <dgm:pt modelId="{843863CD-4836-4135-9668-97550F9AFA14}" type="pres">
-      <dgm:prSet presAssocID="{EC79ACA4-03F9-443C-9782-38DADB913262}" presName="rootConnector3" presStyleLbl="asst1" presStyleIdx="15" presStyleCnt="50"/>
+      <dgm:prSet presAssocID="{EC79ACA4-03F9-443C-9782-38DADB913262}" presName="rootConnector3" presStyleLbl="asst1" presStyleIdx="17" presStyleCnt="62"/>
       <dgm:spPr/>
     </dgm:pt>
     <dgm:pt modelId="{4D235D28-9C58-49DC-845E-2AD72F359C07}" type="pres">
@@ -3513,7 +4071,7 @@
       <dgm:spPr/>
     </dgm:pt>
     <dgm:pt modelId="{2B9A6652-0CDC-4A06-8130-3523581C7640}" type="pres">
-      <dgm:prSet presAssocID="{E423D0F6-8CED-4F3F-9A84-93E0370E44A7}" presName="Name111" presStyleLbl="parChTrans1D4" presStyleIdx="12" presStyleCnt="32"/>
+      <dgm:prSet presAssocID="{E423D0F6-8CED-4F3F-9A84-93E0370E44A7}" presName="Name111" presStyleLbl="parChTrans1D4" presStyleIdx="14" presStyleCnt="42"/>
       <dgm:spPr/>
     </dgm:pt>
     <dgm:pt modelId="{E44BC461-30C2-4362-96E6-D08763713B9A}" type="pres">
@@ -3529,7 +4087,7 @@
       <dgm:spPr/>
     </dgm:pt>
     <dgm:pt modelId="{CFFB4314-3114-427D-9439-8EE9BFA47093}" type="pres">
-      <dgm:prSet presAssocID="{CCC2EB33-60ED-4872-98F3-0FFD00EF13A0}" presName="rootText3" presStyleLbl="asst1" presStyleIdx="16" presStyleCnt="50">
+      <dgm:prSet presAssocID="{CCC2EB33-60ED-4872-98F3-0FFD00EF13A0}" presName="rootText3" presStyleLbl="asst1" presStyleIdx="18" presStyleCnt="62">
         <dgm:presLayoutVars>
           <dgm:chPref val="3"/>
         </dgm:presLayoutVars>
@@ -3537,7 +4095,7 @@
       <dgm:spPr/>
     </dgm:pt>
     <dgm:pt modelId="{BEB93244-3355-4351-ABC6-45C93C1A7BE4}" type="pres">
-      <dgm:prSet presAssocID="{CCC2EB33-60ED-4872-98F3-0FFD00EF13A0}" presName="rootConnector3" presStyleLbl="asst1" presStyleIdx="16" presStyleCnt="50"/>
+      <dgm:prSet presAssocID="{CCC2EB33-60ED-4872-98F3-0FFD00EF13A0}" presName="rootConnector3" presStyleLbl="asst1" presStyleIdx="18" presStyleCnt="62"/>
       <dgm:spPr/>
     </dgm:pt>
     <dgm:pt modelId="{A3FA42AA-5571-4A00-A3D1-A8169E881DC8}" type="pres">
@@ -3549,7 +4107,7 @@
       <dgm:spPr/>
     </dgm:pt>
     <dgm:pt modelId="{1D04A93D-63FE-4ED7-BC5D-79850A2E6AE1}" type="pres">
-      <dgm:prSet presAssocID="{0E0F7677-F927-426F-933F-C7759496133D}" presName="Name111" presStyleLbl="parChTrans1D4" presStyleIdx="13" presStyleCnt="32"/>
+      <dgm:prSet presAssocID="{0E0F7677-F927-426F-933F-C7759496133D}" presName="Name111" presStyleLbl="parChTrans1D4" presStyleIdx="15" presStyleCnt="42"/>
       <dgm:spPr/>
     </dgm:pt>
     <dgm:pt modelId="{35D34483-7B98-406B-BCB9-4FA64FB581E5}" type="pres">
@@ -3565,7 +4123,7 @@
       <dgm:spPr/>
     </dgm:pt>
     <dgm:pt modelId="{5AEF1B41-FBF0-46FE-8187-960FE966BE9B}" type="pres">
-      <dgm:prSet presAssocID="{AAD5DB4F-B470-4935-9FA1-84FFF055E1E1}" presName="rootText3" presStyleLbl="asst1" presStyleIdx="17" presStyleCnt="50">
+      <dgm:prSet presAssocID="{AAD5DB4F-B470-4935-9FA1-84FFF055E1E1}" presName="rootText3" presStyleLbl="asst1" presStyleIdx="19" presStyleCnt="62">
         <dgm:presLayoutVars>
           <dgm:chPref val="3"/>
         </dgm:presLayoutVars>
@@ -3573,7 +4131,7 @@
       <dgm:spPr/>
     </dgm:pt>
     <dgm:pt modelId="{ADC7B2D3-EE10-4AE2-947F-FE856394553B}" type="pres">
-      <dgm:prSet presAssocID="{AAD5DB4F-B470-4935-9FA1-84FFF055E1E1}" presName="rootConnector3" presStyleLbl="asst1" presStyleIdx="17" presStyleCnt="50"/>
+      <dgm:prSet presAssocID="{AAD5DB4F-B470-4935-9FA1-84FFF055E1E1}" presName="rootConnector3" presStyleLbl="asst1" presStyleIdx="19" presStyleCnt="62"/>
       <dgm:spPr/>
     </dgm:pt>
     <dgm:pt modelId="{DB986778-49A5-46E0-A537-82E64E7C0850}" type="pres">
@@ -3585,7 +4143,7 @@
       <dgm:spPr/>
     </dgm:pt>
     <dgm:pt modelId="{3B8B80CA-A300-4E85-AD7F-DE2B7485EAFA}" type="pres">
-      <dgm:prSet presAssocID="{897CE3CE-C73F-4950-BB70-A9A2F12F29C1}" presName="Name111" presStyleLbl="parChTrans1D4" presStyleIdx="14" presStyleCnt="32"/>
+      <dgm:prSet presAssocID="{897CE3CE-C73F-4950-BB70-A9A2F12F29C1}" presName="Name111" presStyleLbl="parChTrans1D4" presStyleIdx="16" presStyleCnt="42"/>
       <dgm:spPr/>
     </dgm:pt>
     <dgm:pt modelId="{00086CBD-24BD-4163-B8D3-B7BD4174E81C}" type="pres">
@@ -3601,7 +4159,7 @@
       <dgm:spPr/>
     </dgm:pt>
     <dgm:pt modelId="{2F5DA395-98D7-4FE9-ADDD-B78A90D4D5C8}" type="pres">
-      <dgm:prSet presAssocID="{7A35A079-E45F-4CB2-8E3A-46407BA36BDD}" presName="rootText3" presStyleLbl="asst1" presStyleIdx="18" presStyleCnt="50">
+      <dgm:prSet presAssocID="{7A35A079-E45F-4CB2-8E3A-46407BA36BDD}" presName="rootText3" presStyleLbl="asst1" presStyleIdx="20" presStyleCnt="62">
         <dgm:presLayoutVars>
           <dgm:chPref val="3"/>
         </dgm:presLayoutVars>
@@ -3609,7 +4167,7 @@
       <dgm:spPr/>
     </dgm:pt>
     <dgm:pt modelId="{D1CA009F-84BB-4814-85E3-0F2600BA9EED}" type="pres">
-      <dgm:prSet presAssocID="{7A35A079-E45F-4CB2-8E3A-46407BA36BDD}" presName="rootConnector3" presStyleLbl="asst1" presStyleIdx="18" presStyleCnt="50"/>
+      <dgm:prSet presAssocID="{7A35A079-E45F-4CB2-8E3A-46407BA36BDD}" presName="rootConnector3" presStyleLbl="asst1" presStyleIdx="20" presStyleCnt="62"/>
       <dgm:spPr/>
     </dgm:pt>
     <dgm:pt modelId="{6796FD29-F065-4A29-8C7D-ECB80E4539DC}" type="pres">
@@ -3621,7 +4179,7 @@
       <dgm:spPr/>
     </dgm:pt>
     <dgm:pt modelId="{37C7BC80-7487-400F-942E-1D4D3EBF3734}" type="pres">
-      <dgm:prSet presAssocID="{6F9935B6-B76B-4F94-BE7E-228C22706ABF}" presName="Name111" presStyleLbl="parChTrans1D2" presStyleIdx="2" presStyleCnt="7"/>
+      <dgm:prSet presAssocID="{6F9935B6-B76B-4F94-BE7E-228C22706ABF}" presName="Name111" presStyleLbl="parChTrans1D2" presStyleIdx="2" presStyleCnt="8"/>
       <dgm:spPr/>
     </dgm:pt>
     <dgm:pt modelId="{B15C4BAA-1D64-42AD-A607-46052394DA97}" type="pres">
@@ -3637,7 +4195,7 @@
       <dgm:spPr/>
     </dgm:pt>
     <dgm:pt modelId="{7B729E8C-5D0D-4C65-A18C-D77CE62B6E3D}" type="pres">
-      <dgm:prSet presAssocID="{F4555AF6-45CD-4C98-8ED0-75426DB0E00B}" presName="rootText3" presStyleLbl="asst1" presStyleIdx="19" presStyleCnt="50">
+      <dgm:prSet presAssocID="{F4555AF6-45CD-4C98-8ED0-75426DB0E00B}" presName="rootText3" presStyleLbl="asst1" presStyleIdx="21" presStyleCnt="62">
         <dgm:presLayoutVars>
           <dgm:chPref val="3"/>
         </dgm:presLayoutVars>
@@ -3645,7 +4203,7 @@
       <dgm:spPr/>
     </dgm:pt>
     <dgm:pt modelId="{7966AC9D-8D21-4573-ABE4-FD17B8A3A950}" type="pres">
-      <dgm:prSet presAssocID="{F4555AF6-45CD-4C98-8ED0-75426DB0E00B}" presName="rootConnector3" presStyleLbl="asst1" presStyleIdx="19" presStyleCnt="50"/>
+      <dgm:prSet presAssocID="{F4555AF6-45CD-4C98-8ED0-75426DB0E00B}" presName="rootConnector3" presStyleLbl="asst1" presStyleIdx="21" presStyleCnt="62"/>
       <dgm:spPr/>
     </dgm:pt>
     <dgm:pt modelId="{F074DA1D-3F8B-44DC-BD56-DFF77AE07C87}" type="pres">
@@ -3657,7 +4215,7 @@
       <dgm:spPr/>
     </dgm:pt>
     <dgm:pt modelId="{71748AAD-9CFD-4E76-8681-C69FB598D6C6}" type="pres">
-      <dgm:prSet presAssocID="{15728E7A-B3F4-4846-9859-011F8F042136}" presName="Name111" presStyleLbl="parChTrans1D3" presStyleIdx="2" presStyleCnt="11"/>
+      <dgm:prSet presAssocID="{15728E7A-B3F4-4846-9859-011F8F042136}" presName="Name111" presStyleLbl="parChTrans1D3" presStyleIdx="2" presStyleCnt="12"/>
       <dgm:spPr/>
     </dgm:pt>
     <dgm:pt modelId="{A081337A-BCA2-4BA9-A6AC-251A053F9B12}" type="pres">
@@ -3673,7 +4231,7 @@
       <dgm:spPr/>
     </dgm:pt>
     <dgm:pt modelId="{CBC61EC5-8357-41D5-A566-A8644C9E413A}" type="pres">
-      <dgm:prSet presAssocID="{E36657BB-C992-457D-ABD4-294FF0D9E0B9}" presName="rootText3" presStyleLbl="asst1" presStyleIdx="20" presStyleCnt="50">
+      <dgm:prSet presAssocID="{E36657BB-C992-457D-ABD4-294FF0D9E0B9}" presName="rootText3" presStyleLbl="asst1" presStyleIdx="22" presStyleCnt="62">
         <dgm:presLayoutVars>
           <dgm:chPref val="3"/>
         </dgm:presLayoutVars>
@@ -3681,7 +4239,7 @@
       <dgm:spPr/>
     </dgm:pt>
     <dgm:pt modelId="{C1082ACE-4B57-4223-B5E4-93B6C7F0399C}" type="pres">
-      <dgm:prSet presAssocID="{E36657BB-C992-457D-ABD4-294FF0D9E0B9}" presName="rootConnector3" presStyleLbl="asst1" presStyleIdx="20" presStyleCnt="50"/>
+      <dgm:prSet presAssocID="{E36657BB-C992-457D-ABD4-294FF0D9E0B9}" presName="rootConnector3" presStyleLbl="asst1" presStyleIdx="22" presStyleCnt="62"/>
       <dgm:spPr/>
     </dgm:pt>
     <dgm:pt modelId="{A010814C-0C13-4886-991D-EEDB6B1E328E}" type="pres">
@@ -3693,7 +4251,7 @@
       <dgm:spPr/>
     </dgm:pt>
     <dgm:pt modelId="{D3CCF87E-6C72-43B2-97D4-4E82C64CD863}" type="pres">
-      <dgm:prSet presAssocID="{3BE59F7A-45B6-4CE6-B638-4FB12D537F41}" presName="Name111" presStyleLbl="parChTrans1D4" presStyleIdx="15" presStyleCnt="32"/>
+      <dgm:prSet presAssocID="{3BE59F7A-45B6-4CE6-B638-4FB12D537F41}" presName="Name111" presStyleLbl="parChTrans1D4" presStyleIdx="17" presStyleCnt="42"/>
       <dgm:spPr/>
     </dgm:pt>
     <dgm:pt modelId="{BE619F38-D364-4CA2-92BD-A37E50089B16}" type="pres">
@@ -3709,7 +4267,7 @@
       <dgm:spPr/>
     </dgm:pt>
     <dgm:pt modelId="{551598E9-034F-4447-97E1-782205478AE8}" type="pres">
-      <dgm:prSet presAssocID="{678E8F72-3967-48CC-9A5A-BD97DEB27994}" presName="rootText3" presStyleLbl="asst1" presStyleIdx="21" presStyleCnt="50">
+      <dgm:prSet presAssocID="{678E8F72-3967-48CC-9A5A-BD97DEB27994}" presName="rootText3" presStyleLbl="asst1" presStyleIdx="23" presStyleCnt="62">
         <dgm:presLayoutVars>
           <dgm:chPref val="3"/>
         </dgm:presLayoutVars>
@@ -3717,7 +4275,7 @@
       <dgm:spPr/>
     </dgm:pt>
     <dgm:pt modelId="{1A880197-E40B-48B6-A00E-3B1B844CF43E}" type="pres">
-      <dgm:prSet presAssocID="{678E8F72-3967-48CC-9A5A-BD97DEB27994}" presName="rootConnector3" presStyleLbl="asst1" presStyleIdx="21" presStyleCnt="50"/>
+      <dgm:prSet presAssocID="{678E8F72-3967-48CC-9A5A-BD97DEB27994}" presName="rootConnector3" presStyleLbl="asst1" presStyleIdx="23" presStyleCnt="62"/>
       <dgm:spPr/>
     </dgm:pt>
     <dgm:pt modelId="{6B2781D0-0F20-47A0-87E8-3283D1F5226D}" type="pres">
@@ -3729,7 +4287,7 @@
       <dgm:spPr/>
     </dgm:pt>
     <dgm:pt modelId="{9DA744D5-350D-4A69-A847-EB442D828B83}" type="pres">
-      <dgm:prSet presAssocID="{E2B40DA0-67AF-4A83-9084-E878E7DAD26A}" presName="Name111" presStyleLbl="parChTrans1D4" presStyleIdx="16" presStyleCnt="32"/>
+      <dgm:prSet presAssocID="{E2B40DA0-67AF-4A83-9084-E878E7DAD26A}" presName="Name111" presStyleLbl="parChTrans1D4" presStyleIdx="18" presStyleCnt="42"/>
       <dgm:spPr/>
     </dgm:pt>
     <dgm:pt modelId="{C8A45D8E-C54E-47FE-8ADD-C2263008F577}" type="pres">
@@ -3745,7 +4303,7 @@
       <dgm:spPr/>
     </dgm:pt>
     <dgm:pt modelId="{05121054-EFD6-49CC-81C8-AF91D8C37724}" type="pres">
-      <dgm:prSet presAssocID="{C87D81A1-6CC8-4DCA-BD15-B97D48806961}" presName="rootText3" presStyleLbl="asst1" presStyleIdx="22" presStyleCnt="50">
+      <dgm:prSet presAssocID="{C87D81A1-6CC8-4DCA-BD15-B97D48806961}" presName="rootText3" presStyleLbl="asst1" presStyleIdx="24" presStyleCnt="62">
         <dgm:presLayoutVars>
           <dgm:chPref val="3"/>
         </dgm:presLayoutVars>
@@ -3753,7 +4311,7 @@
       <dgm:spPr/>
     </dgm:pt>
     <dgm:pt modelId="{774BED4D-5A96-4C60-885C-497ACC6441F2}" type="pres">
-      <dgm:prSet presAssocID="{C87D81A1-6CC8-4DCA-BD15-B97D48806961}" presName="rootConnector3" presStyleLbl="asst1" presStyleIdx="22" presStyleCnt="50"/>
+      <dgm:prSet presAssocID="{C87D81A1-6CC8-4DCA-BD15-B97D48806961}" presName="rootConnector3" presStyleLbl="asst1" presStyleIdx="24" presStyleCnt="62"/>
       <dgm:spPr/>
     </dgm:pt>
     <dgm:pt modelId="{B9BB1E45-A877-4507-8CD3-439C79929DB4}" type="pres">
@@ -3765,7 +4323,7 @@
       <dgm:spPr/>
     </dgm:pt>
     <dgm:pt modelId="{DF8E89CD-BF8E-47B8-BE68-B8E177AB7234}" type="pres">
-      <dgm:prSet presAssocID="{D1B5A967-3CEB-46AD-BF90-D273A6B14619}" presName="Name111" presStyleLbl="parChTrans1D4" presStyleIdx="17" presStyleCnt="32"/>
+      <dgm:prSet presAssocID="{D1B5A967-3CEB-46AD-BF90-D273A6B14619}" presName="Name111" presStyleLbl="parChTrans1D4" presStyleIdx="19" presStyleCnt="42"/>
       <dgm:spPr/>
     </dgm:pt>
     <dgm:pt modelId="{AB169289-E06F-4D06-978E-A5F2981C357B}" type="pres">
@@ -3781,7 +4339,7 @@
       <dgm:spPr/>
     </dgm:pt>
     <dgm:pt modelId="{059FBCEB-C1E8-4D3B-AEFC-9AF2EAB5A0C0}" type="pres">
-      <dgm:prSet presAssocID="{AA8F3353-CF59-4492-826B-98B162F4CD24}" presName="rootText3" presStyleLbl="asst1" presStyleIdx="23" presStyleCnt="50">
+      <dgm:prSet presAssocID="{AA8F3353-CF59-4492-826B-98B162F4CD24}" presName="rootText3" presStyleLbl="asst1" presStyleIdx="25" presStyleCnt="62">
         <dgm:presLayoutVars>
           <dgm:chPref val="3"/>
         </dgm:presLayoutVars>
@@ -3789,7 +4347,7 @@
       <dgm:spPr/>
     </dgm:pt>
     <dgm:pt modelId="{11BC200D-0CDD-48A9-8270-990285883250}" type="pres">
-      <dgm:prSet presAssocID="{AA8F3353-CF59-4492-826B-98B162F4CD24}" presName="rootConnector3" presStyleLbl="asst1" presStyleIdx="23" presStyleCnt="50"/>
+      <dgm:prSet presAssocID="{AA8F3353-CF59-4492-826B-98B162F4CD24}" presName="rootConnector3" presStyleLbl="asst1" presStyleIdx="25" presStyleCnt="62"/>
       <dgm:spPr/>
     </dgm:pt>
     <dgm:pt modelId="{4108A0F4-DC73-4E59-8BC6-11F495CE5EC4}" type="pres">
@@ -3801,7 +4359,7 @@
       <dgm:spPr/>
     </dgm:pt>
     <dgm:pt modelId="{6A7C5EC1-5A17-46BD-B28A-0E77CB3F5AE0}" type="pres">
-      <dgm:prSet presAssocID="{B2206A5F-C5A8-4377-AEBE-B9CA5071E7D3}" presName="Name111" presStyleLbl="parChTrans1D4" presStyleIdx="18" presStyleCnt="32"/>
+      <dgm:prSet presAssocID="{B2206A5F-C5A8-4377-AEBE-B9CA5071E7D3}" presName="Name111" presStyleLbl="parChTrans1D4" presStyleIdx="20" presStyleCnt="42"/>
       <dgm:spPr/>
     </dgm:pt>
     <dgm:pt modelId="{7D4F22CF-DBE2-49C3-A353-D134EC92A7C8}" type="pres">
@@ -3817,7 +4375,7 @@
       <dgm:spPr/>
     </dgm:pt>
     <dgm:pt modelId="{835FBC05-15F8-43EF-A036-E3BC2CA82BE9}" type="pres">
-      <dgm:prSet presAssocID="{8F25F80D-4148-4172-8A18-DB868B5E04E8}" presName="rootText3" presStyleLbl="asst1" presStyleIdx="24" presStyleCnt="50">
+      <dgm:prSet presAssocID="{8F25F80D-4148-4172-8A18-DB868B5E04E8}" presName="rootText3" presStyleLbl="asst1" presStyleIdx="26" presStyleCnt="62">
         <dgm:presLayoutVars>
           <dgm:chPref val="3"/>
         </dgm:presLayoutVars>
@@ -3825,7 +4383,7 @@
       <dgm:spPr/>
     </dgm:pt>
     <dgm:pt modelId="{5A1B7CEC-1033-4139-AA7A-0CA46EFB700D}" type="pres">
-      <dgm:prSet presAssocID="{8F25F80D-4148-4172-8A18-DB868B5E04E8}" presName="rootConnector3" presStyleLbl="asst1" presStyleIdx="24" presStyleCnt="50"/>
+      <dgm:prSet presAssocID="{8F25F80D-4148-4172-8A18-DB868B5E04E8}" presName="rootConnector3" presStyleLbl="asst1" presStyleIdx="26" presStyleCnt="62"/>
       <dgm:spPr/>
     </dgm:pt>
     <dgm:pt modelId="{109D503A-E976-4E74-B81F-C16541A8C66E}" type="pres">
@@ -3837,7 +4395,7 @@
       <dgm:spPr/>
     </dgm:pt>
     <dgm:pt modelId="{EFE6615F-D31F-4C36-B70C-2208DE3019FC}" type="pres">
-      <dgm:prSet presAssocID="{370BCFBA-06A4-4104-8062-395094EC89E2}" presName="Name111" presStyleLbl="parChTrans1D4" presStyleIdx="19" presStyleCnt="32"/>
+      <dgm:prSet presAssocID="{370BCFBA-06A4-4104-8062-395094EC89E2}" presName="Name111" presStyleLbl="parChTrans1D4" presStyleIdx="21" presStyleCnt="42"/>
       <dgm:spPr/>
     </dgm:pt>
     <dgm:pt modelId="{2B3D3838-8B9C-4230-A930-4A86654E68C9}" type="pres">
@@ -3853,7 +4411,7 @@
       <dgm:spPr/>
     </dgm:pt>
     <dgm:pt modelId="{E2F6B417-5BD4-4008-AAF6-B738C8BED1E8}" type="pres">
-      <dgm:prSet presAssocID="{A1CD47A1-26A2-43AA-95C3-0AE9675E5CC8}" presName="rootText3" presStyleLbl="asst1" presStyleIdx="25" presStyleCnt="50">
+      <dgm:prSet presAssocID="{A1CD47A1-26A2-43AA-95C3-0AE9675E5CC8}" presName="rootText3" presStyleLbl="asst1" presStyleIdx="27" presStyleCnt="62">
         <dgm:presLayoutVars>
           <dgm:chPref val="3"/>
         </dgm:presLayoutVars>
@@ -3861,7 +4419,7 @@
       <dgm:spPr/>
     </dgm:pt>
     <dgm:pt modelId="{D524F5A4-33EA-48AA-A363-575954A8203D}" type="pres">
-      <dgm:prSet presAssocID="{A1CD47A1-26A2-43AA-95C3-0AE9675E5CC8}" presName="rootConnector3" presStyleLbl="asst1" presStyleIdx="25" presStyleCnt="50"/>
+      <dgm:prSet presAssocID="{A1CD47A1-26A2-43AA-95C3-0AE9675E5CC8}" presName="rootConnector3" presStyleLbl="asst1" presStyleIdx="27" presStyleCnt="62"/>
       <dgm:spPr/>
     </dgm:pt>
     <dgm:pt modelId="{239CDB71-084C-4A32-B528-0DA5B0E23402}" type="pres">
@@ -3873,7 +4431,7 @@
       <dgm:spPr/>
     </dgm:pt>
     <dgm:pt modelId="{D0839BF5-848A-4548-8D53-A40C09B050CB}" type="pres">
-      <dgm:prSet presAssocID="{1B7DDC3B-5191-4D44-AA1A-57A901202772}" presName="Name111" presStyleLbl="parChTrans1D4" presStyleIdx="20" presStyleCnt="32"/>
+      <dgm:prSet presAssocID="{1B7DDC3B-5191-4D44-AA1A-57A901202772}" presName="Name111" presStyleLbl="parChTrans1D4" presStyleIdx="22" presStyleCnt="42"/>
       <dgm:spPr/>
     </dgm:pt>
     <dgm:pt modelId="{59E22F8F-9B03-481B-BD3A-C70A0F3AC604}" type="pres">
@@ -3889,7 +4447,7 @@
       <dgm:spPr/>
     </dgm:pt>
     <dgm:pt modelId="{8E052154-49ED-445C-A8C9-E6354099F9EA}" type="pres">
-      <dgm:prSet presAssocID="{CFBBDE2F-F64F-4F41-B999-94B8508F8C57}" presName="rootText3" presStyleLbl="asst1" presStyleIdx="26" presStyleCnt="50">
+      <dgm:prSet presAssocID="{CFBBDE2F-F64F-4F41-B999-94B8508F8C57}" presName="rootText3" presStyleLbl="asst1" presStyleIdx="28" presStyleCnt="62">
         <dgm:presLayoutVars>
           <dgm:chPref val="3"/>
         </dgm:presLayoutVars>
@@ -3897,7 +4455,7 @@
       <dgm:spPr/>
     </dgm:pt>
     <dgm:pt modelId="{B675B579-3FD3-4543-90A6-DFD1BBEBBB31}" type="pres">
-      <dgm:prSet presAssocID="{CFBBDE2F-F64F-4F41-B999-94B8508F8C57}" presName="rootConnector3" presStyleLbl="asst1" presStyleIdx="26" presStyleCnt="50"/>
+      <dgm:prSet presAssocID="{CFBBDE2F-F64F-4F41-B999-94B8508F8C57}" presName="rootConnector3" presStyleLbl="asst1" presStyleIdx="28" presStyleCnt="62"/>
       <dgm:spPr/>
     </dgm:pt>
     <dgm:pt modelId="{53E4BBE2-94CF-4D73-96F9-1F96DE01991D}" type="pres">
@@ -3908,8 +4466,368 @@
       <dgm:prSet presAssocID="{CFBBDE2F-F64F-4F41-B999-94B8508F8C57}" presName="hierChild7" presStyleCnt="0"/>
       <dgm:spPr/>
     </dgm:pt>
+    <dgm:pt modelId="{DD8A59A6-D87D-4542-9DF9-2735EB615F81}" type="pres">
+      <dgm:prSet presAssocID="{D296A94E-47D9-4ADF-8D56-AA8DC3233F2E}" presName="Name111" presStyleLbl="parChTrans1D2" presStyleIdx="3" presStyleCnt="8"/>
+      <dgm:spPr/>
+    </dgm:pt>
+    <dgm:pt modelId="{4E41B881-B044-45B1-96CD-98DD3624D48B}" type="pres">
+      <dgm:prSet presAssocID="{3DCAF95B-41E1-4F50-B5D0-426D9C1709BB}" presName="hierRoot3" presStyleCnt="0">
+        <dgm:presLayoutVars>
+          <dgm:hierBranch val="init"/>
+        </dgm:presLayoutVars>
+      </dgm:prSet>
+      <dgm:spPr/>
+    </dgm:pt>
+    <dgm:pt modelId="{D21259DF-F24C-4C09-8729-A5C553BDD6C2}" type="pres">
+      <dgm:prSet presAssocID="{3DCAF95B-41E1-4F50-B5D0-426D9C1709BB}" presName="rootComposite3" presStyleCnt="0"/>
+      <dgm:spPr/>
+    </dgm:pt>
+    <dgm:pt modelId="{00D5D10B-8AA0-43B3-889D-6ED1CE84029D}" type="pres">
+      <dgm:prSet presAssocID="{3DCAF95B-41E1-4F50-B5D0-426D9C1709BB}" presName="rootText3" presStyleLbl="asst1" presStyleIdx="29" presStyleCnt="62">
+        <dgm:presLayoutVars>
+          <dgm:chPref val="3"/>
+        </dgm:presLayoutVars>
+      </dgm:prSet>
+      <dgm:spPr/>
+    </dgm:pt>
+    <dgm:pt modelId="{E21DF416-28FA-4AD1-A96E-B1F0DEF51262}" type="pres">
+      <dgm:prSet presAssocID="{3DCAF95B-41E1-4F50-B5D0-426D9C1709BB}" presName="rootConnector3" presStyleLbl="asst1" presStyleIdx="29" presStyleCnt="62"/>
+      <dgm:spPr/>
+    </dgm:pt>
+    <dgm:pt modelId="{D23C6978-80BF-4E54-81CC-42C28BFFF60E}" type="pres">
+      <dgm:prSet presAssocID="{3DCAF95B-41E1-4F50-B5D0-426D9C1709BB}" presName="hierChild6" presStyleCnt="0"/>
+      <dgm:spPr/>
+    </dgm:pt>
+    <dgm:pt modelId="{430B0142-C30C-4A79-A73D-970AA3C356C1}" type="pres">
+      <dgm:prSet presAssocID="{3DCAF95B-41E1-4F50-B5D0-426D9C1709BB}" presName="hierChild7" presStyleCnt="0"/>
+      <dgm:spPr/>
+    </dgm:pt>
+    <dgm:pt modelId="{30AF305B-D244-4676-B213-4FA8DE312A80}" type="pres">
+      <dgm:prSet presAssocID="{CB48E9F4-2F28-479C-9C48-97E045347217}" presName="Name111" presStyleLbl="parChTrans1D3" presStyleIdx="3" presStyleCnt="12"/>
+      <dgm:spPr/>
+    </dgm:pt>
+    <dgm:pt modelId="{91B257AA-2E3B-4B45-9D1A-19652C174617}" type="pres">
+      <dgm:prSet presAssocID="{699BA473-F873-45AA-B189-953810E2DF46}" presName="hierRoot3" presStyleCnt="0">
+        <dgm:presLayoutVars>
+          <dgm:hierBranch val="init"/>
+        </dgm:presLayoutVars>
+      </dgm:prSet>
+      <dgm:spPr/>
+    </dgm:pt>
+    <dgm:pt modelId="{9786E4E8-353D-4E59-B962-058014FFAE94}" type="pres">
+      <dgm:prSet presAssocID="{699BA473-F873-45AA-B189-953810E2DF46}" presName="rootComposite3" presStyleCnt="0"/>
+      <dgm:spPr/>
+    </dgm:pt>
+    <dgm:pt modelId="{96061F53-08F3-4E09-B7D7-23E0C5D08D8B}" type="pres">
+      <dgm:prSet presAssocID="{699BA473-F873-45AA-B189-953810E2DF46}" presName="rootText3" presStyleLbl="asst1" presStyleIdx="30" presStyleCnt="62">
+        <dgm:presLayoutVars>
+          <dgm:chPref val="3"/>
+        </dgm:presLayoutVars>
+      </dgm:prSet>
+      <dgm:spPr/>
+    </dgm:pt>
+    <dgm:pt modelId="{5C2A2BA1-9EE9-42F9-8CCB-C4510A919B9D}" type="pres">
+      <dgm:prSet presAssocID="{699BA473-F873-45AA-B189-953810E2DF46}" presName="rootConnector3" presStyleLbl="asst1" presStyleIdx="30" presStyleCnt="62"/>
+      <dgm:spPr/>
+    </dgm:pt>
+    <dgm:pt modelId="{B412B556-ACE4-4598-A24D-50A21312B470}" type="pres">
+      <dgm:prSet presAssocID="{699BA473-F873-45AA-B189-953810E2DF46}" presName="hierChild6" presStyleCnt="0"/>
+      <dgm:spPr/>
+    </dgm:pt>
+    <dgm:pt modelId="{4A6B5671-EA50-4300-828E-3EE6E61C229F}" type="pres">
+      <dgm:prSet presAssocID="{699BA473-F873-45AA-B189-953810E2DF46}" presName="hierChild7" presStyleCnt="0"/>
+      <dgm:spPr/>
+    </dgm:pt>
+    <dgm:pt modelId="{3ECBD4AE-1413-4A8F-A7FA-FE90975D12DC}" type="pres">
+      <dgm:prSet presAssocID="{6E06EBBA-6A7B-43EE-B6E8-54B7C4674852}" presName="Name111" presStyleLbl="parChTrans1D4" presStyleIdx="23" presStyleCnt="42"/>
+      <dgm:spPr/>
+    </dgm:pt>
+    <dgm:pt modelId="{16F5AB55-30A7-4AAD-8950-AA590FB54550}" type="pres">
+      <dgm:prSet presAssocID="{0FC22D25-49E6-4449-B182-5C6A94AB6B35}" presName="hierRoot3" presStyleCnt="0">
+        <dgm:presLayoutVars>
+          <dgm:hierBranch val="init"/>
+        </dgm:presLayoutVars>
+      </dgm:prSet>
+      <dgm:spPr/>
+    </dgm:pt>
+    <dgm:pt modelId="{A6B8EA2F-F26F-4DBA-B451-4E6E8319EAE6}" type="pres">
+      <dgm:prSet presAssocID="{0FC22D25-49E6-4449-B182-5C6A94AB6B35}" presName="rootComposite3" presStyleCnt="0"/>
+      <dgm:spPr/>
+    </dgm:pt>
+    <dgm:pt modelId="{248F3600-CB79-4891-ADA9-3921BA2D6F2C}" type="pres">
+      <dgm:prSet presAssocID="{0FC22D25-49E6-4449-B182-5C6A94AB6B35}" presName="rootText3" presStyleLbl="asst1" presStyleIdx="31" presStyleCnt="62">
+        <dgm:presLayoutVars>
+          <dgm:chPref val="3"/>
+        </dgm:presLayoutVars>
+      </dgm:prSet>
+      <dgm:spPr/>
+    </dgm:pt>
+    <dgm:pt modelId="{73FB2861-368D-48FD-AAA6-2F31B6336050}" type="pres">
+      <dgm:prSet presAssocID="{0FC22D25-49E6-4449-B182-5C6A94AB6B35}" presName="rootConnector3" presStyleLbl="asst1" presStyleIdx="31" presStyleCnt="62"/>
+      <dgm:spPr/>
+    </dgm:pt>
+    <dgm:pt modelId="{72911D56-F7F3-4800-B8FB-D83F472C238D}" type="pres">
+      <dgm:prSet presAssocID="{0FC22D25-49E6-4449-B182-5C6A94AB6B35}" presName="hierChild6" presStyleCnt="0"/>
+      <dgm:spPr/>
+    </dgm:pt>
+    <dgm:pt modelId="{9711A4A7-F1F0-49FC-9D04-10FB85FC9BA8}" type="pres">
+      <dgm:prSet presAssocID="{0FC22D25-49E6-4449-B182-5C6A94AB6B35}" presName="hierChild7" presStyleCnt="0"/>
+      <dgm:spPr/>
+    </dgm:pt>
+    <dgm:pt modelId="{840A93A4-5130-4E81-82D8-DEB4AFBB730F}" type="pres">
+      <dgm:prSet presAssocID="{97ACF864-7062-497D-A255-14D58EC5AA6E}" presName="Name111" presStyleLbl="parChTrans1D4" presStyleIdx="24" presStyleCnt="42"/>
+      <dgm:spPr/>
+    </dgm:pt>
+    <dgm:pt modelId="{C7CA45A5-637B-4AFC-95A2-F01D005C1C35}" type="pres">
+      <dgm:prSet presAssocID="{C57AA0CF-C64A-40DD-A0F9-F637E7536093}" presName="hierRoot3" presStyleCnt="0">
+        <dgm:presLayoutVars>
+          <dgm:hierBranch val="init"/>
+        </dgm:presLayoutVars>
+      </dgm:prSet>
+      <dgm:spPr/>
+    </dgm:pt>
+    <dgm:pt modelId="{1AEA800B-D627-47AF-90B6-7B2FA62A0825}" type="pres">
+      <dgm:prSet presAssocID="{C57AA0CF-C64A-40DD-A0F9-F637E7536093}" presName="rootComposite3" presStyleCnt="0"/>
+      <dgm:spPr/>
+    </dgm:pt>
+    <dgm:pt modelId="{7383D0D0-0515-4684-AFF0-5F0F362D0779}" type="pres">
+      <dgm:prSet presAssocID="{C57AA0CF-C64A-40DD-A0F9-F637E7536093}" presName="rootText3" presStyleLbl="asst1" presStyleIdx="32" presStyleCnt="62">
+        <dgm:presLayoutVars>
+          <dgm:chPref val="3"/>
+        </dgm:presLayoutVars>
+      </dgm:prSet>
+      <dgm:spPr/>
+    </dgm:pt>
+    <dgm:pt modelId="{1E79BA74-04B7-40EC-BC2E-2CF160C99BFD}" type="pres">
+      <dgm:prSet presAssocID="{C57AA0CF-C64A-40DD-A0F9-F637E7536093}" presName="rootConnector3" presStyleLbl="asst1" presStyleIdx="32" presStyleCnt="62"/>
+      <dgm:spPr/>
+    </dgm:pt>
+    <dgm:pt modelId="{8B35773A-5E89-4B03-9DEF-C2EE8C6006F0}" type="pres">
+      <dgm:prSet presAssocID="{C57AA0CF-C64A-40DD-A0F9-F637E7536093}" presName="hierChild6" presStyleCnt="0"/>
+      <dgm:spPr/>
+    </dgm:pt>
+    <dgm:pt modelId="{BEA6B9AE-6068-47CE-B72C-B873EE0DBD33}" type="pres">
+      <dgm:prSet presAssocID="{C57AA0CF-C64A-40DD-A0F9-F637E7536093}" presName="hierChild7" presStyleCnt="0"/>
+      <dgm:spPr/>
+    </dgm:pt>
+    <dgm:pt modelId="{6C624122-029E-4779-97C0-6A5A85BBD46E}" type="pres">
+      <dgm:prSet presAssocID="{12061413-849C-439D-80D3-1B412E8CC481}" presName="Name111" presStyleLbl="parChTrans1D4" presStyleIdx="25" presStyleCnt="42"/>
+      <dgm:spPr/>
+    </dgm:pt>
+    <dgm:pt modelId="{A4E1A3D7-3109-4CF2-A1A7-02A54FF01F14}" type="pres">
+      <dgm:prSet presAssocID="{B68228D5-E8AB-45BD-85B3-DF6E154CDD75}" presName="hierRoot3" presStyleCnt="0">
+        <dgm:presLayoutVars>
+          <dgm:hierBranch val="init"/>
+        </dgm:presLayoutVars>
+      </dgm:prSet>
+      <dgm:spPr/>
+    </dgm:pt>
+    <dgm:pt modelId="{0B103F69-B4C6-4AD5-A177-213164AF87CE}" type="pres">
+      <dgm:prSet presAssocID="{B68228D5-E8AB-45BD-85B3-DF6E154CDD75}" presName="rootComposite3" presStyleCnt="0"/>
+      <dgm:spPr/>
+    </dgm:pt>
+    <dgm:pt modelId="{F2D1A4CC-10AC-4501-93C6-C16062E965E5}" type="pres">
+      <dgm:prSet presAssocID="{B68228D5-E8AB-45BD-85B3-DF6E154CDD75}" presName="rootText3" presStyleLbl="asst1" presStyleIdx="33" presStyleCnt="62">
+        <dgm:presLayoutVars>
+          <dgm:chPref val="3"/>
+        </dgm:presLayoutVars>
+      </dgm:prSet>
+      <dgm:spPr/>
+    </dgm:pt>
+    <dgm:pt modelId="{26F83B62-3A6D-45D3-8879-D463F9A015F9}" type="pres">
+      <dgm:prSet presAssocID="{B68228D5-E8AB-45BD-85B3-DF6E154CDD75}" presName="rootConnector3" presStyleLbl="asst1" presStyleIdx="33" presStyleCnt="62"/>
+      <dgm:spPr/>
+    </dgm:pt>
+    <dgm:pt modelId="{23323B53-3847-4CFD-944A-42264E2392DA}" type="pres">
+      <dgm:prSet presAssocID="{B68228D5-E8AB-45BD-85B3-DF6E154CDD75}" presName="hierChild6" presStyleCnt="0"/>
+      <dgm:spPr/>
+    </dgm:pt>
+    <dgm:pt modelId="{C91BA029-FFE7-4A5B-B139-CA4639D1586A}" type="pres">
+      <dgm:prSet presAssocID="{B68228D5-E8AB-45BD-85B3-DF6E154CDD75}" presName="hierChild7" presStyleCnt="0"/>
+      <dgm:spPr/>
+    </dgm:pt>
+    <dgm:pt modelId="{4B816979-47EE-4B7F-A0E8-80D866845DA5}" type="pres">
+      <dgm:prSet presAssocID="{A3BB76E1-8F86-48BF-9B8D-1306F11AD2C6}" presName="Name111" presStyleLbl="parChTrans1D4" presStyleIdx="26" presStyleCnt="42"/>
+      <dgm:spPr/>
+    </dgm:pt>
+    <dgm:pt modelId="{22398CBA-C6BA-452D-89CF-8792A30B19FE}" type="pres">
+      <dgm:prSet presAssocID="{C7AF416C-156D-4586-9026-09CE61B4086A}" presName="hierRoot3" presStyleCnt="0">
+        <dgm:presLayoutVars>
+          <dgm:hierBranch val="init"/>
+        </dgm:presLayoutVars>
+      </dgm:prSet>
+      <dgm:spPr/>
+    </dgm:pt>
+    <dgm:pt modelId="{C9731DDA-7587-4B08-8CF2-C8309EC1B44D}" type="pres">
+      <dgm:prSet presAssocID="{C7AF416C-156D-4586-9026-09CE61B4086A}" presName="rootComposite3" presStyleCnt="0"/>
+      <dgm:spPr/>
+    </dgm:pt>
+    <dgm:pt modelId="{E4AC0109-0A2D-4A2D-927D-BF34315E0098}" type="pres">
+      <dgm:prSet presAssocID="{C7AF416C-156D-4586-9026-09CE61B4086A}" presName="rootText3" presStyleLbl="asst1" presStyleIdx="34" presStyleCnt="62">
+        <dgm:presLayoutVars>
+          <dgm:chPref val="3"/>
+        </dgm:presLayoutVars>
+      </dgm:prSet>
+      <dgm:spPr/>
+    </dgm:pt>
+    <dgm:pt modelId="{0CF6CE14-B8B9-4455-8494-BED16EFE1D74}" type="pres">
+      <dgm:prSet presAssocID="{C7AF416C-156D-4586-9026-09CE61B4086A}" presName="rootConnector3" presStyleLbl="asst1" presStyleIdx="34" presStyleCnt="62"/>
+      <dgm:spPr/>
+    </dgm:pt>
+    <dgm:pt modelId="{1EA36F09-1E2E-424B-AE83-4A06C79925DB}" type="pres">
+      <dgm:prSet presAssocID="{C7AF416C-156D-4586-9026-09CE61B4086A}" presName="hierChild6" presStyleCnt="0"/>
+      <dgm:spPr/>
+    </dgm:pt>
+    <dgm:pt modelId="{E6557275-40E8-45AC-BAB1-361244FF6F24}" type="pres">
+      <dgm:prSet presAssocID="{C7AF416C-156D-4586-9026-09CE61B4086A}" presName="hierChild7" presStyleCnt="0"/>
+      <dgm:spPr/>
+    </dgm:pt>
+    <dgm:pt modelId="{6B97F897-1555-4E74-BC7A-F8119B3F31BD}" type="pres">
+      <dgm:prSet presAssocID="{36D9A180-E394-4A98-9124-D8779B436D5C}" presName="Name111" presStyleLbl="parChTrans1D4" presStyleIdx="27" presStyleCnt="42"/>
+      <dgm:spPr/>
+    </dgm:pt>
+    <dgm:pt modelId="{86444678-1ECE-4CA2-A5D7-FA9FE807996A}" type="pres">
+      <dgm:prSet presAssocID="{CE4BCB29-7ECB-4DF5-9F6D-BBBBB5550BEB}" presName="hierRoot3" presStyleCnt="0">
+        <dgm:presLayoutVars>
+          <dgm:hierBranch val="init"/>
+        </dgm:presLayoutVars>
+      </dgm:prSet>
+      <dgm:spPr/>
+    </dgm:pt>
+    <dgm:pt modelId="{4B191085-743B-48A8-AF45-29A08074FAA6}" type="pres">
+      <dgm:prSet presAssocID="{CE4BCB29-7ECB-4DF5-9F6D-BBBBB5550BEB}" presName="rootComposite3" presStyleCnt="0"/>
+      <dgm:spPr/>
+    </dgm:pt>
+    <dgm:pt modelId="{1D6E1A72-0CCB-4925-886F-31DD3E434CE0}" type="pres">
+      <dgm:prSet presAssocID="{CE4BCB29-7ECB-4DF5-9F6D-BBBBB5550BEB}" presName="rootText3" presStyleLbl="asst1" presStyleIdx="35" presStyleCnt="62">
+        <dgm:presLayoutVars>
+          <dgm:chPref val="3"/>
+        </dgm:presLayoutVars>
+      </dgm:prSet>
+      <dgm:spPr/>
+    </dgm:pt>
+    <dgm:pt modelId="{350A869D-338A-4BE8-A39D-B669160D5E64}" type="pres">
+      <dgm:prSet presAssocID="{CE4BCB29-7ECB-4DF5-9F6D-BBBBB5550BEB}" presName="rootConnector3" presStyleLbl="asst1" presStyleIdx="35" presStyleCnt="62"/>
+      <dgm:spPr/>
+    </dgm:pt>
+    <dgm:pt modelId="{1FBA0E85-D53F-464D-B722-6E490C135B39}" type="pres">
+      <dgm:prSet presAssocID="{CE4BCB29-7ECB-4DF5-9F6D-BBBBB5550BEB}" presName="hierChild6" presStyleCnt="0"/>
+      <dgm:spPr/>
+    </dgm:pt>
+    <dgm:pt modelId="{265183A8-C8D8-483A-83D7-5F2E7BF87E6A}" type="pres">
+      <dgm:prSet presAssocID="{CE4BCB29-7ECB-4DF5-9F6D-BBBBB5550BEB}" presName="hierChild7" presStyleCnt="0"/>
+      <dgm:spPr/>
+    </dgm:pt>
+    <dgm:pt modelId="{6E614BD8-6F57-4070-A744-527A8AFABBDC}" type="pres">
+      <dgm:prSet presAssocID="{439FFDCD-D719-41FD-B1AE-B5C3F8903A8D}" presName="Name111" presStyleLbl="parChTrans1D4" presStyleIdx="28" presStyleCnt="42"/>
+      <dgm:spPr/>
+    </dgm:pt>
+    <dgm:pt modelId="{71D69114-F83A-403D-86E5-4E70649A27EB}" type="pres">
+      <dgm:prSet presAssocID="{A5958AC4-F97F-48DF-843E-1A0DF057388E}" presName="hierRoot3" presStyleCnt="0">
+        <dgm:presLayoutVars>
+          <dgm:hierBranch val="init"/>
+        </dgm:presLayoutVars>
+      </dgm:prSet>
+      <dgm:spPr/>
+    </dgm:pt>
+    <dgm:pt modelId="{EC470ECF-C16C-40FC-9600-988D2BA9D795}" type="pres">
+      <dgm:prSet presAssocID="{A5958AC4-F97F-48DF-843E-1A0DF057388E}" presName="rootComposite3" presStyleCnt="0"/>
+      <dgm:spPr/>
+    </dgm:pt>
+    <dgm:pt modelId="{0B4C3548-DCBD-4D42-8983-02DC77F07D6B}" type="pres">
+      <dgm:prSet presAssocID="{A5958AC4-F97F-48DF-843E-1A0DF057388E}" presName="rootText3" presStyleLbl="asst1" presStyleIdx="36" presStyleCnt="62">
+        <dgm:presLayoutVars>
+          <dgm:chPref val="3"/>
+        </dgm:presLayoutVars>
+      </dgm:prSet>
+      <dgm:spPr/>
+    </dgm:pt>
+    <dgm:pt modelId="{EA6144A2-DB14-4281-904E-8D06B029E381}" type="pres">
+      <dgm:prSet presAssocID="{A5958AC4-F97F-48DF-843E-1A0DF057388E}" presName="rootConnector3" presStyleLbl="asst1" presStyleIdx="36" presStyleCnt="62"/>
+      <dgm:spPr/>
+    </dgm:pt>
+    <dgm:pt modelId="{0A02C126-8E5D-4B4C-94A8-6CFCE90928BA}" type="pres">
+      <dgm:prSet presAssocID="{A5958AC4-F97F-48DF-843E-1A0DF057388E}" presName="hierChild6" presStyleCnt="0"/>
+      <dgm:spPr/>
+    </dgm:pt>
+    <dgm:pt modelId="{6DEA147E-8574-4E60-9A34-7F9284944DED}" type="pres">
+      <dgm:prSet presAssocID="{A5958AC4-F97F-48DF-843E-1A0DF057388E}" presName="hierChild7" presStyleCnt="0"/>
+      <dgm:spPr/>
+    </dgm:pt>
+    <dgm:pt modelId="{0D794A20-8A3C-415F-9D67-942CBCED24C5}" type="pres">
+      <dgm:prSet presAssocID="{8401AF26-EBE6-4618-87FE-C229651B7AFE}" presName="Name111" presStyleLbl="parChTrans1D4" presStyleIdx="29" presStyleCnt="42"/>
+      <dgm:spPr/>
+    </dgm:pt>
+    <dgm:pt modelId="{002B7D56-8207-44D1-888E-995D5DCD8326}" type="pres">
+      <dgm:prSet presAssocID="{0364748B-4C11-4EF4-B6CC-8A79889ADC81}" presName="hierRoot3" presStyleCnt="0">
+        <dgm:presLayoutVars>
+          <dgm:hierBranch val="init"/>
+        </dgm:presLayoutVars>
+      </dgm:prSet>
+      <dgm:spPr/>
+    </dgm:pt>
+    <dgm:pt modelId="{BDFE2E99-E8AE-4995-BA19-A9638FB67C29}" type="pres">
+      <dgm:prSet presAssocID="{0364748B-4C11-4EF4-B6CC-8A79889ADC81}" presName="rootComposite3" presStyleCnt="0"/>
+      <dgm:spPr/>
+    </dgm:pt>
+    <dgm:pt modelId="{ED02FAB8-9A57-4CEB-968B-9D9EEF96143F}" type="pres">
+      <dgm:prSet presAssocID="{0364748B-4C11-4EF4-B6CC-8A79889ADC81}" presName="rootText3" presStyleLbl="asst1" presStyleIdx="37" presStyleCnt="62">
+        <dgm:presLayoutVars>
+          <dgm:chPref val="3"/>
+        </dgm:presLayoutVars>
+      </dgm:prSet>
+      <dgm:spPr/>
+    </dgm:pt>
+    <dgm:pt modelId="{CBCF3629-F2EE-446C-8BE1-B5E69AC19D9A}" type="pres">
+      <dgm:prSet presAssocID="{0364748B-4C11-4EF4-B6CC-8A79889ADC81}" presName="rootConnector3" presStyleLbl="asst1" presStyleIdx="37" presStyleCnt="62"/>
+      <dgm:spPr/>
+    </dgm:pt>
+    <dgm:pt modelId="{5ADBD273-D832-4271-B116-F2D0AAB9014C}" type="pres">
+      <dgm:prSet presAssocID="{0364748B-4C11-4EF4-B6CC-8A79889ADC81}" presName="hierChild6" presStyleCnt="0"/>
+      <dgm:spPr/>
+    </dgm:pt>
+    <dgm:pt modelId="{C1710492-AA80-495B-86C1-06444A48B0EB}" type="pres">
+      <dgm:prSet presAssocID="{0364748B-4C11-4EF4-B6CC-8A79889ADC81}" presName="hierChild7" presStyleCnt="0"/>
+      <dgm:spPr/>
+    </dgm:pt>
+    <dgm:pt modelId="{6BB402F4-6899-4C22-B2E7-7754157A8D69}" type="pres">
+      <dgm:prSet presAssocID="{532CBD0B-5EFD-404C-B8CF-9C622FDAF632}" presName="Name111" presStyleLbl="parChTrans1D4" presStyleIdx="30" presStyleCnt="42"/>
+      <dgm:spPr/>
+    </dgm:pt>
+    <dgm:pt modelId="{866C0075-3BD3-4283-BE58-6C847545B113}" type="pres">
+      <dgm:prSet presAssocID="{64B7B612-1A6D-4C00-A945-12BFF06E6E64}" presName="hierRoot3" presStyleCnt="0">
+        <dgm:presLayoutVars>
+          <dgm:hierBranch val="init"/>
+        </dgm:presLayoutVars>
+      </dgm:prSet>
+      <dgm:spPr/>
+    </dgm:pt>
+    <dgm:pt modelId="{A2DC4D2C-AF9C-48BE-AC8A-4D5A3FAD7FB9}" type="pres">
+      <dgm:prSet presAssocID="{64B7B612-1A6D-4C00-A945-12BFF06E6E64}" presName="rootComposite3" presStyleCnt="0"/>
+      <dgm:spPr/>
+    </dgm:pt>
+    <dgm:pt modelId="{17A061EB-22ED-47DA-B8FA-E23925F2334C}" type="pres">
+      <dgm:prSet presAssocID="{64B7B612-1A6D-4C00-A945-12BFF06E6E64}" presName="rootText3" presStyleLbl="asst1" presStyleIdx="38" presStyleCnt="62">
+        <dgm:presLayoutVars>
+          <dgm:chPref val="3"/>
+        </dgm:presLayoutVars>
+      </dgm:prSet>
+      <dgm:spPr/>
+    </dgm:pt>
+    <dgm:pt modelId="{CF99BF77-E588-4CF7-B6CF-0B986192FF80}" type="pres">
+      <dgm:prSet presAssocID="{64B7B612-1A6D-4C00-A945-12BFF06E6E64}" presName="rootConnector3" presStyleLbl="asst1" presStyleIdx="38" presStyleCnt="62"/>
+      <dgm:spPr/>
+    </dgm:pt>
+    <dgm:pt modelId="{FC5F7AA5-553D-4A13-8AED-85C48CD6171A}" type="pres">
+      <dgm:prSet presAssocID="{64B7B612-1A6D-4C00-A945-12BFF06E6E64}" presName="hierChild6" presStyleCnt="0"/>
+      <dgm:spPr/>
+    </dgm:pt>
+    <dgm:pt modelId="{A37F24A3-B3B9-4F30-BAE5-AA6941B270ED}" type="pres">
+      <dgm:prSet presAssocID="{64B7B612-1A6D-4C00-A945-12BFF06E6E64}" presName="hierChild7" presStyleCnt="0"/>
+      <dgm:spPr/>
+    </dgm:pt>
     <dgm:pt modelId="{8A86FEC2-6718-46FE-A370-0342ACF303E1}" type="pres">
-      <dgm:prSet presAssocID="{CD634B3B-02E2-4369-A01A-7AFE98E87B26}" presName="Name111" presStyleLbl="parChTrans1D2" presStyleIdx="3" presStyleCnt="7"/>
+      <dgm:prSet presAssocID="{CD634B3B-02E2-4369-A01A-7AFE98E87B26}" presName="Name111" presStyleLbl="parChTrans1D2" presStyleIdx="4" presStyleCnt="8"/>
       <dgm:spPr/>
     </dgm:pt>
     <dgm:pt modelId="{FB70ECF8-9211-4C87-AA0E-DC1325992257}" type="pres">
@@ -3925,7 +4843,7 @@
       <dgm:spPr/>
     </dgm:pt>
     <dgm:pt modelId="{BD989610-072D-44CD-9333-4475C63B1B88}" type="pres">
-      <dgm:prSet presAssocID="{311D6DD8-8C54-4E2C-8C71-2F8BD8D0EDDB}" presName="rootText3" presStyleLbl="asst1" presStyleIdx="27" presStyleCnt="50">
+      <dgm:prSet presAssocID="{311D6DD8-8C54-4E2C-8C71-2F8BD8D0EDDB}" presName="rootText3" presStyleLbl="asst1" presStyleIdx="39" presStyleCnt="62">
         <dgm:presLayoutVars>
           <dgm:chPref val="3"/>
         </dgm:presLayoutVars>
@@ -3933,7 +4851,7 @@
       <dgm:spPr/>
     </dgm:pt>
     <dgm:pt modelId="{E55CB309-9971-4A1C-AA94-2CB36CF5F2D5}" type="pres">
-      <dgm:prSet presAssocID="{311D6DD8-8C54-4E2C-8C71-2F8BD8D0EDDB}" presName="rootConnector3" presStyleLbl="asst1" presStyleIdx="27" presStyleCnt="50"/>
+      <dgm:prSet presAssocID="{311D6DD8-8C54-4E2C-8C71-2F8BD8D0EDDB}" presName="rootConnector3" presStyleLbl="asst1" presStyleIdx="39" presStyleCnt="62"/>
       <dgm:spPr/>
     </dgm:pt>
     <dgm:pt modelId="{43D9169E-E550-4044-BB1C-FF4F4AE1DCAD}" type="pres">
@@ -3945,7 +4863,7 @@
       <dgm:spPr/>
     </dgm:pt>
     <dgm:pt modelId="{8856C9EF-4707-4F3A-BD7B-BEC3FABE3EC0}" type="pres">
-      <dgm:prSet presAssocID="{C750C302-E290-41D5-BDA5-D74A3BE8A59A}" presName="Name111" presStyleLbl="parChTrans1D3" presStyleIdx="3" presStyleCnt="11"/>
+      <dgm:prSet presAssocID="{C750C302-E290-41D5-BDA5-D74A3BE8A59A}" presName="Name111" presStyleLbl="parChTrans1D3" presStyleIdx="4" presStyleCnt="12"/>
       <dgm:spPr/>
     </dgm:pt>
     <dgm:pt modelId="{269CFAF4-487D-442A-B90E-EBE952755FB3}" type="pres">
@@ -3961,7 +4879,7 @@
       <dgm:spPr/>
     </dgm:pt>
     <dgm:pt modelId="{BE96DB66-AD1E-4365-AE46-C3C60770B1CA}" type="pres">
-      <dgm:prSet presAssocID="{F280482C-C798-459D-B6E1-466FA717CC5B}" presName="rootText3" presStyleLbl="asst1" presStyleIdx="28" presStyleCnt="50">
+      <dgm:prSet presAssocID="{F280482C-C798-459D-B6E1-466FA717CC5B}" presName="rootText3" presStyleLbl="asst1" presStyleIdx="40" presStyleCnt="62">
         <dgm:presLayoutVars>
           <dgm:chPref val="3"/>
         </dgm:presLayoutVars>
@@ -3969,7 +4887,7 @@
       <dgm:spPr/>
     </dgm:pt>
     <dgm:pt modelId="{F5702E8F-99A5-44FF-8B7A-856358C50EDF}" type="pres">
-      <dgm:prSet presAssocID="{F280482C-C798-459D-B6E1-466FA717CC5B}" presName="rootConnector3" presStyleLbl="asst1" presStyleIdx="28" presStyleCnt="50"/>
+      <dgm:prSet presAssocID="{F280482C-C798-459D-B6E1-466FA717CC5B}" presName="rootConnector3" presStyleLbl="asst1" presStyleIdx="40" presStyleCnt="62"/>
       <dgm:spPr/>
     </dgm:pt>
     <dgm:pt modelId="{E6588B84-EE0A-48A7-8CB8-A063EC0371F0}" type="pres">
@@ -3981,7 +4899,7 @@
       <dgm:spPr/>
     </dgm:pt>
     <dgm:pt modelId="{78367E1F-64D0-4083-B930-0415609EEB54}" type="pres">
-      <dgm:prSet presAssocID="{7DF20A9C-4DE7-4ABE-9B1F-2326090D5418}" presName="Name111" presStyleLbl="parChTrans1D3" presStyleIdx="4" presStyleCnt="11"/>
+      <dgm:prSet presAssocID="{7DF20A9C-4DE7-4ABE-9B1F-2326090D5418}" presName="Name111" presStyleLbl="parChTrans1D3" presStyleIdx="5" presStyleCnt="12"/>
       <dgm:spPr/>
     </dgm:pt>
     <dgm:pt modelId="{43AF1D53-211E-4D1F-AC0B-3452BB47C974}" type="pres">
@@ -3997,7 +4915,7 @@
       <dgm:spPr/>
     </dgm:pt>
     <dgm:pt modelId="{8DFB8425-051F-429D-9AA7-ABE75BE636A3}" type="pres">
-      <dgm:prSet presAssocID="{74770414-BDD0-4889-954D-29401DF5704B}" presName="rootText3" presStyleLbl="asst1" presStyleIdx="29" presStyleCnt="50">
+      <dgm:prSet presAssocID="{74770414-BDD0-4889-954D-29401DF5704B}" presName="rootText3" presStyleLbl="asst1" presStyleIdx="41" presStyleCnt="62">
         <dgm:presLayoutVars>
           <dgm:chPref val="3"/>
         </dgm:presLayoutVars>
@@ -4005,7 +4923,7 @@
       <dgm:spPr/>
     </dgm:pt>
     <dgm:pt modelId="{72DF69CC-9FF0-427E-820B-8A51A19F5227}" type="pres">
-      <dgm:prSet presAssocID="{74770414-BDD0-4889-954D-29401DF5704B}" presName="rootConnector3" presStyleLbl="asst1" presStyleIdx="29" presStyleCnt="50"/>
+      <dgm:prSet presAssocID="{74770414-BDD0-4889-954D-29401DF5704B}" presName="rootConnector3" presStyleLbl="asst1" presStyleIdx="41" presStyleCnt="62"/>
       <dgm:spPr/>
     </dgm:pt>
     <dgm:pt modelId="{8CD25A93-3163-4B6D-8295-491E61BD5184}" type="pres">
@@ -4017,7 +4935,7 @@
       <dgm:spPr/>
     </dgm:pt>
     <dgm:pt modelId="{A296B285-B3F4-413E-A72B-A2B7671285CF}" type="pres">
-      <dgm:prSet presAssocID="{E5E3A004-CD29-42C1-9014-36FE890C9ABE}" presName="Name111" presStyleLbl="parChTrans1D3" presStyleIdx="5" presStyleCnt="11"/>
+      <dgm:prSet presAssocID="{E5E3A004-CD29-42C1-9014-36FE890C9ABE}" presName="Name111" presStyleLbl="parChTrans1D3" presStyleIdx="6" presStyleCnt="12"/>
       <dgm:spPr/>
     </dgm:pt>
     <dgm:pt modelId="{A42CCFC6-5E2A-4865-AE53-1C3A2A2459DD}" type="pres">
@@ -4033,7 +4951,7 @@
       <dgm:spPr/>
     </dgm:pt>
     <dgm:pt modelId="{22A8CFEC-7F3C-48AD-9648-26B468C40213}" type="pres">
-      <dgm:prSet presAssocID="{04C3F39C-3FB3-4129-9260-FB9863BCD4C5}" presName="rootText3" presStyleLbl="asst1" presStyleIdx="30" presStyleCnt="50">
+      <dgm:prSet presAssocID="{04C3F39C-3FB3-4129-9260-FB9863BCD4C5}" presName="rootText3" presStyleLbl="asst1" presStyleIdx="42" presStyleCnt="62">
         <dgm:presLayoutVars>
           <dgm:chPref val="3"/>
         </dgm:presLayoutVars>
@@ -4041,7 +4959,7 @@
       <dgm:spPr/>
     </dgm:pt>
     <dgm:pt modelId="{550E3E6C-A9FD-4899-BA39-A266D75AD87F}" type="pres">
-      <dgm:prSet presAssocID="{04C3F39C-3FB3-4129-9260-FB9863BCD4C5}" presName="rootConnector3" presStyleLbl="asst1" presStyleIdx="30" presStyleCnt="50"/>
+      <dgm:prSet presAssocID="{04C3F39C-3FB3-4129-9260-FB9863BCD4C5}" presName="rootConnector3" presStyleLbl="asst1" presStyleIdx="42" presStyleCnt="62"/>
       <dgm:spPr/>
     </dgm:pt>
     <dgm:pt modelId="{BF8C2740-E1EA-4186-8159-FCC35DF055D0}" type="pres">
@@ -4053,7 +4971,7 @@
       <dgm:spPr/>
     </dgm:pt>
     <dgm:pt modelId="{4F4819B5-3FDF-4CBA-8694-39682AB3FE59}" type="pres">
-      <dgm:prSet presAssocID="{331BD2FF-BD51-435B-9CF0-6601905F266E}" presName="Name111" presStyleLbl="parChTrans1D3" presStyleIdx="6" presStyleCnt="11"/>
+      <dgm:prSet presAssocID="{331BD2FF-BD51-435B-9CF0-6601905F266E}" presName="Name111" presStyleLbl="parChTrans1D3" presStyleIdx="7" presStyleCnt="12"/>
       <dgm:spPr/>
     </dgm:pt>
     <dgm:pt modelId="{01473ACA-8D07-4A40-9C4C-F55F4D71D1F9}" type="pres">
@@ -4069,7 +4987,7 @@
       <dgm:spPr/>
     </dgm:pt>
     <dgm:pt modelId="{8B0677EB-6953-47E5-8009-4399C01D45A6}" type="pres">
-      <dgm:prSet presAssocID="{73BDB8CB-FD3D-428C-BDF6-B53E9FF51360}" presName="rootText3" presStyleLbl="asst1" presStyleIdx="31" presStyleCnt="50">
+      <dgm:prSet presAssocID="{73BDB8CB-FD3D-428C-BDF6-B53E9FF51360}" presName="rootText3" presStyleLbl="asst1" presStyleIdx="43" presStyleCnt="62">
         <dgm:presLayoutVars>
           <dgm:chPref val="3"/>
         </dgm:presLayoutVars>
@@ -4077,7 +4995,7 @@
       <dgm:spPr/>
     </dgm:pt>
     <dgm:pt modelId="{7B32ABA5-A43D-4770-A7B1-88984F475AFE}" type="pres">
-      <dgm:prSet presAssocID="{73BDB8CB-FD3D-428C-BDF6-B53E9FF51360}" presName="rootConnector3" presStyleLbl="asst1" presStyleIdx="31" presStyleCnt="50"/>
+      <dgm:prSet presAssocID="{73BDB8CB-FD3D-428C-BDF6-B53E9FF51360}" presName="rootConnector3" presStyleLbl="asst1" presStyleIdx="43" presStyleCnt="62"/>
       <dgm:spPr/>
     </dgm:pt>
     <dgm:pt modelId="{B707D197-E342-45C5-952D-65D378A03A75}" type="pres">
@@ -4089,7 +5007,7 @@
       <dgm:spPr/>
     </dgm:pt>
     <dgm:pt modelId="{FF6D2932-AE1B-4BDE-A906-C38313DF115E}" type="pres">
-      <dgm:prSet presAssocID="{EB1CA92F-CC69-4D44-B299-6239F1F351F5}" presName="Name111" presStyleLbl="parChTrans1D2" presStyleIdx="4" presStyleCnt="7"/>
+      <dgm:prSet presAssocID="{EB1CA92F-CC69-4D44-B299-6239F1F351F5}" presName="Name111" presStyleLbl="parChTrans1D2" presStyleIdx="5" presStyleCnt="8"/>
       <dgm:spPr/>
     </dgm:pt>
     <dgm:pt modelId="{D676BD6E-F15B-4EAC-B32B-513D60715544}" type="pres">
@@ -4105,7 +5023,7 @@
       <dgm:spPr/>
     </dgm:pt>
     <dgm:pt modelId="{8EDD4C9F-41A6-4BF3-ACD8-E3DDBBD245E6}" type="pres">
-      <dgm:prSet presAssocID="{3E8FCCA5-7848-4FCB-B52D-ED572BE02795}" presName="rootText3" presStyleLbl="asst1" presStyleIdx="32" presStyleCnt="50">
+      <dgm:prSet presAssocID="{3E8FCCA5-7848-4FCB-B52D-ED572BE02795}" presName="rootText3" presStyleLbl="asst1" presStyleIdx="44" presStyleCnt="62">
         <dgm:presLayoutVars>
           <dgm:chPref val="3"/>
         </dgm:presLayoutVars>
@@ -4113,7 +5031,7 @@
       <dgm:spPr/>
     </dgm:pt>
     <dgm:pt modelId="{9FAADA75-86B5-4859-A5E7-56F98170838E}" type="pres">
-      <dgm:prSet presAssocID="{3E8FCCA5-7848-4FCB-B52D-ED572BE02795}" presName="rootConnector3" presStyleLbl="asst1" presStyleIdx="32" presStyleCnt="50"/>
+      <dgm:prSet presAssocID="{3E8FCCA5-7848-4FCB-B52D-ED572BE02795}" presName="rootConnector3" presStyleLbl="asst1" presStyleIdx="44" presStyleCnt="62"/>
       <dgm:spPr/>
     </dgm:pt>
     <dgm:pt modelId="{C77D939B-F089-4A53-9DFB-1DD2771E303C}" type="pres">
@@ -4125,7 +5043,7 @@
       <dgm:spPr/>
     </dgm:pt>
     <dgm:pt modelId="{9B23C1DE-537E-48CB-B274-B5BDF22B1A57}" type="pres">
-      <dgm:prSet presAssocID="{45B5502F-F9BD-497B-8765-433AB47157F7}" presName="Name111" presStyleLbl="parChTrans1D3" presStyleIdx="7" presStyleCnt="11"/>
+      <dgm:prSet presAssocID="{45B5502F-F9BD-497B-8765-433AB47157F7}" presName="Name111" presStyleLbl="parChTrans1D3" presStyleIdx="8" presStyleCnt="12"/>
       <dgm:spPr/>
     </dgm:pt>
     <dgm:pt modelId="{2C3B6EB8-BDCB-4EC7-8171-904859C23A75}" type="pres">
@@ -4141,7 +5059,7 @@
       <dgm:spPr/>
     </dgm:pt>
     <dgm:pt modelId="{29282C8B-69C0-461B-8924-B327399CEF5A}" type="pres">
-      <dgm:prSet presAssocID="{1FE88220-37D4-441E-9066-A93196D32898}" presName="rootText3" presStyleLbl="asst1" presStyleIdx="33" presStyleCnt="50">
+      <dgm:prSet presAssocID="{1FE88220-37D4-441E-9066-A93196D32898}" presName="rootText3" presStyleLbl="asst1" presStyleIdx="45" presStyleCnt="62">
         <dgm:presLayoutVars>
           <dgm:chPref val="3"/>
         </dgm:presLayoutVars>
@@ -4149,7 +5067,7 @@
       <dgm:spPr/>
     </dgm:pt>
     <dgm:pt modelId="{A9DA0E6C-BD77-43AC-94EB-5163129CBDB6}" type="pres">
-      <dgm:prSet presAssocID="{1FE88220-37D4-441E-9066-A93196D32898}" presName="rootConnector3" presStyleLbl="asst1" presStyleIdx="33" presStyleCnt="50"/>
+      <dgm:prSet presAssocID="{1FE88220-37D4-441E-9066-A93196D32898}" presName="rootConnector3" presStyleLbl="asst1" presStyleIdx="45" presStyleCnt="62"/>
       <dgm:spPr/>
     </dgm:pt>
     <dgm:pt modelId="{A818E8BB-53B1-484A-9767-6D5E4CE8E3E9}" type="pres">
@@ -4161,7 +5079,7 @@
       <dgm:spPr/>
     </dgm:pt>
     <dgm:pt modelId="{283D763B-6143-45EB-869D-44B1F2176961}" type="pres">
-      <dgm:prSet presAssocID="{FDABD39C-83E8-4787-8474-A85D0A389321}" presName="Name111" presStyleLbl="parChTrans1D4" presStyleIdx="21" presStyleCnt="32"/>
+      <dgm:prSet presAssocID="{FDABD39C-83E8-4787-8474-A85D0A389321}" presName="Name111" presStyleLbl="parChTrans1D4" presStyleIdx="31" presStyleCnt="42"/>
       <dgm:spPr/>
     </dgm:pt>
     <dgm:pt modelId="{8CC7C6EF-F400-44A4-9428-89B3B074352B}" type="pres">
@@ -4177,7 +5095,7 @@
       <dgm:spPr/>
     </dgm:pt>
     <dgm:pt modelId="{66690EF5-AA87-4B5A-9AB9-BA66C34A1D3F}" type="pres">
-      <dgm:prSet presAssocID="{4A105108-65E5-4EE2-A22C-18D34E494B88}" presName="rootText3" presStyleLbl="asst1" presStyleIdx="34" presStyleCnt="50">
+      <dgm:prSet presAssocID="{4A105108-65E5-4EE2-A22C-18D34E494B88}" presName="rootText3" presStyleLbl="asst1" presStyleIdx="46" presStyleCnt="62">
         <dgm:presLayoutVars>
           <dgm:chPref val="3"/>
         </dgm:presLayoutVars>
@@ -4185,7 +5103,7 @@
       <dgm:spPr/>
     </dgm:pt>
     <dgm:pt modelId="{DC3A95D5-8574-4CFE-8458-1D720BECAFC1}" type="pres">
-      <dgm:prSet presAssocID="{4A105108-65E5-4EE2-A22C-18D34E494B88}" presName="rootConnector3" presStyleLbl="asst1" presStyleIdx="34" presStyleCnt="50"/>
+      <dgm:prSet presAssocID="{4A105108-65E5-4EE2-A22C-18D34E494B88}" presName="rootConnector3" presStyleLbl="asst1" presStyleIdx="46" presStyleCnt="62"/>
       <dgm:spPr/>
     </dgm:pt>
     <dgm:pt modelId="{BE509FA9-F489-4AB6-AEA3-F9B65A091DED}" type="pres">
@@ -4197,7 +5115,7 @@
       <dgm:spPr/>
     </dgm:pt>
     <dgm:pt modelId="{05F1B35B-225D-4225-8D26-A2FF05B82751}" type="pres">
-      <dgm:prSet presAssocID="{4FCF2090-2A38-4101-98D9-62711114F190}" presName="Name111" presStyleLbl="parChTrans1D4" presStyleIdx="22" presStyleCnt="32"/>
+      <dgm:prSet presAssocID="{4FCF2090-2A38-4101-98D9-62711114F190}" presName="Name111" presStyleLbl="parChTrans1D4" presStyleIdx="32" presStyleCnt="42"/>
       <dgm:spPr/>
     </dgm:pt>
     <dgm:pt modelId="{4B0122E7-A288-4806-A71B-DDADF20D7614}" type="pres">
@@ -4213,7 +5131,7 @@
       <dgm:spPr/>
     </dgm:pt>
     <dgm:pt modelId="{1477FD6A-9723-424D-B2A6-33C1EDCDD02C}" type="pres">
-      <dgm:prSet presAssocID="{DDA688CE-CF40-4247-A0A4-2595516C72EB}" presName="rootText3" presStyleLbl="asst1" presStyleIdx="35" presStyleCnt="50">
+      <dgm:prSet presAssocID="{DDA688CE-CF40-4247-A0A4-2595516C72EB}" presName="rootText3" presStyleLbl="asst1" presStyleIdx="47" presStyleCnt="62">
         <dgm:presLayoutVars>
           <dgm:chPref val="3"/>
         </dgm:presLayoutVars>
@@ -4221,7 +5139,7 @@
       <dgm:spPr/>
     </dgm:pt>
     <dgm:pt modelId="{39F983ED-FCB7-4B94-AB6A-A8D1044BA41A}" type="pres">
-      <dgm:prSet presAssocID="{DDA688CE-CF40-4247-A0A4-2595516C72EB}" presName="rootConnector3" presStyleLbl="asst1" presStyleIdx="35" presStyleCnt="50"/>
+      <dgm:prSet presAssocID="{DDA688CE-CF40-4247-A0A4-2595516C72EB}" presName="rootConnector3" presStyleLbl="asst1" presStyleIdx="47" presStyleCnt="62"/>
       <dgm:spPr/>
     </dgm:pt>
     <dgm:pt modelId="{3BC01836-7435-4866-A683-D95D8CADAD85}" type="pres">
@@ -4233,7 +5151,7 @@
       <dgm:spPr/>
     </dgm:pt>
     <dgm:pt modelId="{0F5AD761-B34E-42A5-9870-62752DF08754}" type="pres">
-      <dgm:prSet presAssocID="{4A7E0E5B-75EB-45F8-9492-B11674A6AD26}" presName="Name111" presStyleLbl="parChTrans1D4" presStyleIdx="23" presStyleCnt="32"/>
+      <dgm:prSet presAssocID="{4A7E0E5B-75EB-45F8-9492-B11674A6AD26}" presName="Name111" presStyleLbl="parChTrans1D4" presStyleIdx="33" presStyleCnt="42"/>
       <dgm:spPr/>
     </dgm:pt>
     <dgm:pt modelId="{A69BB713-2AD0-455D-A6D9-033D6157EF8E}" type="pres">
@@ -4249,7 +5167,7 @@
       <dgm:spPr/>
     </dgm:pt>
     <dgm:pt modelId="{7349D38B-F67B-4338-BB04-CCAE4E6B7AE4}" type="pres">
-      <dgm:prSet presAssocID="{985D2A9B-00C5-4AD5-B27B-A9B865F287C9}" presName="rootText3" presStyleLbl="asst1" presStyleIdx="36" presStyleCnt="50">
+      <dgm:prSet presAssocID="{985D2A9B-00C5-4AD5-B27B-A9B865F287C9}" presName="rootText3" presStyleLbl="asst1" presStyleIdx="48" presStyleCnt="62">
         <dgm:presLayoutVars>
           <dgm:chPref val="3"/>
         </dgm:presLayoutVars>
@@ -4257,7 +5175,7 @@
       <dgm:spPr/>
     </dgm:pt>
     <dgm:pt modelId="{85DF5BD2-3D4E-4875-B872-FE0CEC611E3A}" type="pres">
-      <dgm:prSet presAssocID="{985D2A9B-00C5-4AD5-B27B-A9B865F287C9}" presName="rootConnector3" presStyleLbl="asst1" presStyleIdx="36" presStyleCnt="50"/>
+      <dgm:prSet presAssocID="{985D2A9B-00C5-4AD5-B27B-A9B865F287C9}" presName="rootConnector3" presStyleLbl="asst1" presStyleIdx="48" presStyleCnt="62"/>
       <dgm:spPr/>
     </dgm:pt>
     <dgm:pt modelId="{8F077B98-D227-45B0-A11F-0DDA2961B1D6}" type="pres">
@@ -4269,7 +5187,7 @@
       <dgm:spPr/>
     </dgm:pt>
     <dgm:pt modelId="{AC7DEC99-4036-40AE-AE68-E2251CEBFF3D}" type="pres">
-      <dgm:prSet presAssocID="{EDE3BBAB-41B8-499A-81EC-A06F6BFCD327}" presName="Name111" presStyleLbl="parChTrans1D4" presStyleIdx="24" presStyleCnt="32"/>
+      <dgm:prSet presAssocID="{EDE3BBAB-41B8-499A-81EC-A06F6BFCD327}" presName="Name111" presStyleLbl="parChTrans1D4" presStyleIdx="34" presStyleCnt="42"/>
       <dgm:spPr/>
     </dgm:pt>
     <dgm:pt modelId="{5798D0D9-6037-45EF-A098-A059ED8B5C64}" type="pres">
@@ -4285,7 +5203,7 @@
       <dgm:spPr/>
     </dgm:pt>
     <dgm:pt modelId="{339B0BFA-3E97-45D7-9D50-EBCD490669F9}" type="pres">
-      <dgm:prSet presAssocID="{1BC0C24F-9DAF-4F2A-95F6-46075020B387}" presName="rootText3" presStyleLbl="asst1" presStyleIdx="37" presStyleCnt="50">
+      <dgm:prSet presAssocID="{1BC0C24F-9DAF-4F2A-95F6-46075020B387}" presName="rootText3" presStyleLbl="asst1" presStyleIdx="49" presStyleCnt="62">
         <dgm:presLayoutVars>
           <dgm:chPref val="3"/>
         </dgm:presLayoutVars>
@@ -4293,7 +5211,7 @@
       <dgm:spPr/>
     </dgm:pt>
     <dgm:pt modelId="{1AB339BF-AEF8-4B66-A00F-ED2D7B5BF99B}" type="pres">
-      <dgm:prSet presAssocID="{1BC0C24F-9DAF-4F2A-95F6-46075020B387}" presName="rootConnector3" presStyleLbl="asst1" presStyleIdx="37" presStyleCnt="50"/>
+      <dgm:prSet presAssocID="{1BC0C24F-9DAF-4F2A-95F6-46075020B387}" presName="rootConnector3" presStyleLbl="asst1" presStyleIdx="49" presStyleCnt="62"/>
       <dgm:spPr/>
     </dgm:pt>
     <dgm:pt modelId="{453EB735-C76B-48F7-AAF8-BD5EE02B548E}" type="pres">
@@ -4305,7 +5223,7 @@
       <dgm:spPr/>
     </dgm:pt>
     <dgm:pt modelId="{5CEB9874-2E90-46D5-9E6E-F0C25BE5D71A}" type="pres">
-      <dgm:prSet presAssocID="{DBE67F1B-164C-4C1C-9DFB-1A8F9332C95B}" presName="Name111" presStyleLbl="parChTrans1D4" presStyleIdx="25" presStyleCnt="32"/>
+      <dgm:prSet presAssocID="{DBE67F1B-164C-4C1C-9DFB-1A8F9332C95B}" presName="Name111" presStyleLbl="parChTrans1D4" presStyleIdx="35" presStyleCnt="42"/>
       <dgm:spPr/>
     </dgm:pt>
     <dgm:pt modelId="{4CCA1063-1D27-4ACC-88C2-C3E260BC059F}" type="pres">
@@ -4321,7 +5239,7 @@
       <dgm:spPr/>
     </dgm:pt>
     <dgm:pt modelId="{703C605E-1889-4263-9AA9-7FBB0B1021D9}" type="pres">
-      <dgm:prSet presAssocID="{E1B7DB7E-57FF-4FED-BCCB-2827B4CE62FA}" presName="rootText3" presStyleLbl="asst1" presStyleIdx="38" presStyleCnt="50">
+      <dgm:prSet presAssocID="{E1B7DB7E-57FF-4FED-BCCB-2827B4CE62FA}" presName="rootText3" presStyleLbl="asst1" presStyleIdx="50" presStyleCnt="62">
         <dgm:presLayoutVars>
           <dgm:chPref val="3"/>
         </dgm:presLayoutVars>
@@ -4329,7 +5247,7 @@
       <dgm:spPr/>
     </dgm:pt>
     <dgm:pt modelId="{0A69BB17-0E1B-4707-A533-28B376249E37}" type="pres">
-      <dgm:prSet presAssocID="{E1B7DB7E-57FF-4FED-BCCB-2827B4CE62FA}" presName="rootConnector3" presStyleLbl="asst1" presStyleIdx="38" presStyleCnt="50"/>
+      <dgm:prSet presAssocID="{E1B7DB7E-57FF-4FED-BCCB-2827B4CE62FA}" presName="rootConnector3" presStyleLbl="asst1" presStyleIdx="50" presStyleCnt="62"/>
       <dgm:spPr/>
     </dgm:pt>
     <dgm:pt modelId="{C4351426-7088-4E38-B3B8-FB52EB53E430}" type="pres">
@@ -4341,7 +5259,7 @@
       <dgm:spPr/>
     </dgm:pt>
     <dgm:pt modelId="{15BDE811-17CE-4DA8-9162-A6C8D3E48BDB}" type="pres">
-      <dgm:prSet presAssocID="{7D5DDFB2-D2AE-4237-A999-CB98F71B8378}" presName="Name111" presStyleLbl="parChTrans1D2" presStyleIdx="5" presStyleCnt="7"/>
+      <dgm:prSet presAssocID="{7D5DDFB2-D2AE-4237-A999-CB98F71B8378}" presName="Name111" presStyleLbl="parChTrans1D2" presStyleIdx="6" presStyleCnt="8"/>
       <dgm:spPr/>
     </dgm:pt>
     <dgm:pt modelId="{C67AF8F3-A181-4CC6-B0B3-FD35CB2DCC0A}" type="pres">
@@ -4357,7 +5275,7 @@
       <dgm:spPr/>
     </dgm:pt>
     <dgm:pt modelId="{3FCF524F-4B2D-44FD-942D-4FC7D10F4E3B}" type="pres">
-      <dgm:prSet presAssocID="{DC6EA711-5D3D-4A49-A2D3-993D25791FD0}" presName="rootText3" presStyleLbl="asst1" presStyleIdx="39" presStyleCnt="50">
+      <dgm:prSet presAssocID="{DC6EA711-5D3D-4A49-A2D3-993D25791FD0}" presName="rootText3" presStyleLbl="asst1" presStyleIdx="51" presStyleCnt="62">
         <dgm:presLayoutVars>
           <dgm:chPref val="3"/>
         </dgm:presLayoutVars>
@@ -4365,7 +5283,7 @@
       <dgm:spPr/>
     </dgm:pt>
     <dgm:pt modelId="{29188F3E-4D79-44E4-B2DA-6B0DDBE49240}" type="pres">
-      <dgm:prSet presAssocID="{DC6EA711-5D3D-4A49-A2D3-993D25791FD0}" presName="rootConnector3" presStyleLbl="asst1" presStyleIdx="39" presStyleCnt="50"/>
+      <dgm:prSet presAssocID="{DC6EA711-5D3D-4A49-A2D3-993D25791FD0}" presName="rootConnector3" presStyleLbl="asst1" presStyleIdx="51" presStyleCnt="62"/>
       <dgm:spPr/>
     </dgm:pt>
     <dgm:pt modelId="{50388251-1B2B-4306-8EFD-8F2FCB3D9101}" type="pres">
@@ -4377,7 +5295,7 @@
       <dgm:spPr/>
     </dgm:pt>
     <dgm:pt modelId="{4D2C059A-1D49-4E71-BF07-F2074FFA2255}" type="pres">
-      <dgm:prSet presAssocID="{62065E90-92B1-4D62-AD52-011662F89685}" presName="Name111" presStyleLbl="parChTrans1D3" presStyleIdx="8" presStyleCnt="11"/>
+      <dgm:prSet presAssocID="{62065E90-92B1-4D62-AD52-011662F89685}" presName="Name111" presStyleLbl="parChTrans1D3" presStyleIdx="9" presStyleCnt="12"/>
       <dgm:spPr/>
     </dgm:pt>
     <dgm:pt modelId="{C3BAAEE9-48C9-497F-812D-4F3855F537AD}" type="pres">
@@ -4393,7 +5311,7 @@
       <dgm:spPr/>
     </dgm:pt>
     <dgm:pt modelId="{29DD0E76-C366-4820-B170-C3E3DBD37CCF}" type="pres">
-      <dgm:prSet presAssocID="{3BAE0D0C-FD4F-4796-A59D-7E9173A3982F}" presName="rootText3" presStyleLbl="asst1" presStyleIdx="40" presStyleCnt="50">
+      <dgm:prSet presAssocID="{3BAE0D0C-FD4F-4796-A59D-7E9173A3982F}" presName="rootText3" presStyleLbl="asst1" presStyleIdx="52" presStyleCnt="62">
         <dgm:presLayoutVars>
           <dgm:chPref val="3"/>
         </dgm:presLayoutVars>
@@ -4401,7 +5319,7 @@
       <dgm:spPr/>
     </dgm:pt>
     <dgm:pt modelId="{8129062A-9CFC-4A36-97CB-E1A7268C2F73}" type="pres">
-      <dgm:prSet presAssocID="{3BAE0D0C-FD4F-4796-A59D-7E9173A3982F}" presName="rootConnector3" presStyleLbl="asst1" presStyleIdx="40" presStyleCnt="50"/>
+      <dgm:prSet presAssocID="{3BAE0D0C-FD4F-4796-A59D-7E9173A3982F}" presName="rootConnector3" presStyleLbl="asst1" presStyleIdx="52" presStyleCnt="62"/>
       <dgm:spPr/>
     </dgm:pt>
     <dgm:pt modelId="{32D07579-ED22-4F9C-A7A6-F2F2CC029998}" type="pres">
@@ -4413,7 +5331,7 @@
       <dgm:spPr/>
     </dgm:pt>
     <dgm:pt modelId="{A6639C85-56A8-4AE3-B0C5-F31D10FCF777}" type="pres">
-      <dgm:prSet presAssocID="{C4BDF739-9BEE-45EE-9DC9-264B0424B9D0}" presName="Name111" presStyleLbl="parChTrans1D4" presStyleIdx="26" presStyleCnt="32"/>
+      <dgm:prSet presAssocID="{C4BDF739-9BEE-45EE-9DC9-264B0424B9D0}" presName="Name111" presStyleLbl="parChTrans1D4" presStyleIdx="36" presStyleCnt="42"/>
       <dgm:spPr/>
     </dgm:pt>
     <dgm:pt modelId="{41043111-3A09-451D-B696-C7DEE5430474}" type="pres">
@@ -4429,7 +5347,7 @@
       <dgm:spPr/>
     </dgm:pt>
     <dgm:pt modelId="{1CA3A432-5662-47BD-919D-FCB44199A7CD}" type="pres">
-      <dgm:prSet presAssocID="{38B9F773-9093-4AF7-A977-EDDDF2CC954D}" presName="rootText3" presStyleLbl="asst1" presStyleIdx="41" presStyleCnt="50">
+      <dgm:prSet presAssocID="{38B9F773-9093-4AF7-A977-EDDDF2CC954D}" presName="rootText3" presStyleLbl="asst1" presStyleIdx="53" presStyleCnt="62">
         <dgm:presLayoutVars>
           <dgm:chPref val="3"/>
         </dgm:presLayoutVars>
@@ -4437,7 +5355,7 @@
       <dgm:spPr/>
     </dgm:pt>
     <dgm:pt modelId="{E0621A26-6665-4853-B22D-F2B954A35C64}" type="pres">
-      <dgm:prSet presAssocID="{38B9F773-9093-4AF7-A977-EDDDF2CC954D}" presName="rootConnector3" presStyleLbl="asst1" presStyleIdx="41" presStyleCnt="50"/>
+      <dgm:prSet presAssocID="{38B9F773-9093-4AF7-A977-EDDDF2CC954D}" presName="rootConnector3" presStyleLbl="asst1" presStyleIdx="53" presStyleCnt="62"/>
       <dgm:spPr/>
     </dgm:pt>
     <dgm:pt modelId="{E0AC8BA5-CF14-461F-8BF2-F758896FC76F}" type="pres">
@@ -4449,7 +5367,7 @@
       <dgm:spPr/>
     </dgm:pt>
     <dgm:pt modelId="{DF9F2D93-50D6-46DF-BA42-27D50139A81C}" type="pres">
-      <dgm:prSet presAssocID="{6A53FE72-3745-42CC-AC9B-5CF73CA73750}" presName="Name111" presStyleLbl="parChTrans1D4" presStyleIdx="27" presStyleCnt="32"/>
+      <dgm:prSet presAssocID="{6A53FE72-3745-42CC-AC9B-5CF73CA73750}" presName="Name111" presStyleLbl="parChTrans1D4" presStyleIdx="37" presStyleCnt="42"/>
       <dgm:spPr/>
     </dgm:pt>
     <dgm:pt modelId="{5AD255BA-3F49-4E7F-A249-7470EB442432}" type="pres">
@@ -4465,7 +5383,7 @@
       <dgm:spPr/>
     </dgm:pt>
     <dgm:pt modelId="{56B26504-DFD5-4550-9411-DF9B5E83C3BF}" type="pres">
-      <dgm:prSet presAssocID="{A822073A-130D-4D95-9086-940A97A362DA}" presName="rootText3" presStyleLbl="asst1" presStyleIdx="42" presStyleCnt="50">
+      <dgm:prSet presAssocID="{A822073A-130D-4D95-9086-940A97A362DA}" presName="rootText3" presStyleLbl="asst1" presStyleIdx="54" presStyleCnt="62">
         <dgm:presLayoutVars>
           <dgm:chPref val="3"/>
         </dgm:presLayoutVars>
@@ -4473,7 +5391,7 @@
       <dgm:spPr/>
     </dgm:pt>
     <dgm:pt modelId="{4A368993-3AE8-44A2-A107-9CF33D433C06}" type="pres">
-      <dgm:prSet presAssocID="{A822073A-130D-4D95-9086-940A97A362DA}" presName="rootConnector3" presStyleLbl="asst1" presStyleIdx="42" presStyleCnt="50"/>
+      <dgm:prSet presAssocID="{A822073A-130D-4D95-9086-940A97A362DA}" presName="rootConnector3" presStyleLbl="asst1" presStyleIdx="54" presStyleCnt="62"/>
       <dgm:spPr/>
     </dgm:pt>
     <dgm:pt modelId="{ECEAFD9B-B842-4C05-98B4-E4C2B41AB5CD}" type="pres">
@@ -4485,7 +5403,7 @@
       <dgm:spPr/>
     </dgm:pt>
     <dgm:pt modelId="{ED0EE91A-D88C-401A-B1BC-37FAB8D6E27D}" type="pres">
-      <dgm:prSet presAssocID="{7E1E1EF5-8ADE-4845-BA02-9ED0DDC100B6}" presName="Name111" presStyleLbl="parChTrans1D4" presStyleIdx="28" presStyleCnt="32"/>
+      <dgm:prSet presAssocID="{7E1E1EF5-8ADE-4845-BA02-9ED0DDC100B6}" presName="Name111" presStyleLbl="parChTrans1D4" presStyleIdx="38" presStyleCnt="42"/>
       <dgm:spPr/>
     </dgm:pt>
     <dgm:pt modelId="{352D6800-3ADC-4A26-8ADA-4B57013449E1}" type="pres">
@@ -4501,7 +5419,7 @@
       <dgm:spPr/>
     </dgm:pt>
     <dgm:pt modelId="{61911E5C-528E-4EA6-8F96-A7A60A4E2453}" type="pres">
-      <dgm:prSet presAssocID="{F73A923B-5235-4BDC-8BC7-80E4E3359E18}" presName="rootText3" presStyleLbl="asst1" presStyleIdx="43" presStyleCnt="50">
+      <dgm:prSet presAssocID="{F73A923B-5235-4BDC-8BC7-80E4E3359E18}" presName="rootText3" presStyleLbl="asst1" presStyleIdx="55" presStyleCnt="62">
         <dgm:presLayoutVars>
           <dgm:chPref val="3"/>
         </dgm:presLayoutVars>
@@ -4509,7 +5427,7 @@
       <dgm:spPr/>
     </dgm:pt>
     <dgm:pt modelId="{5DA3D279-EDB4-4A21-B151-50DAF797E237}" type="pres">
-      <dgm:prSet presAssocID="{F73A923B-5235-4BDC-8BC7-80E4E3359E18}" presName="rootConnector3" presStyleLbl="asst1" presStyleIdx="43" presStyleCnt="50"/>
+      <dgm:prSet presAssocID="{F73A923B-5235-4BDC-8BC7-80E4E3359E18}" presName="rootConnector3" presStyleLbl="asst1" presStyleIdx="55" presStyleCnt="62"/>
       <dgm:spPr/>
     </dgm:pt>
     <dgm:pt modelId="{501DD897-33B7-4E88-B345-73BE50196483}" type="pres">
@@ -4521,7 +5439,7 @@
       <dgm:spPr/>
     </dgm:pt>
     <dgm:pt modelId="{BDA28D1B-5E27-408D-ADF1-346C4D9E7E8B}" type="pres">
-      <dgm:prSet presAssocID="{6A056AE5-1D78-4388-8902-25A782F1C8A5}" presName="Name111" presStyleLbl="parChTrans1D4" presStyleIdx="29" presStyleCnt="32"/>
+      <dgm:prSet presAssocID="{6A056AE5-1D78-4388-8902-25A782F1C8A5}" presName="Name111" presStyleLbl="parChTrans1D4" presStyleIdx="39" presStyleCnt="42"/>
       <dgm:spPr/>
     </dgm:pt>
     <dgm:pt modelId="{2AEC6714-606D-48BA-BBBE-5DC30B30D59D}" type="pres">
@@ -4537,7 +5455,7 @@
       <dgm:spPr/>
     </dgm:pt>
     <dgm:pt modelId="{27279F26-69CB-4517-AC3E-0AB24822479D}" type="pres">
-      <dgm:prSet presAssocID="{372CC4E9-4D31-4CE7-9BAA-EB39525F02EC}" presName="rootText3" presStyleLbl="asst1" presStyleIdx="44" presStyleCnt="50">
+      <dgm:prSet presAssocID="{372CC4E9-4D31-4CE7-9BAA-EB39525F02EC}" presName="rootText3" presStyleLbl="asst1" presStyleIdx="56" presStyleCnt="62">
         <dgm:presLayoutVars>
           <dgm:chPref val="3"/>
         </dgm:presLayoutVars>
@@ -4545,7 +5463,7 @@
       <dgm:spPr/>
     </dgm:pt>
     <dgm:pt modelId="{E857C40C-63D5-4B2E-8DDD-6D8A99D7BB3C}" type="pres">
-      <dgm:prSet presAssocID="{372CC4E9-4D31-4CE7-9BAA-EB39525F02EC}" presName="rootConnector3" presStyleLbl="asst1" presStyleIdx="44" presStyleCnt="50"/>
+      <dgm:prSet presAssocID="{372CC4E9-4D31-4CE7-9BAA-EB39525F02EC}" presName="rootConnector3" presStyleLbl="asst1" presStyleIdx="56" presStyleCnt="62"/>
       <dgm:spPr/>
     </dgm:pt>
     <dgm:pt modelId="{A8038F4C-7010-4ED5-B0B8-8B2BEA282758}" type="pres">
@@ -4557,7 +5475,7 @@
       <dgm:spPr/>
     </dgm:pt>
     <dgm:pt modelId="{1EF3E330-73CC-4E78-8DC5-3F377E80D151}" type="pres">
-      <dgm:prSet presAssocID="{5398E45D-B833-449F-8FA4-DE5CAAF2F398}" presName="Name111" presStyleLbl="parChTrans1D4" presStyleIdx="30" presStyleCnt="32"/>
+      <dgm:prSet presAssocID="{5398E45D-B833-449F-8FA4-DE5CAAF2F398}" presName="Name111" presStyleLbl="parChTrans1D4" presStyleIdx="40" presStyleCnt="42"/>
       <dgm:spPr/>
     </dgm:pt>
     <dgm:pt modelId="{9C1AB928-2B96-43DB-9B05-36D468D1C68C}" type="pres">
@@ -4573,7 +5491,7 @@
       <dgm:spPr/>
     </dgm:pt>
     <dgm:pt modelId="{D069C8E9-8746-4CD8-9E2B-53351693FE96}" type="pres">
-      <dgm:prSet presAssocID="{398061CB-4E0D-41CF-8614-B02FCAC86CA8}" presName="rootText3" presStyleLbl="asst1" presStyleIdx="45" presStyleCnt="50">
+      <dgm:prSet presAssocID="{398061CB-4E0D-41CF-8614-B02FCAC86CA8}" presName="rootText3" presStyleLbl="asst1" presStyleIdx="57" presStyleCnt="62">
         <dgm:presLayoutVars>
           <dgm:chPref val="3"/>
         </dgm:presLayoutVars>
@@ -4581,7 +5499,7 @@
       <dgm:spPr/>
     </dgm:pt>
     <dgm:pt modelId="{0BC65EA2-4755-42C3-891F-5B58C38AA4AD}" type="pres">
-      <dgm:prSet presAssocID="{398061CB-4E0D-41CF-8614-B02FCAC86CA8}" presName="rootConnector3" presStyleLbl="asst1" presStyleIdx="45" presStyleCnt="50"/>
+      <dgm:prSet presAssocID="{398061CB-4E0D-41CF-8614-B02FCAC86CA8}" presName="rootConnector3" presStyleLbl="asst1" presStyleIdx="57" presStyleCnt="62"/>
       <dgm:spPr/>
     </dgm:pt>
     <dgm:pt modelId="{06DE44EC-48EB-41A4-9646-87DC215E4F35}" type="pres">
@@ -4593,7 +5511,7 @@
       <dgm:spPr/>
     </dgm:pt>
     <dgm:pt modelId="{A6492050-AD4D-4B12-9A72-6D05C695338D}" type="pres">
-      <dgm:prSet presAssocID="{E2065B91-90FE-4BAA-8821-6AB5979139CA}" presName="Name111" presStyleLbl="parChTrans1D4" presStyleIdx="31" presStyleCnt="32"/>
+      <dgm:prSet presAssocID="{E2065B91-90FE-4BAA-8821-6AB5979139CA}" presName="Name111" presStyleLbl="parChTrans1D4" presStyleIdx="41" presStyleCnt="42"/>
       <dgm:spPr/>
     </dgm:pt>
     <dgm:pt modelId="{6C481950-A71B-4C0B-BBC2-A7A0C4195FCC}" type="pres">
@@ -4609,7 +5527,7 @@
       <dgm:spPr/>
     </dgm:pt>
     <dgm:pt modelId="{5AE02209-1EE6-416B-B4EC-1F8CAE700954}" type="pres">
-      <dgm:prSet presAssocID="{57897E4F-B43E-4830-AA93-6F33553C8836}" presName="rootText3" presStyleLbl="asst1" presStyleIdx="46" presStyleCnt="50">
+      <dgm:prSet presAssocID="{57897E4F-B43E-4830-AA93-6F33553C8836}" presName="rootText3" presStyleLbl="asst1" presStyleIdx="58" presStyleCnt="62">
         <dgm:presLayoutVars>
           <dgm:chPref val="3"/>
         </dgm:presLayoutVars>
@@ -4617,7 +5535,7 @@
       <dgm:spPr/>
     </dgm:pt>
     <dgm:pt modelId="{F0931E07-0F79-480E-BC9F-CEB3ED830761}" type="pres">
-      <dgm:prSet presAssocID="{57897E4F-B43E-4830-AA93-6F33553C8836}" presName="rootConnector3" presStyleLbl="asst1" presStyleIdx="46" presStyleCnt="50"/>
+      <dgm:prSet presAssocID="{57897E4F-B43E-4830-AA93-6F33553C8836}" presName="rootConnector3" presStyleLbl="asst1" presStyleIdx="58" presStyleCnt="62"/>
       <dgm:spPr/>
     </dgm:pt>
     <dgm:pt modelId="{7FCE3646-4724-487D-9753-C52425A2BC63}" type="pres">
@@ -4629,7 +5547,7 @@
       <dgm:spPr/>
     </dgm:pt>
     <dgm:pt modelId="{AEE51843-F6AA-432F-8952-AFFCB8D1881F}" type="pres">
-      <dgm:prSet presAssocID="{E1C6A249-B4E0-4081-BD3F-2CCC0E6489BC}" presName="Name111" presStyleLbl="parChTrans1D2" presStyleIdx="6" presStyleCnt="7"/>
+      <dgm:prSet presAssocID="{E1C6A249-B4E0-4081-BD3F-2CCC0E6489BC}" presName="Name111" presStyleLbl="parChTrans1D2" presStyleIdx="7" presStyleCnt="8"/>
       <dgm:spPr/>
     </dgm:pt>
     <dgm:pt modelId="{F0FC6E96-5EA4-437E-B7C5-18469F139427}" type="pres">
@@ -4645,7 +5563,7 @@
       <dgm:spPr/>
     </dgm:pt>
     <dgm:pt modelId="{A671F663-21D9-43F4-8EE0-2896E9628F81}" type="pres">
-      <dgm:prSet presAssocID="{4FF4BF5F-3F45-45E5-8D0C-544859DC92B0}" presName="rootText3" presStyleLbl="asst1" presStyleIdx="47" presStyleCnt="50">
+      <dgm:prSet presAssocID="{4FF4BF5F-3F45-45E5-8D0C-544859DC92B0}" presName="rootText3" presStyleLbl="asst1" presStyleIdx="59" presStyleCnt="62">
         <dgm:presLayoutVars>
           <dgm:chPref val="3"/>
         </dgm:presLayoutVars>
@@ -4653,7 +5571,7 @@
       <dgm:spPr/>
     </dgm:pt>
     <dgm:pt modelId="{548C28C3-812E-4FC5-99B3-54A70C6632DD}" type="pres">
-      <dgm:prSet presAssocID="{4FF4BF5F-3F45-45E5-8D0C-544859DC92B0}" presName="rootConnector3" presStyleLbl="asst1" presStyleIdx="47" presStyleCnt="50"/>
+      <dgm:prSet presAssocID="{4FF4BF5F-3F45-45E5-8D0C-544859DC92B0}" presName="rootConnector3" presStyleLbl="asst1" presStyleIdx="59" presStyleCnt="62"/>
       <dgm:spPr/>
     </dgm:pt>
     <dgm:pt modelId="{EE0BFE4B-C062-4A36-915F-363157FF2FC7}" type="pres">
@@ -4665,7 +5583,7 @@
       <dgm:spPr/>
     </dgm:pt>
     <dgm:pt modelId="{CE80022B-33AD-4652-B7D0-BBBF7F49E535}" type="pres">
-      <dgm:prSet presAssocID="{E451EE57-E603-4682-A7FE-0FFE0A819B6F}" presName="Name111" presStyleLbl="parChTrans1D3" presStyleIdx="9" presStyleCnt="11"/>
+      <dgm:prSet presAssocID="{E451EE57-E603-4682-A7FE-0FFE0A819B6F}" presName="Name111" presStyleLbl="parChTrans1D3" presStyleIdx="10" presStyleCnt="12"/>
       <dgm:spPr/>
     </dgm:pt>
     <dgm:pt modelId="{F5CF27D1-D5EE-41D5-B9A2-9A416316031F}" type="pres">
@@ -4681,7 +5599,7 @@
       <dgm:spPr/>
     </dgm:pt>
     <dgm:pt modelId="{EECB5851-B5EA-4373-9C18-E26E94F1871F}" type="pres">
-      <dgm:prSet presAssocID="{9767A9A6-6180-4440-9441-ED05A440F85A}" presName="rootText3" presStyleLbl="asst1" presStyleIdx="48" presStyleCnt="50">
+      <dgm:prSet presAssocID="{9767A9A6-6180-4440-9441-ED05A440F85A}" presName="rootText3" presStyleLbl="asst1" presStyleIdx="60" presStyleCnt="62">
         <dgm:presLayoutVars>
           <dgm:chPref val="3"/>
         </dgm:presLayoutVars>
@@ -4689,7 +5607,7 @@
       <dgm:spPr/>
     </dgm:pt>
     <dgm:pt modelId="{ED2A5822-B406-4F8D-98D1-844E0893CB67}" type="pres">
-      <dgm:prSet presAssocID="{9767A9A6-6180-4440-9441-ED05A440F85A}" presName="rootConnector3" presStyleLbl="asst1" presStyleIdx="48" presStyleCnt="50"/>
+      <dgm:prSet presAssocID="{9767A9A6-6180-4440-9441-ED05A440F85A}" presName="rootConnector3" presStyleLbl="asst1" presStyleIdx="60" presStyleCnt="62"/>
       <dgm:spPr/>
     </dgm:pt>
     <dgm:pt modelId="{274843BF-1E7F-4D87-B5E7-8729B56745D4}" type="pres">
@@ -4701,7 +5619,7 @@
       <dgm:spPr/>
     </dgm:pt>
     <dgm:pt modelId="{1BD70921-2FF9-46B3-9347-73451ACAF175}" type="pres">
-      <dgm:prSet presAssocID="{7D9B11FF-C45C-47D7-B959-A209F43DCF54}" presName="Name111" presStyleLbl="parChTrans1D3" presStyleIdx="10" presStyleCnt="11"/>
+      <dgm:prSet presAssocID="{7D9B11FF-C45C-47D7-B959-A209F43DCF54}" presName="Name111" presStyleLbl="parChTrans1D3" presStyleIdx="11" presStyleCnt="12"/>
       <dgm:spPr/>
     </dgm:pt>
     <dgm:pt modelId="{C272E71C-37B0-4D43-8A7E-D1B80B57D879}" type="pres">
@@ -4717,7 +5635,7 @@
       <dgm:spPr/>
     </dgm:pt>
     <dgm:pt modelId="{FCC977D8-6D8B-4AF1-A3D4-3B8585587317}" type="pres">
-      <dgm:prSet presAssocID="{B4606959-AE1D-40D9-BAFF-A9F766124EAE}" presName="rootText3" presStyleLbl="asst1" presStyleIdx="49" presStyleCnt="50">
+      <dgm:prSet presAssocID="{B4606959-AE1D-40D9-BAFF-A9F766124EAE}" presName="rootText3" presStyleLbl="asst1" presStyleIdx="61" presStyleCnt="62">
         <dgm:presLayoutVars>
           <dgm:chPref val="3"/>
         </dgm:presLayoutVars>
@@ -4725,7 +5643,7 @@
       <dgm:spPr/>
     </dgm:pt>
     <dgm:pt modelId="{737B2E56-76F2-4644-8492-D3F6A300A23A}" type="pres">
-      <dgm:prSet presAssocID="{B4606959-AE1D-40D9-BAFF-A9F766124EAE}" presName="rootConnector3" presStyleLbl="asst1" presStyleIdx="49" presStyleCnt="50"/>
+      <dgm:prSet presAssocID="{B4606959-AE1D-40D9-BAFF-A9F766124EAE}" presName="rootConnector3" presStyleLbl="asst1" presStyleIdx="61" presStyleCnt="62"/>
       <dgm:spPr/>
     </dgm:pt>
     <dgm:pt modelId="{AF443854-8380-43ED-B915-5E505C3C40C5}" type="pres">
@@ -4740,28 +5658,34 @@
   <dgm:cxnLst>
     <dgm:cxn modelId="{0D89AE00-4730-4262-B049-C27A952C899D}" type="presOf" srcId="{CCC2EB33-60ED-4872-98F3-0FFD00EF13A0}" destId="{CFFB4314-3114-427D-9439-8EE9BFA47093}" srcOrd="0" destOrd="0" presId="urn:microsoft.com/office/officeart/2005/8/layout/orgChart1"/>
     <dgm:cxn modelId="{4064C901-AF49-487D-92E9-A0327D8C489C}" type="presOf" srcId="{38B9F773-9093-4AF7-A977-EDDDF2CC954D}" destId="{1CA3A432-5662-47BD-919D-FCB44199A7CD}" srcOrd="0" destOrd="0" presId="urn:microsoft.com/office/officeart/2005/8/layout/orgChart1"/>
+    <dgm:cxn modelId="{01C11F03-BC50-457D-8A12-56CD232730FD}" type="presOf" srcId="{0364748B-4C11-4EF4-B6CC-8A79889ADC81}" destId="{CBCF3629-F2EE-446C-8BE1-B5E69AC19D9A}" srcOrd="1" destOrd="0" presId="urn:microsoft.com/office/officeart/2005/8/layout/orgChart1"/>
     <dgm:cxn modelId="{6CCE9703-AA7D-470A-8420-225F313ECBB4}" type="presOf" srcId="{897CE3CE-C73F-4950-BB70-A9A2F12F29C1}" destId="{3B8B80CA-A300-4E85-AD7F-DE2B7485EAFA}" srcOrd="0" destOrd="0" presId="urn:microsoft.com/office/officeart/2005/8/layout/orgChart1"/>
     <dgm:cxn modelId="{C8A22A06-6160-4B64-8C74-3302C7FBC232}" srcId="{3E8CC39E-1D51-463A-8607-640A4960C4BD}" destId="{23209160-44D6-468D-88E0-7F515DA6C8E1}" srcOrd="0" destOrd="0" parTransId="{4D634B1D-052E-47B6-9561-6DB08B508886}" sibTransId="{4B2A0589-40FC-455C-A6F2-987DFB94E822}"/>
+    <dgm:cxn modelId="{A2FDF506-4B0F-4A59-8520-DBEB0F41F3A8}" type="presOf" srcId="{64B7B612-1A6D-4C00-A945-12BFF06E6E64}" destId="{17A061EB-22ED-47DA-B8FA-E23925F2334C}" srcOrd="0" destOrd="0" presId="urn:microsoft.com/office/officeart/2005/8/layout/orgChart1"/>
     <dgm:cxn modelId="{8ADDD407-5B98-4341-A7B3-00BE1BAC2DEB}" srcId="{3BAE0D0C-FD4F-4796-A59D-7E9173A3982F}" destId="{398061CB-4E0D-41CF-8614-B02FCAC86CA8}" srcOrd="2" destOrd="0" parTransId="{5398E45D-B833-449F-8FA4-DE5CAAF2F398}" sibTransId="{88EF1EB9-373D-4C8E-A26E-5129C87CC9C0}"/>
     <dgm:cxn modelId="{1C485C08-5C77-483D-BD08-73179332EF06}" srcId="{EC79ACA4-03F9-443C-9782-38DADB913262}" destId="{CCC2EB33-60ED-4872-98F3-0FFD00EF13A0}" srcOrd="0" destOrd="0" parTransId="{E423D0F6-8CED-4F3F-9A84-93E0370E44A7}" sibTransId="{4A78BF38-7704-4D21-8B8E-E610792889BD}"/>
     <dgm:cxn modelId="{682BAE08-7611-49E1-BBD7-C89FFD212A09}" type="presOf" srcId="{6A056AE5-1D78-4388-8902-25A782F1C8A5}" destId="{BDA28D1B-5E27-408D-ADF1-346C4D9E7E8B}" srcOrd="0" destOrd="0" presId="urn:microsoft.com/office/officeart/2005/8/layout/orgChart1"/>
     <dgm:cxn modelId="{63822309-EC68-42D3-B41E-A575530ACCD2}" type="presOf" srcId="{50744334-6503-43A4-ADDB-0CC5326D54D8}" destId="{CA29F901-FB62-40CB-93B0-5FA3D3E89153}" srcOrd="0" destOrd="0" presId="urn:microsoft.com/office/officeart/2005/8/layout/orgChart1"/>
+    <dgm:cxn modelId="{35B22A0A-7BAD-47E8-A749-8010E684642A}" type="presOf" srcId="{CB48E9F4-2F28-479C-9C48-97E045347217}" destId="{30AF305B-D244-4676-B213-4FA8DE312A80}" srcOrd="0" destOrd="0" presId="urn:microsoft.com/office/officeart/2005/8/layout/orgChart1"/>
     <dgm:cxn modelId="{51A4000B-7612-4F82-9A77-CB2596B2D035}" type="presOf" srcId="{7D9B11FF-C45C-47D7-B959-A209F43DCF54}" destId="{1BD70921-2FF9-46B3-9347-73451ACAF175}" srcOrd="0" destOrd="0" presId="urn:microsoft.com/office/officeart/2005/8/layout/orgChart1"/>
     <dgm:cxn modelId="{F50E690B-140C-4DFC-A406-F3275496D311}" type="presOf" srcId="{DDA688CE-CF40-4247-A0A4-2595516C72EB}" destId="{1477FD6A-9723-424D-B2A6-33C1EDCDD02C}" srcOrd="0" destOrd="0" presId="urn:microsoft.com/office/officeart/2005/8/layout/orgChart1"/>
+    <dgm:cxn modelId="{BE80390C-AB2D-4309-AB43-3BEC96BD25AB}" type="presOf" srcId="{699BA473-F873-45AA-B189-953810E2DF46}" destId="{96061F53-08F3-4E09-B7D7-23E0C5D08D8B}" srcOrd="0" destOrd="0" presId="urn:microsoft.com/office/officeart/2005/8/layout/orgChart1"/>
     <dgm:cxn modelId="{1ECCC10C-5D4E-4054-9368-4D3D6C1AD957}" srcId="{311D6DD8-8C54-4E2C-8C71-2F8BD8D0EDDB}" destId="{04C3F39C-3FB3-4129-9260-FB9863BCD4C5}" srcOrd="2" destOrd="0" parTransId="{E5E3A004-CD29-42C1-9014-36FE890C9ABE}" sibTransId="{2CE43A6E-9CC2-4CBD-873D-A811412F2690}"/>
     <dgm:cxn modelId="{5643E30C-2508-4E3A-87BC-A3B855B450A2}" type="presOf" srcId="{5398E45D-B833-449F-8FA4-DE5CAAF2F398}" destId="{1EF3E330-73CC-4E78-8DC5-3F377E80D151}" srcOrd="0" destOrd="0" presId="urn:microsoft.com/office/officeart/2005/8/layout/orgChart1"/>
     <dgm:cxn modelId="{8E4AD40F-15B3-4A7C-A1BC-1E247F626E56}" type="presOf" srcId="{AB15E678-6BAE-4D6A-99C7-6E838A552F9B}" destId="{405F0C65-22C7-4A10-8FEE-FF5ECF0F94F5}" srcOrd="0" destOrd="0" presId="urn:microsoft.com/office/officeart/2005/8/layout/orgChart1"/>
     <dgm:cxn modelId="{81273511-81DA-4678-BC46-FAAE409B724C}" srcId="{EC79ACA4-03F9-443C-9782-38DADB913262}" destId="{7A35A079-E45F-4CB2-8E3A-46407BA36BDD}" srcOrd="2" destOrd="0" parTransId="{897CE3CE-C73F-4950-BB70-A9A2F12F29C1}" sibTransId="{E6CE10AC-C0DE-4FE3-8CF4-3086A878BE5A}"/>
     <dgm:cxn modelId="{CABB2614-8964-4509-B9BC-A5A8E974D4BF}" type="presOf" srcId="{46C21EAD-A920-4646-8331-AAC76B296F08}" destId="{940D5A6A-3D20-4AF7-A598-183C785A991B}" srcOrd="0" destOrd="0" presId="urn:microsoft.com/office/officeart/2005/8/layout/orgChart1"/>
+    <dgm:cxn modelId="{0CF39C17-F01B-4F60-BA9F-B57377B04BC7}" type="presOf" srcId="{378B7761-7719-40D4-8C2F-6A9C4C3531A6}" destId="{CEA5CD17-5FFF-49AA-B7BD-42AF57393911}" srcOrd="0" destOrd="0" presId="urn:microsoft.com/office/officeart/2005/8/layout/orgChart1"/>
     <dgm:cxn modelId="{DB420019-FB68-47A8-8D33-0F14D25B0948}" type="presOf" srcId="{B4606959-AE1D-40D9-BAFF-A9F766124EAE}" destId="{737B2E56-76F2-4644-8492-D3F6A300A23A}" srcOrd="1" destOrd="0" presId="urn:microsoft.com/office/officeart/2005/8/layout/orgChart1"/>
     <dgm:cxn modelId="{211F2A19-8C86-49A1-B7E5-9F9BE1B389D3}" type="presOf" srcId="{4A105108-65E5-4EE2-A22C-18D34E494B88}" destId="{DC3A95D5-8574-4CFE-8458-1D720BECAFC1}" srcOrd="1" destOrd="0" presId="urn:microsoft.com/office/officeart/2005/8/layout/orgChart1"/>
     <dgm:cxn modelId="{D750E019-5F7E-4064-8C12-BADDC8316092}" type="presOf" srcId="{B4606959-AE1D-40D9-BAFF-A9F766124EAE}" destId="{FCC977D8-6D8B-4AF1-A3D4-3B8585587317}" srcOrd="0" destOrd="0" presId="urn:microsoft.com/office/officeart/2005/8/layout/orgChart1"/>
     <dgm:cxn modelId="{2C4F0C1A-1DD1-48DC-B50B-7CDD5AE67365}" type="presOf" srcId="{3BAE0D0C-FD4F-4796-A59D-7E9173A3982F}" destId="{29DD0E76-C366-4820-B170-C3E3DBD37CCF}" srcOrd="0" destOrd="0" presId="urn:microsoft.com/office/officeart/2005/8/layout/orgChart1"/>
-    <dgm:cxn modelId="{08AC231A-C65B-40B8-96EA-A68B7A2C3F7C}" srcId="{3E8CC39E-1D51-463A-8607-640A4960C4BD}" destId="{F1C186BE-BD2A-4C33-BAA2-8C22BA45FE1C}" srcOrd="7" destOrd="0" parTransId="{46C21EAD-A920-4646-8331-AAC76B296F08}" sibTransId="{0478EE18-B465-40C9-A794-6238FEE50637}"/>
+    <dgm:cxn modelId="{08AC231A-C65B-40B8-96EA-A68B7A2C3F7C}" srcId="{3E8CC39E-1D51-463A-8607-640A4960C4BD}" destId="{F1C186BE-BD2A-4C33-BAA2-8C22BA45FE1C}" srcOrd="9" destOrd="0" parTransId="{46C21EAD-A920-4646-8331-AAC76B296F08}" sibTransId="{0478EE18-B465-40C9-A794-6238FEE50637}"/>
     <dgm:cxn modelId="{63100B1B-EFC4-40E6-9114-777F89202FE9}" type="presOf" srcId="{372CC4E9-4D31-4CE7-9BAA-EB39525F02EC}" destId="{27279F26-69CB-4517-AC3E-0AB24822479D}" srcOrd="0" destOrd="0" presId="urn:microsoft.com/office/officeart/2005/8/layout/orgChart1"/>
     <dgm:cxn modelId="{4E28601B-26FE-4BE0-8370-521B913E261F}" type="presOf" srcId="{E36657BB-C992-457D-ABD4-294FF0D9E0B9}" destId="{C1082ACE-4B57-4223-B5E4-93B6C7F0399C}" srcOrd="1" destOrd="0" presId="urn:microsoft.com/office/officeart/2005/8/layout/orgChart1"/>
     <dgm:cxn modelId="{8B76C21B-CE7D-4DC4-9F20-B73FF7B92493}" type="presOf" srcId="{A1CD47A1-26A2-43AA-95C3-0AE9675E5CC8}" destId="{D524F5A4-33EA-48AA-A363-575954A8203D}" srcOrd="1" destOrd="0" presId="urn:microsoft.com/office/officeart/2005/8/layout/orgChart1"/>
     <dgm:cxn modelId="{9DD81D1C-1A2D-4D6A-899F-F339298DD91C}" srcId="{F4555AF6-45CD-4C98-8ED0-75426DB0E00B}" destId="{E36657BB-C992-457D-ABD4-294FF0D9E0B9}" srcOrd="0" destOrd="0" parTransId="{15728E7A-B3F4-4846-9859-011F8F042136}" sibTransId="{86FC36DB-7287-46C8-94FC-6901547A1B62}"/>
+    <dgm:cxn modelId="{18A3531C-4E55-461C-94C5-756021FA375F}" srcId="{3E8CC39E-1D51-463A-8607-640A4960C4BD}" destId="{378B7761-7719-40D4-8C2F-6A9C4C3531A6}" srcOrd="1" destOrd="0" parTransId="{5CF8F453-87E6-4F17-AEF4-247CFE452C75}" sibTransId="{C3473BBA-9271-4B76-86D3-73CB24DA7DE4}"/>
     <dgm:cxn modelId="{6337411D-C6C5-450F-945F-2A47E988A465}" type="presOf" srcId="{EB1CA92F-CC69-4D44-B299-6239F1F351F5}" destId="{FF6D2932-AE1B-4BDE-A906-C38313DF115E}" srcOrd="0" destOrd="0" presId="urn:microsoft.com/office/officeart/2005/8/layout/orgChart1"/>
     <dgm:cxn modelId="{BDAD6B1F-D53E-453D-949D-4948732F8892}" type="presOf" srcId="{C750C302-E290-41D5-BDA5-D74A3BE8A59A}" destId="{8856C9EF-4707-4F3A-BD7B-BEC3FABE3EC0}" srcOrd="0" destOrd="0" presId="urn:microsoft.com/office/officeart/2005/8/layout/orgChart1"/>
     <dgm:cxn modelId="{A2C0981F-EEFC-46A2-B8B1-43BBE4C4F137}" srcId="{E36657BB-C992-457D-ABD4-294FF0D9E0B9}" destId="{C87D81A1-6CC8-4DCA-BD15-B97D48806961}" srcOrd="1" destOrd="0" parTransId="{E2B40DA0-67AF-4A83-9084-E878E7DAD26A}" sibTransId="{80ED57C3-DA07-4266-A97B-D462D6BFA3E0}"/>
@@ -4778,9 +5702,11 @@
     <dgm:cxn modelId="{FBFB7429-6535-41A3-9E55-643E3559F82C}" type="presOf" srcId="{A822073A-130D-4D95-9086-940A97A362DA}" destId="{56B26504-DFD5-4550-9411-DF9B5E83C3BF}" srcOrd="0" destOrd="0" presId="urn:microsoft.com/office/officeart/2005/8/layout/orgChart1"/>
     <dgm:cxn modelId="{A697B829-DBF2-4C97-AA9E-85A8CDA8F6A7}" srcId="{57178ABE-A017-45D8-9354-71432AE8CB88}" destId="{EC79ACA4-03F9-443C-9782-38DADB913262}" srcOrd="0" destOrd="0" parTransId="{90DCFF90-B9BD-499B-B9FE-019A7C276CB4}" sibTransId="{33C378FC-D1BB-482A-822B-A6A2E1B9CA5B}"/>
     <dgm:cxn modelId="{05020B2A-540E-4B42-8F13-B1E6A2D20D61}" type="presOf" srcId="{7DF20A9C-4DE7-4ABE-9B1F-2326090D5418}" destId="{78367E1F-64D0-4083-B930-0415609EEB54}" srcOrd="0" destOrd="0" presId="urn:microsoft.com/office/officeart/2005/8/layout/orgChart1"/>
-    <dgm:cxn modelId="{1FFB712A-5ACE-4DFD-97C7-A31C9A1DA5F2}" srcId="{3E8CC39E-1D51-463A-8607-640A4960C4BD}" destId="{5A24ACE5-68D0-4967-9DE2-03D6135DC87E}" srcOrd="4" destOrd="0" parTransId="{0F7BB613-974A-4529-A0EF-B00F076028A4}" sibTransId="{222D4286-7661-470E-93C4-CCFAA5E8F497}"/>
+    <dgm:cxn modelId="{FA50212A-8122-4EFB-9F5D-1F75FE950C16}" type="presOf" srcId="{A3BB76E1-8F86-48BF-9B8D-1306F11AD2C6}" destId="{4B816979-47EE-4B7F-A0E8-80D866845DA5}" srcOrd="0" destOrd="0" presId="urn:microsoft.com/office/officeart/2005/8/layout/orgChart1"/>
+    <dgm:cxn modelId="{1FFB712A-5ACE-4DFD-97C7-A31C9A1DA5F2}" srcId="{3E8CC39E-1D51-463A-8607-640A4960C4BD}" destId="{5A24ACE5-68D0-4967-9DE2-03D6135DC87E}" srcOrd="6" destOrd="0" parTransId="{0F7BB613-974A-4529-A0EF-B00F076028A4}" sibTransId="{222D4286-7661-470E-93C4-CCFAA5E8F497}"/>
     <dgm:cxn modelId="{357CC82B-DD24-4204-8798-8A9044D67F2C}" srcId="{5A130CF4-82A1-480D-B1BC-8C9BC041D947}" destId="{3E8CC39E-1D51-463A-8607-640A4960C4BD}" srcOrd="0" destOrd="0" parTransId="{7786268B-F175-492B-BB33-0971F8904A20}" sibTransId="{25D79C17-5675-41A4-9EBF-11FACEB2BC4A}"/>
     <dgm:cxn modelId="{31D7DA2B-BDD9-40D5-8346-748D4347D5E0}" type="presOf" srcId="{DC6EA711-5D3D-4A49-A2D3-993D25791FD0}" destId="{29188F3E-4D79-44E4-B2DA-6B0DDBE49240}" srcOrd="1" destOrd="0" presId="urn:microsoft.com/office/officeart/2005/8/layout/orgChart1"/>
+    <dgm:cxn modelId="{CEC0E22D-07B6-42A9-AB7D-676EB57C8146}" type="presOf" srcId="{9EDB8869-1490-4D16-AD6F-AA1294D99170}" destId="{D190B0E1-89D9-49E4-86A8-FC5F6ECC41C4}" srcOrd="0" destOrd="0" presId="urn:microsoft.com/office/officeart/2005/8/layout/orgChart1"/>
     <dgm:cxn modelId="{F0C0522F-9A2C-47C9-9A1A-81BB04EDE712}" type="presOf" srcId="{F280482C-C798-459D-B6E1-466FA717CC5B}" destId="{BE96DB66-AD1E-4365-AE46-C3C60770B1CA}" srcOrd="0" destOrd="0" presId="urn:microsoft.com/office/officeart/2005/8/layout/orgChart1"/>
     <dgm:cxn modelId="{BCD69A2F-C7DD-4CDB-8753-428E5B13A469}" type="presOf" srcId="{E086C18C-6586-4CDA-90D8-BA574ABF75C5}" destId="{9A2566C5-9F5E-4D8B-9060-A8D3B81F3336}" srcOrd="0" destOrd="0" presId="urn:microsoft.com/office/officeart/2005/8/layout/orgChart1"/>
     <dgm:cxn modelId="{AD84D12F-2F44-4CFA-B614-EC2C113B0CB3}" type="presOf" srcId="{1FE88220-37D4-441E-9066-A93196D32898}" destId="{A9DA0E6C-BD77-43AC-94EB-5163129CBDB6}" srcOrd="1" destOrd="0" presId="urn:microsoft.com/office/officeart/2005/8/layout/orgChart1"/>
@@ -4788,13 +5714,19 @@
     <dgm:cxn modelId="{D9EDC431-0154-4F71-A900-0424D3992781}" type="presOf" srcId="{57897E4F-B43E-4830-AA93-6F33553C8836}" destId="{F0931E07-0F79-480E-BC9F-CEB3ED830761}" srcOrd="1" destOrd="0" presId="urn:microsoft.com/office/officeart/2005/8/layout/orgChart1"/>
     <dgm:cxn modelId="{6FA9CF32-99BD-487F-AD1D-F0DEBD6FC47C}" type="presOf" srcId="{04C3F39C-3FB3-4129-9260-FB9863BCD4C5}" destId="{22A8CFEC-7F3C-48AD-9648-26B468C40213}" srcOrd="0" destOrd="0" presId="urn:microsoft.com/office/officeart/2005/8/layout/orgChart1"/>
     <dgm:cxn modelId="{6CDA6033-AB30-4CB3-8213-11CBB59D588F}" type="presOf" srcId="{398061CB-4E0D-41CF-8614-B02FCAC86CA8}" destId="{D069C8E9-8746-4CD8-9E2B-53351693FE96}" srcOrd="0" destOrd="0" presId="urn:microsoft.com/office/officeart/2005/8/layout/orgChart1"/>
+    <dgm:cxn modelId="{84F83F35-1F0E-4E96-938C-E7DF6AC85D5F}" type="presOf" srcId="{6E06EBBA-6A7B-43EE-B6E8-54B7C4674852}" destId="{3ECBD4AE-1413-4A8F-A7FA-FE90975D12DC}" srcOrd="0" destOrd="0" presId="urn:microsoft.com/office/officeart/2005/8/layout/orgChart1"/>
+    <dgm:cxn modelId="{D0859135-396C-4043-A842-FDE9D4845D6A}" srcId="{A1059FC7-D369-4BC9-A837-B0F13FDD8608}" destId="{3DCAF95B-41E1-4F50-B5D0-426D9C1709BB}" srcOrd="3" destOrd="0" parTransId="{D296A94E-47D9-4ADF-8D56-AA8DC3233F2E}" sibTransId="{F19D3C1F-1EAA-42AA-B59E-02E05343D154}"/>
     <dgm:cxn modelId="{711C1036-47EE-44B0-9A9D-C117762DE641}" srcId="{311D6DD8-8C54-4E2C-8C71-2F8BD8D0EDDB}" destId="{74770414-BDD0-4889-954D-29401DF5704B}" srcOrd="1" destOrd="0" parTransId="{7DF20A9C-4DE7-4ABE-9B1F-2326090D5418}" sibTransId="{C437CF4C-5D95-4003-8572-E76BEDFEF303}"/>
     <dgm:cxn modelId="{3BD92036-2606-4F2B-972A-6EE87790D881}" type="presOf" srcId="{A1059FC7-D369-4BC9-A837-B0F13FDD8608}" destId="{484C0F9D-E8DA-48A8-9EAB-3D1915A141C7}" srcOrd="0" destOrd="0" presId="urn:microsoft.com/office/officeart/2005/8/layout/orgChart1"/>
     <dgm:cxn modelId="{67CF1938-7EBA-44A3-9302-FAA830BE5A62}" srcId="{E36657BB-C992-457D-ABD4-294FF0D9E0B9}" destId="{8F25F80D-4148-4172-8A18-DB868B5E04E8}" srcOrd="3" destOrd="0" parTransId="{B2206A5F-C5A8-4377-AEBE-B9CA5071E7D3}" sibTransId="{AB9FE619-16A4-4CB2-8610-EDC92DAD869D}"/>
+    <dgm:cxn modelId="{9B627138-6504-43BA-B97E-557A80B6C58F}" type="presOf" srcId="{64B7B612-1A6D-4C00-A945-12BFF06E6E64}" destId="{CF99BF77-E588-4CF7-B6CF-0B986192FF80}" srcOrd="1" destOrd="0" presId="urn:microsoft.com/office/officeart/2005/8/layout/orgChart1"/>
     <dgm:cxn modelId="{5D79B038-A0E7-445B-80E7-CA7FC74D5980}" type="presOf" srcId="{C87D81A1-6CC8-4DCA-BD15-B97D48806961}" destId="{774BED4D-5A96-4C60-885C-497ACC6441F2}" srcOrd="1" destOrd="0" presId="urn:microsoft.com/office/officeart/2005/8/layout/orgChart1"/>
+    <dgm:cxn modelId="{4037B138-614B-44DD-9F60-442DE12F5F8A}" srcId="{699BA473-F873-45AA-B189-953810E2DF46}" destId="{C7AF416C-156D-4586-9026-09CE61B4086A}" srcOrd="3" destOrd="0" parTransId="{A3BB76E1-8F86-48BF-9B8D-1306F11AD2C6}" sibTransId="{1694334C-3656-487D-A3C5-E6A8E29C0832}"/>
     <dgm:cxn modelId="{24C69E39-8B84-4AEE-A541-CDB5949617A0}" type="presOf" srcId="{0E0F7677-F927-426F-933F-C7759496133D}" destId="{1D04A93D-63FE-4ED7-BC5D-79850A2E6AE1}" srcOrd="0" destOrd="0" presId="urn:microsoft.com/office/officeart/2005/8/layout/orgChart1"/>
     <dgm:cxn modelId="{6A5A953B-CAE1-4EE6-9E78-8B6025BF701A}" srcId="{1FE88220-37D4-441E-9066-A93196D32898}" destId="{E1B7DB7E-57FF-4FED-BCCB-2827B4CE62FA}" srcOrd="4" destOrd="0" parTransId="{DBE67F1B-164C-4C1C-9DFB-1A8F9332C95B}" sibTransId="{16406D37-4A5B-47CF-B1FA-6816AB1EC470}"/>
     <dgm:cxn modelId="{F581D83D-41FD-473B-8BFF-C23EBAAFC508}" type="presOf" srcId="{398061CB-4E0D-41CF-8614-B02FCAC86CA8}" destId="{0BC65EA2-4755-42C3-891F-5B58C38AA4AD}" srcOrd="1" destOrd="0" presId="urn:microsoft.com/office/officeart/2005/8/layout/orgChart1"/>
+    <dgm:cxn modelId="{438C1B40-BDD4-4AF2-8126-F55B8D72249C}" type="presOf" srcId="{532CBD0B-5EFD-404C-B8CF-9C622FDAF632}" destId="{6BB402F4-6899-4C22-B2E7-7754157A8D69}" srcOrd="0" destOrd="0" presId="urn:microsoft.com/office/officeart/2005/8/layout/orgChart1"/>
+    <dgm:cxn modelId="{B751AF5D-97FE-4CB3-87E1-C2204634E698}" srcId="{699BA473-F873-45AA-B189-953810E2DF46}" destId="{A5958AC4-F97F-48DF-843E-1A0DF057388E}" srcOrd="5" destOrd="0" parTransId="{439FFDCD-D719-41FD-B1AE-B5C3F8903A8D}" sibTransId="{0DF32E9E-A11C-44B7-91CA-4D10442254C7}"/>
     <dgm:cxn modelId="{94E10841-AD43-4A99-8FCB-39EB746F428D}" type="presOf" srcId="{678E8F72-3967-48CC-9A5A-BD97DEB27994}" destId="{1A880197-E40B-48B6-A00E-3B1B844CF43E}" srcOrd="1" destOrd="0" presId="urn:microsoft.com/office/officeart/2005/8/layout/orgChart1"/>
     <dgm:cxn modelId="{015A1361-81A1-4D1F-895C-0EAC10C14585}" type="presOf" srcId="{C87D81A1-6CC8-4DCA-BD15-B97D48806961}" destId="{05121054-EFD6-49CC-81C8-AF91D8C37724}" srcOrd="0" destOrd="0" presId="urn:microsoft.com/office/officeart/2005/8/layout/orgChart1"/>
     <dgm:cxn modelId="{E57AD161-A762-4377-BCC1-06A552D9B33E}" type="presOf" srcId="{3E8CC39E-1D51-463A-8607-640A4960C4BD}" destId="{E0D9D789-8723-4EBE-96CD-7B761C793469}" srcOrd="0" destOrd="0" presId="urn:microsoft.com/office/officeart/2005/8/layout/orgChart1"/>
@@ -4803,52 +5735,65 @@
     <dgm:cxn modelId="{89865943-E186-4A6A-9B71-F902C49F0AE1}" type="presOf" srcId="{E1B7DB7E-57FF-4FED-BCCB-2827B4CE62FA}" destId="{703C605E-1889-4263-9AA9-7FBB0B1021D9}" srcOrd="0" destOrd="0" presId="urn:microsoft.com/office/officeart/2005/8/layout/orgChart1"/>
     <dgm:cxn modelId="{72BEE263-84FE-434A-AFD2-4AF6320A3B77}" type="presOf" srcId="{D56DBF74-740C-4F96-8CAA-F39D952A495F}" destId="{A7D1E3CC-CF40-419B-A23A-A0E30CC143C9}" srcOrd="0" destOrd="0" presId="urn:microsoft.com/office/officeart/2005/8/layout/orgChart1"/>
     <dgm:cxn modelId="{7A121364-3DBF-4970-BEDC-2E4E8C485E67}" type="presOf" srcId="{105699BB-7017-453A-8C0E-2004027AD789}" destId="{D086313A-D390-46C5-9D6A-A8D0967A109B}" srcOrd="0" destOrd="0" presId="urn:microsoft.com/office/officeart/2005/8/layout/orgChart1"/>
-    <dgm:cxn modelId="{5DB22B64-0F71-4FFB-90A5-9E51E36BFDBC}" srcId="{A1059FC7-D369-4BC9-A837-B0F13FDD8608}" destId="{DC6EA711-5D3D-4A49-A2D3-993D25791FD0}" srcOrd="5" destOrd="0" parTransId="{7D5DDFB2-D2AE-4237-A999-CB98F71B8378}" sibTransId="{ACA0FD98-D052-4BE0-93B8-CE2C8B138B88}"/>
+    <dgm:cxn modelId="{5DB22B64-0F71-4FFB-90A5-9E51E36BFDBC}" srcId="{A1059FC7-D369-4BC9-A837-B0F13FDD8608}" destId="{DC6EA711-5D3D-4A49-A2D3-993D25791FD0}" srcOrd="6" destOrd="0" parTransId="{7D5DDFB2-D2AE-4237-A999-CB98F71B8378}" sibTransId="{ACA0FD98-D052-4BE0-93B8-CE2C8B138B88}"/>
     <dgm:cxn modelId="{98455444-29E1-49BC-8226-02C36577DDEA}" srcId="{3BAE0D0C-FD4F-4796-A59D-7E9173A3982F}" destId="{38B9F773-9093-4AF7-A977-EDDDF2CC954D}" srcOrd="0" destOrd="0" parTransId="{C4BDF739-9BEE-45EE-9DC9-264B0424B9D0}" sibTransId="{FDD3E505-9E43-4CE5-BA63-79F2BD2D310E}"/>
     <dgm:cxn modelId="{44254365-A936-4A98-A39D-B34C013B4ED3}" type="presOf" srcId="{7ED7F82A-B3BC-4965-908C-DB18A189650A}" destId="{31C73E42-7413-4086-8AA9-82EE4FDF4688}" srcOrd="0" destOrd="0" presId="urn:microsoft.com/office/officeart/2005/8/layout/orgChart1"/>
-    <dgm:cxn modelId="{C833C645-4867-4964-913F-390095DCE06A}" srcId="{3E8CC39E-1D51-463A-8607-640A4960C4BD}" destId="{E0ED939F-CDDA-4743-843F-304C40BEDDFE}" srcOrd="9" destOrd="0" parTransId="{1275C6AF-D6DB-42CA-91E1-614D01323013}" sibTransId="{7972DC43-BB30-4BCB-900B-A9016C72143F}"/>
-    <dgm:cxn modelId="{1529D745-B2D6-4091-AEB8-E0A68814B112}" srcId="{3E8CC39E-1D51-463A-8607-640A4960C4BD}" destId="{105699BB-7017-453A-8C0E-2004027AD789}" srcOrd="5" destOrd="0" parTransId="{F264BCA0-E208-4FB7-B1BB-E25907FEC487}" sibTransId="{D941A710-221C-49FE-A927-F115F5792D04}"/>
+    <dgm:cxn modelId="{C833C645-4867-4964-913F-390095DCE06A}" srcId="{3E8CC39E-1D51-463A-8607-640A4960C4BD}" destId="{E0ED939F-CDDA-4743-843F-304C40BEDDFE}" srcOrd="11" destOrd="0" parTransId="{1275C6AF-D6DB-42CA-91E1-614D01323013}" sibTransId="{7972DC43-BB30-4BCB-900B-A9016C72143F}"/>
+    <dgm:cxn modelId="{1529D745-B2D6-4091-AEB8-E0A68814B112}" srcId="{3E8CC39E-1D51-463A-8607-640A4960C4BD}" destId="{105699BB-7017-453A-8C0E-2004027AD789}" srcOrd="7" destOrd="0" parTransId="{F264BCA0-E208-4FB7-B1BB-E25907FEC487}" sibTransId="{D941A710-221C-49FE-A927-F115F5792D04}"/>
     <dgm:cxn modelId="{35422767-D35D-4470-822E-7ED6855B3A58}" type="presOf" srcId="{C4BDF739-9BEE-45EE-9DC9-264B0424B9D0}" destId="{A6639C85-56A8-4AE3-B0C5-F31D10FCF777}" srcOrd="0" destOrd="0" presId="urn:microsoft.com/office/officeart/2005/8/layout/orgChart1"/>
+    <dgm:cxn modelId="{20922F67-6726-4D6D-A234-2D9E32011C10}" srcId="{3E8CC39E-1D51-463A-8607-640A4960C4BD}" destId="{9EDB8869-1490-4D16-AD6F-AA1294D99170}" srcOrd="4" destOrd="0" parTransId="{1CD4D642-0E96-4954-A320-0C6B0EDC5EE8}" sibTransId="{2E574F3A-E044-4D5D-B2FC-DEBDC2AC6C52}"/>
+    <dgm:cxn modelId="{D043FE67-A126-4513-91D2-E8E8C592E958}" type="presOf" srcId="{36D9A180-E394-4A98-9124-D8779B436D5C}" destId="{6B97F897-1555-4E74-BC7A-F8119B3F31BD}" srcOrd="0" destOrd="0" presId="urn:microsoft.com/office/officeart/2005/8/layout/orgChart1"/>
     <dgm:cxn modelId="{16587A68-0AC9-473C-8146-59E39A5DA27D}" type="presOf" srcId="{EDE3BBAB-41B8-499A-81EC-A06F6BFCD327}" destId="{AC7DEC99-4036-40AE-AE68-E2251CEBFF3D}" srcOrd="0" destOrd="0" presId="urn:microsoft.com/office/officeart/2005/8/layout/orgChart1"/>
     <dgm:cxn modelId="{B4F59C68-1D61-4DBD-B36D-C77BD18725C3}" type="presOf" srcId="{E086C18C-6586-4CDA-90D8-BA574ABF75C5}" destId="{B58AA6A6-3178-4EE1-83E4-04B4CF34D00B}" srcOrd="1" destOrd="0" presId="urn:microsoft.com/office/officeart/2005/8/layout/orgChart1"/>
+    <dgm:cxn modelId="{74D5A649-FCE3-4850-B187-CC27DA023B37}" type="presOf" srcId="{97ACF864-7062-497D-A255-14D58EC5AA6E}" destId="{840A93A4-5130-4E81-82D8-DEB4AFBB730F}" srcOrd="0" destOrd="0" presId="urn:microsoft.com/office/officeart/2005/8/layout/orgChart1"/>
+    <dgm:cxn modelId="{3527356A-F735-4F47-828B-9BDDAC832E02}" type="presOf" srcId="{C7AF416C-156D-4586-9026-09CE61B4086A}" destId="{E4AC0109-0A2D-4A2D-927D-BF34315E0098}" srcOrd="0" destOrd="0" presId="urn:microsoft.com/office/officeart/2005/8/layout/orgChart1"/>
     <dgm:cxn modelId="{56C97D6A-8DA3-4812-8C51-275F9C2572B3}" type="presOf" srcId="{F8B36BD7-227B-481D-B93A-AC0E3729CD8F}" destId="{A3AD00AC-C08B-40FB-8083-19D64B9EF040}" srcOrd="0" destOrd="0" presId="urn:microsoft.com/office/officeart/2005/8/layout/orgChart1"/>
+    <dgm:cxn modelId="{1FE7A16A-1C39-424F-AB6A-D1A67535B90A}" type="presOf" srcId="{699BA473-F873-45AA-B189-953810E2DF46}" destId="{5C2A2BA1-9EE9-42F9-8CCB-C4510A919B9D}" srcOrd="1" destOrd="0" presId="urn:microsoft.com/office/officeart/2005/8/layout/orgChart1"/>
     <dgm:cxn modelId="{56575B4C-B45A-4071-A55F-2AD2F54102CE}" srcId="{1FE88220-37D4-441E-9066-A93196D32898}" destId="{DDA688CE-CF40-4247-A0A4-2595516C72EB}" srcOrd="1" destOrd="0" parTransId="{4FCF2090-2A38-4101-98D9-62711114F190}" sibTransId="{F598680C-DA4F-4F1E-9BAC-BBCE96C1FF78}"/>
     <dgm:cxn modelId="{660BC24D-08D3-49E3-8FA3-001072F3B05C}" type="presOf" srcId="{9767A9A6-6180-4440-9441-ED05A440F85A}" destId="{ED2A5822-B406-4F8D-98D1-844E0893CB67}" srcOrd="1" destOrd="0" presId="urn:microsoft.com/office/officeart/2005/8/layout/orgChart1"/>
     <dgm:cxn modelId="{6144356E-9FB4-42C6-9845-981751C41778}" srcId="{E36657BB-C992-457D-ABD4-294FF0D9E0B9}" destId="{CFBBDE2F-F64F-4F41-B999-94B8508F8C57}" srcOrd="5" destOrd="0" parTransId="{1B7DDC3B-5191-4D44-AA1A-57A901202772}" sibTransId="{E4F263A4-CDA4-4518-AAA5-2C349886EC2C}"/>
     <dgm:cxn modelId="{1F31CC4F-9588-4326-818A-777B00590763}" type="presOf" srcId="{15728E7A-B3F4-4846-9859-011F8F042136}" destId="{71748AAD-9CFD-4E76-8681-C69FB598D6C6}" srcOrd="0" destOrd="0" presId="urn:microsoft.com/office/officeart/2005/8/layout/orgChart1"/>
     <dgm:cxn modelId="{D5F8E74F-E7FB-4968-87B6-376672D08B44}" type="presOf" srcId="{E423D0F6-8CED-4F3F-9A84-93E0370E44A7}" destId="{2B9A6652-0CDC-4A06-8130-3523581C7640}" srcOrd="0" destOrd="0" presId="urn:microsoft.com/office/officeart/2005/8/layout/orgChart1"/>
     <dgm:cxn modelId="{3E150050-FB9B-4EEC-9573-9BD6A257F51B}" type="presOf" srcId="{6A53FE72-3745-42CC-AC9B-5CF73CA73750}" destId="{DF9F2D93-50D6-46DF-BA42-27D50139A81C}" srcOrd="0" destOrd="0" presId="urn:microsoft.com/office/officeart/2005/8/layout/orgChart1"/>
-    <dgm:cxn modelId="{29361250-9F7B-4827-BFE5-98B62E8CF386}" srcId="{3E8CC39E-1D51-463A-8607-640A4960C4BD}" destId="{50744334-6503-43A4-ADDB-0CC5326D54D8}" srcOrd="1" destOrd="0" parTransId="{2E07F3E9-F9E3-489C-835A-A259CF4F2EB3}" sibTransId="{462B283F-E87A-400E-8542-DD667655B119}"/>
+    <dgm:cxn modelId="{29361250-9F7B-4827-BFE5-98B62E8CF386}" srcId="{3E8CC39E-1D51-463A-8607-640A4960C4BD}" destId="{50744334-6503-43A4-ADDB-0CC5326D54D8}" srcOrd="2" destOrd="0" parTransId="{2E07F3E9-F9E3-489C-835A-A259CF4F2EB3}" sibTransId="{462B283F-E87A-400E-8542-DD667655B119}"/>
     <dgm:cxn modelId="{98962950-8DB1-4079-9032-229EC3E3C6D8}" type="presOf" srcId="{45B5502F-F9BD-497B-8765-433AB47157F7}" destId="{9B23C1DE-537E-48CB-B274-B5BDF22B1A57}" srcOrd="0" destOrd="0" presId="urn:microsoft.com/office/officeart/2005/8/layout/orgChart1"/>
     <dgm:cxn modelId="{35102E50-B73C-46BC-A37A-E5FE97BFE028}" type="presOf" srcId="{FBE65CBC-7EC3-4A2A-9C5B-BB24267C7434}" destId="{7F51D0F5-C74B-4D44-B08D-5D034389763E}" srcOrd="1" destOrd="0" presId="urn:microsoft.com/office/officeart/2005/8/layout/orgChart1"/>
     <dgm:cxn modelId="{0FD54950-EE50-41BB-B21F-DEF7281C9415}" type="presOf" srcId="{1BC0C24F-9DAF-4F2A-95F6-46075020B387}" destId="{339B0BFA-3E97-45D7-9D50-EBCD490669F9}" srcOrd="0" destOrd="0" presId="urn:microsoft.com/office/officeart/2005/8/layout/orgChart1"/>
     <dgm:cxn modelId="{6172DC50-D834-4A86-A1DE-4DFB6358BDE6}" type="presOf" srcId="{57178ABE-A017-45D8-9354-71432AE8CB88}" destId="{1A5F4A39-3F72-454B-8E34-BA033BF3C5E1}" srcOrd="0" destOrd="0" presId="urn:microsoft.com/office/officeart/2005/8/layout/orgChart1"/>
+    <dgm:cxn modelId="{8659EB50-A0D3-4A3F-A3B4-AA1FFCB30F16}" srcId="{699BA473-F873-45AA-B189-953810E2DF46}" destId="{CE4BCB29-7ECB-4DF5-9F6D-BBBBB5550BEB}" srcOrd="4" destOrd="0" parTransId="{36D9A180-E394-4A98-9124-D8779B436D5C}" sibTransId="{0A88C87E-422C-4592-B70C-952E276B7DA6}"/>
     <dgm:cxn modelId="{EF102D71-9412-4DA1-B15A-1D40DC08CAAD}" type="presOf" srcId="{B146A1B1-B0D4-43AF-9F61-DBA9336A534C}" destId="{0922FE8B-DF89-4405-8D8B-F8F3C875E2DD}" srcOrd="0" destOrd="0" presId="urn:microsoft.com/office/officeart/2005/8/layout/orgChart1"/>
     <dgm:cxn modelId="{80961F72-0AD1-486B-AC36-032CB700891D}" type="presOf" srcId="{DC6EA711-5D3D-4A49-A2D3-993D25791FD0}" destId="{3FCF524F-4B2D-44FD-942D-4FC7D10F4E3B}" srcOrd="0" destOrd="0" presId="urn:microsoft.com/office/officeart/2005/8/layout/orgChart1"/>
     <dgm:cxn modelId="{480F5D72-AD5C-4805-A907-A232BC69B3FB}" type="presOf" srcId="{3E8CC39E-1D51-463A-8607-640A4960C4BD}" destId="{8646981E-4CB0-4655-AE68-C8DAF4D043B7}" srcOrd="1" destOrd="0" presId="urn:microsoft.com/office/officeart/2005/8/layout/orgChart1"/>
     <dgm:cxn modelId="{57B77372-82DC-425F-956B-E4A41887F8E4}" type="presOf" srcId="{105699BB-7017-453A-8C0E-2004027AD789}" destId="{4992B22D-4DD8-4B66-8921-9B600E91A1A2}" srcOrd="1" destOrd="0" presId="urn:microsoft.com/office/officeart/2005/8/layout/orgChart1"/>
-    <dgm:cxn modelId="{39C93D53-C7C8-43B1-8218-1056BF2B4C9A}" srcId="{3E8CC39E-1D51-463A-8607-640A4960C4BD}" destId="{275D6578-A6C0-4038-AA6E-BAF2BF3B0470}" srcOrd="8" destOrd="0" parTransId="{D7FB8382-77BA-4D1C-BA5F-39BCA282884D}" sibTransId="{768970E4-E017-41BE-A535-BD4D3723E863}"/>
+    <dgm:cxn modelId="{39C93D53-C7C8-43B1-8218-1056BF2B4C9A}" srcId="{3E8CC39E-1D51-463A-8607-640A4960C4BD}" destId="{275D6578-A6C0-4038-AA6E-BAF2BF3B0470}" srcOrd="10" destOrd="0" parTransId="{D7FB8382-77BA-4D1C-BA5F-39BCA282884D}" sibTransId="{768970E4-E017-41BE-A535-BD4D3723E863}"/>
     <dgm:cxn modelId="{C4DC6573-A32D-40AD-9B4E-A5AED5740C29}" type="presOf" srcId="{370BCFBA-06A4-4104-8062-395094EC89E2}" destId="{EFE6615F-D31F-4C36-B70C-2208DE3019FC}" srcOrd="0" destOrd="0" presId="urn:microsoft.com/office/officeart/2005/8/layout/orgChart1"/>
+    <dgm:cxn modelId="{73558C53-29DA-4C32-BF71-754E7D9BC1DC}" type="presOf" srcId="{CE4BCB29-7ECB-4DF5-9F6D-BBBBB5550BEB}" destId="{1D6E1A72-0CCB-4925-886F-31DD3E434CE0}" srcOrd="0" destOrd="0" presId="urn:microsoft.com/office/officeart/2005/8/layout/orgChart1"/>
     <dgm:cxn modelId="{EFEA1174-370B-4F10-9FE8-BA070C776AD6}" srcId="{50744334-6503-43A4-ADDB-0CC5326D54D8}" destId="{E086C18C-6586-4CDA-90D8-BA574ABF75C5}" srcOrd="1" destOrd="0" parTransId="{F8B36BD7-227B-481D-B93A-AC0E3729CD8F}" sibTransId="{E41DFDB4-ED84-4BF9-989E-F366122C6BD2}"/>
     <dgm:cxn modelId="{1D8EA454-F8D3-48B8-9073-B909721DFB27}" type="presOf" srcId="{AAD5DB4F-B470-4935-9FA1-84FFF055E1E1}" destId="{5AEF1B41-FBF0-46FE-8187-960FE966BE9B}" srcOrd="0" destOrd="0" presId="urn:microsoft.com/office/officeart/2005/8/layout/orgChart1"/>
     <dgm:cxn modelId="{8A5D8475-C5BE-49CE-A370-958A100D0187}" type="presOf" srcId="{275D6578-A6C0-4038-AA6E-BAF2BF3B0470}" destId="{E51E6F38-46A5-4263-9055-A1AEB09CD03A}" srcOrd="0" destOrd="0" presId="urn:microsoft.com/office/officeart/2005/8/layout/orgChart1"/>
+    <dgm:cxn modelId="{1BF18675-A16D-4D0C-BADC-AAC113CA5A7F}" srcId="{699BA473-F873-45AA-B189-953810E2DF46}" destId="{B68228D5-E8AB-45BD-85B3-DF6E154CDD75}" srcOrd="2" destOrd="0" parTransId="{12061413-849C-439D-80D3-1B412E8CC481}" sibTransId="{ECDD9C4A-EABA-4C1A-866D-E5F92661BE3A}"/>
     <dgm:cxn modelId="{9FF62076-1F1A-4084-AAA7-072CA3EACCE5}" type="presOf" srcId="{4FF4BF5F-3F45-45E5-8D0C-544859DC92B0}" destId="{548C28C3-812E-4FC5-99B3-54A70C6632DD}" srcOrd="1" destOrd="0" presId="urn:microsoft.com/office/officeart/2005/8/layout/orgChart1"/>
     <dgm:cxn modelId="{16A2AA76-1B7B-4671-B567-B4540C5EED28}" type="presOf" srcId="{1BC0C24F-9DAF-4F2A-95F6-46075020B387}" destId="{1AB339BF-AEF8-4B66-A00F-ED2D7B5BF99B}" srcOrd="1" destOrd="0" presId="urn:microsoft.com/office/officeart/2005/8/layout/orgChart1"/>
+    <dgm:cxn modelId="{41F5CC56-BA3F-4C76-AFDC-F7CA24C23DE5}" type="presOf" srcId="{CE4BCB29-7ECB-4DF5-9F6D-BBBBB5550BEB}" destId="{350A869D-338A-4BE8-A39D-B669160D5E64}" srcOrd="1" destOrd="0" presId="urn:microsoft.com/office/officeart/2005/8/layout/orgChart1"/>
+    <dgm:cxn modelId="{C0F42F77-4C83-43CF-A4FD-A38591916403}" type="presOf" srcId="{C7AF416C-156D-4586-9026-09CE61B4086A}" destId="{0CF6CE14-B8B9-4455-8494-BED16EFE1D74}" srcOrd="1" destOrd="0" presId="urn:microsoft.com/office/officeart/2005/8/layout/orgChart1"/>
     <dgm:cxn modelId="{358C4B77-B073-4E90-821C-AA5C1A7681D4}" type="presOf" srcId="{372CC4E9-4D31-4CE7-9BAA-EB39525F02EC}" destId="{E857C40C-63D5-4B2E-8DDD-6D8A99D7BB3C}" srcOrd="1" destOrd="0" presId="urn:microsoft.com/office/officeart/2005/8/layout/orgChart1"/>
     <dgm:cxn modelId="{680EAB77-21F1-46E4-837A-837F7ECBA0F5}" srcId="{311D6DD8-8C54-4E2C-8C71-2F8BD8D0EDDB}" destId="{F280482C-C798-459D-B6E1-466FA717CC5B}" srcOrd="0" destOrd="0" parTransId="{C750C302-E290-41D5-BDA5-D74A3BE8A59A}" sibTransId="{5E0C8E56-E91D-4B96-AC42-7E043A3B362A}"/>
     <dgm:cxn modelId="{8CCC8059-8328-4D54-B457-014A8F8B48CC}" type="presOf" srcId="{DDA688CE-CF40-4247-A0A4-2595516C72EB}" destId="{39F983ED-FCB7-4B94-AB6A-A8D1044BA41A}" srcOrd="1" destOrd="0" presId="urn:microsoft.com/office/officeart/2005/8/layout/orgChart1"/>
     <dgm:cxn modelId="{FF09417A-298B-4EC9-B165-F99B2F87247B}" type="presOf" srcId="{AA8F3353-CF59-4492-826B-98B162F4CD24}" destId="{11BC200D-0CDD-48A9-8270-990285883250}" srcOrd="1" destOrd="0" presId="urn:microsoft.com/office/officeart/2005/8/layout/orgChart1"/>
+    <dgm:cxn modelId="{D63E455A-D678-468D-85FC-9E32914FF136}" type="presOf" srcId="{1CD4D642-0E96-4954-A320-0C6B0EDC5EE8}" destId="{8BE93FB5-5DDC-4147-AC43-80210D75A281}" srcOrd="0" destOrd="0" presId="urn:microsoft.com/office/officeart/2005/8/layout/orgChart1"/>
     <dgm:cxn modelId="{30626A5A-43AD-497F-A928-E72163936B12}" type="presOf" srcId="{678E8F72-3967-48CC-9A5A-BD97DEB27994}" destId="{551598E9-034F-4447-97E1-782205478AE8}" srcOrd="0" destOrd="0" presId="urn:microsoft.com/office/officeart/2005/8/layout/orgChart1"/>
     <dgm:cxn modelId="{E0ECC85A-1E42-428D-9885-C70BDEE303FA}" type="presOf" srcId="{3E06C824-B207-4BB9-8299-6DB685B22456}" destId="{1F5AFEBC-03BC-4BD6-A5BF-2EC34D010DE7}" srcOrd="1" destOrd="0" presId="urn:microsoft.com/office/officeart/2005/8/layout/orgChart1"/>
     <dgm:cxn modelId="{267DCD5A-B401-46A8-B17B-A6A31D723F07}" type="presOf" srcId="{50744334-6503-43A4-ADDB-0CC5326D54D8}" destId="{E5C1CEEB-72CF-4D85-BA23-818995F5318D}" srcOrd="1" destOrd="0" presId="urn:microsoft.com/office/officeart/2005/8/layout/orgChart1"/>
     <dgm:cxn modelId="{E7FFDA7A-CD1E-4BC4-BC8D-D4CA9355866F}" type="presOf" srcId="{E2065B91-90FE-4BAA-8821-6AB5979139CA}" destId="{A6492050-AD4D-4B12-9A72-6D05C695338D}" srcOrd="0" destOrd="0" presId="urn:microsoft.com/office/officeart/2005/8/layout/orgChart1"/>
+    <dgm:cxn modelId="{FE73F57D-91CE-403A-B47B-6DF28EE74A8D}" srcId="{699BA473-F873-45AA-B189-953810E2DF46}" destId="{0364748B-4C11-4EF4-B6CC-8A79889ADC81}" srcOrd="6" destOrd="0" parTransId="{8401AF26-EBE6-4618-87FE-C229651B7AFE}" sibTransId="{DBA6E1E8-2372-4956-B46C-18EA12051F45}"/>
     <dgm:cxn modelId="{AA47F67D-CF9B-4A11-86C2-96856AF71486}" type="presOf" srcId="{F1C186BE-BD2A-4C33-BAA2-8C22BA45FE1C}" destId="{BCFCD26C-86D8-4D7F-B57A-880FC9A97A3F}" srcOrd="0" destOrd="0" presId="urn:microsoft.com/office/officeart/2005/8/layout/orgChart1"/>
     <dgm:cxn modelId="{D294657E-FAE7-44C4-8292-540457649906}" type="presOf" srcId="{62065E90-92B1-4D62-AD52-011662F89685}" destId="{4D2C059A-1D49-4E71-BF07-F2074FFA2255}" srcOrd="0" destOrd="0" presId="urn:microsoft.com/office/officeart/2005/8/layout/orgChart1"/>
+    <dgm:cxn modelId="{C897307F-848D-46B7-BF3C-15952E8B9A6B}" type="presOf" srcId="{5CF8F453-87E6-4F17-AEF4-247CFE452C75}" destId="{2E320EFC-6739-426A-A052-6207B0F1C1BD}" srcOrd="0" destOrd="0" presId="urn:microsoft.com/office/officeart/2005/8/layout/orgChart1"/>
     <dgm:cxn modelId="{00B85F7F-259B-4BDA-8C1F-C4CBB229CA0A}" type="presOf" srcId="{FBE65CBC-7EC3-4A2A-9C5B-BB24267C7434}" destId="{FADDC691-0A86-4B40-AA55-39069DDC51CC}" srcOrd="0" destOrd="0" presId="urn:microsoft.com/office/officeart/2005/8/layout/orgChart1"/>
     <dgm:cxn modelId="{0015BA7F-3120-40D4-8958-F721BD773F46}" type="presOf" srcId="{E2B40DA0-67AF-4A83-9084-E878E7DAD26A}" destId="{9DA744D5-350D-4A69-A847-EB442D828B83}" srcOrd="0" destOrd="0" presId="urn:microsoft.com/office/officeart/2005/8/layout/orgChart1"/>
     <dgm:cxn modelId="{D2EA9380-0760-4CF1-B398-2551F519FCBE}" type="presOf" srcId="{E0ED939F-CDDA-4743-843F-304C40BEDDFE}" destId="{226FC570-8666-4E17-822A-229712F04EEC}" srcOrd="1" destOrd="0" presId="urn:microsoft.com/office/officeart/2005/8/layout/orgChart1"/>
     <dgm:cxn modelId="{9A39C383-2C37-4A64-8B3C-636DC0DB9815}" srcId="{A1059FC7-D369-4BC9-A837-B0F13FDD8608}" destId="{5A130CF4-82A1-480D-B1BC-8C9BC041D947}" srcOrd="0" destOrd="0" parTransId="{2A2F2C46-C20C-4052-8209-B4DB5F019F03}" sibTransId="{9DD56AEA-E226-4AB1-B971-2522DB18B5E0}"/>
-    <dgm:cxn modelId="{723CB085-5C61-4937-ABDF-A99087F30217}" srcId="{3E8CC39E-1D51-463A-8607-640A4960C4BD}" destId="{B146A1B1-B0D4-43AF-9F61-DBA9336A534C}" srcOrd="6" destOrd="0" parTransId="{1ACA5A08-FB34-4B93-B527-18564E327613}" sibTransId="{8D31468F-76EB-42A5-9875-B98DC0CC2BDB}"/>
+    <dgm:cxn modelId="{723CB085-5C61-4937-ABDF-A99087F30217}" srcId="{3E8CC39E-1D51-463A-8607-640A4960C4BD}" destId="{B146A1B1-B0D4-43AF-9F61-DBA9336A534C}" srcOrd="8" destOrd="0" parTransId="{1ACA5A08-FB34-4B93-B527-18564E327613}" sibTransId="{8D31468F-76EB-42A5-9875-B98DC0CC2BDB}"/>
     <dgm:cxn modelId="{6B4C2F86-6BED-4BC5-8D96-CEDC52057934}" srcId="{E36657BB-C992-457D-ABD4-294FF0D9E0B9}" destId="{A1CD47A1-26A2-43AA-95C3-0AE9675E5CC8}" srcOrd="4" destOrd="0" parTransId="{370BCFBA-06A4-4104-8062-395094EC89E2}" sibTransId="{B3C0B0B2-2782-4DE2-A9D5-A6E9FDED785F}"/>
     <dgm:cxn modelId="{C91DA186-FF00-4ADC-877A-259A3B330FD3}" type="presOf" srcId="{3E06C824-B207-4BB9-8299-6DB685B22456}" destId="{7BBCE7BB-9B24-4968-9CF1-8802A8F83A58}" srcOrd="0" destOrd="0" presId="urn:microsoft.com/office/officeart/2005/8/layout/orgChart1"/>
     <dgm:cxn modelId="{8EDCB586-EB4B-40E8-8E40-F1FD5B9F770C}" type="presOf" srcId="{E1C6A249-B4E0-4081-BD3F-2CCC0E6489BC}" destId="{AEE51843-F6AA-432F-8952-AFFCB8D1881F}" srcOrd="0" destOrd="0" presId="urn:microsoft.com/office/officeart/2005/8/layout/orgChart1"/>
@@ -4856,23 +5801,29 @@
     <dgm:cxn modelId="{67C62D88-81FA-4011-9034-39A07AF3AFA1}" type="presOf" srcId="{E0ED939F-CDDA-4743-843F-304C40BEDDFE}" destId="{1005FA76-D947-46F8-8000-A279BD4348DD}" srcOrd="0" destOrd="0" presId="urn:microsoft.com/office/officeart/2005/8/layout/orgChart1"/>
     <dgm:cxn modelId="{B146C389-9028-4372-A279-7FEE53921188}" type="presOf" srcId="{74770414-BDD0-4889-954D-29401DF5704B}" destId="{72DF69CC-9FF0-427E-820B-8A51A19F5227}" srcOrd="1" destOrd="0" presId="urn:microsoft.com/office/officeart/2005/8/layout/orgChart1"/>
     <dgm:cxn modelId="{00A1CB89-9863-4985-83D2-A7642DC79C8B}" srcId="{311D6DD8-8C54-4E2C-8C71-2F8BD8D0EDDB}" destId="{73BDB8CB-FD3D-428C-BDF6-B53E9FF51360}" srcOrd="3" destOrd="0" parTransId="{331BD2FF-BD51-435B-9CF0-6601905F266E}" sibTransId="{8C73B556-38DA-47DC-9982-FAD55B48133C}"/>
+    <dgm:cxn modelId="{8D41708B-805C-46A1-B2B8-B2EA3E821F4C}" type="presOf" srcId="{0FC22D25-49E6-4449-B182-5C6A94AB6B35}" destId="{248F3600-CB79-4891-ADA9-3921BA2D6F2C}" srcOrd="0" destOrd="0" presId="urn:microsoft.com/office/officeart/2005/8/layout/orgChart1"/>
     <dgm:cxn modelId="{A408898E-2BAC-415B-8501-C1DD50BC29D4}" type="presOf" srcId="{E36657BB-C992-457D-ABD4-294FF0D9E0B9}" destId="{CBC61EC5-8357-41D5-A566-A8644C9E413A}" srcOrd="0" destOrd="0" presId="urn:microsoft.com/office/officeart/2005/8/layout/orgChart1"/>
+    <dgm:cxn modelId="{591B228F-B7DF-4C0D-8AB1-E4A658C9D4C6}" type="presOf" srcId="{C57AA0CF-C64A-40DD-A0F9-F637E7536093}" destId="{7383D0D0-0515-4684-AFF0-5F0F362D0779}" srcOrd="0" destOrd="0" presId="urn:microsoft.com/office/officeart/2005/8/layout/orgChart1"/>
     <dgm:cxn modelId="{30CC2D8F-866A-4A60-9272-6428B94028DF}" type="presOf" srcId="{90DCFF90-B9BD-499B-B9FE-019A7C276CB4}" destId="{D8263A46-6000-40E8-8909-48A87AEDA582}" srcOrd="0" destOrd="0" presId="urn:microsoft.com/office/officeart/2005/8/layout/orgChart1"/>
     <dgm:cxn modelId="{966DFB92-944F-4795-A183-CC9A51818912}" type="presOf" srcId="{6F9935B6-B76B-4F94-BE7E-228C22706ABF}" destId="{37C7BC80-7487-400F-942E-1D4D3EBF3734}" srcOrd="0" destOrd="0" presId="urn:microsoft.com/office/officeart/2005/8/layout/orgChart1"/>
     <dgm:cxn modelId="{8175D395-C1C3-482B-92E1-B40E248F0FE5}" srcId="{4FF4BF5F-3F45-45E5-8D0C-544859DC92B0}" destId="{9767A9A6-6180-4440-9441-ED05A440F85A}" srcOrd="0" destOrd="0" parTransId="{E451EE57-E603-4682-A7FE-0FFE0A819B6F}" sibTransId="{DA551883-C567-489D-8034-6823CD44E6E7}"/>
     <dgm:cxn modelId="{55F00D96-BBE8-4B46-AE3A-4BACD3082C5E}" type="presOf" srcId="{8F25F80D-4148-4172-8A18-DB868B5E04E8}" destId="{5A1B7CEC-1033-4139-AA7A-0CA46EFB700D}" srcOrd="1" destOrd="0" presId="urn:microsoft.com/office/officeart/2005/8/layout/orgChart1"/>
     <dgm:cxn modelId="{EBAE5A97-4868-446E-9C31-773EC85CA4CB}" type="presOf" srcId="{A1059FC7-D369-4BC9-A837-B0F13FDD8608}" destId="{D1C78873-2967-4F4A-B0E3-9FA058D638E4}" srcOrd="1" destOrd="0" presId="urn:microsoft.com/office/officeart/2005/8/layout/orgChart1"/>
-    <dgm:cxn modelId="{D7B6AF97-2EF7-4DDD-B0C0-D3F23841B2F0}" srcId="{A1059FC7-D369-4BC9-A837-B0F13FDD8608}" destId="{311D6DD8-8C54-4E2C-8C71-2F8BD8D0EDDB}" srcOrd="3" destOrd="0" parTransId="{CD634B3B-02E2-4369-A01A-7AFE98E87B26}" sibTransId="{444C6BB2-8756-433B-97B4-7B71E1EB5D47}"/>
+    <dgm:cxn modelId="{D7B6AF97-2EF7-4DDD-B0C0-D3F23841B2F0}" srcId="{A1059FC7-D369-4BC9-A837-B0F13FDD8608}" destId="{311D6DD8-8C54-4E2C-8C71-2F8BD8D0EDDB}" srcOrd="4" destOrd="0" parTransId="{CD634B3B-02E2-4369-A01A-7AFE98E87B26}" sibTransId="{444C6BB2-8756-433B-97B4-7B71E1EB5D47}"/>
     <dgm:cxn modelId="{296A3898-AB49-44EB-A527-E340DACE1DE8}" type="presOf" srcId="{23209160-44D6-468D-88E0-7F515DA6C8E1}" destId="{4C561BD1-6498-41FC-9541-C2D44F4A10CE}" srcOrd="0" destOrd="0" presId="urn:microsoft.com/office/officeart/2005/8/layout/orgChart1"/>
+    <dgm:cxn modelId="{3F3C6C98-7D8C-40AF-A341-F388983EBDC3}" type="presOf" srcId="{B68228D5-E8AB-45BD-85B3-DF6E154CDD75}" destId="{F2D1A4CC-10AC-4501-93C6-C16062E965E5}" srcOrd="0" destOrd="0" presId="urn:microsoft.com/office/officeart/2005/8/layout/orgChart1"/>
     <dgm:cxn modelId="{2A192399-CDE9-4207-B1F5-177E7565404A}" srcId="{3E8FCCA5-7848-4FCB-B52D-ED572BE02795}" destId="{1FE88220-37D4-441E-9066-A93196D32898}" srcOrd="0" destOrd="0" parTransId="{45B5502F-F9BD-497B-8765-433AB47157F7}" sibTransId="{81029962-77D7-4B76-A7F1-87B06BD970E4}"/>
+    <dgm:cxn modelId="{92A55599-2FC3-4574-8D99-78B4FBCE0CA0}" type="presOf" srcId="{C57AA0CF-C64A-40DD-A0F9-F637E7536093}" destId="{1E79BA74-04B7-40EC-BC2E-2CF160C99BFD}" srcOrd="1" destOrd="0" presId="urn:microsoft.com/office/officeart/2005/8/layout/orgChart1"/>
     <dgm:cxn modelId="{4A6B1A9D-9C4C-4C6D-A86F-74EE21C0806A}" type="presOf" srcId="{1275C6AF-D6DB-42CA-91E1-614D01323013}" destId="{9566F6EE-4358-4C72-A5E0-69FB940F8986}" srcOrd="0" destOrd="0" presId="urn:microsoft.com/office/officeart/2005/8/layout/orgChart1"/>
     <dgm:cxn modelId="{4F64069E-5B57-4E27-A38A-0D7314E3E1B0}" type="presOf" srcId="{E5E3A004-CD29-42C1-9014-36FE890C9ABE}" destId="{A296B285-B3F4-413E-A72B-A2B7671285CF}" srcOrd="0" destOrd="0" presId="urn:microsoft.com/office/officeart/2005/8/layout/orgChart1"/>
     <dgm:cxn modelId="{57F8389E-3E8A-4B1F-808E-3068C499D704}" type="presOf" srcId="{38B9F773-9093-4AF7-A977-EDDDF2CC954D}" destId="{E0621A26-6665-4853-B22D-F2B954A35C64}" srcOrd="1" destOrd="0" presId="urn:microsoft.com/office/officeart/2005/8/layout/orgChart1"/>
     <dgm:cxn modelId="{779F539E-9B0A-46C3-9A99-D85F108DF266}" type="presOf" srcId="{4D634B1D-052E-47B6-9561-6DB08B508886}" destId="{B47D875A-07B5-4BAB-BA1B-24FF28ECFCDA}" srcOrd="0" destOrd="0" presId="urn:microsoft.com/office/officeart/2005/8/layout/orgChart1"/>
     <dgm:cxn modelId="{A3F7A59E-924D-40D7-AB5F-EF0FCAE6761B}" srcId="{E36657BB-C992-457D-ABD4-294FF0D9E0B9}" destId="{678E8F72-3967-48CC-9A5A-BD97DEB27994}" srcOrd="0" destOrd="0" parTransId="{3BE59F7A-45B6-4CE6-B638-4FB12D537F41}" sibTransId="{321FCC97-8C17-4BC6-A5FF-DCF544B9FA82}"/>
+    <dgm:cxn modelId="{4A22A5A0-7261-4CA1-A5A6-6952007FE20B}" srcId="{699BA473-F873-45AA-B189-953810E2DF46}" destId="{C57AA0CF-C64A-40DD-A0F9-F637E7536093}" srcOrd="1" destOrd="0" parTransId="{97ACF864-7062-497D-A255-14D58EC5AA6E}" sibTransId="{1D7A1796-2CFF-42C1-A7EA-64ED1A1045BD}"/>
     <dgm:cxn modelId="{B98827A1-DC85-47F4-BD12-D8FDF5D2F9B6}" type="presOf" srcId="{3E8FCCA5-7848-4FCB-B52D-ED572BE02795}" destId="{8EDD4C9F-41A6-4BF3-ACD8-E3DDBBD245E6}" srcOrd="0" destOrd="0" presId="urn:microsoft.com/office/officeart/2005/8/layout/orgChart1"/>
     <dgm:cxn modelId="{49666FA1-29E5-48E1-9F9C-ACC15D66B21B}" type="presOf" srcId="{A822073A-130D-4D95-9086-940A97A362DA}" destId="{4A368993-3AE8-44A2-A107-9CF33D433C06}" srcOrd="1" destOrd="0" presId="urn:microsoft.com/office/officeart/2005/8/layout/orgChart1"/>
     <dgm:cxn modelId="{211A62A3-809B-439C-A925-BCEF56AEBDD7}" type="presOf" srcId="{CD634B3B-02E2-4369-A01A-7AFE98E87B26}" destId="{8A86FEC2-6718-46FE-A370-0342ACF303E1}" srcOrd="0" destOrd="0" presId="urn:microsoft.com/office/officeart/2005/8/layout/orgChart1"/>
+    <dgm:cxn modelId="{9CCD55A3-C0FB-463D-BE50-E78E5B02B035}" srcId="{3DCAF95B-41E1-4F50-B5D0-426D9C1709BB}" destId="{699BA473-F873-45AA-B189-953810E2DF46}" srcOrd="0" destOrd="0" parTransId="{CB48E9F4-2F28-479C-9C48-97E045347217}" sibTransId="{0E74CB7D-A988-4F83-AAF1-4FB69AB6379C}"/>
     <dgm:cxn modelId="{CD5930A6-442F-4CC5-92C3-5611671734E2}" srcId="{3BAE0D0C-FD4F-4796-A59D-7E9173A3982F}" destId="{57897E4F-B43E-4830-AA93-6F33553C8836}" srcOrd="3" destOrd="0" parTransId="{E2065B91-90FE-4BAA-8821-6AB5979139CA}" sibTransId="{9FAC547E-244F-4115-904B-C3904A288EE1}"/>
     <dgm:cxn modelId="{E86333A7-AEC0-4275-AB22-90BF85EFE291}" type="presOf" srcId="{2E07F3E9-F9E3-489C-835A-A259CF4F2EB3}" destId="{2330DF79-6759-44AF-BF5B-48DAF401A9FC}" srcOrd="0" destOrd="0" presId="urn:microsoft.com/office/officeart/2005/8/layout/orgChart1"/>
     <dgm:cxn modelId="{7F042AA9-8A1A-40CF-B0FC-1F88BEAAFB3A}" type="presOf" srcId="{F73A923B-5235-4BDC-8BC7-80E4E3359E18}" destId="{5DA3D279-EDB4-4A21-B151-50DAF797E237}" srcOrd="1" destOrd="0" presId="urn:microsoft.com/office/officeart/2005/8/layout/orgChart1"/>
@@ -4881,9 +5832,12 @@
     <dgm:cxn modelId="{22865AAD-2729-41EE-9C74-C46DBD6D3D88}" type="presOf" srcId="{73BDB8CB-FD3D-428C-BDF6-B53E9FF51360}" destId="{8B0677EB-6953-47E5-8009-4399C01D45A6}" srcOrd="0" destOrd="0" presId="urn:microsoft.com/office/officeart/2005/8/layout/orgChart1"/>
     <dgm:cxn modelId="{7C593FAE-DB6F-429F-8D1A-D0BDE6ABE583}" srcId="{38B9F773-9093-4AF7-A977-EDDDF2CC954D}" destId="{A822073A-130D-4D95-9086-940A97A362DA}" srcOrd="0" destOrd="0" parTransId="{6A53FE72-3745-42CC-AC9B-5CF73CA73750}" sibTransId="{24D6B1A5-DF1A-4C43-876B-6D127CC9ACAE}"/>
     <dgm:cxn modelId="{C505D3AE-4189-43D5-BE00-12D91F4F310E}" type="presOf" srcId="{7786268B-F175-492B-BB33-0971F8904A20}" destId="{6279F6A1-F335-461F-AE29-D859BC24B475}" srcOrd="0" destOrd="0" presId="urn:microsoft.com/office/officeart/2005/8/layout/orgChart1"/>
+    <dgm:cxn modelId="{73DA5BAF-2184-428C-8193-4E25302DAA77}" type="presOf" srcId="{12061413-849C-439D-80D3-1B412E8CC481}" destId="{6C624122-029E-4779-97C0-6A5A85BBD46E}" srcOrd="0" destOrd="0" presId="urn:microsoft.com/office/officeart/2005/8/layout/orgChart1"/>
     <dgm:cxn modelId="{5BF796AF-C45F-41A0-955D-4AFC9C460221}" type="presOf" srcId="{73BDB8CB-FD3D-428C-BDF6-B53E9FF51360}" destId="{7B32ABA5-A43D-4770-A7B1-88984F475AFE}" srcOrd="1" destOrd="0" presId="urn:microsoft.com/office/officeart/2005/8/layout/orgChart1"/>
+    <dgm:cxn modelId="{4C5F3AB1-0F57-4D39-B616-D9105DA72FA9}" srcId="{699BA473-F873-45AA-B189-953810E2DF46}" destId="{64B7B612-1A6D-4C00-A945-12BFF06E6E64}" srcOrd="7" destOrd="0" parTransId="{532CBD0B-5EFD-404C-B8CF-9C622FDAF632}" sibTransId="{2C45CCD9-2A5F-4F7E-BE3E-C6F515EFA426}"/>
     <dgm:cxn modelId="{9C3A3DB1-924D-48D6-A571-7B25C1596068}" type="presOf" srcId="{57178ABE-A017-45D8-9354-71432AE8CB88}" destId="{B1709F27-9F7A-41B5-8C1E-08B9561462CF}" srcOrd="1" destOrd="0" presId="urn:microsoft.com/office/officeart/2005/8/layout/orgChart1"/>
     <dgm:cxn modelId="{F55381B2-B38A-4CDA-95C6-8B93BB383F2F}" type="presOf" srcId="{AAD5DB4F-B470-4935-9FA1-84FFF055E1E1}" destId="{ADC7B2D3-EE10-4AE2-947F-FE856394553B}" srcOrd="1" destOrd="0" presId="urn:microsoft.com/office/officeart/2005/8/layout/orgChart1"/>
+    <dgm:cxn modelId="{65109CB3-66E4-4E59-A4DF-7A771865C94C}" type="presOf" srcId="{378B7761-7719-40D4-8C2F-6A9C4C3531A6}" destId="{B7F911D6-D609-4D54-A402-C13B883E50ED}" srcOrd="1" destOrd="0" presId="urn:microsoft.com/office/officeart/2005/8/layout/orgChart1"/>
     <dgm:cxn modelId="{C87576B4-3E04-4A97-A129-D77B6B5BD4D4}" srcId="{1FE88220-37D4-441E-9066-A93196D32898}" destId="{1BC0C24F-9DAF-4F2A-95F6-46075020B387}" srcOrd="3" destOrd="0" parTransId="{EDE3BBAB-41B8-499A-81EC-A06F6BFCD327}" sibTransId="{37570D49-1337-49F0-A67F-247111728101}"/>
     <dgm:cxn modelId="{B57E7BB4-94D9-4EB1-993D-736E2A3DCDAE}" type="presOf" srcId="{4FCF2090-2A38-4101-98D9-62711114F190}" destId="{05F1B35B-225D-4225-8D26-A2FF05B82751}" srcOrd="0" destOrd="0" presId="urn:microsoft.com/office/officeart/2005/8/layout/orgChart1"/>
     <dgm:cxn modelId="{1E6BCDB5-F7D5-4338-BDE1-BA9985A6F31E}" type="presOf" srcId="{F280482C-C798-459D-B6E1-466FA717CC5B}" destId="{F5702E8F-99A5-44FF-8B7A-856358C50EDF}" srcOrd="1" destOrd="0" presId="urn:microsoft.com/office/officeart/2005/8/layout/orgChart1"/>
@@ -4894,46 +5848,58 @@
     <dgm:cxn modelId="{78535DB8-6A55-4C16-85BE-938DBFE9D8A3}" srcId="{38B9F773-9093-4AF7-A977-EDDDF2CC954D}" destId="{F73A923B-5235-4BDC-8BC7-80E4E3359E18}" srcOrd="1" destOrd="0" parTransId="{7E1E1EF5-8ADE-4845-BA02-9ED0DDC100B6}" sibTransId="{B72F29F2-B514-49AD-A300-4668CC814DD6}"/>
     <dgm:cxn modelId="{DECDA3B9-09BA-4360-AD84-E45F329AD524}" type="presOf" srcId="{F1C186BE-BD2A-4C33-BAA2-8C22BA45FE1C}" destId="{6B83C2E2-791C-4166-B03A-F42D6D25230D}" srcOrd="1" destOrd="0" presId="urn:microsoft.com/office/officeart/2005/8/layout/orgChart1"/>
     <dgm:cxn modelId="{DB95BAB9-BF54-4962-866D-4BF04A6F1F58}" type="presOf" srcId="{7D5DDFB2-D2AE-4237-A999-CB98F71B8378}" destId="{15BDE811-17CE-4DA8-9162-A6C8D3E48BDB}" srcOrd="0" destOrd="0" presId="urn:microsoft.com/office/officeart/2005/8/layout/orgChart1"/>
+    <dgm:cxn modelId="{2A38CEB9-F3FA-4C5B-8277-2690A7E4290F}" type="presOf" srcId="{0364748B-4C11-4EF4-B6CC-8A79889ADC81}" destId="{ED02FAB8-9A57-4CEB-968B-9D9EEF96143F}" srcOrd="0" destOrd="0" presId="urn:microsoft.com/office/officeart/2005/8/layout/orgChart1"/>
     <dgm:cxn modelId="{08CEE0BC-1C44-4552-8F50-46EEA56D4D7B}" type="presOf" srcId="{04C3F39C-3FB3-4129-9260-FB9863BCD4C5}" destId="{550E3E6C-A9FD-4899-BA39-A266D75AD87F}" srcOrd="1" destOrd="0" presId="urn:microsoft.com/office/officeart/2005/8/layout/orgChart1"/>
     <dgm:cxn modelId="{15CC57BD-B3FA-45B8-9672-10CF0D135ADE}" type="presOf" srcId="{E1B7DB7E-57FF-4FED-BCCB-2827B4CE62FA}" destId="{0A69BB17-0E1B-4707-A533-28B376249E37}" srcOrd="1" destOrd="0" presId="urn:microsoft.com/office/officeart/2005/8/layout/orgChart1"/>
-    <dgm:cxn modelId="{A4678DBD-1D86-45F5-B388-6EABDCA2F135}" srcId="{A1059FC7-D369-4BC9-A837-B0F13FDD8608}" destId="{4FF4BF5F-3F45-45E5-8D0C-544859DC92B0}" srcOrd="6" destOrd="0" parTransId="{E1C6A249-B4E0-4081-BD3F-2CCC0E6489BC}" sibTransId="{A1BD7531-FA83-4159-B3A9-09C22CE01ED5}"/>
+    <dgm:cxn modelId="{A4678DBD-1D86-45F5-B388-6EABDCA2F135}" srcId="{A1059FC7-D369-4BC9-A837-B0F13FDD8608}" destId="{4FF4BF5F-3F45-45E5-8D0C-544859DC92B0}" srcOrd="7" destOrd="0" parTransId="{E1C6A249-B4E0-4081-BD3F-2CCC0E6489BC}" sibTransId="{A1BD7531-FA83-4159-B3A9-09C22CE01ED5}"/>
     <dgm:cxn modelId="{7D951DC0-1579-46D3-8A17-6EB2AD05BF2D}" type="presOf" srcId="{23209160-44D6-468D-88E0-7F515DA6C8E1}" destId="{6D8FBC58-20D1-417B-A42C-58A7512AF578}" srcOrd="1" destOrd="0" presId="urn:microsoft.com/office/officeart/2005/8/layout/orgChart1"/>
+    <dgm:cxn modelId="{B0D359C0-CEB9-4692-B375-C7EDB83BFE5A}" type="presOf" srcId="{439FFDCD-D719-41FD-B1AE-B5C3F8903A8D}" destId="{6E614BD8-6F57-4070-A744-527A8AFABBDC}" srcOrd="0" destOrd="0" presId="urn:microsoft.com/office/officeart/2005/8/layout/orgChart1"/>
     <dgm:cxn modelId="{142404C1-B066-409C-982A-8028E901464D}" type="presOf" srcId="{985D2A9B-00C5-4AD5-B27B-A9B865F287C9}" destId="{85DF5BD2-3D4E-4875-B872-FE0CEC611E3A}" srcOrd="1" destOrd="0" presId="urn:microsoft.com/office/officeart/2005/8/layout/orgChart1"/>
-    <dgm:cxn modelId="{737F33C2-C88C-4EC3-AF83-C7CF63CCDA17}" srcId="{3E8CC39E-1D51-463A-8607-640A4960C4BD}" destId="{3EBB3AF4-834B-4DA5-9346-169CC5FA8B6C}" srcOrd="3" destOrd="0" parTransId="{571A605A-EC94-4BD6-A530-277BA2DA874F}" sibTransId="{DB84B770-7545-4CEA-86D6-6735EE87EC25}"/>
+    <dgm:cxn modelId="{737F33C2-C88C-4EC3-AF83-C7CF63CCDA17}" srcId="{3E8CC39E-1D51-463A-8607-640A4960C4BD}" destId="{3EBB3AF4-834B-4DA5-9346-169CC5FA8B6C}" srcOrd="5" destOrd="0" parTransId="{571A605A-EC94-4BD6-A530-277BA2DA874F}" sibTransId="{DB84B770-7545-4CEA-86D6-6735EE87EC25}"/>
     <dgm:cxn modelId="{B44662C2-4EA1-461B-8021-8515941AB341}" type="presOf" srcId="{CFBBDE2F-F64F-4F41-B999-94B8508F8C57}" destId="{B675B579-3FD3-4543-90A6-DFD1BBEBBB31}" srcOrd="1" destOrd="0" presId="urn:microsoft.com/office/officeart/2005/8/layout/orgChart1"/>
     <dgm:cxn modelId="{D6718DC3-7465-48C6-A0D1-08842C032A5E}" srcId="{A1059FC7-D369-4BC9-A837-B0F13FDD8608}" destId="{57178ABE-A017-45D8-9354-71432AE8CB88}" srcOrd="1" destOrd="0" parTransId="{AB15E678-6BAE-4D6A-99C7-6E838A552F9B}" sibTransId="{A8113E30-DAA1-47CB-B929-3FB30371E995}"/>
     <dgm:cxn modelId="{0EE936C4-5177-41C6-8026-75C1E88E2A59}" srcId="{1FE88220-37D4-441E-9066-A93196D32898}" destId="{985D2A9B-00C5-4AD5-B27B-A9B865F287C9}" srcOrd="2" destOrd="0" parTransId="{4A7E0E5B-75EB-45F8-9492-B11674A6AD26}" sibTransId="{161758FF-46A1-401C-8CA3-307A5E5E9BB4}"/>
     <dgm:cxn modelId="{59A96CC6-2C70-4BE7-A1DC-DC36EC6A54BA}" type="presOf" srcId="{7A35A079-E45F-4CB2-8E3A-46407BA36BDD}" destId="{2F5DA395-98D7-4FE9-ADDD-B78A90D4D5C8}" srcOrd="0" destOrd="0" presId="urn:microsoft.com/office/officeart/2005/8/layout/orgChart1"/>
-    <dgm:cxn modelId="{9092AAC8-4A03-4ECC-816A-94E267DD27C0}" srcId="{3E8CC39E-1D51-463A-8607-640A4960C4BD}" destId="{3E06C824-B207-4BB9-8299-6DB685B22456}" srcOrd="2" destOrd="0" parTransId="{D59CD930-FAC4-45A4-A9F1-98FDD212E676}" sibTransId="{83700C16-D60A-49DC-80F4-02BB166DB19C}"/>
+    <dgm:cxn modelId="{9092AAC8-4A03-4ECC-816A-94E267DD27C0}" srcId="{3E8CC39E-1D51-463A-8607-640A4960C4BD}" destId="{3E06C824-B207-4BB9-8299-6DB685B22456}" srcOrd="3" destOrd="0" parTransId="{D59CD930-FAC4-45A4-A9F1-98FDD212E676}" sibTransId="{83700C16-D60A-49DC-80F4-02BB166DB19C}"/>
     <dgm:cxn modelId="{AA2CFBC8-8C73-4CAC-A156-DD13DE14E6B7}" type="presOf" srcId="{0F7BB613-974A-4529-A0EF-B00F076028A4}" destId="{55A88246-B398-4A41-9C16-FB7D7E803901}" srcOrd="0" destOrd="0" presId="urn:microsoft.com/office/officeart/2005/8/layout/orgChart1"/>
     <dgm:cxn modelId="{CC0765CA-E57A-4590-AAA4-446E587E9318}" type="presOf" srcId="{275D6578-A6C0-4038-AA6E-BAF2BF3B0470}" destId="{537DB5FB-5D30-4BFC-B4B9-2FBB575FA24A}" srcOrd="1" destOrd="0" presId="urn:microsoft.com/office/officeart/2005/8/layout/orgChart1"/>
     <dgm:cxn modelId="{762DD2CB-51CC-49A0-88A9-B3360C774B7A}" type="presOf" srcId="{3EBB3AF4-834B-4DA5-9346-169CC5FA8B6C}" destId="{BF451C11-49F1-4671-99EE-E0DB77414EDF}" srcOrd="1" destOrd="0" presId="urn:microsoft.com/office/officeart/2005/8/layout/orgChart1"/>
+    <dgm:cxn modelId="{048DE1CB-CEE1-46AD-A29F-5E4AF552F681}" type="presOf" srcId="{D296A94E-47D9-4ADF-8D56-AA8DC3233F2E}" destId="{DD8A59A6-D87D-4542-9DF9-2735EB615F81}" srcOrd="0" destOrd="0" presId="urn:microsoft.com/office/officeart/2005/8/layout/orgChart1"/>
     <dgm:cxn modelId="{25FA40CC-57BD-4B6F-90E2-80166EF44BB7}" type="presOf" srcId="{985D2A9B-00C5-4AD5-B27B-A9B865F287C9}" destId="{7349D38B-F67B-4338-BB04-CCAE4E6B7AE4}" srcOrd="0" destOrd="0" presId="urn:microsoft.com/office/officeart/2005/8/layout/orgChart1"/>
+    <dgm:cxn modelId="{A5490CCD-BA0A-4A02-9853-EA5593EE1A33}" type="presOf" srcId="{A5958AC4-F97F-48DF-843E-1A0DF057388E}" destId="{0B4C3548-DCBD-4D42-8983-02DC77F07D6B}" srcOrd="0" destOrd="0" presId="urn:microsoft.com/office/officeart/2005/8/layout/orgChart1"/>
     <dgm:cxn modelId="{A40C13CD-B718-4D99-85AA-03AF4C968C9C}" srcId="{1FE88220-37D4-441E-9066-A93196D32898}" destId="{4A105108-65E5-4EE2-A22C-18D34E494B88}" srcOrd="0" destOrd="0" parTransId="{FDABD39C-83E8-4787-8474-A85D0A389321}" sibTransId="{DE3BBC99-461B-4562-B198-A91F1D0E8849}"/>
     <dgm:cxn modelId="{7D5801CE-7C38-4FBA-8807-0A35A67EF821}" type="presOf" srcId="{EC79ACA4-03F9-443C-9782-38DADB913262}" destId="{7C453B80-2575-4477-8225-282BC5C3B02F}" srcOrd="0" destOrd="0" presId="urn:microsoft.com/office/officeart/2005/8/layout/orgChart1"/>
     <dgm:cxn modelId="{BD716BD0-EA4A-42D6-AAE4-0E3F63F79922}" type="presOf" srcId="{5A130CF4-82A1-480D-B1BC-8C9BC041D947}" destId="{6F03B1E2-CF5E-4160-BEAE-D46AE17D2A57}" srcOrd="1" destOrd="0" presId="urn:microsoft.com/office/officeart/2005/8/layout/orgChart1"/>
     <dgm:cxn modelId="{B66FD2D0-33AB-441C-B15D-2F8E62785472}" type="presOf" srcId="{311D6DD8-8C54-4E2C-8C71-2F8BD8D0EDDB}" destId="{BD989610-072D-44CD-9333-4475C63B1B88}" srcOrd="0" destOrd="0" presId="urn:microsoft.com/office/officeart/2005/8/layout/orgChart1"/>
+    <dgm:cxn modelId="{A955CED2-0915-4501-8A0D-4B05BF460509}" type="presOf" srcId="{9EDB8869-1490-4D16-AD6F-AA1294D99170}" destId="{2E3B1B3B-392F-4749-857C-BA7630881AE6}" srcOrd="1" destOrd="0" presId="urn:microsoft.com/office/officeart/2005/8/layout/orgChart1"/>
     <dgm:cxn modelId="{706535D3-948F-4092-B3B7-638B4E94C7FD}" type="presOf" srcId="{5A24ACE5-68D0-4967-9DE2-03D6135DC87E}" destId="{BECB09A8-AD65-4C77-9143-3C7111625FA0}" srcOrd="1" destOrd="0" presId="urn:microsoft.com/office/officeart/2005/8/layout/orgChart1"/>
     <dgm:cxn modelId="{19E3B5D3-5F73-4E45-8814-6CBE6A86DB6B}" srcId="{4FF4BF5F-3F45-45E5-8D0C-544859DC92B0}" destId="{B4606959-AE1D-40D9-BAFF-A9F766124EAE}" srcOrd="1" destOrd="0" parTransId="{7D9B11FF-C45C-47D7-B959-A209F43DCF54}" sibTransId="{E313BC79-3F9B-401E-B6B7-55D04D742AC5}"/>
     <dgm:cxn modelId="{19C3B0D5-3FDF-4262-9822-7AE311DDC884}" type="presOf" srcId="{5A130CF4-82A1-480D-B1BC-8C9BC041D947}" destId="{E827EE73-A458-47A5-9402-688307433157}" srcOrd="0" destOrd="0" presId="urn:microsoft.com/office/officeart/2005/8/layout/orgChart1"/>
     <dgm:cxn modelId="{5D8256D6-AB96-4097-B32C-43AE1516D905}" type="presOf" srcId="{8F25F80D-4148-4172-8A18-DB868B5E04E8}" destId="{835FBC05-15F8-43EF-A036-E3BC2CA82BE9}" srcOrd="0" destOrd="0" presId="urn:microsoft.com/office/officeart/2005/8/layout/orgChart1"/>
+    <dgm:cxn modelId="{969D55D7-9BA9-4D9C-8629-7C5A21458048}" type="presOf" srcId="{A5958AC4-F97F-48DF-843E-1A0DF057388E}" destId="{EA6144A2-DB14-4281-904E-8D06B029E381}" srcOrd="1" destOrd="0" presId="urn:microsoft.com/office/officeart/2005/8/layout/orgChart1"/>
     <dgm:cxn modelId="{69CEDAD7-E91E-4764-B93A-7586352454D8}" type="presOf" srcId="{CFBBDE2F-F64F-4F41-B999-94B8508F8C57}" destId="{8E052154-49ED-445C-A8C9-E6354099F9EA}" srcOrd="0" destOrd="0" presId="urn:microsoft.com/office/officeart/2005/8/layout/orgChart1"/>
     <dgm:cxn modelId="{57FE0BD8-5744-4DFA-A845-2E79D7B5A61D}" type="presOf" srcId="{3E8FCCA5-7848-4FCB-B52D-ED572BE02795}" destId="{9FAADA75-86B5-4859-A5E7-56F98170838E}" srcOrd="1" destOrd="0" presId="urn:microsoft.com/office/officeart/2005/8/layout/orgChart1"/>
     <dgm:cxn modelId="{6F2D83D8-C8A5-43DB-9770-88592D585DCE}" srcId="{A1059FC7-D369-4BC9-A837-B0F13FDD8608}" destId="{F4555AF6-45CD-4C98-8ED0-75426DB0E00B}" srcOrd="2" destOrd="0" parTransId="{6F9935B6-B76B-4F94-BE7E-228C22706ABF}" sibTransId="{1B729E84-BA34-48AC-B1F6-4CB5601A6F82}"/>
+    <dgm:cxn modelId="{BBD827DA-A192-419B-A87A-7AD3E43C5B92}" srcId="{699BA473-F873-45AA-B189-953810E2DF46}" destId="{0FC22D25-49E6-4449-B182-5C6A94AB6B35}" srcOrd="0" destOrd="0" parTransId="{6E06EBBA-6A7B-43EE-B6E8-54B7C4674852}" sibTransId="{D25C9115-F922-461C-A25D-0CD3DF1D9E56}"/>
     <dgm:cxn modelId="{76216DDB-426F-4BED-A6E9-622904D8F61E}" type="presOf" srcId="{CCC2EB33-60ED-4872-98F3-0FFD00EF13A0}" destId="{BEB93244-3355-4351-ABC6-45C93C1A7BE4}" srcOrd="1" destOrd="0" presId="urn:microsoft.com/office/officeart/2005/8/layout/orgChart1"/>
     <dgm:cxn modelId="{880672DC-6B47-4B17-A599-0CC21EDB6F1C}" type="presOf" srcId="{A1CD47A1-26A2-43AA-95C3-0AE9675E5CC8}" destId="{E2F6B417-5BD4-4008-AAF6-B738C8BED1E8}" srcOrd="0" destOrd="0" presId="urn:microsoft.com/office/officeart/2005/8/layout/orgChart1"/>
+    <dgm:cxn modelId="{4C961BDF-5B3F-4BCF-9061-63913E835856}" type="presOf" srcId="{8401AF26-EBE6-4618-87FE-C229651B7AFE}" destId="{0D794A20-8A3C-415F-9D67-942CBCED24C5}" srcOrd="0" destOrd="0" presId="urn:microsoft.com/office/officeart/2005/8/layout/orgChart1"/>
     <dgm:cxn modelId="{403C49DF-EFE8-4096-A535-5E7CE6132FAA}" srcId="{E36657BB-C992-457D-ABD4-294FF0D9E0B9}" destId="{AA8F3353-CF59-4492-826B-98B162F4CD24}" srcOrd="2" destOrd="0" parTransId="{D1B5A967-3CEB-46AD-BF90-D273A6B14619}" sibTransId="{54B87B11-B083-433A-9438-B9292C745C41}"/>
     <dgm:cxn modelId="{60732FE0-BE3F-4F4E-A0A5-60395BCF95C0}" type="presOf" srcId="{7E1E1EF5-8ADE-4845-BA02-9ED0DDC100B6}" destId="{ED0EE91A-D88C-401A-B1BC-37FAB8D6E27D}" srcOrd="0" destOrd="0" presId="urn:microsoft.com/office/officeart/2005/8/layout/orgChart1"/>
+    <dgm:cxn modelId="{7AB39BE1-B45D-40D7-9C08-4D0F4A194C5B}" type="presOf" srcId="{B68228D5-E8AB-45BD-85B3-DF6E154CDD75}" destId="{26F83B62-3A6D-45D3-8879-D463F9A015F9}" srcOrd="1" destOrd="0" presId="urn:microsoft.com/office/officeart/2005/8/layout/orgChart1"/>
     <dgm:cxn modelId="{40A4D3E4-053E-4E51-A39F-56E750873227}" type="presOf" srcId="{EC79ACA4-03F9-443C-9782-38DADB913262}" destId="{843863CD-4836-4135-9668-97550F9AFA14}" srcOrd="1" destOrd="0" presId="urn:microsoft.com/office/officeart/2005/8/layout/orgChart1"/>
     <dgm:cxn modelId="{5B9EDBE5-4B36-4954-919C-7E9B97DD86C9}" type="presOf" srcId="{FDABD39C-83E8-4787-8474-A85D0A389321}" destId="{283D763B-6143-45EB-869D-44B1F2176961}" srcOrd="0" destOrd="0" presId="urn:microsoft.com/office/officeart/2005/8/layout/orgChart1"/>
+    <dgm:cxn modelId="{B2315AE6-712B-4EDB-AAE8-6F36B463CA65}" type="presOf" srcId="{3DCAF95B-41E1-4F50-B5D0-426D9C1709BB}" destId="{00D5D10B-8AA0-43B3-889D-6ED1CE84029D}" srcOrd="0" destOrd="0" presId="urn:microsoft.com/office/officeart/2005/8/layout/orgChart1"/>
     <dgm:cxn modelId="{73D5E0E6-A026-46A0-9D95-D47E9C809A0A}" type="presOf" srcId="{F4555AF6-45CD-4C98-8ED0-75426DB0E00B}" destId="{7966AC9D-8D21-4573-ABE4-FD17B8A3A950}" srcOrd="1" destOrd="0" presId="urn:microsoft.com/office/officeart/2005/8/layout/orgChart1"/>
     <dgm:cxn modelId="{28FDC3E7-3F1C-4DD5-BD4C-29894E0B9CE0}" type="presOf" srcId="{331BD2FF-BD51-435B-9CF0-6601905F266E}" destId="{4F4819B5-3FDF-4CBA-8694-39682AB3FE59}" srcOrd="0" destOrd="0" presId="urn:microsoft.com/office/officeart/2005/8/layout/orgChart1"/>
     <dgm:cxn modelId="{3FF3F8EC-FCB0-4DA1-97E1-F696A26E9699}" type="presOf" srcId="{4A7E0E5B-75EB-45F8-9492-B11674A6AD26}" destId="{0F5AD761-B34E-42A5-9870-62752DF08754}" srcOrd="0" destOrd="0" presId="urn:microsoft.com/office/officeart/2005/8/layout/orgChart1"/>
     <dgm:cxn modelId="{FA6A33ED-C1F8-4D01-97CF-4AD9F36D5D25}" type="presOf" srcId="{F73A923B-5235-4BDC-8BC7-80E4E3359E18}" destId="{61911E5C-528E-4EA6-8F96-A7A60A4E2453}" srcOrd="0" destOrd="0" presId="urn:microsoft.com/office/officeart/2005/8/layout/orgChart1"/>
     <dgm:cxn modelId="{1A0333F2-B21E-4740-8F21-1E1C99FA13A0}" type="presOf" srcId="{1ACA5A08-FB34-4B93-B527-18564E327613}" destId="{098EF2EF-54F9-4DB9-9B90-CA77F8509B37}" srcOrd="0" destOrd="0" presId="urn:microsoft.com/office/officeart/2005/8/layout/orgChart1"/>
     <dgm:cxn modelId="{52A9D1F3-5769-495E-BD72-B1A19FD17DFF}" type="presOf" srcId="{9767A9A6-6180-4440-9441-ED05A440F85A}" destId="{EECB5851-B5EA-4373-9C18-E26E94F1871F}" srcOrd="0" destOrd="0" presId="urn:microsoft.com/office/officeart/2005/8/layout/orgChart1"/>
+    <dgm:cxn modelId="{D5998BF4-3521-4CAA-9517-7375554B6AEB}" type="presOf" srcId="{0FC22D25-49E6-4449-B182-5C6A94AB6B35}" destId="{73FB2861-368D-48FD-AAA6-2F31B6336050}" srcOrd="1" destOrd="0" presId="urn:microsoft.com/office/officeart/2005/8/layout/orgChart1"/>
     <dgm:cxn modelId="{57BED2F5-AD77-4B67-9933-519E8D265FB7}" type="presOf" srcId="{D1B5A967-3CEB-46AD-BF90-D273A6B14619}" destId="{DF8E89CD-BF8E-47B8-BE68-B8E177AB7234}" srcOrd="0" destOrd="0" presId="urn:microsoft.com/office/officeart/2005/8/layout/orgChart1"/>
-    <dgm:cxn modelId="{AADD87F7-2A2E-4C1C-ACA8-B3C4EB968CAD}" srcId="{A1059FC7-D369-4BC9-A837-B0F13FDD8608}" destId="{3E8FCCA5-7848-4FCB-B52D-ED572BE02795}" srcOrd="4" destOrd="0" parTransId="{EB1CA92F-CC69-4D44-B299-6239F1F351F5}" sibTransId="{7A4B9D40-F9DA-4897-802D-6C4B9E7C58BE}"/>
+    <dgm:cxn modelId="{A70AE5F6-65BC-492B-8D72-DEE31C69ACF1}" type="presOf" srcId="{3DCAF95B-41E1-4F50-B5D0-426D9C1709BB}" destId="{E21DF416-28FA-4AD1-A96E-B1F0DEF51262}" srcOrd="1" destOrd="0" presId="urn:microsoft.com/office/officeart/2005/8/layout/orgChart1"/>
+    <dgm:cxn modelId="{AADD87F7-2A2E-4C1C-ACA8-B3C4EB968CAD}" srcId="{A1059FC7-D369-4BC9-A837-B0F13FDD8608}" destId="{3E8FCCA5-7848-4FCB-B52D-ED572BE02795}" srcOrd="5" destOrd="0" parTransId="{EB1CA92F-CC69-4D44-B299-6239F1F351F5}" sibTransId="{7A4B9D40-F9DA-4897-802D-6C4B9E7C58BE}"/>
     <dgm:cxn modelId="{5AA265F8-3A0C-4508-92A8-677A769498EE}" type="presOf" srcId="{311D6DD8-8C54-4E2C-8C71-2F8BD8D0EDDB}" destId="{E55CB309-9971-4A1C-AA94-2CB36CF5F2D5}" srcOrd="1" destOrd="0" presId="urn:microsoft.com/office/officeart/2005/8/layout/orgChart1"/>
     <dgm:cxn modelId="{EA5B51F8-23A5-4A1F-9035-FFE200D9E634}" type="presOf" srcId="{4A105108-65E5-4EE2-A22C-18D34E494B88}" destId="{66690EF5-AA87-4B5A-9AB9-BA66C34A1D3F}" srcOrd="0" destOrd="0" presId="urn:microsoft.com/office/officeart/2005/8/layout/orgChart1"/>
     <dgm:cxn modelId="{524AEAF8-E61B-4516-8FDD-994A9553ED13}" type="presOf" srcId="{F4555AF6-45CD-4C98-8ED0-75426DB0E00B}" destId="{7B729E8C-5D0D-4C65-A18C-D77CE62B6E3D}" srcOrd="0" destOrd="0" presId="urn:microsoft.com/office/officeart/2005/8/layout/orgChart1"/>
@@ -4969,8 +5935,15 @@
     <dgm:cxn modelId="{F22CE501-FBE8-4EE7-90CC-00F881ED97EA}" type="presParOf" srcId="{9AA5BB57-4B39-4936-8A6C-8BA721137DF6}" destId="{6D8FBC58-20D1-417B-A42C-58A7512AF578}" srcOrd="1" destOrd="0" presId="urn:microsoft.com/office/officeart/2005/8/layout/orgChart1"/>
     <dgm:cxn modelId="{AB28AB3C-2DAB-4E5C-A1A4-623BBABE3543}" type="presParOf" srcId="{8739B7E2-E227-46ED-8ED8-C9F1C26455A7}" destId="{4E4FC650-02F1-418C-86B7-4E33A344D5ED}" srcOrd="1" destOrd="0" presId="urn:microsoft.com/office/officeart/2005/8/layout/orgChart1"/>
     <dgm:cxn modelId="{0366CD66-D9FC-426A-98C5-EF55BE1879EF}" type="presParOf" srcId="{8739B7E2-E227-46ED-8ED8-C9F1C26455A7}" destId="{C03ACC07-CD96-4FBD-B0FF-547D0CE3461A}" srcOrd="2" destOrd="0" presId="urn:microsoft.com/office/officeart/2005/8/layout/orgChart1"/>
-    <dgm:cxn modelId="{62D15DB6-4C21-4ACF-BABF-C2A0C3D688DD}" type="presParOf" srcId="{283CAB59-9472-4369-9D0A-32AA10C0CC32}" destId="{2330DF79-6759-44AF-BF5B-48DAF401A9FC}" srcOrd="2" destOrd="0" presId="urn:microsoft.com/office/officeart/2005/8/layout/orgChart1"/>
-    <dgm:cxn modelId="{73B59793-8DB1-4BDE-9592-E863B33B4F4F}" type="presParOf" srcId="{283CAB59-9472-4369-9D0A-32AA10C0CC32}" destId="{71E537D4-428E-43E4-A665-2E6C020ABEEE}" srcOrd="3" destOrd="0" presId="urn:microsoft.com/office/officeart/2005/8/layout/orgChart1"/>
+    <dgm:cxn modelId="{27671E27-D3DB-487D-93CD-620291730850}" type="presParOf" srcId="{283CAB59-9472-4369-9D0A-32AA10C0CC32}" destId="{2E320EFC-6739-426A-A052-6207B0F1C1BD}" srcOrd="2" destOrd="0" presId="urn:microsoft.com/office/officeart/2005/8/layout/orgChart1"/>
+    <dgm:cxn modelId="{A33CE500-57AE-48D2-B932-F405D3C3DE04}" type="presParOf" srcId="{283CAB59-9472-4369-9D0A-32AA10C0CC32}" destId="{6AB43C9B-592F-4D2F-A01E-922B94E7B57E}" srcOrd="3" destOrd="0" presId="urn:microsoft.com/office/officeart/2005/8/layout/orgChart1"/>
+    <dgm:cxn modelId="{B5747DB3-6A7C-4F96-A05C-61E2794D1BBF}" type="presParOf" srcId="{6AB43C9B-592F-4D2F-A01E-922B94E7B57E}" destId="{55C29F40-1A4E-4E9E-9AAB-78A6F8A60903}" srcOrd="0" destOrd="0" presId="urn:microsoft.com/office/officeart/2005/8/layout/orgChart1"/>
+    <dgm:cxn modelId="{758D2BD1-B4CC-4151-B4C7-7AE5AB3200CA}" type="presParOf" srcId="{55C29F40-1A4E-4E9E-9AAB-78A6F8A60903}" destId="{CEA5CD17-5FFF-49AA-B7BD-42AF57393911}" srcOrd="0" destOrd="0" presId="urn:microsoft.com/office/officeart/2005/8/layout/orgChart1"/>
+    <dgm:cxn modelId="{F79057CB-D641-4A1B-9596-BF03DB16A87A}" type="presParOf" srcId="{55C29F40-1A4E-4E9E-9AAB-78A6F8A60903}" destId="{B7F911D6-D609-4D54-A402-C13B883E50ED}" srcOrd="1" destOrd="0" presId="urn:microsoft.com/office/officeart/2005/8/layout/orgChart1"/>
+    <dgm:cxn modelId="{80E0706F-5C9D-4C4B-A079-41F3ED0A25A1}" type="presParOf" srcId="{6AB43C9B-592F-4D2F-A01E-922B94E7B57E}" destId="{BE2F3EBF-DB94-485E-9786-295848EBFE99}" srcOrd="1" destOrd="0" presId="urn:microsoft.com/office/officeart/2005/8/layout/orgChart1"/>
+    <dgm:cxn modelId="{BE0480FD-E15F-4078-A3E2-34D51094ACAF}" type="presParOf" srcId="{6AB43C9B-592F-4D2F-A01E-922B94E7B57E}" destId="{18D8C15D-E680-4C45-AC85-DAE7BA298AA7}" srcOrd="2" destOrd="0" presId="urn:microsoft.com/office/officeart/2005/8/layout/orgChart1"/>
+    <dgm:cxn modelId="{62D15DB6-4C21-4ACF-BABF-C2A0C3D688DD}" type="presParOf" srcId="{283CAB59-9472-4369-9D0A-32AA10C0CC32}" destId="{2330DF79-6759-44AF-BF5B-48DAF401A9FC}" srcOrd="4" destOrd="0" presId="urn:microsoft.com/office/officeart/2005/8/layout/orgChart1"/>
+    <dgm:cxn modelId="{73B59793-8DB1-4BDE-9592-E863B33B4F4F}" type="presParOf" srcId="{283CAB59-9472-4369-9D0A-32AA10C0CC32}" destId="{71E537D4-428E-43E4-A665-2E6C020ABEEE}" srcOrd="5" destOrd="0" presId="urn:microsoft.com/office/officeart/2005/8/layout/orgChart1"/>
     <dgm:cxn modelId="{6698D5E9-CB87-4ADC-93F4-E1DD1F00BC40}" type="presParOf" srcId="{71E537D4-428E-43E4-A665-2E6C020ABEEE}" destId="{05A6B0D9-06E2-4D3B-A560-D45F409A868A}" srcOrd="0" destOrd="0" presId="urn:microsoft.com/office/officeart/2005/8/layout/orgChart1"/>
     <dgm:cxn modelId="{CCA4DFEA-3EF3-4774-87A7-1DE10EE690B4}" type="presParOf" srcId="{05A6B0D9-06E2-4D3B-A560-D45F409A868A}" destId="{CA29F901-FB62-40CB-93B0-5FA3D3E89153}" srcOrd="0" destOrd="0" presId="urn:microsoft.com/office/officeart/2005/8/layout/orgChart1"/>
     <dgm:cxn modelId="{56BFB668-AFF5-4CF6-8848-E1954027AA9A}" type="presParOf" srcId="{05A6B0D9-06E2-4D3B-A560-D45F409A868A}" destId="{E5C1CEEB-72CF-4D85-BA23-818995F5318D}" srcOrd="1" destOrd="0" presId="urn:microsoft.com/office/officeart/2005/8/layout/orgChart1"/>
@@ -4990,57 +5963,64 @@
     <dgm:cxn modelId="{C97FFAAD-5209-4C40-A8C3-E2EE82041A7C}" type="presParOf" srcId="{2CE4B772-D380-4865-98C7-0F9CE32571BB}" destId="{B58AA6A6-3178-4EE1-83E4-04B4CF34D00B}" srcOrd="1" destOrd="0" presId="urn:microsoft.com/office/officeart/2005/8/layout/orgChart1"/>
     <dgm:cxn modelId="{321BD450-8FB5-4216-8C69-F3E44AB6008D}" type="presParOf" srcId="{EF8DBBF1-0981-4FB4-9DDB-99713E54ECBC}" destId="{77D96003-1FE6-40EE-AF18-7CA375ABE68E}" srcOrd="1" destOrd="0" presId="urn:microsoft.com/office/officeart/2005/8/layout/orgChart1"/>
     <dgm:cxn modelId="{1CF0D777-B0C4-431C-A9B7-464936EF55B0}" type="presParOf" srcId="{EF8DBBF1-0981-4FB4-9DDB-99713E54ECBC}" destId="{8A295D61-760A-4ED3-AF50-3212F1E514ED}" srcOrd="2" destOrd="0" presId="urn:microsoft.com/office/officeart/2005/8/layout/orgChart1"/>
-    <dgm:cxn modelId="{C5C5B5A2-6FDE-491C-B33D-28C94939EDB0}" type="presParOf" srcId="{283CAB59-9472-4369-9D0A-32AA10C0CC32}" destId="{C0A1A1E0-23B3-45C2-B4A2-6D0F5E85036E}" srcOrd="4" destOrd="0" presId="urn:microsoft.com/office/officeart/2005/8/layout/orgChart1"/>
-    <dgm:cxn modelId="{F7BA81C4-DFD7-4040-A38A-1CDCB31659A8}" type="presParOf" srcId="{283CAB59-9472-4369-9D0A-32AA10C0CC32}" destId="{2D2828CC-EB4B-49B2-B78A-7860064CAA91}" srcOrd="5" destOrd="0" presId="urn:microsoft.com/office/officeart/2005/8/layout/orgChart1"/>
+    <dgm:cxn modelId="{C5C5B5A2-6FDE-491C-B33D-28C94939EDB0}" type="presParOf" srcId="{283CAB59-9472-4369-9D0A-32AA10C0CC32}" destId="{C0A1A1E0-23B3-45C2-B4A2-6D0F5E85036E}" srcOrd="6" destOrd="0" presId="urn:microsoft.com/office/officeart/2005/8/layout/orgChart1"/>
+    <dgm:cxn modelId="{F7BA81C4-DFD7-4040-A38A-1CDCB31659A8}" type="presParOf" srcId="{283CAB59-9472-4369-9D0A-32AA10C0CC32}" destId="{2D2828CC-EB4B-49B2-B78A-7860064CAA91}" srcOrd="7" destOrd="0" presId="urn:microsoft.com/office/officeart/2005/8/layout/orgChart1"/>
     <dgm:cxn modelId="{8D429E07-65A6-45EB-AE29-1BF84EC9D084}" type="presParOf" srcId="{2D2828CC-EB4B-49B2-B78A-7860064CAA91}" destId="{22754AA9-4095-41B7-98DC-D381EA600BEA}" srcOrd="0" destOrd="0" presId="urn:microsoft.com/office/officeart/2005/8/layout/orgChart1"/>
     <dgm:cxn modelId="{AEE27472-7510-4CF3-8BD7-8A4D3D96FCCF}" type="presParOf" srcId="{22754AA9-4095-41B7-98DC-D381EA600BEA}" destId="{7BBCE7BB-9B24-4968-9CF1-8802A8F83A58}" srcOrd="0" destOrd="0" presId="urn:microsoft.com/office/officeart/2005/8/layout/orgChart1"/>
     <dgm:cxn modelId="{B98F255C-27C0-40B1-A661-E6AE175BC1E7}" type="presParOf" srcId="{22754AA9-4095-41B7-98DC-D381EA600BEA}" destId="{1F5AFEBC-03BC-4BD6-A5BF-2EC34D010DE7}" srcOrd="1" destOrd="0" presId="urn:microsoft.com/office/officeart/2005/8/layout/orgChart1"/>
     <dgm:cxn modelId="{6C23EEEF-C049-4434-9407-000C545EEF07}" type="presParOf" srcId="{2D2828CC-EB4B-49B2-B78A-7860064CAA91}" destId="{D66959BE-DCB5-4899-BB1B-2FE35AEB0266}" srcOrd="1" destOrd="0" presId="urn:microsoft.com/office/officeart/2005/8/layout/orgChart1"/>
     <dgm:cxn modelId="{2BD036CD-7906-4691-A481-3C638E634AF1}" type="presParOf" srcId="{2D2828CC-EB4B-49B2-B78A-7860064CAA91}" destId="{0C2EAEAD-5833-44CE-A99E-CECA1E89F7E3}" srcOrd="2" destOrd="0" presId="urn:microsoft.com/office/officeart/2005/8/layout/orgChart1"/>
-    <dgm:cxn modelId="{C6E94960-74A4-40B4-B8F6-A180120C20F7}" type="presParOf" srcId="{283CAB59-9472-4369-9D0A-32AA10C0CC32}" destId="{0E3782B3-E865-4373-BB27-4F6E0F061D18}" srcOrd="6" destOrd="0" presId="urn:microsoft.com/office/officeart/2005/8/layout/orgChart1"/>
-    <dgm:cxn modelId="{043EC489-F326-4BAF-B875-21C30FBFA1EE}" type="presParOf" srcId="{283CAB59-9472-4369-9D0A-32AA10C0CC32}" destId="{660F532D-8D3E-4E4A-B333-24634BCD93B5}" srcOrd="7" destOrd="0" presId="urn:microsoft.com/office/officeart/2005/8/layout/orgChart1"/>
+    <dgm:cxn modelId="{FB17382F-CB37-43D5-A4D1-2060C53C3781}" type="presParOf" srcId="{283CAB59-9472-4369-9D0A-32AA10C0CC32}" destId="{8BE93FB5-5DDC-4147-AC43-80210D75A281}" srcOrd="8" destOrd="0" presId="urn:microsoft.com/office/officeart/2005/8/layout/orgChart1"/>
+    <dgm:cxn modelId="{1DB4047A-E635-47F5-B0EC-9D3763E67F09}" type="presParOf" srcId="{283CAB59-9472-4369-9D0A-32AA10C0CC32}" destId="{F9149B8E-CFB2-498C-8A89-B87460AFA89F}" srcOrd="9" destOrd="0" presId="urn:microsoft.com/office/officeart/2005/8/layout/orgChart1"/>
+    <dgm:cxn modelId="{99C499A5-6846-4736-AEB0-91773087E70B}" type="presParOf" srcId="{F9149B8E-CFB2-498C-8A89-B87460AFA89F}" destId="{ACEBF838-4FD6-4708-8946-E82CA94817DF}" srcOrd="0" destOrd="0" presId="urn:microsoft.com/office/officeart/2005/8/layout/orgChart1"/>
+    <dgm:cxn modelId="{3F0972EF-DF73-47E6-92D1-1CAC4231C741}" type="presParOf" srcId="{ACEBF838-4FD6-4708-8946-E82CA94817DF}" destId="{D190B0E1-89D9-49E4-86A8-FC5F6ECC41C4}" srcOrd="0" destOrd="0" presId="urn:microsoft.com/office/officeart/2005/8/layout/orgChart1"/>
+    <dgm:cxn modelId="{67F45929-245C-4B14-9584-366E099CACCF}" type="presParOf" srcId="{ACEBF838-4FD6-4708-8946-E82CA94817DF}" destId="{2E3B1B3B-392F-4749-857C-BA7630881AE6}" srcOrd="1" destOrd="0" presId="urn:microsoft.com/office/officeart/2005/8/layout/orgChart1"/>
+    <dgm:cxn modelId="{C91E00A4-FD22-45E0-B5CB-4D57787D7662}" type="presParOf" srcId="{F9149B8E-CFB2-498C-8A89-B87460AFA89F}" destId="{62614FDE-63BD-4220-A142-A126B2BA1561}" srcOrd="1" destOrd="0" presId="urn:microsoft.com/office/officeart/2005/8/layout/orgChart1"/>
+    <dgm:cxn modelId="{28BE7790-3F9D-4DA8-AC03-A1184AE6C108}" type="presParOf" srcId="{F9149B8E-CFB2-498C-8A89-B87460AFA89F}" destId="{38C4081F-7D94-428A-9990-978130C76E4E}" srcOrd="2" destOrd="0" presId="urn:microsoft.com/office/officeart/2005/8/layout/orgChart1"/>
+    <dgm:cxn modelId="{C6E94960-74A4-40B4-B8F6-A180120C20F7}" type="presParOf" srcId="{283CAB59-9472-4369-9D0A-32AA10C0CC32}" destId="{0E3782B3-E865-4373-BB27-4F6E0F061D18}" srcOrd="10" destOrd="0" presId="urn:microsoft.com/office/officeart/2005/8/layout/orgChart1"/>
+    <dgm:cxn modelId="{043EC489-F326-4BAF-B875-21C30FBFA1EE}" type="presParOf" srcId="{283CAB59-9472-4369-9D0A-32AA10C0CC32}" destId="{660F532D-8D3E-4E4A-B333-24634BCD93B5}" srcOrd="11" destOrd="0" presId="urn:microsoft.com/office/officeart/2005/8/layout/orgChart1"/>
     <dgm:cxn modelId="{0A40BF81-91D7-49C0-BFE0-BB3B1DC8D7DF}" type="presParOf" srcId="{660F532D-8D3E-4E4A-B333-24634BCD93B5}" destId="{473B0C11-36BE-4FD0-B44F-AD7F295DA6A1}" srcOrd="0" destOrd="0" presId="urn:microsoft.com/office/officeart/2005/8/layout/orgChart1"/>
     <dgm:cxn modelId="{EE4C8312-952D-46A6-9124-985C3EFFF28F}" type="presParOf" srcId="{473B0C11-36BE-4FD0-B44F-AD7F295DA6A1}" destId="{16878670-2316-40C8-BBED-5A791E94C876}" srcOrd="0" destOrd="0" presId="urn:microsoft.com/office/officeart/2005/8/layout/orgChart1"/>
     <dgm:cxn modelId="{C2ECAC84-6424-4721-8765-A5F83A28B1A9}" type="presParOf" srcId="{473B0C11-36BE-4FD0-B44F-AD7F295DA6A1}" destId="{BF451C11-49F1-4671-99EE-E0DB77414EDF}" srcOrd="1" destOrd="0" presId="urn:microsoft.com/office/officeart/2005/8/layout/orgChart1"/>
     <dgm:cxn modelId="{4E68F87B-1815-4E46-881B-B236F1836304}" type="presParOf" srcId="{660F532D-8D3E-4E4A-B333-24634BCD93B5}" destId="{218D5055-3F6D-4824-ADA4-05A10B00B0F7}" srcOrd="1" destOrd="0" presId="urn:microsoft.com/office/officeart/2005/8/layout/orgChart1"/>
     <dgm:cxn modelId="{82036AD9-59EE-4EBC-9A5B-6A7E6006A622}" type="presParOf" srcId="{660F532D-8D3E-4E4A-B333-24634BCD93B5}" destId="{9674540E-F70D-4E40-900D-91EA5AAC8F0F}" srcOrd="2" destOrd="0" presId="urn:microsoft.com/office/officeart/2005/8/layout/orgChart1"/>
-    <dgm:cxn modelId="{D37F55DF-D27C-4BA6-BF04-3578400210A6}" type="presParOf" srcId="{283CAB59-9472-4369-9D0A-32AA10C0CC32}" destId="{55A88246-B398-4A41-9C16-FB7D7E803901}" srcOrd="8" destOrd="0" presId="urn:microsoft.com/office/officeart/2005/8/layout/orgChart1"/>
-    <dgm:cxn modelId="{952A4CE6-F5CA-44DF-AF58-54586D121455}" type="presParOf" srcId="{283CAB59-9472-4369-9D0A-32AA10C0CC32}" destId="{99B909E4-8163-46BA-A44E-98A2083DFB03}" srcOrd="9" destOrd="0" presId="urn:microsoft.com/office/officeart/2005/8/layout/orgChart1"/>
+    <dgm:cxn modelId="{D37F55DF-D27C-4BA6-BF04-3578400210A6}" type="presParOf" srcId="{283CAB59-9472-4369-9D0A-32AA10C0CC32}" destId="{55A88246-B398-4A41-9C16-FB7D7E803901}" srcOrd="12" destOrd="0" presId="urn:microsoft.com/office/officeart/2005/8/layout/orgChart1"/>
+    <dgm:cxn modelId="{952A4CE6-F5CA-44DF-AF58-54586D121455}" type="presParOf" srcId="{283CAB59-9472-4369-9D0A-32AA10C0CC32}" destId="{99B909E4-8163-46BA-A44E-98A2083DFB03}" srcOrd="13" destOrd="0" presId="urn:microsoft.com/office/officeart/2005/8/layout/orgChart1"/>
     <dgm:cxn modelId="{E81CE1BC-A40F-4AB1-B6F9-8D8A222D1357}" type="presParOf" srcId="{99B909E4-8163-46BA-A44E-98A2083DFB03}" destId="{E08DA524-BD7A-4667-A240-A00EF8D7367A}" srcOrd="0" destOrd="0" presId="urn:microsoft.com/office/officeart/2005/8/layout/orgChart1"/>
     <dgm:cxn modelId="{98D3CACD-0C28-4BF1-9212-F1F02557C669}" type="presParOf" srcId="{E08DA524-BD7A-4667-A240-A00EF8D7367A}" destId="{1F20BA95-876A-4CA7-8474-083218689804}" srcOrd="0" destOrd="0" presId="urn:microsoft.com/office/officeart/2005/8/layout/orgChart1"/>
     <dgm:cxn modelId="{7DB0AA30-DEA4-4649-97C6-7345765F7858}" type="presParOf" srcId="{E08DA524-BD7A-4667-A240-A00EF8D7367A}" destId="{BECB09A8-AD65-4C77-9143-3C7111625FA0}" srcOrd="1" destOrd="0" presId="urn:microsoft.com/office/officeart/2005/8/layout/orgChart1"/>
     <dgm:cxn modelId="{7F791F72-3401-4FE7-B165-25099D02C17A}" type="presParOf" srcId="{99B909E4-8163-46BA-A44E-98A2083DFB03}" destId="{11AA1DBA-290F-465A-99B1-3D5EFF5AC61F}" srcOrd="1" destOrd="0" presId="urn:microsoft.com/office/officeart/2005/8/layout/orgChart1"/>
     <dgm:cxn modelId="{C09DFCB2-7AAC-4BD6-AC7A-35F02D59E395}" type="presParOf" srcId="{99B909E4-8163-46BA-A44E-98A2083DFB03}" destId="{D0709A00-E921-449B-930B-94918232F28A}" srcOrd="2" destOrd="0" presId="urn:microsoft.com/office/officeart/2005/8/layout/orgChart1"/>
-    <dgm:cxn modelId="{58967C36-849E-482E-95C3-3CF07A791060}" type="presParOf" srcId="{283CAB59-9472-4369-9D0A-32AA10C0CC32}" destId="{4BA0FD2B-D648-4FD0-8F33-BC723D7B9B66}" srcOrd="10" destOrd="0" presId="urn:microsoft.com/office/officeart/2005/8/layout/orgChart1"/>
-    <dgm:cxn modelId="{AE3E54AA-CD2C-46B0-9C56-0A9700E85DF4}" type="presParOf" srcId="{283CAB59-9472-4369-9D0A-32AA10C0CC32}" destId="{8C8AAAB9-A186-4ACE-A26D-8E2DC895C11B}" srcOrd="11" destOrd="0" presId="urn:microsoft.com/office/officeart/2005/8/layout/orgChart1"/>
+    <dgm:cxn modelId="{58967C36-849E-482E-95C3-3CF07A791060}" type="presParOf" srcId="{283CAB59-9472-4369-9D0A-32AA10C0CC32}" destId="{4BA0FD2B-D648-4FD0-8F33-BC723D7B9B66}" srcOrd="14" destOrd="0" presId="urn:microsoft.com/office/officeart/2005/8/layout/orgChart1"/>
+    <dgm:cxn modelId="{AE3E54AA-CD2C-46B0-9C56-0A9700E85DF4}" type="presParOf" srcId="{283CAB59-9472-4369-9D0A-32AA10C0CC32}" destId="{8C8AAAB9-A186-4ACE-A26D-8E2DC895C11B}" srcOrd="15" destOrd="0" presId="urn:microsoft.com/office/officeart/2005/8/layout/orgChart1"/>
     <dgm:cxn modelId="{E3134A27-CD0A-4BE5-AFDF-3DF766298851}" type="presParOf" srcId="{8C8AAAB9-A186-4ACE-A26D-8E2DC895C11B}" destId="{4BA61E92-5695-4650-91D5-F55DF9996E19}" srcOrd="0" destOrd="0" presId="urn:microsoft.com/office/officeart/2005/8/layout/orgChart1"/>
     <dgm:cxn modelId="{48891950-B449-4081-9D77-A672A12CD404}" type="presParOf" srcId="{4BA61E92-5695-4650-91D5-F55DF9996E19}" destId="{D086313A-D390-46C5-9D6A-A8D0967A109B}" srcOrd="0" destOrd="0" presId="urn:microsoft.com/office/officeart/2005/8/layout/orgChart1"/>
     <dgm:cxn modelId="{DC58FDE6-1686-4A73-BBED-AB7DFF016BA8}" type="presParOf" srcId="{4BA61E92-5695-4650-91D5-F55DF9996E19}" destId="{4992B22D-4DD8-4B66-8921-9B600E91A1A2}" srcOrd="1" destOrd="0" presId="urn:microsoft.com/office/officeart/2005/8/layout/orgChart1"/>
     <dgm:cxn modelId="{A7C16248-8DE2-4AB7-A6D3-AC31E1CC7BC9}" type="presParOf" srcId="{8C8AAAB9-A186-4ACE-A26D-8E2DC895C11B}" destId="{6A41F1CE-10DC-41EF-81CC-D339CBC49D6F}" srcOrd="1" destOrd="0" presId="urn:microsoft.com/office/officeart/2005/8/layout/orgChart1"/>
     <dgm:cxn modelId="{0C873707-BE9C-4D6D-9506-096D5D87ED8F}" type="presParOf" srcId="{8C8AAAB9-A186-4ACE-A26D-8E2DC895C11B}" destId="{09017E55-A9AC-4767-9802-43CE4BB1CAC1}" srcOrd="2" destOrd="0" presId="urn:microsoft.com/office/officeart/2005/8/layout/orgChart1"/>
-    <dgm:cxn modelId="{23437BB3-F045-4206-8E7D-2F0B219EF227}" type="presParOf" srcId="{283CAB59-9472-4369-9D0A-32AA10C0CC32}" destId="{098EF2EF-54F9-4DB9-9B90-CA77F8509B37}" srcOrd="12" destOrd="0" presId="urn:microsoft.com/office/officeart/2005/8/layout/orgChart1"/>
-    <dgm:cxn modelId="{E5287AE3-B3DD-4C66-9694-841CB4FAF9AD}" type="presParOf" srcId="{283CAB59-9472-4369-9D0A-32AA10C0CC32}" destId="{1889ECEE-51F8-4933-BE96-DDB5504919A1}" srcOrd="13" destOrd="0" presId="urn:microsoft.com/office/officeart/2005/8/layout/orgChart1"/>
+    <dgm:cxn modelId="{23437BB3-F045-4206-8E7D-2F0B219EF227}" type="presParOf" srcId="{283CAB59-9472-4369-9D0A-32AA10C0CC32}" destId="{098EF2EF-54F9-4DB9-9B90-CA77F8509B37}" srcOrd="16" destOrd="0" presId="urn:microsoft.com/office/officeart/2005/8/layout/orgChart1"/>
+    <dgm:cxn modelId="{E5287AE3-B3DD-4C66-9694-841CB4FAF9AD}" type="presParOf" srcId="{283CAB59-9472-4369-9D0A-32AA10C0CC32}" destId="{1889ECEE-51F8-4933-BE96-DDB5504919A1}" srcOrd="17" destOrd="0" presId="urn:microsoft.com/office/officeart/2005/8/layout/orgChart1"/>
     <dgm:cxn modelId="{53149FAD-CA8D-4E95-AC45-8BCD13B1BB4C}" type="presParOf" srcId="{1889ECEE-51F8-4933-BE96-DDB5504919A1}" destId="{E85A4D0B-20D0-4C98-91B0-851AC7B9BFDF}" srcOrd="0" destOrd="0" presId="urn:microsoft.com/office/officeart/2005/8/layout/orgChart1"/>
     <dgm:cxn modelId="{0C261218-E00C-4A3E-8836-29C5B3506CBD}" type="presParOf" srcId="{E85A4D0B-20D0-4C98-91B0-851AC7B9BFDF}" destId="{0922FE8B-DF89-4405-8D8B-F8F3C875E2DD}" srcOrd="0" destOrd="0" presId="urn:microsoft.com/office/officeart/2005/8/layout/orgChart1"/>
     <dgm:cxn modelId="{472482D4-B172-400F-9C19-8B99247D3228}" type="presParOf" srcId="{E85A4D0B-20D0-4C98-91B0-851AC7B9BFDF}" destId="{668A8947-A38B-435F-9375-33A1F548AD46}" srcOrd="1" destOrd="0" presId="urn:microsoft.com/office/officeart/2005/8/layout/orgChart1"/>
     <dgm:cxn modelId="{134490D0-0A9D-4BEA-B70A-50F919FA2C9D}" type="presParOf" srcId="{1889ECEE-51F8-4933-BE96-DDB5504919A1}" destId="{85322F85-0272-4FC7-86DE-F7E4CD155D63}" srcOrd="1" destOrd="0" presId="urn:microsoft.com/office/officeart/2005/8/layout/orgChart1"/>
     <dgm:cxn modelId="{995561A0-64F2-4310-A58A-A70458019AF9}" type="presParOf" srcId="{1889ECEE-51F8-4933-BE96-DDB5504919A1}" destId="{750BD3E6-85C3-4628-AF0E-6405B5019BA0}" srcOrd="2" destOrd="0" presId="urn:microsoft.com/office/officeart/2005/8/layout/orgChart1"/>
-    <dgm:cxn modelId="{3CD78AEB-A8C8-4F9C-A80F-14706892236A}" type="presParOf" srcId="{283CAB59-9472-4369-9D0A-32AA10C0CC32}" destId="{940D5A6A-3D20-4AF7-A598-183C785A991B}" srcOrd="14" destOrd="0" presId="urn:microsoft.com/office/officeart/2005/8/layout/orgChart1"/>
-    <dgm:cxn modelId="{17A412B0-B2EC-40D2-AE79-696D73BC8635}" type="presParOf" srcId="{283CAB59-9472-4369-9D0A-32AA10C0CC32}" destId="{A02C4304-2B2A-4D66-A0B5-1E92C3A9B692}" srcOrd="15" destOrd="0" presId="urn:microsoft.com/office/officeart/2005/8/layout/orgChart1"/>
+    <dgm:cxn modelId="{3CD78AEB-A8C8-4F9C-A80F-14706892236A}" type="presParOf" srcId="{283CAB59-9472-4369-9D0A-32AA10C0CC32}" destId="{940D5A6A-3D20-4AF7-A598-183C785A991B}" srcOrd="18" destOrd="0" presId="urn:microsoft.com/office/officeart/2005/8/layout/orgChart1"/>
+    <dgm:cxn modelId="{17A412B0-B2EC-40D2-AE79-696D73BC8635}" type="presParOf" srcId="{283CAB59-9472-4369-9D0A-32AA10C0CC32}" destId="{A02C4304-2B2A-4D66-A0B5-1E92C3A9B692}" srcOrd="19" destOrd="0" presId="urn:microsoft.com/office/officeart/2005/8/layout/orgChart1"/>
     <dgm:cxn modelId="{6A6B6E38-EBC4-447D-BD68-3B8A518D4727}" type="presParOf" srcId="{A02C4304-2B2A-4D66-A0B5-1E92C3A9B692}" destId="{A934E634-37D3-4B99-85C9-3B7235C81BB5}" srcOrd="0" destOrd="0" presId="urn:microsoft.com/office/officeart/2005/8/layout/orgChart1"/>
     <dgm:cxn modelId="{5F173A11-BE31-4C25-BDC1-C0DA4C53F3DF}" type="presParOf" srcId="{A934E634-37D3-4B99-85C9-3B7235C81BB5}" destId="{BCFCD26C-86D8-4D7F-B57A-880FC9A97A3F}" srcOrd="0" destOrd="0" presId="urn:microsoft.com/office/officeart/2005/8/layout/orgChart1"/>
     <dgm:cxn modelId="{C3AAABE5-5006-4435-8F75-130D79F3F1CD}" type="presParOf" srcId="{A934E634-37D3-4B99-85C9-3B7235C81BB5}" destId="{6B83C2E2-791C-4166-B03A-F42D6D25230D}" srcOrd="1" destOrd="0" presId="urn:microsoft.com/office/officeart/2005/8/layout/orgChart1"/>
     <dgm:cxn modelId="{490EE260-2874-401E-9ABC-D4514FA03F70}" type="presParOf" srcId="{A02C4304-2B2A-4D66-A0B5-1E92C3A9B692}" destId="{8117AC7E-F658-41AD-8E54-EF2799434183}" srcOrd="1" destOrd="0" presId="urn:microsoft.com/office/officeart/2005/8/layout/orgChart1"/>
     <dgm:cxn modelId="{DBF31904-9664-4325-823D-FBFD1A94C0BB}" type="presParOf" srcId="{A02C4304-2B2A-4D66-A0B5-1E92C3A9B692}" destId="{ABEA41C1-9F3B-47D6-B1E9-0AB9D104F6EA}" srcOrd="2" destOrd="0" presId="urn:microsoft.com/office/officeart/2005/8/layout/orgChart1"/>
-    <dgm:cxn modelId="{FED34E70-1A40-43D5-9E49-8B4701004DE6}" type="presParOf" srcId="{283CAB59-9472-4369-9D0A-32AA10C0CC32}" destId="{88BEF9BE-BD95-49C8-BC77-2259BEFB9056}" srcOrd="16" destOrd="0" presId="urn:microsoft.com/office/officeart/2005/8/layout/orgChart1"/>
-    <dgm:cxn modelId="{9A4B0267-4F04-4E91-9A4C-6BE87F757F2E}" type="presParOf" srcId="{283CAB59-9472-4369-9D0A-32AA10C0CC32}" destId="{1E6786F4-574A-4F50-8103-9BABDBB530E9}" srcOrd="17" destOrd="0" presId="urn:microsoft.com/office/officeart/2005/8/layout/orgChart1"/>
+    <dgm:cxn modelId="{FED34E70-1A40-43D5-9E49-8B4701004DE6}" type="presParOf" srcId="{283CAB59-9472-4369-9D0A-32AA10C0CC32}" destId="{88BEF9BE-BD95-49C8-BC77-2259BEFB9056}" srcOrd="20" destOrd="0" presId="urn:microsoft.com/office/officeart/2005/8/layout/orgChart1"/>
+    <dgm:cxn modelId="{9A4B0267-4F04-4E91-9A4C-6BE87F757F2E}" type="presParOf" srcId="{283CAB59-9472-4369-9D0A-32AA10C0CC32}" destId="{1E6786F4-574A-4F50-8103-9BABDBB530E9}" srcOrd="21" destOrd="0" presId="urn:microsoft.com/office/officeart/2005/8/layout/orgChart1"/>
     <dgm:cxn modelId="{E23DAE54-A8FD-40BE-8289-F0C5B3AC201E}" type="presParOf" srcId="{1E6786F4-574A-4F50-8103-9BABDBB530E9}" destId="{BFD59D70-1A8B-43E6-A0A4-EBAA09C5BF39}" srcOrd="0" destOrd="0" presId="urn:microsoft.com/office/officeart/2005/8/layout/orgChart1"/>
     <dgm:cxn modelId="{318D527B-1B38-4B9F-B232-21BA0EE88DB4}" type="presParOf" srcId="{BFD59D70-1A8B-43E6-A0A4-EBAA09C5BF39}" destId="{E51E6F38-46A5-4263-9055-A1AEB09CD03A}" srcOrd="0" destOrd="0" presId="urn:microsoft.com/office/officeart/2005/8/layout/orgChart1"/>
     <dgm:cxn modelId="{29CC917A-6DFB-4D96-A778-174BE7B138B7}" type="presParOf" srcId="{BFD59D70-1A8B-43E6-A0A4-EBAA09C5BF39}" destId="{537DB5FB-5D30-4BFC-B4B9-2FBB575FA24A}" srcOrd="1" destOrd="0" presId="urn:microsoft.com/office/officeart/2005/8/layout/orgChart1"/>
     <dgm:cxn modelId="{01EF64D2-475C-433F-8B73-C17C6596646F}" type="presParOf" srcId="{1E6786F4-574A-4F50-8103-9BABDBB530E9}" destId="{47793928-2EB7-415B-96B0-96AC361D6FB1}" srcOrd="1" destOrd="0" presId="urn:microsoft.com/office/officeart/2005/8/layout/orgChart1"/>
     <dgm:cxn modelId="{5424F64B-756C-484B-9218-8B0594CF0ACE}" type="presParOf" srcId="{1E6786F4-574A-4F50-8103-9BABDBB530E9}" destId="{D5655793-2341-436E-AC87-69F623830C00}" srcOrd="2" destOrd="0" presId="urn:microsoft.com/office/officeart/2005/8/layout/orgChart1"/>
-    <dgm:cxn modelId="{2B0943B1-38C7-4055-A2F0-948CAB59AA51}" type="presParOf" srcId="{283CAB59-9472-4369-9D0A-32AA10C0CC32}" destId="{9566F6EE-4358-4C72-A5E0-69FB940F8986}" srcOrd="18" destOrd="0" presId="urn:microsoft.com/office/officeart/2005/8/layout/orgChart1"/>
-    <dgm:cxn modelId="{E7E506DF-1335-440E-A6CC-196D11B8FE98}" type="presParOf" srcId="{283CAB59-9472-4369-9D0A-32AA10C0CC32}" destId="{FFDA8AF5-959B-4008-A629-49FE40AD0E99}" srcOrd="19" destOrd="0" presId="urn:microsoft.com/office/officeart/2005/8/layout/orgChart1"/>
+    <dgm:cxn modelId="{2B0943B1-38C7-4055-A2F0-948CAB59AA51}" type="presParOf" srcId="{283CAB59-9472-4369-9D0A-32AA10C0CC32}" destId="{9566F6EE-4358-4C72-A5E0-69FB940F8986}" srcOrd="22" destOrd="0" presId="urn:microsoft.com/office/officeart/2005/8/layout/orgChart1"/>
+    <dgm:cxn modelId="{E7E506DF-1335-440E-A6CC-196D11B8FE98}" type="presParOf" srcId="{283CAB59-9472-4369-9D0A-32AA10C0CC32}" destId="{FFDA8AF5-959B-4008-A629-49FE40AD0E99}" srcOrd="23" destOrd="0" presId="urn:microsoft.com/office/officeart/2005/8/layout/orgChart1"/>
     <dgm:cxn modelId="{17D6D4A1-425C-46FC-86E6-295914DC62BE}" type="presParOf" srcId="{FFDA8AF5-959B-4008-A629-49FE40AD0E99}" destId="{3098443A-8966-431F-8ED6-7FCB3E83F88C}" srcOrd="0" destOrd="0" presId="urn:microsoft.com/office/officeart/2005/8/layout/orgChart1"/>
     <dgm:cxn modelId="{69C09F3F-AFAC-4B98-8655-7354B4D5D743}" type="presParOf" srcId="{3098443A-8966-431F-8ED6-7FCB3E83F88C}" destId="{1005FA76-D947-46F8-8000-A279BD4348DD}" srcOrd="0" destOrd="0" presId="urn:microsoft.com/office/officeart/2005/8/layout/orgChart1"/>
     <dgm:cxn modelId="{6FFB33AC-A0E6-489D-AAC0-FA7518F620CF}" type="presParOf" srcId="{3098443A-8966-431F-8ED6-7FCB3E83F88C}" destId="{226FC570-8666-4E17-822A-229712F04EEC}" srcOrd="1" destOrd="0" presId="urn:microsoft.com/office/officeart/2005/8/layout/orgChart1"/>
@@ -5137,8 +6117,78 @@
     <dgm:cxn modelId="{2D403FF8-EE01-48EA-B370-5C940426204C}" type="presParOf" srcId="{D7F8286C-D541-4AC5-9680-97CBED17A204}" destId="{B675B579-3FD3-4543-90A6-DFD1BBEBBB31}" srcOrd="1" destOrd="0" presId="urn:microsoft.com/office/officeart/2005/8/layout/orgChart1"/>
     <dgm:cxn modelId="{1E749BA9-525E-4283-A1E6-9FB0BC000BEA}" type="presParOf" srcId="{59E22F8F-9B03-481B-BD3A-C70A0F3AC604}" destId="{53E4BBE2-94CF-4D73-96F9-1F96DE01991D}" srcOrd="1" destOrd="0" presId="urn:microsoft.com/office/officeart/2005/8/layout/orgChart1"/>
     <dgm:cxn modelId="{10449854-2BC3-49CD-B435-15F0FAA3ADF7}" type="presParOf" srcId="{59E22F8F-9B03-481B-BD3A-C70A0F3AC604}" destId="{36EF9590-ABD5-429F-8520-BF6C3D9BA90B}" srcOrd="2" destOrd="0" presId="urn:microsoft.com/office/officeart/2005/8/layout/orgChart1"/>
-    <dgm:cxn modelId="{29AAF251-6B05-4B96-AE33-6FC438E5BB92}" type="presParOf" srcId="{2A641BF4-BB02-4390-88F4-D099BFDC28CF}" destId="{8A86FEC2-6718-46FE-A370-0342ACF303E1}" srcOrd="6" destOrd="0" presId="urn:microsoft.com/office/officeart/2005/8/layout/orgChart1"/>
-    <dgm:cxn modelId="{AA78F371-5F4E-4C8F-953C-384C4A3C3670}" type="presParOf" srcId="{2A641BF4-BB02-4390-88F4-D099BFDC28CF}" destId="{FB70ECF8-9211-4C87-AA0E-DC1325992257}" srcOrd="7" destOrd="0" presId="urn:microsoft.com/office/officeart/2005/8/layout/orgChart1"/>
+    <dgm:cxn modelId="{FB423065-6827-494F-B193-4F4AA4EDDD30}" type="presParOf" srcId="{2A641BF4-BB02-4390-88F4-D099BFDC28CF}" destId="{DD8A59A6-D87D-4542-9DF9-2735EB615F81}" srcOrd="6" destOrd="0" presId="urn:microsoft.com/office/officeart/2005/8/layout/orgChart1"/>
+    <dgm:cxn modelId="{13D7E198-8956-45AE-AE9C-790CA29DD217}" type="presParOf" srcId="{2A641BF4-BB02-4390-88F4-D099BFDC28CF}" destId="{4E41B881-B044-45B1-96CD-98DD3624D48B}" srcOrd="7" destOrd="0" presId="urn:microsoft.com/office/officeart/2005/8/layout/orgChart1"/>
+    <dgm:cxn modelId="{2360D894-5939-49A3-AE39-97C867D7434E}" type="presParOf" srcId="{4E41B881-B044-45B1-96CD-98DD3624D48B}" destId="{D21259DF-F24C-4C09-8729-A5C553BDD6C2}" srcOrd="0" destOrd="0" presId="urn:microsoft.com/office/officeart/2005/8/layout/orgChart1"/>
+    <dgm:cxn modelId="{9F4CA1C0-D990-49DA-BC5A-E43E7D9C9ED3}" type="presParOf" srcId="{D21259DF-F24C-4C09-8729-A5C553BDD6C2}" destId="{00D5D10B-8AA0-43B3-889D-6ED1CE84029D}" srcOrd="0" destOrd="0" presId="urn:microsoft.com/office/officeart/2005/8/layout/orgChart1"/>
+    <dgm:cxn modelId="{70FC6B2B-43F5-4BB3-819B-689EA0B364FD}" type="presParOf" srcId="{D21259DF-F24C-4C09-8729-A5C553BDD6C2}" destId="{E21DF416-28FA-4AD1-A96E-B1F0DEF51262}" srcOrd="1" destOrd="0" presId="urn:microsoft.com/office/officeart/2005/8/layout/orgChart1"/>
+    <dgm:cxn modelId="{6F51D592-6897-425B-A095-A1AAC7527DE0}" type="presParOf" srcId="{4E41B881-B044-45B1-96CD-98DD3624D48B}" destId="{D23C6978-80BF-4E54-81CC-42C28BFFF60E}" srcOrd="1" destOrd="0" presId="urn:microsoft.com/office/officeart/2005/8/layout/orgChart1"/>
+    <dgm:cxn modelId="{DD10602D-B805-444D-9136-8B3B53778D8E}" type="presParOf" srcId="{4E41B881-B044-45B1-96CD-98DD3624D48B}" destId="{430B0142-C30C-4A79-A73D-970AA3C356C1}" srcOrd="2" destOrd="0" presId="urn:microsoft.com/office/officeart/2005/8/layout/orgChart1"/>
+    <dgm:cxn modelId="{9D8181D7-65B4-49D0-873D-C789CB4A247A}" type="presParOf" srcId="{430B0142-C30C-4A79-A73D-970AA3C356C1}" destId="{30AF305B-D244-4676-B213-4FA8DE312A80}" srcOrd="0" destOrd="0" presId="urn:microsoft.com/office/officeart/2005/8/layout/orgChart1"/>
+    <dgm:cxn modelId="{8EA69164-9E47-49BB-BC62-999532831B0A}" type="presParOf" srcId="{430B0142-C30C-4A79-A73D-970AA3C356C1}" destId="{91B257AA-2E3B-4B45-9D1A-19652C174617}" srcOrd="1" destOrd="0" presId="urn:microsoft.com/office/officeart/2005/8/layout/orgChart1"/>
+    <dgm:cxn modelId="{3F9B9B94-7A3C-401C-A952-E7AAC0F6BA68}" type="presParOf" srcId="{91B257AA-2E3B-4B45-9D1A-19652C174617}" destId="{9786E4E8-353D-4E59-B962-058014FFAE94}" srcOrd="0" destOrd="0" presId="urn:microsoft.com/office/officeart/2005/8/layout/orgChart1"/>
+    <dgm:cxn modelId="{9F1A4487-D4AF-425F-8A9E-307CE685C073}" type="presParOf" srcId="{9786E4E8-353D-4E59-B962-058014FFAE94}" destId="{96061F53-08F3-4E09-B7D7-23E0C5D08D8B}" srcOrd="0" destOrd="0" presId="urn:microsoft.com/office/officeart/2005/8/layout/orgChart1"/>
+    <dgm:cxn modelId="{A723B77D-6F80-45B3-90C4-9E3B9AFA96F5}" type="presParOf" srcId="{9786E4E8-353D-4E59-B962-058014FFAE94}" destId="{5C2A2BA1-9EE9-42F9-8CCB-C4510A919B9D}" srcOrd="1" destOrd="0" presId="urn:microsoft.com/office/officeart/2005/8/layout/orgChart1"/>
+    <dgm:cxn modelId="{BF216B9B-667B-4EB2-B895-45C46A39558E}" type="presParOf" srcId="{91B257AA-2E3B-4B45-9D1A-19652C174617}" destId="{B412B556-ACE4-4598-A24D-50A21312B470}" srcOrd="1" destOrd="0" presId="urn:microsoft.com/office/officeart/2005/8/layout/orgChart1"/>
+    <dgm:cxn modelId="{8B24EA30-AC87-45A9-9AEF-E268734E2A0F}" type="presParOf" srcId="{91B257AA-2E3B-4B45-9D1A-19652C174617}" destId="{4A6B5671-EA50-4300-828E-3EE6E61C229F}" srcOrd="2" destOrd="0" presId="urn:microsoft.com/office/officeart/2005/8/layout/orgChart1"/>
+    <dgm:cxn modelId="{231D8611-5B51-4011-A863-101FE890DE95}" type="presParOf" srcId="{4A6B5671-EA50-4300-828E-3EE6E61C229F}" destId="{3ECBD4AE-1413-4A8F-A7FA-FE90975D12DC}" srcOrd="0" destOrd="0" presId="urn:microsoft.com/office/officeart/2005/8/layout/orgChart1"/>
+    <dgm:cxn modelId="{2778C39A-02FF-40A2-9D86-79B6A39FC128}" type="presParOf" srcId="{4A6B5671-EA50-4300-828E-3EE6E61C229F}" destId="{16F5AB55-30A7-4AAD-8950-AA590FB54550}" srcOrd="1" destOrd="0" presId="urn:microsoft.com/office/officeart/2005/8/layout/orgChart1"/>
+    <dgm:cxn modelId="{3F73DFE4-9BA5-4B8F-A2C6-5FF48132A768}" type="presParOf" srcId="{16F5AB55-30A7-4AAD-8950-AA590FB54550}" destId="{A6B8EA2F-F26F-4DBA-B451-4E6E8319EAE6}" srcOrd="0" destOrd="0" presId="urn:microsoft.com/office/officeart/2005/8/layout/orgChart1"/>
+    <dgm:cxn modelId="{A91A2FAA-BE1E-4544-86A0-DF317CDBEAD9}" type="presParOf" srcId="{A6B8EA2F-F26F-4DBA-B451-4E6E8319EAE6}" destId="{248F3600-CB79-4891-ADA9-3921BA2D6F2C}" srcOrd="0" destOrd="0" presId="urn:microsoft.com/office/officeart/2005/8/layout/orgChart1"/>
+    <dgm:cxn modelId="{77E779DF-EB71-4126-8F7D-C69BEC93A535}" type="presParOf" srcId="{A6B8EA2F-F26F-4DBA-B451-4E6E8319EAE6}" destId="{73FB2861-368D-48FD-AAA6-2F31B6336050}" srcOrd="1" destOrd="0" presId="urn:microsoft.com/office/officeart/2005/8/layout/orgChart1"/>
+    <dgm:cxn modelId="{9759E540-08A6-4D15-A11D-1F996F7EE24C}" type="presParOf" srcId="{16F5AB55-30A7-4AAD-8950-AA590FB54550}" destId="{72911D56-F7F3-4800-B8FB-D83F472C238D}" srcOrd="1" destOrd="0" presId="urn:microsoft.com/office/officeart/2005/8/layout/orgChart1"/>
+    <dgm:cxn modelId="{6A89FAAD-D785-440C-B56A-3978AA273DB9}" type="presParOf" srcId="{16F5AB55-30A7-4AAD-8950-AA590FB54550}" destId="{9711A4A7-F1F0-49FC-9D04-10FB85FC9BA8}" srcOrd="2" destOrd="0" presId="urn:microsoft.com/office/officeart/2005/8/layout/orgChart1"/>
+    <dgm:cxn modelId="{B0F75512-361C-46F3-9A52-211081F364F4}" type="presParOf" srcId="{4A6B5671-EA50-4300-828E-3EE6E61C229F}" destId="{840A93A4-5130-4E81-82D8-DEB4AFBB730F}" srcOrd="2" destOrd="0" presId="urn:microsoft.com/office/officeart/2005/8/layout/orgChart1"/>
+    <dgm:cxn modelId="{F9C1AB82-C937-456D-985E-72F630C4B3C6}" type="presParOf" srcId="{4A6B5671-EA50-4300-828E-3EE6E61C229F}" destId="{C7CA45A5-637B-4AFC-95A2-F01D005C1C35}" srcOrd="3" destOrd="0" presId="urn:microsoft.com/office/officeart/2005/8/layout/orgChart1"/>
+    <dgm:cxn modelId="{E8847D1C-FBC4-455E-9FB5-8F93F004A104}" type="presParOf" srcId="{C7CA45A5-637B-4AFC-95A2-F01D005C1C35}" destId="{1AEA800B-D627-47AF-90B6-7B2FA62A0825}" srcOrd="0" destOrd="0" presId="urn:microsoft.com/office/officeart/2005/8/layout/orgChart1"/>
+    <dgm:cxn modelId="{402EBC90-4BF2-4C86-AB61-FF089DAD82AD}" type="presParOf" srcId="{1AEA800B-D627-47AF-90B6-7B2FA62A0825}" destId="{7383D0D0-0515-4684-AFF0-5F0F362D0779}" srcOrd="0" destOrd="0" presId="urn:microsoft.com/office/officeart/2005/8/layout/orgChart1"/>
+    <dgm:cxn modelId="{C597D568-267C-4714-A2A3-3DCF7B9C75A9}" type="presParOf" srcId="{1AEA800B-D627-47AF-90B6-7B2FA62A0825}" destId="{1E79BA74-04B7-40EC-BC2E-2CF160C99BFD}" srcOrd="1" destOrd="0" presId="urn:microsoft.com/office/officeart/2005/8/layout/orgChart1"/>
+    <dgm:cxn modelId="{34BD6A2D-F678-4C6E-8BBD-F32C5686411D}" type="presParOf" srcId="{C7CA45A5-637B-4AFC-95A2-F01D005C1C35}" destId="{8B35773A-5E89-4B03-9DEF-C2EE8C6006F0}" srcOrd="1" destOrd="0" presId="urn:microsoft.com/office/officeart/2005/8/layout/orgChart1"/>
+    <dgm:cxn modelId="{B18D1713-2744-4E75-8735-D5C64EE14C2D}" type="presParOf" srcId="{C7CA45A5-637B-4AFC-95A2-F01D005C1C35}" destId="{BEA6B9AE-6068-47CE-B72C-B873EE0DBD33}" srcOrd="2" destOrd="0" presId="urn:microsoft.com/office/officeart/2005/8/layout/orgChart1"/>
+    <dgm:cxn modelId="{E0D955DF-0A3C-4913-A357-97DC090E0BEC}" type="presParOf" srcId="{4A6B5671-EA50-4300-828E-3EE6E61C229F}" destId="{6C624122-029E-4779-97C0-6A5A85BBD46E}" srcOrd="4" destOrd="0" presId="urn:microsoft.com/office/officeart/2005/8/layout/orgChart1"/>
+    <dgm:cxn modelId="{04808905-D2B9-4427-A3B8-65CC00A614EF}" type="presParOf" srcId="{4A6B5671-EA50-4300-828E-3EE6E61C229F}" destId="{A4E1A3D7-3109-4CF2-A1A7-02A54FF01F14}" srcOrd="5" destOrd="0" presId="urn:microsoft.com/office/officeart/2005/8/layout/orgChart1"/>
+    <dgm:cxn modelId="{768DECF3-F0A2-4317-A1BB-DE985F38ABED}" type="presParOf" srcId="{A4E1A3D7-3109-4CF2-A1A7-02A54FF01F14}" destId="{0B103F69-B4C6-4AD5-A177-213164AF87CE}" srcOrd="0" destOrd="0" presId="urn:microsoft.com/office/officeart/2005/8/layout/orgChart1"/>
+    <dgm:cxn modelId="{F8ECC2B3-F2B0-47CC-8E59-1DEBD3B9694C}" type="presParOf" srcId="{0B103F69-B4C6-4AD5-A177-213164AF87CE}" destId="{F2D1A4CC-10AC-4501-93C6-C16062E965E5}" srcOrd="0" destOrd="0" presId="urn:microsoft.com/office/officeart/2005/8/layout/orgChart1"/>
+    <dgm:cxn modelId="{E0812896-2C97-45D3-BD1F-72884F9A8805}" type="presParOf" srcId="{0B103F69-B4C6-4AD5-A177-213164AF87CE}" destId="{26F83B62-3A6D-45D3-8879-D463F9A015F9}" srcOrd="1" destOrd="0" presId="urn:microsoft.com/office/officeart/2005/8/layout/orgChart1"/>
+    <dgm:cxn modelId="{192C3078-A7B6-4F2B-848E-936AAB21DB74}" type="presParOf" srcId="{A4E1A3D7-3109-4CF2-A1A7-02A54FF01F14}" destId="{23323B53-3847-4CFD-944A-42264E2392DA}" srcOrd="1" destOrd="0" presId="urn:microsoft.com/office/officeart/2005/8/layout/orgChart1"/>
+    <dgm:cxn modelId="{24B39EBA-FE96-4577-BCD1-09B0D6E882B1}" type="presParOf" srcId="{A4E1A3D7-3109-4CF2-A1A7-02A54FF01F14}" destId="{C91BA029-FFE7-4A5B-B139-CA4639D1586A}" srcOrd="2" destOrd="0" presId="urn:microsoft.com/office/officeart/2005/8/layout/orgChart1"/>
+    <dgm:cxn modelId="{E6D89856-1311-4FAA-9BE5-8C4E0971D658}" type="presParOf" srcId="{4A6B5671-EA50-4300-828E-3EE6E61C229F}" destId="{4B816979-47EE-4B7F-A0E8-80D866845DA5}" srcOrd="6" destOrd="0" presId="urn:microsoft.com/office/officeart/2005/8/layout/orgChart1"/>
+    <dgm:cxn modelId="{0A626F9E-FCDF-421D-977D-E15DFE4A6AA9}" type="presParOf" srcId="{4A6B5671-EA50-4300-828E-3EE6E61C229F}" destId="{22398CBA-C6BA-452D-89CF-8792A30B19FE}" srcOrd="7" destOrd="0" presId="urn:microsoft.com/office/officeart/2005/8/layout/orgChart1"/>
+    <dgm:cxn modelId="{BBCE8C5A-F8C4-4174-971F-F97515270DDC}" type="presParOf" srcId="{22398CBA-C6BA-452D-89CF-8792A30B19FE}" destId="{C9731DDA-7587-4B08-8CF2-C8309EC1B44D}" srcOrd="0" destOrd="0" presId="urn:microsoft.com/office/officeart/2005/8/layout/orgChart1"/>
+    <dgm:cxn modelId="{395E5E1A-DD6D-4733-878A-8EE20C494BE6}" type="presParOf" srcId="{C9731DDA-7587-4B08-8CF2-C8309EC1B44D}" destId="{E4AC0109-0A2D-4A2D-927D-BF34315E0098}" srcOrd="0" destOrd="0" presId="urn:microsoft.com/office/officeart/2005/8/layout/orgChart1"/>
+    <dgm:cxn modelId="{428772E6-6068-418B-B4EB-8830698D46FD}" type="presParOf" srcId="{C9731DDA-7587-4B08-8CF2-C8309EC1B44D}" destId="{0CF6CE14-B8B9-4455-8494-BED16EFE1D74}" srcOrd="1" destOrd="0" presId="urn:microsoft.com/office/officeart/2005/8/layout/orgChart1"/>
+    <dgm:cxn modelId="{B61EF0E1-CC25-4263-8BF4-F8452E9652E2}" type="presParOf" srcId="{22398CBA-C6BA-452D-89CF-8792A30B19FE}" destId="{1EA36F09-1E2E-424B-AE83-4A06C79925DB}" srcOrd="1" destOrd="0" presId="urn:microsoft.com/office/officeart/2005/8/layout/orgChart1"/>
+    <dgm:cxn modelId="{6203D75D-CF34-4DFC-AE55-7790175E6699}" type="presParOf" srcId="{22398CBA-C6BA-452D-89CF-8792A30B19FE}" destId="{E6557275-40E8-45AC-BAB1-361244FF6F24}" srcOrd="2" destOrd="0" presId="urn:microsoft.com/office/officeart/2005/8/layout/orgChart1"/>
+    <dgm:cxn modelId="{F33D1CB9-D21A-4C65-9698-1038BF927904}" type="presParOf" srcId="{4A6B5671-EA50-4300-828E-3EE6E61C229F}" destId="{6B97F897-1555-4E74-BC7A-F8119B3F31BD}" srcOrd="8" destOrd="0" presId="urn:microsoft.com/office/officeart/2005/8/layout/orgChart1"/>
+    <dgm:cxn modelId="{0CD93076-FE60-4BE6-8E92-28EDED9A8E6E}" type="presParOf" srcId="{4A6B5671-EA50-4300-828E-3EE6E61C229F}" destId="{86444678-1ECE-4CA2-A5D7-FA9FE807996A}" srcOrd="9" destOrd="0" presId="urn:microsoft.com/office/officeart/2005/8/layout/orgChart1"/>
+    <dgm:cxn modelId="{13CC2A83-FF8D-4D48-BB8C-078CE4685C33}" type="presParOf" srcId="{86444678-1ECE-4CA2-A5D7-FA9FE807996A}" destId="{4B191085-743B-48A8-AF45-29A08074FAA6}" srcOrd="0" destOrd="0" presId="urn:microsoft.com/office/officeart/2005/8/layout/orgChart1"/>
+    <dgm:cxn modelId="{D5333FCF-E5DC-4D83-A40C-49CAF1E61977}" type="presParOf" srcId="{4B191085-743B-48A8-AF45-29A08074FAA6}" destId="{1D6E1A72-0CCB-4925-886F-31DD3E434CE0}" srcOrd="0" destOrd="0" presId="urn:microsoft.com/office/officeart/2005/8/layout/orgChart1"/>
+    <dgm:cxn modelId="{5E885D3B-DABB-4557-94CA-A2700D188143}" type="presParOf" srcId="{4B191085-743B-48A8-AF45-29A08074FAA6}" destId="{350A869D-338A-4BE8-A39D-B669160D5E64}" srcOrd="1" destOrd="0" presId="urn:microsoft.com/office/officeart/2005/8/layout/orgChart1"/>
+    <dgm:cxn modelId="{40A5EBD7-D088-4F50-A54A-6F9624C14FED}" type="presParOf" srcId="{86444678-1ECE-4CA2-A5D7-FA9FE807996A}" destId="{1FBA0E85-D53F-464D-B722-6E490C135B39}" srcOrd="1" destOrd="0" presId="urn:microsoft.com/office/officeart/2005/8/layout/orgChart1"/>
+    <dgm:cxn modelId="{1CD623E2-C505-4B49-BA7D-33A011992CE3}" type="presParOf" srcId="{86444678-1ECE-4CA2-A5D7-FA9FE807996A}" destId="{265183A8-C8D8-483A-83D7-5F2E7BF87E6A}" srcOrd="2" destOrd="0" presId="urn:microsoft.com/office/officeart/2005/8/layout/orgChart1"/>
+    <dgm:cxn modelId="{452B30F8-916E-4A36-BC5E-803727182009}" type="presParOf" srcId="{4A6B5671-EA50-4300-828E-3EE6E61C229F}" destId="{6E614BD8-6F57-4070-A744-527A8AFABBDC}" srcOrd="10" destOrd="0" presId="urn:microsoft.com/office/officeart/2005/8/layout/orgChart1"/>
+    <dgm:cxn modelId="{CD23B63B-892B-4725-8186-CE745887213A}" type="presParOf" srcId="{4A6B5671-EA50-4300-828E-3EE6E61C229F}" destId="{71D69114-F83A-403D-86E5-4E70649A27EB}" srcOrd="11" destOrd="0" presId="urn:microsoft.com/office/officeart/2005/8/layout/orgChart1"/>
+    <dgm:cxn modelId="{226CA10B-D4E0-452D-8020-46112FAD00EA}" type="presParOf" srcId="{71D69114-F83A-403D-86E5-4E70649A27EB}" destId="{EC470ECF-C16C-40FC-9600-988D2BA9D795}" srcOrd="0" destOrd="0" presId="urn:microsoft.com/office/officeart/2005/8/layout/orgChart1"/>
+    <dgm:cxn modelId="{7F9EB1E9-D190-440E-8092-E20869E2FEFC}" type="presParOf" srcId="{EC470ECF-C16C-40FC-9600-988D2BA9D795}" destId="{0B4C3548-DCBD-4D42-8983-02DC77F07D6B}" srcOrd="0" destOrd="0" presId="urn:microsoft.com/office/officeart/2005/8/layout/orgChart1"/>
+    <dgm:cxn modelId="{A036D041-9F94-44E4-AB46-89C7E4771D01}" type="presParOf" srcId="{EC470ECF-C16C-40FC-9600-988D2BA9D795}" destId="{EA6144A2-DB14-4281-904E-8D06B029E381}" srcOrd="1" destOrd="0" presId="urn:microsoft.com/office/officeart/2005/8/layout/orgChart1"/>
+    <dgm:cxn modelId="{685C2AED-0B7A-44C9-9754-4D27BA8E2ED4}" type="presParOf" srcId="{71D69114-F83A-403D-86E5-4E70649A27EB}" destId="{0A02C126-8E5D-4B4C-94A8-6CFCE90928BA}" srcOrd="1" destOrd="0" presId="urn:microsoft.com/office/officeart/2005/8/layout/orgChart1"/>
+    <dgm:cxn modelId="{F1142A6B-8823-4D1B-984A-E1BC1C60DA04}" type="presParOf" srcId="{71D69114-F83A-403D-86E5-4E70649A27EB}" destId="{6DEA147E-8574-4E60-9A34-7F9284944DED}" srcOrd="2" destOrd="0" presId="urn:microsoft.com/office/officeart/2005/8/layout/orgChart1"/>
+    <dgm:cxn modelId="{0C58C18F-8934-4C7A-8B94-48E10F13FFAB}" type="presParOf" srcId="{4A6B5671-EA50-4300-828E-3EE6E61C229F}" destId="{0D794A20-8A3C-415F-9D67-942CBCED24C5}" srcOrd="12" destOrd="0" presId="urn:microsoft.com/office/officeart/2005/8/layout/orgChart1"/>
+    <dgm:cxn modelId="{92CA24DB-AD3C-4E1B-8CD6-C81D28860373}" type="presParOf" srcId="{4A6B5671-EA50-4300-828E-3EE6E61C229F}" destId="{002B7D56-8207-44D1-888E-995D5DCD8326}" srcOrd="13" destOrd="0" presId="urn:microsoft.com/office/officeart/2005/8/layout/orgChart1"/>
+    <dgm:cxn modelId="{E0CB7C14-3F12-4FCE-8952-8F95D2351DE0}" type="presParOf" srcId="{002B7D56-8207-44D1-888E-995D5DCD8326}" destId="{BDFE2E99-E8AE-4995-BA19-A9638FB67C29}" srcOrd="0" destOrd="0" presId="urn:microsoft.com/office/officeart/2005/8/layout/orgChart1"/>
+    <dgm:cxn modelId="{60C1D5F9-A3C4-4E86-BF6D-BE528CA4F424}" type="presParOf" srcId="{BDFE2E99-E8AE-4995-BA19-A9638FB67C29}" destId="{ED02FAB8-9A57-4CEB-968B-9D9EEF96143F}" srcOrd="0" destOrd="0" presId="urn:microsoft.com/office/officeart/2005/8/layout/orgChart1"/>
+    <dgm:cxn modelId="{D8759EA4-41F4-43DC-A1D8-1B48F7981F02}" type="presParOf" srcId="{BDFE2E99-E8AE-4995-BA19-A9638FB67C29}" destId="{CBCF3629-F2EE-446C-8BE1-B5E69AC19D9A}" srcOrd="1" destOrd="0" presId="urn:microsoft.com/office/officeart/2005/8/layout/orgChart1"/>
+    <dgm:cxn modelId="{83D4ED94-CAA2-4C3F-A345-D9EAA4B5B89A}" type="presParOf" srcId="{002B7D56-8207-44D1-888E-995D5DCD8326}" destId="{5ADBD273-D832-4271-B116-F2D0AAB9014C}" srcOrd="1" destOrd="0" presId="urn:microsoft.com/office/officeart/2005/8/layout/orgChart1"/>
+    <dgm:cxn modelId="{A98E5A82-193C-4CC1-8940-37743012BEB4}" type="presParOf" srcId="{002B7D56-8207-44D1-888E-995D5DCD8326}" destId="{C1710492-AA80-495B-86C1-06444A48B0EB}" srcOrd="2" destOrd="0" presId="urn:microsoft.com/office/officeart/2005/8/layout/orgChart1"/>
+    <dgm:cxn modelId="{F7C8CF68-1672-4F45-89A0-C38745B7FE66}" type="presParOf" srcId="{4A6B5671-EA50-4300-828E-3EE6E61C229F}" destId="{6BB402F4-6899-4C22-B2E7-7754157A8D69}" srcOrd="14" destOrd="0" presId="urn:microsoft.com/office/officeart/2005/8/layout/orgChart1"/>
+    <dgm:cxn modelId="{30F7132E-1D54-4353-AC49-400FECB065FE}" type="presParOf" srcId="{4A6B5671-EA50-4300-828E-3EE6E61C229F}" destId="{866C0075-3BD3-4283-BE58-6C847545B113}" srcOrd="15" destOrd="0" presId="urn:microsoft.com/office/officeart/2005/8/layout/orgChart1"/>
+    <dgm:cxn modelId="{906AC57F-0C4E-4D7C-8E03-94F5903E6910}" type="presParOf" srcId="{866C0075-3BD3-4283-BE58-6C847545B113}" destId="{A2DC4D2C-AF9C-48BE-AC8A-4D5A3FAD7FB9}" srcOrd="0" destOrd="0" presId="urn:microsoft.com/office/officeart/2005/8/layout/orgChart1"/>
+    <dgm:cxn modelId="{510AB091-849C-4280-9B7A-A4D8D4240F2B}" type="presParOf" srcId="{A2DC4D2C-AF9C-48BE-AC8A-4D5A3FAD7FB9}" destId="{17A061EB-22ED-47DA-B8FA-E23925F2334C}" srcOrd="0" destOrd="0" presId="urn:microsoft.com/office/officeart/2005/8/layout/orgChart1"/>
+    <dgm:cxn modelId="{AC862C45-2489-46F2-AE18-5C6E67064509}" type="presParOf" srcId="{A2DC4D2C-AF9C-48BE-AC8A-4D5A3FAD7FB9}" destId="{CF99BF77-E588-4CF7-B6CF-0B986192FF80}" srcOrd="1" destOrd="0" presId="urn:microsoft.com/office/officeart/2005/8/layout/orgChart1"/>
+    <dgm:cxn modelId="{EC2957CE-17B5-4190-A82B-8A3C44BDA103}" type="presParOf" srcId="{866C0075-3BD3-4283-BE58-6C847545B113}" destId="{FC5F7AA5-553D-4A13-8AED-85C48CD6171A}" srcOrd="1" destOrd="0" presId="urn:microsoft.com/office/officeart/2005/8/layout/orgChart1"/>
+    <dgm:cxn modelId="{7D4D16FE-8D95-4EF9-BFDE-6148535B7E68}" type="presParOf" srcId="{866C0075-3BD3-4283-BE58-6C847545B113}" destId="{A37F24A3-B3B9-4F30-BAE5-AA6941B270ED}" srcOrd="2" destOrd="0" presId="urn:microsoft.com/office/officeart/2005/8/layout/orgChart1"/>
+    <dgm:cxn modelId="{29AAF251-6B05-4B96-AE33-6FC438E5BB92}" type="presParOf" srcId="{2A641BF4-BB02-4390-88F4-D099BFDC28CF}" destId="{8A86FEC2-6718-46FE-A370-0342ACF303E1}" srcOrd="8" destOrd="0" presId="urn:microsoft.com/office/officeart/2005/8/layout/orgChart1"/>
+    <dgm:cxn modelId="{AA78F371-5F4E-4C8F-953C-384C4A3C3670}" type="presParOf" srcId="{2A641BF4-BB02-4390-88F4-D099BFDC28CF}" destId="{FB70ECF8-9211-4C87-AA0E-DC1325992257}" srcOrd="9" destOrd="0" presId="urn:microsoft.com/office/officeart/2005/8/layout/orgChart1"/>
     <dgm:cxn modelId="{C6FBF22A-D330-452F-BB9E-0A4D20B9D153}" type="presParOf" srcId="{FB70ECF8-9211-4C87-AA0E-DC1325992257}" destId="{DB0BEB81-8421-499E-9D63-E22A4131ED02}" srcOrd="0" destOrd="0" presId="urn:microsoft.com/office/officeart/2005/8/layout/orgChart1"/>
     <dgm:cxn modelId="{2B754380-90FF-4C82-AC24-D7E8EFDD4C57}" type="presParOf" srcId="{DB0BEB81-8421-499E-9D63-E22A4131ED02}" destId="{BD989610-072D-44CD-9333-4475C63B1B88}" srcOrd="0" destOrd="0" presId="urn:microsoft.com/office/officeart/2005/8/layout/orgChart1"/>
     <dgm:cxn modelId="{0FA50E81-623A-4821-81A3-9A033D8F913B}" type="presParOf" srcId="{DB0BEB81-8421-499E-9D63-E22A4131ED02}" destId="{E55CB309-9971-4A1C-AA94-2CB36CF5F2D5}" srcOrd="1" destOrd="0" presId="urn:microsoft.com/office/officeart/2005/8/layout/orgChart1"/>
@@ -5172,8 +6222,8 @@
     <dgm:cxn modelId="{1762108C-B672-4189-9ACE-149D9B262ACF}" type="presParOf" srcId="{AF62CF39-98F3-4A40-9C22-53525FDAC7E2}" destId="{7B32ABA5-A43D-4770-A7B1-88984F475AFE}" srcOrd="1" destOrd="0" presId="urn:microsoft.com/office/officeart/2005/8/layout/orgChart1"/>
     <dgm:cxn modelId="{F554709B-AB38-4551-B983-A012FD41AB68}" type="presParOf" srcId="{01473ACA-8D07-4A40-9C4C-F55F4D71D1F9}" destId="{B707D197-E342-45C5-952D-65D378A03A75}" srcOrd="1" destOrd="0" presId="urn:microsoft.com/office/officeart/2005/8/layout/orgChart1"/>
     <dgm:cxn modelId="{8A0A2D5F-353B-4E3B-94B1-93C68D5ABA21}" type="presParOf" srcId="{01473ACA-8D07-4A40-9C4C-F55F4D71D1F9}" destId="{53338E28-D78B-496C-964C-312C3038AEEC}" srcOrd="2" destOrd="0" presId="urn:microsoft.com/office/officeart/2005/8/layout/orgChart1"/>
-    <dgm:cxn modelId="{BA1724F5-3952-4B75-938F-9E1D82B153A3}" type="presParOf" srcId="{2A641BF4-BB02-4390-88F4-D099BFDC28CF}" destId="{FF6D2932-AE1B-4BDE-A906-C38313DF115E}" srcOrd="8" destOrd="0" presId="urn:microsoft.com/office/officeart/2005/8/layout/orgChart1"/>
-    <dgm:cxn modelId="{8794D9BD-9FC6-4E96-878C-1CC9AB75A472}" type="presParOf" srcId="{2A641BF4-BB02-4390-88F4-D099BFDC28CF}" destId="{D676BD6E-F15B-4EAC-B32B-513D60715544}" srcOrd="9" destOrd="0" presId="urn:microsoft.com/office/officeart/2005/8/layout/orgChart1"/>
+    <dgm:cxn modelId="{BA1724F5-3952-4B75-938F-9E1D82B153A3}" type="presParOf" srcId="{2A641BF4-BB02-4390-88F4-D099BFDC28CF}" destId="{FF6D2932-AE1B-4BDE-A906-C38313DF115E}" srcOrd="10" destOrd="0" presId="urn:microsoft.com/office/officeart/2005/8/layout/orgChart1"/>
+    <dgm:cxn modelId="{8794D9BD-9FC6-4E96-878C-1CC9AB75A472}" type="presParOf" srcId="{2A641BF4-BB02-4390-88F4-D099BFDC28CF}" destId="{D676BD6E-F15B-4EAC-B32B-513D60715544}" srcOrd="11" destOrd="0" presId="urn:microsoft.com/office/officeart/2005/8/layout/orgChart1"/>
     <dgm:cxn modelId="{18298B18-2AF4-47A8-A1E9-CDA8C77E24BF}" type="presParOf" srcId="{D676BD6E-F15B-4EAC-B32B-513D60715544}" destId="{D2DAB04A-85E0-4075-BC67-A1E24253AAB9}" srcOrd="0" destOrd="0" presId="urn:microsoft.com/office/officeart/2005/8/layout/orgChart1"/>
     <dgm:cxn modelId="{080F9E40-7D9B-4797-ADF9-35902DBBBFCB}" type="presParOf" srcId="{D2DAB04A-85E0-4075-BC67-A1E24253AAB9}" destId="{8EDD4C9F-41A6-4BF3-ACD8-E3DDBBD245E6}" srcOrd="0" destOrd="0" presId="urn:microsoft.com/office/officeart/2005/8/layout/orgChart1"/>
     <dgm:cxn modelId="{5316D21D-EC10-4AF2-9E57-5824A29996A9}" type="presParOf" srcId="{D2DAB04A-85E0-4075-BC67-A1E24253AAB9}" destId="{9FAADA75-86B5-4859-A5E7-56F98170838E}" srcOrd="1" destOrd="0" presId="urn:microsoft.com/office/officeart/2005/8/layout/orgChart1"/>
@@ -5221,8 +6271,8 @@
     <dgm:cxn modelId="{15E8DAB9-A117-434A-8B0E-A5A9CBCC7A31}" type="presParOf" srcId="{BF45E097-B73E-4574-8F45-91DD281FD14B}" destId="{0A69BB17-0E1B-4707-A533-28B376249E37}" srcOrd="1" destOrd="0" presId="urn:microsoft.com/office/officeart/2005/8/layout/orgChart1"/>
     <dgm:cxn modelId="{17390B19-5E71-4357-9629-3E5135270EC7}" type="presParOf" srcId="{4CCA1063-1D27-4ACC-88C2-C3E260BC059F}" destId="{C4351426-7088-4E38-B3B8-FB52EB53E430}" srcOrd="1" destOrd="0" presId="urn:microsoft.com/office/officeart/2005/8/layout/orgChart1"/>
     <dgm:cxn modelId="{4884E12F-AB46-4AA5-A382-2760339377A2}" type="presParOf" srcId="{4CCA1063-1D27-4ACC-88C2-C3E260BC059F}" destId="{FCCB56CE-8C3A-4BD6-998F-7B220EFF102A}" srcOrd="2" destOrd="0" presId="urn:microsoft.com/office/officeart/2005/8/layout/orgChart1"/>
-    <dgm:cxn modelId="{BEBCABCA-3C68-47CE-8E5A-F41661B46778}" type="presParOf" srcId="{2A641BF4-BB02-4390-88F4-D099BFDC28CF}" destId="{15BDE811-17CE-4DA8-9162-A6C8D3E48BDB}" srcOrd="10" destOrd="0" presId="urn:microsoft.com/office/officeart/2005/8/layout/orgChart1"/>
-    <dgm:cxn modelId="{75348F97-B07A-4A1C-B574-7848CD5C3B19}" type="presParOf" srcId="{2A641BF4-BB02-4390-88F4-D099BFDC28CF}" destId="{C67AF8F3-A181-4CC6-B0B3-FD35CB2DCC0A}" srcOrd="11" destOrd="0" presId="urn:microsoft.com/office/officeart/2005/8/layout/orgChart1"/>
+    <dgm:cxn modelId="{BEBCABCA-3C68-47CE-8E5A-F41661B46778}" type="presParOf" srcId="{2A641BF4-BB02-4390-88F4-D099BFDC28CF}" destId="{15BDE811-17CE-4DA8-9162-A6C8D3E48BDB}" srcOrd="12" destOrd="0" presId="urn:microsoft.com/office/officeart/2005/8/layout/orgChart1"/>
+    <dgm:cxn modelId="{75348F97-B07A-4A1C-B574-7848CD5C3B19}" type="presParOf" srcId="{2A641BF4-BB02-4390-88F4-D099BFDC28CF}" destId="{C67AF8F3-A181-4CC6-B0B3-FD35CB2DCC0A}" srcOrd="13" destOrd="0" presId="urn:microsoft.com/office/officeart/2005/8/layout/orgChart1"/>
     <dgm:cxn modelId="{E062C098-2CA4-4CDD-A0EE-DAB3CA52409C}" type="presParOf" srcId="{C67AF8F3-A181-4CC6-B0B3-FD35CB2DCC0A}" destId="{1700C327-E664-4309-969E-28553B7A4E9C}" srcOrd="0" destOrd="0" presId="urn:microsoft.com/office/officeart/2005/8/layout/orgChart1"/>
     <dgm:cxn modelId="{BE5CC714-3FE3-4A8C-8073-B703D9B3AD44}" type="presParOf" srcId="{1700C327-E664-4309-969E-28553B7A4E9C}" destId="{3FCF524F-4B2D-44FD-942D-4FC7D10F4E3B}" srcOrd="0" destOrd="0" presId="urn:microsoft.com/office/officeart/2005/8/layout/orgChart1"/>
     <dgm:cxn modelId="{CB76CEAB-AEF3-4AFD-8C5B-FDFDAA0C65F9}" type="presParOf" srcId="{1700C327-E664-4309-969E-28553B7A4E9C}" destId="{29188F3E-4D79-44E4-B2DA-6B0DDBE49240}" srcOrd="1" destOrd="0" presId="urn:microsoft.com/office/officeart/2005/8/layout/orgChart1"/>
@@ -5277,8 +6327,8 @@
     <dgm:cxn modelId="{B39CB904-0F68-482F-8878-B707A992BB9E}" type="presParOf" srcId="{A3F978AF-9FB4-4C53-8156-B0B05752F0FF}" destId="{F0931E07-0F79-480E-BC9F-CEB3ED830761}" srcOrd="1" destOrd="0" presId="urn:microsoft.com/office/officeart/2005/8/layout/orgChart1"/>
     <dgm:cxn modelId="{168CA8F9-051E-497D-A2A2-93622D756621}" type="presParOf" srcId="{6C481950-A71B-4C0B-BBC2-A7A0C4195FCC}" destId="{7FCE3646-4724-487D-9753-C52425A2BC63}" srcOrd="1" destOrd="0" presId="urn:microsoft.com/office/officeart/2005/8/layout/orgChart1"/>
     <dgm:cxn modelId="{6DB8029E-FF52-410D-8052-F9CECA013A6A}" type="presParOf" srcId="{6C481950-A71B-4C0B-BBC2-A7A0C4195FCC}" destId="{737F5442-EE07-40E2-96EF-B19DFB55FA54}" srcOrd="2" destOrd="0" presId="urn:microsoft.com/office/officeart/2005/8/layout/orgChart1"/>
-    <dgm:cxn modelId="{78517B2B-1423-40A1-82B2-61822BB11B35}" type="presParOf" srcId="{2A641BF4-BB02-4390-88F4-D099BFDC28CF}" destId="{AEE51843-F6AA-432F-8952-AFFCB8D1881F}" srcOrd="12" destOrd="0" presId="urn:microsoft.com/office/officeart/2005/8/layout/orgChart1"/>
-    <dgm:cxn modelId="{C3643415-5A48-47C3-9F0B-F37D805D514B}" type="presParOf" srcId="{2A641BF4-BB02-4390-88F4-D099BFDC28CF}" destId="{F0FC6E96-5EA4-437E-B7C5-18469F139427}" srcOrd="13" destOrd="0" presId="urn:microsoft.com/office/officeart/2005/8/layout/orgChart1"/>
+    <dgm:cxn modelId="{78517B2B-1423-40A1-82B2-61822BB11B35}" type="presParOf" srcId="{2A641BF4-BB02-4390-88F4-D099BFDC28CF}" destId="{AEE51843-F6AA-432F-8952-AFFCB8D1881F}" srcOrd="14" destOrd="0" presId="urn:microsoft.com/office/officeart/2005/8/layout/orgChart1"/>
+    <dgm:cxn modelId="{C3643415-5A48-47C3-9F0B-F37D805D514B}" type="presParOf" srcId="{2A641BF4-BB02-4390-88F4-D099BFDC28CF}" destId="{F0FC6E96-5EA4-437E-B7C5-18469F139427}" srcOrd="15" destOrd="0" presId="urn:microsoft.com/office/officeart/2005/8/layout/orgChart1"/>
     <dgm:cxn modelId="{9F3AEF9F-8BA3-44A7-B90F-2026505397A7}" type="presParOf" srcId="{F0FC6E96-5EA4-437E-B7C5-18469F139427}" destId="{36A9E861-FA8C-4FA9-91EA-4F7F17E69A16}" srcOrd="0" destOrd="0" presId="urn:microsoft.com/office/officeart/2005/8/layout/orgChart1"/>
     <dgm:cxn modelId="{98761748-554C-428C-B231-7A22F0FBA940}" type="presParOf" srcId="{36A9E861-FA8C-4FA9-91EA-4F7F17E69A16}" destId="{A671F663-21D9-43F4-8EE0-2896E9628F81}" srcOrd="0" destOrd="0" presId="urn:microsoft.com/office/officeart/2005/8/layout/orgChart1"/>
     <dgm:cxn modelId="{FB18D514-78B1-4274-AC03-B4E1DC24CB67}" type="presParOf" srcId="{36A9E861-FA8C-4FA9-91EA-4F7F17E69A16}" destId="{548C28C3-812E-4FC5-99B3-54A70C6632DD}" srcOrd="1" destOrd="0" presId="urn:microsoft.com/office/officeart/2005/8/layout/orgChart1"/>
@@ -5324,8 +6374,8 @@
       </dsp:nvSpPr>
       <dsp:spPr>
         <a:xfrm>
-          <a:off x="7214011" y="11483450"/>
-          <a:ext cx="91440" cy="377450"/>
+          <a:off x="10895410" y="10187827"/>
+          <a:ext cx="91440" cy="303943"/>
         </a:xfrm>
         <a:custGeom>
           <a:avLst/>
@@ -5339,10 +6389,10 @@
                 <a:pt x="45720" y="0"/>
               </a:moveTo>
               <a:lnTo>
-                <a:pt x="45720" y="377450"/>
+                <a:pt x="45720" y="303943"/>
               </a:lnTo>
               <a:lnTo>
-                <a:pt x="131877" y="377450"/>
+                <a:pt x="115098" y="303943"/>
               </a:lnTo>
             </a:path>
           </a:pathLst>
@@ -5383,8 +6433,8 @@
       </dsp:nvSpPr>
       <dsp:spPr>
         <a:xfrm>
-          <a:off x="7127854" y="11483450"/>
-          <a:ext cx="91440" cy="377450"/>
+          <a:off x="10826031" y="10187827"/>
+          <a:ext cx="91440" cy="303943"/>
         </a:xfrm>
         <a:custGeom>
           <a:avLst/>
@@ -5395,13 +6445,13 @@
           <a:pathLst>
             <a:path>
               <a:moveTo>
-                <a:pt x="131877" y="0"/>
+                <a:pt x="115098" y="0"/>
               </a:moveTo>
               <a:lnTo>
-                <a:pt x="131877" y="377450"/>
+                <a:pt x="115098" y="303943"/>
               </a:lnTo>
               <a:lnTo>
-                <a:pt x="45720" y="377450"/>
+                <a:pt x="45720" y="303943"/>
               </a:lnTo>
             </a:path>
           </a:pathLst>
@@ -5442,8 +6492,8 @@
       </dsp:nvSpPr>
       <dsp:spPr>
         <a:xfrm>
-          <a:off x="7670003" y="414314"/>
-          <a:ext cx="2071873" cy="10863999"/>
+          <a:off x="10141627" y="336106"/>
+          <a:ext cx="469129" cy="9686534"/>
         </a:xfrm>
         <a:custGeom>
           <a:avLst/>
@@ -5454,13 +6504,13 @@
           <a:pathLst>
             <a:path>
               <a:moveTo>
-                <a:pt x="2071873" y="0"/>
+                <a:pt x="0" y="0"/>
               </a:moveTo>
               <a:lnTo>
-                <a:pt x="2071873" y="10863999"/>
+                <a:pt x="0" y="9686534"/>
               </a:lnTo>
               <a:lnTo>
-                <a:pt x="0" y="10863999"/>
+                <a:pt x="469129" y="9686534"/>
               </a:lnTo>
             </a:path>
           </a:pathLst>
@@ -5501,8 +6551,8 @@
       </dsp:nvSpPr>
       <dsp:spPr>
         <a:xfrm>
-          <a:off x="11681872" y="9153106"/>
-          <a:ext cx="91440" cy="1542622"/>
+          <a:off x="8896654" y="10656957"/>
+          <a:ext cx="91440" cy="1242202"/>
         </a:xfrm>
         <a:custGeom>
           <a:avLst/>
@@ -5516,10 +6566,10 @@
                 <a:pt x="45720" y="0"/>
               </a:moveTo>
               <a:lnTo>
-                <a:pt x="45720" y="1542622"/>
+                <a:pt x="45720" y="1242202"/>
               </a:lnTo>
               <a:lnTo>
-                <a:pt x="131877" y="1542622"/>
+                <a:pt x="115098" y="1242202"/>
               </a:lnTo>
             </a:path>
           </a:pathLst>
@@ -5560,8 +6610,8 @@
       </dsp:nvSpPr>
       <dsp:spPr>
         <a:xfrm>
-          <a:off x="10648577" y="9153106"/>
-          <a:ext cx="1079015" cy="1542622"/>
+          <a:off x="8073493" y="10656957"/>
+          <a:ext cx="868880" cy="1242202"/>
         </a:xfrm>
         <a:custGeom>
           <a:avLst/>
@@ -5572,13 +6622,13 @@
           <a:pathLst>
             <a:path>
               <a:moveTo>
-                <a:pt x="1079015" y="0"/>
+                <a:pt x="868880" y="0"/>
               </a:moveTo>
               <a:lnTo>
-                <a:pt x="1079015" y="1542622"/>
+                <a:pt x="868880" y="1242202"/>
               </a:lnTo>
               <a:lnTo>
-                <a:pt x="0" y="1542622"/>
+                <a:pt x="0" y="1242202"/>
               </a:lnTo>
             </a:path>
           </a:pathLst>
@@ -5619,8 +6669,8 @@
       </dsp:nvSpPr>
       <dsp:spPr>
         <a:xfrm>
-          <a:off x="11681872" y="9153106"/>
-          <a:ext cx="91440" cy="377450"/>
+          <a:off x="8896654" y="10656957"/>
+          <a:ext cx="91440" cy="303943"/>
         </a:xfrm>
         <a:custGeom>
           <a:avLst/>
@@ -5634,10 +6684,10 @@
                 <a:pt x="45720" y="0"/>
               </a:moveTo>
               <a:lnTo>
-                <a:pt x="45720" y="377450"/>
+                <a:pt x="45720" y="303943"/>
               </a:lnTo>
               <a:lnTo>
-                <a:pt x="131877" y="377450"/>
+                <a:pt x="115098" y="303943"/>
               </a:lnTo>
             </a:path>
           </a:pathLst>
@@ -5678,8 +6728,8 @@
       </dsp:nvSpPr>
       <dsp:spPr>
         <a:xfrm>
-          <a:off x="10689014" y="9735692"/>
-          <a:ext cx="91440" cy="377450"/>
+          <a:off x="8097151" y="11126086"/>
+          <a:ext cx="91440" cy="303943"/>
         </a:xfrm>
         <a:custGeom>
           <a:avLst/>
@@ -5693,10 +6743,10 @@
                 <a:pt x="45720" y="0"/>
               </a:moveTo>
               <a:lnTo>
-                <a:pt x="45720" y="377450"/>
+                <a:pt x="45720" y="303943"/>
               </a:lnTo>
               <a:lnTo>
-                <a:pt x="131877" y="377450"/>
+                <a:pt x="115098" y="303943"/>
               </a:lnTo>
             </a:path>
           </a:pathLst>
@@ -5737,8 +6787,8 @@
       </dsp:nvSpPr>
       <dsp:spPr>
         <a:xfrm>
-          <a:off x="10602857" y="9735692"/>
-          <a:ext cx="91440" cy="377450"/>
+          <a:off x="8027773" y="11126086"/>
+          <a:ext cx="91440" cy="303943"/>
         </a:xfrm>
         <a:custGeom>
           <a:avLst/>
@@ -5749,13 +6799,13 @@
           <a:pathLst>
             <a:path>
               <a:moveTo>
-                <a:pt x="131877" y="0"/>
+                <a:pt x="115098" y="0"/>
               </a:moveTo>
               <a:lnTo>
-                <a:pt x="131877" y="377450"/>
+                <a:pt x="115098" y="303943"/>
               </a:lnTo>
               <a:lnTo>
-                <a:pt x="45720" y="377450"/>
+                <a:pt x="45720" y="303943"/>
               </a:lnTo>
             </a:path>
           </a:pathLst>
@@ -5796,8 +6846,8 @@
       </dsp:nvSpPr>
       <dsp:spPr>
         <a:xfrm>
-          <a:off x="11145006" y="9153106"/>
-          <a:ext cx="582586" cy="377450"/>
+          <a:off x="8473244" y="10656957"/>
+          <a:ext cx="469129" cy="303943"/>
         </a:xfrm>
         <a:custGeom>
           <a:avLst/>
@@ -5808,13 +6858,13 @@
           <a:pathLst>
             <a:path>
               <a:moveTo>
-                <a:pt x="582586" y="0"/>
+                <a:pt x="469129" y="0"/>
               </a:moveTo>
               <a:lnTo>
-                <a:pt x="582586" y="377450"/>
+                <a:pt x="469129" y="303943"/>
               </a:lnTo>
               <a:lnTo>
-                <a:pt x="0" y="377450"/>
+                <a:pt x="0" y="303943"/>
               </a:lnTo>
             </a:path>
           </a:pathLst>
@@ -5855,8 +6905,8 @@
       </dsp:nvSpPr>
       <dsp:spPr>
         <a:xfrm>
-          <a:off x="12137864" y="8570520"/>
-          <a:ext cx="582586" cy="377450"/>
+          <a:off x="9272746" y="10187827"/>
+          <a:ext cx="469129" cy="303943"/>
         </a:xfrm>
         <a:custGeom>
           <a:avLst/>
@@ -5867,13 +6917,13 @@
           <a:pathLst>
             <a:path>
               <a:moveTo>
-                <a:pt x="582586" y="0"/>
+                <a:pt x="469129" y="0"/>
               </a:moveTo>
               <a:lnTo>
-                <a:pt x="582586" y="377450"/>
+                <a:pt x="469129" y="303943"/>
               </a:lnTo>
               <a:lnTo>
-                <a:pt x="0" y="377450"/>
+                <a:pt x="0" y="303943"/>
               </a:lnTo>
             </a:path>
           </a:pathLst>
@@ -5914,8 +6964,8 @@
       </dsp:nvSpPr>
       <dsp:spPr>
         <a:xfrm>
-          <a:off x="9741876" y="414314"/>
-          <a:ext cx="2568302" cy="7951069"/>
+          <a:off x="10026529" y="336106"/>
+          <a:ext cx="91440" cy="9686534"/>
         </a:xfrm>
         <a:custGeom>
           <a:avLst/>
@@ -5926,13 +6976,13 @@
           <a:pathLst>
             <a:path>
               <a:moveTo>
-                <a:pt x="0" y="0"/>
+                <a:pt x="115098" y="0"/>
               </a:moveTo>
               <a:lnTo>
-                <a:pt x="0" y="7951069"/>
+                <a:pt x="115098" y="9686534"/>
               </a:lnTo>
               <a:lnTo>
-                <a:pt x="2568302" y="7951069"/>
+                <a:pt x="45720" y="9686534"/>
               </a:lnTo>
             </a:path>
           </a:pathLst>
@@ -5973,8 +7023,8 @@
       </dsp:nvSpPr>
       <dsp:spPr>
         <a:xfrm>
-          <a:off x="7127854" y="9153106"/>
-          <a:ext cx="91440" cy="1542622"/>
+          <a:off x="10826031" y="8311309"/>
+          <a:ext cx="91440" cy="1242202"/>
         </a:xfrm>
         <a:custGeom>
           <a:avLst/>
@@ -5985,13 +7035,13 @@
           <a:pathLst>
             <a:path>
               <a:moveTo>
-                <a:pt x="131877" y="0"/>
+                <a:pt x="115098" y="0"/>
               </a:moveTo>
               <a:lnTo>
-                <a:pt x="131877" y="1542622"/>
+                <a:pt x="115098" y="1242202"/>
               </a:lnTo>
               <a:lnTo>
-                <a:pt x="45720" y="1542622"/>
+                <a:pt x="45720" y="1242202"/>
               </a:lnTo>
             </a:path>
           </a:pathLst>
@@ -6032,8 +7082,8 @@
       </dsp:nvSpPr>
       <dsp:spPr>
         <a:xfrm>
-          <a:off x="7214011" y="9153106"/>
-          <a:ext cx="91440" cy="960036"/>
+          <a:off x="10895410" y="8311309"/>
+          <a:ext cx="91440" cy="773072"/>
         </a:xfrm>
         <a:custGeom>
           <a:avLst/>
@@ -6047,10 +7097,10 @@
                 <a:pt x="45720" y="0"/>
               </a:moveTo>
               <a:lnTo>
-                <a:pt x="45720" y="960036"/>
+                <a:pt x="45720" y="773072"/>
               </a:lnTo>
               <a:lnTo>
-                <a:pt x="131877" y="960036"/>
+                <a:pt x="115098" y="773072"/>
               </a:lnTo>
             </a:path>
           </a:pathLst>
@@ -6091,8 +7141,8 @@
       </dsp:nvSpPr>
       <dsp:spPr>
         <a:xfrm>
-          <a:off x="7127854" y="9153106"/>
-          <a:ext cx="91440" cy="960036"/>
+          <a:off x="10826031" y="8311309"/>
+          <a:ext cx="91440" cy="773072"/>
         </a:xfrm>
         <a:custGeom>
           <a:avLst/>
@@ -6103,13 +7153,13 @@
           <a:pathLst>
             <a:path>
               <a:moveTo>
-                <a:pt x="131877" y="0"/>
+                <a:pt x="115098" y="0"/>
               </a:moveTo>
               <a:lnTo>
-                <a:pt x="131877" y="960036"/>
+                <a:pt x="115098" y="773072"/>
               </a:lnTo>
               <a:lnTo>
-                <a:pt x="45720" y="960036"/>
+                <a:pt x="45720" y="773072"/>
               </a:lnTo>
             </a:path>
           </a:pathLst>
@@ -6150,8 +7200,8 @@
       </dsp:nvSpPr>
       <dsp:spPr>
         <a:xfrm>
-          <a:off x="7214011" y="9153106"/>
-          <a:ext cx="91440" cy="377450"/>
+          <a:off x="10895410" y="8311309"/>
+          <a:ext cx="91440" cy="303943"/>
         </a:xfrm>
         <a:custGeom>
           <a:avLst/>
@@ -6165,10 +7215,10 @@
                 <a:pt x="45720" y="0"/>
               </a:moveTo>
               <a:lnTo>
-                <a:pt x="45720" y="377450"/>
+                <a:pt x="45720" y="303943"/>
               </a:lnTo>
               <a:lnTo>
-                <a:pt x="131877" y="377450"/>
+                <a:pt x="115098" y="303943"/>
               </a:lnTo>
             </a:path>
           </a:pathLst>
@@ -6209,8 +7259,8 @@
       </dsp:nvSpPr>
       <dsp:spPr>
         <a:xfrm>
-          <a:off x="7127854" y="9153106"/>
-          <a:ext cx="91440" cy="377450"/>
+          <a:off x="10826031" y="8311309"/>
+          <a:ext cx="91440" cy="303943"/>
         </a:xfrm>
         <a:custGeom>
           <a:avLst/>
@@ -6221,13 +7271,13 @@
           <a:pathLst>
             <a:path>
               <a:moveTo>
-                <a:pt x="131877" y="0"/>
+                <a:pt x="115098" y="0"/>
               </a:moveTo>
               <a:lnTo>
-                <a:pt x="131877" y="377450"/>
+                <a:pt x="115098" y="303943"/>
               </a:lnTo>
               <a:lnTo>
-                <a:pt x="45720" y="377450"/>
+                <a:pt x="45720" y="303943"/>
               </a:lnTo>
             </a:path>
           </a:pathLst>
@@ -6268,8 +7318,8 @@
       </dsp:nvSpPr>
       <dsp:spPr>
         <a:xfrm>
-          <a:off x="7670003" y="8570520"/>
-          <a:ext cx="582586" cy="377450"/>
+          <a:off x="11271503" y="7842179"/>
+          <a:ext cx="469129" cy="303943"/>
         </a:xfrm>
         <a:custGeom>
           <a:avLst/>
@@ -6280,13 +7330,13 @@
           <a:pathLst>
             <a:path>
               <a:moveTo>
-                <a:pt x="582586" y="0"/>
+                <a:pt x="469129" y="0"/>
               </a:moveTo>
               <a:lnTo>
-                <a:pt x="582586" y="377450"/>
+                <a:pt x="469129" y="303943"/>
               </a:lnTo>
               <a:lnTo>
-                <a:pt x="0" y="377450"/>
+                <a:pt x="0" y="303943"/>
               </a:lnTo>
             </a:path>
           </a:pathLst>
@@ -6327,8 +7377,8 @@
       </dsp:nvSpPr>
       <dsp:spPr>
         <a:xfrm>
-          <a:off x="8662861" y="414314"/>
-          <a:ext cx="1079015" cy="7951069"/>
+          <a:off x="10141627" y="336106"/>
+          <a:ext cx="1268632" cy="7340886"/>
         </a:xfrm>
         <a:custGeom>
           <a:avLst/>
@@ -6339,13 +7389,13 @@
           <a:pathLst>
             <a:path>
               <a:moveTo>
-                <a:pt x="1079015" y="0"/>
+                <a:pt x="0" y="0"/>
               </a:moveTo>
               <a:lnTo>
-                <a:pt x="1079015" y="7951069"/>
+                <a:pt x="0" y="7340886"/>
               </a:lnTo>
               <a:lnTo>
-                <a:pt x="0" y="7951069"/>
+                <a:pt x="1268632" y="7340886"/>
               </a:lnTo>
             </a:path>
           </a:pathLst>
@@ -6386,8 +7436,8 @@
       </dsp:nvSpPr>
       <dsp:spPr>
         <a:xfrm>
-          <a:off x="10689014" y="5657589"/>
-          <a:ext cx="91440" cy="960036"/>
+          <a:off x="8097151" y="7842179"/>
+          <a:ext cx="91440" cy="773072"/>
         </a:xfrm>
         <a:custGeom>
           <a:avLst/>
@@ -6401,10 +7451,10 @@
                 <a:pt x="45720" y="0"/>
               </a:moveTo>
               <a:lnTo>
-                <a:pt x="45720" y="960036"/>
+                <a:pt x="45720" y="773072"/>
               </a:lnTo>
               <a:lnTo>
-                <a:pt x="131877" y="960036"/>
+                <a:pt x="115098" y="773072"/>
               </a:lnTo>
             </a:path>
           </a:pathLst>
@@ -6445,8 +7495,8 @@
       </dsp:nvSpPr>
       <dsp:spPr>
         <a:xfrm>
-          <a:off x="10602857" y="5657589"/>
-          <a:ext cx="91440" cy="960036"/>
+          <a:off x="8027773" y="7842179"/>
+          <a:ext cx="91440" cy="773072"/>
         </a:xfrm>
         <a:custGeom>
           <a:avLst/>
@@ -6457,13 +7507,13 @@
           <a:pathLst>
             <a:path>
               <a:moveTo>
-                <a:pt x="131877" y="0"/>
+                <a:pt x="115098" y="0"/>
               </a:moveTo>
               <a:lnTo>
-                <a:pt x="131877" y="960036"/>
+                <a:pt x="115098" y="773072"/>
               </a:lnTo>
               <a:lnTo>
-                <a:pt x="45720" y="960036"/>
+                <a:pt x="45720" y="773072"/>
               </a:lnTo>
             </a:path>
           </a:pathLst>
@@ -6504,8 +7554,8 @@
       </dsp:nvSpPr>
       <dsp:spPr>
         <a:xfrm>
-          <a:off x="10689014" y="5657589"/>
-          <a:ext cx="91440" cy="377450"/>
+          <a:off x="8097151" y="7842179"/>
+          <a:ext cx="91440" cy="303943"/>
         </a:xfrm>
         <a:custGeom>
           <a:avLst/>
@@ -6519,10 +7569,10 @@
                 <a:pt x="45720" y="0"/>
               </a:moveTo>
               <a:lnTo>
-                <a:pt x="45720" y="377450"/>
+                <a:pt x="45720" y="303943"/>
               </a:lnTo>
               <a:lnTo>
-                <a:pt x="131877" y="377450"/>
+                <a:pt x="115098" y="303943"/>
               </a:lnTo>
             </a:path>
           </a:pathLst>
@@ -6563,8 +7613,8 @@
       </dsp:nvSpPr>
       <dsp:spPr>
         <a:xfrm>
-          <a:off x="10602857" y="5657589"/>
-          <a:ext cx="91440" cy="377450"/>
+          <a:off x="8027773" y="7842179"/>
+          <a:ext cx="91440" cy="303943"/>
         </a:xfrm>
         <a:custGeom>
           <a:avLst/>
@@ -6575,13 +7625,13 @@
           <a:pathLst>
             <a:path>
               <a:moveTo>
-                <a:pt x="131877" y="0"/>
+                <a:pt x="115098" y="0"/>
               </a:moveTo>
               <a:lnTo>
-                <a:pt x="131877" y="377450"/>
+                <a:pt x="115098" y="303943"/>
               </a:lnTo>
               <a:lnTo>
-                <a:pt x="45720" y="377450"/>
+                <a:pt x="45720" y="303943"/>
               </a:lnTo>
             </a:path>
           </a:pathLst>
@@ -6622,8 +7672,8 @@
       </dsp:nvSpPr>
       <dsp:spPr>
         <a:xfrm>
-          <a:off x="9741876" y="414314"/>
-          <a:ext cx="582586" cy="5038138"/>
+          <a:off x="8473244" y="336106"/>
+          <a:ext cx="1668383" cy="7340886"/>
         </a:xfrm>
         <a:custGeom>
           <a:avLst/>
@@ -6634,13 +7684,13 @@
           <a:pathLst>
             <a:path>
               <a:moveTo>
-                <a:pt x="0" y="0"/>
+                <a:pt x="1668383" y="0"/>
               </a:moveTo>
               <a:lnTo>
-                <a:pt x="0" y="5038138"/>
+                <a:pt x="1668383" y="7340886"/>
               </a:lnTo>
               <a:lnTo>
-                <a:pt x="582586" y="5038138"/>
+                <a:pt x="0" y="7340886"/>
               </a:lnTo>
             </a:path>
           </a:pathLst>
@@ -6674,15 +7724,15 @@
         <a:fontRef idx="minor"/>
       </dsp:style>
     </dsp:sp>
-    <dsp:sp modelId="{D0839BF5-848A-4548-8D53-A40C09B050CB}">
+    <dsp:sp modelId="{6BB402F4-6899-4C22-B2E7-7754157A8D69}">
       <dsp:nvSpPr>
         <dsp:cNvPr id="0" name=""/>
         <dsp:cNvSpPr/>
       </dsp:nvSpPr>
       <dsp:spPr>
         <a:xfrm>
-          <a:off x="7214011" y="6240175"/>
-          <a:ext cx="91440" cy="1542622"/>
+          <a:off x="10895410" y="5496532"/>
+          <a:ext cx="91440" cy="1711331"/>
         </a:xfrm>
         <a:custGeom>
           <a:avLst/>
@@ -6696,10 +7746,10 @@
                 <a:pt x="45720" y="0"/>
               </a:moveTo>
               <a:lnTo>
-                <a:pt x="45720" y="1542622"/>
+                <a:pt x="45720" y="1711331"/>
               </a:lnTo>
               <a:lnTo>
-                <a:pt x="131877" y="1542622"/>
+                <a:pt x="115098" y="1711331"/>
               </a:lnTo>
             </a:path>
           </a:pathLst>
@@ -6733,15 +7783,15 @@
         <a:fontRef idx="minor"/>
       </dsp:style>
     </dsp:sp>
-    <dsp:sp modelId="{EFE6615F-D31F-4C36-B70C-2208DE3019FC}">
+    <dsp:sp modelId="{0D794A20-8A3C-415F-9D67-942CBCED24C5}">
       <dsp:nvSpPr>
         <dsp:cNvPr id="0" name=""/>
         <dsp:cNvSpPr/>
       </dsp:nvSpPr>
       <dsp:spPr>
         <a:xfrm>
-          <a:off x="7127854" y="6240175"/>
-          <a:ext cx="91440" cy="1542622"/>
+          <a:off x="10826031" y="5496532"/>
+          <a:ext cx="91440" cy="1711331"/>
         </a:xfrm>
         <a:custGeom>
           <a:avLst/>
@@ -6752,13 +7802,13 @@
           <a:pathLst>
             <a:path>
               <a:moveTo>
-                <a:pt x="131877" y="0"/>
+                <a:pt x="115098" y="0"/>
               </a:moveTo>
               <a:lnTo>
-                <a:pt x="131877" y="1542622"/>
+                <a:pt x="115098" y="1711331"/>
               </a:lnTo>
               <a:lnTo>
-                <a:pt x="45720" y="1542622"/>
+                <a:pt x="45720" y="1711331"/>
               </a:lnTo>
             </a:path>
           </a:pathLst>
@@ -6792,15 +7842,15 @@
         <a:fontRef idx="minor"/>
       </dsp:style>
     </dsp:sp>
-    <dsp:sp modelId="{6A7C5EC1-5A17-46BD-B28A-0E77CB3F5AE0}">
+    <dsp:sp modelId="{6E614BD8-6F57-4070-A744-527A8AFABBDC}">
       <dsp:nvSpPr>
         <dsp:cNvPr id="0" name=""/>
         <dsp:cNvSpPr/>
       </dsp:nvSpPr>
       <dsp:spPr>
         <a:xfrm>
-          <a:off x="7214011" y="6240175"/>
-          <a:ext cx="91440" cy="960036"/>
+          <a:off x="10895410" y="5496532"/>
+          <a:ext cx="91440" cy="1242202"/>
         </a:xfrm>
         <a:custGeom>
           <a:avLst/>
@@ -6814,10 +7864,10 @@
                 <a:pt x="45720" y="0"/>
               </a:moveTo>
               <a:lnTo>
-                <a:pt x="45720" y="960036"/>
+                <a:pt x="45720" y="1242202"/>
               </a:lnTo>
               <a:lnTo>
-                <a:pt x="131877" y="960036"/>
+                <a:pt x="115098" y="1242202"/>
               </a:lnTo>
             </a:path>
           </a:pathLst>
@@ -6851,15 +7901,15 @@
         <a:fontRef idx="minor"/>
       </dsp:style>
     </dsp:sp>
-    <dsp:sp modelId="{DF8E89CD-BF8E-47B8-BE68-B8E177AB7234}">
+    <dsp:sp modelId="{6B97F897-1555-4E74-BC7A-F8119B3F31BD}">
       <dsp:nvSpPr>
         <dsp:cNvPr id="0" name=""/>
         <dsp:cNvSpPr/>
       </dsp:nvSpPr>
       <dsp:spPr>
         <a:xfrm>
-          <a:off x="7127854" y="6240175"/>
-          <a:ext cx="91440" cy="960036"/>
+          <a:off x="10826031" y="5496532"/>
+          <a:ext cx="91440" cy="1242202"/>
         </a:xfrm>
         <a:custGeom>
           <a:avLst/>
@@ -6870,13 +7920,13 @@
           <a:pathLst>
             <a:path>
               <a:moveTo>
-                <a:pt x="131877" y="0"/>
+                <a:pt x="115098" y="0"/>
               </a:moveTo>
               <a:lnTo>
-                <a:pt x="131877" y="960036"/>
+                <a:pt x="115098" y="1242202"/>
               </a:lnTo>
               <a:lnTo>
-                <a:pt x="45720" y="960036"/>
+                <a:pt x="45720" y="1242202"/>
               </a:lnTo>
             </a:path>
           </a:pathLst>
@@ -6910,15 +7960,15 @@
         <a:fontRef idx="minor"/>
       </dsp:style>
     </dsp:sp>
-    <dsp:sp modelId="{9DA744D5-350D-4A69-A847-EB442D828B83}">
+    <dsp:sp modelId="{4B816979-47EE-4B7F-A0E8-80D866845DA5}">
       <dsp:nvSpPr>
         <dsp:cNvPr id="0" name=""/>
         <dsp:cNvSpPr/>
       </dsp:nvSpPr>
       <dsp:spPr>
         <a:xfrm>
-          <a:off x="7214011" y="6240175"/>
-          <a:ext cx="91440" cy="377450"/>
+          <a:off x="10895410" y="5496532"/>
+          <a:ext cx="91440" cy="773072"/>
         </a:xfrm>
         <a:custGeom>
           <a:avLst/>
@@ -6932,10 +7982,10 @@
                 <a:pt x="45720" y="0"/>
               </a:moveTo>
               <a:lnTo>
-                <a:pt x="45720" y="377450"/>
+                <a:pt x="45720" y="773072"/>
               </a:lnTo>
               <a:lnTo>
-                <a:pt x="131877" y="377450"/>
+                <a:pt x="115098" y="773072"/>
               </a:lnTo>
             </a:path>
           </a:pathLst>
@@ -6969,15 +8019,15 @@
         <a:fontRef idx="minor"/>
       </dsp:style>
     </dsp:sp>
-    <dsp:sp modelId="{D3CCF87E-6C72-43B2-97D4-4E82C64CD863}">
+    <dsp:sp modelId="{6C624122-029E-4779-97C0-6A5A85BBD46E}">
       <dsp:nvSpPr>
         <dsp:cNvPr id="0" name=""/>
         <dsp:cNvSpPr/>
       </dsp:nvSpPr>
       <dsp:spPr>
         <a:xfrm>
-          <a:off x="7127854" y="6240175"/>
-          <a:ext cx="91440" cy="377450"/>
+          <a:off x="10826031" y="5496532"/>
+          <a:ext cx="91440" cy="773072"/>
         </a:xfrm>
         <a:custGeom>
           <a:avLst/>
@@ -6988,13 +8038,13 @@
           <a:pathLst>
             <a:path>
               <a:moveTo>
-                <a:pt x="131877" y="0"/>
+                <a:pt x="115098" y="0"/>
               </a:moveTo>
               <a:lnTo>
-                <a:pt x="131877" y="377450"/>
+                <a:pt x="115098" y="773072"/>
               </a:lnTo>
               <a:lnTo>
-                <a:pt x="45720" y="377450"/>
+                <a:pt x="45720" y="773072"/>
               </a:lnTo>
             </a:path>
           </a:pathLst>
@@ -7028,15 +8078,15 @@
         <a:fontRef idx="minor"/>
       </dsp:style>
     </dsp:sp>
-    <dsp:sp modelId="{71748AAD-9CFD-4E76-8681-C69FB598D6C6}">
+    <dsp:sp modelId="{840A93A4-5130-4E81-82D8-DEB4AFBB730F}">
       <dsp:nvSpPr>
         <dsp:cNvPr id="0" name=""/>
         <dsp:cNvSpPr/>
       </dsp:nvSpPr>
       <dsp:spPr>
         <a:xfrm>
-          <a:off x="7670003" y="5657589"/>
-          <a:ext cx="582586" cy="377450"/>
+          <a:off x="10895410" y="5496532"/>
+          <a:ext cx="91440" cy="303943"/>
         </a:xfrm>
         <a:custGeom>
           <a:avLst/>
@@ -7047,13 +8097,131 @@
           <a:pathLst>
             <a:path>
               <a:moveTo>
-                <a:pt x="582586" y="0"/>
+                <a:pt x="45720" y="0"/>
               </a:moveTo>
               <a:lnTo>
-                <a:pt x="582586" y="377450"/>
+                <a:pt x="45720" y="303943"/>
               </a:lnTo>
               <a:lnTo>
-                <a:pt x="0" y="377450"/>
+                <a:pt x="115098" y="303943"/>
+              </a:lnTo>
+            </a:path>
+          </a:pathLst>
+        </a:custGeom>
+        <a:noFill/>
+        <a:ln w="19050" cap="flat" cmpd="sng" algn="ctr">
+          <a:solidFill>
+            <a:schemeClr val="accent1">
+              <a:tint val="50000"/>
+              <a:hueOff val="0"/>
+              <a:satOff val="0"/>
+              <a:lumOff val="0"/>
+              <a:alphaOff val="0"/>
+            </a:schemeClr>
+          </a:solidFill>
+          <a:prstDash val="solid"/>
+          <a:miter lim="800000"/>
+        </a:ln>
+        <a:effectLst/>
+      </dsp:spPr>
+      <dsp:style>
+        <a:lnRef idx="2">
+          <a:scrgbClr r="0" g="0" b="0"/>
+        </a:lnRef>
+        <a:fillRef idx="0">
+          <a:scrgbClr r="0" g="0" b="0"/>
+        </a:fillRef>
+        <a:effectRef idx="0">
+          <a:scrgbClr r="0" g="0" b="0"/>
+        </a:effectRef>
+        <a:fontRef idx="minor"/>
+      </dsp:style>
+    </dsp:sp>
+    <dsp:sp modelId="{3ECBD4AE-1413-4A8F-A7FA-FE90975D12DC}">
+      <dsp:nvSpPr>
+        <dsp:cNvPr id="0" name=""/>
+        <dsp:cNvSpPr/>
+      </dsp:nvSpPr>
+      <dsp:spPr>
+        <a:xfrm>
+          <a:off x="10826031" y="5496532"/>
+          <a:ext cx="91440" cy="303943"/>
+        </a:xfrm>
+        <a:custGeom>
+          <a:avLst/>
+          <a:gdLst/>
+          <a:ahLst/>
+          <a:cxnLst/>
+          <a:rect l="0" t="0" r="0" b="0"/>
+          <a:pathLst>
+            <a:path>
+              <a:moveTo>
+                <a:pt x="115098" y="0"/>
+              </a:moveTo>
+              <a:lnTo>
+                <a:pt x="115098" y="303943"/>
+              </a:lnTo>
+              <a:lnTo>
+                <a:pt x="45720" y="303943"/>
+              </a:lnTo>
+            </a:path>
+          </a:pathLst>
+        </a:custGeom>
+        <a:noFill/>
+        <a:ln w="19050" cap="flat" cmpd="sng" algn="ctr">
+          <a:solidFill>
+            <a:schemeClr val="accent1">
+              <a:tint val="50000"/>
+              <a:hueOff val="0"/>
+              <a:satOff val="0"/>
+              <a:lumOff val="0"/>
+              <a:alphaOff val="0"/>
+            </a:schemeClr>
+          </a:solidFill>
+          <a:prstDash val="solid"/>
+          <a:miter lim="800000"/>
+        </a:ln>
+        <a:effectLst/>
+      </dsp:spPr>
+      <dsp:style>
+        <a:lnRef idx="2">
+          <a:scrgbClr r="0" g="0" b="0"/>
+        </a:lnRef>
+        <a:fillRef idx="0">
+          <a:scrgbClr r="0" g="0" b="0"/>
+        </a:fillRef>
+        <a:effectRef idx="0">
+          <a:scrgbClr r="0" g="0" b="0"/>
+        </a:effectRef>
+        <a:fontRef idx="minor"/>
+      </dsp:style>
+    </dsp:sp>
+    <dsp:sp modelId="{30AF305B-D244-4676-B213-4FA8DE312A80}">
+      <dsp:nvSpPr>
+        <dsp:cNvPr id="0" name=""/>
+        <dsp:cNvSpPr/>
+      </dsp:nvSpPr>
+      <dsp:spPr>
+        <a:xfrm>
+          <a:off x="11271503" y="5027402"/>
+          <a:ext cx="469129" cy="303943"/>
+        </a:xfrm>
+        <a:custGeom>
+          <a:avLst/>
+          <a:gdLst/>
+          <a:ahLst/>
+          <a:cxnLst/>
+          <a:rect l="0" t="0" r="0" b="0"/>
+          <a:pathLst>
+            <a:path>
+              <a:moveTo>
+                <a:pt x="469129" y="0"/>
+              </a:moveTo>
+              <a:lnTo>
+                <a:pt x="469129" y="303943"/>
+              </a:lnTo>
+              <a:lnTo>
+                <a:pt x="0" y="303943"/>
               </a:lnTo>
             </a:path>
           </a:pathLst>
@@ -7087,15 +8255,15 @@
         <a:fontRef idx="minor"/>
       </dsp:style>
     </dsp:sp>
-    <dsp:sp modelId="{37C7BC80-7487-400F-942E-1D4D3EBF3734}">
+    <dsp:sp modelId="{DD8A59A6-D87D-4542-9DF9-2735EB615F81}">
       <dsp:nvSpPr>
         <dsp:cNvPr id="0" name=""/>
         <dsp:cNvSpPr/>
       </dsp:nvSpPr>
       <dsp:spPr>
         <a:xfrm>
-          <a:off x="8662861" y="414314"/>
-          <a:ext cx="1079015" cy="5038138"/>
+          <a:off x="10141627" y="336106"/>
+          <a:ext cx="1268632" cy="4526109"/>
         </a:xfrm>
         <a:custGeom>
           <a:avLst/>
@@ -7106,13 +8274,13 @@
           <a:pathLst>
             <a:path>
               <a:moveTo>
-                <a:pt x="1079015" y="0"/>
+                <a:pt x="0" y="0"/>
               </a:moveTo>
               <a:lnTo>
-                <a:pt x="1079015" y="5038138"/>
+                <a:pt x="0" y="4526109"/>
               </a:lnTo>
               <a:lnTo>
-                <a:pt x="0" y="5038138"/>
+                <a:pt x="1268632" y="4526109"/>
               </a:lnTo>
             </a:path>
           </a:pathLst>
@@ -7146,15 +8314,15 @@
         <a:fontRef idx="minor"/>
       </dsp:style>
     </dsp:sp>
-    <dsp:sp modelId="{3B8B80CA-A300-4E85-AD7F-DE2B7485EAFA}">
+    <dsp:sp modelId="{D0839BF5-848A-4548-8D53-A40C09B050CB}">
       <dsp:nvSpPr>
         <dsp:cNvPr id="0" name=""/>
         <dsp:cNvSpPr/>
       </dsp:nvSpPr>
       <dsp:spPr>
         <a:xfrm>
-          <a:off x="10602857" y="1579487"/>
-          <a:ext cx="91440" cy="960036"/>
+          <a:off x="8097151" y="5496532"/>
+          <a:ext cx="91440" cy="1242202"/>
         </a:xfrm>
         <a:custGeom>
           <a:avLst/>
@@ -7165,13 +8333,13 @@
           <a:pathLst>
             <a:path>
               <a:moveTo>
-                <a:pt x="131877" y="0"/>
+                <a:pt x="45720" y="0"/>
               </a:moveTo>
               <a:lnTo>
-                <a:pt x="131877" y="960036"/>
+                <a:pt x="45720" y="1242202"/>
               </a:lnTo>
               <a:lnTo>
-                <a:pt x="45720" y="960036"/>
+                <a:pt x="115098" y="1242202"/>
               </a:lnTo>
             </a:path>
           </a:pathLst>
@@ -7205,15 +8373,15 @@
         <a:fontRef idx="minor"/>
       </dsp:style>
     </dsp:sp>
-    <dsp:sp modelId="{1D04A93D-63FE-4ED7-BC5D-79850A2E6AE1}">
+    <dsp:sp modelId="{EFE6615F-D31F-4C36-B70C-2208DE3019FC}">
       <dsp:nvSpPr>
         <dsp:cNvPr id="0" name=""/>
         <dsp:cNvSpPr/>
       </dsp:nvSpPr>
       <dsp:spPr>
         <a:xfrm>
-          <a:off x="10689014" y="1579487"/>
-          <a:ext cx="91440" cy="377450"/>
+          <a:off x="8027773" y="5496532"/>
+          <a:ext cx="91440" cy="1242202"/>
         </a:xfrm>
         <a:custGeom>
           <a:avLst/>
@@ -7224,13 +8392,13 @@
           <a:pathLst>
             <a:path>
               <a:moveTo>
-                <a:pt x="45720" y="0"/>
+                <a:pt x="115098" y="0"/>
               </a:moveTo>
               <a:lnTo>
-                <a:pt x="45720" y="377450"/>
+                <a:pt x="115098" y="1242202"/>
               </a:lnTo>
               <a:lnTo>
-                <a:pt x="131877" y="377450"/>
+                <a:pt x="45720" y="1242202"/>
               </a:lnTo>
             </a:path>
           </a:pathLst>
@@ -7264,15 +8432,15 @@
         <a:fontRef idx="minor"/>
       </dsp:style>
     </dsp:sp>
-    <dsp:sp modelId="{2B9A6652-0CDC-4A06-8130-3523581C7640}">
+    <dsp:sp modelId="{6A7C5EC1-5A17-46BD-B28A-0E77CB3F5AE0}">
       <dsp:nvSpPr>
         <dsp:cNvPr id="0" name=""/>
         <dsp:cNvSpPr/>
       </dsp:nvSpPr>
       <dsp:spPr>
         <a:xfrm>
-          <a:off x="10602857" y="1579487"/>
-          <a:ext cx="91440" cy="377450"/>
+          <a:off x="8097151" y="5496532"/>
+          <a:ext cx="91440" cy="773072"/>
         </a:xfrm>
         <a:custGeom>
           <a:avLst/>
@@ -7283,13 +8451,13 @@
           <a:pathLst>
             <a:path>
               <a:moveTo>
-                <a:pt x="131877" y="0"/>
+                <a:pt x="45720" y="0"/>
               </a:moveTo>
               <a:lnTo>
-                <a:pt x="131877" y="377450"/>
+                <a:pt x="45720" y="773072"/>
               </a:lnTo>
               <a:lnTo>
-                <a:pt x="45720" y="377450"/>
+                <a:pt x="115098" y="773072"/>
               </a:lnTo>
             </a:path>
           </a:pathLst>
@@ -7323,15 +8491,15 @@
         <a:fontRef idx="minor"/>
       </dsp:style>
     </dsp:sp>
-    <dsp:sp modelId="{D8263A46-6000-40E8-8909-48A87AEDA582}">
+    <dsp:sp modelId="{DF8E89CD-BF8E-47B8-BE68-B8E177AB7234}">
       <dsp:nvSpPr>
         <dsp:cNvPr id="0" name=""/>
         <dsp:cNvSpPr/>
       </dsp:nvSpPr>
       <dsp:spPr>
         <a:xfrm>
-          <a:off x="11145006" y="996901"/>
-          <a:ext cx="582586" cy="377450"/>
+          <a:off x="8027773" y="5496532"/>
+          <a:ext cx="91440" cy="773072"/>
         </a:xfrm>
         <a:custGeom>
           <a:avLst/>
@@ -7342,13 +8510,190 @@
           <a:pathLst>
             <a:path>
               <a:moveTo>
-                <a:pt x="582586" y="0"/>
+                <a:pt x="115098" y="0"/>
               </a:moveTo>
               <a:lnTo>
-                <a:pt x="582586" y="377450"/>
+                <a:pt x="115098" y="773072"/>
               </a:lnTo>
               <a:lnTo>
-                <a:pt x="0" y="377450"/>
+                <a:pt x="45720" y="773072"/>
+              </a:lnTo>
+            </a:path>
+          </a:pathLst>
+        </a:custGeom>
+        <a:noFill/>
+        <a:ln w="19050" cap="flat" cmpd="sng" algn="ctr">
+          <a:solidFill>
+            <a:schemeClr val="accent1">
+              <a:tint val="50000"/>
+              <a:hueOff val="0"/>
+              <a:satOff val="0"/>
+              <a:lumOff val="0"/>
+              <a:alphaOff val="0"/>
+            </a:schemeClr>
+          </a:solidFill>
+          <a:prstDash val="solid"/>
+          <a:miter lim="800000"/>
+        </a:ln>
+        <a:effectLst/>
+      </dsp:spPr>
+      <dsp:style>
+        <a:lnRef idx="2">
+          <a:scrgbClr r="0" g="0" b="0"/>
+        </a:lnRef>
+        <a:fillRef idx="0">
+          <a:scrgbClr r="0" g="0" b="0"/>
+        </a:fillRef>
+        <a:effectRef idx="0">
+          <a:scrgbClr r="0" g="0" b="0"/>
+        </a:effectRef>
+        <a:fontRef idx="minor"/>
+      </dsp:style>
+    </dsp:sp>
+    <dsp:sp modelId="{9DA744D5-350D-4A69-A847-EB442D828B83}">
+      <dsp:nvSpPr>
+        <dsp:cNvPr id="0" name=""/>
+        <dsp:cNvSpPr/>
+      </dsp:nvSpPr>
+      <dsp:spPr>
+        <a:xfrm>
+          <a:off x="8097151" y="5496532"/>
+          <a:ext cx="91440" cy="303943"/>
+        </a:xfrm>
+        <a:custGeom>
+          <a:avLst/>
+          <a:gdLst/>
+          <a:ahLst/>
+          <a:cxnLst/>
+          <a:rect l="0" t="0" r="0" b="0"/>
+          <a:pathLst>
+            <a:path>
+              <a:moveTo>
+                <a:pt x="45720" y="0"/>
+              </a:moveTo>
+              <a:lnTo>
+                <a:pt x="45720" y="303943"/>
+              </a:lnTo>
+              <a:lnTo>
+                <a:pt x="115098" y="303943"/>
+              </a:lnTo>
+            </a:path>
+          </a:pathLst>
+        </a:custGeom>
+        <a:noFill/>
+        <a:ln w="19050" cap="flat" cmpd="sng" algn="ctr">
+          <a:solidFill>
+            <a:schemeClr val="accent1">
+              <a:tint val="50000"/>
+              <a:hueOff val="0"/>
+              <a:satOff val="0"/>
+              <a:lumOff val="0"/>
+              <a:alphaOff val="0"/>
+            </a:schemeClr>
+          </a:solidFill>
+          <a:prstDash val="solid"/>
+          <a:miter lim="800000"/>
+        </a:ln>
+        <a:effectLst/>
+      </dsp:spPr>
+      <dsp:style>
+        <a:lnRef idx="2">
+          <a:scrgbClr r="0" g="0" b="0"/>
+        </a:lnRef>
+        <a:fillRef idx="0">
+          <a:scrgbClr r="0" g="0" b="0"/>
+        </a:fillRef>
+        <a:effectRef idx="0">
+          <a:scrgbClr r="0" g="0" b="0"/>
+        </a:effectRef>
+        <a:fontRef idx="minor"/>
+      </dsp:style>
+    </dsp:sp>
+    <dsp:sp modelId="{D3CCF87E-6C72-43B2-97D4-4E82C64CD863}">
+      <dsp:nvSpPr>
+        <dsp:cNvPr id="0" name=""/>
+        <dsp:cNvSpPr/>
+      </dsp:nvSpPr>
+      <dsp:spPr>
+        <a:xfrm>
+          <a:off x="8027773" y="5496532"/>
+          <a:ext cx="91440" cy="303943"/>
+        </a:xfrm>
+        <a:custGeom>
+          <a:avLst/>
+          <a:gdLst/>
+          <a:ahLst/>
+          <a:cxnLst/>
+          <a:rect l="0" t="0" r="0" b="0"/>
+          <a:pathLst>
+            <a:path>
+              <a:moveTo>
+                <a:pt x="115098" y="0"/>
+              </a:moveTo>
+              <a:lnTo>
+                <a:pt x="115098" y="303943"/>
+              </a:lnTo>
+              <a:lnTo>
+                <a:pt x="45720" y="303943"/>
+              </a:lnTo>
+            </a:path>
+          </a:pathLst>
+        </a:custGeom>
+        <a:noFill/>
+        <a:ln w="19050" cap="flat" cmpd="sng" algn="ctr">
+          <a:solidFill>
+            <a:schemeClr val="accent1">
+              <a:tint val="50000"/>
+              <a:hueOff val="0"/>
+              <a:satOff val="0"/>
+              <a:lumOff val="0"/>
+              <a:alphaOff val="0"/>
+            </a:schemeClr>
+          </a:solidFill>
+          <a:prstDash val="solid"/>
+          <a:miter lim="800000"/>
+        </a:ln>
+        <a:effectLst/>
+      </dsp:spPr>
+      <dsp:style>
+        <a:lnRef idx="2">
+          <a:scrgbClr r="0" g="0" b="0"/>
+        </a:lnRef>
+        <a:fillRef idx="0">
+          <a:scrgbClr r="0" g="0" b="0"/>
+        </a:fillRef>
+        <a:effectRef idx="0">
+          <a:scrgbClr r="0" g="0" b="0"/>
+        </a:effectRef>
+        <a:fontRef idx="minor"/>
+      </dsp:style>
+    </dsp:sp>
+    <dsp:sp modelId="{71748AAD-9CFD-4E76-8681-C69FB598D6C6}">
+      <dsp:nvSpPr>
+        <dsp:cNvPr id="0" name=""/>
+        <dsp:cNvSpPr/>
+      </dsp:nvSpPr>
+      <dsp:spPr>
+        <a:xfrm>
+          <a:off x="8473244" y="5027402"/>
+          <a:ext cx="469129" cy="303943"/>
+        </a:xfrm>
+        <a:custGeom>
+          <a:avLst/>
+          <a:gdLst/>
+          <a:ahLst/>
+          <a:cxnLst/>
+          <a:rect l="0" t="0" r="0" b="0"/>
+          <a:pathLst>
+            <a:path>
+              <a:moveTo>
+                <a:pt x="469129" y="0"/>
+              </a:moveTo>
+              <a:lnTo>
+                <a:pt x="469129" y="303943"/>
+              </a:lnTo>
+              <a:lnTo>
+                <a:pt x="0" y="303943"/>
               </a:lnTo>
             </a:path>
           </a:pathLst>
@@ -7382,15 +8727,15 @@
         <a:fontRef idx="minor"/>
       </dsp:style>
     </dsp:sp>
-    <dsp:sp modelId="{405F0C65-22C7-4A10-8FEE-FF5ECF0F94F5}">
+    <dsp:sp modelId="{37C7BC80-7487-400F-942E-1D4D3EBF3734}">
       <dsp:nvSpPr>
         <dsp:cNvPr id="0" name=""/>
         <dsp:cNvSpPr/>
       </dsp:nvSpPr>
       <dsp:spPr>
         <a:xfrm>
-          <a:off x="9741876" y="414314"/>
-          <a:ext cx="1575444" cy="377450"/>
+          <a:off x="9272746" y="336106"/>
+          <a:ext cx="868880" cy="4526109"/>
         </a:xfrm>
         <a:custGeom>
           <a:avLst/>
@@ -7401,13 +8746,13 @@
           <a:pathLst>
             <a:path>
               <a:moveTo>
-                <a:pt x="0" y="0"/>
+                <a:pt x="868880" y="0"/>
               </a:moveTo>
               <a:lnTo>
-                <a:pt x="0" y="377450"/>
+                <a:pt x="868880" y="4526109"/>
               </a:lnTo>
               <a:lnTo>
-                <a:pt x="1575444" y="377450"/>
+                <a:pt x="0" y="4526109"/>
               </a:lnTo>
             </a:path>
           </a:pathLst>
@@ -7441,15 +8786,15 @@
         <a:fontRef idx="minor"/>
       </dsp:style>
     </dsp:sp>
-    <dsp:sp modelId="{9566F6EE-4358-4C72-A5E0-69FB940F8986}">
+    <dsp:sp modelId="{3B8B80CA-A300-4E85-AD7F-DE2B7485EAFA}">
       <dsp:nvSpPr>
         <dsp:cNvPr id="0" name=""/>
         <dsp:cNvSpPr/>
       </dsp:nvSpPr>
       <dsp:spPr>
         <a:xfrm>
-          <a:off x="7214011" y="1579487"/>
-          <a:ext cx="91440" cy="3290380"/>
+          <a:off x="10826031" y="1274366"/>
+          <a:ext cx="91440" cy="773072"/>
         </a:xfrm>
         <a:custGeom>
           <a:avLst/>
@@ -7460,13 +8805,13 @@
           <a:pathLst>
             <a:path>
               <a:moveTo>
-                <a:pt x="45720" y="0"/>
+                <a:pt x="115098" y="0"/>
               </a:moveTo>
               <a:lnTo>
-                <a:pt x="45720" y="3290380"/>
+                <a:pt x="115098" y="773072"/>
               </a:lnTo>
               <a:lnTo>
-                <a:pt x="131877" y="3290380"/>
+                <a:pt x="45720" y="773072"/>
               </a:lnTo>
             </a:path>
           </a:pathLst>
@@ -7500,15 +8845,15 @@
         <a:fontRef idx="minor"/>
       </dsp:style>
     </dsp:sp>
-    <dsp:sp modelId="{88BEF9BE-BD95-49C8-BC77-2259BEFB9056}">
+    <dsp:sp modelId="{1D04A93D-63FE-4ED7-BC5D-79850A2E6AE1}">
       <dsp:nvSpPr>
         <dsp:cNvPr id="0" name=""/>
         <dsp:cNvSpPr/>
       </dsp:nvSpPr>
       <dsp:spPr>
         <a:xfrm>
-          <a:off x="7127854" y="1579487"/>
-          <a:ext cx="91440" cy="3290380"/>
+          <a:off x="10895410" y="1274366"/>
+          <a:ext cx="91440" cy="303943"/>
         </a:xfrm>
         <a:custGeom>
           <a:avLst/>
@@ -7519,13 +8864,13 @@
           <a:pathLst>
             <a:path>
               <a:moveTo>
-                <a:pt x="131877" y="0"/>
+                <a:pt x="45720" y="0"/>
               </a:moveTo>
               <a:lnTo>
-                <a:pt x="131877" y="3290380"/>
+                <a:pt x="45720" y="303943"/>
               </a:lnTo>
               <a:lnTo>
-                <a:pt x="45720" y="3290380"/>
+                <a:pt x="115098" y="303943"/>
               </a:lnTo>
             </a:path>
           </a:pathLst>
@@ -7559,15 +8904,15 @@
         <a:fontRef idx="minor"/>
       </dsp:style>
     </dsp:sp>
-    <dsp:sp modelId="{940D5A6A-3D20-4AF7-A598-183C785A991B}">
+    <dsp:sp modelId="{2B9A6652-0CDC-4A06-8130-3523581C7640}">
       <dsp:nvSpPr>
         <dsp:cNvPr id="0" name=""/>
         <dsp:cNvSpPr/>
       </dsp:nvSpPr>
       <dsp:spPr>
         <a:xfrm>
-          <a:off x="7214011" y="1579487"/>
-          <a:ext cx="91440" cy="2707794"/>
+          <a:off x="10826031" y="1274366"/>
+          <a:ext cx="91440" cy="303943"/>
         </a:xfrm>
         <a:custGeom>
           <a:avLst/>
@@ -7578,13 +8923,13 @@
           <a:pathLst>
             <a:path>
               <a:moveTo>
-                <a:pt x="45720" y="0"/>
+                <a:pt x="115098" y="0"/>
               </a:moveTo>
               <a:lnTo>
-                <a:pt x="45720" y="2707794"/>
+                <a:pt x="115098" y="303943"/>
               </a:lnTo>
               <a:lnTo>
-                <a:pt x="131877" y="2707794"/>
+                <a:pt x="45720" y="303943"/>
               </a:lnTo>
             </a:path>
           </a:pathLst>
@@ -7618,15 +8963,15 @@
         <a:fontRef idx="minor"/>
       </dsp:style>
     </dsp:sp>
-    <dsp:sp modelId="{098EF2EF-54F9-4DB9-9B90-CA77F8509B37}">
+    <dsp:sp modelId="{D8263A46-6000-40E8-8909-48A87AEDA582}">
       <dsp:nvSpPr>
         <dsp:cNvPr id="0" name=""/>
         <dsp:cNvSpPr/>
       </dsp:nvSpPr>
       <dsp:spPr>
         <a:xfrm>
-          <a:off x="7127854" y="1579487"/>
-          <a:ext cx="91440" cy="2707794"/>
+          <a:off x="11271503" y="805236"/>
+          <a:ext cx="469129" cy="303943"/>
         </a:xfrm>
         <a:custGeom>
           <a:avLst/>
@@ -7637,13 +8982,131 @@
           <a:pathLst>
             <a:path>
               <a:moveTo>
-                <a:pt x="131877" y="0"/>
+                <a:pt x="469129" y="0"/>
               </a:moveTo>
               <a:lnTo>
-                <a:pt x="131877" y="2707794"/>
+                <a:pt x="469129" y="303943"/>
               </a:lnTo>
               <a:lnTo>
-                <a:pt x="45720" y="2707794"/>
+                <a:pt x="0" y="303943"/>
+              </a:lnTo>
+            </a:path>
+          </a:pathLst>
+        </a:custGeom>
+        <a:noFill/>
+        <a:ln w="19050" cap="flat" cmpd="sng" algn="ctr">
+          <a:solidFill>
+            <a:schemeClr val="accent1">
+              <a:tint val="70000"/>
+              <a:hueOff val="0"/>
+              <a:satOff val="0"/>
+              <a:lumOff val="0"/>
+              <a:alphaOff val="0"/>
+            </a:schemeClr>
+          </a:solidFill>
+          <a:prstDash val="solid"/>
+          <a:miter lim="800000"/>
+        </a:ln>
+        <a:effectLst/>
+      </dsp:spPr>
+      <dsp:style>
+        <a:lnRef idx="2">
+          <a:scrgbClr r="0" g="0" b="0"/>
+        </a:lnRef>
+        <a:fillRef idx="0">
+          <a:scrgbClr r="0" g="0" b="0"/>
+        </a:fillRef>
+        <a:effectRef idx="0">
+          <a:scrgbClr r="0" g="0" b="0"/>
+        </a:effectRef>
+        <a:fontRef idx="minor"/>
+      </dsp:style>
+    </dsp:sp>
+    <dsp:sp modelId="{405F0C65-22C7-4A10-8FEE-FF5ECF0F94F5}">
+      <dsp:nvSpPr>
+        <dsp:cNvPr id="0" name=""/>
+        <dsp:cNvSpPr/>
+      </dsp:nvSpPr>
+      <dsp:spPr>
+        <a:xfrm>
+          <a:off x="10141627" y="336106"/>
+          <a:ext cx="1268632" cy="303943"/>
+        </a:xfrm>
+        <a:custGeom>
+          <a:avLst/>
+          <a:gdLst/>
+          <a:ahLst/>
+          <a:cxnLst/>
+          <a:rect l="0" t="0" r="0" b="0"/>
+          <a:pathLst>
+            <a:path>
+              <a:moveTo>
+                <a:pt x="0" y="0"/>
+              </a:moveTo>
+              <a:lnTo>
+                <a:pt x="0" y="303943"/>
+              </a:lnTo>
+              <a:lnTo>
+                <a:pt x="1268632" y="303943"/>
+              </a:lnTo>
+            </a:path>
+          </a:pathLst>
+        </a:custGeom>
+        <a:noFill/>
+        <a:ln w="19050" cap="flat" cmpd="sng" algn="ctr">
+          <a:solidFill>
+            <a:schemeClr val="accent1">
+              <a:tint val="90000"/>
+              <a:hueOff val="0"/>
+              <a:satOff val="0"/>
+              <a:lumOff val="0"/>
+              <a:alphaOff val="0"/>
+            </a:schemeClr>
+          </a:solidFill>
+          <a:prstDash val="solid"/>
+          <a:miter lim="800000"/>
+        </a:ln>
+        <a:effectLst/>
+      </dsp:spPr>
+      <dsp:style>
+        <a:lnRef idx="2">
+          <a:scrgbClr r="0" g="0" b="0"/>
+        </a:lnRef>
+        <a:fillRef idx="0">
+          <a:scrgbClr r="0" g="0" b="0"/>
+        </a:fillRef>
+        <a:effectRef idx="0">
+          <a:scrgbClr r="0" g="0" b="0"/>
+        </a:effectRef>
+        <a:fontRef idx="minor"/>
+      </dsp:style>
+    </dsp:sp>
+    <dsp:sp modelId="{9566F6EE-4358-4C72-A5E0-69FB940F8986}">
+      <dsp:nvSpPr>
+        <dsp:cNvPr id="0" name=""/>
+        <dsp:cNvSpPr/>
+      </dsp:nvSpPr>
+      <dsp:spPr>
+        <a:xfrm>
+          <a:off x="8896654" y="1274366"/>
+          <a:ext cx="91440" cy="3118720"/>
+        </a:xfrm>
+        <a:custGeom>
+          <a:avLst/>
+          <a:gdLst/>
+          <a:ahLst/>
+          <a:cxnLst/>
+          <a:rect l="0" t="0" r="0" b="0"/>
+          <a:pathLst>
+            <a:path>
+              <a:moveTo>
+                <a:pt x="45720" y="0"/>
+              </a:moveTo>
+              <a:lnTo>
+                <a:pt x="45720" y="3118720"/>
+              </a:lnTo>
+              <a:lnTo>
+                <a:pt x="115098" y="3118720"/>
               </a:lnTo>
             </a:path>
           </a:pathLst>
@@ -7677,15 +9140,15 @@
         <a:fontRef idx="minor"/>
       </dsp:style>
     </dsp:sp>
-    <dsp:sp modelId="{4BA0FD2B-D648-4FD0-8F33-BC723D7B9B66}">
+    <dsp:sp modelId="{88BEF9BE-BD95-49C8-BC77-2259BEFB9056}">
       <dsp:nvSpPr>
         <dsp:cNvPr id="0" name=""/>
         <dsp:cNvSpPr/>
       </dsp:nvSpPr>
       <dsp:spPr>
         <a:xfrm>
-          <a:off x="7214011" y="1579487"/>
-          <a:ext cx="91440" cy="2125208"/>
+          <a:off x="8073493" y="1274366"/>
+          <a:ext cx="868880" cy="3118720"/>
         </a:xfrm>
         <a:custGeom>
           <a:avLst/>
@@ -7696,13 +9159,13 @@
           <a:pathLst>
             <a:path>
               <a:moveTo>
-                <a:pt x="45720" y="0"/>
+                <a:pt x="868880" y="0"/>
               </a:moveTo>
               <a:lnTo>
-                <a:pt x="45720" y="2125208"/>
+                <a:pt x="868880" y="3118720"/>
               </a:lnTo>
               <a:lnTo>
-                <a:pt x="131877" y="2125208"/>
+                <a:pt x="0" y="3118720"/>
               </a:lnTo>
             </a:path>
           </a:pathLst>
@@ -7736,15 +9199,15 @@
         <a:fontRef idx="minor"/>
       </dsp:style>
     </dsp:sp>
-    <dsp:sp modelId="{55A88246-B398-4A41-9C16-FB7D7E803901}">
+    <dsp:sp modelId="{940D5A6A-3D20-4AF7-A598-183C785A991B}">
       <dsp:nvSpPr>
         <dsp:cNvPr id="0" name=""/>
         <dsp:cNvSpPr/>
       </dsp:nvSpPr>
       <dsp:spPr>
         <a:xfrm>
-          <a:off x="7127854" y="1579487"/>
-          <a:ext cx="91440" cy="2125208"/>
+          <a:off x="8896654" y="1274366"/>
+          <a:ext cx="91440" cy="2649590"/>
         </a:xfrm>
         <a:custGeom>
           <a:avLst/>
@@ -7755,13 +9218,13 @@
           <a:pathLst>
             <a:path>
               <a:moveTo>
-                <a:pt x="131877" y="0"/>
+                <a:pt x="45720" y="0"/>
               </a:moveTo>
               <a:lnTo>
-                <a:pt x="131877" y="2125208"/>
+                <a:pt x="45720" y="2649590"/>
               </a:lnTo>
               <a:lnTo>
-                <a:pt x="45720" y="2125208"/>
+                <a:pt x="115098" y="2649590"/>
               </a:lnTo>
             </a:path>
           </a:pathLst>
@@ -7795,15 +9258,15 @@
         <a:fontRef idx="minor"/>
       </dsp:style>
     </dsp:sp>
-    <dsp:sp modelId="{0E3782B3-E865-4373-BB27-4F6E0F061D18}">
+    <dsp:sp modelId="{098EF2EF-54F9-4DB9-9B90-CA77F8509B37}">
       <dsp:nvSpPr>
         <dsp:cNvPr id="0" name=""/>
         <dsp:cNvSpPr/>
       </dsp:nvSpPr>
       <dsp:spPr>
         <a:xfrm>
-          <a:off x="7214011" y="1579487"/>
-          <a:ext cx="91440" cy="1542622"/>
+          <a:off x="8073493" y="1274366"/>
+          <a:ext cx="868880" cy="2649590"/>
         </a:xfrm>
         <a:custGeom>
           <a:avLst/>
@@ -7814,13 +9277,13 @@
           <a:pathLst>
             <a:path>
               <a:moveTo>
-                <a:pt x="45720" y="0"/>
+                <a:pt x="868880" y="0"/>
               </a:moveTo>
               <a:lnTo>
-                <a:pt x="45720" y="1542622"/>
+                <a:pt x="868880" y="2649590"/>
               </a:lnTo>
               <a:lnTo>
-                <a:pt x="131877" y="1542622"/>
+                <a:pt x="0" y="2649590"/>
               </a:lnTo>
             </a:path>
           </a:pathLst>
@@ -7854,15 +9317,15 @@
         <a:fontRef idx="minor"/>
       </dsp:style>
     </dsp:sp>
-    <dsp:sp modelId="{C0A1A1E0-23B3-45C2-B4A2-6D0F5E85036E}">
+    <dsp:sp modelId="{4BA0FD2B-D648-4FD0-8F33-BC723D7B9B66}">
       <dsp:nvSpPr>
         <dsp:cNvPr id="0" name=""/>
         <dsp:cNvSpPr/>
       </dsp:nvSpPr>
       <dsp:spPr>
         <a:xfrm>
-          <a:off x="7127854" y="1579487"/>
-          <a:ext cx="91440" cy="1542622"/>
+          <a:off x="8896654" y="1274366"/>
+          <a:ext cx="91440" cy="2180461"/>
         </a:xfrm>
         <a:custGeom>
           <a:avLst/>
@@ -7873,13 +9336,13 @@
           <a:pathLst>
             <a:path>
               <a:moveTo>
-                <a:pt x="131877" y="0"/>
+                <a:pt x="45720" y="0"/>
               </a:moveTo>
               <a:lnTo>
-                <a:pt x="131877" y="1542622"/>
+                <a:pt x="45720" y="2180461"/>
               </a:lnTo>
               <a:lnTo>
-                <a:pt x="45720" y="1542622"/>
+                <a:pt x="115098" y="2180461"/>
               </a:lnTo>
             </a:path>
           </a:pathLst>
@@ -7913,15 +9376,15 @@
         <a:fontRef idx="minor"/>
       </dsp:style>
     </dsp:sp>
-    <dsp:sp modelId="{A3AD00AC-C08B-40FB-8083-19D64B9EF040}">
+    <dsp:sp modelId="{55A88246-B398-4A41-9C16-FB7D7E803901}">
       <dsp:nvSpPr>
         <dsp:cNvPr id="0" name=""/>
         <dsp:cNvSpPr/>
       </dsp:nvSpPr>
       <dsp:spPr>
         <a:xfrm>
-          <a:off x="8206869" y="2162073"/>
-          <a:ext cx="91440" cy="377450"/>
+          <a:off x="8073493" y="1274366"/>
+          <a:ext cx="868880" cy="2180461"/>
         </a:xfrm>
         <a:custGeom>
           <a:avLst/>
@@ -7932,13 +9395,13 @@
           <a:pathLst>
             <a:path>
               <a:moveTo>
-                <a:pt x="45720" y="0"/>
+                <a:pt x="868880" y="0"/>
               </a:moveTo>
               <a:lnTo>
-                <a:pt x="45720" y="377450"/>
+                <a:pt x="868880" y="2180461"/>
               </a:lnTo>
               <a:lnTo>
-                <a:pt x="131877" y="377450"/>
+                <a:pt x="0" y="2180461"/>
               </a:lnTo>
             </a:path>
           </a:pathLst>
@@ -7972,15 +9435,15 @@
         <a:fontRef idx="minor"/>
       </dsp:style>
     </dsp:sp>
-    <dsp:sp modelId="{A7D1E3CC-CF40-419B-A23A-A0E30CC143C9}">
+    <dsp:sp modelId="{0E3782B3-E865-4373-BB27-4F6E0F061D18}">
       <dsp:nvSpPr>
         <dsp:cNvPr id="0" name=""/>
         <dsp:cNvSpPr/>
       </dsp:nvSpPr>
       <dsp:spPr>
         <a:xfrm>
-          <a:off x="8120712" y="2162073"/>
-          <a:ext cx="91440" cy="377450"/>
+          <a:off x="8896654" y="1274366"/>
+          <a:ext cx="91440" cy="1711331"/>
         </a:xfrm>
         <a:custGeom>
           <a:avLst/>
@@ -7991,13 +9454,13 @@
           <a:pathLst>
             <a:path>
               <a:moveTo>
-                <a:pt x="131877" y="0"/>
+                <a:pt x="45720" y="0"/>
               </a:moveTo>
               <a:lnTo>
-                <a:pt x="131877" y="377450"/>
+                <a:pt x="45720" y="1711331"/>
               </a:lnTo>
               <a:lnTo>
-                <a:pt x="45720" y="377450"/>
+                <a:pt x="115098" y="1711331"/>
               </a:lnTo>
             </a:path>
           </a:pathLst>
@@ -8031,15 +9494,15 @@
         <a:fontRef idx="minor"/>
       </dsp:style>
     </dsp:sp>
-    <dsp:sp modelId="{2330DF79-6759-44AF-BF5B-48DAF401A9FC}">
+    <dsp:sp modelId="{8BE93FB5-5DDC-4147-AC43-80210D75A281}">
       <dsp:nvSpPr>
         <dsp:cNvPr id="0" name=""/>
         <dsp:cNvSpPr/>
       </dsp:nvSpPr>
       <dsp:spPr>
         <a:xfrm>
-          <a:off x="7259731" y="1579487"/>
-          <a:ext cx="582586" cy="377450"/>
+          <a:off x="8073493" y="1274366"/>
+          <a:ext cx="868880" cy="1711331"/>
         </a:xfrm>
         <a:custGeom>
           <a:avLst/>
@@ -8050,13 +9513,13 @@
           <a:pathLst>
             <a:path>
               <a:moveTo>
-                <a:pt x="0" y="0"/>
+                <a:pt x="868880" y="0"/>
               </a:moveTo>
               <a:lnTo>
-                <a:pt x="0" y="377450"/>
+                <a:pt x="868880" y="1711331"/>
               </a:lnTo>
               <a:lnTo>
-                <a:pt x="582586" y="377450"/>
+                <a:pt x="0" y="1711331"/>
               </a:lnTo>
             </a:path>
           </a:pathLst>
@@ -8090,15 +9553,15 @@
         <a:fontRef idx="minor"/>
       </dsp:style>
     </dsp:sp>
-    <dsp:sp modelId="{B47D875A-07B5-4BAB-BA1B-24FF28ECFCDA}">
+    <dsp:sp modelId="{C0A1A1E0-23B3-45C2-B4A2-6D0F5E85036E}">
       <dsp:nvSpPr>
         <dsp:cNvPr id="0" name=""/>
         <dsp:cNvSpPr/>
       </dsp:nvSpPr>
       <dsp:spPr>
         <a:xfrm>
-          <a:off x="7127854" y="1579487"/>
-          <a:ext cx="91440" cy="377450"/>
+          <a:off x="8896654" y="1274366"/>
+          <a:ext cx="91440" cy="773072"/>
         </a:xfrm>
         <a:custGeom>
           <a:avLst/>
@@ -8109,13 +9572,13 @@
           <a:pathLst>
             <a:path>
               <a:moveTo>
-                <a:pt x="131877" y="0"/>
+                <a:pt x="45720" y="0"/>
               </a:moveTo>
               <a:lnTo>
-                <a:pt x="131877" y="377450"/>
+                <a:pt x="45720" y="773072"/>
               </a:lnTo>
               <a:lnTo>
-                <a:pt x="45720" y="377450"/>
+                <a:pt x="115098" y="773072"/>
               </a:lnTo>
             </a:path>
           </a:pathLst>
@@ -8149,15 +9612,15 @@
         <a:fontRef idx="minor"/>
       </dsp:style>
     </dsp:sp>
-    <dsp:sp modelId="{6279F6A1-F335-461F-AE29-D859BC24B475}">
+    <dsp:sp modelId="{A3AD00AC-C08B-40FB-8083-19D64B9EF040}">
       <dsp:nvSpPr>
         <dsp:cNvPr id="0" name=""/>
         <dsp:cNvSpPr/>
       </dsp:nvSpPr>
       <dsp:spPr>
         <a:xfrm>
-          <a:off x="7670003" y="996901"/>
-          <a:ext cx="1575444" cy="377450"/>
+          <a:off x="8097151" y="2212625"/>
+          <a:ext cx="91440" cy="303943"/>
         </a:xfrm>
         <a:custGeom>
           <a:avLst/>
@@ -8168,13 +9631,308 @@
           <a:pathLst>
             <a:path>
               <a:moveTo>
-                <a:pt x="1575444" y="0"/>
+                <a:pt x="45720" y="0"/>
               </a:moveTo>
               <a:lnTo>
-                <a:pt x="1575444" y="377450"/>
+                <a:pt x="45720" y="303943"/>
               </a:lnTo>
               <a:lnTo>
-                <a:pt x="0" y="377450"/>
+                <a:pt x="115098" y="303943"/>
+              </a:lnTo>
+            </a:path>
+          </a:pathLst>
+        </a:custGeom>
+        <a:noFill/>
+        <a:ln w="19050" cap="flat" cmpd="sng" algn="ctr">
+          <a:solidFill>
+            <a:schemeClr val="accent1">
+              <a:tint val="50000"/>
+              <a:hueOff val="0"/>
+              <a:satOff val="0"/>
+              <a:lumOff val="0"/>
+              <a:alphaOff val="0"/>
+            </a:schemeClr>
+          </a:solidFill>
+          <a:prstDash val="solid"/>
+          <a:miter lim="800000"/>
+        </a:ln>
+        <a:effectLst/>
+      </dsp:spPr>
+      <dsp:style>
+        <a:lnRef idx="2">
+          <a:scrgbClr r="0" g="0" b="0"/>
+        </a:lnRef>
+        <a:fillRef idx="0">
+          <a:scrgbClr r="0" g="0" b="0"/>
+        </a:fillRef>
+        <a:effectRef idx="0">
+          <a:scrgbClr r="0" g="0" b="0"/>
+        </a:effectRef>
+        <a:fontRef idx="minor"/>
+      </dsp:style>
+    </dsp:sp>
+    <dsp:sp modelId="{A7D1E3CC-CF40-419B-A23A-A0E30CC143C9}">
+      <dsp:nvSpPr>
+        <dsp:cNvPr id="0" name=""/>
+        <dsp:cNvSpPr/>
+      </dsp:nvSpPr>
+      <dsp:spPr>
+        <a:xfrm>
+          <a:off x="8027773" y="2212625"/>
+          <a:ext cx="91440" cy="303943"/>
+        </a:xfrm>
+        <a:custGeom>
+          <a:avLst/>
+          <a:gdLst/>
+          <a:ahLst/>
+          <a:cxnLst/>
+          <a:rect l="0" t="0" r="0" b="0"/>
+          <a:pathLst>
+            <a:path>
+              <a:moveTo>
+                <a:pt x="115098" y="0"/>
+              </a:moveTo>
+              <a:lnTo>
+                <a:pt x="115098" y="303943"/>
+              </a:lnTo>
+              <a:lnTo>
+                <a:pt x="45720" y="303943"/>
+              </a:lnTo>
+            </a:path>
+          </a:pathLst>
+        </a:custGeom>
+        <a:noFill/>
+        <a:ln w="19050" cap="flat" cmpd="sng" algn="ctr">
+          <a:solidFill>
+            <a:schemeClr val="accent1">
+              <a:tint val="50000"/>
+              <a:hueOff val="0"/>
+              <a:satOff val="0"/>
+              <a:lumOff val="0"/>
+              <a:alphaOff val="0"/>
+            </a:schemeClr>
+          </a:solidFill>
+          <a:prstDash val="solid"/>
+          <a:miter lim="800000"/>
+        </a:ln>
+        <a:effectLst/>
+      </dsp:spPr>
+      <dsp:style>
+        <a:lnRef idx="2">
+          <a:scrgbClr r="0" g="0" b="0"/>
+        </a:lnRef>
+        <a:fillRef idx="0">
+          <a:scrgbClr r="0" g="0" b="0"/>
+        </a:fillRef>
+        <a:effectRef idx="0">
+          <a:scrgbClr r="0" g="0" b="0"/>
+        </a:effectRef>
+        <a:fontRef idx="minor"/>
+      </dsp:style>
+    </dsp:sp>
+    <dsp:sp modelId="{2330DF79-6759-44AF-BF5B-48DAF401A9FC}">
+      <dsp:nvSpPr>
+        <dsp:cNvPr id="0" name=""/>
+        <dsp:cNvSpPr/>
+      </dsp:nvSpPr>
+      <dsp:spPr>
+        <a:xfrm>
+          <a:off x="8473244" y="1274366"/>
+          <a:ext cx="469129" cy="773072"/>
+        </a:xfrm>
+        <a:custGeom>
+          <a:avLst/>
+          <a:gdLst/>
+          <a:ahLst/>
+          <a:cxnLst/>
+          <a:rect l="0" t="0" r="0" b="0"/>
+          <a:pathLst>
+            <a:path>
+              <a:moveTo>
+                <a:pt x="469129" y="0"/>
+              </a:moveTo>
+              <a:lnTo>
+                <a:pt x="469129" y="773072"/>
+              </a:lnTo>
+              <a:lnTo>
+                <a:pt x="0" y="773072"/>
+              </a:lnTo>
+            </a:path>
+          </a:pathLst>
+        </a:custGeom>
+        <a:noFill/>
+        <a:ln w="19050" cap="flat" cmpd="sng" algn="ctr">
+          <a:solidFill>
+            <a:schemeClr val="accent1">
+              <a:tint val="50000"/>
+              <a:hueOff val="0"/>
+              <a:satOff val="0"/>
+              <a:lumOff val="0"/>
+              <a:alphaOff val="0"/>
+            </a:schemeClr>
+          </a:solidFill>
+          <a:prstDash val="solid"/>
+          <a:miter lim="800000"/>
+        </a:ln>
+        <a:effectLst/>
+      </dsp:spPr>
+      <dsp:style>
+        <a:lnRef idx="2">
+          <a:scrgbClr r="0" g="0" b="0"/>
+        </a:lnRef>
+        <a:fillRef idx="0">
+          <a:scrgbClr r="0" g="0" b="0"/>
+        </a:fillRef>
+        <a:effectRef idx="0">
+          <a:scrgbClr r="0" g="0" b="0"/>
+        </a:effectRef>
+        <a:fontRef idx="minor"/>
+      </dsp:style>
+    </dsp:sp>
+    <dsp:sp modelId="{2E320EFC-6739-426A-A052-6207B0F1C1BD}">
+      <dsp:nvSpPr>
+        <dsp:cNvPr id="0" name=""/>
+        <dsp:cNvSpPr/>
+      </dsp:nvSpPr>
+      <dsp:spPr>
+        <a:xfrm>
+          <a:off x="8896654" y="1274366"/>
+          <a:ext cx="91440" cy="303943"/>
+        </a:xfrm>
+        <a:custGeom>
+          <a:avLst/>
+          <a:gdLst/>
+          <a:ahLst/>
+          <a:cxnLst/>
+          <a:rect l="0" t="0" r="0" b="0"/>
+          <a:pathLst>
+            <a:path>
+              <a:moveTo>
+                <a:pt x="45720" y="0"/>
+              </a:moveTo>
+              <a:lnTo>
+                <a:pt x="45720" y="303943"/>
+              </a:lnTo>
+              <a:lnTo>
+                <a:pt x="115098" y="303943"/>
+              </a:lnTo>
+            </a:path>
+          </a:pathLst>
+        </a:custGeom>
+        <a:noFill/>
+        <a:ln w="19050" cap="flat" cmpd="sng" algn="ctr">
+          <a:solidFill>
+            <a:schemeClr val="accent1">
+              <a:tint val="50000"/>
+              <a:hueOff val="0"/>
+              <a:satOff val="0"/>
+              <a:lumOff val="0"/>
+              <a:alphaOff val="0"/>
+            </a:schemeClr>
+          </a:solidFill>
+          <a:prstDash val="solid"/>
+          <a:miter lim="800000"/>
+        </a:ln>
+        <a:effectLst/>
+      </dsp:spPr>
+      <dsp:style>
+        <a:lnRef idx="2">
+          <a:scrgbClr r="0" g="0" b="0"/>
+        </a:lnRef>
+        <a:fillRef idx="0">
+          <a:scrgbClr r="0" g="0" b="0"/>
+        </a:fillRef>
+        <a:effectRef idx="0">
+          <a:scrgbClr r="0" g="0" b="0"/>
+        </a:effectRef>
+        <a:fontRef idx="minor"/>
+      </dsp:style>
+    </dsp:sp>
+    <dsp:sp modelId="{B47D875A-07B5-4BAB-BA1B-24FF28ECFCDA}">
+      <dsp:nvSpPr>
+        <dsp:cNvPr id="0" name=""/>
+        <dsp:cNvSpPr/>
+      </dsp:nvSpPr>
+      <dsp:spPr>
+        <a:xfrm>
+          <a:off x="8073493" y="1274366"/>
+          <a:ext cx="868880" cy="303943"/>
+        </a:xfrm>
+        <a:custGeom>
+          <a:avLst/>
+          <a:gdLst/>
+          <a:ahLst/>
+          <a:cxnLst/>
+          <a:rect l="0" t="0" r="0" b="0"/>
+          <a:pathLst>
+            <a:path>
+              <a:moveTo>
+                <a:pt x="868880" y="0"/>
+              </a:moveTo>
+              <a:lnTo>
+                <a:pt x="868880" y="303943"/>
+              </a:lnTo>
+              <a:lnTo>
+                <a:pt x="0" y="303943"/>
+              </a:lnTo>
+            </a:path>
+          </a:pathLst>
+        </a:custGeom>
+        <a:noFill/>
+        <a:ln w="19050" cap="flat" cmpd="sng" algn="ctr">
+          <a:solidFill>
+            <a:schemeClr val="accent1">
+              <a:tint val="50000"/>
+              <a:hueOff val="0"/>
+              <a:satOff val="0"/>
+              <a:lumOff val="0"/>
+              <a:alphaOff val="0"/>
+            </a:schemeClr>
+          </a:solidFill>
+          <a:prstDash val="solid"/>
+          <a:miter lim="800000"/>
+        </a:ln>
+        <a:effectLst/>
+      </dsp:spPr>
+      <dsp:style>
+        <a:lnRef idx="2">
+          <a:scrgbClr r="0" g="0" b="0"/>
+        </a:lnRef>
+        <a:fillRef idx="0">
+          <a:scrgbClr r="0" g="0" b="0"/>
+        </a:fillRef>
+        <a:effectRef idx="0">
+          <a:scrgbClr r="0" g="0" b="0"/>
+        </a:effectRef>
+        <a:fontRef idx="minor"/>
+      </dsp:style>
+    </dsp:sp>
+    <dsp:sp modelId="{6279F6A1-F335-461F-AE29-D859BC24B475}">
+      <dsp:nvSpPr>
+        <dsp:cNvPr id="0" name=""/>
+        <dsp:cNvSpPr/>
+      </dsp:nvSpPr>
+      <dsp:spPr>
+        <a:xfrm>
+          <a:off x="9272746" y="805236"/>
+          <a:ext cx="469129" cy="303943"/>
+        </a:xfrm>
+        <a:custGeom>
+          <a:avLst/>
+          <a:gdLst/>
+          <a:ahLst/>
+          <a:cxnLst/>
+          <a:rect l="0" t="0" r="0" b="0"/>
+          <a:pathLst>
+            <a:path>
+              <a:moveTo>
+                <a:pt x="469129" y="0"/>
+              </a:moveTo>
+              <a:lnTo>
+                <a:pt x="469129" y="303943"/>
+              </a:lnTo>
+              <a:lnTo>
+                <a:pt x="0" y="303943"/>
               </a:lnTo>
             </a:path>
           </a:pathLst>
@@ -8215,8 +9973,8 @@
       </dsp:nvSpPr>
       <dsp:spPr>
         <a:xfrm>
-          <a:off x="9609999" y="414314"/>
-          <a:ext cx="91440" cy="377450"/>
+          <a:off x="10026529" y="336106"/>
+          <a:ext cx="91440" cy="303943"/>
         </a:xfrm>
         <a:custGeom>
           <a:avLst/>
@@ -8227,13 +9985,13 @@
           <a:pathLst>
             <a:path>
               <a:moveTo>
-                <a:pt x="131877" y="0"/>
+                <a:pt x="115098" y="0"/>
               </a:moveTo>
               <a:lnTo>
-                <a:pt x="131877" y="377450"/>
+                <a:pt x="115098" y="303943"/>
               </a:lnTo>
               <a:lnTo>
-                <a:pt x="45720" y="377450"/>
+                <a:pt x="45720" y="303943"/>
               </a:lnTo>
             </a:path>
           </a:pathLst>
@@ -8274,8 +10032,8 @@
       </dsp:nvSpPr>
       <dsp:spPr>
         <a:xfrm>
-          <a:off x="9331604" y="4043"/>
-          <a:ext cx="820543" cy="410271"/>
+          <a:off x="9811254" y="5733"/>
+          <a:ext cx="660745" cy="330372"/>
         </a:xfrm>
         <a:prstGeom prst="rect">
           <a:avLst/>
@@ -8318,12 +10076,12 @@
         </a:fontRef>
       </dsp:style>
       <dsp:txBody>
-        <a:bodyPr spcFirstLastPara="0" vert="horz" wrap="square" lIns="4445" tIns="4445" rIns="4445" bIns="4445" numCol="1" spcCol="1270" anchor="ctr" anchorCtr="0">
+        <a:bodyPr spcFirstLastPara="0" vert="horz" wrap="square" lIns="3810" tIns="3810" rIns="3810" bIns="3810" numCol="1" spcCol="1270" anchor="ctr" anchorCtr="0">
           <a:noAutofit/>
         </a:bodyPr>
         <a:lstStyle/>
         <a:p>
-          <a:pPr marL="0" lvl="0" indent="0" algn="ctr" defTabSz="311150">
+          <a:pPr marL="0" lvl="0" indent="0" algn="ctr" defTabSz="266700">
             <a:lnSpc>
               <a:spcPct val="90000"/>
             </a:lnSpc>
@@ -8336,14 +10094,14 @@
             <a:buNone/>
           </a:pPr>
           <a:r>
-            <a:rPr lang="fr-FR" sz="700" kern="1200" dirty="0"/>
+            <a:rPr lang="fr-FR" sz="600" kern="1200" dirty="0"/>
             <a:t>Root</a:t>
           </a:r>
         </a:p>
       </dsp:txBody>
       <dsp:txXfrm>
-        <a:off x="9331604" y="4043"/>
-        <a:ext cx="820543" cy="410271"/>
+        <a:off x="9811254" y="5733"/>
+        <a:ext cx="660745" cy="330372"/>
       </dsp:txXfrm>
     </dsp:sp>
     <dsp:sp modelId="{E827EE73-A458-47A5-9402-688307433157}">
@@ -8353,8 +10111,8 @@
       </dsp:nvSpPr>
       <dsp:spPr>
         <a:xfrm>
-          <a:off x="8835175" y="586629"/>
-          <a:ext cx="820543" cy="410271"/>
+          <a:off x="9411503" y="474863"/>
+          <a:ext cx="660745" cy="330372"/>
         </a:xfrm>
         <a:prstGeom prst="rect">
           <a:avLst/>
@@ -8397,12 +10155,12 @@
         </a:fontRef>
       </dsp:style>
       <dsp:txBody>
-        <a:bodyPr spcFirstLastPara="0" vert="horz" wrap="square" lIns="4445" tIns="4445" rIns="4445" bIns="4445" numCol="1" spcCol="1270" anchor="ctr" anchorCtr="0">
+        <a:bodyPr spcFirstLastPara="0" vert="horz" wrap="square" lIns="3810" tIns="3810" rIns="3810" bIns="3810" numCol="1" spcCol="1270" anchor="ctr" anchorCtr="0">
           <a:noAutofit/>
         </a:bodyPr>
         <a:lstStyle/>
         <a:p>
-          <a:pPr marL="0" lvl="0" indent="0" algn="ctr" defTabSz="311150">
+          <a:pPr marL="0" lvl="0" indent="0" algn="ctr" defTabSz="266700">
             <a:lnSpc>
               <a:spcPct val="90000"/>
             </a:lnSpc>
@@ -8415,15 +10173,15 @@
             <a:buNone/>
           </a:pPr>
           <a:r>
-            <a:rPr lang="fr-FR" sz="700" kern="1200" dirty="0" err="1"/>
+            <a:rPr lang="fr-FR" sz="600" kern="1200" dirty="0" err="1"/>
             <a:t>recipes</a:t>
           </a:r>
-          <a:endParaRPr lang="fr-FR" sz="700" kern="1200" dirty="0"/>
+          <a:endParaRPr lang="fr-FR" sz="600" kern="1200" dirty="0"/>
         </a:p>
       </dsp:txBody>
       <dsp:txXfrm>
-        <a:off x="8835175" y="586629"/>
-        <a:ext cx="820543" cy="410271"/>
+        <a:off x="9411503" y="474863"/>
+        <a:ext cx="660745" cy="330372"/>
       </dsp:txXfrm>
     </dsp:sp>
     <dsp:sp modelId="{E0D9D789-8723-4EBE-96CD-7B761C793469}">
@@ -8433,8 +10191,8 @@
       </dsp:nvSpPr>
       <dsp:spPr>
         <a:xfrm>
-          <a:off x="6849459" y="1169215"/>
-          <a:ext cx="820543" cy="410271"/>
+          <a:off x="8612001" y="943993"/>
+          <a:ext cx="660745" cy="330372"/>
         </a:xfrm>
         <a:prstGeom prst="rect">
           <a:avLst/>
@@ -8477,12 +10235,12 @@
         </a:fontRef>
       </dsp:style>
       <dsp:txBody>
-        <a:bodyPr spcFirstLastPara="0" vert="horz" wrap="square" lIns="4445" tIns="4445" rIns="4445" bIns="4445" numCol="1" spcCol="1270" anchor="ctr" anchorCtr="0">
+        <a:bodyPr spcFirstLastPara="0" vert="horz" wrap="square" lIns="3810" tIns="3810" rIns="3810" bIns="3810" numCol="1" spcCol="1270" anchor="ctr" anchorCtr="0">
           <a:noAutofit/>
         </a:bodyPr>
         <a:lstStyle/>
         <a:p>
-          <a:pPr marL="0" lvl="0" indent="0" algn="ctr" defTabSz="311150">
+          <a:pPr marL="0" lvl="0" indent="0" algn="ctr" defTabSz="266700">
             <a:lnSpc>
               <a:spcPct val="90000"/>
             </a:lnSpc>
@@ -8495,15 +10253,15 @@
             <a:buNone/>
           </a:pPr>
           <a:r>
-            <a:rPr lang="fr-FR" sz="700" kern="1200" dirty="0" err="1"/>
+            <a:rPr lang="fr-FR" sz="600" kern="1200" dirty="0" err="1"/>
             <a:t>recipe</a:t>
           </a:r>
-          <a:endParaRPr lang="fr-FR" sz="700" kern="1200" dirty="0"/>
+          <a:endParaRPr lang="fr-FR" sz="600" kern="1200" dirty="0"/>
         </a:p>
       </dsp:txBody>
       <dsp:txXfrm>
-        <a:off x="6849459" y="1169215"/>
-        <a:ext cx="820543" cy="410271"/>
+        <a:off x="8612001" y="943993"/>
+        <a:ext cx="660745" cy="330372"/>
       </dsp:txXfrm>
     </dsp:sp>
     <dsp:sp modelId="{4C561BD1-6498-41FC-9541-C2D44F4A10CE}">
@@ -8513,8 +10271,8 @@
       </dsp:nvSpPr>
       <dsp:spPr>
         <a:xfrm>
-          <a:off x="6353030" y="1751801"/>
-          <a:ext cx="820543" cy="410271"/>
+          <a:off x="7412747" y="1413122"/>
+          <a:ext cx="660745" cy="330372"/>
         </a:xfrm>
         <a:prstGeom prst="rect">
           <a:avLst/>
@@ -8557,12 +10315,12 @@
         </a:fontRef>
       </dsp:style>
       <dsp:txBody>
-        <a:bodyPr spcFirstLastPara="0" vert="horz" wrap="square" lIns="4445" tIns="4445" rIns="4445" bIns="4445" numCol="1" spcCol="1270" anchor="ctr" anchorCtr="0">
+        <a:bodyPr spcFirstLastPara="0" vert="horz" wrap="square" lIns="3810" tIns="3810" rIns="3810" bIns="3810" numCol="1" spcCol="1270" anchor="ctr" anchorCtr="0">
           <a:noAutofit/>
         </a:bodyPr>
         <a:lstStyle/>
         <a:p>
-          <a:pPr marL="0" lvl="0" indent="0" algn="ctr" defTabSz="311150">
+          <a:pPr marL="0" lvl="0" indent="0" algn="ctr" defTabSz="266700">
             <a:lnSpc>
               <a:spcPct val="90000"/>
             </a:lnSpc>
@@ -8575,26 +10333,25 @@
             <a:buNone/>
           </a:pPr>
           <a:r>
-            <a:rPr lang="fr-FR" sz="700" kern="1200" dirty="0" err="1"/>
-            <a:t>name</a:t>
+            <a:rPr lang="fr-FR" sz="600" kern="1200" dirty="0"/>
+            <a:t>Name</a:t>
           </a:r>
-          <a:endParaRPr lang="fr-FR" sz="700" kern="1200" dirty="0"/>
         </a:p>
       </dsp:txBody>
       <dsp:txXfrm>
-        <a:off x="6353030" y="1751801"/>
-        <a:ext cx="820543" cy="410271"/>
+        <a:off x="7412747" y="1413122"/>
+        <a:ext cx="660745" cy="330372"/>
       </dsp:txXfrm>
     </dsp:sp>
-    <dsp:sp modelId="{CA29F901-FB62-40CB-93B0-5FA3D3E89153}">
+    <dsp:sp modelId="{CEA5CD17-5FFF-49AA-B7BD-42AF57393911}">
       <dsp:nvSpPr>
         <dsp:cNvPr id="0" name=""/>
         <dsp:cNvSpPr/>
       </dsp:nvSpPr>
       <dsp:spPr>
         <a:xfrm>
-          <a:off x="7842317" y="1751801"/>
-          <a:ext cx="820543" cy="410271"/>
+          <a:off x="9011752" y="1413122"/>
+          <a:ext cx="660745" cy="330372"/>
         </a:xfrm>
         <a:prstGeom prst="rect">
           <a:avLst/>
@@ -8637,12 +10394,12 @@
         </a:fontRef>
       </dsp:style>
       <dsp:txBody>
-        <a:bodyPr spcFirstLastPara="0" vert="horz" wrap="square" lIns="4445" tIns="4445" rIns="4445" bIns="4445" numCol="1" spcCol="1270" anchor="ctr" anchorCtr="0">
+        <a:bodyPr spcFirstLastPara="0" vert="horz" wrap="square" lIns="3810" tIns="3810" rIns="3810" bIns="3810" numCol="1" spcCol="1270" anchor="ctr" anchorCtr="0">
           <a:noAutofit/>
         </a:bodyPr>
         <a:lstStyle/>
         <a:p>
-          <a:pPr marL="0" lvl="0" indent="0" algn="ctr" defTabSz="311150">
+          <a:pPr marL="0" lvl="0" indent="0" algn="ctr" defTabSz="266700">
             <a:lnSpc>
               <a:spcPct val="90000"/>
             </a:lnSpc>
@@ -8655,26 +10412,45 @@
             <a:buNone/>
           </a:pPr>
           <a:r>
-            <a:rPr lang="fr-FR" sz="700" kern="1200" dirty="0" err="1"/>
-            <a:t>Ingredient_rec</a:t>
+            <a:rPr lang="fr-FR" sz="600" kern="1200" dirty="0" err="1"/>
+            <a:t>NutID</a:t>
           </a:r>
-          <a:endParaRPr lang="fr-FR" sz="700" kern="1200" dirty="0"/>
+          <a:r>
+            <a:rPr lang="fr-FR" sz="600" kern="1200" dirty="0"/>
+            <a:t> </a:t>
+          </a:r>
+          <a:br>
+            <a:rPr lang="fr-FR" sz="600" kern="1200" dirty="0"/>
+          </a:br>
+          <a:r>
+            <a:rPr lang="fr-FR" sz="600" kern="1200" dirty="0" err="1"/>
+            <a:t>Keyref</a:t>
+          </a:r>
+          <a:r>
+            <a:rPr lang="fr-FR" sz="600" kern="1200" dirty="0"/>
+            <a:t> to </a:t>
+          </a:r>
+          <a:r>
+            <a:rPr lang="fr-FR" sz="600" kern="1200" dirty="0" err="1"/>
+            <a:t>RecipeID</a:t>
+          </a:r>
+          <a:endParaRPr lang="fr-FR" sz="600" kern="1200" dirty="0"/>
         </a:p>
       </dsp:txBody>
       <dsp:txXfrm>
-        <a:off x="7842317" y="1751801"/>
-        <a:ext cx="820543" cy="410271"/>
+        <a:off x="9011752" y="1413122"/>
+        <a:ext cx="660745" cy="330372"/>
       </dsp:txXfrm>
     </dsp:sp>
-    <dsp:sp modelId="{FADDC691-0A86-4B40-AA55-39069DDC51CC}">
+    <dsp:sp modelId="{CA29F901-FB62-40CB-93B0-5FA3D3E89153}">
       <dsp:nvSpPr>
         <dsp:cNvPr id="0" name=""/>
         <dsp:cNvSpPr/>
       </dsp:nvSpPr>
       <dsp:spPr>
         <a:xfrm>
-          <a:off x="7345888" y="2334387"/>
-          <a:ext cx="820543" cy="410271"/>
+          <a:off x="7812498" y="1882252"/>
+          <a:ext cx="660745" cy="330372"/>
         </a:xfrm>
         <a:prstGeom prst="rect">
           <a:avLst/>
@@ -8717,12 +10493,12 @@
         </a:fontRef>
       </dsp:style>
       <dsp:txBody>
-        <a:bodyPr spcFirstLastPara="0" vert="horz" wrap="square" lIns="4445" tIns="4445" rIns="4445" bIns="4445" numCol="1" spcCol="1270" anchor="ctr" anchorCtr="0">
+        <a:bodyPr spcFirstLastPara="0" vert="horz" wrap="square" lIns="3810" tIns="3810" rIns="3810" bIns="3810" numCol="1" spcCol="1270" anchor="ctr" anchorCtr="0">
           <a:noAutofit/>
         </a:bodyPr>
         <a:lstStyle/>
         <a:p>
-          <a:pPr marL="0" lvl="0" indent="0" algn="ctr" defTabSz="311150">
+          <a:pPr marL="0" lvl="0" indent="0" algn="ctr" defTabSz="266700">
             <a:lnSpc>
               <a:spcPct val="90000"/>
             </a:lnSpc>
@@ -8735,26 +10511,26 @@
             <a:buNone/>
           </a:pPr>
           <a:r>
-            <a:rPr lang="fr-FR" sz="700" kern="1200" dirty="0" err="1"/>
-            <a:t>Ingredient_name</a:t>
+            <a:rPr lang="fr-FR" sz="600" kern="1200" dirty="0" err="1"/>
+            <a:t>Ingredient_rec</a:t>
           </a:r>
-          <a:endParaRPr lang="fr-FR" sz="700" kern="1200" dirty="0"/>
+          <a:endParaRPr lang="fr-FR" sz="600" kern="1200" dirty="0"/>
         </a:p>
       </dsp:txBody>
       <dsp:txXfrm>
-        <a:off x="7345888" y="2334387"/>
-        <a:ext cx="820543" cy="410271"/>
+        <a:off x="7812498" y="1882252"/>
+        <a:ext cx="660745" cy="330372"/>
       </dsp:txXfrm>
     </dsp:sp>
-    <dsp:sp modelId="{9A2566C5-9F5E-4D8B-9060-A8D3B81F3336}">
+    <dsp:sp modelId="{FADDC691-0A86-4B40-AA55-39069DDC51CC}">
       <dsp:nvSpPr>
         <dsp:cNvPr id="0" name=""/>
         <dsp:cNvSpPr/>
       </dsp:nvSpPr>
       <dsp:spPr>
         <a:xfrm>
-          <a:off x="8338746" y="2334387"/>
-          <a:ext cx="820543" cy="410271"/>
+          <a:off x="7412747" y="2351381"/>
+          <a:ext cx="660745" cy="330372"/>
         </a:xfrm>
         <a:prstGeom prst="rect">
           <a:avLst/>
@@ -8797,12 +10573,12 @@
         </a:fontRef>
       </dsp:style>
       <dsp:txBody>
-        <a:bodyPr spcFirstLastPara="0" vert="horz" wrap="square" lIns="4445" tIns="4445" rIns="4445" bIns="4445" numCol="1" spcCol="1270" anchor="ctr" anchorCtr="0">
+        <a:bodyPr spcFirstLastPara="0" vert="horz" wrap="square" lIns="3810" tIns="3810" rIns="3810" bIns="3810" numCol="1" spcCol="1270" anchor="ctr" anchorCtr="0">
           <a:noAutofit/>
         </a:bodyPr>
         <a:lstStyle/>
         <a:p>
-          <a:pPr marL="0" lvl="0" indent="0" algn="ctr" defTabSz="311150">
+          <a:pPr marL="0" lvl="0" indent="0" algn="ctr" defTabSz="266700">
             <a:lnSpc>
               <a:spcPct val="90000"/>
             </a:lnSpc>
@@ -8815,26 +10591,26 @@
             <a:buNone/>
           </a:pPr>
           <a:r>
-            <a:rPr lang="fr-FR" sz="700" kern="1200" dirty="0" err="1"/>
-            <a:t>Ingredient_quantity</a:t>
+            <a:rPr lang="fr-FR" sz="600" kern="1200" dirty="0" err="1"/>
+            <a:t>Ingredient_name</a:t>
           </a:r>
-          <a:endParaRPr lang="fr-FR" sz="700" kern="1200" dirty="0"/>
+          <a:endParaRPr lang="fr-FR" sz="600" kern="1200" dirty="0"/>
         </a:p>
       </dsp:txBody>
       <dsp:txXfrm>
-        <a:off x="8338746" y="2334387"/>
-        <a:ext cx="820543" cy="410271"/>
+        <a:off x="7412747" y="2351381"/>
+        <a:ext cx="660745" cy="330372"/>
       </dsp:txXfrm>
     </dsp:sp>
-    <dsp:sp modelId="{7BBCE7BB-9B24-4968-9CF1-8802A8F83A58}">
+    <dsp:sp modelId="{9A2566C5-9F5E-4D8B-9060-A8D3B81F3336}">
       <dsp:nvSpPr>
         <dsp:cNvPr id="0" name=""/>
         <dsp:cNvSpPr/>
       </dsp:nvSpPr>
       <dsp:spPr>
         <a:xfrm>
-          <a:off x="6353030" y="2916973"/>
-          <a:ext cx="820543" cy="410271"/>
+          <a:off x="8212249" y="2351381"/>
+          <a:ext cx="660745" cy="330372"/>
         </a:xfrm>
         <a:prstGeom prst="rect">
           <a:avLst/>
@@ -8877,12 +10653,12 @@
         </a:fontRef>
       </dsp:style>
       <dsp:txBody>
-        <a:bodyPr spcFirstLastPara="0" vert="horz" wrap="square" lIns="4445" tIns="4445" rIns="4445" bIns="4445" numCol="1" spcCol="1270" anchor="ctr" anchorCtr="0">
+        <a:bodyPr spcFirstLastPara="0" vert="horz" wrap="square" lIns="3810" tIns="3810" rIns="3810" bIns="3810" numCol="1" spcCol="1270" anchor="ctr" anchorCtr="0">
           <a:noAutofit/>
         </a:bodyPr>
         <a:lstStyle/>
         <a:p>
-          <a:pPr marL="0" lvl="0" indent="0" algn="ctr" defTabSz="311150">
+          <a:pPr marL="0" lvl="0" indent="0" algn="ctr" defTabSz="266700">
             <a:lnSpc>
               <a:spcPct val="90000"/>
             </a:lnSpc>
@@ -8895,56 +10671,26 @@
             <a:buNone/>
           </a:pPr>
           <a:r>
-            <a:rPr lang="fr-FR" sz="700" kern="1200" dirty="0" err="1"/>
-            <a:t>RefCategorie</a:t>
+            <a:rPr lang="fr-FR" sz="600" kern="1200" dirty="0" err="1"/>
+            <a:t>Ingredient_quantity</a:t>
           </a:r>
-          <a:endParaRPr lang="fr-FR" sz="700" kern="1200" dirty="0"/>
-        </a:p>
-        <a:p>
-          <a:pPr marL="0" lvl="0" indent="0" algn="ctr" defTabSz="311150">
-            <a:lnSpc>
-              <a:spcPct val="90000"/>
-            </a:lnSpc>
-            <a:spcBef>
-              <a:spcPct val="0"/>
-            </a:spcBef>
-            <a:spcAft>
-              <a:spcPct val="35000"/>
-            </a:spcAft>
-            <a:buNone/>
-          </a:pPr>
-          <a:r>
-            <a:rPr lang="fr-FR" sz="700" kern="1200" dirty="0" err="1"/>
-            <a:t>Keyref</a:t>
-          </a:r>
-          <a:r>
-            <a:rPr lang="fr-FR" sz="700" kern="1200" dirty="0"/>
-            <a:t>(</a:t>
-          </a:r>
-          <a:r>
-            <a:rPr lang="fr-FR" sz="700" kern="1200" dirty="0" err="1"/>
-            <a:t>recipeCat</a:t>
-          </a:r>
-          <a:r>
-            <a:rPr lang="fr-FR" sz="700" kern="1200" dirty="0"/>
-            <a:t>)</a:t>
-          </a:r>
+          <a:endParaRPr lang="fr-FR" sz="600" kern="1200" dirty="0"/>
         </a:p>
       </dsp:txBody>
       <dsp:txXfrm>
-        <a:off x="6353030" y="2916973"/>
-        <a:ext cx="820543" cy="410271"/>
+        <a:off x="8212249" y="2351381"/>
+        <a:ext cx="660745" cy="330372"/>
       </dsp:txXfrm>
     </dsp:sp>
-    <dsp:sp modelId="{16878670-2316-40C8-BBED-5A791E94C876}">
+    <dsp:sp modelId="{7BBCE7BB-9B24-4968-9CF1-8802A8F83A58}">
       <dsp:nvSpPr>
         <dsp:cNvPr id="0" name=""/>
         <dsp:cNvSpPr/>
       </dsp:nvSpPr>
       <dsp:spPr>
         <a:xfrm>
-          <a:off x="7345888" y="2916973"/>
-          <a:ext cx="820543" cy="410271"/>
+          <a:off x="9011752" y="1882252"/>
+          <a:ext cx="660745" cy="330372"/>
         </a:xfrm>
         <a:prstGeom prst="rect">
           <a:avLst/>
@@ -8987,12 +10733,12 @@
         </a:fontRef>
       </dsp:style>
       <dsp:txBody>
-        <a:bodyPr spcFirstLastPara="0" vert="horz" wrap="square" lIns="4445" tIns="4445" rIns="4445" bIns="4445" numCol="1" spcCol="1270" anchor="ctr" anchorCtr="0">
+        <a:bodyPr spcFirstLastPara="0" vert="horz" wrap="square" lIns="3810" tIns="3810" rIns="3810" bIns="3810" numCol="1" spcCol="1270" anchor="ctr" anchorCtr="0">
           <a:noAutofit/>
         </a:bodyPr>
         <a:lstStyle/>
         <a:p>
-          <a:pPr marL="0" lvl="0" indent="0" algn="ctr" defTabSz="311150">
+          <a:pPr marL="0" lvl="0" indent="0" algn="ctr" defTabSz="266700">
             <a:lnSpc>
               <a:spcPct val="90000"/>
             </a:lnSpc>
@@ -9005,25 +10751,53 @@
             <a:buNone/>
           </a:pPr>
           <a:r>
-            <a:rPr lang="fr-FR" sz="700" kern="1200" dirty="0"/>
-            <a:t>Budget </a:t>
+            <a:rPr lang="fr-FR" sz="600" kern="1200" dirty="0" err="1"/>
+            <a:t>RefCategorie</a:t>
           </a:r>
+          <a:endParaRPr lang="fr-FR" sz="600" kern="1200" dirty="0"/>
+        </a:p>
+        <a:p>
+          <a:pPr marL="0" lvl="0" indent="0" algn="ctr" defTabSz="266700">
+            <a:lnSpc>
+              <a:spcPct val="90000"/>
+            </a:lnSpc>
+            <a:spcBef>
+              <a:spcPct val="0"/>
+            </a:spcBef>
+            <a:spcAft>
+              <a:spcPct val="35000"/>
+            </a:spcAft>
+            <a:buNone/>
+          </a:pPr>
+          <a:r>
+            <a:rPr lang="fr-FR" sz="600" kern="1200" dirty="0" err="1"/>
+            <a:t>Keyref</a:t>
+          </a:r>
+          <a:r>
+            <a:rPr lang="fr-FR" sz="600" kern="1200" dirty="0"/>
+            <a:t> to </a:t>
+          </a:r>
+          <a:r>
+            <a:rPr lang="fr-FR" sz="600" kern="1200" dirty="0" err="1"/>
+            <a:t>recipeCat</a:t>
+          </a:r>
+          <a:endParaRPr lang="fr-FR" sz="600" kern="1200" dirty="0"/>
         </a:p>
       </dsp:txBody>
       <dsp:txXfrm>
-        <a:off x="7345888" y="2916973"/>
-        <a:ext cx="820543" cy="410271"/>
+        <a:off x="9011752" y="1882252"/>
+        <a:ext cx="660745" cy="330372"/>
       </dsp:txXfrm>
     </dsp:sp>
-    <dsp:sp modelId="{1F20BA95-876A-4CA7-8474-083218689804}">
+    <dsp:sp modelId="{D190B0E1-89D9-49E4-86A8-FC5F6ECC41C4}">
       <dsp:nvSpPr>
         <dsp:cNvPr id="0" name=""/>
         <dsp:cNvSpPr/>
       </dsp:nvSpPr>
       <dsp:spPr>
         <a:xfrm>
-          <a:off x="6353030" y="3499559"/>
-          <a:ext cx="820543" cy="410271"/>
+          <a:off x="7412747" y="2820511"/>
+          <a:ext cx="660745" cy="330372"/>
         </a:xfrm>
         <a:prstGeom prst="rect">
           <a:avLst/>
@@ -9066,12 +10840,12 @@
         </a:fontRef>
       </dsp:style>
       <dsp:txBody>
-        <a:bodyPr spcFirstLastPara="0" vert="horz" wrap="square" lIns="4445" tIns="4445" rIns="4445" bIns="4445" numCol="1" spcCol="1270" anchor="ctr" anchorCtr="0">
+        <a:bodyPr spcFirstLastPara="0" vert="horz" wrap="square" lIns="3810" tIns="3810" rIns="3810" bIns="3810" numCol="1" spcCol="1270" anchor="ctr" anchorCtr="0">
           <a:noAutofit/>
         </a:bodyPr>
         <a:lstStyle/>
         <a:p>
-          <a:pPr marL="0" lvl="0" indent="0" algn="ctr" defTabSz="311150">
+          <a:pPr marL="0" lvl="0" indent="0" algn="ctr" defTabSz="266700">
             <a:lnSpc>
               <a:spcPct val="90000"/>
             </a:lnSpc>
@@ -9084,26 +10858,25 @@
             <a:buNone/>
           </a:pPr>
           <a:r>
-            <a:rPr lang="fr-FR" sz="700" kern="1200" dirty="0" err="1"/>
-            <a:t>Cooking_time</a:t>
+            <a:rPr lang="fr-FR" sz="600" kern="1200" dirty="0"/>
+            <a:t>type</a:t>
           </a:r>
-          <a:endParaRPr lang="fr-FR" sz="700" kern="1200" dirty="0"/>
         </a:p>
       </dsp:txBody>
       <dsp:txXfrm>
-        <a:off x="6353030" y="3499559"/>
-        <a:ext cx="820543" cy="410271"/>
+        <a:off x="7412747" y="2820511"/>
+        <a:ext cx="660745" cy="330372"/>
       </dsp:txXfrm>
     </dsp:sp>
-    <dsp:sp modelId="{D086313A-D390-46C5-9D6A-A8D0967A109B}">
+    <dsp:sp modelId="{16878670-2316-40C8-BBED-5A791E94C876}">
       <dsp:nvSpPr>
         <dsp:cNvPr id="0" name=""/>
         <dsp:cNvSpPr/>
       </dsp:nvSpPr>
       <dsp:spPr>
         <a:xfrm>
-          <a:off x="7345888" y="3499559"/>
-          <a:ext cx="820543" cy="410271"/>
+          <a:off x="9011752" y="2820511"/>
+          <a:ext cx="660745" cy="330372"/>
         </a:xfrm>
         <a:prstGeom prst="rect">
           <a:avLst/>
@@ -9146,12 +10919,12 @@
         </a:fontRef>
       </dsp:style>
       <dsp:txBody>
-        <a:bodyPr spcFirstLastPara="0" vert="horz" wrap="square" lIns="4445" tIns="4445" rIns="4445" bIns="4445" numCol="1" spcCol="1270" anchor="ctr" anchorCtr="0">
+        <a:bodyPr spcFirstLastPara="0" vert="horz" wrap="square" lIns="3810" tIns="3810" rIns="3810" bIns="3810" numCol="1" spcCol="1270" anchor="ctr" anchorCtr="0">
           <a:noAutofit/>
         </a:bodyPr>
         <a:lstStyle/>
         <a:p>
-          <a:pPr marL="0" lvl="0" indent="0" algn="ctr" defTabSz="311150">
+          <a:pPr marL="0" lvl="0" indent="0" algn="ctr" defTabSz="266700">
             <a:lnSpc>
               <a:spcPct val="90000"/>
             </a:lnSpc>
@@ -9164,26 +10937,25 @@
             <a:buNone/>
           </a:pPr>
           <a:r>
-            <a:rPr lang="fr-FR" sz="700" kern="1200" dirty="0" err="1"/>
-            <a:t>Preparation_time</a:t>
+            <a:rPr lang="fr-FR" sz="600" kern="1200" dirty="0"/>
+            <a:t>Budget </a:t>
           </a:r>
-          <a:endParaRPr lang="fr-FR" sz="700" kern="1200" dirty="0"/>
         </a:p>
       </dsp:txBody>
       <dsp:txXfrm>
-        <a:off x="7345888" y="3499559"/>
-        <a:ext cx="820543" cy="410271"/>
+        <a:off x="9011752" y="2820511"/>
+        <a:ext cx="660745" cy="330372"/>
       </dsp:txXfrm>
     </dsp:sp>
-    <dsp:sp modelId="{0922FE8B-DF89-4405-8D8B-F8F3C875E2DD}">
+    <dsp:sp modelId="{1F20BA95-876A-4CA7-8474-083218689804}">
       <dsp:nvSpPr>
         <dsp:cNvPr id="0" name=""/>
         <dsp:cNvSpPr/>
       </dsp:nvSpPr>
       <dsp:spPr>
         <a:xfrm>
-          <a:off x="6353030" y="4082145"/>
-          <a:ext cx="820543" cy="410271"/>
+          <a:off x="7412747" y="3289640"/>
+          <a:ext cx="660745" cy="330372"/>
         </a:xfrm>
         <a:prstGeom prst="rect">
           <a:avLst/>
@@ -9226,12 +10998,12 @@
         </a:fontRef>
       </dsp:style>
       <dsp:txBody>
-        <a:bodyPr spcFirstLastPara="0" vert="horz" wrap="square" lIns="4445" tIns="4445" rIns="4445" bIns="4445" numCol="1" spcCol="1270" anchor="ctr" anchorCtr="0">
+        <a:bodyPr spcFirstLastPara="0" vert="horz" wrap="square" lIns="3810" tIns="3810" rIns="3810" bIns="3810" numCol="1" spcCol="1270" anchor="ctr" anchorCtr="0">
           <a:noAutofit/>
         </a:bodyPr>
         <a:lstStyle/>
         <a:p>
-          <a:pPr marL="0" lvl="0" indent="0" algn="ctr" defTabSz="311150">
+          <a:pPr marL="0" lvl="0" indent="0" algn="ctr" defTabSz="266700">
             <a:lnSpc>
               <a:spcPct val="90000"/>
             </a:lnSpc>
@@ -9244,26 +11016,26 @@
             <a:buNone/>
           </a:pPr>
           <a:r>
-            <a:rPr lang="fr-FR" sz="700" kern="1200" dirty="0" err="1"/>
-            <a:t>Level</a:t>
+            <a:rPr lang="fr-FR" sz="600" kern="1200" dirty="0" err="1"/>
+            <a:t>Cooking_time</a:t>
           </a:r>
-          <a:endParaRPr lang="fr-FR" sz="700" kern="1200" dirty="0"/>
+          <a:endParaRPr lang="fr-FR" sz="600" kern="1200" dirty="0"/>
         </a:p>
       </dsp:txBody>
       <dsp:txXfrm>
-        <a:off x="6353030" y="4082145"/>
-        <a:ext cx="820543" cy="410271"/>
+        <a:off x="7412747" y="3289640"/>
+        <a:ext cx="660745" cy="330372"/>
       </dsp:txXfrm>
     </dsp:sp>
-    <dsp:sp modelId="{BCFCD26C-86D8-4D7F-B57A-880FC9A97A3F}">
+    <dsp:sp modelId="{D086313A-D390-46C5-9D6A-A8D0967A109B}">
       <dsp:nvSpPr>
         <dsp:cNvPr id="0" name=""/>
         <dsp:cNvSpPr/>
       </dsp:nvSpPr>
       <dsp:spPr>
         <a:xfrm>
-          <a:off x="7345888" y="4082145"/>
-          <a:ext cx="820543" cy="410271"/>
+          <a:off x="9011752" y="3289640"/>
+          <a:ext cx="660745" cy="330372"/>
         </a:xfrm>
         <a:prstGeom prst="rect">
           <a:avLst/>
@@ -9306,12 +11078,12 @@
         </a:fontRef>
       </dsp:style>
       <dsp:txBody>
-        <a:bodyPr spcFirstLastPara="0" vert="horz" wrap="square" lIns="4445" tIns="4445" rIns="4445" bIns="4445" numCol="1" spcCol="1270" anchor="ctr" anchorCtr="0">
+        <a:bodyPr spcFirstLastPara="0" vert="horz" wrap="square" lIns="3810" tIns="3810" rIns="3810" bIns="3810" numCol="1" spcCol="1270" anchor="ctr" anchorCtr="0">
           <a:noAutofit/>
         </a:bodyPr>
         <a:lstStyle/>
         <a:p>
-          <a:pPr marL="0" lvl="0" indent="0" algn="ctr" defTabSz="311150">
+          <a:pPr marL="0" lvl="0" indent="0" algn="ctr" defTabSz="266700">
             <a:lnSpc>
               <a:spcPct val="90000"/>
             </a:lnSpc>
@@ -9324,26 +11096,26 @@
             <a:buNone/>
           </a:pPr>
           <a:r>
-            <a:rPr lang="fr-FR" sz="700" kern="1200" dirty="0" err="1"/>
-            <a:t>Number_serving</a:t>
+            <a:rPr lang="fr-FR" sz="600" kern="1200" dirty="0" err="1"/>
+            <a:t>Preparation_time</a:t>
           </a:r>
-          <a:endParaRPr lang="fr-FR" sz="700" kern="1200" dirty="0"/>
+          <a:endParaRPr lang="fr-FR" sz="600" kern="1200" dirty="0"/>
         </a:p>
       </dsp:txBody>
       <dsp:txXfrm>
-        <a:off x="7345888" y="4082145"/>
-        <a:ext cx="820543" cy="410271"/>
+        <a:off x="9011752" y="3289640"/>
+        <a:ext cx="660745" cy="330372"/>
       </dsp:txXfrm>
     </dsp:sp>
-    <dsp:sp modelId="{E51E6F38-46A5-4263-9055-A1AEB09CD03A}">
+    <dsp:sp modelId="{0922FE8B-DF89-4405-8D8B-F8F3C875E2DD}">
       <dsp:nvSpPr>
         <dsp:cNvPr id="0" name=""/>
         <dsp:cNvSpPr/>
       </dsp:nvSpPr>
       <dsp:spPr>
         <a:xfrm>
-          <a:off x="6353030" y="4664731"/>
-          <a:ext cx="820543" cy="410271"/>
+          <a:off x="7412747" y="3758770"/>
+          <a:ext cx="660745" cy="330372"/>
         </a:xfrm>
         <a:prstGeom prst="rect">
           <a:avLst/>
@@ -9386,12 +11158,12 @@
         </a:fontRef>
       </dsp:style>
       <dsp:txBody>
-        <a:bodyPr spcFirstLastPara="0" vert="horz" wrap="square" lIns="4445" tIns="4445" rIns="4445" bIns="4445" numCol="1" spcCol="1270" anchor="ctr" anchorCtr="0">
+        <a:bodyPr spcFirstLastPara="0" vert="horz" wrap="square" lIns="3810" tIns="3810" rIns="3810" bIns="3810" numCol="1" spcCol="1270" anchor="ctr" anchorCtr="0">
           <a:noAutofit/>
         </a:bodyPr>
         <a:lstStyle/>
         <a:p>
-          <a:pPr marL="0" lvl="0" indent="0" algn="ctr" defTabSz="311150">
+          <a:pPr marL="0" lvl="0" indent="0" algn="ctr" defTabSz="266700">
             <a:lnSpc>
               <a:spcPct val="90000"/>
             </a:lnSpc>
@@ -9404,26 +11176,26 @@
             <a:buNone/>
           </a:pPr>
           <a:r>
-            <a:rPr lang="fr-FR" sz="700" kern="1200" dirty="0" err="1"/>
-            <a:t>Step</a:t>
+            <a:rPr lang="fr-FR" sz="600" kern="1200" dirty="0" err="1"/>
+            <a:t>Level</a:t>
           </a:r>
-          <a:endParaRPr lang="fr-FR" sz="700" kern="1200" dirty="0"/>
+          <a:endParaRPr lang="fr-FR" sz="600" kern="1200" dirty="0"/>
         </a:p>
       </dsp:txBody>
       <dsp:txXfrm>
-        <a:off x="6353030" y="4664731"/>
-        <a:ext cx="820543" cy="410271"/>
+        <a:off x="7412747" y="3758770"/>
+        <a:ext cx="660745" cy="330372"/>
       </dsp:txXfrm>
     </dsp:sp>
-    <dsp:sp modelId="{1005FA76-D947-46F8-8000-A279BD4348DD}">
+    <dsp:sp modelId="{BCFCD26C-86D8-4D7F-B57A-880FC9A97A3F}">
       <dsp:nvSpPr>
         <dsp:cNvPr id="0" name=""/>
         <dsp:cNvSpPr/>
       </dsp:nvSpPr>
       <dsp:spPr>
         <a:xfrm>
-          <a:off x="7345888" y="4664731"/>
-          <a:ext cx="820543" cy="410271"/>
+          <a:off x="9011752" y="3758770"/>
+          <a:ext cx="660745" cy="330372"/>
         </a:xfrm>
         <a:prstGeom prst="rect">
           <a:avLst/>
@@ -9466,12 +11238,12 @@
         </a:fontRef>
       </dsp:style>
       <dsp:txBody>
-        <a:bodyPr spcFirstLastPara="0" vert="horz" wrap="square" lIns="4445" tIns="4445" rIns="4445" bIns="4445" numCol="1" spcCol="1270" anchor="ctr" anchorCtr="0">
+        <a:bodyPr spcFirstLastPara="0" vert="horz" wrap="square" lIns="3810" tIns="3810" rIns="3810" bIns="3810" numCol="1" spcCol="1270" anchor="ctr" anchorCtr="0">
           <a:noAutofit/>
         </a:bodyPr>
         <a:lstStyle/>
         <a:p>
-          <a:pPr marL="0" lvl="0" indent="0" algn="ctr" defTabSz="311150">
+          <a:pPr marL="0" lvl="0" indent="0" algn="ctr" defTabSz="266700">
             <a:lnSpc>
               <a:spcPct val="90000"/>
             </a:lnSpc>
@@ -9484,25 +11256,26 @@
             <a:buNone/>
           </a:pPr>
           <a:r>
-            <a:rPr lang="fr-FR" sz="700" kern="1200" dirty="0"/>
-            <a:t>Rating</a:t>
+            <a:rPr lang="fr-FR" sz="600" kern="1200" dirty="0" err="1"/>
+            <a:t>Number_serving</a:t>
           </a:r>
+          <a:endParaRPr lang="fr-FR" sz="600" kern="1200" dirty="0"/>
         </a:p>
       </dsp:txBody>
       <dsp:txXfrm>
-        <a:off x="7345888" y="4664731"/>
-        <a:ext cx="820543" cy="410271"/>
+        <a:off x="9011752" y="3758770"/>
+        <a:ext cx="660745" cy="330372"/>
       </dsp:txXfrm>
     </dsp:sp>
-    <dsp:sp modelId="{1A5F4A39-3F72-454B-8E34-BA033BF3C5E1}">
+    <dsp:sp modelId="{E51E6F38-46A5-4263-9055-A1AEB09CD03A}">
       <dsp:nvSpPr>
         <dsp:cNvPr id="0" name=""/>
         <dsp:cNvSpPr/>
       </dsp:nvSpPr>
       <dsp:spPr>
         <a:xfrm>
-          <a:off x="11317320" y="586629"/>
-          <a:ext cx="820543" cy="410271"/>
+          <a:off x="7412747" y="4227900"/>
+          <a:ext cx="660745" cy="330372"/>
         </a:xfrm>
         <a:prstGeom prst="rect">
           <a:avLst/>
@@ -9545,12 +11318,12 @@
         </a:fontRef>
       </dsp:style>
       <dsp:txBody>
-        <a:bodyPr spcFirstLastPara="0" vert="horz" wrap="square" lIns="4445" tIns="4445" rIns="4445" bIns="4445" numCol="1" spcCol="1270" anchor="ctr" anchorCtr="0">
+        <a:bodyPr spcFirstLastPara="0" vert="horz" wrap="square" lIns="3810" tIns="3810" rIns="3810" bIns="3810" numCol="1" spcCol="1270" anchor="ctr" anchorCtr="0">
           <a:noAutofit/>
         </a:bodyPr>
         <a:lstStyle/>
         <a:p>
-          <a:pPr marL="0" lvl="0" indent="0" algn="ctr" defTabSz="311150">
+          <a:pPr marL="0" lvl="0" indent="0" algn="ctr" defTabSz="266700">
             <a:lnSpc>
               <a:spcPct val="90000"/>
             </a:lnSpc>
@@ -9563,26 +11336,26 @@
             <a:buNone/>
           </a:pPr>
           <a:r>
-            <a:rPr lang="fr-FR" sz="700" kern="1200" dirty="0" err="1"/>
-            <a:t>ingredients</a:t>
+            <a:rPr lang="fr-FR" sz="600" kern="1200" dirty="0" err="1"/>
+            <a:t>Step</a:t>
           </a:r>
-          <a:endParaRPr lang="fr-FR" sz="700" kern="1200" dirty="0"/>
+          <a:endParaRPr lang="fr-FR" sz="600" kern="1200" dirty="0"/>
         </a:p>
       </dsp:txBody>
       <dsp:txXfrm>
-        <a:off x="11317320" y="586629"/>
-        <a:ext cx="820543" cy="410271"/>
+        <a:off x="7412747" y="4227900"/>
+        <a:ext cx="660745" cy="330372"/>
       </dsp:txXfrm>
     </dsp:sp>
-    <dsp:sp modelId="{7C453B80-2575-4477-8225-282BC5C3B02F}">
+    <dsp:sp modelId="{1005FA76-D947-46F8-8000-A279BD4348DD}">
       <dsp:nvSpPr>
         <dsp:cNvPr id="0" name=""/>
         <dsp:cNvSpPr/>
       </dsp:nvSpPr>
       <dsp:spPr>
         <a:xfrm>
-          <a:off x="10324462" y="1169215"/>
-          <a:ext cx="820543" cy="410271"/>
+          <a:off x="9011752" y="4227900"/>
+          <a:ext cx="660745" cy="330372"/>
         </a:xfrm>
         <a:prstGeom prst="rect">
           <a:avLst/>
@@ -9625,12 +11398,12 @@
         </a:fontRef>
       </dsp:style>
       <dsp:txBody>
-        <a:bodyPr spcFirstLastPara="0" vert="horz" wrap="square" lIns="4445" tIns="4445" rIns="4445" bIns="4445" numCol="1" spcCol="1270" anchor="ctr" anchorCtr="0">
+        <a:bodyPr spcFirstLastPara="0" vert="horz" wrap="square" lIns="3810" tIns="3810" rIns="3810" bIns="3810" numCol="1" spcCol="1270" anchor="ctr" anchorCtr="0">
           <a:noAutofit/>
         </a:bodyPr>
         <a:lstStyle/>
         <a:p>
-          <a:pPr marL="0" lvl="0" indent="0" algn="ctr" defTabSz="311150">
+          <a:pPr marL="0" lvl="0" indent="0" algn="ctr" defTabSz="266700">
             <a:lnSpc>
               <a:spcPct val="90000"/>
             </a:lnSpc>
@@ -9643,26 +11416,25 @@
             <a:buNone/>
           </a:pPr>
           <a:r>
-            <a:rPr lang="fr-FR" sz="700" kern="1200" dirty="0" err="1"/>
-            <a:t>ingredient</a:t>
+            <a:rPr lang="fr-FR" sz="600" kern="1200" dirty="0"/>
+            <a:t>Rating</a:t>
           </a:r>
-          <a:endParaRPr lang="fr-FR" sz="700" kern="1200" dirty="0"/>
         </a:p>
       </dsp:txBody>
       <dsp:txXfrm>
-        <a:off x="10324462" y="1169215"/>
-        <a:ext cx="820543" cy="410271"/>
+        <a:off x="9011752" y="4227900"/>
+        <a:ext cx="660745" cy="330372"/>
       </dsp:txXfrm>
     </dsp:sp>
-    <dsp:sp modelId="{CFFB4314-3114-427D-9439-8EE9BFA47093}">
+    <dsp:sp modelId="{1A5F4A39-3F72-454B-8E34-BA033BF3C5E1}">
       <dsp:nvSpPr>
         <dsp:cNvPr id="0" name=""/>
         <dsp:cNvSpPr/>
       </dsp:nvSpPr>
       <dsp:spPr>
         <a:xfrm>
-          <a:off x="9828033" y="1751801"/>
-          <a:ext cx="820543" cy="410271"/>
+          <a:off x="11410259" y="474863"/>
+          <a:ext cx="660745" cy="330372"/>
         </a:xfrm>
         <a:prstGeom prst="rect">
           <a:avLst/>
@@ -9705,12 +11477,12 @@
         </a:fontRef>
       </dsp:style>
       <dsp:txBody>
-        <a:bodyPr spcFirstLastPara="0" vert="horz" wrap="square" lIns="4445" tIns="4445" rIns="4445" bIns="4445" numCol="1" spcCol="1270" anchor="ctr" anchorCtr="0">
+        <a:bodyPr spcFirstLastPara="0" vert="horz" wrap="square" lIns="3810" tIns="3810" rIns="3810" bIns="3810" numCol="1" spcCol="1270" anchor="ctr" anchorCtr="0">
           <a:noAutofit/>
         </a:bodyPr>
         <a:lstStyle/>
         <a:p>
-          <a:pPr marL="0" lvl="0" indent="0" algn="ctr" defTabSz="311150">
+          <a:pPr marL="0" lvl="0" indent="0" algn="ctr" defTabSz="266700">
             <a:lnSpc>
               <a:spcPct val="90000"/>
             </a:lnSpc>
@@ -9723,25 +11495,26 @@
             <a:buNone/>
           </a:pPr>
           <a:r>
-            <a:rPr lang="fr-FR" sz="700" kern="1200" dirty="0"/>
-            <a:t>Name</a:t>
+            <a:rPr lang="fr-FR" sz="600" kern="1200" dirty="0" err="1"/>
+            <a:t>ingredients</a:t>
           </a:r>
+          <a:endParaRPr lang="fr-FR" sz="600" kern="1200" dirty="0"/>
         </a:p>
       </dsp:txBody>
       <dsp:txXfrm>
-        <a:off x="9828033" y="1751801"/>
-        <a:ext cx="820543" cy="410271"/>
+        <a:off x="11410259" y="474863"/>
+        <a:ext cx="660745" cy="330372"/>
       </dsp:txXfrm>
     </dsp:sp>
-    <dsp:sp modelId="{5AEF1B41-FBF0-46FE-8187-960FE966BE9B}">
+    <dsp:sp modelId="{7C453B80-2575-4477-8225-282BC5C3B02F}">
       <dsp:nvSpPr>
         <dsp:cNvPr id="0" name=""/>
         <dsp:cNvSpPr/>
       </dsp:nvSpPr>
       <dsp:spPr>
         <a:xfrm>
-          <a:off x="10820891" y="1751801"/>
-          <a:ext cx="820543" cy="410271"/>
+          <a:off x="10610757" y="943993"/>
+          <a:ext cx="660745" cy="330372"/>
         </a:xfrm>
         <a:prstGeom prst="rect">
           <a:avLst/>
@@ -9784,12 +11557,12 @@
         </a:fontRef>
       </dsp:style>
       <dsp:txBody>
-        <a:bodyPr spcFirstLastPara="0" vert="horz" wrap="square" lIns="4445" tIns="4445" rIns="4445" bIns="4445" numCol="1" spcCol="1270" anchor="ctr" anchorCtr="0">
+        <a:bodyPr spcFirstLastPara="0" vert="horz" wrap="square" lIns="3810" tIns="3810" rIns="3810" bIns="3810" numCol="1" spcCol="1270" anchor="ctr" anchorCtr="0">
           <a:noAutofit/>
         </a:bodyPr>
         <a:lstStyle/>
         <a:p>
-          <a:pPr marL="0" lvl="0" indent="0" algn="ctr" defTabSz="311150">
+          <a:pPr marL="0" lvl="0" indent="0" algn="ctr" defTabSz="266700">
             <a:lnSpc>
               <a:spcPct val="90000"/>
             </a:lnSpc>
@@ -9802,26 +11575,26 @@
             <a:buNone/>
           </a:pPr>
           <a:r>
-            <a:rPr lang="fr-FR" sz="700" kern="1200" dirty="0" err="1"/>
-            <a:t>Season</a:t>
+            <a:rPr lang="fr-FR" sz="600" kern="1200" dirty="0" err="1"/>
+            <a:t>ingredient</a:t>
           </a:r>
-          <a:endParaRPr lang="fr-FR" sz="700" kern="1200" dirty="0"/>
+          <a:endParaRPr lang="fr-FR" sz="600" kern="1200" dirty="0"/>
         </a:p>
       </dsp:txBody>
       <dsp:txXfrm>
-        <a:off x="10820891" y="1751801"/>
-        <a:ext cx="820543" cy="410271"/>
+        <a:off x="10610757" y="943993"/>
+        <a:ext cx="660745" cy="330372"/>
       </dsp:txXfrm>
     </dsp:sp>
-    <dsp:sp modelId="{2F5DA395-98D7-4FE9-ADDD-B78A90D4D5C8}">
+    <dsp:sp modelId="{CFFB4314-3114-427D-9439-8EE9BFA47093}">
       <dsp:nvSpPr>
         <dsp:cNvPr id="0" name=""/>
         <dsp:cNvSpPr/>
       </dsp:nvSpPr>
       <dsp:spPr>
         <a:xfrm>
-          <a:off x="9828033" y="2334387"/>
-          <a:ext cx="820543" cy="410271"/>
+          <a:off x="10211006" y="1413122"/>
+          <a:ext cx="660745" cy="330372"/>
         </a:xfrm>
         <a:prstGeom prst="rect">
           <a:avLst/>
@@ -9864,12 +11637,12 @@
         </a:fontRef>
       </dsp:style>
       <dsp:txBody>
-        <a:bodyPr spcFirstLastPara="0" vert="horz" wrap="square" lIns="4445" tIns="4445" rIns="4445" bIns="4445" numCol="1" spcCol="1270" anchor="ctr" anchorCtr="0">
+        <a:bodyPr spcFirstLastPara="0" vert="horz" wrap="square" lIns="3810" tIns="3810" rIns="3810" bIns="3810" numCol="1" spcCol="1270" anchor="ctr" anchorCtr="0">
           <a:noAutofit/>
         </a:bodyPr>
         <a:lstStyle/>
         <a:p>
-          <a:pPr marL="0" lvl="0" indent="0" algn="ctr" defTabSz="311150">
+          <a:pPr marL="0" lvl="0" indent="0" algn="ctr" defTabSz="266700">
             <a:lnSpc>
               <a:spcPct val="90000"/>
             </a:lnSpc>
@@ -9882,25 +11655,25 @@
             <a:buNone/>
           </a:pPr>
           <a:r>
-            <a:rPr lang="fr-FR" sz="700" kern="1200" dirty="0"/>
-            <a:t>Budget</a:t>
+            <a:rPr lang="fr-FR" sz="600" kern="1200" dirty="0"/>
+            <a:t>Name</a:t>
           </a:r>
         </a:p>
       </dsp:txBody>
       <dsp:txXfrm>
-        <a:off x="9828033" y="2334387"/>
-        <a:ext cx="820543" cy="410271"/>
+        <a:off x="10211006" y="1413122"/>
+        <a:ext cx="660745" cy="330372"/>
       </dsp:txXfrm>
     </dsp:sp>
-    <dsp:sp modelId="{7B729E8C-5D0D-4C65-A18C-D77CE62B6E3D}">
+    <dsp:sp modelId="{5AEF1B41-FBF0-46FE-8187-960FE966BE9B}">
       <dsp:nvSpPr>
         <dsp:cNvPr id="0" name=""/>
         <dsp:cNvSpPr/>
       </dsp:nvSpPr>
       <dsp:spPr>
         <a:xfrm>
-          <a:off x="7842317" y="5247317"/>
-          <a:ext cx="820543" cy="410271"/>
+          <a:off x="11010508" y="1413122"/>
+          <a:ext cx="660745" cy="330372"/>
         </a:xfrm>
         <a:prstGeom prst="rect">
           <a:avLst/>
@@ -9943,12 +11716,12 @@
         </a:fontRef>
       </dsp:style>
       <dsp:txBody>
-        <a:bodyPr spcFirstLastPara="0" vert="horz" wrap="square" lIns="4445" tIns="4445" rIns="4445" bIns="4445" numCol="1" spcCol="1270" anchor="ctr" anchorCtr="0">
+        <a:bodyPr spcFirstLastPara="0" vert="horz" wrap="square" lIns="3810" tIns="3810" rIns="3810" bIns="3810" numCol="1" spcCol="1270" anchor="ctr" anchorCtr="0">
           <a:noAutofit/>
         </a:bodyPr>
         <a:lstStyle/>
         <a:p>
-          <a:pPr marL="0" lvl="0" indent="0" algn="ctr" defTabSz="311150">
+          <a:pPr marL="0" lvl="0" indent="0" algn="ctr" defTabSz="266700">
             <a:lnSpc>
               <a:spcPct val="90000"/>
             </a:lnSpc>
@@ -9961,25 +11734,26 @@
             <a:buNone/>
           </a:pPr>
           <a:r>
-            <a:rPr lang="fr-FR" sz="700" kern="1200" dirty="0"/>
-            <a:t>menus</a:t>
+            <a:rPr lang="fr-FR" sz="600" kern="1200" dirty="0" err="1"/>
+            <a:t>Season</a:t>
           </a:r>
+          <a:endParaRPr lang="fr-FR" sz="600" kern="1200" dirty="0"/>
         </a:p>
       </dsp:txBody>
       <dsp:txXfrm>
-        <a:off x="7842317" y="5247317"/>
-        <a:ext cx="820543" cy="410271"/>
+        <a:off x="11010508" y="1413122"/>
+        <a:ext cx="660745" cy="330372"/>
       </dsp:txXfrm>
     </dsp:sp>
-    <dsp:sp modelId="{CBC61EC5-8357-41D5-A566-A8644C9E413A}">
+    <dsp:sp modelId="{2F5DA395-98D7-4FE9-ADDD-B78A90D4D5C8}">
       <dsp:nvSpPr>
         <dsp:cNvPr id="0" name=""/>
         <dsp:cNvSpPr/>
       </dsp:nvSpPr>
       <dsp:spPr>
         <a:xfrm>
-          <a:off x="6849459" y="5829904"/>
-          <a:ext cx="820543" cy="410271"/>
+          <a:off x="10211006" y="1882252"/>
+          <a:ext cx="660745" cy="330372"/>
         </a:xfrm>
         <a:prstGeom prst="rect">
           <a:avLst/>
@@ -10022,12 +11796,12 @@
         </a:fontRef>
       </dsp:style>
       <dsp:txBody>
-        <a:bodyPr spcFirstLastPara="0" vert="horz" wrap="square" lIns="4445" tIns="4445" rIns="4445" bIns="4445" numCol="1" spcCol="1270" anchor="ctr" anchorCtr="0">
+        <a:bodyPr spcFirstLastPara="0" vert="horz" wrap="square" lIns="3810" tIns="3810" rIns="3810" bIns="3810" numCol="1" spcCol="1270" anchor="ctr" anchorCtr="0">
           <a:noAutofit/>
         </a:bodyPr>
         <a:lstStyle/>
         <a:p>
-          <a:pPr marL="0" lvl="0" indent="0" algn="ctr" defTabSz="311150">
+          <a:pPr marL="0" lvl="0" indent="0" algn="ctr" defTabSz="266700">
             <a:lnSpc>
               <a:spcPct val="90000"/>
             </a:lnSpc>
@@ -10040,25 +11814,25 @@
             <a:buNone/>
           </a:pPr>
           <a:r>
-            <a:rPr lang="fr-FR" sz="700" kern="1200" dirty="0"/>
-            <a:t>Menu</a:t>
+            <a:rPr lang="fr-FR" sz="600" kern="1200" dirty="0"/>
+            <a:t>Budget</a:t>
           </a:r>
         </a:p>
       </dsp:txBody>
       <dsp:txXfrm>
-        <a:off x="6849459" y="5829904"/>
-        <a:ext cx="820543" cy="410271"/>
+        <a:off x="10211006" y="1882252"/>
+        <a:ext cx="660745" cy="330372"/>
       </dsp:txXfrm>
     </dsp:sp>
-    <dsp:sp modelId="{551598E9-034F-4447-97E1-782205478AE8}">
+    <dsp:sp modelId="{7B729E8C-5D0D-4C65-A18C-D77CE62B6E3D}">
       <dsp:nvSpPr>
         <dsp:cNvPr id="0" name=""/>
         <dsp:cNvSpPr/>
       </dsp:nvSpPr>
       <dsp:spPr>
         <a:xfrm>
-          <a:off x="6353030" y="6412490"/>
-          <a:ext cx="820543" cy="410271"/>
+          <a:off x="8612001" y="4697029"/>
+          <a:ext cx="660745" cy="330372"/>
         </a:xfrm>
         <a:prstGeom prst="rect">
           <a:avLst/>
@@ -10101,12 +11875,12 @@
         </a:fontRef>
       </dsp:style>
       <dsp:txBody>
-        <a:bodyPr spcFirstLastPara="0" vert="horz" wrap="square" lIns="4445" tIns="4445" rIns="4445" bIns="4445" numCol="1" spcCol="1270" anchor="ctr" anchorCtr="0">
+        <a:bodyPr spcFirstLastPara="0" vert="horz" wrap="square" lIns="3810" tIns="3810" rIns="3810" bIns="3810" numCol="1" spcCol="1270" anchor="ctr" anchorCtr="0">
           <a:noAutofit/>
         </a:bodyPr>
         <a:lstStyle/>
         <a:p>
-          <a:pPr marL="0" lvl="0" indent="0" algn="ctr" defTabSz="311150">
+          <a:pPr marL="0" lvl="0" indent="0" algn="ctr" defTabSz="266700">
             <a:lnSpc>
               <a:spcPct val="90000"/>
             </a:lnSpc>
@@ -10119,25 +11893,25 @@
             <a:buNone/>
           </a:pPr>
           <a:r>
-            <a:rPr lang="fr-FR" sz="700" kern="1200" dirty="0"/>
-            <a:t>Name</a:t>
+            <a:rPr lang="fr-FR" sz="600" kern="1200" dirty="0"/>
+            <a:t>menus</a:t>
           </a:r>
         </a:p>
       </dsp:txBody>
       <dsp:txXfrm>
-        <a:off x="6353030" y="6412490"/>
-        <a:ext cx="820543" cy="410271"/>
+        <a:off x="8612001" y="4697029"/>
+        <a:ext cx="660745" cy="330372"/>
       </dsp:txXfrm>
     </dsp:sp>
-    <dsp:sp modelId="{05121054-EFD6-49CC-81C8-AF91D8C37724}">
+    <dsp:sp modelId="{CBC61EC5-8357-41D5-A566-A8644C9E413A}">
       <dsp:nvSpPr>
         <dsp:cNvPr id="0" name=""/>
         <dsp:cNvSpPr/>
       </dsp:nvSpPr>
       <dsp:spPr>
         <a:xfrm>
-          <a:off x="7345888" y="6412490"/>
-          <a:ext cx="820543" cy="410271"/>
+          <a:off x="7812498" y="5166159"/>
+          <a:ext cx="660745" cy="330372"/>
         </a:xfrm>
         <a:prstGeom prst="rect">
           <a:avLst/>
@@ -10180,12 +11954,12 @@
         </a:fontRef>
       </dsp:style>
       <dsp:txBody>
-        <a:bodyPr spcFirstLastPara="0" vert="horz" wrap="square" lIns="4445" tIns="4445" rIns="4445" bIns="4445" numCol="1" spcCol="1270" anchor="ctr" anchorCtr="0">
+        <a:bodyPr spcFirstLastPara="0" vert="horz" wrap="square" lIns="3810" tIns="3810" rIns="3810" bIns="3810" numCol="1" spcCol="1270" anchor="ctr" anchorCtr="0">
           <a:noAutofit/>
         </a:bodyPr>
         <a:lstStyle/>
         <a:p>
-          <a:pPr marL="0" lvl="0" indent="0" algn="ctr" defTabSz="311150">
+          <a:pPr marL="0" lvl="0" indent="0" algn="ctr" defTabSz="266700">
             <a:lnSpc>
               <a:spcPct val="90000"/>
             </a:lnSpc>
@@ -10198,26 +11972,25 @@
             <a:buNone/>
           </a:pPr>
           <a:r>
-            <a:rPr lang="fr-FR" sz="700" kern="1200" dirty="0" err="1"/>
-            <a:t>Number_recipe</a:t>
+            <a:rPr lang="fr-FR" sz="600" kern="1200" dirty="0"/>
+            <a:t>Menu</a:t>
           </a:r>
-          <a:endParaRPr lang="fr-FR" sz="700" kern="1200" dirty="0"/>
         </a:p>
       </dsp:txBody>
       <dsp:txXfrm>
-        <a:off x="7345888" y="6412490"/>
-        <a:ext cx="820543" cy="410271"/>
+        <a:off x="7812498" y="5166159"/>
+        <a:ext cx="660745" cy="330372"/>
       </dsp:txXfrm>
     </dsp:sp>
-    <dsp:sp modelId="{059FBCEB-C1E8-4D3B-AEFC-9AF2EAB5A0C0}">
+    <dsp:sp modelId="{551598E9-034F-4447-97E1-782205478AE8}">
       <dsp:nvSpPr>
         <dsp:cNvPr id="0" name=""/>
         <dsp:cNvSpPr/>
       </dsp:nvSpPr>
       <dsp:spPr>
         <a:xfrm>
-          <a:off x="6353030" y="6995076"/>
-          <a:ext cx="820543" cy="410271"/>
+          <a:off x="7412747" y="5635288"/>
+          <a:ext cx="660745" cy="330372"/>
         </a:xfrm>
         <a:prstGeom prst="rect">
           <a:avLst/>
@@ -10260,12 +12033,12 @@
         </a:fontRef>
       </dsp:style>
       <dsp:txBody>
-        <a:bodyPr spcFirstLastPara="0" vert="horz" wrap="square" lIns="4445" tIns="4445" rIns="4445" bIns="4445" numCol="1" spcCol="1270" anchor="ctr" anchorCtr="0">
+        <a:bodyPr spcFirstLastPara="0" vert="horz" wrap="square" lIns="3810" tIns="3810" rIns="3810" bIns="3810" numCol="1" spcCol="1270" anchor="ctr" anchorCtr="0">
           <a:noAutofit/>
         </a:bodyPr>
         <a:lstStyle/>
         <a:p>
-          <a:pPr marL="0" lvl="0" indent="0" algn="ctr" defTabSz="311150">
+          <a:pPr marL="0" lvl="0" indent="0" algn="ctr" defTabSz="266700">
             <a:lnSpc>
               <a:spcPct val="90000"/>
             </a:lnSpc>
@@ -10278,26 +12051,25 @@
             <a:buNone/>
           </a:pPr>
           <a:r>
-            <a:rPr lang="fr-FR" sz="700" kern="1200" dirty="0" err="1"/>
-            <a:t>Recipe_list</a:t>
+            <a:rPr lang="fr-FR" sz="600" kern="1200" dirty="0"/>
+            <a:t>Name</a:t>
           </a:r>
-          <a:endParaRPr lang="fr-FR" sz="700" kern="1200" dirty="0"/>
         </a:p>
       </dsp:txBody>
       <dsp:txXfrm>
-        <a:off x="6353030" y="6995076"/>
-        <a:ext cx="820543" cy="410271"/>
+        <a:off x="7412747" y="5635288"/>
+        <a:ext cx="660745" cy="330372"/>
       </dsp:txXfrm>
     </dsp:sp>
-    <dsp:sp modelId="{835FBC05-15F8-43EF-A036-E3BC2CA82BE9}">
+    <dsp:sp modelId="{05121054-EFD6-49CC-81C8-AF91D8C37724}">
       <dsp:nvSpPr>
         <dsp:cNvPr id="0" name=""/>
         <dsp:cNvSpPr/>
       </dsp:nvSpPr>
       <dsp:spPr>
         <a:xfrm>
-          <a:off x="7345888" y="6995076"/>
-          <a:ext cx="820543" cy="410271"/>
+          <a:off x="8212249" y="5635288"/>
+          <a:ext cx="660745" cy="330372"/>
         </a:xfrm>
         <a:prstGeom prst="rect">
           <a:avLst/>
@@ -10340,12 +12112,12 @@
         </a:fontRef>
       </dsp:style>
       <dsp:txBody>
-        <a:bodyPr spcFirstLastPara="0" vert="horz" wrap="square" lIns="4445" tIns="4445" rIns="4445" bIns="4445" numCol="1" spcCol="1270" anchor="ctr" anchorCtr="0">
+        <a:bodyPr spcFirstLastPara="0" vert="horz" wrap="square" lIns="3810" tIns="3810" rIns="3810" bIns="3810" numCol="1" spcCol="1270" anchor="ctr" anchorCtr="0">
           <a:noAutofit/>
         </a:bodyPr>
         <a:lstStyle/>
         <a:p>
-          <a:pPr marL="0" lvl="0" indent="0" algn="ctr" defTabSz="311150">
+          <a:pPr marL="0" lvl="0" indent="0" algn="ctr" defTabSz="266700">
             <a:lnSpc>
               <a:spcPct val="90000"/>
             </a:lnSpc>
@@ -10358,25 +12130,26 @@
             <a:buNone/>
           </a:pPr>
           <a:r>
-            <a:rPr lang="fr-FR" sz="700" kern="1200" dirty="0"/>
-            <a:t>Budget</a:t>
+            <a:rPr lang="fr-FR" sz="600" kern="1200" dirty="0" err="1"/>
+            <a:t>Number_recipe</a:t>
           </a:r>
+          <a:endParaRPr lang="fr-FR" sz="600" kern="1200" dirty="0"/>
         </a:p>
       </dsp:txBody>
       <dsp:txXfrm>
-        <a:off x="7345888" y="6995076"/>
-        <a:ext cx="820543" cy="410271"/>
+        <a:off x="8212249" y="5635288"/>
+        <a:ext cx="660745" cy="330372"/>
       </dsp:txXfrm>
     </dsp:sp>
-    <dsp:sp modelId="{E2F6B417-5BD4-4008-AAF6-B738C8BED1E8}">
+    <dsp:sp modelId="{059FBCEB-C1E8-4D3B-AEFC-9AF2EAB5A0C0}">
       <dsp:nvSpPr>
         <dsp:cNvPr id="0" name=""/>
         <dsp:cNvSpPr/>
       </dsp:nvSpPr>
       <dsp:spPr>
         <a:xfrm>
-          <a:off x="6353030" y="7577662"/>
-          <a:ext cx="820543" cy="410271"/>
+          <a:off x="7412747" y="6104418"/>
+          <a:ext cx="660745" cy="330372"/>
         </a:xfrm>
         <a:prstGeom prst="rect">
           <a:avLst/>
@@ -10419,12 +12192,12 @@
         </a:fontRef>
       </dsp:style>
       <dsp:txBody>
-        <a:bodyPr spcFirstLastPara="0" vert="horz" wrap="square" lIns="4445" tIns="4445" rIns="4445" bIns="4445" numCol="1" spcCol="1270" anchor="ctr" anchorCtr="0">
+        <a:bodyPr spcFirstLastPara="0" vert="horz" wrap="square" lIns="3810" tIns="3810" rIns="3810" bIns="3810" numCol="1" spcCol="1270" anchor="ctr" anchorCtr="0">
           <a:noAutofit/>
         </a:bodyPr>
         <a:lstStyle/>
         <a:p>
-          <a:pPr marL="0" lvl="0" indent="0" algn="ctr" defTabSz="311150">
+          <a:pPr marL="0" lvl="0" indent="0" algn="ctr" defTabSz="266700">
             <a:lnSpc>
               <a:spcPct val="90000"/>
             </a:lnSpc>
@@ -10437,25 +12210,26 @@
             <a:buNone/>
           </a:pPr>
           <a:r>
-            <a:rPr lang="fr-FR" sz="700" kern="1200" dirty="0"/>
-            <a:t>Rating</a:t>
+            <a:rPr lang="fr-FR" sz="600" kern="1200" dirty="0" err="1"/>
+            <a:t>Recipe_list</a:t>
           </a:r>
+          <a:endParaRPr lang="fr-FR" sz="600" kern="1200" dirty="0"/>
         </a:p>
       </dsp:txBody>
       <dsp:txXfrm>
-        <a:off x="6353030" y="7577662"/>
-        <a:ext cx="820543" cy="410271"/>
+        <a:off x="7412747" y="6104418"/>
+        <a:ext cx="660745" cy="330372"/>
       </dsp:txXfrm>
     </dsp:sp>
-    <dsp:sp modelId="{8E052154-49ED-445C-A8C9-E6354099F9EA}">
+    <dsp:sp modelId="{835FBC05-15F8-43EF-A036-E3BC2CA82BE9}">
       <dsp:nvSpPr>
         <dsp:cNvPr id="0" name=""/>
         <dsp:cNvSpPr/>
       </dsp:nvSpPr>
       <dsp:spPr>
         <a:xfrm>
-          <a:off x="7345888" y="7577662"/>
-          <a:ext cx="820543" cy="410271"/>
+          <a:off x="8212249" y="6104418"/>
+          <a:ext cx="660745" cy="330372"/>
         </a:xfrm>
         <a:prstGeom prst="rect">
           <a:avLst/>
@@ -10498,12 +12272,12 @@
         </a:fontRef>
       </dsp:style>
       <dsp:txBody>
-        <a:bodyPr spcFirstLastPara="0" vert="horz" wrap="square" lIns="4445" tIns="4445" rIns="4445" bIns="4445" numCol="1" spcCol="1270" anchor="ctr" anchorCtr="0">
+        <a:bodyPr spcFirstLastPara="0" vert="horz" wrap="square" lIns="3810" tIns="3810" rIns="3810" bIns="3810" numCol="1" spcCol="1270" anchor="ctr" anchorCtr="0">
           <a:noAutofit/>
         </a:bodyPr>
         <a:lstStyle/>
         <a:p>
-          <a:pPr marL="0" lvl="0" indent="0" algn="ctr" defTabSz="311150">
+          <a:pPr marL="0" lvl="0" indent="0" algn="ctr" defTabSz="266700">
             <a:lnSpc>
               <a:spcPct val="90000"/>
             </a:lnSpc>
@@ -10516,25 +12290,25 @@
             <a:buNone/>
           </a:pPr>
           <a:r>
-            <a:rPr lang="fr-FR" sz="700" kern="1200" dirty="0"/>
-            <a:t>Description</a:t>
+            <a:rPr lang="fr-FR" sz="600" kern="1200" dirty="0"/>
+            <a:t>Budget</a:t>
           </a:r>
         </a:p>
       </dsp:txBody>
       <dsp:txXfrm>
-        <a:off x="7345888" y="7577662"/>
-        <a:ext cx="820543" cy="410271"/>
+        <a:off x="8212249" y="6104418"/>
+        <a:ext cx="660745" cy="330372"/>
       </dsp:txXfrm>
     </dsp:sp>
-    <dsp:sp modelId="{BD989610-072D-44CD-9333-4475C63B1B88}">
+    <dsp:sp modelId="{E2F6B417-5BD4-4008-AAF6-B738C8BED1E8}">
       <dsp:nvSpPr>
         <dsp:cNvPr id="0" name=""/>
         <dsp:cNvSpPr/>
       </dsp:nvSpPr>
       <dsp:spPr>
         <a:xfrm>
-          <a:off x="10324462" y="5247317"/>
-          <a:ext cx="820543" cy="410271"/>
+          <a:off x="7412747" y="6573547"/>
+          <a:ext cx="660745" cy="330372"/>
         </a:xfrm>
         <a:prstGeom prst="rect">
           <a:avLst/>
@@ -10577,12 +12351,12 @@
         </a:fontRef>
       </dsp:style>
       <dsp:txBody>
-        <a:bodyPr spcFirstLastPara="0" vert="horz" wrap="square" lIns="4445" tIns="4445" rIns="4445" bIns="4445" numCol="1" spcCol="1270" anchor="ctr" anchorCtr="0">
+        <a:bodyPr spcFirstLastPara="0" vert="horz" wrap="square" lIns="3810" tIns="3810" rIns="3810" bIns="3810" numCol="1" spcCol="1270" anchor="ctr" anchorCtr="0">
           <a:noAutofit/>
         </a:bodyPr>
         <a:lstStyle/>
         <a:p>
-          <a:pPr marL="0" lvl="0" indent="0" algn="ctr" defTabSz="311150">
+          <a:pPr marL="0" lvl="0" indent="0" algn="ctr" defTabSz="266700">
             <a:lnSpc>
               <a:spcPct val="90000"/>
             </a:lnSpc>
@@ -10595,26 +12369,25 @@
             <a:buNone/>
           </a:pPr>
           <a:r>
-            <a:rPr lang="fr-FR" sz="700" kern="1200" dirty="0" err="1"/>
-            <a:t>Compagny_infos</a:t>
+            <a:rPr lang="fr-FR" sz="600" kern="1200" dirty="0"/>
+            <a:t>Rating</a:t>
           </a:r>
-          <a:endParaRPr lang="fr-FR" sz="700" kern="1200" dirty="0"/>
         </a:p>
       </dsp:txBody>
       <dsp:txXfrm>
-        <a:off x="10324462" y="5247317"/>
-        <a:ext cx="820543" cy="410271"/>
+        <a:off x="7412747" y="6573547"/>
+        <a:ext cx="660745" cy="330372"/>
       </dsp:txXfrm>
     </dsp:sp>
-    <dsp:sp modelId="{BE96DB66-AD1E-4365-AE46-C3C60770B1CA}">
+    <dsp:sp modelId="{8E052154-49ED-445C-A8C9-E6354099F9EA}">
       <dsp:nvSpPr>
         <dsp:cNvPr id="0" name=""/>
         <dsp:cNvSpPr/>
       </dsp:nvSpPr>
       <dsp:spPr>
         <a:xfrm>
-          <a:off x="9828033" y="5829904"/>
-          <a:ext cx="820543" cy="410271"/>
+          <a:off x="8212249" y="6573547"/>
+          <a:ext cx="660745" cy="330372"/>
         </a:xfrm>
         <a:prstGeom prst="rect">
           <a:avLst/>
@@ -10657,12 +12430,12 @@
         </a:fontRef>
       </dsp:style>
       <dsp:txBody>
-        <a:bodyPr spcFirstLastPara="0" vert="horz" wrap="square" lIns="4445" tIns="4445" rIns="4445" bIns="4445" numCol="1" spcCol="1270" anchor="ctr" anchorCtr="0">
+        <a:bodyPr spcFirstLastPara="0" vert="horz" wrap="square" lIns="3810" tIns="3810" rIns="3810" bIns="3810" numCol="1" spcCol="1270" anchor="ctr" anchorCtr="0">
           <a:noAutofit/>
         </a:bodyPr>
         <a:lstStyle/>
         <a:p>
-          <a:pPr marL="0" lvl="0" indent="0" algn="ctr" defTabSz="311150">
+          <a:pPr marL="0" lvl="0" indent="0" algn="ctr" defTabSz="266700">
             <a:lnSpc>
               <a:spcPct val="90000"/>
             </a:lnSpc>
@@ -10675,25 +12448,25 @@
             <a:buNone/>
           </a:pPr>
           <a:r>
-            <a:rPr lang="fr-FR" sz="700" kern="1200" dirty="0"/>
-            <a:t>Name</a:t>
+            <a:rPr lang="fr-FR" sz="600" kern="1200" dirty="0"/>
+            <a:t>Description</a:t>
           </a:r>
         </a:p>
       </dsp:txBody>
       <dsp:txXfrm>
-        <a:off x="9828033" y="5829904"/>
-        <a:ext cx="820543" cy="410271"/>
+        <a:off x="8212249" y="6573547"/>
+        <a:ext cx="660745" cy="330372"/>
       </dsp:txXfrm>
     </dsp:sp>
-    <dsp:sp modelId="{8DFB8425-051F-429D-9AA7-ABE75BE636A3}">
+    <dsp:sp modelId="{00D5D10B-8AA0-43B3-889D-6ED1CE84029D}">
       <dsp:nvSpPr>
         <dsp:cNvPr id="0" name=""/>
         <dsp:cNvSpPr/>
       </dsp:nvSpPr>
       <dsp:spPr>
         <a:xfrm>
-          <a:off x="10820891" y="5829904"/>
-          <a:ext cx="820543" cy="410271"/>
+          <a:off x="11410259" y="4697029"/>
+          <a:ext cx="660745" cy="330372"/>
         </a:xfrm>
         <a:prstGeom prst="rect">
           <a:avLst/>
@@ -10736,12 +12509,12 @@
         </a:fontRef>
       </dsp:style>
       <dsp:txBody>
-        <a:bodyPr spcFirstLastPara="0" vert="horz" wrap="square" lIns="4445" tIns="4445" rIns="4445" bIns="4445" numCol="1" spcCol="1270" anchor="ctr" anchorCtr="0">
+        <a:bodyPr spcFirstLastPara="0" vert="horz" wrap="square" lIns="3810" tIns="3810" rIns="3810" bIns="3810" numCol="1" spcCol="1270" anchor="ctr" anchorCtr="0">
           <a:noAutofit/>
         </a:bodyPr>
         <a:lstStyle/>
         <a:p>
-          <a:pPr marL="0" lvl="0" indent="0" algn="ctr" defTabSz="311150">
+          <a:pPr marL="0" lvl="0" indent="0" algn="ctr" defTabSz="266700">
             <a:lnSpc>
               <a:spcPct val="90000"/>
             </a:lnSpc>
@@ -10754,26 +12527,25 @@
             <a:buNone/>
           </a:pPr>
           <a:r>
-            <a:rPr lang="fr-FR" sz="700" kern="1200" dirty="0" err="1"/>
-            <a:t>Compagny_adress</a:t>
+            <a:rPr lang="fr-FR" sz="600" kern="1200" dirty="0"/>
+            <a:t>Nutritions</a:t>
           </a:r>
-          <a:endParaRPr lang="fr-FR" sz="700" kern="1200" dirty="0"/>
         </a:p>
       </dsp:txBody>
       <dsp:txXfrm>
-        <a:off x="10820891" y="5829904"/>
-        <a:ext cx="820543" cy="410271"/>
+        <a:off x="11410259" y="4697029"/>
+        <a:ext cx="660745" cy="330372"/>
       </dsp:txXfrm>
     </dsp:sp>
-    <dsp:sp modelId="{22A8CFEC-7F3C-48AD-9648-26B468C40213}">
+    <dsp:sp modelId="{96061F53-08F3-4E09-B7D7-23E0C5D08D8B}">
       <dsp:nvSpPr>
         <dsp:cNvPr id="0" name=""/>
         <dsp:cNvSpPr/>
       </dsp:nvSpPr>
       <dsp:spPr>
         <a:xfrm>
-          <a:off x="9828033" y="6412490"/>
-          <a:ext cx="820543" cy="410271"/>
+          <a:off x="10610757" y="5166159"/>
+          <a:ext cx="660745" cy="330372"/>
         </a:xfrm>
         <a:prstGeom prst="rect">
           <a:avLst/>
@@ -10816,12 +12588,12 @@
         </a:fontRef>
       </dsp:style>
       <dsp:txBody>
-        <a:bodyPr spcFirstLastPara="0" vert="horz" wrap="square" lIns="4445" tIns="4445" rIns="4445" bIns="4445" numCol="1" spcCol="1270" anchor="ctr" anchorCtr="0">
+        <a:bodyPr spcFirstLastPara="0" vert="horz" wrap="square" lIns="3810" tIns="3810" rIns="3810" bIns="3810" numCol="1" spcCol="1270" anchor="ctr" anchorCtr="0">
           <a:noAutofit/>
         </a:bodyPr>
         <a:lstStyle/>
         <a:p>
-          <a:pPr marL="0" lvl="0" indent="0" algn="ctr" defTabSz="311150">
+          <a:pPr marL="0" lvl="0" indent="0" algn="ctr" defTabSz="266700">
             <a:lnSpc>
               <a:spcPct val="90000"/>
             </a:lnSpc>
@@ -10834,26 +12606,25 @@
             <a:buNone/>
           </a:pPr>
           <a:r>
-            <a:rPr lang="fr-FR" sz="700" kern="1200" dirty="0" err="1"/>
-            <a:t>Compagny_phone</a:t>
+            <a:rPr lang="fr-FR" sz="600" kern="1200" dirty="0"/>
+            <a:t>Nutrition</a:t>
           </a:r>
-          <a:endParaRPr lang="fr-FR" sz="700" kern="1200" dirty="0"/>
         </a:p>
       </dsp:txBody>
       <dsp:txXfrm>
-        <a:off x="9828033" y="6412490"/>
-        <a:ext cx="820543" cy="410271"/>
+        <a:off x="10610757" y="5166159"/>
+        <a:ext cx="660745" cy="330372"/>
       </dsp:txXfrm>
     </dsp:sp>
-    <dsp:sp modelId="{8B0677EB-6953-47E5-8009-4399C01D45A6}">
+    <dsp:sp modelId="{248F3600-CB79-4891-ADA9-3921BA2D6F2C}">
       <dsp:nvSpPr>
         <dsp:cNvPr id="0" name=""/>
         <dsp:cNvSpPr/>
       </dsp:nvSpPr>
       <dsp:spPr>
         <a:xfrm>
-          <a:off x="10820891" y="6412490"/>
-          <a:ext cx="820543" cy="410271"/>
+          <a:off x="10211006" y="5635288"/>
+          <a:ext cx="660745" cy="330372"/>
         </a:xfrm>
         <a:prstGeom prst="rect">
           <a:avLst/>
@@ -10896,12 +12667,12 @@
         </a:fontRef>
       </dsp:style>
       <dsp:txBody>
-        <a:bodyPr spcFirstLastPara="0" vert="horz" wrap="square" lIns="4445" tIns="4445" rIns="4445" bIns="4445" numCol="1" spcCol="1270" anchor="ctr" anchorCtr="0">
+        <a:bodyPr spcFirstLastPara="0" vert="horz" wrap="square" lIns="3810" tIns="3810" rIns="3810" bIns="3810" numCol="1" spcCol="1270" anchor="ctr" anchorCtr="0">
           <a:noAutofit/>
         </a:bodyPr>
         <a:lstStyle/>
         <a:p>
-          <a:pPr marL="0" lvl="0" indent="0" algn="ctr" defTabSz="311150">
+          <a:pPr marL="0" lvl="0" indent="0" algn="ctr" defTabSz="266700">
             <a:lnSpc>
               <a:spcPct val="90000"/>
             </a:lnSpc>
@@ -10914,26 +12685,37 @@
             <a:buNone/>
           </a:pPr>
           <a:r>
-            <a:rPr lang="fr-FR" sz="700" kern="1200" dirty="0" err="1"/>
-            <a:t>Compagny_email</a:t>
+            <a:rPr lang="fr-FR" sz="600" kern="1200" dirty="0" err="1"/>
+            <a:t>RecipeID</a:t>
           </a:r>
-          <a:endParaRPr lang="fr-FR" sz="700" kern="1200" dirty="0"/>
+          <a:br>
+            <a:rPr lang="fr-FR" sz="600" kern="1200" dirty="0"/>
+          </a:br>
+          <a:r>
+            <a:rPr lang="fr-FR" sz="600" kern="1200" dirty="0"/>
+            <a:t>Key of </a:t>
+          </a:r>
+          <a:r>
+            <a:rPr lang="fr-FR" sz="600" kern="1200" dirty="0" err="1"/>
+            <a:t>NutID</a:t>
+          </a:r>
+          <a:endParaRPr lang="fr-FR" sz="600" kern="1200" dirty="0"/>
         </a:p>
       </dsp:txBody>
       <dsp:txXfrm>
-        <a:off x="10820891" y="6412490"/>
-        <a:ext cx="820543" cy="410271"/>
+        <a:off x="10211006" y="5635288"/>
+        <a:ext cx="660745" cy="330372"/>
       </dsp:txXfrm>
     </dsp:sp>
-    <dsp:sp modelId="{8EDD4C9F-41A6-4BF3-ACD8-E3DDBBD245E6}">
+    <dsp:sp modelId="{7383D0D0-0515-4684-AFF0-5F0F362D0779}">
       <dsp:nvSpPr>
         <dsp:cNvPr id="0" name=""/>
         <dsp:cNvSpPr/>
       </dsp:nvSpPr>
       <dsp:spPr>
         <a:xfrm>
-          <a:off x="7842317" y="8160248"/>
-          <a:ext cx="820543" cy="410271"/>
+          <a:off x="11010508" y="5635288"/>
+          <a:ext cx="660745" cy="330372"/>
         </a:xfrm>
         <a:prstGeom prst="rect">
           <a:avLst/>
@@ -10976,12 +12758,12 @@
         </a:fontRef>
       </dsp:style>
       <dsp:txBody>
-        <a:bodyPr spcFirstLastPara="0" vert="horz" wrap="square" lIns="4445" tIns="4445" rIns="4445" bIns="4445" numCol="1" spcCol="1270" anchor="ctr" anchorCtr="0">
+        <a:bodyPr spcFirstLastPara="0" vert="horz" wrap="square" lIns="3810" tIns="3810" rIns="3810" bIns="3810" numCol="1" spcCol="1270" anchor="ctr" anchorCtr="0">
           <a:noAutofit/>
         </a:bodyPr>
         <a:lstStyle/>
         <a:p>
-          <a:pPr marL="0" lvl="0" indent="0" algn="ctr" defTabSz="311150">
+          <a:pPr marL="0" lvl="0" indent="0" algn="ctr" defTabSz="266700">
             <a:lnSpc>
               <a:spcPct val="90000"/>
             </a:lnSpc>
@@ -10994,26 +12776,26 @@
             <a:buNone/>
           </a:pPr>
           <a:r>
-            <a:rPr lang="fr-FR" sz="700" kern="1200" dirty="0" err="1"/>
-            <a:t>Customers</a:t>
+            <a:rPr lang="fr-FR" sz="600" kern="1200" dirty="0" err="1"/>
+            <a:t>Recipe_name</a:t>
           </a:r>
-          <a:endParaRPr lang="fr-FR" sz="700" kern="1200" dirty="0"/>
+          <a:endParaRPr lang="fr-FR" sz="600" kern="1200" dirty="0"/>
         </a:p>
       </dsp:txBody>
       <dsp:txXfrm>
-        <a:off x="7842317" y="8160248"/>
-        <a:ext cx="820543" cy="410271"/>
+        <a:off x="11010508" y="5635288"/>
+        <a:ext cx="660745" cy="330372"/>
       </dsp:txXfrm>
     </dsp:sp>
-    <dsp:sp modelId="{29282C8B-69C0-461B-8924-B327399CEF5A}">
+    <dsp:sp modelId="{F2D1A4CC-10AC-4501-93C6-C16062E965E5}">
       <dsp:nvSpPr>
         <dsp:cNvPr id="0" name=""/>
         <dsp:cNvSpPr/>
       </dsp:nvSpPr>
       <dsp:spPr>
         <a:xfrm>
-          <a:off x="6849459" y="8742834"/>
-          <a:ext cx="820543" cy="410271"/>
+          <a:off x="10211006" y="6104418"/>
+          <a:ext cx="660745" cy="330372"/>
         </a:xfrm>
         <a:prstGeom prst="rect">
           <a:avLst/>
@@ -11056,12 +12838,12 @@
         </a:fontRef>
       </dsp:style>
       <dsp:txBody>
-        <a:bodyPr spcFirstLastPara="0" vert="horz" wrap="square" lIns="4445" tIns="4445" rIns="4445" bIns="4445" numCol="1" spcCol="1270" anchor="ctr" anchorCtr="0">
+        <a:bodyPr spcFirstLastPara="0" vert="horz" wrap="square" lIns="3810" tIns="3810" rIns="3810" bIns="3810" numCol="1" spcCol="1270" anchor="ctr" anchorCtr="0">
           <a:noAutofit/>
         </a:bodyPr>
         <a:lstStyle/>
         <a:p>
-          <a:pPr marL="0" lvl="0" indent="0" algn="ctr" defTabSz="311150">
+          <a:pPr marL="0" lvl="0" indent="0" algn="ctr" defTabSz="266700">
             <a:lnSpc>
               <a:spcPct val="90000"/>
             </a:lnSpc>
@@ -11074,25 +12856,25 @@
             <a:buNone/>
           </a:pPr>
           <a:r>
-            <a:rPr lang="fr-FR" sz="700" kern="1200" dirty="0"/>
-            <a:t>Customer</a:t>
+            <a:rPr lang="fr-FR" sz="600" kern="1200" dirty="0"/>
+            <a:t>Energy</a:t>
           </a:r>
         </a:p>
       </dsp:txBody>
       <dsp:txXfrm>
-        <a:off x="6849459" y="8742834"/>
-        <a:ext cx="820543" cy="410271"/>
+        <a:off x="10211006" y="6104418"/>
+        <a:ext cx="660745" cy="330372"/>
       </dsp:txXfrm>
     </dsp:sp>
-    <dsp:sp modelId="{66690EF5-AA87-4B5A-9AB9-BA66C34A1D3F}">
+    <dsp:sp modelId="{E4AC0109-0A2D-4A2D-927D-BF34315E0098}">
       <dsp:nvSpPr>
         <dsp:cNvPr id="0" name=""/>
         <dsp:cNvSpPr/>
       </dsp:nvSpPr>
       <dsp:spPr>
         <a:xfrm>
-          <a:off x="6353030" y="9325420"/>
-          <a:ext cx="820543" cy="410271"/>
+          <a:off x="11010508" y="6104418"/>
+          <a:ext cx="660745" cy="330372"/>
         </a:xfrm>
         <a:prstGeom prst="rect">
           <a:avLst/>
@@ -11135,12 +12917,12 @@
         </a:fontRef>
       </dsp:style>
       <dsp:txBody>
-        <a:bodyPr spcFirstLastPara="0" vert="horz" wrap="square" lIns="4445" tIns="4445" rIns="4445" bIns="4445" numCol="1" spcCol="1270" anchor="ctr" anchorCtr="0">
+        <a:bodyPr spcFirstLastPara="0" vert="horz" wrap="square" lIns="3810" tIns="3810" rIns="3810" bIns="3810" numCol="1" spcCol="1270" anchor="ctr" anchorCtr="0">
           <a:noAutofit/>
         </a:bodyPr>
         <a:lstStyle/>
         <a:p>
-          <a:pPr marL="0" lvl="0" indent="0" algn="ctr" defTabSz="311150">
+          <a:pPr marL="0" lvl="0" indent="0" algn="ctr" defTabSz="266700">
             <a:lnSpc>
               <a:spcPct val="90000"/>
             </a:lnSpc>
@@ -11153,26 +12935,26 @@
             <a:buNone/>
           </a:pPr>
           <a:r>
-            <a:rPr lang="fr-FR" sz="700" kern="1200" dirty="0" err="1"/>
-            <a:t>CustomerName</a:t>
+            <a:rPr lang="fr-FR" sz="600" kern="1200" dirty="0" err="1"/>
+            <a:t>Total_fat</a:t>
           </a:r>
-          <a:endParaRPr lang="fr-FR" sz="700" kern="1200" dirty="0"/>
+          <a:endParaRPr lang="fr-FR" sz="600" kern="1200" dirty="0"/>
         </a:p>
       </dsp:txBody>
       <dsp:txXfrm>
-        <a:off x="6353030" y="9325420"/>
-        <a:ext cx="820543" cy="410271"/>
+        <a:off x="11010508" y="6104418"/>
+        <a:ext cx="660745" cy="330372"/>
       </dsp:txXfrm>
     </dsp:sp>
-    <dsp:sp modelId="{1477FD6A-9723-424D-B2A6-33C1EDCDD02C}">
+    <dsp:sp modelId="{1D6E1A72-0CCB-4925-886F-31DD3E434CE0}">
       <dsp:nvSpPr>
         <dsp:cNvPr id="0" name=""/>
         <dsp:cNvSpPr/>
       </dsp:nvSpPr>
       <dsp:spPr>
         <a:xfrm>
-          <a:off x="7345888" y="9325420"/>
-          <a:ext cx="820543" cy="410271"/>
+          <a:off x="10211006" y="6573547"/>
+          <a:ext cx="660745" cy="330372"/>
         </a:xfrm>
         <a:prstGeom prst="rect">
           <a:avLst/>
@@ -11215,12 +12997,12 @@
         </a:fontRef>
       </dsp:style>
       <dsp:txBody>
-        <a:bodyPr spcFirstLastPara="0" vert="horz" wrap="square" lIns="4445" tIns="4445" rIns="4445" bIns="4445" numCol="1" spcCol="1270" anchor="ctr" anchorCtr="0">
+        <a:bodyPr spcFirstLastPara="0" vert="horz" wrap="square" lIns="3810" tIns="3810" rIns="3810" bIns="3810" numCol="1" spcCol="1270" anchor="ctr" anchorCtr="0">
           <a:noAutofit/>
         </a:bodyPr>
         <a:lstStyle/>
         <a:p>
-          <a:pPr marL="0" lvl="0" indent="0" algn="ctr" defTabSz="311150">
+          <a:pPr marL="0" lvl="0" indent="0" algn="ctr" defTabSz="266700">
             <a:lnSpc>
               <a:spcPct val="90000"/>
             </a:lnSpc>
@@ -11233,26 +13015,26 @@
             <a:buNone/>
           </a:pPr>
           <a:r>
-            <a:rPr lang="fr-FR" sz="700" kern="1200" dirty="0" err="1"/>
-            <a:t>CustomerAddress</a:t>
+            <a:rPr lang="fr-FR" sz="600" kern="1200" dirty="0" err="1"/>
+            <a:t>Cholesterol</a:t>
           </a:r>
-          <a:endParaRPr lang="fr-FR" sz="700" kern="1200" dirty="0"/>
+          <a:endParaRPr lang="fr-FR" sz="600" kern="1200" dirty="0"/>
         </a:p>
       </dsp:txBody>
       <dsp:txXfrm>
-        <a:off x="7345888" y="9325420"/>
-        <a:ext cx="820543" cy="410271"/>
+        <a:off x="10211006" y="6573547"/>
+        <a:ext cx="660745" cy="330372"/>
       </dsp:txXfrm>
     </dsp:sp>
-    <dsp:sp modelId="{7349D38B-F67B-4338-BB04-CCAE4E6B7AE4}">
+    <dsp:sp modelId="{0B4C3548-DCBD-4D42-8983-02DC77F07D6B}">
       <dsp:nvSpPr>
         <dsp:cNvPr id="0" name=""/>
         <dsp:cNvSpPr/>
       </dsp:nvSpPr>
       <dsp:spPr>
         <a:xfrm>
-          <a:off x="6353030" y="9908006"/>
-          <a:ext cx="820543" cy="410271"/>
+          <a:off x="11010508" y="6573547"/>
+          <a:ext cx="660745" cy="330372"/>
         </a:xfrm>
         <a:prstGeom prst="rect">
           <a:avLst/>
@@ -11295,12 +13077,12 @@
         </a:fontRef>
       </dsp:style>
       <dsp:txBody>
-        <a:bodyPr spcFirstLastPara="0" vert="horz" wrap="square" lIns="4445" tIns="4445" rIns="4445" bIns="4445" numCol="1" spcCol="1270" anchor="ctr" anchorCtr="0">
+        <a:bodyPr spcFirstLastPara="0" vert="horz" wrap="square" lIns="3810" tIns="3810" rIns="3810" bIns="3810" numCol="1" spcCol="1270" anchor="ctr" anchorCtr="0">
           <a:noAutofit/>
         </a:bodyPr>
         <a:lstStyle/>
         <a:p>
-          <a:pPr marL="0" lvl="0" indent="0" algn="ctr" defTabSz="311150">
+          <a:pPr marL="0" lvl="0" indent="0" algn="ctr" defTabSz="266700">
             <a:lnSpc>
               <a:spcPct val="90000"/>
             </a:lnSpc>
@@ -11313,26 +13095,25 @@
             <a:buNone/>
           </a:pPr>
           <a:r>
-            <a:rPr lang="fr-FR" sz="700" kern="1200" dirty="0" err="1"/>
-            <a:t>Phone_number</a:t>
+            <a:rPr lang="fr-FR" sz="600" kern="1200" dirty="0"/>
+            <a:t>Salt</a:t>
           </a:r>
-          <a:endParaRPr lang="fr-FR" sz="700" kern="1200" dirty="0"/>
         </a:p>
       </dsp:txBody>
       <dsp:txXfrm>
-        <a:off x="6353030" y="9908006"/>
-        <a:ext cx="820543" cy="410271"/>
+        <a:off x="11010508" y="6573547"/>
+        <a:ext cx="660745" cy="330372"/>
       </dsp:txXfrm>
     </dsp:sp>
-    <dsp:sp modelId="{339B0BFA-3E97-45D7-9D50-EBCD490669F9}">
+    <dsp:sp modelId="{ED02FAB8-9A57-4CEB-968B-9D9EEF96143F}">
       <dsp:nvSpPr>
         <dsp:cNvPr id="0" name=""/>
         <dsp:cNvSpPr/>
       </dsp:nvSpPr>
       <dsp:spPr>
         <a:xfrm>
-          <a:off x="7345888" y="9908006"/>
-          <a:ext cx="820543" cy="410271"/>
+          <a:off x="10211006" y="7042677"/>
+          <a:ext cx="660745" cy="330372"/>
         </a:xfrm>
         <a:prstGeom prst="rect">
           <a:avLst/>
@@ -11375,12 +13156,12 @@
         </a:fontRef>
       </dsp:style>
       <dsp:txBody>
-        <a:bodyPr spcFirstLastPara="0" vert="horz" wrap="square" lIns="4445" tIns="4445" rIns="4445" bIns="4445" numCol="1" spcCol="1270" anchor="ctr" anchorCtr="0">
+        <a:bodyPr spcFirstLastPara="0" vert="horz" wrap="square" lIns="3810" tIns="3810" rIns="3810" bIns="3810" numCol="1" spcCol="1270" anchor="ctr" anchorCtr="0">
           <a:noAutofit/>
         </a:bodyPr>
         <a:lstStyle/>
         <a:p>
-          <a:pPr marL="0" lvl="0" indent="0" algn="ctr" defTabSz="311150">
+          <a:pPr marL="0" lvl="0" indent="0" algn="ctr" defTabSz="266700">
             <a:lnSpc>
               <a:spcPct val="90000"/>
             </a:lnSpc>
@@ -11393,26 +13174,26 @@
             <a:buNone/>
           </a:pPr>
           <a:r>
-            <a:rPr lang="fr-FR" sz="700" kern="1200" dirty="0" err="1"/>
-            <a:t>Cust_email</a:t>
+            <a:rPr lang="fr-FR" sz="600" kern="1200" dirty="0" err="1"/>
+            <a:t>Total_carbohydrate</a:t>
           </a:r>
-          <a:endParaRPr lang="fr-FR" sz="700" kern="1200" dirty="0"/>
+          <a:endParaRPr lang="fr-FR" sz="600" kern="1200" dirty="0"/>
         </a:p>
       </dsp:txBody>
       <dsp:txXfrm>
-        <a:off x="7345888" y="9908006"/>
-        <a:ext cx="820543" cy="410271"/>
+        <a:off x="10211006" y="7042677"/>
+        <a:ext cx="660745" cy="330372"/>
       </dsp:txXfrm>
     </dsp:sp>
-    <dsp:sp modelId="{703C605E-1889-4263-9AA9-7FBB0B1021D9}">
+    <dsp:sp modelId="{17A061EB-22ED-47DA-B8FA-E23925F2334C}">
       <dsp:nvSpPr>
         <dsp:cNvPr id="0" name=""/>
         <dsp:cNvSpPr/>
       </dsp:nvSpPr>
       <dsp:spPr>
         <a:xfrm>
-          <a:off x="6353030" y="10490592"/>
-          <a:ext cx="820543" cy="410271"/>
+          <a:off x="11010508" y="7042677"/>
+          <a:ext cx="660745" cy="330372"/>
         </a:xfrm>
         <a:prstGeom prst="rect">
           <a:avLst/>
@@ -11455,12 +13236,12 @@
         </a:fontRef>
       </dsp:style>
       <dsp:txBody>
-        <a:bodyPr spcFirstLastPara="0" vert="horz" wrap="square" lIns="4445" tIns="4445" rIns="4445" bIns="4445" numCol="1" spcCol="1270" anchor="ctr" anchorCtr="0">
+        <a:bodyPr spcFirstLastPara="0" vert="horz" wrap="square" lIns="3810" tIns="3810" rIns="3810" bIns="3810" numCol="1" spcCol="1270" anchor="ctr" anchorCtr="0">
           <a:noAutofit/>
         </a:bodyPr>
         <a:lstStyle/>
         <a:p>
-          <a:pPr marL="0" lvl="0" indent="0" algn="ctr" defTabSz="311150">
+          <a:pPr marL="0" lvl="0" indent="0" algn="ctr" defTabSz="266700">
             <a:lnSpc>
               <a:spcPct val="90000"/>
             </a:lnSpc>
@@ -11473,26 +13254,26 @@
             <a:buNone/>
           </a:pPr>
           <a:r>
-            <a:rPr lang="fr-FR" sz="700" kern="1200" dirty="0" err="1"/>
-            <a:t>Invoice</a:t>
+            <a:rPr lang="fr-FR" sz="600" kern="1200" dirty="0" err="1"/>
+            <a:t>protein</a:t>
           </a:r>
-          <a:endParaRPr lang="fr-FR" sz="700" kern="1200" dirty="0"/>
+          <a:endParaRPr lang="fr-FR" sz="600" kern="1200" dirty="0"/>
         </a:p>
       </dsp:txBody>
       <dsp:txXfrm>
-        <a:off x="6353030" y="10490592"/>
-        <a:ext cx="820543" cy="410271"/>
+        <a:off x="11010508" y="7042677"/>
+        <a:ext cx="660745" cy="330372"/>
       </dsp:txXfrm>
     </dsp:sp>
-    <dsp:sp modelId="{3FCF524F-4B2D-44FD-942D-4FC7D10F4E3B}">
+    <dsp:sp modelId="{BD989610-072D-44CD-9333-4475C63B1B88}">
       <dsp:nvSpPr>
         <dsp:cNvPr id="0" name=""/>
         <dsp:cNvSpPr/>
       </dsp:nvSpPr>
       <dsp:spPr>
         <a:xfrm>
-          <a:off x="12310178" y="8160248"/>
-          <a:ext cx="820543" cy="410271"/>
+          <a:off x="7812498" y="7511807"/>
+          <a:ext cx="660745" cy="330372"/>
         </a:xfrm>
         <a:prstGeom prst="rect">
           <a:avLst/>
@@ -11535,12 +13316,12 @@
         </a:fontRef>
       </dsp:style>
       <dsp:txBody>
-        <a:bodyPr spcFirstLastPara="0" vert="horz" wrap="square" lIns="4445" tIns="4445" rIns="4445" bIns="4445" numCol="1" spcCol="1270" anchor="ctr" anchorCtr="0">
+        <a:bodyPr spcFirstLastPara="0" vert="horz" wrap="square" lIns="3810" tIns="3810" rIns="3810" bIns="3810" numCol="1" spcCol="1270" anchor="ctr" anchorCtr="0">
           <a:noAutofit/>
         </a:bodyPr>
         <a:lstStyle/>
         <a:p>
-          <a:pPr marL="0" lvl="0" indent="0" algn="ctr" defTabSz="311150">
+          <a:pPr marL="0" lvl="0" indent="0" algn="ctr" defTabSz="266700">
             <a:lnSpc>
               <a:spcPct val="90000"/>
             </a:lnSpc>
@@ -11553,29 +13334,26 @@
             <a:buNone/>
           </a:pPr>
           <a:r>
-            <a:rPr lang="fr-FR" sz="700" kern="1200" dirty="0" err="1"/>
-            <a:t>Invoices</a:t>
+            <a:rPr lang="fr-FR" sz="600" kern="1200" dirty="0" err="1"/>
+            <a:t>Compagny_infos</a:t>
           </a:r>
-          <a:r>
-            <a:rPr lang="fr-FR" sz="700" kern="1200" dirty="0"/>
-            <a:t> </a:t>
-          </a:r>
+          <a:endParaRPr lang="fr-FR" sz="600" kern="1200" dirty="0"/>
         </a:p>
       </dsp:txBody>
       <dsp:txXfrm>
-        <a:off x="12310178" y="8160248"/>
-        <a:ext cx="820543" cy="410271"/>
+        <a:off x="7812498" y="7511807"/>
+        <a:ext cx="660745" cy="330372"/>
       </dsp:txXfrm>
     </dsp:sp>
-    <dsp:sp modelId="{29DD0E76-C366-4820-B170-C3E3DBD37CCF}">
+    <dsp:sp modelId="{BE96DB66-AD1E-4365-AE46-C3C60770B1CA}">
       <dsp:nvSpPr>
         <dsp:cNvPr id="0" name=""/>
         <dsp:cNvSpPr/>
       </dsp:nvSpPr>
       <dsp:spPr>
         <a:xfrm>
-          <a:off x="11317320" y="8742834"/>
-          <a:ext cx="820543" cy="410271"/>
+          <a:off x="7412747" y="7980936"/>
+          <a:ext cx="660745" cy="330372"/>
         </a:xfrm>
         <a:prstGeom prst="rect">
           <a:avLst/>
@@ -11618,12 +13396,12 @@
         </a:fontRef>
       </dsp:style>
       <dsp:txBody>
-        <a:bodyPr spcFirstLastPara="0" vert="horz" wrap="square" lIns="4445" tIns="4445" rIns="4445" bIns="4445" numCol="1" spcCol="1270" anchor="ctr" anchorCtr="0">
+        <a:bodyPr spcFirstLastPara="0" vert="horz" wrap="square" lIns="3810" tIns="3810" rIns="3810" bIns="3810" numCol="1" spcCol="1270" anchor="ctr" anchorCtr="0">
           <a:noAutofit/>
         </a:bodyPr>
         <a:lstStyle/>
         <a:p>
-          <a:pPr marL="0" lvl="0" indent="0" algn="ctr" defTabSz="311150">
+          <a:pPr marL="0" lvl="0" indent="0" algn="ctr" defTabSz="266700">
             <a:lnSpc>
               <a:spcPct val="90000"/>
             </a:lnSpc>
@@ -11636,26 +13414,25 @@
             <a:buNone/>
           </a:pPr>
           <a:r>
-            <a:rPr lang="fr-FR" sz="700" kern="1200" dirty="0" err="1"/>
-            <a:t>Invoice</a:t>
+            <a:rPr lang="fr-FR" sz="600" kern="1200" dirty="0"/>
+            <a:t>Name</a:t>
           </a:r>
-          <a:endParaRPr lang="fr-FR" sz="700" kern="1200" dirty="0"/>
         </a:p>
       </dsp:txBody>
       <dsp:txXfrm>
-        <a:off x="11317320" y="8742834"/>
-        <a:ext cx="820543" cy="410271"/>
+        <a:off x="7412747" y="7980936"/>
+        <a:ext cx="660745" cy="330372"/>
       </dsp:txXfrm>
     </dsp:sp>
-    <dsp:sp modelId="{1CA3A432-5662-47BD-919D-FCB44199A7CD}">
+    <dsp:sp modelId="{8DFB8425-051F-429D-9AA7-ABE75BE636A3}">
       <dsp:nvSpPr>
         <dsp:cNvPr id="0" name=""/>
         <dsp:cNvSpPr/>
       </dsp:nvSpPr>
       <dsp:spPr>
         <a:xfrm>
-          <a:off x="10324462" y="9325420"/>
-          <a:ext cx="820543" cy="410271"/>
+          <a:off x="8212249" y="7980936"/>
+          <a:ext cx="660745" cy="330372"/>
         </a:xfrm>
         <a:prstGeom prst="rect">
           <a:avLst/>
@@ -11698,12 +13475,12 @@
         </a:fontRef>
       </dsp:style>
       <dsp:txBody>
-        <a:bodyPr spcFirstLastPara="0" vert="horz" wrap="square" lIns="4445" tIns="4445" rIns="4445" bIns="4445" numCol="1" spcCol="1270" anchor="ctr" anchorCtr="0">
+        <a:bodyPr spcFirstLastPara="0" vert="horz" wrap="square" lIns="3810" tIns="3810" rIns="3810" bIns="3810" numCol="1" spcCol="1270" anchor="ctr" anchorCtr="0">
           <a:noAutofit/>
         </a:bodyPr>
         <a:lstStyle/>
         <a:p>
-          <a:pPr marL="0" lvl="0" indent="0" algn="ctr" defTabSz="311150">
+          <a:pPr marL="0" lvl="0" indent="0" algn="ctr" defTabSz="266700">
             <a:lnSpc>
               <a:spcPct val="90000"/>
             </a:lnSpc>
@@ -11716,26 +13493,26 @@
             <a:buNone/>
           </a:pPr>
           <a:r>
-            <a:rPr lang="fr-FR" sz="700" kern="1200" dirty="0" err="1"/>
-            <a:t>Rec_list</a:t>
+            <a:rPr lang="fr-FR" sz="600" kern="1200" dirty="0" err="1"/>
+            <a:t>Compagny_adress</a:t>
           </a:r>
-          <a:endParaRPr lang="fr-FR" sz="700" kern="1200" dirty="0"/>
+          <a:endParaRPr lang="fr-FR" sz="600" kern="1200" dirty="0"/>
         </a:p>
       </dsp:txBody>
       <dsp:txXfrm>
-        <a:off x="10324462" y="9325420"/>
-        <a:ext cx="820543" cy="410271"/>
+        <a:off x="8212249" y="7980936"/>
+        <a:ext cx="660745" cy="330372"/>
       </dsp:txXfrm>
     </dsp:sp>
-    <dsp:sp modelId="{56B26504-DFD5-4550-9411-DF9B5E83C3BF}">
+    <dsp:sp modelId="{22A8CFEC-7F3C-48AD-9648-26B468C40213}">
       <dsp:nvSpPr>
         <dsp:cNvPr id="0" name=""/>
         <dsp:cNvSpPr/>
       </dsp:nvSpPr>
       <dsp:spPr>
         <a:xfrm>
-          <a:off x="9828033" y="9908006"/>
-          <a:ext cx="820543" cy="410271"/>
+          <a:off x="7412747" y="8450066"/>
+          <a:ext cx="660745" cy="330372"/>
         </a:xfrm>
         <a:prstGeom prst="rect">
           <a:avLst/>
@@ -11778,12 +13555,12 @@
         </a:fontRef>
       </dsp:style>
       <dsp:txBody>
-        <a:bodyPr spcFirstLastPara="0" vert="horz" wrap="square" lIns="4445" tIns="4445" rIns="4445" bIns="4445" numCol="1" spcCol="1270" anchor="ctr" anchorCtr="0">
+        <a:bodyPr spcFirstLastPara="0" vert="horz" wrap="square" lIns="3810" tIns="3810" rIns="3810" bIns="3810" numCol="1" spcCol="1270" anchor="ctr" anchorCtr="0">
           <a:noAutofit/>
         </a:bodyPr>
         <a:lstStyle/>
         <a:p>
-          <a:pPr marL="0" lvl="0" indent="0" algn="ctr" defTabSz="311150">
+          <a:pPr marL="0" lvl="0" indent="0" algn="ctr" defTabSz="266700">
             <a:lnSpc>
               <a:spcPct val="90000"/>
             </a:lnSpc>
@@ -11796,26 +13573,26 @@
             <a:buNone/>
           </a:pPr>
           <a:r>
-            <a:rPr lang="fr-FR" sz="700" kern="1200" dirty="0" err="1"/>
-            <a:t>Recipe</a:t>
+            <a:rPr lang="fr-FR" sz="600" kern="1200" dirty="0" err="1"/>
+            <a:t>Compagny_phone</a:t>
           </a:r>
-          <a:endParaRPr lang="fr-FR" sz="700" kern="1200" dirty="0"/>
+          <a:endParaRPr lang="fr-FR" sz="600" kern="1200" dirty="0"/>
         </a:p>
       </dsp:txBody>
       <dsp:txXfrm>
-        <a:off x="9828033" y="9908006"/>
-        <a:ext cx="820543" cy="410271"/>
+        <a:off x="7412747" y="8450066"/>
+        <a:ext cx="660745" cy="330372"/>
       </dsp:txXfrm>
     </dsp:sp>
-    <dsp:sp modelId="{61911E5C-528E-4EA6-8F96-A7A60A4E2453}">
+    <dsp:sp modelId="{8B0677EB-6953-47E5-8009-4399C01D45A6}">
       <dsp:nvSpPr>
         <dsp:cNvPr id="0" name=""/>
         <dsp:cNvSpPr/>
       </dsp:nvSpPr>
       <dsp:spPr>
         <a:xfrm>
-          <a:off x="10820891" y="9908006"/>
-          <a:ext cx="820543" cy="410271"/>
+          <a:off x="8212249" y="8450066"/>
+          <a:ext cx="660745" cy="330372"/>
         </a:xfrm>
         <a:prstGeom prst="rect">
           <a:avLst/>
@@ -11858,12 +13635,12 @@
         </a:fontRef>
       </dsp:style>
       <dsp:txBody>
-        <a:bodyPr spcFirstLastPara="0" vert="horz" wrap="square" lIns="4445" tIns="4445" rIns="4445" bIns="4445" numCol="1" spcCol="1270" anchor="ctr" anchorCtr="0">
+        <a:bodyPr spcFirstLastPara="0" vert="horz" wrap="square" lIns="3810" tIns="3810" rIns="3810" bIns="3810" numCol="1" spcCol="1270" anchor="ctr" anchorCtr="0">
           <a:noAutofit/>
         </a:bodyPr>
         <a:lstStyle/>
         <a:p>
-          <a:pPr marL="0" lvl="0" indent="0" algn="ctr" defTabSz="311150">
+          <a:pPr marL="0" lvl="0" indent="0" algn="ctr" defTabSz="266700">
             <a:lnSpc>
               <a:spcPct val="90000"/>
             </a:lnSpc>
@@ -11876,26 +13653,26 @@
             <a:buNone/>
           </a:pPr>
           <a:r>
-            <a:rPr lang="fr-FR" sz="700" kern="1200" dirty="0" err="1"/>
-            <a:t>Recipe_price</a:t>
+            <a:rPr lang="fr-FR" sz="600" kern="1200" dirty="0" err="1"/>
+            <a:t>Compagny_email</a:t>
           </a:r>
-          <a:endParaRPr lang="fr-FR" sz="700" kern="1200" dirty="0"/>
+          <a:endParaRPr lang="fr-FR" sz="600" kern="1200" dirty="0"/>
         </a:p>
       </dsp:txBody>
       <dsp:txXfrm>
-        <a:off x="10820891" y="9908006"/>
-        <a:ext cx="820543" cy="410271"/>
+        <a:off x="8212249" y="8450066"/>
+        <a:ext cx="660745" cy="330372"/>
       </dsp:txXfrm>
     </dsp:sp>
-    <dsp:sp modelId="{27279F26-69CB-4517-AC3E-0AB24822479D}">
+    <dsp:sp modelId="{8EDD4C9F-41A6-4BF3-ACD8-E3DDBBD245E6}">
       <dsp:nvSpPr>
         <dsp:cNvPr id="0" name=""/>
         <dsp:cNvSpPr/>
       </dsp:nvSpPr>
       <dsp:spPr>
         <a:xfrm>
-          <a:off x="11813749" y="9325420"/>
-          <a:ext cx="820543" cy="410271"/>
+          <a:off x="11410259" y="7511807"/>
+          <a:ext cx="660745" cy="330372"/>
         </a:xfrm>
         <a:prstGeom prst="rect">
           <a:avLst/>
@@ -11938,12 +13715,12 @@
         </a:fontRef>
       </dsp:style>
       <dsp:txBody>
-        <a:bodyPr spcFirstLastPara="0" vert="horz" wrap="square" lIns="4445" tIns="4445" rIns="4445" bIns="4445" numCol="1" spcCol="1270" anchor="ctr" anchorCtr="0">
+        <a:bodyPr spcFirstLastPara="0" vert="horz" wrap="square" lIns="3810" tIns="3810" rIns="3810" bIns="3810" numCol="1" spcCol="1270" anchor="ctr" anchorCtr="0">
           <a:noAutofit/>
         </a:bodyPr>
         <a:lstStyle/>
         <a:p>
-          <a:pPr marL="0" lvl="0" indent="0" algn="ctr" defTabSz="311150">
+          <a:pPr marL="0" lvl="0" indent="0" algn="ctr" defTabSz="266700">
             <a:lnSpc>
               <a:spcPct val="90000"/>
             </a:lnSpc>
@@ -11956,26 +13733,26 @@
             <a:buNone/>
           </a:pPr>
           <a:r>
-            <a:rPr lang="fr-FR" sz="700" kern="1200" dirty="0" err="1"/>
-            <a:t>Number_delivered</a:t>
+            <a:rPr lang="fr-FR" sz="600" kern="1200" dirty="0" err="1"/>
+            <a:t>Customers</a:t>
           </a:r>
-          <a:endParaRPr lang="fr-FR" sz="700" kern="1200" dirty="0"/>
+          <a:endParaRPr lang="fr-FR" sz="600" kern="1200" dirty="0"/>
         </a:p>
       </dsp:txBody>
       <dsp:txXfrm>
-        <a:off x="11813749" y="9325420"/>
-        <a:ext cx="820543" cy="410271"/>
+        <a:off x="11410259" y="7511807"/>
+        <a:ext cx="660745" cy="330372"/>
       </dsp:txXfrm>
     </dsp:sp>
-    <dsp:sp modelId="{D069C8E9-8746-4CD8-9E2B-53351693FE96}">
+    <dsp:sp modelId="{29282C8B-69C0-461B-8924-B327399CEF5A}">
       <dsp:nvSpPr>
         <dsp:cNvPr id="0" name=""/>
         <dsp:cNvSpPr/>
       </dsp:nvSpPr>
       <dsp:spPr>
         <a:xfrm>
-          <a:off x="9828033" y="10490592"/>
-          <a:ext cx="820543" cy="410271"/>
+          <a:off x="10610757" y="7980936"/>
+          <a:ext cx="660745" cy="330372"/>
         </a:xfrm>
         <a:prstGeom prst="rect">
           <a:avLst/>
@@ -12018,12 +13795,12 @@
         </a:fontRef>
       </dsp:style>
       <dsp:txBody>
-        <a:bodyPr spcFirstLastPara="0" vert="horz" wrap="square" lIns="4445" tIns="4445" rIns="4445" bIns="4445" numCol="1" spcCol="1270" anchor="ctr" anchorCtr="0">
+        <a:bodyPr spcFirstLastPara="0" vert="horz" wrap="square" lIns="3810" tIns="3810" rIns="3810" bIns="3810" numCol="1" spcCol="1270" anchor="ctr" anchorCtr="0">
           <a:noAutofit/>
         </a:bodyPr>
         <a:lstStyle/>
         <a:p>
-          <a:pPr marL="0" lvl="0" indent="0" algn="ctr" defTabSz="311150">
+          <a:pPr marL="0" lvl="0" indent="0" algn="ctr" defTabSz="266700">
             <a:lnSpc>
               <a:spcPct val="90000"/>
             </a:lnSpc>
@@ -12036,26 +13813,25 @@
             <a:buNone/>
           </a:pPr>
           <a:r>
-            <a:rPr lang="fr-FR" sz="700" kern="1200" dirty="0" err="1"/>
-            <a:t>Delivery_frequency</a:t>
+            <a:rPr lang="fr-FR" sz="600" kern="1200" dirty="0"/>
+            <a:t>Customer</a:t>
           </a:r>
-          <a:endParaRPr lang="fr-FR" sz="700" kern="1200" dirty="0"/>
         </a:p>
       </dsp:txBody>
       <dsp:txXfrm>
-        <a:off x="9828033" y="10490592"/>
-        <a:ext cx="820543" cy="410271"/>
+        <a:off x="10610757" y="7980936"/>
+        <a:ext cx="660745" cy="330372"/>
       </dsp:txXfrm>
     </dsp:sp>
-    <dsp:sp modelId="{5AE02209-1EE6-416B-B4EC-1F8CAE700954}">
+    <dsp:sp modelId="{66690EF5-AA87-4B5A-9AB9-BA66C34A1D3F}">
       <dsp:nvSpPr>
         <dsp:cNvPr id="0" name=""/>
         <dsp:cNvSpPr/>
       </dsp:nvSpPr>
       <dsp:spPr>
         <a:xfrm>
-          <a:off x="11813749" y="10490592"/>
-          <a:ext cx="820543" cy="410271"/>
+          <a:off x="10211006" y="8450066"/>
+          <a:ext cx="660745" cy="330372"/>
         </a:xfrm>
         <a:prstGeom prst="rect">
           <a:avLst/>
@@ -12098,12 +13874,12 @@
         </a:fontRef>
       </dsp:style>
       <dsp:txBody>
-        <a:bodyPr spcFirstLastPara="0" vert="horz" wrap="square" lIns="4445" tIns="4445" rIns="4445" bIns="4445" numCol="1" spcCol="1270" anchor="ctr" anchorCtr="0">
+        <a:bodyPr spcFirstLastPara="0" vert="horz" wrap="square" lIns="3810" tIns="3810" rIns="3810" bIns="3810" numCol="1" spcCol="1270" anchor="ctr" anchorCtr="0">
           <a:noAutofit/>
         </a:bodyPr>
         <a:lstStyle/>
         <a:p>
-          <a:pPr marL="0" lvl="0" indent="0" algn="ctr" defTabSz="311150">
+          <a:pPr marL="0" lvl="0" indent="0" algn="ctr" defTabSz="266700">
             <a:lnSpc>
               <a:spcPct val="90000"/>
             </a:lnSpc>
@@ -12116,26 +13892,26 @@
             <a:buNone/>
           </a:pPr>
           <a:r>
-            <a:rPr lang="fr-FR" sz="700" kern="1200" dirty="0" err="1"/>
-            <a:t>Delivery_date</a:t>
+            <a:rPr lang="fr-FR" sz="600" kern="1200" dirty="0" err="1"/>
+            <a:t>CustomerName</a:t>
           </a:r>
-          <a:endParaRPr lang="fr-FR" sz="700" kern="1200" dirty="0"/>
+          <a:endParaRPr lang="fr-FR" sz="600" kern="1200" dirty="0"/>
         </a:p>
       </dsp:txBody>
       <dsp:txXfrm>
-        <a:off x="11813749" y="10490592"/>
-        <a:ext cx="820543" cy="410271"/>
+        <a:off x="10211006" y="8450066"/>
+        <a:ext cx="660745" cy="330372"/>
       </dsp:txXfrm>
     </dsp:sp>
-    <dsp:sp modelId="{A671F663-21D9-43F4-8EE0-2896E9628F81}">
+    <dsp:sp modelId="{1477FD6A-9723-424D-B2A6-33C1EDCDD02C}">
       <dsp:nvSpPr>
         <dsp:cNvPr id="0" name=""/>
         <dsp:cNvSpPr/>
       </dsp:nvSpPr>
       <dsp:spPr>
         <a:xfrm>
-          <a:off x="6849459" y="11073178"/>
-          <a:ext cx="820543" cy="410271"/>
+          <a:off x="11010508" y="8450066"/>
+          <a:ext cx="660745" cy="330372"/>
         </a:xfrm>
         <a:prstGeom prst="rect">
           <a:avLst/>
@@ -12178,12 +13954,12 @@
         </a:fontRef>
       </dsp:style>
       <dsp:txBody>
-        <a:bodyPr spcFirstLastPara="0" vert="horz" wrap="square" lIns="4445" tIns="4445" rIns="4445" bIns="4445" numCol="1" spcCol="1270" anchor="ctr" anchorCtr="0">
+        <a:bodyPr spcFirstLastPara="0" vert="horz" wrap="square" lIns="3810" tIns="3810" rIns="3810" bIns="3810" numCol="1" spcCol="1270" anchor="ctr" anchorCtr="0">
           <a:noAutofit/>
         </a:bodyPr>
         <a:lstStyle/>
         <a:p>
-          <a:pPr marL="0" lvl="0" indent="0" algn="ctr" defTabSz="311150">
+          <a:pPr marL="0" lvl="0" indent="0" algn="ctr" defTabSz="266700">
             <a:lnSpc>
               <a:spcPct val="90000"/>
             </a:lnSpc>
@@ -12196,56 +13972,26 @@
             <a:buNone/>
           </a:pPr>
           <a:r>
-            <a:rPr lang="fr-FR" sz="700" kern="1200" dirty="0" err="1"/>
-            <a:t>Categories</a:t>
+            <a:rPr lang="fr-FR" sz="600" kern="1200" dirty="0" err="1"/>
+            <a:t>CustomerAddress</a:t>
           </a:r>
-          <a:endParaRPr lang="fr-FR" sz="700" kern="1200" dirty="0"/>
-        </a:p>
-        <a:p>
-          <a:pPr marL="0" lvl="0" indent="0" algn="ctr" defTabSz="311150">
-            <a:lnSpc>
-              <a:spcPct val="90000"/>
-            </a:lnSpc>
-            <a:spcBef>
-              <a:spcPct val="0"/>
-            </a:spcBef>
-            <a:spcAft>
-              <a:spcPct val="35000"/>
-            </a:spcAft>
-            <a:buNone/>
-          </a:pPr>
-          <a:r>
-            <a:rPr lang="fr-FR" sz="700" kern="1200" dirty="0" err="1"/>
-            <a:t>Keyref</a:t>
-          </a:r>
-          <a:r>
-            <a:rPr lang="fr-FR" sz="700" kern="1200" dirty="0"/>
-            <a:t>(</a:t>
-          </a:r>
-          <a:r>
-            <a:rPr lang="fr-FR" sz="700" kern="1200" dirty="0" err="1"/>
-            <a:t>recipeCat</a:t>
-          </a:r>
-          <a:r>
-            <a:rPr lang="fr-FR" sz="700" kern="1200" dirty="0"/>
-            <a:t>)</a:t>
-          </a:r>
+          <a:endParaRPr lang="fr-FR" sz="600" kern="1200" dirty="0"/>
         </a:p>
       </dsp:txBody>
       <dsp:txXfrm>
-        <a:off x="6849459" y="11073178"/>
-        <a:ext cx="820543" cy="410271"/>
+        <a:off x="11010508" y="8450066"/>
+        <a:ext cx="660745" cy="330372"/>
       </dsp:txXfrm>
     </dsp:sp>
-    <dsp:sp modelId="{EECB5851-B5EA-4373-9C18-E26E94F1871F}">
+    <dsp:sp modelId="{7349D38B-F67B-4338-BB04-CCAE4E6B7AE4}">
       <dsp:nvSpPr>
         <dsp:cNvPr id="0" name=""/>
         <dsp:cNvSpPr/>
       </dsp:nvSpPr>
       <dsp:spPr>
         <a:xfrm>
-          <a:off x="6353030" y="11655765"/>
-          <a:ext cx="820543" cy="410271"/>
+          <a:off x="10211006" y="8919195"/>
+          <a:ext cx="660745" cy="330372"/>
         </a:xfrm>
         <a:prstGeom prst="rect">
           <a:avLst/>
@@ -12288,12 +14034,12 @@
         </a:fontRef>
       </dsp:style>
       <dsp:txBody>
-        <a:bodyPr spcFirstLastPara="0" vert="horz" wrap="square" lIns="4445" tIns="4445" rIns="4445" bIns="4445" numCol="1" spcCol="1270" anchor="ctr" anchorCtr="0">
+        <a:bodyPr spcFirstLastPara="0" vert="horz" wrap="square" lIns="3810" tIns="3810" rIns="3810" bIns="3810" numCol="1" spcCol="1270" anchor="ctr" anchorCtr="0">
           <a:noAutofit/>
         </a:bodyPr>
         <a:lstStyle/>
         <a:p>
-          <a:pPr marL="0" lvl="0" indent="0" algn="ctr" defTabSz="311150">
+          <a:pPr marL="0" lvl="0" indent="0" algn="ctr" defTabSz="266700">
             <a:lnSpc>
               <a:spcPct val="90000"/>
             </a:lnSpc>
@@ -12306,26 +14052,26 @@
             <a:buNone/>
           </a:pPr>
           <a:r>
-            <a:rPr lang="fr-FR" sz="700" kern="1200" dirty="0" err="1"/>
-            <a:t>Categorie</a:t>
+            <a:rPr lang="fr-FR" sz="600" kern="1200" dirty="0" err="1"/>
+            <a:t>Phone_number</a:t>
           </a:r>
-          <a:endParaRPr lang="fr-FR" sz="700" kern="1200" dirty="0"/>
+          <a:endParaRPr lang="fr-FR" sz="600" kern="1200" dirty="0"/>
         </a:p>
       </dsp:txBody>
       <dsp:txXfrm>
-        <a:off x="6353030" y="11655765"/>
-        <a:ext cx="820543" cy="410271"/>
+        <a:off x="10211006" y="8919195"/>
+        <a:ext cx="660745" cy="330372"/>
       </dsp:txXfrm>
     </dsp:sp>
-    <dsp:sp modelId="{FCC977D8-6D8B-4AF1-A3D4-3B8585587317}">
+    <dsp:sp modelId="{339B0BFA-3E97-45D7-9D50-EBCD490669F9}">
       <dsp:nvSpPr>
         <dsp:cNvPr id="0" name=""/>
         <dsp:cNvSpPr/>
       </dsp:nvSpPr>
       <dsp:spPr>
         <a:xfrm>
-          <a:off x="7345888" y="11655765"/>
-          <a:ext cx="820543" cy="410271"/>
+          <a:off x="11010508" y="8919195"/>
+          <a:ext cx="660745" cy="330372"/>
         </a:xfrm>
         <a:prstGeom prst="rect">
           <a:avLst/>
@@ -12368,12 +14114,12 @@
         </a:fontRef>
       </dsp:style>
       <dsp:txBody>
-        <a:bodyPr spcFirstLastPara="0" vert="horz" wrap="square" lIns="4445" tIns="4445" rIns="4445" bIns="4445" numCol="1" spcCol="1270" anchor="ctr" anchorCtr="0">
+        <a:bodyPr spcFirstLastPara="0" vert="horz" wrap="square" lIns="3810" tIns="3810" rIns="3810" bIns="3810" numCol="1" spcCol="1270" anchor="ctr" anchorCtr="0">
           <a:noAutofit/>
         </a:bodyPr>
         <a:lstStyle/>
         <a:p>
-          <a:pPr marL="0" lvl="0" indent="0" algn="ctr" defTabSz="311150">
+          <a:pPr marL="0" lvl="0" indent="0" algn="ctr" defTabSz="266700">
             <a:lnSpc>
               <a:spcPct val="90000"/>
             </a:lnSpc>
@@ -12386,15 +14132,1001 @@
             <a:buNone/>
           </a:pPr>
           <a:r>
-            <a:rPr lang="fr-FR" sz="700" kern="1200" dirty="0" err="1"/>
+            <a:rPr lang="fr-FR" sz="600" kern="1200" dirty="0" err="1"/>
+            <a:t>Cust_email</a:t>
+          </a:r>
+          <a:endParaRPr lang="fr-FR" sz="600" kern="1200" dirty="0"/>
+        </a:p>
+      </dsp:txBody>
+      <dsp:txXfrm>
+        <a:off x="11010508" y="8919195"/>
+        <a:ext cx="660745" cy="330372"/>
+      </dsp:txXfrm>
+    </dsp:sp>
+    <dsp:sp modelId="{703C605E-1889-4263-9AA9-7FBB0B1021D9}">
+      <dsp:nvSpPr>
+        <dsp:cNvPr id="0" name=""/>
+        <dsp:cNvSpPr/>
+      </dsp:nvSpPr>
+      <dsp:spPr>
+        <a:xfrm>
+          <a:off x="10211006" y="9388325"/>
+          <a:ext cx="660745" cy="330372"/>
+        </a:xfrm>
+        <a:prstGeom prst="rect">
+          <a:avLst/>
+        </a:prstGeom>
+        <a:solidFill>
+          <a:schemeClr val="accent1">
+            <a:alpha val="90000"/>
+            <a:hueOff val="0"/>
+            <a:satOff val="0"/>
+            <a:lumOff val="0"/>
+            <a:alphaOff val="0"/>
+          </a:schemeClr>
+        </a:solidFill>
+        <a:ln w="19050" cap="flat" cmpd="sng" algn="ctr">
+          <a:solidFill>
+            <a:schemeClr val="lt1">
+              <a:hueOff val="0"/>
+              <a:satOff val="0"/>
+              <a:lumOff val="0"/>
+              <a:alphaOff val="0"/>
+            </a:schemeClr>
+          </a:solidFill>
+          <a:prstDash val="solid"/>
+          <a:miter lim="800000"/>
+        </a:ln>
+        <a:effectLst/>
+      </dsp:spPr>
+      <dsp:style>
+        <a:lnRef idx="2">
+          <a:scrgbClr r="0" g="0" b="0"/>
+        </a:lnRef>
+        <a:fillRef idx="1">
+          <a:scrgbClr r="0" g="0" b="0"/>
+        </a:fillRef>
+        <a:effectRef idx="0">
+          <a:scrgbClr r="0" g="0" b="0"/>
+        </a:effectRef>
+        <a:fontRef idx="minor">
+          <a:schemeClr val="lt1"/>
+        </a:fontRef>
+      </dsp:style>
+      <dsp:txBody>
+        <a:bodyPr spcFirstLastPara="0" vert="horz" wrap="square" lIns="3810" tIns="3810" rIns="3810" bIns="3810" numCol="1" spcCol="1270" anchor="ctr" anchorCtr="0">
+          <a:noAutofit/>
+        </a:bodyPr>
+        <a:lstStyle/>
+        <a:p>
+          <a:pPr marL="0" lvl="0" indent="0" algn="ctr" defTabSz="266700">
+            <a:lnSpc>
+              <a:spcPct val="90000"/>
+            </a:lnSpc>
+            <a:spcBef>
+              <a:spcPct val="0"/>
+            </a:spcBef>
+            <a:spcAft>
+              <a:spcPct val="35000"/>
+            </a:spcAft>
+            <a:buNone/>
+          </a:pPr>
+          <a:r>
+            <a:rPr lang="fr-FR" sz="600" kern="1200" dirty="0" err="1"/>
+            <a:t>Invoice</a:t>
+          </a:r>
+          <a:endParaRPr lang="fr-FR" sz="600" kern="1200" dirty="0"/>
+        </a:p>
+      </dsp:txBody>
+      <dsp:txXfrm>
+        <a:off x="10211006" y="9388325"/>
+        <a:ext cx="660745" cy="330372"/>
+      </dsp:txXfrm>
+    </dsp:sp>
+    <dsp:sp modelId="{3FCF524F-4B2D-44FD-942D-4FC7D10F4E3B}">
+      <dsp:nvSpPr>
+        <dsp:cNvPr id="0" name=""/>
+        <dsp:cNvSpPr/>
+      </dsp:nvSpPr>
+      <dsp:spPr>
+        <a:xfrm>
+          <a:off x="9411503" y="9857454"/>
+          <a:ext cx="660745" cy="330372"/>
+        </a:xfrm>
+        <a:prstGeom prst="rect">
+          <a:avLst/>
+        </a:prstGeom>
+        <a:solidFill>
+          <a:schemeClr val="accent1">
+            <a:alpha val="90000"/>
+            <a:hueOff val="0"/>
+            <a:satOff val="0"/>
+            <a:lumOff val="0"/>
+            <a:alphaOff val="0"/>
+          </a:schemeClr>
+        </a:solidFill>
+        <a:ln w="19050" cap="flat" cmpd="sng" algn="ctr">
+          <a:solidFill>
+            <a:schemeClr val="lt1">
+              <a:hueOff val="0"/>
+              <a:satOff val="0"/>
+              <a:lumOff val="0"/>
+              <a:alphaOff val="0"/>
+            </a:schemeClr>
+          </a:solidFill>
+          <a:prstDash val="solid"/>
+          <a:miter lim="800000"/>
+        </a:ln>
+        <a:effectLst/>
+      </dsp:spPr>
+      <dsp:style>
+        <a:lnRef idx="2">
+          <a:scrgbClr r="0" g="0" b="0"/>
+        </a:lnRef>
+        <a:fillRef idx="1">
+          <a:scrgbClr r="0" g="0" b="0"/>
+        </a:fillRef>
+        <a:effectRef idx="0">
+          <a:scrgbClr r="0" g="0" b="0"/>
+        </a:effectRef>
+        <a:fontRef idx="minor">
+          <a:schemeClr val="lt1"/>
+        </a:fontRef>
+      </dsp:style>
+      <dsp:txBody>
+        <a:bodyPr spcFirstLastPara="0" vert="horz" wrap="square" lIns="3810" tIns="3810" rIns="3810" bIns="3810" numCol="1" spcCol="1270" anchor="ctr" anchorCtr="0">
+          <a:noAutofit/>
+        </a:bodyPr>
+        <a:lstStyle/>
+        <a:p>
+          <a:pPr marL="0" lvl="0" indent="0" algn="ctr" defTabSz="266700">
+            <a:lnSpc>
+              <a:spcPct val="90000"/>
+            </a:lnSpc>
+            <a:spcBef>
+              <a:spcPct val="0"/>
+            </a:spcBef>
+            <a:spcAft>
+              <a:spcPct val="35000"/>
+            </a:spcAft>
+            <a:buNone/>
+          </a:pPr>
+          <a:r>
+            <a:rPr lang="fr-FR" sz="600" kern="1200" dirty="0" err="1"/>
+            <a:t>Invoices</a:t>
+          </a:r>
+          <a:r>
+            <a:rPr lang="fr-FR" sz="600" kern="1200" dirty="0"/>
+            <a:t> </a:t>
+          </a:r>
+        </a:p>
+      </dsp:txBody>
+      <dsp:txXfrm>
+        <a:off x="9411503" y="9857454"/>
+        <a:ext cx="660745" cy="330372"/>
+      </dsp:txXfrm>
+    </dsp:sp>
+    <dsp:sp modelId="{29DD0E76-C366-4820-B170-C3E3DBD37CCF}">
+      <dsp:nvSpPr>
+        <dsp:cNvPr id="0" name=""/>
+        <dsp:cNvSpPr/>
+      </dsp:nvSpPr>
+      <dsp:spPr>
+        <a:xfrm>
+          <a:off x="8612001" y="10326584"/>
+          <a:ext cx="660745" cy="330372"/>
+        </a:xfrm>
+        <a:prstGeom prst="rect">
+          <a:avLst/>
+        </a:prstGeom>
+        <a:solidFill>
+          <a:schemeClr val="accent1">
+            <a:alpha val="90000"/>
+            <a:hueOff val="0"/>
+            <a:satOff val="0"/>
+            <a:lumOff val="0"/>
+            <a:alphaOff val="0"/>
+          </a:schemeClr>
+        </a:solidFill>
+        <a:ln w="19050" cap="flat" cmpd="sng" algn="ctr">
+          <a:solidFill>
+            <a:schemeClr val="lt1">
+              <a:hueOff val="0"/>
+              <a:satOff val="0"/>
+              <a:lumOff val="0"/>
+              <a:alphaOff val="0"/>
+            </a:schemeClr>
+          </a:solidFill>
+          <a:prstDash val="solid"/>
+          <a:miter lim="800000"/>
+        </a:ln>
+        <a:effectLst/>
+      </dsp:spPr>
+      <dsp:style>
+        <a:lnRef idx="2">
+          <a:scrgbClr r="0" g="0" b="0"/>
+        </a:lnRef>
+        <a:fillRef idx="1">
+          <a:scrgbClr r="0" g="0" b="0"/>
+        </a:fillRef>
+        <a:effectRef idx="0">
+          <a:scrgbClr r="0" g="0" b="0"/>
+        </a:effectRef>
+        <a:fontRef idx="minor">
+          <a:schemeClr val="lt1"/>
+        </a:fontRef>
+      </dsp:style>
+      <dsp:txBody>
+        <a:bodyPr spcFirstLastPara="0" vert="horz" wrap="square" lIns="3810" tIns="3810" rIns="3810" bIns="3810" numCol="1" spcCol="1270" anchor="ctr" anchorCtr="0">
+          <a:noAutofit/>
+        </a:bodyPr>
+        <a:lstStyle/>
+        <a:p>
+          <a:pPr marL="0" lvl="0" indent="0" algn="ctr" defTabSz="266700">
+            <a:lnSpc>
+              <a:spcPct val="90000"/>
+            </a:lnSpc>
+            <a:spcBef>
+              <a:spcPct val="0"/>
+            </a:spcBef>
+            <a:spcAft>
+              <a:spcPct val="35000"/>
+            </a:spcAft>
+            <a:buNone/>
+          </a:pPr>
+          <a:r>
+            <a:rPr lang="fr-FR" sz="600" kern="1200" dirty="0" err="1"/>
+            <a:t>Invoice</a:t>
+          </a:r>
+          <a:endParaRPr lang="fr-FR" sz="600" kern="1200" dirty="0"/>
+        </a:p>
+      </dsp:txBody>
+      <dsp:txXfrm>
+        <a:off x="8612001" y="10326584"/>
+        <a:ext cx="660745" cy="330372"/>
+      </dsp:txXfrm>
+    </dsp:sp>
+    <dsp:sp modelId="{1CA3A432-5662-47BD-919D-FCB44199A7CD}">
+      <dsp:nvSpPr>
+        <dsp:cNvPr id="0" name=""/>
+        <dsp:cNvSpPr/>
+      </dsp:nvSpPr>
+      <dsp:spPr>
+        <a:xfrm>
+          <a:off x="7812498" y="10795713"/>
+          <a:ext cx="660745" cy="330372"/>
+        </a:xfrm>
+        <a:prstGeom prst="rect">
+          <a:avLst/>
+        </a:prstGeom>
+        <a:solidFill>
+          <a:schemeClr val="accent1">
+            <a:alpha val="90000"/>
+            <a:hueOff val="0"/>
+            <a:satOff val="0"/>
+            <a:lumOff val="0"/>
+            <a:alphaOff val="0"/>
+          </a:schemeClr>
+        </a:solidFill>
+        <a:ln w="19050" cap="flat" cmpd="sng" algn="ctr">
+          <a:solidFill>
+            <a:schemeClr val="lt1">
+              <a:hueOff val="0"/>
+              <a:satOff val="0"/>
+              <a:lumOff val="0"/>
+              <a:alphaOff val="0"/>
+            </a:schemeClr>
+          </a:solidFill>
+          <a:prstDash val="solid"/>
+          <a:miter lim="800000"/>
+        </a:ln>
+        <a:effectLst/>
+      </dsp:spPr>
+      <dsp:style>
+        <a:lnRef idx="2">
+          <a:scrgbClr r="0" g="0" b="0"/>
+        </a:lnRef>
+        <a:fillRef idx="1">
+          <a:scrgbClr r="0" g="0" b="0"/>
+        </a:fillRef>
+        <a:effectRef idx="0">
+          <a:scrgbClr r="0" g="0" b="0"/>
+        </a:effectRef>
+        <a:fontRef idx="minor">
+          <a:schemeClr val="lt1"/>
+        </a:fontRef>
+      </dsp:style>
+      <dsp:txBody>
+        <a:bodyPr spcFirstLastPara="0" vert="horz" wrap="square" lIns="3810" tIns="3810" rIns="3810" bIns="3810" numCol="1" spcCol="1270" anchor="ctr" anchorCtr="0">
+          <a:noAutofit/>
+        </a:bodyPr>
+        <a:lstStyle/>
+        <a:p>
+          <a:pPr marL="0" lvl="0" indent="0" algn="ctr" defTabSz="266700">
+            <a:lnSpc>
+              <a:spcPct val="90000"/>
+            </a:lnSpc>
+            <a:spcBef>
+              <a:spcPct val="0"/>
+            </a:spcBef>
+            <a:spcAft>
+              <a:spcPct val="35000"/>
+            </a:spcAft>
+            <a:buNone/>
+          </a:pPr>
+          <a:r>
+            <a:rPr lang="fr-FR" sz="600" kern="1200" dirty="0" err="1"/>
+            <a:t>Rec_list</a:t>
+          </a:r>
+          <a:endParaRPr lang="fr-FR" sz="600" kern="1200" dirty="0"/>
+        </a:p>
+      </dsp:txBody>
+      <dsp:txXfrm>
+        <a:off x="7812498" y="10795713"/>
+        <a:ext cx="660745" cy="330372"/>
+      </dsp:txXfrm>
+    </dsp:sp>
+    <dsp:sp modelId="{56B26504-DFD5-4550-9411-DF9B5E83C3BF}">
+      <dsp:nvSpPr>
+        <dsp:cNvPr id="0" name=""/>
+        <dsp:cNvSpPr/>
+      </dsp:nvSpPr>
+      <dsp:spPr>
+        <a:xfrm>
+          <a:off x="7412747" y="11264843"/>
+          <a:ext cx="660745" cy="330372"/>
+        </a:xfrm>
+        <a:prstGeom prst="rect">
+          <a:avLst/>
+        </a:prstGeom>
+        <a:solidFill>
+          <a:schemeClr val="accent1">
+            <a:alpha val="90000"/>
+            <a:hueOff val="0"/>
+            <a:satOff val="0"/>
+            <a:lumOff val="0"/>
+            <a:alphaOff val="0"/>
+          </a:schemeClr>
+        </a:solidFill>
+        <a:ln w="19050" cap="flat" cmpd="sng" algn="ctr">
+          <a:solidFill>
+            <a:schemeClr val="lt1">
+              <a:hueOff val="0"/>
+              <a:satOff val="0"/>
+              <a:lumOff val="0"/>
+              <a:alphaOff val="0"/>
+            </a:schemeClr>
+          </a:solidFill>
+          <a:prstDash val="solid"/>
+          <a:miter lim="800000"/>
+        </a:ln>
+        <a:effectLst/>
+      </dsp:spPr>
+      <dsp:style>
+        <a:lnRef idx="2">
+          <a:scrgbClr r="0" g="0" b="0"/>
+        </a:lnRef>
+        <a:fillRef idx="1">
+          <a:scrgbClr r="0" g="0" b="0"/>
+        </a:fillRef>
+        <a:effectRef idx="0">
+          <a:scrgbClr r="0" g="0" b="0"/>
+        </a:effectRef>
+        <a:fontRef idx="minor">
+          <a:schemeClr val="lt1"/>
+        </a:fontRef>
+      </dsp:style>
+      <dsp:txBody>
+        <a:bodyPr spcFirstLastPara="0" vert="horz" wrap="square" lIns="3810" tIns="3810" rIns="3810" bIns="3810" numCol="1" spcCol="1270" anchor="ctr" anchorCtr="0">
+          <a:noAutofit/>
+        </a:bodyPr>
+        <a:lstStyle/>
+        <a:p>
+          <a:pPr marL="0" lvl="0" indent="0" algn="ctr" defTabSz="266700">
+            <a:lnSpc>
+              <a:spcPct val="90000"/>
+            </a:lnSpc>
+            <a:spcBef>
+              <a:spcPct val="0"/>
+            </a:spcBef>
+            <a:spcAft>
+              <a:spcPct val="35000"/>
+            </a:spcAft>
+            <a:buNone/>
+          </a:pPr>
+          <a:r>
+            <a:rPr lang="fr-FR" sz="600" kern="1200" dirty="0" err="1"/>
+            <a:t>Recipe</a:t>
+          </a:r>
+          <a:endParaRPr lang="fr-FR" sz="600" kern="1200" dirty="0"/>
+        </a:p>
+      </dsp:txBody>
+      <dsp:txXfrm>
+        <a:off x="7412747" y="11264843"/>
+        <a:ext cx="660745" cy="330372"/>
+      </dsp:txXfrm>
+    </dsp:sp>
+    <dsp:sp modelId="{61911E5C-528E-4EA6-8F96-A7A60A4E2453}">
+      <dsp:nvSpPr>
+        <dsp:cNvPr id="0" name=""/>
+        <dsp:cNvSpPr/>
+      </dsp:nvSpPr>
+      <dsp:spPr>
+        <a:xfrm>
+          <a:off x="8212249" y="11264843"/>
+          <a:ext cx="660745" cy="330372"/>
+        </a:xfrm>
+        <a:prstGeom prst="rect">
+          <a:avLst/>
+        </a:prstGeom>
+        <a:solidFill>
+          <a:schemeClr val="accent1">
+            <a:alpha val="90000"/>
+            <a:hueOff val="0"/>
+            <a:satOff val="0"/>
+            <a:lumOff val="0"/>
+            <a:alphaOff val="0"/>
+          </a:schemeClr>
+        </a:solidFill>
+        <a:ln w="19050" cap="flat" cmpd="sng" algn="ctr">
+          <a:solidFill>
+            <a:schemeClr val="lt1">
+              <a:hueOff val="0"/>
+              <a:satOff val="0"/>
+              <a:lumOff val="0"/>
+              <a:alphaOff val="0"/>
+            </a:schemeClr>
+          </a:solidFill>
+          <a:prstDash val="solid"/>
+          <a:miter lim="800000"/>
+        </a:ln>
+        <a:effectLst/>
+      </dsp:spPr>
+      <dsp:style>
+        <a:lnRef idx="2">
+          <a:scrgbClr r="0" g="0" b="0"/>
+        </a:lnRef>
+        <a:fillRef idx="1">
+          <a:scrgbClr r="0" g="0" b="0"/>
+        </a:fillRef>
+        <a:effectRef idx="0">
+          <a:scrgbClr r="0" g="0" b="0"/>
+        </a:effectRef>
+        <a:fontRef idx="minor">
+          <a:schemeClr val="lt1"/>
+        </a:fontRef>
+      </dsp:style>
+      <dsp:txBody>
+        <a:bodyPr spcFirstLastPara="0" vert="horz" wrap="square" lIns="3810" tIns="3810" rIns="3810" bIns="3810" numCol="1" spcCol="1270" anchor="ctr" anchorCtr="0">
+          <a:noAutofit/>
+        </a:bodyPr>
+        <a:lstStyle/>
+        <a:p>
+          <a:pPr marL="0" lvl="0" indent="0" algn="ctr" defTabSz="266700">
+            <a:lnSpc>
+              <a:spcPct val="90000"/>
+            </a:lnSpc>
+            <a:spcBef>
+              <a:spcPct val="0"/>
+            </a:spcBef>
+            <a:spcAft>
+              <a:spcPct val="35000"/>
+            </a:spcAft>
+            <a:buNone/>
+          </a:pPr>
+          <a:r>
+            <a:rPr lang="fr-FR" sz="600" kern="1200" dirty="0" err="1"/>
+            <a:t>Recipe_price</a:t>
+          </a:r>
+          <a:endParaRPr lang="fr-FR" sz="600" kern="1200" dirty="0"/>
+        </a:p>
+      </dsp:txBody>
+      <dsp:txXfrm>
+        <a:off x="8212249" y="11264843"/>
+        <a:ext cx="660745" cy="330372"/>
+      </dsp:txXfrm>
+    </dsp:sp>
+    <dsp:sp modelId="{27279F26-69CB-4517-AC3E-0AB24822479D}">
+      <dsp:nvSpPr>
+        <dsp:cNvPr id="0" name=""/>
+        <dsp:cNvSpPr/>
+      </dsp:nvSpPr>
+      <dsp:spPr>
+        <a:xfrm>
+          <a:off x="9011752" y="10795713"/>
+          <a:ext cx="660745" cy="330372"/>
+        </a:xfrm>
+        <a:prstGeom prst="rect">
+          <a:avLst/>
+        </a:prstGeom>
+        <a:solidFill>
+          <a:schemeClr val="accent1">
+            <a:alpha val="90000"/>
+            <a:hueOff val="0"/>
+            <a:satOff val="0"/>
+            <a:lumOff val="0"/>
+            <a:alphaOff val="0"/>
+          </a:schemeClr>
+        </a:solidFill>
+        <a:ln w="19050" cap="flat" cmpd="sng" algn="ctr">
+          <a:solidFill>
+            <a:schemeClr val="lt1">
+              <a:hueOff val="0"/>
+              <a:satOff val="0"/>
+              <a:lumOff val="0"/>
+              <a:alphaOff val="0"/>
+            </a:schemeClr>
+          </a:solidFill>
+          <a:prstDash val="solid"/>
+          <a:miter lim="800000"/>
+        </a:ln>
+        <a:effectLst/>
+      </dsp:spPr>
+      <dsp:style>
+        <a:lnRef idx="2">
+          <a:scrgbClr r="0" g="0" b="0"/>
+        </a:lnRef>
+        <a:fillRef idx="1">
+          <a:scrgbClr r="0" g="0" b="0"/>
+        </a:fillRef>
+        <a:effectRef idx="0">
+          <a:scrgbClr r="0" g="0" b="0"/>
+        </a:effectRef>
+        <a:fontRef idx="minor">
+          <a:schemeClr val="lt1"/>
+        </a:fontRef>
+      </dsp:style>
+      <dsp:txBody>
+        <a:bodyPr spcFirstLastPara="0" vert="horz" wrap="square" lIns="3810" tIns="3810" rIns="3810" bIns="3810" numCol="1" spcCol="1270" anchor="ctr" anchorCtr="0">
+          <a:noAutofit/>
+        </a:bodyPr>
+        <a:lstStyle/>
+        <a:p>
+          <a:pPr marL="0" lvl="0" indent="0" algn="ctr" defTabSz="266700">
+            <a:lnSpc>
+              <a:spcPct val="90000"/>
+            </a:lnSpc>
+            <a:spcBef>
+              <a:spcPct val="0"/>
+            </a:spcBef>
+            <a:spcAft>
+              <a:spcPct val="35000"/>
+            </a:spcAft>
+            <a:buNone/>
+          </a:pPr>
+          <a:r>
+            <a:rPr lang="fr-FR" sz="600" kern="1200" dirty="0" err="1"/>
+            <a:t>Number_delivered</a:t>
+          </a:r>
+          <a:endParaRPr lang="fr-FR" sz="600" kern="1200" dirty="0"/>
+        </a:p>
+      </dsp:txBody>
+      <dsp:txXfrm>
+        <a:off x="9011752" y="10795713"/>
+        <a:ext cx="660745" cy="330372"/>
+      </dsp:txXfrm>
+    </dsp:sp>
+    <dsp:sp modelId="{D069C8E9-8746-4CD8-9E2B-53351693FE96}">
+      <dsp:nvSpPr>
+        <dsp:cNvPr id="0" name=""/>
+        <dsp:cNvSpPr/>
+      </dsp:nvSpPr>
+      <dsp:spPr>
+        <a:xfrm>
+          <a:off x="7412747" y="11733973"/>
+          <a:ext cx="660745" cy="330372"/>
+        </a:xfrm>
+        <a:prstGeom prst="rect">
+          <a:avLst/>
+        </a:prstGeom>
+        <a:solidFill>
+          <a:schemeClr val="accent1">
+            <a:alpha val="90000"/>
+            <a:hueOff val="0"/>
+            <a:satOff val="0"/>
+            <a:lumOff val="0"/>
+            <a:alphaOff val="0"/>
+          </a:schemeClr>
+        </a:solidFill>
+        <a:ln w="19050" cap="flat" cmpd="sng" algn="ctr">
+          <a:solidFill>
+            <a:schemeClr val="lt1">
+              <a:hueOff val="0"/>
+              <a:satOff val="0"/>
+              <a:lumOff val="0"/>
+              <a:alphaOff val="0"/>
+            </a:schemeClr>
+          </a:solidFill>
+          <a:prstDash val="solid"/>
+          <a:miter lim="800000"/>
+        </a:ln>
+        <a:effectLst/>
+      </dsp:spPr>
+      <dsp:style>
+        <a:lnRef idx="2">
+          <a:scrgbClr r="0" g="0" b="0"/>
+        </a:lnRef>
+        <a:fillRef idx="1">
+          <a:scrgbClr r="0" g="0" b="0"/>
+        </a:fillRef>
+        <a:effectRef idx="0">
+          <a:scrgbClr r="0" g="0" b="0"/>
+        </a:effectRef>
+        <a:fontRef idx="minor">
+          <a:schemeClr val="lt1"/>
+        </a:fontRef>
+      </dsp:style>
+      <dsp:txBody>
+        <a:bodyPr spcFirstLastPara="0" vert="horz" wrap="square" lIns="3810" tIns="3810" rIns="3810" bIns="3810" numCol="1" spcCol="1270" anchor="ctr" anchorCtr="0">
+          <a:noAutofit/>
+        </a:bodyPr>
+        <a:lstStyle/>
+        <a:p>
+          <a:pPr marL="0" lvl="0" indent="0" algn="ctr" defTabSz="266700">
+            <a:lnSpc>
+              <a:spcPct val="90000"/>
+            </a:lnSpc>
+            <a:spcBef>
+              <a:spcPct val="0"/>
+            </a:spcBef>
+            <a:spcAft>
+              <a:spcPct val="35000"/>
+            </a:spcAft>
+            <a:buNone/>
+          </a:pPr>
+          <a:r>
+            <a:rPr lang="fr-FR" sz="600" kern="1200" dirty="0" err="1"/>
+            <a:t>Delivery_frequency</a:t>
+          </a:r>
+          <a:endParaRPr lang="fr-FR" sz="600" kern="1200" dirty="0"/>
+        </a:p>
+      </dsp:txBody>
+      <dsp:txXfrm>
+        <a:off x="7412747" y="11733973"/>
+        <a:ext cx="660745" cy="330372"/>
+      </dsp:txXfrm>
+    </dsp:sp>
+    <dsp:sp modelId="{5AE02209-1EE6-416B-B4EC-1F8CAE700954}">
+      <dsp:nvSpPr>
+        <dsp:cNvPr id="0" name=""/>
+        <dsp:cNvSpPr/>
+      </dsp:nvSpPr>
+      <dsp:spPr>
+        <a:xfrm>
+          <a:off x="9011752" y="11733973"/>
+          <a:ext cx="660745" cy="330372"/>
+        </a:xfrm>
+        <a:prstGeom prst="rect">
+          <a:avLst/>
+        </a:prstGeom>
+        <a:solidFill>
+          <a:schemeClr val="accent1">
+            <a:alpha val="90000"/>
+            <a:hueOff val="0"/>
+            <a:satOff val="0"/>
+            <a:lumOff val="0"/>
+            <a:alphaOff val="0"/>
+          </a:schemeClr>
+        </a:solidFill>
+        <a:ln w="19050" cap="flat" cmpd="sng" algn="ctr">
+          <a:solidFill>
+            <a:schemeClr val="lt1">
+              <a:hueOff val="0"/>
+              <a:satOff val="0"/>
+              <a:lumOff val="0"/>
+              <a:alphaOff val="0"/>
+            </a:schemeClr>
+          </a:solidFill>
+          <a:prstDash val="solid"/>
+          <a:miter lim="800000"/>
+        </a:ln>
+        <a:effectLst/>
+      </dsp:spPr>
+      <dsp:style>
+        <a:lnRef idx="2">
+          <a:scrgbClr r="0" g="0" b="0"/>
+        </a:lnRef>
+        <a:fillRef idx="1">
+          <a:scrgbClr r="0" g="0" b="0"/>
+        </a:fillRef>
+        <a:effectRef idx="0">
+          <a:scrgbClr r="0" g="0" b="0"/>
+        </a:effectRef>
+        <a:fontRef idx="minor">
+          <a:schemeClr val="lt1"/>
+        </a:fontRef>
+      </dsp:style>
+      <dsp:txBody>
+        <a:bodyPr spcFirstLastPara="0" vert="horz" wrap="square" lIns="3810" tIns="3810" rIns="3810" bIns="3810" numCol="1" spcCol="1270" anchor="ctr" anchorCtr="0">
+          <a:noAutofit/>
+        </a:bodyPr>
+        <a:lstStyle/>
+        <a:p>
+          <a:pPr marL="0" lvl="0" indent="0" algn="ctr" defTabSz="266700">
+            <a:lnSpc>
+              <a:spcPct val="90000"/>
+            </a:lnSpc>
+            <a:spcBef>
+              <a:spcPct val="0"/>
+            </a:spcBef>
+            <a:spcAft>
+              <a:spcPct val="35000"/>
+            </a:spcAft>
+            <a:buNone/>
+          </a:pPr>
+          <a:r>
+            <a:rPr lang="fr-FR" sz="600" kern="1200" dirty="0" err="1"/>
+            <a:t>Delivery_date</a:t>
+          </a:r>
+          <a:endParaRPr lang="fr-FR" sz="600" kern="1200" dirty="0"/>
+        </a:p>
+      </dsp:txBody>
+      <dsp:txXfrm>
+        <a:off x="9011752" y="11733973"/>
+        <a:ext cx="660745" cy="330372"/>
+      </dsp:txXfrm>
+    </dsp:sp>
+    <dsp:sp modelId="{A671F663-21D9-43F4-8EE0-2896E9628F81}">
+      <dsp:nvSpPr>
+        <dsp:cNvPr id="0" name=""/>
+        <dsp:cNvSpPr/>
+      </dsp:nvSpPr>
+      <dsp:spPr>
+        <a:xfrm>
+          <a:off x="10610757" y="9857454"/>
+          <a:ext cx="660745" cy="330372"/>
+        </a:xfrm>
+        <a:prstGeom prst="rect">
+          <a:avLst/>
+        </a:prstGeom>
+        <a:solidFill>
+          <a:schemeClr val="accent1">
+            <a:alpha val="90000"/>
+            <a:hueOff val="0"/>
+            <a:satOff val="0"/>
+            <a:lumOff val="0"/>
+            <a:alphaOff val="0"/>
+          </a:schemeClr>
+        </a:solidFill>
+        <a:ln w="19050" cap="flat" cmpd="sng" algn="ctr">
+          <a:solidFill>
+            <a:schemeClr val="lt1">
+              <a:hueOff val="0"/>
+              <a:satOff val="0"/>
+              <a:lumOff val="0"/>
+              <a:alphaOff val="0"/>
+            </a:schemeClr>
+          </a:solidFill>
+          <a:prstDash val="solid"/>
+          <a:miter lim="800000"/>
+        </a:ln>
+        <a:effectLst/>
+      </dsp:spPr>
+      <dsp:style>
+        <a:lnRef idx="2">
+          <a:scrgbClr r="0" g="0" b="0"/>
+        </a:lnRef>
+        <a:fillRef idx="1">
+          <a:scrgbClr r="0" g="0" b="0"/>
+        </a:fillRef>
+        <a:effectRef idx="0">
+          <a:scrgbClr r="0" g="0" b="0"/>
+        </a:effectRef>
+        <a:fontRef idx="minor">
+          <a:schemeClr val="lt1"/>
+        </a:fontRef>
+      </dsp:style>
+      <dsp:txBody>
+        <a:bodyPr spcFirstLastPara="0" vert="horz" wrap="square" lIns="3810" tIns="3810" rIns="3810" bIns="3810" numCol="1" spcCol="1270" anchor="ctr" anchorCtr="0">
+          <a:noAutofit/>
+        </a:bodyPr>
+        <a:lstStyle/>
+        <a:p>
+          <a:pPr marL="0" lvl="0" indent="0" algn="ctr" defTabSz="266700">
+            <a:lnSpc>
+              <a:spcPct val="90000"/>
+            </a:lnSpc>
+            <a:spcBef>
+              <a:spcPct val="0"/>
+            </a:spcBef>
+            <a:spcAft>
+              <a:spcPct val="35000"/>
+            </a:spcAft>
+            <a:buNone/>
+          </a:pPr>
+          <a:r>
+            <a:rPr lang="fr-FR" sz="600" kern="1200" dirty="0" err="1"/>
+            <a:t>Categories</a:t>
+          </a:r>
+          <a:endParaRPr lang="fr-FR" sz="600" kern="1200" dirty="0"/>
+        </a:p>
+        <a:p>
+          <a:pPr marL="0" lvl="0" indent="0" algn="ctr" defTabSz="266700">
+            <a:lnSpc>
+              <a:spcPct val="90000"/>
+            </a:lnSpc>
+            <a:spcBef>
+              <a:spcPct val="0"/>
+            </a:spcBef>
+            <a:spcAft>
+              <a:spcPct val="35000"/>
+            </a:spcAft>
+            <a:buNone/>
+          </a:pPr>
+          <a:r>
+            <a:rPr lang="fr-FR" sz="600" kern="1200" dirty="0"/>
+            <a:t>Key </a:t>
+          </a:r>
+          <a:r>
+            <a:rPr lang="fr-FR" sz="600" kern="1200"/>
+            <a:t>of recipeCat</a:t>
+          </a:r>
+          <a:endParaRPr lang="fr-FR" sz="600" kern="1200" dirty="0"/>
+        </a:p>
+      </dsp:txBody>
+      <dsp:txXfrm>
+        <a:off x="10610757" y="9857454"/>
+        <a:ext cx="660745" cy="330372"/>
+      </dsp:txXfrm>
+    </dsp:sp>
+    <dsp:sp modelId="{EECB5851-B5EA-4373-9C18-E26E94F1871F}">
+      <dsp:nvSpPr>
+        <dsp:cNvPr id="0" name=""/>
+        <dsp:cNvSpPr/>
+      </dsp:nvSpPr>
+      <dsp:spPr>
+        <a:xfrm>
+          <a:off x="10211006" y="10326584"/>
+          <a:ext cx="660745" cy="330372"/>
+        </a:xfrm>
+        <a:prstGeom prst="rect">
+          <a:avLst/>
+        </a:prstGeom>
+        <a:solidFill>
+          <a:schemeClr val="accent1">
+            <a:alpha val="90000"/>
+            <a:hueOff val="0"/>
+            <a:satOff val="0"/>
+            <a:lumOff val="0"/>
+            <a:alphaOff val="0"/>
+          </a:schemeClr>
+        </a:solidFill>
+        <a:ln w="19050" cap="flat" cmpd="sng" algn="ctr">
+          <a:solidFill>
+            <a:schemeClr val="lt1">
+              <a:hueOff val="0"/>
+              <a:satOff val="0"/>
+              <a:lumOff val="0"/>
+              <a:alphaOff val="0"/>
+            </a:schemeClr>
+          </a:solidFill>
+          <a:prstDash val="solid"/>
+          <a:miter lim="800000"/>
+        </a:ln>
+        <a:effectLst/>
+      </dsp:spPr>
+      <dsp:style>
+        <a:lnRef idx="2">
+          <a:scrgbClr r="0" g="0" b="0"/>
+        </a:lnRef>
+        <a:fillRef idx="1">
+          <a:scrgbClr r="0" g="0" b="0"/>
+        </a:fillRef>
+        <a:effectRef idx="0">
+          <a:scrgbClr r="0" g="0" b="0"/>
+        </a:effectRef>
+        <a:fontRef idx="minor">
+          <a:schemeClr val="lt1"/>
+        </a:fontRef>
+      </dsp:style>
+      <dsp:txBody>
+        <a:bodyPr spcFirstLastPara="0" vert="horz" wrap="square" lIns="3810" tIns="3810" rIns="3810" bIns="3810" numCol="1" spcCol="1270" anchor="ctr" anchorCtr="0">
+          <a:noAutofit/>
+        </a:bodyPr>
+        <a:lstStyle/>
+        <a:p>
+          <a:pPr marL="0" lvl="0" indent="0" algn="ctr" defTabSz="266700">
+            <a:lnSpc>
+              <a:spcPct val="90000"/>
+            </a:lnSpc>
+            <a:spcBef>
+              <a:spcPct val="0"/>
+            </a:spcBef>
+            <a:spcAft>
+              <a:spcPct val="35000"/>
+            </a:spcAft>
+            <a:buNone/>
+          </a:pPr>
+          <a:r>
+            <a:rPr lang="fr-FR" sz="600" kern="1200" dirty="0" err="1"/>
+            <a:t>Categorie</a:t>
+          </a:r>
+          <a:endParaRPr lang="fr-FR" sz="600" kern="1200" dirty="0"/>
+        </a:p>
+      </dsp:txBody>
+      <dsp:txXfrm>
+        <a:off x="10211006" y="10326584"/>
+        <a:ext cx="660745" cy="330372"/>
+      </dsp:txXfrm>
+    </dsp:sp>
+    <dsp:sp modelId="{FCC977D8-6D8B-4AF1-A3D4-3B8585587317}">
+      <dsp:nvSpPr>
+        <dsp:cNvPr id="0" name=""/>
+        <dsp:cNvSpPr/>
+      </dsp:nvSpPr>
+      <dsp:spPr>
+        <a:xfrm>
+          <a:off x="11010508" y="10326584"/>
+          <a:ext cx="660745" cy="330372"/>
+        </a:xfrm>
+        <a:prstGeom prst="rect">
+          <a:avLst/>
+        </a:prstGeom>
+        <a:solidFill>
+          <a:schemeClr val="accent1">
+            <a:alpha val="90000"/>
+            <a:hueOff val="0"/>
+            <a:satOff val="0"/>
+            <a:lumOff val="0"/>
+            <a:alphaOff val="0"/>
+          </a:schemeClr>
+        </a:solidFill>
+        <a:ln w="19050" cap="flat" cmpd="sng" algn="ctr">
+          <a:solidFill>
+            <a:schemeClr val="lt1">
+              <a:hueOff val="0"/>
+              <a:satOff val="0"/>
+              <a:lumOff val="0"/>
+              <a:alphaOff val="0"/>
+            </a:schemeClr>
+          </a:solidFill>
+          <a:prstDash val="solid"/>
+          <a:miter lim="800000"/>
+        </a:ln>
+        <a:effectLst/>
+      </dsp:spPr>
+      <dsp:style>
+        <a:lnRef idx="2">
+          <a:scrgbClr r="0" g="0" b="0"/>
+        </a:lnRef>
+        <a:fillRef idx="1">
+          <a:scrgbClr r="0" g="0" b="0"/>
+        </a:fillRef>
+        <a:effectRef idx="0">
+          <a:scrgbClr r="0" g="0" b="0"/>
+        </a:effectRef>
+        <a:fontRef idx="minor">
+          <a:schemeClr val="lt1"/>
+        </a:fontRef>
+      </dsp:style>
+      <dsp:txBody>
+        <a:bodyPr spcFirstLastPara="0" vert="horz" wrap="square" lIns="3810" tIns="3810" rIns="3810" bIns="3810" numCol="1" spcCol="1270" anchor="ctr" anchorCtr="0">
+          <a:noAutofit/>
+        </a:bodyPr>
+        <a:lstStyle/>
+        <a:p>
+          <a:pPr marL="0" lvl="0" indent="0" algn="ctr" defTabSz="266700">
+            <a:lnSpc>
+              <a:spcPct val="90000"/>
+            </a:lnSpc>
+            <a:spcBef>
+              <a:spcPct val="0"/>
+            </a:spcBef>
+            <a:spcAft>
+              <a:spcPct val="35000"/>
+            </a:spcAft>
+            <a:buNone/>
+          </a:pPr>
+          <a:r>
+            <a:rPr lang="fr-FR" sz="600" kern="1200" dirty="0" err="1"/>
             <a:t>Recipe_cat</a:t>
           </a:r>
-          <a:endParaRPr lang="fr-FR" sz="700" kern="1200" dirty="0"/>
+          <a:endParaRPr lang="fr-FR" sz="600" kern="1200" dirty="0"/>
         </a:p>
       </dsp:txBody>
       <dsp:txXfrm>
-        <a:off x="7345888" y="11655765"/>
-        <a:ext cx="820543" cy="410271"/>
+        <a:off x="11010508" y="10326584"/>
+        <a:ext cx="660745" cy="330372"/>
       </dsp:txXfrm>
     </dsp:sp>
   </dsp:spTree>
@@ -14712,7 +17444,7 @@
           <a:p>
             <a:fld id="{EB66BFD0-91ED-438F-8452-904E0098E796}" type="datetimeFigureOut">
               <a:rPr lang="fr-FR" smtClean="0"/>
-              <a:t>14/08/2024</a:t>
+              <a:t>22/08/2024</a:t>
             </a:fld>
             <a:endParaRPr lang="fr-FR"/>
           </a:p>
@@ -14882,7 +17614,7 @@
           <a:p>
             <a:fld id="{EB66BFD0-91ED-438F-8452-904E0098E796}" type="datetimeFigureOut">
               <a:rPr lang="fr-FR" smtClean="0"/>
-              <a:t>14/08/2024</a:t>
+              <a:t>22/08/2024</a:t>
             </a:fld>
             <a:endParaRPr lang="fr-FR"/>
           </a:p>
@@ -15062,7 +17794,7 @@
           <a:p>
             <a:fld id="{EB66BFD0-91ED-438F-8452-904E0098E796}" type="datetimeFigureOut">
               <a:rPr lang="fr-FR" smtClean="0"/>
-              <a:t>14/08/2024</a:t>
+              <a:t>22/08/2024</a:t>
             </a:fld>
             <a:endParaRPr lang="fr-FR"/>
           </a:p>
@@ -15232,7 +17964,7 @@
           <a:p>
             <a:fld id="{EB66BFD0-91ED-438F-8452-904E0098E796}" type="datetimeFigureOut">
               <a:rPr lang="fr-FR" smtClean="0"/>
-              <a:t>14/08/2024</a:t>
+              <a:t>22/08/2024</a:t>
             </a:fld>
             <a:endParaRPr lang="fr-FR"/>
           </a:p>
@@ -15478,7 +18210,7 @@
           <a:p>
             <a:fld id="{EB66BFD0-91ED-438F-8452-904E0098E796}" type="datetimeFigureOut">
               <a:rPr lang="fr-FR" smtClean="0"/>
-              <a:t>14/08/2024</a:t>
+              <a:t>22/08/2024</a:t>
             </a:fld>
             <a:endParaRPr lang="fr-FR"/>
           </a:p>
@@ -15710,7 +18442,7 @@
           <a:p>
             <a:fld id="{EB66BFD0-91ED-438F-8452-904E0098E796}" type="datetimeFigureOut">
               <a:rPr lang="fr-FR" smtClean="0"/>
-              <a:t>14/08/2024</a:t>
+              <a:t>22/08/2024</a:t>
             </a:fld>
             <a:endParaRPr lang="fr-FR"/>
           </a:p>
@@ -16077,7 +18809,7 @@
           <a:p>
             <a:fld id="{EB66BFD0-91ED-438F-8452-904E0098E796}" type="datetimeFigureOut">
               <a:rPr lang="fr-FR" smtClean="0"/>
-              <a:t>14/08/2024</a:t>
+              <a:t>22/08/2024</a:t>
             </a:fld>
             <a:endParaRPr lang="fr-FR"/>
           </a:p>
@@ -16195,7 +18927,7 @@
           <a:p>
             <a:fld id="{EB66BFD0-91ED-438F-8452-904E0098E796}" type="datetimeFigureOut">
               <a:rPr lang="fr-FR" smtClean="0"/>
-              <a:t>14/08/2024</a:t>
+              <a:t>22/08/2024</a:t>
             </a:fld>
             <a:endParaRPr lang="fr-FR"/>
           </a:p>
@@ -16290,7 +19022,7 @@
           <a:p>
             <a:fld id="{EB66BFD0-91ED-438F-8452-904E0098E796}" type="datetimeFigureOut">
               <a:rPr lang="fr-FR" smtClean="0"/>
-              <a:t>14/08/2024</a:t>
+              <a:t>22/08/2024</a:t>
             </a:fld>
             <a:endParaRPr lang="fr-FR"/>
           </a:p>
@@ -16567,7 +19299,7 @@
           <a:p>
             <a:fld id="{EB66BFD0-91ED-438F-8452-904E0098E796}" type="datetimeFigureOut">
               <a:rPr lang="fr-FR" smtClean="0"/>
-              <a:t>14/08/2024</a:t>
+              <a:t>22/08/2024</a:t>
             </a:fld>
             <a:endParaRPr lang="fr-FR"/>
           </a:p>
@@ -16824,7 +19556,7 @@
           <a:p>
             <a:fld id="{EB66BFD0-91ED-438F-8452-904E0098E796}" type="datetimeFigureOut">
               <a:rPr lang="fr-FR" smtClean="0"/>
-              <a:t>14/08/2024</a:t>
+              <a:t>22/08/2024</a:t>
             </a:fld>
             <a:endParaRPr lang="fr-FR"/>
           </a:p>
@@ -17037,7 +19769,7 @@
           <a:p>
             <a:fld id="{EB66BFD0-91ED-438F-8452-904E0098E796}" type="datetimeFigureOut">
               <a:rPr lang="fr-FR" smtClean="0"/>
-              <a:t>14/08/2024</a:t>
+              <a:t>22/08/2024</a:t>
             </a:fld>
             <a:endParaRPr lang="fr-FR"/>
           </a:p>
@@ -17455,7 +20187,7 @@
           <p:nvPr>
             <p:extLst>
               <p:ext uri="{D42A27DB-BD31-4B8C-83A1-F6EECF244321}">
-                <p14:modId xmlns:p14="http://schemas.microsoft.com/office/powerpoint/2010/main" val="3153804440"/>
+                <p14:modId xmlns:p14="http://schemas.microsoft.com/office/powerpoint/2010/main" val="3286640950"/>
               </p:ext>
             </p:extLst>
           </p:nvPr>

--- a/MW/RecipeBox_DB/DB_schema_viz.pptx
+++ b/MW/RecipeBox_DB/DB_schema_viz.pptx
@@ -2734,7 +2734,7 @@
         <a:p>
           <a:r>
             <a:rPr lang="fr-FR" dirty="0" err="1"/>
-            <a:t>Delivery_date</a:t>
+            <a:t>delivery_startDate</a:t>
           </a:r>
           <a:endParaRPr lang="fr-FR" dirty="0"/>
         </a:p>
@@ -3377,6 +3377,29 @@
         </a:p>
       </dgm:t>
     </dgm:pt>
+    <dgm:pt modelId="{3D15BE56-AFAD-4B58-BD3F-CB36E91FB610}" type="asst">
+      <dgm:prSet phldrT="[Text]"/>
+      <dgm:spPr/>
+      <dgm:t>
+        <a:bodyPr/>
+        <a:lstStyle/>
+        <a:p>
+          <a:r>
+            <a:rPr lang="fr-FR"/>
+            <a:t>delivery_EndDate</a:t>
+          </a:r>
+          <a:endParaRPr lang="fr-FR" dirty="0"/>
+        </a:p>
+      </dgm:t>
+    </dgm:pt>
+    <dgm:pt modelId="{EBA747A2-FC29-40BB-89E9-CE05A030ABD8}" type="parTrans" cxnId="{F40B4E08-098C-48DB-8838-68BD41386205}">
+      <dgm:prSet/>
+      <dgm:spPr/>
+    </dgm:pt>
+    <dgm:pt modelId="{DB926AD8-9E66-4416-A9F9-7A0AA9255C3B}" type="sibTrans" cxnId="{F40B4E08-098C-48DB-8838-68BD41386205}">
+      <dgm:prSet/>
+      <dgm:spPr/>
+    </dgm:pt>
     <dgm:pt modelId="{31C73E42-7413-4086-8AA9-82EE4FDF4688}" type="pres">
       <dgm:prSet presAssocID="{7ED7F82A-B3BC-4965-908C-DB18A189650A}" presName="hierChild1" presStyleCnt="0">
         <dgm:presLayoutVars>
@@ -3439,7 +3462,7 @@
       <dgm:spPr/>
     </dgm:pt>
     <dgm:pt modelId="{E827EE73-A458-47A5-9402-688307433157}" type="pres">
-      <dgm:prSet presAssocID="{5A130CF4-82A1-480D-B1BC-8C9BC041D947}" presName="rootText3" presStyleLbl="asst1" presStyleIdx="0" presStyleCnt="62">
+      <dgm:prSet presAssocID="{5A130CF4-82A1-480D-B1BC-8C9BC041D947}" presName="rootText3" presStyleLbl="asst1" presStyleIdx="0" presStyleCnt="63">
         <dgm:presLayoutVars>
           <dgm:chPref val="3"/>
         </dgm:presLayoutVars>
@@ -3447,7 +3470,7 @@
       <dgm:spPr/>
     </dgm:pt>
     <dgm:pt modelId="{6F03B1E2-CF5E-4160-BEAE-D46AE17D2A57}" type="pres">
-      <dgm:prSet presAssocID="{5A130CF4-82A1-480D-B1BC-8C9BC041D947}" presName="rootConnector3" presStyleLbl="asst1" presStyleIdx="0" presStyleCnt="62"/>
+      <dgm:prSet presAssocID="{5A130CF4-82A1-480D-B1BC-8C9BC041D947}" presName="rootConnector3" presStyleLbl="asst1" presStyleIdx="0" presStyleCnt="63"/>
       <dgm:spPr/>
     </dgm:pt>
     <dgm:pt modelId="{7D67871C-FAA3-49E9-8269-C8132AE608BC}" type="pres">
@@ -3475,7 +3498,7 @@
       <dgm:spPr/>
     </dgm:pt>
     <dgm:pt modelId="{E0D9D789-8723-4EBE-96CD-7B761C793469}" type="pres">
-      <dgm:prSet presAssocID="{3E8CC39E-1D51-463A-8607-640A4960C4BD}" presName="rootText3" presStyleLbl="asst1" presStyleIdx="1" presStyleCnt="62">
+      <dgm:prSet presAssocID="{3E8CC39E-1D51-463A-8607-640A4960C4BD}" presName="rootText3" presStyleLbl="asst1" presStyleIdx="1" presStyleCnt="63">
         <dgm:presLayoutVars>
           <dgm:chPref val="3"/>
         </dgm:presLayoutVars>
@@ -3483,7 +3506,7 @@
       <dgm:spPr/>
     </dgm:pt>
     <dgm:pt modelId="{8646981E-4CB0-4655-AE68-C8DAF4D043B7}" type="pres">
-      <dgm:prSet presAssocID="{3E8CC39E-1D51-463A-8607-640A4960C4BD}" presName="rootConnector3" presStyleLbl="asst1" presStyleIdx="1" presStyleCnt="62"/>
+      <dgm:prSet presAssocID="{3E8CC39E-1D51-463A-8607-640A4960C4BD}" presName="rootConnector3" presStyleLbl="asst1" presStyleIdx="1" presStyleCnt="63"/>
       <dgm:spPr/>
     </dgm:pt>
     <dgm:pt modelId="{8682349C-655C-40C6-804C-5F9E015BA993}" type="pres">
@@ -3495,7 +3518,7 @@
       <dgm:spPr/>
     </dgm:pt>
     <dgm:pt modelId="{B47D875A-07B5-4BAB-BA1B-24FF28ECFCDA}" type="pres">
-      <dgm:prSet presAssocID="{4D634B1D-052E-47B6-9561-6DB08B508886}" presName="Name111" presStyleLbl="parChTrans1D4" presStyleIdx="0" presStyleCnt="42"/>
+      <dgm:prSet presAssocID="{4D634B1D-052E-47B6-9561-6DB08B508886}" presName="Name111" presStyleLbl="parChTrans1D4" presStyleIdx="0" presStyleCnt="43"/>
       <dgm:spPr/>
     </dgm:pt>
     <dgm:pt modelId="{8739B7E2-E227-46ED-8ED8-C9F1C26455A7}" type="pres">
@@ -3511,7 +3534,7 @@
       <dgm:spPr/>
     </dgm:pt>
     <dgm:pt modelId="{4C561BD1-6498-41FC-9541-C2D44F4A10CE}" type="pres">
-      <dgm:prSet presAssocID="{23209160-44D6-468D-88E0-7F515DA6C8E1}" presName="rootText3" presStyleLbl="asst1" presStyleIdx="2" presStyleCnt="62">
+      <dgm:prSet presAssocID="{23209160-44D6-468D-88E0-7F515DA6C8E1}" presName="rootText3" presStyleLbl="asst1" presStyleIdx="2" presStyleCnt="63">
         <dgm:presLayoutVars>
           <dgm:chPref val="3"/>
         </dgm:presLayoutVars>
@@ -3519,7 +3542,7 @@
       <dgm:spPr/>
     </dgm:pt>
     <dgm:pt modelId="{6D8FBC58-20D1-417B-A42C-58A7512AF578}" type="pres">
-      <dgm:prSet presAssocID="{23209160-44D6-468D-88E0-7F515DA6C8E1}" presName="rootConnector3" presStyleLbl="asst1" presStyleIdx="2" presStyleCnt="62"/>
+      <dgm:prSet presAssocID="{23209160-44D6-468D-88E0-7F515DA6C8E1}" presName="rootConnector3" presStyleLbl="asst1" presStyleIdx="2" presStyleCnt="63"/>
       <dgm:spPr/>
     </dgm:pt>
     <dgm:pt modelId="{4E4FC650-02F1-418C-86B7-4E33A344D5ED}" type="pres">
@@ -3531,7 +3554,7 @@
       <dgm:spPr/>
     </dgm:pt>
     <dgm:pt modelId="{2E320EFC-6739-426A-A052-6207B0F1C1BD}" type="pres">
-      <dgm:prSet presAssocID="{5CF8F453-87E6-4F17-AEF4-247CFE452C75}" presName="Name111" presStyleLbl="parChTrans1D4" presStyleIdx="1" presStyleCnt="42"/>
+      <dgm:prSet presAssocID="{5CF8F453-87E6-4F17-AEF4-247CFE452C75}" presName="Name111" presStyleLbl="parChTrans1D4" presStyleIdx="1" presStyleCnt="43"/>
       <dgm:spPr/>
     </dgm:pt>
     <dgm:pt modelId="{6AB43C9B-592F-4D2F-A01E-922B94E7B57E}" type="pres">
@@ -3547,7 +3570,7 @@
       <dgm:spPr/>
     </dgm:pt>
     <dgm:pt modelId="{CEA5CD17-5FFF-49AA-B7BD-42AF57393911}" type="pres">
-      <dgm:prSet presAssocID="{378B7761-7719-40D4-8C2F-6A9C4C3531A6}" presName="rootText3" presStyleLbl="asst1" presStyleIdx="3" presStyleCnt="62">
+      <dgm:prSet presAssocID="{378B7761-7719-40D4-8C2F-6A9C4C3531A6}" presName="rootText3" presStyleLbl="asst1" presStyleIdx="3" presStyleCnt="63">
         <dgm:presLayoutVars>
           <dgm:chPref val="3"/>
         </dgm:presLayoutVars>
@@ -3555,7 +3578,7 @@
       <dgm:spPr/>
     </dgm:pt>
     <dgm:pt modelId="{B7F911D6-D609-4D54-A402-C13B883E50ED}" type="pres">
-      <dgm:prSet presAssocID="{378B7761-7719-40D4-8C2F-6A9C4C3531A6}" presName="rootConnector3" presStyleLbl="asst1" presStyleIdx="3" presStyleCnt="62"/>
+      <dgm:prSet presAssocID="{378B7761-7719-40D4-8C2F-6A9C4C3531A6}" presName="rootConnector3" presStyleLbl="asst1" presStyleIdx="3" presStyleCnt="63"/>
       <dgm:spPr/>
     </dgm:pt>
     <dgm:pt modelId="{BE2F3EBF-DB94-485E-9786-295848EBFE99}" type="pres">
@@ -3567,7 +3590,7 @@
       <dgm:spPr/>
     </dgm:pt>
     <dgm:pt modelId="{2330DF79-6759-44AF-BF5B-48DAF401A9FC}" type="pres">
-      <dgm:prSet presAssocID="{2E07F3E9-F9E3-489C-835A-A259CF4F2EB3}" presName="Name111" presStyleLbl="parChTrans1D4" presStyleIdx="2" presStyleCnt="42"/>
+      <dgm:prSet presAssocID="{2E07F3E9-F9E3-489C-835A-A259CF4F2EB3}" presName="Name111" presStyleLbl="parChTrans1D4" presStyleIdx="2" presStyleCnt="43"/>
       <dgm:spPr/>
     </dgm:pt>
     <dgm:pt modelId="{71E537D4-428E-43E4-A665-2E6C020ABEEE}" type="pres">
@@ -3583,7 +3606,7 @@
       <dgm:spPr/>
     </dgm:pt>
     <dgm:pt modelId="{CA29F901-FB62-40CB-93B0-5FA3D3E89153}" type="pres">
-      <dgm:prSet presAssocID="{50744334-6503-43A4-ADDB-0CC5326D54D8}" presName="rootText3" presStyleLbl="asst1" presStyleIdx="4" presStyleCnt="62">
+      <dgm:prSet presAssocID="{50744334-6503-43A4-ADDB-0CC5326D54D8}" presName="rootText3" presStyleLbl="asst1" presStyleIdx="4" presStyleCnt="63">
         <dgm:presLayoutVars>
           <dgm:chPref val="3"/>
         </dgm:presLayoutVars>
@@ -3591,7 +3614,7 @@
       <dgm:spPr/>
     </dgm:pt>
     <dgm:pt modelId="{E5C1CEEB-72CF-4D85-BA23-818995F5318D}" type="pres">
-      <dgm:prSet presAssocID="{50744334-6503-43A4-ADDB-0CC5326D54D8}" presName="rootConnector3" presStyleLbl="asst1" presStyleIdx="4" presStyleCnt="62"/>
+      <dgm:prSet presAssocID="{50744334-6503-43A4-ADDB-0CC5326D54D8}" presName="rootConnector3" presStyleLbl="asst1" presStyleIdx="4" presStyleCnt="63"/>
       <dgm:spPr/>
     </dgm:pt>
     <dgm:pt modelId="{97E5797F-DD2C-4858-AC6C-95E76A1F24F4}" type="pres">
@@ -3603,7 +3626,7 @@
       <dgm:spPr/>
     </dgm:pt>
     <dgm:pt modelId="{A7D1E3CC-CF40-419B-A23A-A0E30CC143C9}" type="pres">
-      <dgm:prSet presAssocID="{D56DBF74-740C-4F96-8CAA-F39D952A495F}" presName="Name111" presStyleLbl="parChTrans1D4" presStyleIdx="3" presStyleCnt="42"/>
+      <dgm:prSet presAssocID="{D56DBF74-740C-4F96-8CAA-F39D952A495F}" presName="Name111" presStyleLbl="parChTrans1D4" presStyleIdx="3" presStyleCnt="43"/>
       <dgm:spPr/>
     </dgm:pt>
     <dgm:pt modelId="{9878BEFD-2D78-4AEE-A197-36319D839771}" type="pres">
@@ -3619,7 +3642,7 @@
       <dgm:spPr/>
     </dgm:pt>
     <dgm:pt modelId="{FADDC691-0A86-4B40-AA55-39069DDC51CC}" type="pres">
-      <dgm:prSet presAssocID="{FBE65CBC-7EC3-4A2A-9C5B-BB24267C7434}" presName="rootText3" presStyleLbl="asst1" presStyleIdx="5" presStyleCnt="62">
+      <dgm:prSet presAssocID="{FBE65CBC-7EC3-4A2A-9C5B-BB24267C7434}" presName="rootText3" presStyleLbl="asst1" presStyleIdx="5" presStyleCnt="63">
         <dgm:presLayoutVars>
           <dgm:chPref val="3"/>
         </dgm:presLayoutVars>
@@ -3627,7 +3650,7 @@
       <dgm:spPr/>
     </dgm:pt>
     <dgm:pt modelId="{7F51D0F5-C74B-4D44-B08D-5D034389763E}" type="pres">
-      <dgm:prSet presAssocID="{FBE65CBC-7EC3-4A2A-9C5B-BB24267C7434}" presName="rootConnector3" presStyleLbl="asst1" presStyleIdx="5" presStyleCnt="62"/>
+      <dgm:prSet presAssocID="{FBE65CBC-7EC3-4A2A-9C5B-BB24267C7434}" presName="rootConnector3" presStyleLbl="asst1" presStyleIdx="5" presStyleCnt="63"/>
       <dgm:spPr/>
     </dgm:pt>
     <dgm:pt modelId="{63D90A7A-BC9D-436C-AA10-5F2D6E9CDF54}" type="pres">
@@ -3639,7 +3662,7 @@
       <dgm:spPr/>
     </dgm:pt>
     <dgm:pt modelId="{A3AD00AC-C08B-40FB-8083-19D64B9EF040}" type="pres">
-      <dgm:prSet presAssocID="{F8B36BD7-227B-481D-B93A-AC0E3729CD8F}" presName="Name111" presStyleLbl="parChTrans1D4" presStyleIdx="4" presStyleCnt="42"/>
+      <dgm:prSet presAssocID="{F8B36BD7-227B-481D-B93A-AC0E3729CD8F}" presName="Name111" presStyleLbl="parChTrans1D4" presStyleIdx="4" presStyleCnt="43"/>
       <dgm:spPr/>
     </dgm:pt>
     <dgm:pt modelId="{EF8DBBF1-0981-4FB4-9DDB-99713E54ECBC}" type="pres">
@@ -3655,7 +3678,7 @@
       <dgm:spPr/>
     </dgm:pt>
     <dgm:pt modelId="{9A2566C5-9F5E-4D8B-9060-A8D3B81F3336}" type="pres">
-      <dgm:prSet presAssocID="{E086C18C-6586-4CDA-90D8-BA574ABF75C5}" presName="rootText3" presStyleLbl="asst1" presStyleIdx="6" presStyleCnt="62">
+      <dgm:prSet presAssocID="{E086C18C-6586-4CDA-90D8-BA574ABF75C5}" presName="rootText3" presStyleLbl="asst1" presStyleIdx="6" presStyleCnt="63">
         <dgm:presLayoutVars>
           <dgm:chPref val="3"/>
         </dgm:presLayoutVars>
@@ -3663,7 +3686,7 @@
       <dgm:spPr/>
     </dgm:pt>
     <dgm:pt modelId="{B58AA6A6-3178-4EE1-83E4-04B4CF34D00B}" type="pres">
-      <dgm:prSet presAssocID="{E086C18C-6586-4CDA-90D8-BA574ABF75C5}" presName="rootConnector3" presStyleLbl="asst1" presStyleIdx="6" presStyleCnt="62"/>
+      <dgm:prSet presAssocID="{E086C18C-6586-4CDA-90D8-BA574ABF75C5}" presName="rootConnector3" presStyleLbl="asst1" presStyleIdx="6" presStyleCnt="63"/>
       <dgm:spPr/>
     </dgm:pt>
     <dgm:pt modelId="{77D96003-1FE6-40EE-AF18-7CA375ABE68E}" type="pres">
@@ -3675,7 +3698,7 @@
       <dgm:spPr/>
     </dgm:pt>
     <dgm:pt modelId="{C0A1A1E0-23B3-45C2-B4A2-6D0F5E85036E}" type="pres">
-      <dgm:prSet presAssocID="{D59CD930-FAC4-45A4-A9F1-98FDD212E676}" presName="Name111" presStyleLbl="parChTrans1D4" presStyleIdx="5" presStyleCnt="42"/>
+      <dgm:prSet presAssocID="{D59CD930-FAC4-45A4-A9F1-98FDD212E676}" presName="Name111" presStyleLbl="parChTrans1D4" presStyleIdx="5" presStyleCnt="43"/>
       <dgm:spPr/>
     </dgm:pt>
     <dgm:pt modelId="{2D2828CC-EB4B-49B2-B78A-7860064CAA91}" type="pres">
@@ -3691,7 +3714,7 @@
       <dgm:spPr/>
     </dgm:pt>
     <dgm:pt modelId="{7BBCE7BB-9B24-4968-9CF1-8802A8F83A58}" type="pres">
-      <dgm:prSet presAssocID="{3E06C824-B207-4BB9-8299-6DB685B22456}" presName="rootText3" presStyleLbl="asst1" presStyleIdx="7" presStyleCnt="62">
+      <dgm:prSet presAssocID="{3E06C824-B207-4BB9-8299-6DB685B22456}" presName="rootText3" presStyleLbl="asst1" presStyleIdx="7" presStyleCnt="63">
         <dgm:presLayoutVars>
           <dgm:chPref val="3"/>
         </dgm:presLayoutVars>
@@ -3699,7 +3722,7 @@
       <dgm:spPr/>
     </dgm:pt>
     <dgm:pt modelId="{1F5AFEBC-03BC-4BD6-A5BF-2EC34D010DE7}" type="pres">
-      <dgm:prSet presAssocID="{3E06C824-B207-4BB9-8299-6DB685B22456}" presName="rootConnector3" presStyleLbl="asst1" presStyleIdx="7" presStyleCnt="62"/>
+      <dgm:prSet presAssocID="{3E06C824-B207-4BB9-8299-6DB685B22456}" presName="rootConnector3" presStyleLbl="asst1" presStyleIdx="7" presStyleCnt="63"/>
       <dgm:spPr/>
     </dgm:pt>
     <dgm:pt modelId="{D66959BE-DCB5-4899-BB1B-2FE35AEB0266}" type="pres">
@@ -3711,7 +3734,7 @@
       <dgm:spPr/>
     </dgm:pt>
     <dgm:pt modelId="{8BE93FB5-5DDC-4147-AC43-80210D75A281}" type="pres">
-      <dgm:prSet presAssocID="{1CD4D642-0E96-4954-A320-0C6B0EDC5EE8}" presName="Name111" presStyleLbl="parChTrans1D4" presStyleIdx="6" presStyleCnt="42"/>
+      <dgm:prSet presAssocID="{1CD4D642-0E96-4954-A320-0C6B0EDC5EE8}" presName="Name111" presStyleLbl="parChTrans1D4" presStyleIdx="6" presStyleCnt="43"/>
       <dgm:spPr/>
     </dgm:pt>
     <dgm:pt modelId="{F9149B8E-CFB2-498C-8A89-B87460AFA89F}" type="pres">
@@ -3727,7 +3750,7 @@
       <dgm:spPr/>
     </dgm:pt>
     <dgm:pt modelId="{D190B0E1-89D9-49E4-86A8-FC5F6ECC41C4}" type="pres">
-      <dgm:prSet presAssocID="{9EDB8869-1490-4D16-AD6F-AA1294D99170}" presName="rootText3" presStyleLbl="asst1" presStyleIdx="8" presStyleCnt="62">
+      <dgm:prSet presAssocID="{9EDB8869-1490-4D16-AD6F-AA1294D99170}" presName="rootText3" presStyleLbl="asst1" presStyleIdx="8" presStyleCnt="63">
         <dgm:presLayoutVars>
           <dgm:chPref val="3"/>
         </dgm:presLayoutVars>
@@ -3735,7 +3758,7 @@
       <dgm:spPr/>
     </dgm:pt>
     <dgm:pt modelId="{2E3B1B3B-392F-4749-857C-BA7630881AE6}" type="pres">
-      <dgm:prSet presAssocID="{9EDB8869-1490-4D16-AD6F-AA1294D99170}" presName="rootConnector3" presStyleLbl="asst1" presStyleIdx="8" presStyleCnt="62"/>
+      <dgm:prSet presAssocID="{9EDB8869-1490-4D16-AD6F-AA1294D99170}" presName="rootConnector3" presStyleLbl="asst1" presStyleIdx="8" presStyleCnt="63"/>
       <dgm:spPr/>
     </dgm:pt>
     <dgm:pt modelId="{62614FDE-63BD-4220-A142-A126B2BA1561}" type="pres">
@@ -3747,7 +3770,7 @@
       <dgm:spPr/>
     </dgm:pt>
     <dgm:pt modelId="{0E3782B3-E865-4373-BB27-4F6E0F061D18}" type="pres">
-      <dgm:prSet presAssocID="{571A605A-EC94-4BD6-A530-277BA2DA874F}" presName="Name111" presStyleLbl="parChTrans1D4" presStyleIdx="7" presStyleCnt="42"/>
+      <dgm:prSet presAssocID="{571A605A-EC94-4BD6-A530-277BA2DA874F}" presName="Name111" presStyleLbl="parChTrans1D4" presStyleIdx="7" presStyleCnt="43"/>
       <dgm:spPr/>
     </dgm:pt>
     <dgm:pt modelId="{660F532D-8D3E-4E4A-B333-24634BCD93B5}" type="pres">
@@ -3763,7 +3786,7 @@
       <dgm:spPr/>
     </dgm:pt>
     <dgm:pt modelId="{16878670-2316-40C8-BBED-5A791E94C876}" type="pres">
-      <dgm:prSet presAssocID="{3EBB3AF4-834B-4DA5-9346-169CC5FA8B6C}" presName="rootText3" presStyleLbl="asst1" presStyleIdx="9" presStyleCnt="62">
+      <dgm:prSet presAssocID="{3EBB3AF4-834B-4DA5-9346-169CC5FA8B6C}" presName="rootText3" presStyleLbl="asst1" presStyleIdx="9" presStyleCnt="63">
         <dgm:presLayoutVars>
           <dgm:chPref val="3"/>
         </dgm:presLayoutVars>
@@ -3771,7 +3794,7 @@
       <dgm:spPr/>
     </dgm:pt>
     <dgm:pt modelId="{BF451C11-49F1-4671-99EE-E0DB77414EDF}" type="pres">
-      <dgm:prSet presAssocID="{3EBB3AF4-834B-4DA5-9346-169CC5FA8B6C}" presName="rootConnector3" presStyleLbl="asst1" presStyleIdx="9" presStyleCnt="62"/>
+      <dgm:prSet presAssocID="{3EBB3AF4-834B-4DA5-9346-169CC5FA8B6C}" presName="rootConnector3" presStyleLbl="asst1" presStyleIdx="9" presStyleCnt="63"/>
       <dgm:spPr/>
     </dgm:pt>
     <dgm:pt modelId="{218D5055-3F6D-4824-ADA4-05A10B00B0F7}" type="pres">
@@ -3783,7 +3806,7 @@
       <dgm:spPr/>
     </dgm:pt>
     <dgm:pt modelId="{55A88246-B398-4A41-9C16-FB7D7E803901}" type="pres">
-      <dgm:prSet presAssocID="{0F7BB613-974A-4529-A0EF-B00F076028A4}" presName="Name111" presStyleLbl="parChTrans1D4" presStyleIdx="8" presStyleCnt="42"/>
+      <dgm:prSet presAssocID="{0F7BB613-974A-4529-A0EF-B00F076028A4}" presName="Name111" presStyleLbl="parChTrans1D4" presStyleIdx="8" presStyleCnt="43"/>
       <dgm:spPr/>
     </dgm:pt>
     <dgm:pt modelId="{99B909E4-8163-46BA-A44E-98A2083DFB03}" type="pres">
@@ -3799,7 +3822,7 @@
       <dgm:spPr/>
     </dgm:pt>
     <dgm:pt modelId="{1F20BA95-876A-4CA7-8474-083218689804}" type="pres">
-      <dgm:prSet presAssocID="{5A24ACE5-68D0-4967-9DE2-03D6135DC87E}" presName="rootText3" presStyleLbl="asst1" presStyleIdx="10" presStyleCnt="62">
+      <dgm:prSet presAssocID="{5A24ACE5-68D0-4967-9DE2-03D6135DC87E}" presName="rootText3" presStyleLbl="asst1" presStyleIdx="10" presStyleCnt="63">
         <dgm:presLayoutVars>
           <dgm:chPref val="3"/>
         </dgm:presLayoutVars>
@@ -3807,7 +3830,7 @@
       <dgm:spPr/>
     </dgm:pt>
     <dgm:pt modelId="{BECB09A8-AD65-4C77-9143-3C7111625FA0}" type="pres">
-      <dgm:prSet presAssocID="{5A24ACE5-68D0-4967-9DE2-03D6135DC87E}" presName="rootConnector3" presStyleLbl="asst1" presStyleIdx="10" presStyleCnt="62"/>
+      <dgm:prSet presAssocID="{5A24ACE5-68D0-4967-9DE2-03D6135DC87E}" presName="rootConnector3" presStyleLbl="asst1" presStyleIdx="10" presStyleCnt="63"/>
       <dgm:spPr/>
     </dgm:pt>
     <dgm:pt modelId="{11AA1DBA-290F-465A-99B1-3D5EFF5AC61F}" type="pres">
@@ -3819,7 +3842,7 @@
       <dgm:spPr/>
     </dgm:pt>
     <dgm:pt modelId="{4BA0FD2B-D648-4FD0-8F33-BC723D7B9B66}" type="pres">
-      <dgm:prSet presAssocID="{F264BCA0-E208-4FB7-B1BB-E25907FEC487}" presName="Name111" presStyleLbl="parChTrans1D4" presStyleIdx="9" presStyleCnt="42"/>
+      <dgm:prSet presAssocID="{F264BCA0-E208-4FB7-B1BB-E25907FEC487}" presName="Name111" presStyleLbl="parChTrans1D4" presStyleIdx="9" presStyleCnt="43"/>
       <dgm:spPr/>
     </dgm:pt>
     <dgm:pt modelId="{8C8AAAB9-A186-4ACE-A26D-8E2DC895C11B}" type="pres">
@@ -3835,7 +3858,7 @@
       <dgm:spPr/>
     </dgm:pt>
     <dgm:pt modelId="{D086313A-D390-46C5-9D6A-A8D0967A109B}" type="pres">
-      <dgm:prSet presAssocID="{105699BB-7017-453A-8C0E-2004027AD789}" presName="rootText3" presStyleLbl="asst1" presStyleIdx="11" presStyleCnt="62">
+      <dgm:prSet presAssocID="{105699BB-7017-453A-8C0E-2004027AD789}" presName="rootText3" presStyleLbl="asst1" presStyleIdx="11" presStyleCnt="63">
         <dgm:presLayoutVars>
           <dgm:chPref val="3"/>
         </dgm:presLayoutVars>
@@ -3843,7 +3866,7 @@
       <dgm:spPr/>
     </dgm:pt>
     <dgm:pt modelId="{4992B22D-4DD8-4B66-8921-9B600E91A1A2}" type="pres">
-      <dgm:prSet presAssocID="{105699BB-7017-453A-8C0E-2004027AD789}" presName="rootConnector3" presStyleLbl="asst1" presStyleIdx="11" presStyleCnt="62"/>
+      <dgm:prSet presAssocID="{105699BB-7017-453A-8C0E-2004027AD789}" presName="rootConnector3" presStyleLbl="asst1" presStyleIdx="11" presStyleCnt="63"/>
       <dgm:spPr/>
     </dgm:pt>
     <dgm:pt modelId="{6A41F1CE-10DC-41EF-81CC-D339CBC49D6F}" type="pres">
@@ -3855,7 +3878,7 @@
       <dgm:spPr/>
     </dgm:pt>
     <dgm:pt modelId="{098EF2EF-54F9-4DB9-9B90-CA77F8509B37}" type="pres">
-      <dgm:prSet presAssocID="{1ACA5A08-FB34-4B93-B527-18564E327613}" presName="Name111" presStyleLbl="parChTrans1D4" presStyleIdx="10" presStyleCnt="42"/>
+      <dgm:prSet presAssocID="{1ACA5A08-FB34-4B93-B527-18564E327613}" presName="Name111" presStyleLbl="parChTrans1D4" presStyleIdx="10" presStyleCnt="43"/>
       <dgm:spPr/>
     </dgm:pt>
     <dgm:pt modelId="{1889ECEE-51F8-4933-BE96-DDB5504919A1}" type="pres">
@@ -3871,7 +3894,7 @@
       <dgm:spPr/>
     </dgm:pt>
     <dgm:pt modelId="{0922FE8B-DF89-4405-8D8B-F8F3C875E2DD}" type="pres">
-      <dgm:prSet presAssocID="{B146A1B1-B0D4-43AF-9F61-DBA9336A534C}" presName="rootText3" presStyleLbl="asst1" presStyleIdx="12" presStyleCnt="62">
+      <dgm:prSet presAssocID="{B146A1B1-B0D4-43AF-9F61-DBA9336A534C}" presName="rootText3" presStyleLbl="asst1" presStyleIdx="12" presStyleCnt="63">
         <dgm:presLayoutVars>
           <dgm:chPref val="3"/>
         </dgm:presLayoutVars>
@@ -3879,7 +3902,7 @@
       <dgm:spPr/>
     </dgm:pt>
     <dgm:pt modelId="{668A8947-A38B-435F-9375-33A1F548AD46}" type="pres">
-      <dgm:prSet presAssocID="{B146A1B1-B0D4-43AF-9F61-DBA9336A534C}" presName="rootConnector3" presStyleLbl="asst1" presStyleIdx="12" presStyleCnt="62"/>
+      <dgm:prSet presAssocID="{B146A1B1-B0D4-43AF-9F61-DBA9336A534C}" presName="rootConnector3" presStyleLbl="asst1" presStyleIdx="12" presStyleCnt="63"/>
       <dgm:spPr/>
     </dgm:pt>
     <dgm:pt modelId="{85322F85-0272-4FC7-86DE-F7E4CD155D63}" type="pres">
@@ -3891,7 +3914,7 @@
       <dgm:spPr/>
     </dgm:pt>
     <dgm:pt modelId="{940D5A6A-3D20-4AF7-A598-183C785A991B}" type="pres">
-      <dgm:prSet presAssocID="{46C21EAD-A920-4646-8331-AAC76B296F08}" presName="Name111" presStyleLbl="parChTrans1D4" presStyleIdx="11" presStyleCnt="42"/>
+      <dgm:prSet presAssocID="{46C21EAD-A920-4646-8331-AAC76B296F08}" presName="Name111" presStyleLbl="parChTrans1D4" presStyleIdx="11" presStyleCnt="43"/>
       <dgm:spPr/>
     </dgm:pt>
     <dgm:pt modelId="{A02C4304-2B2A-4D66-A0B5-1E92C3A9B692}" type="pres">
@@ -3907,7 +3930,7 @@
       <dgm:spPr/>
     </dgm:pt>
     <dgm:pt modelId="{BCFCD26C-86D8-4D7F-B57A-880FC9A97A3F}" type="pres">
-      <dgm:prSet presAssocID="{F1C186BE-BD2A-4C33-BAA2-8C22BA45FE1C}" presName="rootText3" presStyleLbl="asst1" presStyleIdx="13" presStyleCnt="62">
+      <dgm:prSet presAssocID="{F1C186BE-BD2A-4C33-BAA2-8C22BA45FE1C}" presName="rootText3" presStyleLbl="asst1" presStyleIdx="13" presStyleCnt="63">
         <dgm:presLayoutVars>
           <dgm:chPref val="3"/>
         </dgm:presLayoutVars>
@@ -3915,7 +3938,7 @@
       <dgm:spPr/>
     </dgm:pt>
     <dgm:pt modelId="{6B83C2E2-791C-4166-B03A-F42D6D25230D}" type="pres">
-      <dgm:prSet presAssocID="{F1C186BE-BD2A-4C33-BAA2-8C22BA45FE1C}" presName="rootConnector3" presStyleLbl="asst1" presStyleIdx="13" presStyleCnt="62"/>
+      <dgm:prSet presAssocID="{F1C186BE-BD2A-4C33-BAA2-8C22BA45FE1C}" presName="rootConnector3" presStyleLbl="asst1" presStyleIdx="13" presStyleCnt="63"/>
       <dgm:spPr/>
     </dgm:pt>
     <dgm:pt modelId="{8117AC7E-F658-41AD-8E54-EF2799434183}" type="pres">
@@ -3927,7 +3950,7 @@
       <dgm:spPr/>
     </dgm:pt>
     <dgm:pt modelId="{88BEF9BE-BD95-49C8-BC77-2259BEFB9056}" type="pres">
-      <dgm:prSet presAssocID="{D7FB8382-77BA-4D1C-BA5F-39BCA282884D}" presName="Name111" presStyleLbl="parChTrans1D4" presStyleIdx="12" presStyleCnt="42"/>
+      <dgm:prSet presAssocID="{D7FB8382-77BA-4D1C-BA5F-39BCA282884D}" presName="Name111" presStyleLbl="parChTrans1D4" presStyleIdx="12" presStyleCnt="43"/>
       <dgm:spPr/>
     </dgm:pt>
     <dgm:pt modelId="{1E6786F4-574A-4F50-8103-9BABDBB530E9}" type="pres">
@@ -3943,7 +3966,7 @@
       <dgm:spPr/>
     </dgm:pt>
     <dgm:pt modelId="{E51E6F38-46A5-4263-9055-A1AEB09CD03A}" type="pres">
-      <dgm:prSet presAssocID="{275D6578-A6C0-4038-AA6E-BAF2BF3B0470}" presName="rootText3" presStyleLbl="asst1" presStyleIdx="14" presStyleCnt="62">
+      <dgm:prSet presAssocID="{275D6578-A6C0-4038-AA6E-BAF2BF3B0470}" presName="rootText3" presStyleLbl="asst1" presStyleIdx="14" presStyleCnt="63">
         <dgm:presLayoutVars>
           <dgm:chPref val="3"/>
         </dgm:presLayoutVars>
@@ -3951,7 +3974,7 @@
       <dgm:spPr/>
     </dgm:pt>
     <dgm:pt modelId="{537DB5FB-5D30-4BFC-B4B9-2FBB575FA24A}" type="pres">
-      <dgm:prSet presAssocID="{275D6578-A6C0-4038-AA6E-BAF2BF3B0470}" presName="rootConnector3" presStyleLbl="asst1" presStyleIdx="14" presStyleCnt="62"/>
+      <dgm:prSet presAssocID="{275D6578-A6C0-4038-AA6E-BAF2BF3B0470}" presName="rootConnector3" presStyleLbl="asst1" presStyleIdx="14" presStyleCnt="63"/>
       <dgm:spPr/>
     </dgm:pt>
     <dgm:pt modelId="{47793928-2EB7-415B-96B0-96AC361D6FB1}" type="pres">
@@ -3963,7 +3986,7 @@
       <dgm:spPr/>
     </dgm:pt>
     <dgm:pt modelId="{9566F6EE-4358-4C72-A5E0-69FB940F8986}" type="pres">
-      <dgm:prSet presAssocID="{1275C6AF-D6DB-42CA-91E1-614D01323013}" presName="Name111" presStyleLbl="parChTrans1D4" presStyleIdx="13" presStyleCnt="42"/>
+      <dgm:prSet presAssocID="{1275C6AF-D6DB-42CA-91E1-614D01323013}" presName="Name111" presStyleLbl="parChTrans1D4" presStyleIdx="13" presStyleCnt="43"/>
       <dgm:spPr/>
     </dgm:pt>
     <dgm:pt modelId="{FFDA8AF5-959B-4008-A629-49FE40AD0E99}" type="pres">
@@ -3979,7 +4002,7 @@
       <dgm:spPr/>
     </dgm:pt>
     <dgm:pt modelId="{1005FA76-D947-46F8-8000-A279BD4348DD}" type="pres">
-      <dgm:prSet presAssocID="{E0ED939F-CDDA-4743-843F-304C40BEDDFE}" presName="rootText3" presStyleLbl="asst1" presStyleIdx="15" presStyleCnt="62">
+      <dgm:prSet presAssocID="{E0ED939F-CDDA-4743-843F-304C40BEDDFE}" presName="rootText3" presStyleLbl="asst1" presStyleIdx="15" presStyleCnt="63">
         <dgm:presLayoutVars>
           <dgm:chPref val="3"/>
         </dgm:presLayoutVars>
@@ -3987,7 +4010,7 @@
       <dgm:spPr/>
     </dgm:pt>
     <dgm:pt modelId="{226FC570-8666-4E17-822A-229712F04EEC}" type="pres">
-      <dgm:prSet presAssocID="{E0ED939F-CDDA-4743-843F-304C40BEDDFE}" presName="rootConnector3" presStyleLbl="asst1" presStyleIdx="15" presStyleCnt="62"/>
+      <dgm:prSet presAssocID="{E0ED939F-CDDA-4743-843F-304C40BEDDFE}" presName="rootConnector3" presStyleLbl="asst1" presStyleIdx="15" presStyleCnt="63"/>
       <dgm:spPr/>
     </dgm:pt>
     <dgm:pt modelId="{032BE594-115C-477F-9BC1-846C3D972AAF}" type="pres">
@@ -4015,7 +4038,7 @@
       <dgm:spPr/>
     </dgm:pt>
     <dgm:pt modelId="{1A5F4A39-3F72-454B-8E34-BA033BF3C5E1}" type="pres">
-      <dgm:prSet presAssocID="{57178ABE-A017-45D8-9354-71432AE8CB88}" presName="rootText3" presStyleLbl="asst1" presStyleIdx="16" presStyleCnt="62">
+      <dgm:prSet presAssocID="{57178ABE-A017-45D8-9354-71432AE8CB88}" presName="rootText3" presStyleLbl="asst1" presStyleIdx="16" presStyleCnt="63">
         <dgm:presLayoutVars>
           <dgm:chPref val="3"/>
         </dgm:presLayoutVars>
@@ -4023,7 +4046,7 @@
       <dgm:spPr/>
     </dgm:pt>
     <dgm:pt modelId="{B1709F27-9F7A-41B5-8C1E-08B9561462CF}" type="pres">
-      <dgm:prSet presAssocID="{57178ABE-A017-45D8-9354-71432AE8CB88}" presName="rootConnector3" presStyleLbl="asst1" presStyleIdx="16" presStyleCnt="62"/>
+      <dgm:prSet presAssocID="{57178ABE-A017-45D8-9354-71432AE8CB88}" presName="rootConnector3" presStyleLbl="asst1" presStyleIdx="16" presStyleCnt="63"/>
       <dgm:spPr/>
     </dgm:pt>
     <dgm:pt modelId="{3CBB8D2C-D4EF-48E5-8073-CFC51627524C}" type="pres">
@@ -4051,7 +4074,7 @@
       <dgm:spPr/>
     </dgm:pt>
     <dgm:pt modelId="{7C453B80-2575-4477-8225-282BC5C3B02F}" type="pres">
-      <dgm:prSet presAssocID="{EC79ACA4-03F9-443C-9782-38DADB913262}" presName="rootText3" presStyleLbl="asst1" presStyleIdx="17" presStyleCnt="62">
+      <dgm:prSet presAssocID="{EC79ACA4-03F9-443C-9782-38DADB913262}" presName="rootText3" presStyleLbl="asst1" presStyleIdx="17" presStyleCnt="63">
         <dgm:presLayoutVars>
           <dgm:chPref val="3"/>
         </dgm:presLayoutVars>
@@ -4059,7 +4082,7 @@
       <dgm:spPr/>
     </dgm:pt>
     <dgm:pt modelId="{843863CD-4836-4135-9668-97550F9AFA14}" type="pres">
-      <dgm:prSet presAssocID="{EC79ACA4-03F9-443C-9782-38DADB913262}" presName="rootConnector3" presStyleLbl="asst1" presStyleIdx="17" presStyleCnt="62"/>
+      <dgm:prSet presAssocID="{EC79ACA4-03F9-443C-9782-38DADB913262}" presName="rootConnector3" presStyleLbl="asst1" presStyleIdx="17" presStyleCnt="63"/>
       <dgm:spPr/>
     </dgm:pt>
     <dgm:pt modelId="{4D235D28-9C58-49DC-845E-2AD72F359C07}" type="pres">
@@ -4071,7 +4094,7 @@
       <dgm:spPr/>
     </dgm:pt>
     <dgm:pt modelId="{2B9A6652-0CDC-4A06-8130-3523581C7640}" type="pres">
-      <dgm:prSet presAssocID="{E423D0F6-8CED-4F3F-9A84-93E0370E44A7}" presName="Name111" presStyleLbl="parChTrans1D4" presStyleIdx="14" presStyleCnt="42"/>
+      <dgm:prSet presAssocID="{E423D0F6-8CED-4F3F-9A84-93E0370E44A7}" presName="Name111" presStyleLbl="parChTrans1D4" presStyleIdx="14" presStyleCnt="43"/>
       <dgm:spPr/>
     </dgm:pt>
     <dgm:pt modelId="{E44BC461-30C2-4362-96E6-D08763713B9A}" type="pres">
@@ -4087,7 +4110,7 @@
       <dgm:spPr/>
     </dgm:pt>
     <dgm:pt modelId="{CFFB4314-3114-427D-9439-8EE9BFA47093}" type="pres">
-      <dgm:prSet presAssocID="{CCC2EB33-60ED-4872-98F3-0FFD00EF13A0}" presName="rootText3" presStyleLbl="asst1" presStyleIdx="18" presStyleCnt="62">
+      <dgm:prSet presAssocID="{CCC2EB33-60ED-4872-98F3-0FFD00EF13A0}" presName="rootText3" presStyleLbl="asst1" presStyleIdx="18" presStyleCnt="63">
         <dgm:presLayoutVars>
           <dgm:chPref val="3"/>
         </dgm:presLayoutVars>
@@ -4095,7 +4118,7 @@
       <dgm:spPr/>
     </dgm:pt>
     <dgm:pt modelId="{BEB93244-3355-4351-ABC6-45C93C1A7BE4}" type="pres">
-      <dgm:prSet presAssocID="{CCC2EB33-60ED-4872-98F3-0FFD00EF13A0}" presName="rootConnector3" presStyleLbl="asst1" presStyleIdx="18" presStyleCnt="62"/>
+      <dgm:prSet presAssocID="{CCC2EB33-60ED-4872-98F3-0FFD00EF13A0}" presName="rootConnector3" presStyleLbl="asst1" presStyleIdx="18" presStyleCnt="63"/>
       <dgm:spPr/>
     </dgm:pt>
     <dgm:pt modelId="{A3FA42AA-5571-4A00-A3D1-A8169E881DC8}" type="pres">
@@ -4107,7 +4130,7 @@
       <dgm:spPr/>
     </dgm:pt>
     <dgm:pt modelId="{1D04A93D-63FE-4ED7-BC5D-79850A2E6AE1}" type="pres">
-      <dgm:prSet presAssocID="{0E0F7677-F927-426F-933F-C7759496133D}" presName="Name111" presStyleLbl="parChTrans1D4" presStyleIdx="15" presStyleCnt="42"/>
+      <dgm:prSet presAssocID="{0E0F7677-F927-426F-933F-C7759496133D}" presName="Name111" presStyleLbl="parChTrans1D4" presStyleIdx="15" presStyleCnt="43"/>
       <dgm:spPr/>
     </dgm:pt>
     <dgm:pt modelId="{35D34483-7B98-406B-BCB9-4FA64FB581E5}" type="pres">
@@ -4123,7 +4146,7 @@
       <dgm:spPr/>
     </dgm:pt>
     <dgm:pt modelId="{5AEF1B41-FBF0-46FE-8187-960FE966BE9B}" type="pres">
-      <dgm:prSet presAssocID="{AAD5DB4F-B470-4935-9FA1-84FFF055E1E1}" presName="rootText3" presStyleLbl="asst1" presStyleIdx="19" presStyleCnt="62">
+      <dgm:prSet presAssocID="{AAD5DB4F-B470-4935-9FA1-84FFF055E1E1}" presName="rootText3" presStyleLbl="asst1" presStyleIdx="19" presStyleCnt="63">
         <dgm:presLayoutVars>
           <dgm:chPref val="3"/>
         </dgm:presLayoutVars>
@@ -4131,7 +4154,7 @@
       <dgm:spPr/>
     </dgm:pt>
     <dgm:pt modelId="{ADC7B2D3-EE10-4AE2-947F-FE856394553B}" type="pres">
-      <dgm:prSet presAssocID="{AAD5DB4F-B470-4935-9FA1-84FFF055E1E1}" presName="rootConnector3" presStyleLbl="asst1" presStyleIdx="19" presStyleCnt="62"/>
+      <dgm:prSet presAssocID="{AAD5DB4F-B470-4935-9FA1-84FFF055E1E1}" presName="rootConnector3" presStyleLbl="asst1" presStyleIdx="19" presStyleCnt="63"/>
       <dgm:spPr/>
     </dgm:pt>
     <dgm:pt modelId="{DB986778-49A5-46E0-A537-82E64E7C0850}" type="pres">
@@ -4143,7 +4166,7 @@
       <dgm:spPr/>
     </dgm:pt>
     <dgm:pt modelId="{3B8B80CA-A300-4E85-AD7F-DE2B7485EAFA}" type="pres">
-      <dgm:prSet presAssocID="{897CE3CE-C73F-4950-BB70-A9A2F12F29C1}" presName="Name111" presStyleLbl="parChTrans1D4" presStyleIdx="16" presStyleCnt="42"/>
+      <dgm:prSet presAssocID="{897CE3CE-C73F-4950-BB70-A9A2F12F29C1}" presName="Name111" presStyleLbl="parChTrans1D4" presStyleIdx="16" presStyleCnt="43"/>
       <dgm:spPr/>
     </dgm:pt>
     <dgm:pt modelId="{00086CBD-24BD-4163-B8D3-B7BD4174E81C}" type="pres">
@@ -4159,7 +4182,7 @@
       <dgm:spPr/>
     </dgm:pt>
     <dgm:pt modelId="{2F5DA395-98D7-4FE9-ADDD-B78A90D4D5C8}" type="pres">
-      <dgm:prSet presAssocID="{7A35A079-E45F-4CB2-8E3A-46407BA36BDD}" presName="rootText3" presStyleLbl="asst1" presStyleIdx="20" presStyleCnt="62">
+      <dgm:prSet presAssocID="{7A35A079-E45F-4CB2-8E3A-46407BA36BDD}" presName="rootText3" presStyleLbl="asst1" presStyleIdx="20" presStyleCnt="63">
         <dgm:presLayoutVars>
           <dgm:chPref val="3"/>
         </dgm:presLayoutVars>
@@ -4167,7 +4190,7 @@
       <dgm:spPr/>
     </dgm:pt>
     <dgm:pt modelId="{D1CA009F-84BB-4814-85E3-0F2600BA9EED}" type="pres">
-      <dgm:prSet presAssocID="{7A35A079-E45F-4CB2-8E3A-46407BA36BDD}" presName="rootConnector3" presStyleLbl="asst1" presStyleIdx="20" presStyleCnt="62"/>
+      <dgm:prSet presAssocID="{7A35A079-E45F-4CB2-8E3A-46407BA36BDD}" presName="rootConnector3" presStyleLbl="asst1" presStyleIdx="20" presStyleCnt="63"/>
       <dgm:spPr/>
     </dgm:pt>
     <dgm:pt modelId="{6796FD29-F065-4A29-8C7D-ECB80E4539DC}" type="pres">
@@ -4195,7 +4218,7 @@
       <dgm:spPr/>
     </dgm:pt>
     <dgm:pt modelId="{7B729E8C-5D0D-4C65-A18C-D77CE62B6E3D}" type="pres">
-      <dgm:prSet presAssocID="{F4555AF6-45CD-4C98-8ED0-75426DB0E00B}" presName="rootText3" presStyleLbl="asst1" presStyleIdx="21" presStyleCnt="62">
+      <dgm:prSet presAssocID="{F4555AF6-45CD-4C98-8ED0-75426DB0E00B}" presName="rootText3" presStyleLbl="asst1" presStyleIdx="21" presStyleCnt="63">
         <dgm:presLayoutVars>
           <dgm:chPref val="3"/>
         </dgm:presLayoutVars>
@@ -4203,7 +4226,7 @@
       <dgm:spPr/>
     </dgm:pt>
     <dgm:pt modelId="{7966AC9D-8D21-4573-ABE4-FD17B8A3A950}" type="pres">
-      <dgm:prSet presAssocID="{F4555AF6-45CD-4C98-8ED0-75426DB0E00B}" presName="rootConnector3" presStyleLbl="asst1" presStyleIdx="21" presStyleCnt="62"/>
+      <dgm:prSet presAssocID="{F4555AF6-45CD-4C98-8ED0-75426DB0E00B}" presName="rootConnector3" presStyleLbl="asst1" presStyleIdx="21" presStyleCnt="63"/>
       <dgm:spPr/>
     </dgm:pt>
     <dgm:pt modelId="{F074DA1D-3F8B-44DC-BD56-DFF77AE07C87}" type="pres">
@@ -4231,7 +4254,7 @@
       <dgm:spPr/>
     </dgm:pt>
     <dgm:pt modelId="{CBC61EC5-8357-41D5-A566-A8644C9E413A}" type="pres">
-      <dgm:prSet presAssocID="{E36657BB-C992-457D-ABD4-294FF0D9E0B9}" presName="rootText3" presStyleLbl="asst1" presStyleIdx="22" presStyleCnt="62">
+      <dgm:prSet presAssocID="{E36657BB-C992-457D-ABD4-294FF0D9E0B9}" presName="rootText3" presStyleLbl="asst1" presStyleIdx="22" presStyleCnt="63">
         <dgm:presLayoutVars>
           <dgm:chPref val="3"/>
         </dgm:presLayoutVars>
@@ -4239,7 +4262,7 @@
       <dgm:spPr/>
     </dgm:pt>
     <dgm:pt modelId="{C1082ACE-4B57-4223-B5E4-93B6C7F0399C}" type="pres">
-      <dgm:prSet presAssocID="{E36657BB-C992-457D-ABD4-294FF0D9E0B9}" presName="rootConnector3" presStyleLbl="asst1" presStyleIdx="22" presStyleCnt="62"/>
+      <dgm:prSet presAssocID="{E36657BB-C992-457D-ABD4-294FF0D9E0B9}" presName="rootConnector3" presStyleLbl="asst1" presStyleIdx="22" presStyleCnt="63"/>
       <dgm:spPr/>
     </dgm:pt>
     <dgm:pt modelId="{A010814C-0C13-4886-991D-EEDB6B1E328E}" type="pres">
@@ -4251,7 +4274,7 @@
       <dgm:spPr/>
     </dgm:pt>
     <dgm:pt modelId="{D3CCF87E-6C72-43B2-97D4-4E82C64CD863}" type="pres">
-      <dgm:prSet presAssocID="{3BE59F7A-45B6-4CE6-B638-4FB12D537F41}" presName="Name111" presStyleLbl="parChTrans1D4" presStyleIdx="17" presStyleCnt="42"/>
+      <dgm:prSet presAssocID="{3BE59F7A-45B6-4CE6-B638-4FB12D537F41}" presName="Name111" presStyleLbl="parChTrans1D4" presStyleIdx="17" presStyleCnt="43"/>
       <dgm:spPr/>
     </dgm:pt>
     <dgm:pt modelId="{BE619F38-D364-4CA2-92BD-A37E50089B16}" type="pres">
@@ -4267,7 +4290,7 @@
       <dgm:spPr/>
     </dgm:pt>
     <dgm:pt modelId="{551598E9-034F-4447-97E1-782205478AE8}" type="pres">
-      <dgm:prSet presAssocID="{678E8F72-3967-48CC-9A5A-BD97DEB27994}" presName="rootText3" presStyleLbl="asst1" presStyleIdx="23" presStyleCnt="62">
+      <dgm:prSet presAssocID="{678E8F72-3967-48CC-9A5A-BD97DEB27994}" presName="rootText3" presStyleLbl="asst1" presStyleIdx="23" presStyleCnt="63">
         <dgm:presLayoutVars>
           <dgm:chPref val="3"/>
         </dgm:presLayoutVars>
@@ -4275,7 +4298,7 @@
       <dgm:spPr/>
     </dgm:pt>
     <dgm:pt modelId="{1A880197-E40B-48B6-A00E-3B1B844CF43E}" type="pres">
-      <dgm:prSet presAssocID="{678E8F72-3967-48CC-9A5A-BD97DEB27994}" presName="rootConnector3" presStyleLbl="asst1" presStyleIdx="23" presStyleCnt="62"/>
+      <dgm:prSet presAssocID="{678E8F72-3967-48CC-9A5A-BD97DEB27994}" presName="rootConnector3" presStyleLbl="asst1" presStyleIdx="23" presStyleCnt="63"/>
       <dgm:spPr/>
     </dgm:pt>
     <dgm:pt modelId="{6B2781D0-0F20-47A0-87E8-3283D1F5226D}" type="pres">
@@ -4287,7 +4310,7 @@
       <dgm:spPr/>
     </dgm:pt>
     <dgm:pt modelId="{9DA744D5-350D-4A69-A847-EB442D828B83}" type="pres">
-      <dgm:prSet presAssocID="{E2B40DA0-67AF-4A83-9084-E878E7DAD26A}" presName="Name111" presStyleLbl="parChTrans1D4" presStyleIdx="18" presStyleCnt="42"/>
+      <dgm:prSet presAssocID="{E2B40DA0-67AF-4A83-9084-E878E7DAD26A}" presName="Name111" presStyleLbl="parChTrans1D4" presStyleIdx="18" presStyleCnt="43"/>
       <dgm:spPr/>
     </dgm:pt>
     <dgm:pt modelId="{C8A45D8E-C54E-47FE-8ADD-C2263008F577}" type="pres">
@@ -4303,7 +4326,7 @@
       <dgm:spPr/>
     </dgm:pt>
     <dgm:pt modelId="{05121054-EFD6-49CC-81C8-AF91D8C37724}" type="pres">
-      <dgm:prSet presAssocID="{C87D81A1-6CC8-4DCA-BD15-B97D48806961}" presName="rootText3" presStyleLbl="asst1" presStyleIdx="24" presStyleCnt="62">
+      <dgm:prSet presAssocID="{C87D81A1-6CC8-4DCA-BD15-B97D48806961}" presName="rootText3" presStyleLbl="asst1" presStyleIdx="24" presStyleCnt="63">
         <dgm:presLayoutVars>
           <dgm:chPref val="3"/>
         </dgm:presLayoutVars>
@@ -4311,7 +4334,7 @@
       <dgm:spPr/>
     </dgm:pt>
     <dgm:pt modelId="{774BED4D-5A96-4C60-885C-497ACC6441F2}" type="pres">
-      <dgm:prSet presAssocID="{C87D81A1-6CC8-4DCA-BD15-B97D48806961}" presName="rootConnector3" presStyleLbl="asst1" presStyleIdx="24" presStyleCnt="62"/>
+      <dgm:prSet presAssocID="{C87D81A1-6CC8-4DCA-BD15-B97D48806961}" presName="rootConnector3" presStyleLbl="asst1" presStyleIdx="24" presStyleCnt="63"/>
       <dgm:spPr/>
     </dgm:pt>
     <dgm:pt modelId="{B9BB1E45-A877-4507-8CD3-439C79929DB4}" type="pres">
@@ -4323,7 +4346,7 @@
       <dgm:spPr/>
     </dgm:pt>
     <dgm:pt modelId="{DF8E89CD-BF8E-47B8-BE68-B8E177AB7234}" type="pres">
-      <dgm:prSet presAssocID="{D1B5A967-3CEB-46AD-BF90-D273A6B14619}" presName="Name111" presStyleLbl="parChTrans1D4" presStyleIdx="19" presStyleCnt="42"/>
+      <dgm:prSet presAssocID="{D1B5A967-3CEB-46AD-BF90-D273A6B14619}" presName="Name111" presStyleLbl="parChTrans1D4" presStyleIdx="19" presStyleCnt="43"/>
       <dgm:spPr/>
     </dgm:pt>
     <dgm:pt modelId="{AB169289-E06F-4D06-978E-A5F2981C357B}" type="pres">
@@ -4339,7 +4362,7 @@
       <dgm:spPr/>
     </dgm:pt>
     <dgm:pt modelId="{059FBCEB-C1E8-4D3B-AEFC-9AF2EAB5A0C0}" type="pres">
-      <dgm:prSet presAssocID="{AA8F3353-CF59-4492-826B-98B162F4CD24}" presName="rootText3" presStyleLbl="asst1" presStyleIdx="25" presStyleCnt="62">
+      <dgm:prSet presAssocID="{AA8F3353-CF59-4492-826B-98B162F4CD24}" presName="rootText3" presStyleLbl="asst1" presStyleIdx="25" presStyleCnt="63">
         <dgm:presLayoutVars>
           <dgm:chPref val="3"/>
         </dgm:presLayoutVars>
@@ -4347,7 +4370,7 @@
       <dgm:spPr/>
     </dgm:pt>
     <dgm:pt modelId="{11BC200D-0CDD-48A9-8270-990285883250}" type="pres">
-      <dgm:prSet presAssocID="{AA8F3353-CF59-4492-826B-98B162F4CD24}" presName="rootConnector3" presStyleLbl="asst1" presStyleIdx="25" presStyleCnt="62"/>
+      <dgm:prSet presAssocID="{AA8F3353-CF59-4492-826B-98B162F4CD24}" presName="rootConnector3" presStyleLbl="asst1" presStyleIdx="25" presStyleCnt="63"/>
       <dgm:spPr/>
     </dgm:pt>
     <dgm:pt modelId="{4108A0F4-DC73-4E59-8BC6-11F495CE5EC4}" type="pres">
@@ -4359,7 +4382,7 @@
       <dgm:spPr/>
     </dgm:pt>
     <dgm:pt modelId="{6A7C5EC1-5A17-46BD-B28A-0E77CB3F5AE0}" type="pres">
-      <dgm:prSet presAssocID="{B2206A5F-C5A8-4377-AEBE-B9CA5071E7D3}" presName="Name111" presStyleLbl="parChTrans1D4" presStyleIdx="20" presStyleCnt="42"/>
+      <dgm:prSet presAssocID="{B2206A5F-C5A8-4377-AEBE-B9CA5071E7D3}" presName="Name111" presStyleLbl="parChTrans1D4" presStyleIdx="20" presStyleCnt="43"/>
       <dgm:spPr/>
     </dgm:pt>
     <dgm:pt modelId="{7D4F22CF-DBE2-49C3-A353-D134EC92A7C8}" type="pres">
@@ -4375,7 +4398,7 @@
       <dgm:spPr/>
     </dgm:pt>
     <dgm:pt modelId="{835FBC05-15F8-43EF-A036-E3BC2CA82BE9}" type="pres">
-      <dgm:prSet presAssocID="{8F25F80D-4148-4172-8A18-DB868B5E04E8}" presName="rootText3" presStyleLbl="asst1" presStyleIdx="26" presStyleCnt="62">
+      <dgm:prSet presAssocID="{8F25F80D-4148-4172-8A18-DB868B5E04E8}" presName="rootText3" presStyleLbl="asst1" presStyleIdx="26" presStyleCnt="63">
         <dgm:presLayoutVars>
           <dgm:chPref val="3"/>
         </dgm:presLayoutVars>
@@ -4383,7 +4406,7 @@
       <dgm:spPr/>
     </dgm:pt>
     <dgm:pt modelId="{5A1B7CEC-1033-4139-AA7A-0CA46EFB700D}" type="pres">
-      <dgm:prSet presAssocID="{8F25F80D-4148-4172-8A18-DB868B5E04E8}" presName="rootConnector3" presStyleLbl="asst1" presStyleIdx="26" presStyleCnt="62"/>
+      <dgm:prSet presAssocID="{8F25F80D-4148-4172-8A18-DB868B5E04E8}" presName="rootConnector3" presStyleLbl="asst1" presStyleIdx="26" presStyleCnt="63"/>
       <dgm:spPr/>
     </dgm:pt>
     <dgm:pt modelId="{109D503A-E976-4E74-B81F-C16541A8C66E}" type="pres">
@@ -4395,7 +4418,7 @@
       <dgm:spPr/>
     </dgm:pt>
     <dgm:pt modelId="{EFE6615F-D31F-4C36-B70C-2208DE3019FC}" type="pres">
-      <dgm:prSet presAssocID="{370BCFBA-06A4-4104-8062-395094EC89E2}" presName="Name111" presStyleLbl="parChTrans1D4" presStyleIdx="21" presStyleCnt="42"/>
+      <dgm:prSet presAssocID="{370BCFBA-06A4-4104-8062-395094EC89E2}" presName="Name111" presStyleLbl="parChTrans1D4" presStyleIdx="21" presStyleCnt="43"/>
       <dgm:spPr/>
     </dgm:pt>
     <dgm:pt modelId="{2B3D3838-8B9C-4230-A930-4A86654E68C9}" type="pres">
@@ -4411,7 +4434,7 @@
       <dgm:spPr/>
     </dgm:pt>
     <dgm:pt modelId="{E2F6B417-5BD4-4008-AAF6-B738C8BED1E8}" type="pres">
-      <dgm:prSet presAssocID="{A1CD47A1-26A2-43AA-95C3-0AE9675E5CC8}" presName="rootText3" presStyleLbl="asst1" presStyleIdx="27" presStyleCnt="62">
+      <dgm:prSet presAssocID="{A1CD47A1-26A2-43AA-95C3-0AE9675E5CC8}" presName="rootText3" presStyleLbl="asst1" presStyleIdx="27" presStyleCnt="63">
         <dgm:presLayoutVars>
           <dgm:chPref val="3"/>
         </dgm:presLayoutVars>
@@ -4419,7 +4442,7 @@
       <dgm:spPr/>
     </dgm:pt>
     <dgm:pt modelId="{D524F5A4-33EA-48AA-A363-575954A8203D}" type="pres">
-      <dgm:prSet presAssocID="{A1CD47A1-26A2-43AA-95C3-0AE9675E5CC8}" presName="rootConnector3" presStyleLbl="asst1" presStyleIdx="27" presStyleCnt="62"/>
+      <dgm:prSet presAssocID="{A1CD47A1-26A2-43AA-95C3-0AE9675E5CC8}" presName="rootConnector3" presStyleLbl="asst1" presStyleIdx="27" presStyleCnt="63"/>
       <dgm:spPr/>
     </dgm:pt>
     <dgm:pt modelId="{239CDB71-084C-4A32-B528-0DA5B0E23402}" type="pres">
@@ -4431,7 +4454,7 @@
       <dgm:spPr/>
     </dgm:pt>
     <dgm:pt modelId="{D0839BF5-848A-4548-8D53-A40C09B050CB}" type="pres">
-      <dgm:prSet presAssocID="{1B7DDC3B-5191-4D44-AA1A-57A901202772}" presName="Name111" presStyleLbl="parChTrans1D4" presStyleIdx="22" presStyleCnt="42"/>
+      <dgm:prSet presAssocID="{1B7DDC3B-5191-4D44-AA1A-57A901202772}" presName="Name111" presStyleLbl="parChTrans1D4" presStyleIdx="22" presStyleCnt="43"/>
       <dgm:spPr/>
     </dgm:pt>
     <dgm:pt modelId="{59E22F8F-9B03-481B-BD3A-C70A0F3AC604}" type="pres">
@@ -4447,7 +4470,7 @@
       <dgm:spPr/>
     </dgm:pt>
     <dgm:pt modelId="{8E052154-49ED-445C-A8C9-E6354099F9EA}" type="pres">
-      <dgm:prSet presAssocID="{CFBBDE2F-F64F-4F41-B999-94B8508F8C57}" presName="rootText3" presStyleLbl="asst1" presStyleIdx="28" presStyleCnt="62">
+      <dgm:prSet presAssocID="{CFBBDE2F-F64F-4F41-B999-94B8508F8C57}" presName="rootText3" presStyleLbl="asst1" presStyleIdx="28" presStyleCnt="63">
         <dgm:presLayoutVars>
           <dgm:chPref val="3"/>
         </dgm:presLayoutVars>
@@ -4455,7 +4478,7 @@
       <dgm:spPr/>
     </dgm:pt>
     <dgm:pt modelId="{B675B579-3FD3-4543-90A6-DFD1BBEBBB31}" type="pres">
-      <dgm:prSet presAssocID="{CFBBDE2F-F64F-4F41-B999-94B8508F8C57}" presName="rootConnector3" presStyleLbl="asst1" presStyleIdx="28" presStyleCnt="62"/>
+      <dgm:prSet presAssocID="{CFBBDE2F-F64F-4F41-B999-94B8508F8C57}" presName="rootConnector3" presStyleLbl="asst1" presStyleIdx="28" presStyleCnt="63"/>
       <dgm:spPr/>
     </dgm:pt>
     <dgm:pt modelId="{53E4BBE2-94CF-4D73-96F9-1F96DE01991D}" type="pres">
@@ -4483,7 +4506,7 @@
       <dgm:spPr/>
     </dgm:pt>
     <dgm:pt modelId="{00D5D10B-8AA0-43B3-889D-6ED1CE84029D}" type="pres">
-      <dgm:prSet presAssocID="{3DCAF95B-41E1-4F50-B5D0-426D9C1709BB}" presName="rootText3" presStyleLbl="asst1" presStyleIdx="29" presStyleCnt="62">
+      <dgm:prSet presAssocID="{3DCAF95B-41E1-4F50-B5D0-426D9C1709BB}" presName="rootText3" presStyleLbl="asst1" presStyleIdx="29" presStyleCnt="63">
         <dgm:presLayoutVars>
           <dgm:chPref val="3"/>
         </dgm:presLayoutVars>
@@ -4491,7 +4514,7 @@
       <dgm:spPr/>
     </dgm:pt>
     <dgm:pt modelId="{E21DF416-28FA-4AD1-A96E-B1F0DEF51262}" type="pres">
-      <dgm:prSet presAssocID="{3DCAF95B-41E1-4F50-B5D0-426D9C1709BB}" presName="rootConnector3" presStyleLbl="asst1" presStyleIdx="29" presStyleCnt="62"/>
+      <dgm:prSet presAssocID="{3DCAF95B-41E1-4F50-B5D0-426D9C1709BB}" presName="rootConnector3" presStyleLbl="asst1" presStyleIdx="29" presStyleCnt="63"/>
       <dgm:spPr/>
     </dgm:pt>
     <dgm:pt modelId="{D23C6978-80BF-4E54-81CC-42C28BFFF60E}" type="pres">
@@ -4519,7 +4542,7 @@
       <dgm:spPr/>
     </dgm:pt>
     <dgm:pt modelId="{96061F53-08F3-4E09-B7D7-23E0C5D08D8B}" type="pres">
-      <dgm:prSet presAssocID="{699BA473-F873-45AA-B189-953810E2DF46}" presName="rootText3" presStyleLbl="asst1" presStyleIdx="30" presStyleCnt="62">
+      <dgm:prSet presAssocID="{699BA473-F873-45AA-B189-953810E2DF46}" presName="rootText3" presStyleLbl="asst1" presStyleIdx="30" presStyleCnt="63">
         <dgm:presLayoutVars>
           <dgm:chPref val="3"/>
         </dgm:presLayoutVars>
@@ -4527,7 +4550,7 @@
       <dgm:spPr/>
     </dgm:pt>
     <dgm:pt modelId="{5C2A2BA1-9EE9-42F9-8CCB-C4510A919B9D}" type="pres">
-      <dgm:prSet presAssocID="{699BA473-F873-45AA-B189-953810E2DF46}" presName="rootConnector3" presStyleLbl="asst1" presStyleIdx="30" presStyleCnt="62"/>
+      <dgm:prSet presAssocID="{699BA473-F873-45AA-B189-953810E2DF46}" presName="rootConnector3" presStyleLbl="asst1" presStyleIdx="30" presStyleCnt="63"/>
       <dgm:spPr/>
     </dgm:pt>
     <dgm:pt modelId="{B412B556-ACE4-4598-A24D-50A21312B470}" type="pres">
@@ -4539,7 +4562,7 @@
       <dgm:spPr/>
     </dgm:pt>
     <dgm:pt modelId="{3ECBD4AE-1413-4A8F-A7FA-FE90975D12DC}" type="pres">
-      <dgm:prSet presAssocID="{6E06EBBA-6A7B-43EE-B6E8-54B7C4674852}" presName="Name111" presStyleLbl="parChTrans1D4" presStyleIdx="23" presStyleCnt="42"/>
+      <dgm:prSet presAssocID="{6E06EBBA-6A7B-43EE-B6E8-54B7C4674852}" presName="Name111" presStyleLbl="parChTrans1D4" presStyleIdx="23" presStyleCnt="43"/>
       <dgm:spPr/>
     </dgm:pt>
     <dgm:pt modelId="{16F5AB55-30A7-4AAD-8950-AA590FB54550}" type="pres">
@@ -4555,7 +4578,7 @@
       <dgm:spPr/>
     </dgm:pt>
     <dgm:pt modelId="{248F3600-CB79-4891-ADA9-3921BA2D6F2C}" type="pres">
-      <dgm:prSet presAssocID="{0FC22D25-49E6-4449-B182-5C6A94AB6B35}" presName="rootText3" presStyleLbl="asst1" presStyleIdx="31" presStyleCnt="62">
+      <dgm:prSet presAssocID="{0FC22D25-49E6-4449-B182-5C6A94AB6B35}" presName="rootText3" presStyleLbl="asst1" presStyleIdx="31" presStyleCnt="63">
         <dgm:presLayoutVars>
           <dgm:chPref val="3"/>
         </dgm:presLayoutVars>
@@ -4563,7 +4586,7 @@
       <dgm:spPr/>
     </dgm:pt>
     <dgm:pt modelId="{73FB2861-368D-48FD-AAA6-2F31B6336050}" type="pres">
-      <dgm:prSet presAssocID="{0FC22D25-49E6-4449-B182-5C6A94AB6B35}" presName="rootConnector3" presStyleLbl="asst1" presStyleIdx="31" presStyleCnt="62"/>
+      <dgm:prSet presAssocID="{0FC22D25-49E6-4449-B182-5C6A94AB6B35}" presName="rootConnector3" presStyleLbl="asst1" presStyleIdx="31" presStyleCnt="63"/>
       <dgm:spPr/>
     </dgm:pt>
     <dgm:pt modelId="{72911D56-F7F3-4800-B8FB-D83F472C238D}" type="pres">
@@ -4575,7 +4598,7 @@
       <dgm:spPr/>
     </dgm:pt>
     <dgm:pt modelId="{840A93A4-5130-4E81-82D8-DEB4AFBB730F}" type="pres">
-      <dgm:prSet presAssocID="{97ACF864-7062-497D-A255-14D58EC5AA6E}" presName="Name111" presStyleLbl="parChTrans1D4" presStyleIdx="24" presStyleCnt="42"/>
+      <dgm:prSet presAssocID="{97ACF864-7062-497D-A255-14D58EC5AA6E}" presName="Name111" presStyleLbl="parChTrans1D4" presStyleIdx="24" presStyleCnt="43"/>
       <dgm:spPr/>
     </dgm:pt>
     <dgm:pt modelId="{C7CA45A5-637B-4AFC-95A2-F01D005C1C35}" type="pres">
@@ -4591,7 +4614,7 @@
       <dgm:spPr/>
     </dgm:pt>
     <dgm:pt modelId="{7383D0D0-0515-4684-AFF0-5F0F362D0779}" type="pres">
-      <dgm:prSet presAssocID="{C57AA0CF-C64A-40DD-A0F9-F637E7536093}" presName="rootText3" presStyleLbl="asst1" presStyleIdx="32" presStyleCnt="62">
+      <dgm:prSet presAssocID="{C57AA0CF-C64A-40DD-A0F9-F637E7536093}" presName="rootText3" presStyleLbl="asst1" presStyleIdx="32" presStyleCnt="63">
         <dgm:presLayoutVars>
           <dgm:chPref val="3"/>
         </dgm:presLayoutVars>
@@ -4599,7 +4622,7 @@
       <dgm:spPr/>
     </dgm:pt>
     <dgm:pt modelId="{1E79BA74-04B7-40EC-BC2E-2CF160C99BFD}" type="pres">
-      <dgm:prSet presAssocID="{C57AA0CF-C64A-40DD-A0F9-F637E7536093}" presName="rootConnector3" presStyleLbl="asst1" presStyleIdx="32" presStyleCnt="62"/>
+      <dgm:prSet presAssocID="{C57AA0CF-C64A-40DD-A0F9-F637E7536093}" presName="rootConnector3" presStyleLbl="asst1" presStyleIdx="32" presStyleCnt="63"/>
       <dgm:spPr/>
     </dgm:pt>
     <dgm:pt modelId="{8B35773A-5E89-4B03-9DEF-C2EE8C6006F0}" type="pres">
@@ -4611,7 +4634,7 @@
       <dgm:spPr/>
     </dgm:pt>
     <dgm:pt modelId="{6C624122-029E-4779-97C0-6A5A85BBD46E}" type="pres">
-      <dgm:prSet presAssocID="{12061413-849C-439D-80D3-1B412E8CC481}" presName="Name111" presStyleLbl="parChTrans1D4" presStyleIdx="25" presStyleCnt="42"/>
+      <dgm:prSet presAssocID="{12061413-849C-439D-80D3-1B412E8CC481}" presName="Name111" presStyleLbl="parChTrans1D4" presStyleIdx="25" presStyleCnt="43"/>
       <dgm:spPr/>
     </dgm:pt>
     <dgm:pt modelId="{A4E1A3D7-3109-4CF2-A1A7-02A54FF01F14}" type="pres">
@@ -4627,7 +4650,7 @@
       <dgm:spPr/>
     </dgm:pt>
     <dgm:pt modelId="{F2D1A4CC-10AC-4501-93C6-C16062E965E5}" type="pres">
-      <dgm:prSet presAssocID="{B68228D5-E8AB-45BD-85B3-DF6E154CDD75}" presName="rootText3" presStyleLbl="asst1" presStyleIdx="33" presStyleCnt="62">
+      <dgm:prSet presAssocID="{B68228D5-E8AB-45BD-85B3-DF6E154CDD75}" presName="rootText3" presStyleLbl="asst1" presStyleIdx="33" presStyleCnt="63">
         <dgm:presLayoutVars>
           <dgm:chPref val="3"/>
         </dgm:presLayoutVars>
@@ -4635,7 +4658,7 @@
       <dgm:spPr/>
     </dgm:pt>
     <dgm:pt modelId="{26F83B62-3A6D-45D3-8879-D463F9A015F9}" type="pres">
-      <dgm:prSet presAssocID="{B68228D5-E8AB-45BD-85B3-DF6E154CDD75}" presName="rootConnector3" presStyleLbl="asst1" presStyleIdx="33" presStyleCnt="62"/>
+      <dgm:prSet presAssocID="{B68228D5-E8AB-45BD-85B3-DF6E154CDD75}" presName="rootConnector3" presStyleLbl="asst1" presStyleIdx="33" presStyleCnt="63"/>
       <dgm:spPr/>
     </dgm:pt>
     <dgm:pt modelId="{23323B53-3847-4CFD-944A-42264E2392DA}" type="pres">
@@ -4647,7 +4670,7 @@
       <dgm:spPr/>
     </dgm:pt>
     <dgm:pt modelId="{4B816979-47EE-4B7F-A0E8-80D866845DA5}" type="pres">
-      <dgm:prSet presAssocID="{A3BB76E1-8F86-48BF-9B8D-1306F11AD2C6}" presName="Name111" presStyleLbl="parChTrans1D4" presStyleIdx="26" presStyleCnt="42"/>
+      <dgm:prSet presAssocID="{A3BB76E1-8F86-48BF-9B8D-1306F11AD2C6}" presName="Name111" presStyleLbl="parChTrans1D4" presStyleIdx="26" presStyleCnt="43"/>
       <dgm:spPr/>
     </dgm:pt>
     <dgm:pt modelId="{22398CBA-C6BA-452D-89CF-8792A30B19FE}" type="pres">
@@ -4663,7 +4686,7 @@
       <dgm:spPr/>
     </dgm:pt>
     <dgm:pt modelId="{E4AC0109-0A2D-4A2D-927D-BF34315E0098}" type="pres">
-      <dgm:prSet presAssocID="{C7AF416C-156D-4586-9026-09CE61B4086A}" presName="rootText3" presStyleLbl="asst1" presStyleIdx="34" presStyleCnt="62">
+      <dgm:prSet presAssocID="{C7AF416C-156D-4586-9026-09CE61B4086A}" presName="rootText3" presStyleLbl="asst1" presStyleIdx="34" presStyleCnt="63">
         <dgm:presLayoutVars>
           <dgm:chPref val="3"/>
         </dgm:presLayoutVars>
@@ -4671,7 +4694,7 @@
       <dgm:spPr/>
     </dgm:pt>
     <dgm:pt modelId="{0CF6CE14-B8B9-4455-8494-BED16EFE1D74}" type="pres">
-      <dgm:prSet presAssocID="{C7AF416C-156D-4586-9026-09CE61B4086A}" presName="rootConnector3" presStyleLbl="asst1" presStyleIdx="34" presStyleCnt="62"/>
+      <dgm:prSet presAssocID="{C7AF416C-156D-4586-9026-09CE61B4086A}" presName="rootConnector3" presStyleLbl="asst1" presStyleIdx="34" presStyleCnt="63"/>
       <dgm:spPr/>
     </dgm:pt>
     <dgm:pt modelId="{1EA36F09-1E2E-424B-AE83-4A06C79925DB}" type="pres">
@@ -4683,7 +4706,7 @@
       <dgm:spPr/>
     </dgm:pt>
     <dgm:pt modelId="{6B97F897-1555-4E74-BC7A-F8119B3F31BD}" type="pres">
-      <dgm:prSet presAssocID="{36D9A180-E394-4A98-9124-D8779B436D5C}" presName="Name111" presStyleLbl="parChTrans1D4" presStyleIdx="27" presStyleCnt="42"/>
+      <dgm:prSet presAssocID="{36D9A180-E394-4A98-9124-D8779B436D5C}" presName="Name111" presStyleLbl="parChTrans1D4" presStyleIdx="27" presStyleCnt="43"/>
       <dgm:spPr/>
     </dgm:pt>
     <dgm:pt modelId="{86444678-1ECE-4CA2-A5D7-FA9FE807996A}" type="pres">
@@ -4699,7 +4722,7 @@
       <dgm:spPr/>
     </dgm:pt>
     <dgm:pt modelId="{1D6E1A72-0CCB-4925-886F-31DD3E434CE0}" type="pres">
-      <dgm:prSet presAssocID="{CE4BCB29-7ECB-4DF5-9F6D-BBBBB5550BEB}" presName="rootText3" presStyleLbl="asst1" presStyleIdx="35" presStyleCnt="62">
+      <dgm:prSet presAssocID="{CE4BCB29-7ECB-4DF5-9F6D-BBBBB5550BEB}" presName="rootText3" presStyleLbl="asst1" presStyleIdx="35" presStyleCnt="63">
         <dgm:presLayoutVars>
           <dgm:chPref val="3"/>
         </dgm:presLayoutVars>
@@ -4707,7 +4730,7 @@
       <dgm:spPr/>
     </dgm:pt>
     <dgm:pt modelId="{350A869D-338A-4BE8-A39D-B669160D5E64}" type="pres">
-      <dgm:prSet presAssocID="{CE4BCB29-7ECB-4DF5-9F6D-BBBBB5550BEB}" presName="rootConnector3" presStyleLbl="asst1" presStyleIdx="35" presStyleCnt="62"/>
+      <dgm:prSet presAssocID="{CE4BCB29-7ECB-4DF5-9F6D-BBBBB5550BEB}" presName="rootConnector3" presStyleLbl="asst1" presStyleIdx="35" presStyleCnt="63"/>
       <dgm:spPr/>
     </dgm:pt>
     <dgm:pt modelId="{1FBA0E85-D53F-464D-B722-6E490C135B39}" type="pres">
@@ -4719,7 +4742,7 @@
       <dgm:spPr/>
     </dgm:pt>
     <dgm:pt modelId="{6E614BD8-6F57-4070-A744-527A8AFABBDC}" type="pres">
-      <dgm:prSet presAssocID="{439FFDCD-D719-41FD-B1AE-B5C3F8903A8D}" presName="Name111" presStyleLbl="parChTrans1D4" presStyleIdx="28" presStyleCnt="42"/>
+      <dgm:prSet presAssocID="{439FFDCD-D719-41FD-B1AE-B5C3F8903A8D}" presName="Name111" presStyleLbl="parChTrans1D4" presStyleIdx="28" presStyleCnt="43"/>
       <dgm:spPr/>
     </dgm:pt>
     <dgm:pt modelId="{71D69114-F83A-403D-86E5-4E70649A27EB}" type="pres">
@@ -4735,7 +4758,7 @@
       <dgm:spPr/>
     </dgm:pt>
     <dgm:pt modelId="{0B4C3548-DCBD-4D42-8983-02DC77F07D6B}" type="pres">
-      <dgm:prSet presAssocID="{A5958AC4-F97F-48DF-843E-1A0DF057388E}" presName="rootText3" presStyleLbl="asst1" presStyleIdx="36" presStyleCnt="62">
+      <dgm:prSet presAssocID="{A5958AC4-F97F-48DF-843E-1A0DF057388E}" presName="rootText3" presStyleLbl="asst1" presStyleIdx="36" presStyleCnt="63">
         <dgm:presLayoutVars>
           <dgm:chPref val="3"/>
         </dgm:presLayoutVars>
@@ -4743,7 +4766,7 @@
       <dgm:spPr/>
     </dgm:pt>
     <dgm:pt modelId="{EA6144A2-DB14-4281-904E-8D06B029E381}" type="pres">
-      <dgm:prSet presAssocID="{A5958AC4-F97F-48DF-843E-1A0DF057388E}" presName="rootConnector3" presStyleLbl="asst1" presStyleIdx="36" presStyleCnt="62"/>
+      <dgm:prSet presAssocID="{A5958AC4-F97F-48DF-843E-1A0DF057388E}" presName="rootConnector3" presStyleLbl="asst1" presStyleIdx="36" presStyleCnt="63"/>
       <dgm:spPr/>
     </dgm:pt>
     <dgm:pt modelId="{0A02C126-8E5D-4B4C-94A8-6CFCE90928BA}" type="pres">
@@ -4755,7 +4778,7 @@
       <dgm:spPr/>
     </dgm:pt>
     <dgm:pt modelId="{0D794A20-8A3C-415F-9D67-942CBCED24C5}" type="pres">
-      <dgm:prSet presAssocID="{8401AF26-EBE6-4618-87FE-C229651B7AFE}" presName="Name111" presStyleLbl="parChTrans1D4" presStyleIdx="29" presStyleCnt="42"/>
+      <dgm:prSet presAssocID="{8401AF26-EBE6-4618-87FE-C229651B7AFE}" presName="Name111" presStyleLbl="parChTrans1D4" presStyleIdx="29" presStyleCnt="43"/>
       <dgm:spPr/>
     </dgm:pt>
     <dgm:pt modelId="{002B7D56-8207-44D1-888E-995D5DCD8326}" type="pres">
@@ -4771,7 +4794,7 @@
       <dgm:spPr/>
     </dgm:pt>
     <dgm:pt modelId="{ED02FAB8-9A57-4CEB-968B-9D9EEF96143F}" type="pres">
-      <dgm:prSet presAssocID="{0364748B-4C11-4EF4-B6CC-8A79889ADC81}" presName="rootText3" presStyleLbl="asst1" presStyleIdx="37" presStyleCnt="62">
+      <dgm:prSet presAssocID="{0364748B-4C11-4EF4-B6CC-8A79889ADC81}" presName="rootText3" presStyleLbl="asst1" presStyleIdx="37" presStyleCnt="63">
         <dgm:presLayoutVars>
           <dgm:chPref val="3"/>
         </dgm:presLayoutVars>
@@ -4779,7 +4802,7 @@
       <dgm:spPr/>
     </dgm:pt>
     <dgm:pt modelId="{CBCF3629-F2EE-446C-8BE1-B5E69AC19D9A}" type="pres">
-      <dgm:prSet presAssocID="{0364748B-4C11-4EF4-B6CC-8A79889ADC81}" presName="rootConnector3" presStyleLbl="asst1" presStyleIdx="37" presStyleCnt="62"/>
+      <dgm:prSet presAssocID="{0364748B-4C11-4EF4-B6CC-8A79889ADC81}" presName="rootConnector3" presStyleLbl="asst1" presStyleIdx="37" presStyleCnt="63"/>
       <dgm:spPr/>
     </dgm:pt>
     <dgm:pt modelId="{5ADBD273-D832-4271-B116-F2D0AAB9014C}" type="pres">
@@ -4791,7 +4814,7 @@
       <dgm:spPr/>
     </dgm:pt>
     <dgm:pt modelId="{6BB402F4-6899-4C22-B2E7-7754157A8D69}" type="pres">
-      <dgm:prSet presAssocID="{532CBD0B-5EFD-404C-B8CF-9C622FDAF632}" presName="Name111" presStyleLbl="parChTrans1D4" presStyleIdx="30" presStyleCnt="42"/>
+      <dgm:prSet presAssocID="{532CBD0B-5EFD-404C-B8CF-9C622FDAF632}" presName="Name111" presStyleLbl="parChTrans1D4" presStyleIdx="30" presStyleCnt="43"/>
       <dgm:spPr/>
     </dgm:pt>
     <dgm:pt modelId="{866C0075-3BD3-4283-BE58-6C847545B113}" type="pres">
@@ -4807,7 +4830,7 @@
       <dgm:spPr/>
     </dgm:pt>
     <dgm:pt modelId="{17A061EB-22ED-47DA-B8FA-E23925F2334C}" type="pres">
-      <dgm:prSet presAssocID="{64B7B612-1A6D-4C00-A945-12BFF06E6E64}" presName="rootText3" presStyleLbl="asst1" presStyleIdx="38" presStyleCnt="62">
+      <dgm:prSet presAssocID="{64B7B612-1A6D-4C00-A945-12BFF06E6E64}" presName="rootText3" presStyleLbl="asst1" presStyleIdx="38" presStyleCnt="63">
         <dgm:presLayoutVars>
           <dgm:chPref val="3"/>
         </dgm:presLayoutVars>
@@ -4815,7 +4838,7 @@
       <dgm:spPr/>
     </dgm:pt>
     <dgm:pt modelId="{CF99BF77-E588-4CF7-B6CF-0B986192FF80}" type="pres">
-      <dgm:prSet presAssocID="{64B7B612-1A6D-4C00-A945-12BFF06E6E64}" presName="rootConnector3" presStyleLbl="asst1" presStyleIdx="38" presStyleCnt="62"/>
+      <dgm:prSet presAssocID="{64B7B612-1A6D-4C00-A945-12BFF06E6E64}" presName="rootConnector3" presStyleLbl="asst1" presStyleIdx="38" presStyleCnt="63"/>
       <dgm:spPr/>
     </dgm:pt>
     <dgm:pt modelId="{FC5F7AA5-553D-4A13-8AED-85C48CD6171A}" type="pres">
@@ -4843,7 +4866,7 @@
       <dgm:spPr/>
     </dgm:pt>
     <dgm:pt modelId="{BD989610-072D-44CD-9333-4475C63B1B88}" type="pres">
-      <dgm:prSet presAssocID="{311D6DD8-8C54-4E2C-8C71-2F8BD8D0EDDB}" presName="rootText3" presStyleLbl="asst1" presStyleIdx="39" presStyleCnt="62">
+      <dgm:prSet presAssocID="{311D6DD8-8C54-4E2C-8C71-2F8BD8D0EDDB}" presName="rootText3" presStyleLbl="asst1" presStyleIdx="39" presStyleCnt="63">
         <dgm:presLayoutVars>
           <dgm:chPref val="3"/>
         </dgm:presLayoutVars>
@@ -4851,7 +4874,7 @@
       <dgm:spPr/>
     </dgm:pt>
     <dgm:pt modelId="{E55CB309-9971-4A1C-AA94-2CB36CF5F2D5}" type="pres">
-      <dgm:prSet presAssocID="{311D6DD8-8C54-4E2C-8C71-2F8BD8D0EDDB}" presName="rootConnector3" presStyleLbl="asst1" presStyleIdx="39" presStyleCnt="62"/>
+      <dgm:prSet presAssocID="{311D6DD8-8C54-4E2C-8C71-2F8BD8D0EDDB}" presName="rootConnector3" presStyleLbl="asst1" presStyleIdx="39" presStyleCnt="63"/>
       <dgm:spPr/>
     </dgm:pt>
     <dgm:pt modelId="{43D9169E-E550-4044-BB1C-FF4F4AE1DCAD}" type="pres">
@@ -4879,7 +4902,7 @@
       <dgm:spPr/>
     </dgm:pt>
     <dgm:pt modelId="{BE96DB66-AD1E-4365-AE46-C3C60770B1CA}" type="pres">
-      <dgm:prSet presAssocID="{F280482C-C798-459D-B6E1-466FA717CC5B}" presName="rootText3" presStyleLbl="asst1" presStyleIdx="40" presStyleCnt="62">
+      <dgm:prSet presAssocID="{F280482C-C798-459D-B6E1-466FA717CC5B}" presName="rootText3" presStyleLbl="asst1" presStyleIdx="40" presStyleCnt="63">
         <dgm:presLayoutVars>
           <dgm:chPref val="3"/>
         </dgm:presLayoutVars>
@@ -4887,7 +4910,7 @@
       <dgm:spPr/>
     </dgm:pt>
     <dgm:pt modelId="{F5702E8F-99A5-44FF-8B7A-856358C50EDF}" type="pres">
-      <dgm:prSet presAssocID="{F280482C-C798-459D-B6E1-466FA717CC5B}" presName="rootConnector3" presStyleLbl="asst1" presStyleIdx="40" presStyleCnt="62"/>
+      <dgm:prSet presAssocID="{F280482C-C798-459D-B6E1-466FA717CC5B}" presName="rootConnector3" presStyleLbl="asst1" presStyleIdx="40" presStyleCnt="63"/>
       <dgm:spPr/>
     </dgm:pt>
     <dgm:pt modelId="{E6588B84-EE0A-48A7-8CB8-A063EC0371F0}" type="pres">
@@ -4915,7 +4938,7 @@
       <dgm:spPr/>
     </dgm:pt>
     <dgm:pt modelId="{8DFB8425-051F-429D-9AA7-ABE75BE636A3}" type="pres">
-      <dgm:prSet presAssocID="{74770414-BDD0-4889-954D-29401DF5704B}" presName="rootText3" presStyleLbl="asst1" presStyleIdx="41" presStyleCnt="62">
+      <dgm:prSet presAssocID="{74770414-BDD0-4889-954D-29401DF5704B}" presName="rootText3" presStyleLbl="asst1" presStyleIdx="41" presStyleCnt="63">
         <dgm:presLayoutVars>
           <dgm:chPref val="3"/>
         </dgm:presLayoutVars>
@@ -4923,7 +4946,7 @@
       <dgm:spPr/>
     </dgm:pt>
     <dgm:pt modelId="{72DF69CC-9FF0-427E-820B-8A51A19F5227}" type="pres">
-      <dgm:prSet presAssocID="{74770414-BDD0-4889-954D-29401DF5704B}" presName="rootConnector3" presStyleLbl="asst1" presStyleIdx="41" presStyleCnt="62"/>
+      <dgm:prSet presAssocID="{74770414-BDD0-4889-954D-29401DF5704B}" presName="rootConnector3" presStyleLbl="asst1" presStyleIdx="41" presStyleCnt="63"/>
       <dgm:spPr/>
     </dgm:pt>
     <dgm:pt modelId="{8CD25A93-3163-4B6D-8295-491E61BD5184}" type="pres">
@@ -4951,7 +4974,7 @@
       <dgm:spPr/>
     </dgm:pt>
     <dgm:pt modelId="{22A8CFEC-7F3C-48AD-9648-26B468C40213}" type="pres">
-      <dgm:prSet presAssocID="{04C3F39C-3FB3-4129-9260-FB9863BCD4C5}" presName="rootText3" presStyleLbl="asst1" presStyleIdx="42" presStyleCnt="62">
+      <dgm:prSet presAssocID="{04C3F39C-3FB3-4129-9260-FB9863BCD4C5}" presName="rootText3" presStyleLbl="asst1" presStyleIdx="42" presStyleCnt="63">
         <dgm:presLayoutVars>
           <dgm:chPref val="3"/>
         </dgm:presLayoutVars>
@@ -4959,7 +4982,7 @@
       <dgm:spPr/>
     </dgm:pt>
     <dgm:pt modelId="{550E3E6C-A9FD-4899-BA39-A266D75AD87F}" type="pres">
-      <dgm:prSet presAssocID="{04C3F39C-3FB3-4129-9260-FB9863BCD4C5}" presName="rootConnector3" presStyleLbl="asst1" presStyleIdx="42" presStyleCnt="62"/>
+      <dgm:prSet presAssocID="{04C3F39C-3FB3-4129-9260-FB9863BCD4C5}" presName="rootConnector3" presStyleLbl="asst1" presStyleIdx="42" presStyleCnt="63"/>
       <dgm:spPr/>
     </dgm:pt>
     <dgm:pt modelId="{BF8C2740-E1EA-4186-8159-FCC35DF055D0}" type="pres">
@@ -4987,7 +5010,7 @@
       <dgm:spPr/>
     </dgm:pt>
     <dgm:pt modelId="{8B0677EB-6953-47E5-8009-4399C01D45A6}" type="pres">
-      <dgm:prSet presAssocID="{73BDB8CB-FD3D-428C-BDF6-B53E9FF51360}" presName="rootText3" presStyleLbl="asst1" presStyleIdx="43" presStyleCnt="62">
+      <dgm:prSet presAssocID="{73BDB8CB-FD3D-428C-BDF6-B53E9FF51360}" presName="rootText3" presStyleLbl="asst1" presStyleIdx="43" presStyleCnt="63">
         <dgm:presLayoutVars>
           <dgm:chPref val="3"/>
         </dgm:presLayoutVars>
@@ -4995,7 +5018,7 @@
       <dgm:spPr/>
     </dgm:pt>
     <dgm:pt modelId="{7B32ABA5-A43D-4770-A7B1-88984F475AFE}" type="pres">
-      <dgm:prSet presAssocID="{73BDB8CB-FD3D-428C-BDF6-B53E9FF51360}" presName="rootConnector3" presStyleLbl="asst1" presStyleIdx="43" presStyleCnt="62"/>
+      <dgm:prSet presAssocID="{73BDB8CB-FD3D-428C-BDF6-B53E9FF51360}" presName="rootConnector3" presStyleLbl="asst1" presStyleIdx="43" presStyleCnt="63"/>
       <dgm:spPr/>
     </dgm:pt>
     <dgm:pt modelId="{B707D197-E342-45C5-952D-65D378A03A75}" type="pres">
@@ -5023,7 +5046,7 @@
       <dgm:spPr/>
     </dgm:pt>
     <dgm:pt modelId="{8EDD4C9F-41A6-4BF3-ACD8-E3DDBBD245E6}" type="pres">
-      <dgm:prSet presAssocID="{3E8FCCA5-7848-4FCB-B52D-ED572BE02795}" presName="rootText3" presStyleLbl="asst1" presStyleIdx="44" presStyleCnt="62">
+      <dgm:prSet presAssocID="{3E8FCCA5-7848-4FCB-B52D-ED572BE02795}" presName="rootText3" presStyleLbl="asst1" presStyleIdx="44" presStyleCnt="63">
         <dgm:presLayoutVars>
           <dgm:chPref val="3"/>
         </dgm:presLayoutVars>
@@ -5031,7 +5054,7 @@
       <dgm:spPr/>
     </dgm:pt>
     <dgm:pt modelId="{9FAADA75-86B5-4859-A5E7-56F98170838E}" type="pres">
-      <dgm:prSet presAssocID="{3E8FCCA5-7848-4FCB-B52D-ED572BE02795}" presName="rootConnector3" presStyleLbl="asst1" presStyleIdx="44" presStyleCnt="62"/>
+      <dgm:prSet presAssocID="{3E8FCCA5-7848-4FCB-B52D-ED572BE02795}" presName="rootConnector3" presStyleLbl="asst1" presStyleIdx="44" presStyleCnt="63"/>
       <dgm:spPr/>
     </dgm:pt>
     <dgm:pt modelId="{C77D939B-F089-4A53-9DFB-1DD2771E303C}" type="pres">
@@ -5059,7 +5082,7 @@
       <dgm:spPr/>
     </dgm:pt>
     <dgm:pt modelId="{29282C8B-69C0-461B-8924-B327399CEF5A}" type="pres">
-      <dgm:prSet presAssocID="{1FE88220-37D4-441E-9066-A93196D32898}" presName="rootText3" presStyleLbl="asst1" presStyleIdx="45" presStyleCnt="62">
+      <dgm:prSet presAssocID="{1FE88220-37D4-441E-9066-A93196D32898}" presName="rootText3" presStyleLbl="asst1" presStyleIdx="45" presStyleCnt="63">
         <dgm:presLayoutVars>
           <dgm:chPref val="3"/>
         </dgm:presLayoutVars>
@@ -5067,7 +5090,7 @@
       <dgm:spPr/>
     </dgm:pt>
     <dgm:pt modelId="{A9DA0E6C-BD77-43AC-94EB-5163129CBDB6}" type="pres">
-      <dgm:prSet presAssocID="{1FE88220-37D4-441E-9066-A93196D32898}" presName="rootConnector3" presStyleLbl="asst1" presStyleIdx="45" presStyleCnt="62"/>
+      <dgm:prSet presAssocID="{1FE88220-37D4-441E-9066-A93196D32898}" presName="rootConnector3" presStyleLbl="asst1" presStyleIdx="45" presStyleCnt="63"/>
       <dgm:spPr/>
     </dgm:pt>
     <dgm:pt modelId="{A818E8BB-53B1-484A-9767-6D5E4CE8E3E9}" type="pres">
@@ -5079,7 +5102,7 @@
       <dgm:spPr/>
     </dgm:pt>
     <dgm:pt modelId="{283D763B-6143-45EB-869D-44B1F2176961}" type="pres">
-      <dgm:prSet presAssocID="{FDABD39C-83E8-4787-8474-A85D0A389321}" presName="Name111" presStyleLbl="parChTrans1D4" presStyleIdx="31" presStyleCnt="42"/>
+      <dgm:prSet presAssocID="{FDABD39C-83E8-4787-8474-A85D0A389321}" presName="Name111" presStyleLbl="parChTrans1D4" presStyleIdx="31" presStyleCnt="43"/>
       <dgm:spPr/>
     </dgm:pt>
     <dgm:pt modelId="{8CC7C6EF-F400-44A4-9428-89B3B074352B}" type="pres">
@@ -5095,7 +5118,7 @@
       <dgm:spPr/>
     </dgm:pt>
     <dgm:pt modelId="{66690EF5-AA87-4B5A-9AB9-BA66C34A1D3F}" type="pres">
-      <dgm:prSet presAssocID="{4A105108-65E5-4EE2-A22C-18D34E494B88}" presName="rootText3" presStyleLbl="asst1" presStyleIdx="46" presStyleCnt="62">
+      <dgm:prSet presAssocID="{4A105108-65E5-4EE2-A22C-18D34E494B88}" presName="rootText3" presStyleLbl="asst1" presStyleIdx="46" presStyleCnt="63">
         <dgm:presLayoutVars>
           <dgm:chPref val="3"/>
         </dgm:presLayoutVars>
@@ -5103,7 +5126,7 @@
       <dgm:spPr/>
     </dgm:pt>
     <dgm:pt modelId="{DC3A95D5-8574-4CFE-8458-1D720BECAFC1}" type="pres">
-      <dgm:prSet presAssocID="{4A105108-65E5-4EE2-A22C-18D34E494B88}" presName="rootConnector3" presStyleLbl="asst1" presStyleIdx="46" presStyleCnt="62"/>
+      <dgm:prSet presAssocID="{4A105108-65E5-4EE2-A22C-18D34E494B88}" presName="rootConnector3" presStyleLbl="asst1" presStyleIdx="46" presStyleCnt="63"/>
       <dgm:spPr/>
     </dgm:pt>
     <dgm:pt modelId="{BE509FA9-F489-4AB6-AEA3-F9B65A091DED}" type="pres">
@@ -5115,7 +5138,7 @@
       <dgm:spPr/>
     </dgm:pt>
     <dgm:pt modelId="{05F1B35B-225D-4225-8D26-A2FF05B82751}" type="pres">
-      <dgm:prSet presAssocID="{4FCF2090-2A38-4101-98D9-62711114F190}" presName="Name111" presStyleLbl="parChTrans1D4" presStyleIdx="32" presStyleCnt="42"/>
+      <dgm:prSet presAssocID="{4FCF2090-2A38-4101-98D9-62711114F190}" presName="Name111" presStyleLbl="parChTrans1D4" presStyleIdx="32" presStyleCnt="43"/>
       <dgm:spPr/>
     </dgm:pt>
     <dgm:pt modelId="{4B0122E7-A288-4806-A71B-DDADF20D7614}" type="pres">
@@ -5131,7 +5154,7 @@
       <dgm:spPr/>
     </dgm:pt>
     <dgm:pt modelId="{1477FD6A-9723-424D-B2A6-33C1EDCDD02C}" type="pres">
-      <dgm:prSet presAssocID="{DDA688CE-CF40-4247-A0A4-2595516C72EB}" presName="rootText3" presStyleLbl="asst1" presStyleIdx="47" presStyleCnt="62">
+      <dgm:prSet presAssocID="{DDA688CE-CF40-4247-A0A4-2595516C72EB}" presName="rootText3" presStyleLbl="asst1" presStyleIdx="47" presStyleCnt="63">
         <dgm:presLayoutVars>
           <dgm:chPref val="3"/>
         </dgm:presLayoutVars>
@@ -5139,7 +5162,7 @@
       <dgm:spPr/>
     </dgm:pt>
     <dgm:pt modelId="{39F983ED-FCB7-4B94-AB6A-A8D1044BA41A}" type="pres">
-      <dgm:prSet presAssocID="{DDA688CE-CF40-4247-A0A4-2595516C72EB}" presName="rootConnector3" presStyleLbl="asst1" presStyleIdx="47" presStyleCnt="62"/>
+      <dgm:prSet presAssocID="{DDA688CE-CF40-4247-A0A4-2595516C72EB}" presName="rootConnector3" presStyleLbl="asst1" presStyleIdx="47" presStyleCnt="63"/>
       <dgm:spPr/>
     </dgm:pt>
     <dgm:pt modelId="{3BC01836-7435-4866-A683-D95D8CADAD85}" type="pres">
@@ -5151,7 +5174,7 @@
       <dgm:spPr/>
     </dgm:pt>
     <dgm:pt modelId="{0F5AD761-B34E-42A5-9870-62752DF08754}" type="pres">
-      <dgm:prSet presAssocID="{4A7E0E5B-75EB-45F8-9492-B11674A6AD26}" presName="Name111" presStyleLbl="parChTrans1D4" presStyleIdx="33" presStyleCnt="42"/>
+      <dgm:prSet presAssocID="{4A7E0E5B-75EB-45F8-9492-B11674A6AD26}" presName="Name111" presStyleLbl="parChTrans1D4" presStyleIdx="33" presStyleCnt="43"/>
       <dgm:spPr/>
     </dgm:pt>
     <dgm:pt modelId="{A69BB713-2AD0-455D-A6D9-033D6157EF8E}" type="pres">
@@ -5167,7 +5190,7 @@
       <dgm:spPr/>
     </dgm:pt>
     <dgm:pt modelId="{7349D38B-F67B-4338-BB04-CCAE4E6B7AE4}" type="pres">
-      <dgm:prSet presAssocID="{985D2A9B-00C5-4AD5-B27B-A9B865F287C9}" presName="rootText3" presStyleLbl="asst1" presStyleIdx="48" presStyleCnt="62">
+      <dgm:prSet presAssocID="{985D2A9B-00C5-4AD5-B27B-A9B865F287C9}" presName="rootText3" presStyleLbl="asst1" presStyleIdx="48" presStyleCnt="63">
         <dgm:presLayoutVars>
           <dgm:chPref val="3"/>
         </dgm:presLayoutVars>
@@ -5175,7 +5198,7 @@
       <dgm:spPr/>
     </dgm:pt>
     <dgm:pt modelId="{85DF5BD2-3D4E-4875-B872-FE0CEC611E3A}" type="pres">
-      <dgm:prSet presAssocID="{985D2A9B-00C5-4AD5-B27B-A9B865F287C9}" presName="rootConnector3" presStyleLbl="asst1" presStyleIdx="48" presStyleCnt="62"/>
+      <dgm:prSet presAssocID="{985D2A9B-00C5-4AD5-B27B-A9B865F287C9}" presName="rootConnector3" presStyleLbl="asst1" presStyleIdx="48" presStyleCnt="63"/>
       <dgm:spPr/>
     </dgm:pt>
     <dgm:pt modelId="{8F077B98-D227-45B0-A11F-0DDA2961B1D6}" type="pres">
@@ -5187,7 +5210,7 @@
       <dgm:spPr/>
     </dgm:pt>
     <dgm:pt modelId="{AC7DEC99-4036-40AE-AE68-E2251CEBFF3D}" type="pres">
-      <dgm:prSet presAssocID="{EDE3BBAB-41B8-499A-81EC-A06F6BFCD327}" presName="Name111" presStyleLbl="parChTrans1D4" presStyleIdx="34" presStyleCnt="42"/>
+      <dgm:prSet presAssocID="{EDE3BBAB-41B8-499A-81EC-A06F6BFCD327}" presName="Name111" presStyleLbl="parChTrans1D4" presStyleIdx="34" presStyleCnt="43"/>
       <dgm:spPr/>
     </dgm:pt>
     <dgm:pt modelId="{5798D0D9-6037-45EF-A098-A059ED8B5C64}" type="pres">
@@ -5203,7 +5226,7 @@
       <dgm:spPr/>
     </dgm:pt>
     <dgm:pt modelId="{339B0BFA-3E97-45D7-9D50-EBCD490669F9}" type="pres">
-      <dgm:prSet presAssocID="{1BC0C24F-9DAF-4F2A-95F6-46075020B387}" presName="rootText3" presStyleLbl="asst1" presStyleIdx="49" presStyleCnt="62">
+      <dgm:prSet presAssocID="{1BC0C24F-9DAF-4F2A-95F6-46075020B387}" presName="rootText3" presStyleLbl="asst1" presStyleIdx="49" presStyleCnt="63">
         <dgm:presLayoutVars>
           <dgm:chPref val="3"/>
         </dgm:presLayoutVars>
@@ -5211,7 +5234,7 @@
       <dgm:spPr/>
     </dgm:pt>
     <dgm:pt modelId="{1AB339BF-AEF8-4B66-A00F-ED2D7B5BF99B}" type="pres">
-      <dgm:prSet presAssocID="{1BC0C24F-9DAF-4F2A-95F6-46075020B387}" presName="rootConnector3" presStyleLbl="asst1" presStyleIdx="49" presStyleCnt="62"/>
+      <dgm:prSet presAssocID="{1BC0C24F-9DAF-4F2A-95F6-46075020B387}" presName="rootConnector3" presStyleLbl="asst1" presStyleIdx="49" presStyleCnt="63"/>
       <dgm:spPr/>
     </dgm:pt>
     <dgm:pt modelId="{453EB735-C76B-48F7-AAF8-BD5EE02B548E}" type="pres">
@@ -5223,7 +5246,7 @@
       <dgm:spPr/>
     </dgm:pt>
     <dgm:pt modelId="{5CEB9874-2E90-46D5-9E6E-F0C25BE5D71A}" type="pres">
-      <dgm:prSet presAssocID="{DBE67F1B-164C-4C1C-9DFB-1A8F9332C95B}" presName="Name111" presStyleLbl="parChTrans1D4" presStyleIdx="35" presStyleCnt="42"/>
+      <dgm:prSet presAssocID="{DBE67F1B-164C-4C1C-9DFB-1A8F9332C95B}" presName="Name111" presStyleLbl="parChTrans1D4" presStyleIdx="35" presStyleCnt="43"/>
       <dgm:spPr/>
     </dgm:pt>
     <dgm:pt modelId="{4CCA1063-1D27-4ACC-88C2-C3E260BC059F}" type="pres">
@@ -5239,7 +5262,7 @@
       <dgm:spPr/>
     </dgm:pt>
     <dgm:pt modelId="{703C605E-1889-4263-9AA9-7FBB0B1021D9}" type="pres">
-      <dgm:prSet presAssocID="{E1B7DB7E-57FF-4FED-BCCB-2827B4CE62FA}" presName="rootText3" presStyleLbl="asst1" presStyleIdx="50" presStyleCnt="62">
+      <dgm:prSet presAssocID="{E1B7DB7E-57FF-4FED-BCCB-2827B4CE62FA}" presName="rootText3" presStyleLbl="asst1" presStyleIdx="50" presStyleCnt="63">
         <dgm:presLayoutVars>
           <dgm:chPref val="3"/>
         </dgm:presLayoutVars>
@@ -5247,7 +5270,7 @@
       <dgm:spPr/>
     </dgm:pt>
     <dgm:pt modelId="{0A69BB17-0E1B-4707-A533-28B376249E37}" type="pres">
-      <dgm:prSet presAssocID="{E1B7DB7E-57FF-4FED-BCCB-2827B4CE62FA}" presName="rootConnector3" presStyleLbl="asst1" presStyleIdx="50" presStyleCnt="62"/>
+      <dgm:prSet presAssocID="{E1B7DB7E-57FF-4FED-BCCB-2827B4CE62FA}" presName="rootConnector3" presStyleLbl="asst1" presStyleIdx="50" presStyleCnt="63"/>
       <dgm:spPr/>
     </dgm:pt>
     <dgm:pt modelId="{C4351426-7088-4E38-B3B8-FB52EB53E430}" type="pres">
@@ -5275,7 +5298,7 @@
       <dgm:spPr/>
     </dgm:pt>
     <dgm:pt modelId="{3FCF524F-4B2D-44FD-942D-4FC7D10F4E3B}" type="pres">
-      <dgm:prSet presAssocID="{DC6EA711-5D3D-4A49-A2D3-993D25791FD0}" presName="rootText3" presStyleLbl="asst1" presStyleIdx="51" presStyleCnt="62">
+      <dgm:prSet presAssocID="{DC6EA711-5D3D-4A49-A2D3-993D25791FD0}" presName="rootText3" presStyleLbl="asst1" presStyleIdx="51" presStyleCnt="63">
         <dgm:presLayoutVars>
           <dgm:chPref val="3"/>
         </dgm:presLayoutVars>
@@ -5283,7 +5306,7 @@
       <dgm:spPr/>
     </dgm:pt>
     <dgm:pt modelId="{29188F3E-4D79-44E4-B2DA-6B0DDBE49240}" type="pres">
-      <dgm:prSet presAssocID="{DC6EA711-5D3D-4A49-A2D3-993D25791FD0}" presName="rootConnector3" presStyleLbl="asst1" presStyleIdx="51" presStyleCnt="62"/>
+      <dgm:prSet presAssocID="{DC6EA711-5D3D-4A49-A2D3-993D25791FD0}" presName="rootConnector3" presStyleLbl="asst1" presStyleIdx="51" presStyleCnt="63"/>
       <dgm:spPr/>
     </dgm:pt>
     <dgm:pt modelId="{50388251-1B2B-4306-8EFD-8F2FCB3D9101}" type="pres">
@@ -5311,7 +5334,7 @@
       <dgm:spPr/>
     </dgm:pt>
     <dgm:pt modelId="{29DD0E76-C366-4820-B170-C3E3DBD37CCF}" type="pres">
-      <dgm:prSet presAssocID="{3BAE0D0C-FD4F-4796-A59D-7E9173A3982F}" presName="rootText3" presStyleLbl="asst1" presStyleIdx="52" presStyleCnt="62">
+      <dgm:prSet presAssocID="{3BAE0D0C-FD4F-4796-A59D-7E9173A3982F}" presName="rootText3" presStyleLbl="asst1" presStyleIdx="52" presStyleCnt="63">
         <dgm:presLayoutVars>
           <dgm:chPref val="3"/>
         </dgm:presLayoutVars>
@@ -5319,7 +5342,7 @@
       <dgm:spPr/>
     </dgm:pt>
     <dgm:pt modelId="{8129062A-9CFC-4A36-97CB-E1A7268C2F73}" type="pres">
-      <dgm:prSet presAssocID="{3BAE0D0C-FD4F-4796-A59D-7E9173A3982F}" presName="rootConnector3" presStyleLbl="asst1" presStyleIdx="52" presStyleCnt="62"/>
+      <dgm:prSet presAssocID="{3BAE0D0C-FD4F-4796-A59D-7E9173A3982F}" presName="rootConnector3" presStyleLbl="asst1" presStyleIdx="52" presStyleCnt="63"/>
       <dgm:spPr/>
     </dgm:pt>
     <dgm:pt modelId="{32D07579-ED22-4F9C-A7A6-F2F2CC029998}" type="pres">
@@ -5331,7 +5354,7 @@
       <dgm:spPr/>
     </dgm:pt>
     <dgm:pt modelId="{A6639C85-56A8-4AE3-B0C5-F31D10FCF777}" type="pres">
-      <dgm:prSet presAssocID="{C4BDF739-9BEE-45EE-9DC9-264B0424B9D0}" presName="Name111" presStyleLbl="parChTrans1D4" presStyleIdx="36" presStyleCnt="42"/>
+      <dgm:prSet presAssocID="{C4BDF739-9BEE-45EE-9DC9-264B0424B9D0}" presName="Name111" presStyleLbl="parChTrans1D4" presStyleIdx="36" presStyleCnt="43"/>
       <dgm:spPr/>
     </dgm:pt>
     <dgm:pt modelId="{41043111-3A09-451D-B696-C7DEE5430474}" type="pres">
@@ -5347,7 +5370,7 @@
       <dgm:spPr/>
     </dgm:pt>
     <dgm:pt modelId="{1CA3A432-5662-47BD-919D-FCB44199A7CD}" type="pres">
-      <dgm:prSet presAssocID="{38B9F773-9093-4AF7-A977-EDDDF2CC954D}" presName="rootText3" presStyleLbl="asst1" presStyleIdx="53" presStyleCnt="62">
+      <dgm:prSet presAssocID="{38B9F773-9093-4AF7-A977-EDDDF2CC954D}" presName="rootText3" presStyleLbl="asst1" presStyleIdx="53" presStyleCnt="63">
         <dgm:presLayoutVars>
           <dgm:chPref val="3"/>
         </dgm:presLayoutVars>
@@ -5355,7 +5378,7 @@
       <dgm:spPr/>
     </dgm:pt>
     <dgm:pt modelId="{E0621A26-6665-4853-B22D-F2B954A35C64}" type="pres">
-      <dgm:prSet presAssocID="{38B9F773-9093-4AF7-A977-EDDDF2CC954D}" presName="rootConnector3" presStyleLbl="asst1" presStyleIdx="53" presStyleCnt="62"/>
+      <dgm:prSet presAssocID="{38B9F773-9093-4AF7-A977-EDDDF2CC954D}" presName="rootConnector3" presStyleLbl="asst1" presStyleIdx="53" presStyleCnt="63"/>
       <dgm:spPr/>
     </dgm:pt>
     <dgm:pt modelId="{E0AC8BA5-CF14-461F-8BF2-F758896FC76F}" type="pres">
@@ -5367,7 +5390,7 @@
       <dgm:spPr/>
     </dgm:pt>
     <dgm:pt modelId="{DF9F2D93-50D6-46DF-BA42-27D50139A81C}" type="pres">
-      <dgm:prSet presAssocID="{6A53FE72-3745-42CC-AC9B-5CF73CA73750}" presName="Name111" presStyleLbl="parChTrans1D4" presStyleIdx="37" presStyleCnt="42"/>
+      <dgm:prSet presAssocID="{6A53FE72-3745-42CC-AC9B-5CF73CA73750}" presName="Name111" presStyleLbl="parChTrans1D4" presStyleIdx="37" presStyleCnt="43"/>
       <dgm:spPr/>
     </dgm:pt>
     <dgm:pt modelId="{5AD255BA-3F49-4E7F-A249-7470EB442432}" type="pres">
@@ -5383,7 +5406,7 @@
       <dgm:spPr/>
     </dgm:pt>
     <dgm:pt modelId="{56B26504-DFD5-4550-9411-DF9B5E83C3BF}" type="pres">
-      <dgm:prSet presAssocID="{A822073A-130D-4D95-9086-940A97A362DA}" presName="rootText3" presStyleLbl="asst1" presStyleIdx="54" presStyleCnt="62">
+      <dgm:prSet presAssocID="{A822073A-130D-4D95-9086-940A97A362DA}" presName="rootText3" presStyleLbl="asst1" presStyleIdx="54" presStyleCnt="63">
         <dgm:presLayoutVars>
           <dgm:chPref val="3"/>
         </dgm:presLayoutVars>
@@ -5391,7 +5414,7 @@
       <dgm:spPr/>
     </dgm:pt>
     <dgm:pt modelId="{4A368993-3AE8-44A2-A107-9CF33D433C06}" type="pres">
-      <dgm:prSet presAssocID="{A822073A-130D-4D95-9086-940A97A362DA}" presName="rootConnector3" presStyleLbl="asst1" presStyleIdx="54" presStyleCnt="62"/>
+      <dgm:prSet presAssocID="{A822073A-130D-4D95-9086-940A97A362DA}" presName="rootConnector3" presStyleLbl="asst1" presStyleIdx="54" presStyleCnt="63"/>
       <dgm:spPr/>
     </dgm:pt>
     <dgm:pt modelId="{ECEAFD9B-B842-4C05-98B4-E4C2B41AB5CD}" type="pres">
@@ -5403,7 +5426,7 @@
       <dgm:spPr/>
     </dgm:pt>
     <dgm:pt modelId="{ED0EE91A-D88C-401A-B1BC-37FAB8D6E27D}" type="pres">
-      <dgm:prSet presAssocID="{7E1E1EF5-8ADE-4845-BA02-9ED0DDC100B6}" presName="Name111" presStyleLbl="parChTrans1D4" presStyleIdx="38" presStyleCnt="42"/>
+      <dgm:prSet presAssocID="{7E1E1EF5-8ADE-4845-BA02-9ED0DDC100B6}" presName="Name111" presStyleLbl="parChTrans1D4" presStyleIdx="38" presStyleCnt="43"/>
       <dgm:spPr/>
     </dgm:pt>
     <dgm:pt modelId="{352D6800-3ADC-4A26-8ADA-4B57013449E1}" type="pres">
@@ -5419,7 +5442,7 @@
       <dgm:spPr/>
     </dgm:pt>
     <dgm:pt modelId="{61911E5C-528E-4EA6-8F96-A7A60A4E2453}" type="pres">
-      <dgm:prSet presAssocID="{F73A923B-5235-4BDC-8BC7-80E4E3359E18}" presName="rootText3" presStyleLbl="asst1" presStyleIdx="55" presStyleCnt="62">
+      <dgm:prSet presAssocID="{F73A923B-5235-4BDC-8BC7-80E4E3359E18}" presName="rootText3" presStyleLbl="asst1" presStyleIdx="55" presStyleCnt="63">
         <dgm:presLayoutVars>
           <dgm:chPref val="3"/>
         </dgm:presLayoutVars>
@@ -5427,7 +5450,7 @@
       <dgm:spPr/>
     </dgm:pt>
     <dgm:pt modelId="{5DA3D279-EDB4-4A21-B151-50DAF797E237}" type="pres">
-      <dgm:prSet presAssocID="{F73A923B-5235-4BDC-8BC7-80E4E3359E18}" presName="rootConnector3" presStyleLbl="asst1" presStyleIdx="55" presStyleCnt="62"/>
+      <dgm:prSet presAssocID="{F73A923B-5235-4BDC-8BC7-80E4E3359E18}" presName="rootConnector3" presStyleLbl="asst1" presStyleIdx="55" presStyleCnt="63"/>
       <dgm:spPr/>
     </dgm:pt>
     <dgm:pt modelId="{501DD897-33B7-4E88-B345-73BE50196483}" type="pres">
@@ -5439,7 +5462,7 @@
       <dgm:spPr/>
     </dgm:pt>
     <dgm:pt modelId="{BDA28D1B-5E27-408D-ADF1-346C4D9E7E8B}" type="pres">
-      <dgm:prSet presAssocID="{6A056AE5-1D78-4388-8902-25A782F1C8A5}" presName="Name111" presStyleLbl="parChTrans1D4" presStyleIdx="39" presStyleCnt="42"/>
+      <dgm:prSet presAssocID="{6A056AE5-1D78-4388-8902-25A782F1C8A5}" presName="Name111" presStyleLbl="parChTrans1D4" presStyleIdx="39" presStyleCnt="43"/>
       <dgm:spPr/>
     </dgm:pt>
     <dgm:pt modelId="{2AEC6714-606D-48BA-BBBE-5DC30B30D59D}" type="pres">
@@ -5455,7 +5478,7 @@
       <dgm:spPr/>
     </dgm:pt>
     <dgm:pt modelId="{27279F26-69CB-4517-AC3E-0AB24822479D}" type="pres">
-      <dgm:prSet presAssocID="{372CC4E9-4D31-4CE7-9BAA-EB39525F02EC}" presName="rootText3" presStyleLbl="asst1" presStyleIdx="56" presStyleCnt="62">
+      <dgm:prSet presAssocID="{372CC4E9-4D31-4CE7-9BAA-EB39525F02EC}" presName="rootText3" presStyleLbl="asst1" presStyleIdx="56" presStyleCnt="63">
         <dgm:presLayoutVars>
           <dgm:chPref val="3"/>
         </dgm:presLayoutVars>
@@ -5463,7 +5486,7 @@
       <dgm:spPr/>
     </dgm:pt>
     <dgm:pt modelId="{E857C40C-63D5-4B2E-8DDD-6D8A99D7BB3C}" type="pres">
-      <dgm:prSet presAssocID="{372CC4E9-4D31-4CE7-9BAA-EB39525F02EC}" presName="rootConnector3" presStyleLbl="asst1" presStyleIdx="56" presStyleCnt="62"/>
+      <dgm:prSet presAssocID="{372CC4E9-4D31-4CE7-9BAA-EB39525F02EC}" presName="rootConnector3" presStyleLbl="asst1" presStyleIdx="56" presStyleCnt="63"/>
       <dgm:spPr/>
     </dgm:pt>
     <dgm:pt modelId="{A8038F4C-7010-4ED5-B0B8-8B2BEA282758}" type="pres">
@@ -5475,7 +5498,7 @@
       <dgm:spPr/>
     </dgm:pt>
     <dgm:pt modelId="{1EF3E330-73CC-4E78-8DC5-3F377E80D151}" type="pres">
-      <dgm:prSet presAssocID="{5398E45D-B833-449F-8FA4-DE5CAAF2F398}" presName="Name111" presStyleLbl="parChTrans1D4" presStyleIdx="40" presStyleCnt="42"/>
+      <dgm:prSet presAssocID="{5398E45D-B833-449F-8FA4-DE5CAAF2F398}" presName="Name111" presStyleLbl="parChTrans1D4" presStyleIdx="40" presStyleCnt="43"/>
       <dgm:spPr/>
     </dgm:pt>
     <dgm:pt modelId="{9C1AB928-2B96-43DB-9B05-36D468D1C68C}" type="pres">
@@ -5491,7 +5514,7 @@
       <dgm:spPr/>
     </dgm:pt>
     <dgm:pt modelId="{D069C8E9-8746-4CD8-9E2B-53351693FE96}" type="pres">
-      <dgm:prSet presAssocID="{398061CB-4E0D-41CF-8614-B02FCAC86CA8}" presName="rootText3" presStyleLbl="asst1" presStyleIdx="57" presStyleCnt="62">
+      <dgm:prSet presAssocID="{398061CB-4E0D-41CF-8614-B02FCAC86CA8}" presName="rootText3" presStyleLbl="asst1" presStyleIdx="57" presStyleCnt="63">
         <dgm:presLayoutVars>
           <dgm:chPref val="3"/>
         </dgm:presLayoutVars>
@@ -5499,7 +5522,7 @@
       <dgm:spPr/>
     </dgm:pt>
     <dgm:pt modelId="{0BC65EA2-4755-42C3-891F-5B58C38AA4AD}" type="pres">
-      <dgm:prSet presAssocID="{398061CB-4E0D-41CF-8614-B02FCAC86CA8}" presName="rootConnector3" presStyleLbl="asst1" presStyleIdx="57" presStyleCnt="62"/>
+      <dgm:prSet presAssocID="{398061CB-4E0D-41CF-8614-B02FCAC86CA8}" presName="rootConnector3" presStyleLbl="asst1" presStyleIdx="57" presStyleCnt="63"/>
       <dgm:spPr/>
     </dgm:pt>
     <dgm:pt modelId="{06DE44EC-48EB-41A4-9646-87DC215E4F35}" type="pres">
@@ -5511,7 +5534,7 @@
       <dgm:spPr/>
     </dgm:pt>
     <dgm:pt modelId="{A6492050-AD4D-4B12-9A72-6D05C695338D}" type="pres">
-      <dgm:prSet presAssocID="{E2065B91-90FE-4BAA-8821-6AB5979139CA}" presName="Name111" presStyleLbl="parChTrans1D4" presStyleIdx="41" presStyleCnt="42"/>
+      <dgm:prSet presAssocID="{E2065B91-90FE-4BAA-8821-6AB5979139CA}" presName="Name111" presStyleLbl="parChTrans1D4" presStyleIdx="41" presStyleCnt="43"/>
       <dgm:spPr/>
     </dgm:pt>
     <dgm:pt modelId="{6C481950-A71B-4C0B-BBC2-A7A0C4195FCC}" type="pres">
@@ -5527,7 +5550,7 @@
       <dgm:spPr/>
     </dgm:pt>
     <dgm:pt modelId="{5AE02209-1EE6-416B-B4EC-1F8CAE700954}" type="pres">
-      <dgm:prSet presAssocID="{57897E4F-B43E-4830-AA93-6F33553C8836}" presName="rootText3" presStyleLbl="asst1" presStyleIdx="58" presStyleCnt="62">
+      <dgm:prSet presAssocID="{57897E4F-B43E-4830-AA93-6F33553C8836}" presName="rootText3" presStyleLbl="asst1" presStyleIdx="58" presStyleCnt="63">
         <dgm:presLayoutVars>
           <dgm:chPref val="3"/>
         </dgm:presLayoutVars>
@@ -5535,7 +5558,7 @@
       <dgm:spPr/>
     </dgm:pt>
     <dgm:pt modelId="{F0931E07-0F79-480E-BC9F-CEB3ED830761}" type="pres">
-      <dgm:prSet presAssocID="{57897E4F-B43E-4830-AA93-6F33553C8836}" presName="rootConnector3" presStyleLbl="asst1" presStyleIdx="58" presStyleCnt="62"/>
+      <dgm:prSet presAssocID="{57897E4F-B43E-4830-AA93-6F33553C8836}" presName="rootConnector3" presStyleLbl="asst1" presStyleIdx="58" presStyleCnt="63"/>
       <dgm:spPr/>
     </dgm:pt>
     <dgm:pt modelId="{7FCE3646-4724-487D-9753-C52425A2BC63}" type="pres">
@@ -5544,6 +5567,42 @@
     </dgm:pt>
     <dgm:pt modelId="{737F5442-EE07-40E2-96EF-B19DFB55FA54}" type="pres">
       <dgm:prSet presAssocID="{57897E4F-B43E-4830-AA93-6F33553C8836}" presName="hierChild7" presStyleCnt="0"/>
+      <dgm:spPr/>
+    </dgm:pt>
+    <dgm:pt modelId="{CC608544-BDE0-424A-9655-F4F5F727C8D0}" type="pres">
+      <dgm:prSet presAssocID="{EBA747A2-FC29-40BB-89E9-CE05A030ABD8}" presName="Name111" presStyleLbl="parChTrans1D4" presStyleIdx="42" presStyleCnt="43"/>
+      <dgm:spPr/>
+    </dgm:pt>
+    <dgm:pt modelId="{1C0347F2-CBB5-4F0A-AC21-20563074731C}" type="pres">
+      <dgm:prSet presAssocID="{3D15BE56-AFAD-4B58-BD3F-CB36E91FB610}" presName="hierRoot3" presStyleCnt="0">
+        <dgm:presLayoutVars>
+          <dgm:hierBranch val="init"/>
+        </dgm:presLayoutVars>
+      </dgm:prSet>
+      <dgm:spPr/>
+    </dgm:pt>
+    <dgm:pt modelId="{F6130273-EB41-4544-AF65-C70C2465C60A}" type="pres">
+      <dgm:prSet presAssocID="{3D15BE56-AFAD-4B58-BD3F-CB36E91FB610}" presName="rootComposite3" presStyleCnt="0"/>
+      <dgm:spPr/>
+    </dgm:pt>
+    <dgm:pt modelId="{236A73DA-2C5E-4770-8B12-0B78831A5811}" type="pres">
+      <dgm:prSet presAssocID="{3D15BE56-AFAD-4B58-BD3F-CB36E91FB610}" presName="rootText3" presStyleLbl="asst1" presStyleIdx="59" presStyleCnt="63">
+        <dgm:presLayoutVars>
+          <dgm:chPref val="3"/>
+        </dgm:presLayoutVars>
+      </dgm:prSet>
+      <dgm:spPr/>
+    </dgm:pt>
+    <dgm:pt modelId="{6999216C-3888-4979-8CDB-B2033CFD1E44}" type="pres">
+      <dgm:prSet presAssocID="{3D15BE56-AFAD-4B58-BD3F-CB36E91FB610}" presName="rootConnector3" presStyleLbl="asst1" presStyleIdx="59" presStyleCnt="63"/>
+      <dgm:spPr/>
+    </dgm:pt>
+    <dgm:pt modelId="{73B96ECB-F100-4846-ACC4-5B2760C68428}" type="pres">
+      <dgm:prSet presAssocID="{3D15BE56-AFAD-4B58-BD3F-CB36E91FB610}" presName="hierChild6" presStyleCnt="0"/>
+      <dgm:spPr/>
+    </dgm:pt>
+    <dgm:pt modelId="{7ACC5FC8-39A2-428F-97B1-F871F8216A98}" type="pres">
+      <dgm:prSet presAssocID="{3D15BE56-AFAD-4B58-BD3F-CB36E91FB610}" presName="hierChild7" presStyleCnt="0"/>
       <dgm:spPr/>
     </dgm:pt>
     <dgm:pt modelId="{AEE51843-F6AA-432F-8952-AFFCB8D1881F}" type="pres">
@@ -5563,7 +5622,7 @@
       <dgm:spPr/>
     </dgm:pt>
     <dgm:pt modelId="{A671F663-21D9-43F4-8EE0-2896E9628F81}" type="pres">
-      <dgm:prSet presAssocID="{4FF4BF5F-3F45-45E5-8D0C-544859DC92B0}" presName="rootText3" presStyleLbl="asst1" presStyleIdx="59" presStyleCnt="62">
+      <dgm:prSet presAssocID="{4FF4BF5F-3F45-45E5-8D0C-544859DC92B0}" presName="rootText3" presStyleLbl="asst1" presStyleIdx="60" presStyleCnt="63">
         <dgm:presLayoutVars>
           <dgm:chPref val="3"/>
         </dgm:presLayoutVars>
@@ -5571,7 +5630,7 @@
       <dgm:spPr/>
     </dgm:pt>
     <dgm:pt modelId="{548C28C3-812E-4FC5-99B3-54A70C6632DD}" type="pres">
-      <dgm:prSet presAssocID="{4FF4BF5F-3F45-45E5-8D0C-544859DC92B0}" presName="rootConnector3" presStyleLbl="asst1" presStyleIdx="59" presStyleCnt="62"/>
+      <dgm:prSet presAssocID="{4FF4BF5F-3F45-45E5-8D0C-544859DC92B0}" presName="rootConnector3" presStyleLbl="asst1" presStyleIdx="60" presStyleCnt="63"/>
       <dgm:spPr/>
     </dgm:pt>
     <dgm:pt modelId="{EE0BFE4B-C062-4A36-915F-363157FF2FC7}" type="pres">
@@ -5599,7 +5658,7 @@
       <dgm:spPr/>
     </dgm:pt>
     <dgm:pt modelId="{EECB5851-B5EA-4373-9C18-E26E94F1871F}" type="pres">
-      <dgm:prSet presAssocID="{9767A9A6-6180-4440-9441-ED05A440F85A}" presName="rootText3" presStyleLbl="asst1" presStyleIdx="60" presStyleCnt="62">
+      <dgm:prSet presAssocID="{9767A9A6-6180-4440-9441-ED05A440F85A}" presName="rootText3" presStyleLbl="asst1" presStyleIdx="61" presStyleCnt="63">
         <dgm:presLayoutVars>
           <dgm:chPref val="3"/>
         </dgm:presLayoutVars>
@@ -5607,7 +5666,7 @@
       <dgm:spPr/>
     </dgm:pt>
     <dgm:pt modelId="{ED2A5822-B406-4F8D-98D1-844E0893CB67}" type="pres">
-      <dgm:prSet presAssocID="{9767A9A6-6180-4440-9441-ED05A440F85A}" presName="rootConnector3" presStyleLbl="asst1" presStyleIdx="60" presStyleCnt="62"/>
+      <dgm:prSet presAssocID="{9767A9A6-6180-4440-9441-ED05A440F85A}" presName="rootConnector3" presStyleLbl="asst1" presStyleIdx="61" presStyleCnt="63"/>
       <dgm:spPr/>
     </dgm:pt>
     <dgm:pt modelId="{274843BF-1E7F-4D87-B5E7-8729B56745D4}" type="pres">
@@ -5635,7 +5694,7 @@
       <dgm:spPr/>
     </dgm:pt>
     <dgm:pt modelId="{FCC977D8-6D8B-4AF1-A3D4-3B8585587317}" type="pres">
-      <dgm:prSet presAssocID="{B4606959-AE1D-40D9-BAFF-A9F766124EAE}" presName="rootText3" presStyleLbl="asst1" presStyleIdx="61" presStyleCnt="62">
+      <dgm:prSet presAssocID="{B4606959-AE1D-40D9-BAFF-A9F766124EAE}" presName="rootText3" presStyleLbl="asst1" presStyleIdx="62" presStyleCnt="63">
         <dgm:presLayoutVars>
           <dgm:chPref val="3"/>
         </dgm:presLayoutVars>
@@ -5643,7 +5702,7 @@
       <dgm:spPr/>
     </dgm:pt>
     <dgm:pt modelId="{737B2E56-76F2-4644-8492-D3F6A300A23A}" type="pres">
-      <dgm:prSet presAssocID="{B4606959-AE1D-40D9-BAFF-A9F766124EAE}" presName="rootConnector3" presStyleLbl="asst1" presStyleIdx="61" presStyleCnt="62"/>
+      <dgm:prSet presAssocID="{B4606959-AE1D-40D9-BAFF-A9F766124EAE}" presName="rootConnector3" presStyleLbl="asst1" presStyleIdx="62" presStyleCnt="63"/>
       <dgm:spPr/>
     </dgm:pt>
     <dgm:pt modelId="{AF443854-8380-43ED-B915-5E505C3C40C5}" type="pres">
@@ -5664,6 +5723,7 @@
     <dgm:cxn modelId="{A2FDF506-4B0F-4A59-8520-DBEB0F41F3A8}" type="presOf" srcId="{64B7B612-1A6D-4C00-A945-12BFF06E6E64}" destId="{17A061EB-22ED-47DA-B8FA-E23925F2334C}" srcOrd="0" destOrd="0" presId="urn:microsoft.com/office/officeart/2005/8/layout/orgChart1"/>
     <dgm:cxn modelId="{8ADDD407-5B98-4341-A7B3-00BE1BAC2DEB}" srcId="{3BAE0D0C-FD4F-4796-A59D-7E9173A3982F}" destId="{398061CB-4E0D-41CF-8614-B02FCAC86CA8}" srcOrd="2" destOrd="0" parTransId="{5398E45D-B833-449F-8FA4-DE5CAAF2F398}" sibTransId="{88EF1EB9-373D-4C8E-A26E-5129C87CC9C0}"/>
     <dgm:cxn modelId="{1C485C08-5C77-483D-BD08-73179332EF06}" srcId="{EC79ACA4-03F9-443C-9782-38DADB913262}" destId="{CCC2EB33-60ED-4872-98F3-0FFD00EF13A0}" srcOrd="0" destOrd="0" parTransId="{E423D0F6-8CED-4F3F-9A84-93E0370E44A7}" sibTransId="{4A78BF38-7704-4D21-8B8E-E610792889BD}"/>
+    <dgm:cxn modelId="{F40B4E08-098C-48DB-8838-68BD41386205}" srcId="{3BAE0D0C-FD4F-4796-A59D-7E9173A3982F}" destId="{3D15BE56-AFAD-4B58-BD3F-CB36E91FB610}" srcOrd="4" destOrd="0" parTransId="{EBA747A2-FC29-40BB-89E9-CE05A030ABD8}" sibTransId="{DB926AD8-9E66-4416-A9F9-7A0AA9255C3B}"/>
     <dgm:cxn modelId="{682BAE08-7611-49E1-BBD7-C89FFD212A09}" type="presOf" srcId="{6A056AE5-1D78-4388-8902-25A782F1C8A5}" destId="{BDA28D1B-5E27-408D-ADF1-346C4D9E7E8B}" srcOrd="0" destOrd="0" presId="urn:microsoft.com/office/officeart/2005/8/layout/orgChart1"/>
     <dgm:cxn modelId="{63822309-EC68-42D3-B41E-A575530ACCD2}" type="presOf" srcId="{50744334-6503-43A4-ADDB-0CC5326D54D8}" destId="{CA29F901-FB62-40CB-93B0-5FA3D3E89153}" srcOrd="0" destOrd="0" presId="urn:microsoft.com/office/officeart/2005/8/layout/orgChart1"/>
     <dgm:cxn modelId="{35B22A0A-7BAD-47E8-A749-8010E684642A}" type="presOf" srcId="{CB48E9F4-2F28-479C-9C48-97E045347217}" destId="{30AF305B-D244-4676-B213-4FA8DE312A80}" srcOrd="0" destOrd="0" presId="urn:microsoft.com/office/officeart/2005/8/layout/orgChart1"/>
@@ -5681,6 +5741,7 @@
     <dgm:cxn modelId="{D750E019-5F7E-4064-8C12-BADDC8316092}" type="presOf" srcId="{B4606959-AE1D-40D9-BAFF-A9F766124EAE}" destId="{FCC977D8-6D8B-4AF1-A3D4-3B8585587317}" srcOrd="0" destOrd="0" presId="urn:microsoft.com/office/officeart/2005/8/layout/orgChart1"/>
     <dgm:cxn modelId="{2C4F0C1A-1DD1-48DC-B50B-7CDD5AE67365}" type="presOf" srcId="{3BAE0D0C-FD4F-4796-A59D-7E9173A3982F}" destId="{29DD0E76-C366-4820-B170-C3E3DBD37CCF}" srcOrd="0" destOrd="0" presId="urn:microsoft.com/office/officeart/2005/8/layout/orgChart1"/>
     <dgm:cxn modelId="{08AC231A-C65B-40B8-96EA-A68B7A2C3F7C}" srcId="{3E8CC39E-1D51-463A-8607-640A4960C4BD}" destId="{F1C186BE-BD2A-4C33-BAA2-8C22BA45FE1C}" srcOrd="9" destOrd="0" parTransId="{46C21EAD-A920-4646-8331-AAC76B296F08}" sibTransId="{0478EE18-B465-40C9-A794-6238FEE50637}"/>
+    <dgm:cxn modelId="{9E785B1A-6A00-4872-8DBA-E00B157F3565}" type="presOf" srcId="{EBA747A2-FC29-40BB-89E9-CE05A030ABD8}" destId="{CC608544-BDE0-424A-9655-F4F5F727C8D0}" srcOrd="0" destOrd="0" presId="urn:microsoft.com/office/officeart/2005/8/layout/orgChart1"/>
     <dgm:cxn modelId="{63100B1B-EFC4-40E6-9114-777F89202FE9}" type="presOf" srcId="{372CC4E9-4D31-4CE7-9BAA-EB39525F02EC}" destId="{27279F26-69CB-4517-AC3E-0AB24822479D}" srcOrd="0" destOrd="0" presId="urn:microsoft.com/office/officeart/2005/8/layout/orgChart1"/>
     <dgm:cxn modelId="{4E28601B-26FE-4BE0-8370-521B913E261F}" type="presOf" srcId="{E36657BB-C992-457D-ABD4-294FF0D9E0B9}" destId="{C1082ACE-4B57-4223-B5E4-93B6C7F0399C}" srcOrd="1" destOrd="0" presId="urn:microsoft.com/office/officeart/2005/8/layout/orgChart1"/>
     <dgm:cxn modelId="{8B76C21B-CE7D-4DC4-9F20-B73FF7B92493}" type="presOf" srcId="{A1CD47A1-26A2-43AA-95C3-0AE9675E5CC8}" destId="{D524F5A4-33EA-48AA-A363-575954A8203D}" srcOrd="1" destOrd="0" presId="urn:microsoft.com/office/officeart/2005/8/layout/orgChart1"/>
@@ -5772,6 +5833,7 @@
     <dgm:cxn modelId="{1D8EA454-F8D3-48B8-9073-B909721DFB27}" type="presOf" srcId="{AAD5DB4F-B470-4935-9FA1-84FFF055E1E1}" destId="{5AEF1B41-FBF0-46FE-8187-960FE966BE9B}" srcOrd="0" destOrd="0" presId="urn:microsoft.com/office/officeart/2005/8/layout/orgChart1"/>
     <dgm:cxn modelId="{8A5D8475-C5BE-49CE-A370-958A100D0187}" type="presOf" srcId="{275D6578-A6C0-4038-AA6E-BAF2BF3B0470}" destId="{E51E6F38-46A5-4263-9055-A1AEB09CD03A}" srcOrd="0" destOrd="0" presId="urn:microsoft.com/office/officeart/2005/8/layout/orgChart1"/>
     <dgm:cxn modelId="{1BF18675-A16D-4D0C-BADC-AAC113CA5A7F}" srcId="{699BA473-F873-45AA-B189-953810E2DF46}" destId="{B68228D5-E8AB-45BD-85B3-DF6E154CDD75}" srcOrd="2" destOrd="0" parTransId="{12061413-849C-439D-80D3-1B412E8CC481}" sibTransId="{ECDD9C4A-EABA-4C1A-866D-E5F92661BE3A}"/>
+    <dgm:cxn modelId="{4D56BF75-5B36-4CD8-AD03-0FA8614F1E4C}" type="presOf" srcId="{3D15BE56-AFAD-4B58-BD3F-CB36E91FB610}" destId="{236A73DA-2C5E-4770-8B12-0B78831A5811}" srcOrd="0" destOrd="0" presId="urn:microsoft.com/office/officeart/2005/8/layout/orgChart1"/>
     <dgm:cxn modelId="{9FF62076-1F1A-4084-AAA7-072CA3EACCE5}" type="presOf" srcId="{4FF4BF5F-3F45-45E5-8D0C-544859DC92B0}" destId="{548C28C3-812E-4FC5-99B3-54A70C6632DD}" srcOrd="1" destOrd="0" presId="urn:microsoft.com/office/officeart/2005/8/layout/orgChart1"/>
     <dgm:cxn modelId="{16A2AA76-1B7B-4671-B567-B4540C5EED28}" type="presOf" srcId="{1BC0C24F-9DAF-4F2A-95F6-46075020B387}" destId="{1AB339BF-AEF8-4B66-A00F-ED2D7B5BF99B}" srcOrd="1" destOrd="0" presId="urn:microsoft.com/office/officeart/2005/8/layout/orgChart1"/>
     <dgm:cxn modelId="{41F5CC56-BA3F-4C76-AFDC-F7CA24C23DE5}" type="presOf" srcId="{CE4BCB29-7ECB-4DF5-9F6D-BBBBB5550BEB}" destId="{350A869D-338A-4BE8-A39D-B669160D5E64}" srcOrd="1" destOrd="0" presId="urn:microsoft.com/office/officeart/2005/8/layout/orgChart1"/>
@@ -5827,6 +5889,7 @@
     <dgm:cxn modelId="{CD5930A6-442F-4CC5-92C3-5611671734E2}" srcId="{3BAE0D0C-FD4F-4796-A59D-7E9173A3982F}" destId="{57897E4F-B43E-4830-AA93-6F33553C8836}" srcOrd="3" destOrd="0" parTransId="{E2065B91-90FE-4BAA-8821-6AB5979139CA}" sibTransId="{9FAC547E-244F-4115-904B-C3904A288EE1}"/>
     <dgm:cxn modelId="{E86333A7-AEC0-4275-AB22-90BF85EFE291}" type="presOf" srcId="{2E07F3E9-F9E3-489C-835A-A259CF4F2EB3}" destId="{2330DF79-6759-44AF-BF5B-48DAF401A9FC}" srcOrd="0" destOrd="0" presId="urn:microsoft.com/office/officeart/2005/8/layout/orgChart1"/>
     <dgm:cxn modelId="{7F042AA9-8A1A-40CF-B0FC-1F88BEAAFB3A}" type="presOf" srcId="{F73A923B-5235-4BDC-8BC7-80E4E3359E18}" destId="{5DA3D279-EDB4-4A21-B151-50DAF797E237}" srcOrd="1" destOrd="0" presId="urn:microsoft.com/office/officeart/2005/8/layout/orgChart1"/>
+    <dgm:cxn modelId="{2AD676AA-86F2-4AD2-82D9-D5CE56D2EBB8}" type="presOf" srcId="{3D15BE56-AFAD-4B58-BD3F-CB36E91FB610}" destId="{6999216C-3888-4979-8CDB-B2033CFD1E44}" srcOrd="1" destOrd="0" presId="urn:microsoft.com/office/officeart/2005/8/layout/orgChart1"/>
     <dgm:cxn modelId="{314FADAB-62B3-45BB-A8DF-29BB46297B14}" type="presOf" srcId="{3EBB3AF4-834B-4DA5-9346-169CC5FA8B6C}" destId="{16878670-2316-40C8-BBED-5A791E94C876}" srcOrd="0" destOrd="0" presId="urn:microsoft.com/office/officeart/2005/8/layout/orgChart1"/>
     <dgm:cxn modelId="{4F3074AC-C3ED-4410-9A3A-6F7F5AD8A354}" type="presOf" srcId="{3BAE0D0C-FD4F-4796-A59D-7E9173A3982F}" destId="{8129062A-9CFC-4A36-97CB-E1A7268C2F73}" srcOrd="1" destOrd="0" presId="urn:microsoft.com/office/officeart/2005/8/layout/orgChart1"/>
     <dgm:cxn modelId="{22865AAD-2729-41EE-9C74-C46DBD6D3D88}" type="presOf" srcId="{73BDB8CB-FD3D-428C-BDF6-B53E9FF51360}" destId="{8B0677EB-6953-47E5-8009-4399C01D45A6}" srcOrd="0" destOrd="0" presId="urn:microsoft.com/office/officeart/2005/8/layout/orgChart1"/>
@@ -6327,6 +6390,13 @@
     <dgm:cxn modelId="{B39CB904-0F68-482F-8878-B707A992BB9E}" type="presParOf" srcId="{A3F978AF-9FB4-4C53-8156-B0B05752F0FF}" destId="{F0931E07-0F79-480E-BC9F-CEB3ED830761}" srcOrd="1" destOrd="0" presId="urn:microsoft.com/office/officeart/2005/8/layout/orgChart1"/>
     <dgm:cxn modelId="{168CA8F9-051E-497D-A2A2-93622D756621}" type="presParOf" srcId="{6C481950-A71B-4C0B-BBC2-A7A0C4195FCC}" destId="{7FCE3646-4724-487D-9753-C52425A2BC63}" srcOrd="1" destOrd="0" presId="urn:microsoft.com/office/officeart/2005/8/layout/orgChart1"/>
     <dgm:cxn modelId="{6DB8029E-FF52-410D-8052-F9CECA013A6A}" type="presParOf" srcId="{6C481950-A71B-4C0B-BBC2-A7A0C4195FCC}" destId="{737F5442-EE07-40E2-96EF-B19DFB55FA54}" srcOrd="2" destOrd="0" presId="urn:microsoft.com/office/officeart/2005/8/layout/orgChart1"/>
+    <dgm:cxn modelId="{0C963362-0A86-4DAD-9C8F-ADE83ACB67F2}" type="presParOf" srcId="{5EC6A3F3-8F3E-48A3-B85A-3E33A3359678}" destId="{CC608544-BDE0-424A-9655-F4F5F727C8D0}" srcOrd="8" destOrd="0" presId="urn:microsoft.com/office/officeart/2005/8/layout/orgChart1"/>
+    <dgm:cxn modelId="{B217A12B-AD57-4810-808C-836CA26229E6}" type="presParOf" srcId="{5EC6A3F3-8F3E-48A3-B85A-3E33A3359678}" destId="{1C0347F2-CBB5-4F0A-AC21-20563074731C}" srcOrd="9" destOrd="0" presId="urn:microsoft.com/office/officeart/2005/8/layout/orgChart1"/>
+    <dgm:cxn modelId="{E2E9FF14-2975-4D61-9FD8-3054F3A214DA}" type="presParOf" srcId="{1C0347F2-CBB5-4F0A-AC21-20563074731C}" destId="{F6130273-EB41-4544-AF65-C70C2465C60A}" srcOrd="0" destOrd="0" presId="urn:microsoft.com/office/officeart/2005/8/layout/orgChart1"/>
+    <dgm:cxn modelId="{D1868698-8BE8-4FFD-B28F-766F1EAF0539}" type="presParOf" srcId="{F6130273-EB41-4544-AF65-C70C2465C60A}" destId="{236A73DA-2C5E-4770-8B12-0B78831A5811}" srcOrd="0" destOrd="0" presId="urn:microsoft.com/office/officeart/2005/8/layout/orgChart1"/>
+    <dgm:cxn modelId="{4FEC823E-BC9C-40C8-A36B-02B394B2AEE6}" type="presParOf" srcId="{F6130273-EB41-4544-AF65-C70C2465C60A}" destId="{6999216C-3888-4979-8CDB-B2033CFD1E44}" srcOrd="1" destOrd="0" presId="urn:microsoft.com/office/officeart/2005/8/layout/orgChart1"/>
+    <dgm:cxn modelId="{3198FCA6-57FB-4CD3-AC7B-4ACF5BC0057D}" type="presParOf" srcId="{1C0347F2-CBB5-4F0A-AC21-20563074731C}" destId="{73B96ECB-F100-4846-ACC4-5B2760C68428}" srcOrd="1" destOrd="0" presId="urn:microsoft.com/office/officeart/2005/8/layout/orgChart1"/>
+    <dgm:cxn modelId="{30837709-2AE2-4F9C-BAA9-15F151A857FF}" type="presParOf" srcId="{1C0347F2-CBB5-4F0A-AC21-20563074731C}" destId="{7ACC5FC8-39A2-428F-97B1-F871F8216A98}" srcOrd="2" destOrd="0" presId="urn:microsoft.com/office/officeart/2005/8/layout/orgChart1"/>
     <dgm:cxn modelId="{78517B2B-1423-40A1-82B2-61822BB11B35}" type="presParOf" srcId="{2A641BF4-BB02-4390-88F4-D099BFDC28CF}" destId="{AEE51843-F6AA-432F-8952-AFFCB8D1881F}" srcOrd="14" destOrd="0" presId="urn:microsoft.com/office/officeart/2005/8/layout/orgChart1"/>
     <dgm:cxn modelId="{C3643415-5A48-47C3-9F0B-F37D805D514B}" type="presParOf" srcId="{2A641BF4-BB02-4390-88F4-D099BFDC28CF}" destId="{F0FC6E96-5EA4-437E-B7C5-18469F139427}" srcOrd="15" destOrd="0" presId="urn:microsoft.com/office/officeart/2005/8/layout/orgChart1"/>
     <dgm:cxn modelId="{9F3AEF9F-8BA3-44A7-B90F-2026505397A7}" type="presParOf" srcId="{F0FC6E96-5EA4-437E-B7C5-18469F139427}" destId="{36A9E861-FA8C-4FA9-91EA-4F7F17E69A16}" srcOrd="0" destOrd="0" presId="urn:microsoft.com/office/officeart/2005/8/layout/orgChart1"/>
@@ -6374,8 +6444,8 @@
       </dsp:nvSpPr>
       <dsp:spPr>
         <a:xfrm>
-          <a:off x="10895410" y="10187827"/>
-          <a:ext cx="91440" cy="303943"/>
+          <a:off x="10850893" y="9807817"/>
+          <a:ext cx="91440" cy="292660"/>
         </a:xfrm>
         <a:custGeom>
           <a:avLst/>
@@ -6389,10 +6459,10 @@
                 <a:pt x="45720" y="0"/>
               </a:moveTo>
               <a:lnTo>
-                <a:pt x="45720" y="303943"/>
+                <a:pt x="45720" y="292660"/>
               </a:lnTo>
               <a:lnTo>
-                <a:pt x="115098" y="303943"/>
+                <a:pt x="112522" y="292660"/>
               </a:lnTo>
             </a:path>
           </a:pathLst>
@@ -6433,8 +6503,8 @@
       </dsp:nvSpPr>
       <dsp:spPr>
         <a:xfrm>
-          <a:off x="10826031" y="10187827"/>
-          <a:ext cx="91440" cy="303943"/>
+          <a:off x="10784090" y="9807817"/>
+          <a:ext cx="91440" cy="292660"/>
         </a:xfrm>
         <a:custGeom>
           <a:avLst/>
@@ -6445,13 +6515,13 @@
           <a:pathLst>
             <a:path>
               <a:moveTo>
-                <a:pt x="115098" y="0"/>
+                <a:pt x="112522" y="0"/>
               </a:moveTo>
               <a:lnTo>
-                <a:pt x="115098" y="303943"/>
+                <a:pt x="112522" y="292660"/>
               </a:lnTo>
               <a:lnTo>
-                <a:pt x="45720" y="303943"/>
+                <a:pt x="45720" y="292660"/>
               </a:lnTo>
             </a:path>
           </a:pathLst>
@@ -6492,8 +6562,8 @@
       </dsp:nvSpPr>
       <dsp:spPr>
         <a:xfrm>
-          <a:off x="10141627" y="336106"/>
-          <a:ext cx="469129" cy="9686534"/>
+          <a:off x="10126788" y="321795"/>
+          <a:ext cx="451715" cy="9326966"/>
         </a:xfrm>
         <a:custGeom>
           <a:avLst/>
@@ -6507,10 +6577,10 @@
                 <a:pt x="0" y="0"/>
               </a:moveTo>
               <a:lnTo>
-                <a:pt x="0" y="9686534"/>
+                <a:pt x="0" y="9326966"/>
               </a:lnTo>
               <a:lnTo>
-                <a:pt x="469129" y="9686534"/>
+                <a:pt x="451715" y="9326966"/>
               </a:lnTo>
             </a:path>
           </a:pathLst>
@@ -6544,15 +6614,15 @@
         <a:fontRef idx="minor"/>
       </dsp:style>
     </dsp:sp>
-    <dsp:sp modelId="{A6492050-AD4D-4B12-9A72-6D05C695338D}">
+    <dsp:sp modelId="{CC608544-BDE0-424A-9655-F4F5F727C8D0}">
       <dsp:nvSpPr>
         <dsp:cNvPr id="0" name=""/>
         <dsp:cNvSpPr/>
       </dsp:nvSpPr>
       <dsp:spPr>
         <a:xfrm>
-          <a:off x="8896654" y="10656957"/>
-          <a:ext cx="91440" cy="1242202"/>
+          <a:off x="8135424" y="10259532"/>
+          <a:ext cx="836627" cy="1647806"/>
         </a:xfrm>
         <a:custGeom>
           <a:avLst/>
@@ -6563,13 +6633,13 @@
           <a:pathLst>
             <a:path>
               <a:moveTo>
-                <a:pt x="45720" y="0"/>
+                <a:pt x="836627" y="0"/>
               </a:moveTo>
               <a:lnTo>
-                <a:pt x="45720" y="1242202"/>
+                <a:pt x="836627" y="1647806"/>
               </a:lnTo>
               <a:lnTo>
-                <a:pt x="115098" y="1242202"/>
+                <a:pt x="0" y="1647806"/>
               </a:lnTo>
             </a:path>
           </a:pathLst>
@@ -6603,15 +6673,15 @@
         <a:fontRef idx="minor"/>
       </dsp:style>
     </dsp:sp>
-    <dsp:sp modelId="{1EF3E330-73CC-4E78-8DC5-3F377E80D151}">
+    <dsp:sp modelId="{A6492050-AD4D-4B12-9A72-6D05C695338D}">
       <dsp:nvSpPr>
         <dsp:cNvPr id="0" name=""/>
         <dsp:cNvSpPr/>
       </dsp:nvSpPr>
       <dsp:spPr>
         <a:xfrm>
-          <a:off x="8073493" y="10656957"/>
-          <a:ext cx="868880" cy="1242202"/>
+          <a:off x="8926331" y="10259532"/>
+          <a:ext cx="91440" cy="1196091"/>
         </a:xfrm>
         <a:custGeom>
           <a:avLst/>
@@ -6622,13 +6692,13 @@
           <a:pathLst>
             <a:path>
               <a:moveTo>
-                <a:pt x="868880" y="0"/>
+                <a:pt x="45720" y="0"/>
               </a:moveTo>
               <a:lnTo>
-                <a:pt x="868880" y="1242202"/>
+                <a:pt x="45720" y="1196091"/>
               </a:lnTo>
               <a:lnTo>
-                <a:pt x="0" y="1242202"/>
+                <a:pt x="112522" y="1196091"/>
               </a:lnTo>
             </a:path>
           </a:pathLst>
@@ -6662,15 +6732,15 @@
         <a:fontRef idx="minor"/>
       </dsp:style>
     </dsp:sp>
-    <dsp:sp modelId="{BDA28D1B-5E27-408D-ADF1-346C4D9E7E8B}">
+    <dsp:sp modelId="{1EF3E330-73CC-4E78-8DC5-3F377E80D151}">
       <dsp:nvSpPr>
         <dsp:cNvPr id="0" name=""/>
         <dsp:cNvSpPr/>
       </dsp:nvSpPr>
       <dsp:spPr>
         <a:xfrm>
-          <a:off x="8896654" y="10656957"/>
-          <a:ext cx="91440" cy="303943"/>
+          <a:off x="8135424" y="10259532"/>
+          <a:ext cx="836627" cy="1196091"/>
         </a:xfrm>
         <a:custGeom>
           <a:avLst/>
@@ -6681,13 +6751,13 @@
           <a:pathLst>
             <a:path>
               <a:moveTo>
-                <a:pt x="45720" y="0"/>
+                <a:pt x="836627" y="0"/>
               </a:moveTo>
               <a:lnTo>
-                <a:pt x="45720" y="303943"/>
+                <a:pt x="836627" y="1196091"/>
               </a:lnTo>
               <a:lnTo>
-                <a:pt x="115098" y="303943"/>
+                <a:pt x="0" y="1196091"/>
               </a:lnTo>
             </a:path>
           </a:pathLst>
@@ -6721,15 +6791,15 @@
         <a:fontRef idx="minor"/>
       </dsp:style>
     </dsp:sp>
-    <dsp:sp modelId="{ED0EE91A-D88C-401A-B1BC-37FAB8D6E27D}">
+    <dsp:sp modelId="{BDA28D1B-5E27-408D-ADF1-346C4D9E7E8B}">
       <dsp:nvSpPr>
         <dsp:cNvPr id="0" name=""/>
         <dsp:cNvSpPr/>
       </dsp:nvSpPr>
       <dsp:spPr>
         <a:xfrm>
-          <a:off x="8097151" y="11126086"/>
-          <a:ext cx="91440" cy="303943"/>
+          <a:off x="8926331" y="10259532"/>
+          <a:ext cx="91440" cy="292660"/>
         </a:xfrm>
         <a:custGeom>
           <a:avLst/>
@@ -6743,10 +6813,10 @@
                 <a:pt x="45720" y="0"/>
               </a:moveTo>
               <a:lnTo>
-                <a:pt x="45720" y="303943"/>
+                <a:pt x="45720" y="292660"/>
               </a:lnTo>
               <a:lnTo>
-                <a:pt x="115098" y="303943"/>
+                <a:pt x="112522" y="292660"/>
               </a:lnTo>
             </a:path>
           </a:pathLst>
@@ -6780,15 +6850,15 @@
         <a:fontRef idx="minor"/>
       </dsp:style>
     </dsp:sp>
-    <dsp:sp modelId="{DF9F2D93-50D6-46DF-BA42-27D50139A81C}">
+    <dsp:sp modelId="{ED0EE91A-D88C-401A-B1BC-37FAB8D6E27D}">
       <dsp:nvSpPr>
         <dsp:cNvPr id="0" name=""/>
         <dsp:cNvSpPr/>
       </dsp:nvSpPr>
       <dsp:spPr>
         <a:xfrm>
-          <a:off x="8027773" y="11126086"/>
-          <a:ext cx="91440" cy="303943"/>
+          <a:off x="8156507" y="10711247"/>
+          <a:ext cx="91440" cy="292660"/>
         </a:xfrm>
         <a:custGeom>
           <a:avLst/>
@@ -6799,13 +6869,13 @@
           <a:pathLst>
             <a:path>
               <a:moveTo>
-                <a:pt x="115098" y="0"/>
+                <a:pt x="45720" y="0"/>
               </a:moveTo>
               <a:lnTo>
-                <a:pt x="115098" y="303943"/>
+                <a:pt x="45720" y="292660"/>
               </a:lnTo>
               <a:lnTo>
-                <a:pt x="45720" y="303943"/>
+                <a:pt x="112522" y="292660"/>
               </a:lnTo>
             </a:path>
           </a:pathLst>
@@ -6839,15 +6909,15 @@
         <a:fontRef idx="minor"/>
       </dsp:style>
     </dsp:sp>
-    <dsp:sp modelId="{A6639C85-56A8-4AE3-B0C5-F31D10FCF777}">
+    <dsp:sp modelId="{DF9F2D93-50D6-46DF-BA42-27D50139A81C}">
       <dsp:nvSpPr>
         <dsp:cNvPr id="0" name=""/>
         <dsp:cNvSpPr/>
       </dsp:nvSpPr>
       <dsp:spPr>
         <a:xfrm>
-          <a:off x="8473244" y="10656957"/>
-          <a:ext cx="469129" cy="303943"/>
+          <a:off x="8089704" y="10711247"/>
+          <a:ext cx="91440" cy="292660"/>
         </a:xfrm>
         <a:custGeom>
           <a:avLst/>
@@ -6858,13 +6928,13 @@
           <a:pathLst>
             <a:path>
               <a:moveTo>
-                <a:pt x="469129" y="0"/>
+                <a:pt x="112522" y="0"/>
               </a:moveTo>
               <a:lnTo>
-                <a:pt x="469129" y="303943"/>
+                <a:pt x="112522" y="292660"/>
               </a:lnTo>
               <a:lnTo>
-                <a:pt x="0" y="303943"/>
+                <a:pt x="45720" y="292660"/>
               </a:lnTo>
             </a:path>
           </a:pathLst>
@@ -6898,15 +6968,15 @@
         <a:fontRef idx="minor"/>
       </dsp:style>
     </dsp:sp>
-    <dsp:sp modelId="{4D2C059A-1D49-4E71-BF07-F2074FFA2255}">
+    <dsp:sp modelId="{A6639C85-56A8-4AE3-B0C5-F31D10FCF777}">
       <dsp:nvSpPr>
         <dsp:cNvPr id="0" name=""/>
         <dsp:cNvSpPr/>
       </dsp:nvSpPr>
       <dsp:spPr>
         <a:xfrm>
-          <a:off x="9272746" y="10187827"/>
-          <a:ext cx="469129" cy="303943"/>
+          <a:off x="8520336" y="10259532"/>
+          <a:ext cx="451715" cy="292660"/>
         </a:xfrm>
         <a:custGeom>
           <a:avLst/>
@@ -6917,13 +6987,72 @@
           <a:pathLst>
             <a:path>
               <a:moveTo>
-                <a:pt x="469129" y="0"/>
+                <a:pt x="451715" y="0"/>
               </a:moveTo>
               <a:lnTo>
-                <a:pt x="469129" y="303943"/>
+                <a:pt x="451715" y="292660"/>
               </a:lnTo>
               <a:lnTo>
-                <a:pt x="0" y="303943"/>
+                <a:pt x="0" y="292660"/>
+              </a:lnTo>
+            </a:path>
+          </a:pathLst>
+        </a:custGeom>
+        <a:noFill/>
+        <a:ln w="19050" cap="flat" cmpd="sng" algn="ctr">
+          <a:solidFill>
+            <a:schemeClr val="accent1">
+              <a:tint val="50000"/>
+              <a:hueOff val="0"/>
+              <a:satOff val="0"/>
+              <a:lumOff val="0"/>
+              <a:alphaOff val="0"/>
+            </a:schemeClr>
+          </a:solidFill>
+          <a:prstDash val="solid"/>
+          <a:miter lim="800000"/>
+        </a:ln>
+        <a:effectLst/>
+      </dsp:spPr>
+      <dsp:style>
+        <a:lnRef idx="2">
+          <a:scrgbClr r="0" g="0" b="0"/>
+        </a:lnRef>
+        <a:fillRef idx="0">
+          <a:scrgbClr r="0" g="0" b="0"/>
+        </a:fillRef>
+        <a:effectRef idx="0">
+          <a:scrgbClr r="0" g="0" b="0"/>
+        </a:effectRef>
+        <a:fontRef idx="minor"/>
+      </dsp:style>
+    </dsp:sp>
+    <dsp:sp modelId="{4D2C059A-1D49-4E71-BF07-F2074FFA2255}">
+      <dsp:nvSpPr>
+        <dsp:cNvPr id="0" name=""/>
+        <dsp:cNvSpPr/>
+      </dsp:nvSpPr>
+      <dsp:spPr>
+        <a:xfrm>
+          <a:off x="9290161" y="9807817"/>
+          <a:ext cx="451715" cy="292660"/>
+        </a:xfrm>
+        <a:custGeom>
+          <a:avLst/>
+          <a:gdLst/>
+          <a:ahLst/>
+          <a:cxnLst/>
+          <a:rect l="0" t="0" r="0" b="0"/>
+          <a:pathLst>
+            <a:path>
+              <a:moveTo>
+                <a:pt x="451715" y="0"/>
+              </a:moveTo>
+              <a:lnTo>
+                <a:pt x="451715" y="292660"/>
+              </a:lnTo>
+              <a:lnTo>
+                <a:pt x="0" y="292660"/>
               </a:lnTo>
             </a:path>
           </a:pathLst>
@@ -6964,8 +7093,8 @@
       </dsp:nvSpPr>
       <dsp:spPr>
         <a:xfrm>
-          <a:off x="10026529" y="336106"/>
-          <a:ext cx="91440" cy="9686534"/>
+          <a:off x="10014265" y="321795"/>
+          <a:ext cx="91440" cy="9326966"/>
         </a:xfrm>
         <a:custGeom>
           <a:avLst/>
@@ -6976,13 +7105,13 @@
           <a:pathLst>
             <a:path>
               <a:moveTo>
-                <a:pt x="115098" y="0"/>
+                <a:pt x="112522" y="0"/>
               </a:moveTo>
               <a:lnTo>
-                <a:pt x="115098" y="9686534"/>
+                <a:pt x="112522" y="9326966"/>
               </a:lnTo>
               <a:lnTo>
-                <a:pt x="45720" y="9686534"/>
+                <a:pt x="45720" y="9326966"/>
               </a:lnTo>
             </a:path>
           </a:pathLst>
@@ -7023,8 +7152,8 @@
       </dsp:nvSpPr>
       <dsp:spPr>
         <a:xfrm>
-          <a:off x="10826031" y="8311309"/>
-          <a:ext cx="91440" cy="1242202"/>
+          <a:off x="10784090" y="8000955"/>
+          <a:ext cx="91440" cy="1196091"/>
         </a:xfrm>
         <a:custGeom>
           <a:avLst/>
@@ -7035,13 +7164,13 @@
           <a:pathLst>
             <a:path>
               <a:moveTo>
-                <a:pt x="115098" y="0"/>
+                <a:pt x="112522" y="0"/>
               </a:moveTo>
               <a:lnTo>
-                <a:pt x="115098" y="1242202"/>
+                <a:pt x="112522" y="1196091"/>
               </a:lnTo>
               <a:lnTo>
-                <a:pt x="45720" y="1242202"/>
+                <a:pt x="45720" y="1196091"/>
               </a:lnTo>
             </a:path>
           </a:pathLst>
@@ -7082,8 +7211,8 @@
       </dsp:nvSpPr>
       <dsp:spPr>
         <a:xfrm>
-          <a:off x="10895410" y="8311309"/>
-          <a:ext cx="91440" cy="773072"/>
+          <a:off x="10850893" y="8000955"/>
+          <a:ext cx="91440" cy="744375"/>
         </a:xfrm>
         <a:custGeom>
           <a:avLst/>
@@ -7097,10 +7226,10 @@
                 <a:pt x="45720" y="0"/>
               </a:moveTo>
               <a:lnTo>
-                <a:pt x="45720" y="773072"/>
+                <a:pt x="45720" y="744375"/>
               </a:lnTo>
               <a:lnTo>
-                <a:pt x="115098" y="773072"/>
+                <a:pt x="112522" y="744375"/>
               </a:lnTo>
             </a:path>
           </a:pathLst>
@@ -7141,8 +7270,8 @@
       </dsp:nvSpPr>
       <dsp:spPr>
         <a:xfrm>
-          <a:off x="10826031" y="8311309"/>
-          <a:ext cx="91440" cy="773072"/>
+          <a:off x="10784090" y="8000955"/>
+          <a:ext cx="91440" cy="744375"/>
         </a:xfrm>
         <a:custGeom>
           <a:avLst/>
@@ -7153,13 +7282,13 @@
           <a:pathLst>
             <a:path>
               <a:moveTo>
-                <a:pt x="115098" y="0"/>
+                <a:pt x="112522" y="0"/>
               </a:moveTo>
               <a:lnTo>
-                <a:pt x="115098" y="773072"/>
+                <a:pt x="112522" y="744375"/>
               </a:lnTo>
               <a:lnTo>
-                <a:pt x="45720" y="773072"/>
+                <a:pt x="45720" y="744375"/>
               </a:lnTo>
             </a:path>
           </a:pathLst>
@@ -7200,8 +7329,8 @@
       </dsp:nvSpPr>
       <dsp:spPr>
         <a:xfrm>
-          <a:off x="10895410" y="8311309"/>
-          <a:ext cx="91440" cy="303943"/>
+          <a:off x="10850893" y="8000955"/>
+          <a:ext cx="91440" cy="292660"/>
         </a:xfrm>
         <a:custGeom>
           <a:avLst/>
@@ -7215,10 +7344,10 @@
                 <a:pt x="45720" y="0"/>
               </a:moveTo>
               <a:lnTo>
-                <a:pt x="45720" y="303943"/>
+                <a:pt x="45720" y="292660"/>
               </a:lnTo>
               <a:lnTo>
-                <a:pt x="115098" y="303943"/>
+                <a:pt x="112522" y="292660"/>
               </a:lnTo>
             </a:path>
           </a:pathLst>
@@ -7259,8 +7388,8 @@
       </dsp:nvSpPr>
       <dsp:spPr>
         <a:xfrm>
-          <a:off x="10826031" y="8311309"/>
-          <a:ext cx="91440" cy="303943"/>
+          <a:off x="10784090" y="8000955"/>
+          <a:ext cx="91440" cy="292660"/>
         </a:xfrm>
         <a:custGeom>
           <a:avLst/>
@@ -7271,13 +7400,13 @@
           <a:pathLst>
             <a:path>
               <a:moveTo>
-                <a:pt x="115098" y="0"/>
+                <a:pt x="112522" y="0"/>
               </a:moveTo>
               <a:lnTo>
-                <a:pt x="115098" y="303943"/>
+                <a:pt x="112522" y="292660"/>
               </a:lnTo>
               <a:lnTo>
-                <a:pt x="45720" y="303943"/>
+                <a:pt x="45720" y="292660"/>
               </a:lnTo>
             </a:path>
           </a:pathLst>
@@ -7318,8 +7447,8 @@
       </dsp:nvSpPr>
       <dsp:spPr>
         <a:xfrm>
-          <a:off x="11271503" y="7842179"/>
-          <a:ext cx="469129" cy="303943"/>
+          <a:off x="11214722" y="7549240"/>
+          <a:ext cx="451715" cy="292660"/>
         </a:xfrm>
         <a:custGeom>
           <a:avLst/>
@@ -7330,13 +7459,13 @@
           <a:pathLst>
             <a:path>
               <a:moveTo>
-                <a:pt x="469129" y="0"/>
+                <a:pt x="451715" y="0"/>
               </a:moveTo>
               <a:lnTo>
-                <a:pt x="469129" y="303943"/>
+                <a:pt x="451715" y="292660"/>
               </a:lnTo>
               <a:lnTo>
-                <a:pt x="0" y="303943"/>
+                <a:pt x="0" y="292660"/>
               </a:lnTo>
             </a:path>
           </a:pathLst>
@@ -7377,8 +7506,8 @@
       </dsp:nvSpPr>
       <dsp:spPr>
         <a:xfrm>
-          <a:off x="10141627" y="336106"/>
-          <a:ext cx="1268632" cy="7340886"/>
+          <a:off x="10126788" y="321795"/>
+          <a:ext cx="1221539" cy="7068390"/>
         </a:xfrm>
         <a:custGeom>
           <a:avLst/>
@@ -7392,10 +7521,10 @@
                 <a:pt x="0" y="0"/>
               </a:moveTo>
               <a:lnTo>
-                <a:pt x="0" y="7340886"/>
+                <a:pt x="0" y="7068390"/>
               </a:lnTo>
               <a:lnTo>
-                <a:pt x="1268632" y="7340886"/>
+                <a:pt x="1221539" y="7068390"/>
               </a:lnTo>
             </a:path>
           </a:pathLst>
@@ -7436,8 +7565,8 @@
       </dsp:nvSpPr>
       <dsp:spPr>
         <a:xfrm>
-          <a:off x="8097151" y="7842179"/>
-          <a:ext cx="91440" cy="773072"/>
+          <a:off x="8156507" y="7549240"/>
+          <a:ext cx="91440" cy="744375"/>
         </a:xfrm>
         <a:custGeom>
           <a:avLst/>
@@ -7451,10 +7580,10 @@
                 <a:pt x="45720" y="0"/>
               </a:moveTo>
               <a:lnTo>
-                <a:pt x="45720" y="773072"/>
+                <a:pt x="45720" y="744375"/>
               </a:lnTo>
               <a:lnTo>
-                <a:pt x="115098" y="773072"/>
+                <a:pt x="112522" y="744375"/>
               </a:lnTo>
             </a:path>
           </a:pathLst>
@@ -7495,8 +7624,8 @@
       </dsp:nvSpPr>
       <dsp:spPr>
         <a:xfrm>
-          <a:off x="8027773" y="7842179"/>
-          <a:ext cx="91440" cy="773072"/>
+          <a:off x="8089704" y="7549240"/>
+          <a:ext cx="91440" cy="744375"/>
         </a:xfrm>
         <a:custGeom>
           <a:avLst/>
@@ -7507,13 +7636,13 @@
           <a:pathLst>
             <a:path>
               <a:moveTo>
-                <a:pt x="115098" y="0"/>
+                <a:pt x="112522" y="0"/>
               </a:moveTo>
               <a:lnTo>
-                <a:pt x="115098" y="773072"/>
+                <a:pt x="112522" y="744375"/>
               </a:lnTo>
               <a:lnTo>
-                <a:pt x="45720" y="773072"/>
+                <a:pt x="45720" y="744375"/>
               </a:lnTo>
             </a:path>
           </a:pathLst>
@@ -7554,8 +7683,8 @@
       </dsp:nvSpPr>
       <dsp:spPr>
         <a:xfrm>
-          <a:off x="8097151" y="7842179"/>
-          <a:ext cx="91440" cy="303943"/>
+          <a:off x="8156507" y="7549240"/>
+          <a:ext cx="91440" cy="292660"/>
         </a:xfrm>
         <a:custGeom>
           <a:avLst/>
@@ -7569,10 +7698,10 @@
                 <a:pt x="45720" y="0"/>
               </a:moveTo>
               <a:lnTo>
-                <a:pt x="45720" y="303943"/>
+                <a:pt x="45720" y="292660"/>
               </a:lnTo>
               <a:lnTo>
-                <a:pt x="115098" y="303943"/>
+                <a:pt x="112522" y="292660"/>
               </a:lnTo>
             </a:path>
           </a:pathLst>
@@ -7613,8 +7742,8 @@
       </dsp:nvSpPr>
       <dsp:spPr>
         <a:xfrm>
-          <a:off x="8027773" y="7842179"/>
-          <a:ext cx="91440" cy="303943"/>
+          <a:off x="8089704" y="7549240"/>
+          <a:ext cx="91440" cy="292660"/>
         </a:xfrm>
         <a:custGeom>
           <a:avLst/>
@@ -7625,13 +7754,13 @@
           <a:pathLst>
             <a:path>
               <a:moveTo>
-                <a:pt x="115098" y="0"/>
+                <a:pt x="112522" y="0"/>
               </a:moveTo>
               <a:lnTo>
-                <a:pt x="115098" y="303943"/>
+                <a:pt x="112522" y="292660"/>
               </a:lnTo>
               <a:lnTo>
-                <a:pt x="45720" y="303943"/>
+                <a:pt x="45720" y="292660"/>
               </a:lnTo>
             </a:path>
           </a:pathLst>
@@ -7672,8 +7801,8 @@
       </dsp:nvSpPr>
       <dsp:spPr>
         <a:xfrm>
-          <a:off x="8473244" y="336106"/>
-          <a:ext cx="1668383" cy="7340886"/>
+          <a:off x="8520336" y="321795"/>
+          <a:ext cx="1606452" cy="7068390"/>
         </a:xfrm>
         <a:custGeom>
           <a:avLst/>
@@ -7684,13 +7813,13 @@
           <a:pathLst>
             <a:path>
               <a:moveTo>
-                <a:pt x="1668383" y="0"/>
+                <a:pt x="1606452" y="0"/>
               </a:moveTo>
               <a:lnTo>
-                <a:pt x="1668383" y="7340886"/>
+                <a:pt x="1606452" y="7068390"/>
               </a:lnTo>
               <a:lnTo>
-                <a:pt x="0" y="7340886"/>
+                <a:pt x="0" y="7068390"/>
               </a:lnTo>
             </a:path>
           </a:pathLst>
@@ -7731,8 +7860,8 @@
       </dsp:nvSpPr>
       <dsp:spPr>
         <a:xfrm>
-          <a:off x="10895410" y="5496532"/>
-          <a:ext cx="91440" cy="1711331"/>
+          <a:off x="10850893" y="5290664"/>
+          <a:ext cx="91440" cy="1647806"/>
         </a:xfrm>
         <a:custGeom>
           <a:avLst/>
@@ -7746,10 +7875,10 @@
                 <a:pt x="45720" y="0"/>
               </a:moveTo>
               <a:lnTo>
-                <a:pt x="45720" y="1711331"/>
+                <a:pt x="45720" y="1647806"/>
               </a:lnTo>
               <a:lnTo>
-                <a:pt x="115098" y="1711331"/>
+                <a:pt x="112522" y="1647806"/>
               </a:lnTo>
             </a:path>
           </a:pathLst>
@@ -7790,8 +7919,8 @@
       </dsp:nvSpPr>
       <dsp:spPr>
         <a:xfrm>
-          <a:off x="10826031" y="5496532"/>
-          <a:ext cx="91440" cy="1711331"/>
+          <a:off x="10784090" y="5290664"/>
+          <a:ext cx="91440" cy="1647806"/>
         </a:xfrm>
         <a:custGeom>
           <a:avLst/>
@@ -7802,13 +7931,13 @@
           <a:pathLst>
             <a:path>
               <a:moveTo>
-                <a:pt x="115098" y="0"/>
+                <a:pt x="112522" y="0"/>
               </a:moveTo>
               <a:lnTo>
-                <a:pt x="115098" y="1711331"/>
+                <a:pt x="112522" y="1647806"/>
               </a:lnTo>
               <a:lnTo>
-                <a:pt x="45720" y="1711331"/>
+                <a:pt x="45720" y="1647806"/>
               </a:lnTo>
             </a:path>
           </a:pathLst>
@@ -7849,8 +7978,8 @@
       </dsp:nvSpPr>
       <dsp:spPr>
         <a:xfrm>
-          <a:off x="10895410" y="5496532"/>
-          <a:ext cx="91440" cy="1242202"/>
+          <a:off x="10850893" y="5290664"/>
+          <a:ext cx="91440" cy="1196091"/>
         </a:xfrm>
         <a:custGeom>
           <a:avLst/>
@@ -7864,10 +7993,10 @@
                 <a:pt x="45720" y="0"/>
               </a:moveTo>
               <a:lnTo>
-                <a:pt x="45720" y="1242202"/>
+                <a:pt x="45720" y="1196091"/>
               </a:lnTo>
               <a:lnTo>
-                <a:pt x="115098" y="1242202"/>
+                <a:pt x="112522" y="1196091"/>
               </a:lnTo>
             </a:path>
           </a:pathLst>
@@ -7908,8 +8037,8 @@
       </dsp:nvSpPr>
       <dsp:spPr>
         <a:xfrm>
-          <a:off x="10826031" y="5496532"/>
-          <a:ext cx="91440" cy="1242202"/>
+          <a:off x="10784090" y="5290664"/>
+          <a:ext cx="91440" cy="1196091"/>
         </a:xfrm>
         <a:custGeom>
           <a:avLst/>
@@ -7920,13 +8049,13 @@
           <a:pathLst>
             <a:path>
               <a:moveTo>
-                <a:pt x="115098" y="0"/>
+                <a:pt x="112522" y="0"/>
               </a:moveTo>
               <a:lnTo>
-                <a:pt x="115098" y="1242202"/>
+                <a:pt x="112522" y="1196091"/>
               </a:lnTo>
               <a:lnTo>
-                <a:pt x="45720" y="1242202"/>
+                <a:pt x="45720" y="1196091"/>
               </a:lnTo>
             </a:path>
           </a:pathLst>
@@ -7967,8 +8096,8 @@
       </dsp:nvSpPr>
       <dsp:spPr>
         <a:xfrm>
-          <a:off x="10895410" y="5496532"/>
-          <a:ext cx="91440" cy="773072"/>
+          <a:off x="10850893" y="5290664"/>
+          <a:ext cx="91440" cy="744375"/>
         </a:xfrm>
         <a:custGeom>
           <a:avLst/>
@@ -7982,10 +8111,10 @@
                 <a:pt x="45720" y="0"/>
               </a:moveTo>
               <a:lnTo>
-                <a:pt x="45720" y="773072"/>
+                <a:pt x="45720" y="744375"/>
               </a:lnTo>
               <a:lnTo>
-                <a:pt x="115098" y="773072"/>
+                <a:pt x="112522" y="744375"/>
               </a:lnTo>
             </a:path>
           </a:pathLst>
@@ -8026,8 +8155,8 @@
       </dsp:nvSpPr>
       <dsp:spPr>
         <a:xfrm>
-          <a:off x="10826031" y="5496532"/>
-          <a:ext cx="91440" cy="773072"/>
+          <a:off x="10784090" y="5290664"/>
+          <a:ext cx="91440" cy="744375"/>
         </a:xfrm>
         <a:custGeom>
           <a:avLst/>
@@ -8038,13 +8167,13 @@
           <a:pathLst>
             <a:path>
               <a:moveTo>
-                <a:pt x="115098" y="0"/>
+                <a:pt x="112522" y="0"/>
               </a:moveTo>
               <a:lnTo>
-                <a:pt x="115098" y="773072"/>
+                <a:pt x="112522" y="744375"/>
               </a:lnTo>
               <a:lnTo>
-                <a:pt x="45720" y="773072"/>
+                <a:pt x="45720" y="744375"/>
               </a:lnTo>
             </a:path>
           </a:pathLst>
@@ -8085,8 +8214,8 @@
       </dsp:nvSpPr>
       <dsp:spPr>
         <a:xfrm>
-          <a:off x="10895410" y="5496532"/>
-          <a:ext cx="91440" cy="303943"/>
+          <a:off x="10850893" y="5290664"/>
+          <a:ext cx="91440" cy="292660"/>
         </a:xfrm>
         <a:custGeom>
           <a:avLst/>
@@ -8100,10 +8229,10 @@
                 <a:pt x="45720" y="0"/>
               </a:moveTo>
               <a:lnTo>
-                <a:pt x="45720" y="303943"/>
+                <a:pt x="45720" y="292660"/>
               </a:lnTo>
               <a:lnTo>
-                <a:pt x="115098" y="303943"/>
+                <a:pt x="112522" y="292660"/>
               </a:lnTo>
             </a:path>
           </a:pathLst>
@@ -8144,8 +8273,8 @@
       </dsp:nvSpPr>
       <dsp:spPr>
         <a:xfrm>
-          <a:off x="10826031" y="5496532"/>
-          <a:ext cx="91440" cy="303943"/>
+          <a:off x="10784090" y="5290664"/>
+          <a:ext cx="91440" cy="292660"/>
         </a:xfrm>
         <a:custGeom>
           <a:avLst/>
@@ -8156,13 +8285,13 @@
           <a:pathLst>
             <a:path>
               <a:moveTo>
-                <a:pt x="115098" y="0"/>
+                <a:pt x="112522" y="0"/>
               </a:moveTo>
               <a:lnTo>
-                <a:pt x="115098" y="303943"/>
+                <a:pt x="112522" y="292660"/>
               </a:lnTo>
               <a:lnTo>
-                <a:pt x="45720" y="303943"/>
+                <a:pt x="45720" y="292660"/>
               </a:lnTo>
             </a:path>
           </a:pathLst>
@@ -8203,8 +8332,8 @@
       </dsp:nvSpPr>
       <dsp:spPr>
         <a:xfrm>
-          <a:off x="11271503" y="5027402"/>
-          <a:ext cx="469129" cy="303943"/>
+          <a:off x="11214722" y="4838948"/>
+          <a:ext cx="451715" cy="292660"/>
         </a:xfrm>
         <a:custGeom>
           <a:avLst/>
@@ -8215,13 +8344,13 @@
           <a:pathLst>
             <a:path>
               <a:moveTo>
-                <a:pt x="469129" y="0"/>
+                <a:pt x="451715" y="0"/>
               </a:moveTo>
               <a:lnTo>
-                <a:pt x="469129" y="303943"/>
+                <a:pt x="451715" y="292660"/>
               </a:lnTo>
               <a:lnTo>
-                <a:pt x="0" y="303943"/>
+                <a:pt x="0" y="292660"/>
               </a:lnTo>
             </a:path>
           </a:pathLst>
@@ -8262,8 +8391,8 @@
       </dsp:nvSpPr>
       <dsp:spPr>
         <a:xfrm>
-          <a:off x="10141627" y="336106"/>
-          <a:ext cx="1268632" cy="4526109"/>
+          <a:off x="10126788" y="321795"/>
+          <a:ext cx="1221539" cy="4358098"/>
         </a:xfrm>
         <a:custGeom>
           <a:avLst/>
@@ -8277,10 +8406,10 @@
                 <a:pt x="0" y="0"/>
               </a:moveTo>
               <a:lnTo>
-                <a:pt x="0" y="4526109"/>
+                <a:pt x="0" y="4358098"/>
               </a:lnTo>
               <a:lnTo>
-                <a:pt x="1268632" y="4526109"/>
+                <a:pt x="1221539" y="4358098"/>
               </a:lnTo>
             </a:path>
           </a:pathLst>
@@ -8321,8 +8450,8 @@
       </dsp:nvSpPr>
       <dsp:spPr>
         <a:xfrm>
-          <a:off x="8097151" y="5496532"/>
-          <a:ext cx="91440" cy="1242202"/>
+          <a:off x="8156507" y="5290664"/>
+          <a:ext cx="91440" cy="1196091"/>
         </a:xfrm>
         <a:custGeom>
           <a:avLst/>
@@ -8336,10 +8465,10 @@
                 <a:pt x="45720" y="0"/>
               </a:moveTo>
               <a:lnTo>
-                <a:pt x="45720" y="1242202"/>
+                <a:pt x="45720" y="1196091"/>
               </a:lnTo>
               <a:lnTo>
-                <a:pt x="115098" y="1242202"/>
+                <a:pt x="112522" y="1196091"/>
               </a:lnTo>
             </a:path>
           </a:pathLst>
@@ -8380,8 +8509,8 @@
       </dsp:nvSpPr>
       <dsp:spPr>
         <a:xfrm>
-          <a:off x="8027773" y="5496532"/>
-          <a:ext cx="91440" cy="1242202"/>
+          <a:off x="8089704" y="5290664"/>
+          <a:ext cx="91440" cy="1196091"/>
         </a:xfrm>
         <a:custGeom>
           <a:avLst/>
@@ -8392,13 +8521,13 @@
           <a:pathLst>
             <a:path>
               <a:moveTo>
-                <a:pt x="115098" y="0"/>
+                <a:pt x="112522" y="0"/>
               </a:moveTo>
               <a:lnTo>
-                <a:pt x="115098" y="1242202"/>
+                <a:pt x="112522" y="1196091"/>
               </a:lnTo>
               <a:lnTo>
-                <a:pt x="45720" y="1242202"/>
+                <a:pt x="45720" y="1196091"/>
               </a:lnTo>
             </a:path>
           </a:pathLst>
@@ -8439,8 +8568,8 @@
       </dsp:nvSpPr>
       <dsp:spPr>
         <a:xfrm>
-          <a:off x="8097151" y="5496532"/>
-          <a:ext cx="91440" cy="773072"/>
+          <a:off x="8156507" y="5290664"/>
+          <a:ext cx="91440" cy="744375"/>
         </a:xfrm>
         <a:custGeom>
           <a:avLst/>
@@ -8454,10 +8583,10 @@
                 <a:pt x="45720" y="0"/>
               </a:moveTo>
               <a:lnTo>
-                <a:pt x="45720" y="773072"/>
+                <a:pt x="45720" y="744375"/>
               </a:lnTo>
               <a:lnTo>
-                <a:pt x="115098" y="773072"/>
+                <a:pt x="112522" y="744375"/>
               </a:lnTo>
             </a:path>
           </a:pathLst>
@@ -8498,8 +8627,8 @@
       </dsp:nvSpPr>
       <dsp:spPr>
         <a:xfrm>
-          <a:off x="8027773" y="5496532"/>
-          <a:ext cx="91440" cy="773072"/>
+          <a:off x="8089704" y="5290664"/>
+          <a:ext cx="91440" cy="744375"/>
         </a:xfrm>
         <a:custGeom>
           <a:avLst/>
@@ -8510,13 +8639,13 @@
           <a:pathLst>
             <a:path>
               <a:moveTo>
-                <a:pt x="115098" y="0"/>
+                <a:pt x="112522" y="0"/>
               </a:moveTo>
               <a:lnTo>
-                <a:pt x="115098" y="773072"/>
+                <a:pt x="112522" y="744375"/>
               </a:lnTo>
               <a:lnTo>
-                <a:pt x="45720" y="773072"/>
+                <a:pt x="45720" y="744375"/>
               </a:lnTo>
             </a:path>
           </a:pathLst>
@@ -8557,8 +8686,8 @@
       </dsp:nvSpPr>
       <dsp:spPr>
         <a:xfrm>
-          <a:off x="8097151" y="5496532"/>
-          <a:ext cx="91440" cy="303943"/>
+          <a:off x="8156507" y="5290664"/>
+          <a:ext cx="91440" cy="292660"/>
         </a:xfrm>
         <a:custGeom>
           <a:avLst/>
@@ -8572,10 +8701,10 @@
                 <a:pt x="45720" y="0"/>
               </a:moveTo>
               <a:lnTo>
-                <a:pt x="45720" y="303943"/>
+                <a:pt x="45720" y="292660"/>
               </a:lnTo>
               <a:lnTo>
-                <a:pt x="115098" y="303943"/>
+                <a:pt x="112522" y="292660"/>
               </a:lnTo>
             </a:path>
           </a:pathLst>
@@ -8616,8 +8745,8 @@
       </dsp:nvSpPr>
       <dsp:spPr>
         <a:xfrm>
-          <a:off x="8027773" y="5496532"/>
-          <a:ext cx="91440" cy="303943"/>
+          <a:off x="8089704" y="5290664"/>
+          <a:ext cx="91440" cy="292660"/>
         </a:xfrm>
         <a:custGeom>
           <a:avLst/>
@@ -8628,13 +8757,13 @@
           <a:pathLst>
             <a:path>
               <a:moveTo>
-                <a:pt x="115098" y="0"/>
+                <a:pt x="112522" y="0"/>
               </a:moveTo>
               <a:lnTo>
-                <a:pt x="115098" y="303943"/>
+                <a:pt x="112522" y="292660"/>
               </a:lnTo>
               <a:lnTo>
-                <a:pt x="45720" y="303943"/>
+                <a:pt x="45720" y="292660"/>
               </a:lnTo>
             </a:path>
           </a:pathLst>
@@ -8675,8 +8804,8 @@
       </dsp:nvSpPr>
       <dsp:spPr>
         <a:xfrm>
-          <a:off x="8473244" y="5027402"/>
-          <a:ext cx="469129" cy="303943"/>
+          <a:off x="8520336" y="4838948"/>
+          <a:ext cx="451715" cy="292660"/>
         </a:xfrm>
         <a:custGeom>
           <a:avLst/>
@@ -8687,13 +8816,13 @@
           <a:pathLst>
             <a:path>
               <a:moveTo>
-                <a:pt x="469129" y="0"/>
+                <a:pt x="451715" y="0"/>
               </a:moveTo>
               <a:lnTo>
-                <a:pt x="469129" y="303943"/>
+                <a:pt x="451715" y="292660"/>
               </a:lnTo>
               <a:lnTo>
-                <a:pt x="0" y="303943"/>
+                <a:pt x="0" y="292660"/>
               </a:lnTo>
             </a:path>
           </a:pathLst>
@@ -8734,8 +8863,8 @@
       </dsp:nvSpPr>
       <dsp:spPr>
         <a:xfrm>
-          <a:off x="9272746" y="336106"/>
-          <a:ext cx="868880" cy="4526109"/>
+          <a:off x="9290161" y="321795"/>
+          <a:ext cx="836627" cy="4358098"/>
         </a:xfrm>
         <a:custGeom>
           <a:avLst/>
@@ -8746,13 +8875,13 @@
           <a:pathLst>
             <a:path>
               <a:moveTo>
-                <a:pt x="868880" y="0"/>
+                <a:pt x="836627" y="0"/>
               </a:moveTo>
               <a:lnTo>
-                <a:pt x="868880" y="4526109"/>
+                <a:pt x="836627" y="4358098"/>
               </a:lnTo>
               <a:lnTo>
-                <a:pt x="0" y="4526109"/>
+                <a:pt x="0" y="4358098"/>
               </a:lnTo>
             </a:path>
           </a:pathLst>
@@ -8793,8 +8922,8 @@
       </dsp:nvSpPr>
       <dsp:spPr>
         <a:xfrm>
-          <a:off x="10826031" y="1274366"/>
-          <a:ext cx="91440" cy="773072"/>
+          <a:off x="10784090" y="1225226"/>
+          <a:ext cx="91440" cy="744375"/>
         </a:xfrm>
         <a:custGeom>
           <a:avLst/>
@@ -8805,13 +8934,13 @@
           <a:pathLst>
             <a:path>
               <a:moveTo>
-                <a:pt x="115098" y="0"/>
+                <a:pt x="112522" y="0"/>
               </a:moveTo>
               <a:lnTo>
-                <a:pt x="115098" y="773072"/>
+                <a:pt x="112522" y="744375"/>
               </a:lnTo>
               <a:lnTo>
-                <a:pt x="45720" y="773072"/>
+                <a:pt x="45720" y="744375"/>
               </a:lnTo>
             </a:path>
           </a:pathLst>
@@ -8852,8 +8981,8 @@
       </dsp:nvSpPr>
       <dsp:spPr>
         <a:xfrm>
-          <a:off x="10895410" y="1274366"/>
-          <a:ext cx="91440" cy="303943"/>
+          <a:off x="10850893" y="1225226"/>
+          <a:ext cx="91440" cy="292660"/>
         </a:xfrm>
         <a:custGeom>
           <a:avLst/>
@@ -8867,10 +8996,10 @@
                 <a:pt x="45720" y="0"/>
               </a:moveTo>
               <a:lnTo>
-                <a:pt x="45720" y="303943"/>
+                <a:pt x="45720" y="292660"/>
               </a:lnTo>
               <a:lnTo>
-                <a:pt x="115098" y="303943"/>
+                <a:pt x="112522" y="292660"/>
               </a:lnTo>
             </a:path>
           </a:pathLst>
@@ -8911,8 +9040,8 @@
       </dsp:nvSpPr>
       <dsp:spPr>
         <a:xfrm>
-          <a:off x="10826031" y="1274366"/>
-          <a:ext cx="91440" cy="303943"/>
+          <a:off x="10784090" y="1225226"/>
+          <a:ext cx="91440" cy="292660"/>
         </a:xfrm>
         <a:custGeom>
           <a:avLst/>
@@ -8923,13 +9052,13 @@
           <a:pathLst>
             <a:path>
               <a:moveTo>
-                <a:pt x="115098" y="0"/>
+                <a:pt x="112522" y="0"/>
               </a:moveTo>
               <a:lnTo>
-                <a:pt x="115098" y="303943"/>
+                <a:pt x="112522" y="292660"/>
               </a:lnTo>
               <a:lnTo>
-                <a:pt x="45720" y="303943"/>
+                <a:pt x="45720" y="292660"/>
               </a:lnTo>
             </a:path>
           </a:pathLst>
@@ -8970,8 +9099,8 @@
       </dsp:nvSpPr>
       <dsp:spPr>
         <a:xfrm>
-          <a:off x="11271503" y="805236"/>
-          <a:ext cx="469129" cy="303943"/>
+          <a:off x="11214722" y="773511"/>
+          <a:ext cx="451715" cy="292660"/>
         </a:xfrm>
         <a:custGeom>
           <a:avLst/>
@@ -8982,13 +9111,13 @@
           <a:pathLst>
             <a:path>
               <a:moveTo>
-                <a:pt x="469129" y="0"/>
+                <a:pt x="451715" y="0"/>
               </a:moveTo>
               <a:lnTo>
-                <a:pt x="469129" y="303943"/>
+                <a:pt x="451715" y="292660"/>
               </a:lnTo>
               <a:lnTo>
-                <a:pt x="0" y="303943"/>
+                <a:pt x="0" y="292660"/>
               </a:lnTo>
             </a:path>
           </a:pathLst>
@@ -9029,8 +9158,8 @@
       </dsp:nvSpPr>
       <dsp:spPr>
         <a:xfrm>
-          <a:off x="10141627" y="336106"/>
-          <a:ext cx="1268632" cy="303943"/>
+          <a:off x="10126788" y="321795"/>
+          <a:ext cx="1221539" cy="292660"/>
         </a:xfrm>
         <a:custGeom>
           <a:avLst/>
@@ -9044,10 +9173,10 @@
                 <a:pt x="0" y="0"/>
               </a:moveTo>
               <a:lnTo>
-                <a:pt x="0" y="303943"/>
+                <a:pt x="0" y="292660"/>
               </a:lnTo>
               <a:lnTo>
-                <a:pt x="1268632" y="303943"/>
+                <a:pt x="1221539" y="292660"/>
               </a:lnTo>
             </a:path>
           </a:pathLst>
@@ -9088,8 +9217,8 @@
       </dsp:nvSpPr>
       <dsp:spPr>
         <a:xfrm>
-          <a:off x="8896654" y="1274366"/>
-          <a:ext cx="91440" cy="3118720"/>
+          <a:off x="8926331" y="1225226"/>
+          <a:ext cx="91440" cy="3002952"/>
         </a:xfrm>
         <a:custGeom>
           <a:avLst/>
@@ -9103,10 +9232,10 @@
                 <a:pt x="45720" y="0"/>
               </a:moveTo>
               <a:lnTo>
-                <a:pt x="45720" y="3118720"/>
+                <a:pt x="45720" y="3002952"/>
               </a:lnTo>
               <a:lnTo>
-                <a:pt x="115098" y="3118720"/>
+                <a:pt x="112522" y="3002952"/>
               </a:lnTo>
             </a:path>
           </a:pathLst>
@@ -9147,8 +9276,8 @@
       </dsp:nvSpPr>
       <dsp:spPr>
         <a:xfrm>
-          <a:off x="8073493" y="1274366"/>
-          <a:ext cx="868880" cy="3118720"/>
+          <a:off x="8135424" y="1225226"/>
+          <a:ext cx="836627" cy="3002952"/>
         </a:xfrm>
         <a:custGeom>
           <a:avLst/>
@@ -9159,13 +9288,13 @@
           <a:pathLst>
             <a:path>
               <a:moveTo>
-                <a:pt x="868880" y="0"/>
+                <a:pt x="836627" y="0"/>
               </a:moveTo>
               <a:lnTo>
-                <a:pt x="868880" y="3118720"/>
+                <a:pt x="836627" y="3002952"/>
               </a:lnTo>
               <a:lnTo>
-                <a:pt x="0" y="3118720"/>
+                <a:pt x="0" y="3002952"/>
               </a:lnTo>
             </a:path>
           </a:pathLst>
@@ -9206,8 +9335,8 @@
       </dsp:nvSpPr>
       <dsp:spPr>
         <a:xfrm>
-          <a:off x="8896654" y="1274366"/>
-          <a:ext cx="91440" cy="2649590"/>
+          <a:off x="8926331" y="1225226"/>
+          <a:ext cx="91440" cy="2551237"/>
         </a:xfrm>
         <a:custGeom>
           <a:avLst/>
@@ -9221,10 +9350,10 @@
                 <a:pt x="45720" y="0"/>
               </a:moveTo>
               <a:lnTo>
-                <a:pt x="45720" y="2649590"/>
+                <a:pt x="45720" y="2551237"/>
               </a:lnTo>
               <a:lnTo>
-                <a:pt x="115098" y="2649590"/>
+                <a:pt x="112522" y="2551237"/>
               </a:lnTo>
             </a:path>
           </a:pathLst>
@@ -9265,8 +9394,8 @@
       </dsp:nvSpPr>
       <dsp:spPr>
         <a:xfrm>
-          <a:off x="8073493" y="1274366"/>
-          <a:ext cx="868880" cy="2649590"/>
+          <a:off x="8135424" y="1225226"/>
+          <a:ext cx="836627" cy="2551237"/>
         </a:xfrm>
         <a:custGeom>
           <a:avLst/>
@@ -9277,13 +9406,13 @@
           <a:pathLst>
             <a:path>
               <a:moveTo>
-                <a:pt x="868880" y="0"/>
+                <a:pt x="836627" y="0"/>
               </a:moveTo>
               <a:lnTo>
-                <a:pt x="868880" y="2649590"/>
+                <a:pt x="836627" y="2551237"/>
               </a:lnTo>
               <a:lnTo>
-                <a:pt x="0" y="2649590"/>
+                <a:pt x="0" y="2551237"/>
               </a:lnTo>
             </a:path>
           </a:pathLst>
@@ -9324,8 +9453,8 @@
       </dsp:nvSpPr>
       <dsp:spPr>
         <a:xfrm>
-          <a:off x="8896654" y="1274366"/>
-          <a:ext cx="91440" cy="2180461"/>
+          <a:off x="8926331" y="1225226"/>
+          <a:ext cx="91440" cy="2099521"/>
         </a:xfrm>
         <a:custGeom>
           <a:avLst/>
@@ -9339,10 +9468,10 @@
                 <a:pt x="45720" y="0"/>
               </a:moveTo>
               <a:lnTo>
-                <a:pt x="45720" y="2180461"/>
+                <a:pt x="45720" y="2099521"/>
               </a:lnTo>
               <a:lnTo>
-                <a:pt x="115098" y="2180461"/>
+                <a:pt x="112522" y="2099521"/>
               </a:lnTo>
             </a:path>
           </a:pathLst>
@@ -9383,8 +9512,8 @@
       </dsp:nvSpPr>
       <dsp:spPr>
         <a:xfrm>
-          <a:off x="8073493" y="1274366"/>
-          <a:ext cx="868880" cy="2180461"/>
+          <a:off x="8135424" y="1225226"/>
+          <a:ext cx="836627" cy="2099521"/>
         </a:xfrm>
         <a:custGeom>
           <a:avLst/>
@@ -9395,13 +9524,13 @@
           <a:pathLst>
             <a:path>
               <a:moveTo>
-                <a:pt x="868880" y="0"/>
+                <a:pt x="836627" y="0"/>
               </a:moveTo>
               <a:lnTo>
-                <a:pt x="868880" y="2180461"/>
+                <a:pt x="836627" y="2099521"/>
               </a:lnTo>
               <a:lnTo>
-                <a:pt x="0" y="2180461"/>
+                <a:pt x="0" y="2099521"/>
               </a:lnTo>
             </a:path>
           </a:pathLst>
@@ -9442,8 +9571,8 @@
       </dsp:nvSpPr>
       <dsp:spPr>
         <a:xfrm>
-          <a:off x="8896654" y="1274366"/>
-          <a:ext cx="91440" cy="1711331"/>
+          <a:off x="8926331" y="1225226"/>
+          <a:ext cx="91440" cy="1647806"/>
         </a:xfrm>
         <a:custGeom>
           <a:avLst/>
@@ -9457,10 +9586,10 @@
                 <a:pt x="45720" y="0"/>
               </a:moveTo>
               <a:lnTo>
-                <a:pt x="45720" y="1711331"/>
+                <a:pt x="45720" y="1647806"/>
               </a:lnTo>
               <a:lnTo>
-                <a:pt x="115098" y="1711331"/>
+                <a:pt x="112522" y="1647806"/>
               </a:lnTo>
             </a:path>
           </a:pathLst>
@@ -9501,8 +9630,8 @@
       </dsp:nvSpPr>
       <dsp:spPr>
         <a:xfrm>
-          <a:off x="8073493" y="1274366"/>
-          <a:ext cx="868880" cy="1711331"/>
+          <a:off x="8135424" y="1225226"/>
+          <a:ext cx="836627" cy="1647806"/>
         </a:xfrm>
         <a:custGeom>
           <a:avLst/>
@@ -9513,13 +9642,13 @@
           <a:pathLst>
             <a:path>
               <a:moveTo>
-                <a:pt x="868880" y="0"/>
+                <a:pt x="836627" y="0"/>
               </a:moveTo>
               <a:lnTo>
-                <a:pt x="868880" y="1711331"/>
+                <a:pt x="836627" y="1647806"/>
               </a:lnTo>
               <a:lnTo>
-                <a:pt x="0" y="1711331"/>
+                <a:pt x="0" y="1647806"/>
               </a:lnTo>
             </a:path>
           </a:pathLst>
@@ -9560,8 +9689,8 @@
       </dsp:nvSpPr>
       <dsp:spPr>
         <a:xfrm>
-          <a:off x="8896654" y="1274366"/>
-          <a:ext cx="91440" cy="773072"/>
+          <a:off x="8926331" y="1225226"/>
+          <a:ext cx="91440" cy="744375"/>
         </a:xfrm>
         <a:custGeom>
           <a:avLst/>
@@ -9575,10 +9704,10 @@
                 <a:pt x="45720" y="0"/>
               </a:moveTo>
               <a:lnTo>
-                <a:pt x="45720" y="773072"/>
+                <a:pt x="45720" y="744375"/>
               </a:lnTo>
               <a:lnTo>
-                <a:pt x="115098" y="773072"/>
+                <a:pt x="112522" y="744375"/>
               </a:lnTo>
             </a:path>
           </a:pathLst>
@@ -9619,8 +9748,8 @@
       </dsp:nvSpPr>
       <dsp:spPr>
         <a:xfrm>
-          <a:off x="8097151" y="2212625"/>
-          <a:ext cx="91440" cy="303943"/>
+          <a:off x="8156507" y="2128656"/>
+          <a:ext cx="91440" cy="292660"/>
         </a:xfrm>
         <a:custGeom>
           <a:avLst/>
@@ -9634,10 +9763,10 @@
                 <a:pt x="45720" y="0"/>
               </a:moveTo>
               <a:lnTo>
-                <a:pt x="45720" y="303943"/>
+                <a:pt x="45720" y="292660"/>
               </a:lnTo>
               <a:lnTo>
-                <a:pt x="115098" y="303943"/>
+                <a:pt x="112522" y="292660"/>
               </a:lnTo>
             </a:path>
           </a:pathLst>
@@ -9678,8 +9807,8 @@
       </dsp:nvSpPr>
       <dsp:spPr>
         <a:xfrm>
-          <a:off x="8027773" y="2212625"/>
-          <a:ext cx="91440" cy="303943"/>
+          <a:off x="8089704" y="2128656"/>
+          <a:ext cx="91440" cy="292660"/>
         </a:xfrm>
         <a:custGeom>
           <a:avLst/>
@@ -9690,13 +9819,13 @@
           <a:pathLst>
             <a:path>
               <a:moveTo>
-                <a:pt x="115098" y="0"/>
+                <a:pt x="112522" y="0"/>
               </a:moveTo>
               <a:lnTo>
-                <a:pt x="115098" y="303943"/>
+                <a:pt x="112522" y="292660"/>
               </a:lnTo>
               <a:lnTo>
-                <a:pt x="45720" y="303943"/>
+                <a:pt x="45720" y="292660"/>
               </a:lnTo>
             </a:path>
           </a:pathLst>
@@ -9737,8 +9866,8 @@
       </dsp:nvSpPr>
       <dsp:spPr>
         <a:xfrm>
-          <a:off x="8473244" y="1274366"/>
-          <a:ext cx="469129" cy="773072"/>
+          <a:off x="8520336" y="1225226"/>
+          <a:ext cx="451715" cy="744375"/>
         </a:xfrm>
         <a:custGeom>
           <a:avLst/>
@@ -9749,13 +9878,13 @@
           <a:pathLst>
             <a:path>
               <a:moveTo>
-                <a:pt x="469129" y="0"/>
+                <a:pt x="451715" y="0"/>
               </a:moveTo>
               <a:lnTo>
-                <a:pt x="469129" y="773072"/>
+                <a:pt x="451715" y="744375"/>
               </a:lnTo>
               <a:lnTo>
-                <a:pt x="0" y="773072"/>
+                <a:pt x="0" y="744375"/>
               </a:lnTo>
             </a:path>
           </a:pathLst>
@@ -9796,8 +9925,8 @@
       </dsp:nvSpPr>
       <dsp:spPr>
         <a:xfrm>
-          <a:off x="8896654" y="1274366"/>
-          <a:ext cx="91440" cy="303943"/>
+          <a:off x="8926331" y="1225226"/>
+          <a:ext cx="91440" cy="292660"/>
         </a:xfrm>
         <a:custGeom>
           <a:avLst/>
@@ -9811,10 +9940,10 @@
                 <a:pt x="45720" y="0"/>
               </a:moveTo>
               <a:lnTo>
-                <a:pt x="45720" y="303943"/>
+                <a:pt x="45720" y="292660"/>
               </a:lnTo>
               <a:lnTo>
-                <a:pt x="115098" y="303943"/>
+                <a:pt x="112522" y="292660"/>
               </a:lnTo>
             </a:path>
           </a:pathLst>
@@ -9855,8 +9984,8 @@
       </dsp:nvSpPr>
       <dsp:spPr>
         <a:xfrm>
-          <a:off x="8073493" y="1274366"/>
-          <a:ext cx="868880" cy="303943"/>
+          <a:off x="8135424" y="1225226"/>
+          <a:ext cx="836627" cy="292660"/>
         </a:xfrm>
         <a:custGeom>
           <a:avLst/>
@@ -9867,13 +9996,13 @@
           <a:pathLst>
             <a:path>
               <a:moveTo>
-                <a:pt x="868880" y="0"/>
+                <a:pt x="836627" y="0"/>
               </a:moveTo>
               <a:lnTo>
-                <a:pt x="868880" y="303943"/>
+                <a:pt x="836627" y="292660"/>
               </a:lnTo>
               <a:lnTo>
-                <a:pt x="0" y="303943"/>
+                <a:pt x="0" y="292660"/>
               </a:lnTo>
             </a:path>
           </a:pathLst>
@@ -9914,8 +10043,8 @@
       </dsp:nvSpPr>
       <dsp:spPr>
         <a:xfrm>
-          <a:off x="9272746" y="805236"/>
-          <a:ext cx="469129" cy="303943"/>
+          <a:off x="9290161" y="773511"/>
+          <a:ext cx="451715" cy="292660"/>
         </a:xfrm>
         <a:custGeom>
           <a:avLst/>
@@ -9926,13 +10055,13 @@
           <a:pathLst>
             <a:path>
               <a:moveTo>
-                <a:pt x="469129" y="0"/>
+                <a:pt x="451715" y="0"/>
               </a:moveTo>
               <a:lnTo>
-                <a:pt x="469129" y="303943"/>
+                <a:pt x="451715" y="292660"/>
               </a:lnTo>
               <a:lnTo>
-                <a:pt x="0" y="303943"/>
+                <a:pt x="0" y="292660"/>
               </a:lnTo>
             </a:path>
           </a:pathLst>
@@ -9973,8 +10102,8 @@
       </dsp:nvSpPr>
       <dsp:spPr>
         <a:xfrm>
-          <a:off x="10026529" y="336106"/>
-          <a:ext cx="91440" cy="303943"/>
+          <a:off x="10014265" y="321795"/>
+          <a:ext cx="91440" cy="292660"/>
         </a:xfrm>
         <a:custGeom>
           <a:avLst/>
@@ -9985,13 +10114,13 @@
           <a:pathLst>
             <a:path>
               <a:moveTo>
-                <a:pt x="115098" y="0"/>
+                <a:pt x="112522" y="0"/>
               </a:moveTo>
               <a:lnTo>
-                <a:pt x="115098" y="303943"/>
+                <a:pt x="112522" y="292660"/>
               </a:lnTo>
               <a:lnTo>
-                <a:pt x="45720" y="303943"/>
+                <a:pt x="45720" y="292660"/>
               </a:lnTo>
             </a:path>
           </a:pathLst>
@@ -10032,8 +10161,8 @@
       </dsp:nvSpPr>
       <dsp:spPr>
         <a:xfrm>
-          <a:off x="9811254" y="5733"/>
-          <a:ext cx="660745" cy="330372"/>
+          <a:off x="9808679" y="3686"/>
+          <a:ext cx="636218" cy="318109"/>
         </a:xfrm>
         <a:prstGeom prst="rect">
           <a:avLst/>
@@ -10076,12 +10205,12 @@
         </a:fontRef>
       </dsp:style>
       <dsp:txBody>
-        <a:bodyPr spcFirstLastPara="0" vert="horz" wrap="square" lIns="3810" tIns="3810" rIns="3810" bIns="3810" numCol="1" spcCol="1270" anchor="ctr" anchorCtr="0">
+        <a:bodyPr spcFirstLastPara="0" vert="horz" wrap="square" lIns="3175" tIns="3175" rIns="3175" bIns="3175" numCol="1" spcCol="1270" anchor="ctr" anchorCtr="0">
           <a:noAutofit/>
         </a:bodyPr>
         <a:lstStyle/>
         <a:p>
-          <a:pPr marL="0" lvl="0" indent="0" algn="ctr" defTabSz="266700">
+          <a:pPr marL="0" lvl="0" indent="0" algn="ctr" defTabSz="222250">
             <a:lnSpc>
               <a:spcPct val="90000"/>
             </a:lnSpc>
@@ -10094,14 +10223,14 @@
             <a:buNone/>
           </a:pPr>
           <a:r>
-            <a:rPr lang="fr-FR" sz="600" kern="1200" dirty="0"/>
+            <a:rPr lang="fr-FR" sz="500" kern="1200" dirty="0"/>
             <a:t>Root</a:t>
           </a:r>
         </a:p>
       </dsp:txBody>
       <dsp:txXfrm>
-        <a:off x="9811254" y="5733"/>
-        <a:ext cx="660745" cy="330372"/>
+        <a:off x="9808679" y="3686"/>
+        <a:ext cx="636218" cy="318109"/>
       </dsp:txXfrm>
     </dsp:sp>
     <dsp:sp modelId="{E827EE73-A458-47A5-9402-688307433157}">
@@ -10111,8 +10240,8 @@
       </dsp:nvSpPr>
       <dsp:spPr>
         <a:xfrm>
-          <a:off x="9411503" y="474863"/>
-          <a:ext cx="660745" cy="330372"/>
+          <a:off x="9423767" y="455401"/>
+          <a:ext cx="636218" cy="318109"/>
         </a:xfrm>
         <a:prstGeom prst="rect">
           <a:avLst/>
@@ -10155,12 +10284,12 @@
         </a:fontRef>
       </dsp:style>
       <dsp:txBody>
-        <a:bodyPr spcFirstLastPara="0" vert="horz" wrap="square" lIns="3810" tIns="3810" rIns="3810" bIns="3810" numCol="1" spcCol="1270" anchor="ctr" anchorCtr="0">
+        <a:bodyPr spcFirstLastPara="0" vert="horz" wrap="square" lIns="3175" tIns="3175" rIns="3175" bIns="3175" numCol="1" spcCol="1270" anchor="ctr" anchorCtr="0">
           <a:noAutofit/>
         </a:bodyPr>
         <a:lstStyle/>
         <a:p>
-          <a:pPr marL="0" lvl="0" indent="0" algn="ctr" defTabSz="266700">
+          <a:pPr marL="0" lvl="0" indent="0" algn="ctr" defTabSz="222250">
             <a:lnSpc>
               <a:spcPct val="90000"/>
             </a:lnSpc>
@@ -10173,15 +10302,15 @@
             <a:buNone/>
           </a:pPr>
           <a:r>
-            <a:rPr lang="fr-FR" sz="600" kern="1200" dirty="0" err="1"/>
+            <a:rPr lang="fr-FR" sz="500" kern="1200" dirty="0" err="1"/>
             <a:t>recipes</a:t>
           </a:r>
-          <a:endParaRPr lang="fr-FR" sz="600" kern="1200" dirty="0"/>
+          <a:endParaRPr lang="fr-FR" sz="500" kern="1200" dirty="0"/>
         </a:p>
       </dsp:txBody>
       <dsp:txXfrm>
-        <a:off x="9411503" y="474863"/>
-        <a:ext cx="660745" cy="330372"/>
+        <a:off x="9423767" y="455401"/>
+        <a:ext cx="636218" cy="318109"/>
       </dsp:txXfrm>
     </dsp:sp>
     <dsp:sp modelId="{E0D9D789-8723-4EBE-96CD-7B761C793469}">
@@ -10191,8 +10320,8 @@
       </dsp:nvSpPr>
       <dsp:spPr>
         <a:xfrm>
-          <a:off x="8612001" y="943993"/>
-          <a:ext cx="660745" cy="330372"/>
+          <a:off x="8653942" y="907116"/>
+          <a:ext cx="636218" cy="318109"/>
         </a:xfrm>
         <a:prstGeom prst="rect">
           <a:avLst/>
@@ -10235,12 +10364,12 @@
         </a:fontRef>
       </dsp:style>
       <dsp:txBody>
-        <a:bodyPr spcFirstLastPara="0" vert="horz" wrap="square" lIns="3810" tIns="3810" rIns="3810" bIns="3810" numCol="1" spcCol="1270" anchor="ctr" anchorCtr="0">
+        <a:bodyPr spcFirstLastPara="0" vert="horz" wrap="square" lIns="3175" tIns="3175" rIns="3175" bIns="3175" numCol="1" spcCol="1270" anchor="ctr" anchorCtr="0">
           <a:noAutofit/>
         </a:bodyPr>
         <a:lstStyle/>
         <a:p>
-          <a:pPr marL="0" lvl="0" indent="0" algn="ctr" defTabSz="266700">
+          <a:pPr marL="0" lvl="0" indent="0" algn="ctr" defTabSz="222250">
             <a:lnSpc>
               <a:spcPct val="90000"/>
             </a:lnSpc>
@@ -10253,15 +10382,15 @@
             <a:buNone/>
           </a:pPr>
           <a:r>
-            <a:rPr lang="fr-FR" sz="600" kern="1200" dirty="0" err="1"/>
+            <a:rPr lang="fr-FR" sz="500" kern="1200" dirty="0" err="1"/>
             <a:t>recipe</a:t>
           </a:r>
-          <a:endParaRPr lang="fr-FR" sz="600" kern="1200" dirty="0"/>
+          <a:endParaRPr lang="fr-FR" sz="500" kern="1200" dirty="0"/>
         </a:p>
       </dsp:txBody>
       <dsp:txXfrm>
-        <a:off x="8612001" y="943993"/>
-        <a:ext cx="660745" cy="330372"/>
+        <a:off x="8653942" y="907116"/>
+        <a:ext cx="636218" cy="318109"/>
       </dsp:txXfrm>
     </dsp:sp>
     <dsp:sp modelId="{4C561BD1-6498-41FC-9541-C2D44F4A10CE}">
@@ -10271,8 +10400,8 @@
       </dsp:nvSpPr>
       <dsp:spPr>
         <a:xfrm>
-          <a:off x="7412747" y="1413122"/>
-          <a:ext cx="660745" cy="330372"/>
+          <a:off x="7499205" y="1358832"/>
+          <a:ext cx="636218" cy="318109"/>
         </a:xfrm>
         <a:prstGeom prst="rect">
           <a:avLst/>
@@ -10315,12 +10444,12 @@
         </a:fontRef>
       </dsp:style>
       <dsp:txBody>
-        <a:bodyPr spcFirstLastPara="0" vert="horz" wrap="square" lIns="3810" tIns="3810" rIns="3810" bIns="3810" numCol="1" spcCol="1270" anchor="ctr" anchorCtr="0">
+        <a:bodyPr spcFirstLastPara="0" vert="horz" wrap="square" lIns="3175" tIns="3175" rIns="3175" bIns="3175" numCol="1" spcCol="1270" anchor="ctr" anchorCtr="0">
           <a:noAutofit/>
         </a:bodyPr>
         <a:lstStyle/>
         <a:p>
-          <a:pPr marL="0" lvl="0" indent="0" algn="ctr" defTabSz="266700">
+          <a:pPr marL="0" lvl="0" indent="0" algn="ctr" defTabSz="222250">
             <a:lnSpc>
               <a:spcPct val="90000"/>
             </a:lnSpc>
@@ -10333,14 +10462,14 @@
             <a:buNone/>
           </a:pPr>
           <a:r>
-            <a:rPr lang="fr-FR" sz="600" kern="1200" dirty="0"/>
+            <a:rPr lang="fr-FR" sz="500" kern="1200" dirty="0"/>
             <a:t>Name</a:t>
           </a:r>
         </a:p>
       </dsp:txBody>
       <dsp:txXfrm>
-        <a:off x="7412747" y="1413122"/>
-        <a:ext cx="660745" cy="330372"/>
+        <a:off x="7499205" y="1358832"/>
+        <a:ext cx="636218" cy="318109"/>
       </dsp:txXfrm>
     </dsp:sp>
     <dsp:sp modelId="{CEA5CD17-5FFF-49AA-B7BD-42AF57393911}">
@@ -10350,8 +10479,8 @@
       </dsp:nvSpPr>
       <dsp:spPr>
         <a:xfrm>
-          <a:off x="9011752" y="1413122"/>
-          <a:ext cx="660745" cy="330372"/>
+          <a:off x="9038854" y="1358832"/>
+          <a:ext cx="636218" cy="318109"/>
         </a:xfrm>
         <a:prstGeom prst="rect">
           <a:avLst/>
@@ -10394,12 +10523,12 @@
         </a:fontRef>
       </dsp:style>
       <dsp:txBody>
-        <a:bodyPr spcFirstLastPara="0" vert="horz" wrap="square" lIns="3810" tIns="3810" rIns="3810" bIns="3810" numCol="1" spcCol="1270" anchor="ctr" anchorCtr="0">
+        <a:bodyPr spcFirstLastPara="0" vert="horz" wrap="square" lIns="3175" tIns="3175" rIns="3175" bIns="3175" numCol="1" spcCol="1270" anchor="ctr" anchorCtr="0">
           <a:noAutofit/>
         </a:bodyPr>
         <a:lstStyle/>
         <a:p>
-          <a:pPr marL="0" lvl="0" indent="0" algn="ctr" defTabSz="266700">
+          <a:pPr marL="0" lvl="0" indent="0" algn="ctr" defTabSz="222250">
             <a:lnSpc>
               <a:spcPct val="90000"/>
             </a:lnSpc>
@@ -10412,34 +10541,34 @@
             <a:buNone/>
           </a:pPr>
           <a:r>
-            <a:rPr lang="fr-FR" sz="600" kern="1200" dirty="0" err="1"/>
+            <a:rPr lang="fr-FR" sz="500" kern="1200" dirty="0" err="1"/>
             <a:t>NutID</a:t>
           </a:r>
           <a:r>
-            <a:rPr lang="fr-FR" sz="600" kern="1200" dirty="0"/>
+            <a:rPr lang="fr-FR" sz="500" kern="1200" dirty="0"/>
             <a:t> </a:t>
           </a:r>
           <a:br>
-            <a:rPr lang="fr-FR" sz="600" kern="1200" dirty="0"/>
+            <a:rPr lang="fr-FR" sz="500" kern="1200" dirty="0"/>
           </a:br>
           <a:r>
-            <a:rPr lang="fr-FR" sz="600" kern="1200" dirty="0" err="1"/>
+            <a:rPr lang="fr-FR" sz="500" kern="1200" dirty="0" err="1"/>
             <a:t>Keyref</a:t>
           </a:r>
           <a:r>
-            <a:rPr lang="fr-FR" sz="600" kern="1200" dirty="0"/>
+            <a:rPr lang="fr-FR" sz="500" kern="1200" dirty="0"/>
             <a:t> to </a:t>
           </a:r>
           <a:r>
-            <a:rPr lang="fr-FR" sz="600" kern="1200" dirty="0" err="1"/>
+            <a:rPr lang="fr-FR" sz="500" kern="1200" dirty="0" err="1"/>
             <a:t>RecipeID</a:t>
           </a:r>
-          <a:endParaRPr lang="fr-FR" sz="600" kern="1200" dirty="0"/>
+          <a:endParaRPr lang="fr-FR" sz="500" kern="1200" dirty="0"/>
         </a:p>
       </dsp:txBody>
       <dsp:txXfrm>
-        <a:off x="9011752" y="1413122"/>
-        <a:ext cx="660745" cy="330372"/>
+        <a:off x="9038854" y="1358832"/>
+        <a:ext cx="636218" cy="318109"/>
       </dsp:txXfrm>
     </dsp:sp>
     <dsp:sp modelId="{CA29F901-FB62-40CB-93B0-5FA3D3E89153}">
@@ -10449,8 +10578,8 @@
       </dsp:nvSpPr>
       <dsp:spPr>
         <a:xfrm>
-          <a:off x="7812498" y="1882252"/>
-          <a:ext cx="660745" cy="330372"/>
+          <a:off x="7884117" y="1810547"/>
+          <a:ext cx="636218" cy="318109"/>
         </a:xfrm>
         <a:prstGeom prst="rect">
           <a:avLst/>
@@ -10493,12 +10622,12 @@
         </a:fontRef>
       </dsp:style>
       <dsp:txBody>
-        <a:bodyPr spcFirstLastPara="0" vert="horz" wrap="square" lIns="3810" tIns="3810" rIns="3810" bIns="3810" numCol="1" spcCol="1270" anchor="ctr" anchorCtr="0">
+        <a:bodyPr spcFirstLastPara="0" vert="horz" wrap="square" lIns="3175" tIns="3175" rIns="3175" bIns="3175" numCol="1" spcCol="1270" anchor="ctr" anchorCtr="0">
           <a:noAutofit/>
         </a:bodyPr>
         <a:lstStyle/>
         <a:p>
-          <a:pPr marL="0" lvl="0" indent="0" algn="ctr" defTabSz="266700">
+          <a:pPr marL="0" lvl="0" indent="0" algn="ctr" defTabSz="222250">
             <a:lnSpc>
               <a:spcPct val="90000"/>
             </a:lnSpc>
@@ -10511,15 +10640,15 @@
             <a:buNone/>
           </a:pPr>
           <a:r>
-            <a:rPr lang="fr-FR" sz="600" kern="1200" dirty="0" err="1"/>
+            <a:rPr lang="fr-FR" sz="500" kern="1200" dirty="0" err="1"/>
             <a:t>Ingredient_rec</a:t>
           </a:r>
-          <a:endParaRPr lang="fr-FR" sz="600" kern="1200" dirty="0"/>
+          <a:endParaRPr lang="fr-FR" sz="500" kern="1200" dirty="0"/>
         </a:p>
       </dsp:txBody>
       <dsp:txXfrm>
-        <a:off x="7812498" y="1882252"/>
-        <a:ext cx="660745" cy="330372"/>
+        <a:off x="7884117" y="1810547"/>
+        <a:ext cx="636218" cy="318109"/>
       </dsp:txXfrm>
     </dsp:sp>
     <dsp:sp modelId="{FADDC691-0A86-4B40-AA55-39069DDC51CC}">
@@ -10529,8 +10658,8 @@
       </dsp:nvSpPr>
       <dsp:spPr>
         <a:xfrm>
-          <a:off x="7412747" y="2351381"/>
-          <a:ext cx="660745" cy="330372"/>
+          <a:off x="7499205" y="2262262"/>
+          <a:ext cx="636218" cy="318109"/>
         </a:xfrm>
         <a:prstGeom prst="rect">
           <a:avLst/>
@@ -10573,12 +10702,12 @@
         </a:fontRef>
       </dsp:style>
       <dsp:txBody>
-        <a:bodyPr spcFirstLastPara="0" vert="horz" wrap="square" lIns="3810" tIns="3810" rIns="3810" bIns="3810" numCol="1" spcCol="1270" anchor="ctr" anchorCtr="0">
+        <a:bodyPr spcFirstLastPara="0" vert="horz" wrap="square" lIns="3175" tIns="3175" rIns="3175" bIns="3175" numCol="1" spcCol="1270" anchor="ctr" anchorCtr="0">
           <a:noAutofit/>
         </a:bodyPr>
         <a:lstStyle/>
         <a:p>
-          <a:pPr marL="0" lvl="0" indent="0" algn="ctr" defTabSz="266700">
+          <a:pPr marL="0" lvl="0" indent="0" algn="ctr" defTabSz="222250">
             <a:lnSpc>
               <a:spcPct val="90000"/>
             </a:lnSpc>
@@ -10591,15 +10720,15 @@
             <a:buNone/>
           </a:pPr>
           <a:r>
-            <a:rPr lang="fr-FR" sz="600" kern="1200" dirty="0" err="1"/>
+            <a:rPr lang="fr-FR" sz="500" kern="1200" dirty="0" err="1"/>
             <a:t>Ingredient_name</a:t>
           </a:r>
-          <a:endParaRPr lang="fr-FR" sz="600" kern="1200" dirty="0"/>
+          <a:endParaRPr lang="fr-FR" sz="500" kern="1200" dirty="0"/>
         </a:p>
       </dsp:txBody>
       <dsp:txXfrm>
-        <a:off x="7412747" y="2351381"/>
-        <a:ext cx="660745" cy="330372"/>
+        <a:off x="7499205" y="2262262"/>
+        <a:ext cx="636218" cy="318109"/>
       </dsp:txXfrm>
     </dsp:sp>
     <dsp:sp modelId="{9A2566C5-9F5E-4D8B-9060-A8D3B81F3336}">
@@ -10609,8 +10738,8 @@
       </dsp:nvSpPr>
       <dsp:spPr>
         <a:xfrm>
-          <a:off x="8212249" y="2351381"/>
-          <a:ext cx="660745" cy="330372"/>
+          <a:off x="8269030" y="2262262"/>
+          <a:ext cx="636218" cy="318109"/>
         </a:xfrm>
         <a:prstGeom prst="rect">
           <a:avLst/>
@@ -10653,12 +10782,12 @@
         </a:fontRef>
       </dsp:style>
       <dsp:txBody>
-        <a:bodyPr spcFirstLastPara="0" vert="horz" wrap="square" lIns="3810" tIns="3810" rIns="3810" bIns="3810" numCol="1" spcCol="1270" anchor="ctr" anchorCtr="0">
+        <a:bodyPr spcFirstLastPara="0" vert="horz" wrap="square" lIns="3175" tIns="3175" rIns="3175" bIns="3175" numCol="1" spcCol="1270" anchor="ctr" anchorCtr="0">
           <a:noAutofit/>
         </a:bodyPr>
         <a:lstStyle/>
         <a:p>
-          <a:pPr marL="0" lvl="0" indent="0" algn="ctr" defTabSz="266700">
+          <a:pPr marL="0" lvl="0" indent="0" algn="ctr" defTabSz="222250">
             <a:lnSpc>
               <a:spcPct val="90000"/>
             </a:lnSpc>
@@ -10671,15 +10800,15 @@
             <a:buNone/>
           </a:pPr>
           <a:r>
-            <a:rPr lang="fr-FR" sz="600" kern="1200" dirty="0" err="1"/>
+            <a:rPr lang="fr-FR" sz="500" kern="1200" dirty="0" err="1"/>
             <a:t>Ingredient_quantity</a:t>
           </a:r>
-          <a:endParaRPr lang="fr-FR" sz="600" kern="1200" dirty="0"/>
+          <a:endParaRPr lang="fr-FR" sz="500" kern="1200" dirty="0"/>
         </a:p>
       </dsp:txBody>
       <dsp:txXfrm>
-        <a:off x="8212249" y="2351381"/>
-        <a:ext cx="660745" cy="330372"/>
+        <a:off x="8269030" y="2262262"/>
+        <a:ext cx="636218" cy="318109"/>
       </dsp:txXfrm>
     </dsp:sp>
     <dsp:sp modelId="{7BBCE7BB-9B24-4968-9CF1-8802A8F83A58}">
@@ -10689,8 +10818,8 @@
       </dsp:nvSpPr>
       <dsp:spPr>
         <a:xfrm>
-          <a:off x="9011752" y="1882252"/>
-          <a:ext cx="660745" cy="330372"/>
+          <a:off x="9038854" y="1810547"/>
+          <a:ext cx="636218" cy="318109"/>
         </a:xfrm>
         <a:prstGeom prst="rect">
           <a:avLst/>
@@ -10733,12 +10862,12 @@
         </a:fontRef>
       </dsp:style>
       <dsp:txBody>
-        <a:bodyPr spcFirstLastPara="0" vert="horz" wrap="square" lIns="3810" tIns="3810" rIns="3810" bIns="3810" numCol="1" spcCol="1270" anchor="ctr" anchorCtr="0">
+        <a:bodyPr spcFirstLastPara="0" vert="horz" wrap="square" lIns="3175" tIns="3175" rIns="3175" bIns="3175" numCol="1" spcCol="1270" anchor="ctr" anchorCtr="0">
           <a:noAutofit/>
         </a:bodyPr>
         <a:lstStyle/>
         <a:p>
-          <a:pPr marL="0" lvl="0" indent="0" algn="ctr" defTabSz="266700">
+          <a:pPr marL="0" lvl="0" indent="0" algn="ctr" defTabSz="222250">
             <a:lnSpc>
               <a:spcPct val="90000"/>
             </a:lnSpc>
@@ -10751,13 +10880,13 @@
             <a:buNone/>
           </a:pPr>
           <a:r>
-            <a:rPr lang="fr-FR" sz="600" kern="1200" dirty="0" err="1"/>
+            <a:rPr lang="fr-FR" sz="500" kern="1200" dirty="0" err="1"/>
             <a:t>RefCategorie</a:t>
           </a:r>
-          <a:endParaRPr lang="fr-FR" sz="600" kern="1200" dirty="0"/>
-        </a:p>
-        <a:p>
-          <a:pPr marL="0" lvl="0" indent="0" algn="ctr" defTabSz="266700">
+          <a:endParaRPr lang="fr-FR" sz="500" kern="1200" dirty="0"/>
+        </a:p>
+        <a:p>
+          <a:pPr marL="0" lvl="0" indent="0" algn="ctr" defTabSz="222250">
             <a:lnSpc>
               <a:spcPct val="90000"/>
             </a:lnSpc>
@@ -10770,23 +10899,23 @@
             <a:buNone/>
           </a:pPr>
           <a:r>
-            <a:rPr lang="fr-FR" sz="600" kern="1200" dirty="0" err="1"/>
+            <a:rPr lang="fr-FR" sz="500" kern="1200" dirty="0" err="1"/>
             <a:t>Keyref</a:t>
           </a:r>
           <a:r>
-            <a:rPr lang="fr-FR" sz="600" kern="1200" dirty="0"/>
+            <a:rPr lang="fr-FR" sz="500" kern="1200" dirty="0"/>
             <a:t> to </a:t>
           </a:r>
           <a:r>
-            <a:rPr lang="fr-FR" sz="600" kern="1200" dirty="0" err="1"/>
+            <a:rPr lang="fr-FR" sz="500" kern="1200" dirty="0" err="1"/>
             <a:t>recipeCat</a:t>
           </a:r>
-          <a:endParaRPr lang="fr-FR" sz="600" kern="1200" dirty="0"/>
+          <a:endParaRPr lang="fr-FR" sz="500" kern="1200" dirty="0"/>
         </a:p>
       </dsp:txBody>
       <dsp:txXfrm>
-        <a:off x="9011752" y="1882252"/>
-        <a:ext cx="660745" cy="330372"/>
+        <a:off x="9038854" y="1810547"/>
+        <a:ext cx="636218" cy="318109"/>
       </dsp:txXfrm>
     </dsp:sp>
     <dsp:sp modelId="{D190B0E1-89D9-49E4-86A8-FC5F6ECC41C4}">
@@ -10796,8 +10925,8 @@
       </dsp:nvSpPr>
       <dsp:spPr>
         <a:xfrm>
-          <a:off x="7412747" y="2820511"/>
-          <a:ext cx="660745" cy="330372"/>
+          <a:off x="7499205" y="2713978"/>
+          <a:ext cx="636218" cy="318109"/>
         </a:xfrm>
         <a:prstGeom prst="rect">
           <a:avLst/>
@@ -10840,12 +10969,12 @@
         </a:fontRef>
       </dsp:style>
       <dsp:txBody>
-        <a:bodyPr spcFirstLastPara="0" vert="horz" wrap="square" lIns="3810" tIns="3810" rIns="3810" bIns="3810" numCol="1" spcCol="1270" anchor="ctr" anchorCtr="0">
+        <a:bodyPr spcFirstLastPara="0" vert="horz" wrap="square" lIns="3175" tIns="3175" rIns="3175" bIns="3175" numCol="1" spcCol="1270" anchor="ctr" anchorCtr="0">
           <a:noAutofit/>
         </a:bodyPr>
         <a:lstStyle/>
         <a:p>
-          <a:pPr marL="0" lvl="0" indent="0" algn="ctr" defTabSz="266700">
+          <a:pPr marL="0" lvl="0" indent="0" algn="ctr" defTabSz="222250">
             <a:lnSpc>
               <a:spcPct val="90000"/>
             </a:lnSpc>
@@ -10858,14 +10987,14 @@
             <a:buNone/>
           </a:pPr>
           <a:r>
-            <a:rPr lang="fr-FR" sz="600" kern="1200" dirty="0"/>
+            <a:rPr lang="fr-FR" sz="500" kern="1200" dirty="0"/>
             <a:t>type</a:t>
           </a:r>
         </a:p>
       </dsp:txBody>
       <dsp:txXfrm>
-        <a:off x="7412747" y="2820511"/>
-        <a:ext cx="660745" cy="330372"/>
+        <a:off x="7499205" y="2713978"/>
+        <a:ext cx="636218" cy="318109"/>
       </dsp:txXfrm>
     </dsp:sp>
     <dsp:sp modelId="{16878670-2316-40C8-BBED-5A791E94C876}">
@@ -10875,8 +11004,8 @@
       </dsp:nvSpPr>
       <dsp:spPr>
         <a:xfrm>
-          <a:off x="9011752" y="2820511"/>
-          <a:ext cx="660745" cy="330372"/>
+          <a:off x="9038854" y="2713978"/>
+          <a:ext cx="636218" cy="318109"/>
         </a:xfrm>
         <a:prstGeom prst="rect">
           <a:avLst/>
@@ -10919,12 +11048,12 @@
         </a:fontRef>
       </dsp:style>
       <dsp:txBody>
-        <a:bodyPr spcFirstLastPara="0" vert="horz" wrap="square" lIns="3810" tIns="3810" rIns="3810" bIns="3810" numCol="1" spcCol="1270" anchor="ctr" anchorCtr="0">
+        <a:bodyPr spcFirstLastPara="0" vert="horz" wrap="square" lIns="3175" tIns="3175" rIns="3175" bIns="3175" numCol="1" spcCol="1270" anchor="ctr" anchorCtr="0">
           <a:noAutofit/>
         </a:bodyPr>
         <a:lstStyle/>
         <a:p>
-          <a:pPr marL="0" lvl="0" indent="0" algn="ctr" defTabSz="266700">
+          <a:pPr marL="0" lvl="0" indent="0" algn="ctr" defTabSz="222250">
             <a:lnSpc>
               <a:spcPct val="90000"/>
             </a:lnSpc>
@@ -10937,14 +11066,14 @@
             <a:buNone/>
           </a:pPr>
           <a:r>
-            <a:rPr lang="fr-FR" sz="600" kern="1200" dirty="0"/>
+            <a:rPr lang="fr-FR" sz="500" kern="1200" dirty="0"/>
             <a:t>Budget </a:t>
           </a:r>
         </a:p>
       </dsp:txBody>
       <dsp:txXfrm>
-        <a:off x="9011752" y="2820511"/>
-        <a:ext cx="660745" cy="330372"/>
+        <a:off x="9038854" y="2713978"/>
+        <a:ext cx="636218" cy="318109"/>
       </dsp:txXfrm>
     </dsp:sp>
     <dsp:sp modelId="{1F20BA95-876A-4CA7-8474-083218689804}">
@@ -10954,8 +11083,8 @@
       </dsp:nvSpPr>
       <dsp:spPr>
         <a:xfrm>
-          <a:off x="7412747" y="3289640"/>
-          <a:ext cx="660745" cy="330372"/>
+          <a:off x="7499205" y="3165693"/>
+          <a:ext cx="636218" cy="318109"/>
         </a:xfrm>
         <a:prstGeom prst="rect">
           <a:avLst/>
@@ -10998,12 +11127,12 @@
         </a:fontRef>
       </dsp:style>
       <dsp:txBody>
-        <a:bodyPr spcFirstLastPara="0" vert="horz" wrap="square" lIns="3810" tIns="3810" rIns="3810" bIns="3810" numCol="1" spcCol="1270" anchor="ctr" anchorCtr="0">
+        <a:bodyPr spcFirstLastPara="0" vert="horz" wrap="square" lIns="3175" tIns="3175" rIns="3175" bIns="3175" numCol="1" spcCol="1270" anchor="ctr" anchorCtr="0">
           <a:noAutofit/>
         </a:bodyPr>
         <a:lstStyle/>
         <a:p>
-          <a:pPr marL="0" lvl="0" indent="0" algn="ctr" defTabSz="266700">
+          <a:pPr marL="0" lvl="0" indent="0" algn="ctr" defTabSz="222250">
             <a:lnSpc>
               <a:spcPct val="90000"/>
             </a:lnSpc>
@@ -11016,15 +11145,15 @@
             <a:buNone/>
           </a:pPr>
           <a:r>
-            <a:rPr lang="fr-FR" sz="600" kern="1200" dirty="0" err="1"/>
+            <a:rPr lang="fr-FR" sz="500" kern="1200" dirty="0" err="1"/>
             <a:t>Cooking_time</a:t>
           </a:r>
-          <a:endParaRPr lang="fr-FR" sz="600" kern="1200" dirty="0"/>
+          <a:endParaRPr lang="fr-FR" sz="500" kern="1200" dirty="0"/>
         </a:p>
       </dsp:txBody>
       <dsp:txXfrm>
-        <a:off x="7412747" y="3289640"/>
-        <a:ext cx="660745" cy="330372"/>
+        <a:off x="7499205" y="3165693"/>
+        <a:ext cx="636218" cy="318109"/>
       </dsp:txXfrm>
     </dsp:sp>
     <dsp:sp modelId="{D086313A-D390-46C5-9D6A-A8D0967A109B}">
@@ -11034,8 +11163,8 @@
       </dsp:nvSpPr>
       <dsp:spPr>
         <a:xfrm>
-          <a:off x="9011752" y="3289640"/>
-          <a:ext cx="660745" cy="330372"/>
+          <a:off x="9038854" y="3165693"/>
+          <a:ext cx="636218" cy="318109"/>
         </a:xfrm>
         <a:prstGeom prst="rect">
           <a:avLst/>
@@ -11078,12 +11207,12 @@
         </a:fontRef>
       </dsp:style>
       <dsp:txBody>
-        <a:bodyPr spcFirstLastPara="0" vert="horz" wrap="square" lIns="3810" tIns="3810" rIns="3810" bIns="3810" numCol="1" spcCol="1270" anchor="ctr" anchorCtr="0">
+        <a:bodyPr spcFirstLastPara="0" vert="horz" wrap="square" lIns="3175" tIns="3175" rIns="3175" bIns="3175" numCol="1" spcCol="1270" anchor="ctr" anchorCtr="0">
           <a:noAutofit/>
         </a:bodyPr>
         <a:lstStyle/>
         <a:p>
-          <a:pPr marL="0" lvl="0" indent="0" algn="ctr" defTabSz="266700">
+          <a:pPr marL="0" lvl="0" indent="0" algn="ctr" defTabSz="222250">
             <a:lnSpc>
               <a:spcPct val="90000"/>
             </a:lnSpc>
@@ -11096,15 +11225,15 @@
             <a:buNone/>
           </a:pPr>
           <a:r>
-            <a:rPr lang="fr-FR" sz="600" kern="1200" dirty="0" err="1"/>
+            <a:rPr lang="fr-FR" sz="500" kern="1200" dirty="0" err="1"/>
             <a:t>Preparation_time</a:t>
           </a:r>
-          <a:endParaRPr lang="fr-FR" sz="600" kern="1200" dirty="0"/>
+          <a:endParaRPr lang="fr-FR" sz="500" kern="1200" dirty="0"/>
         </a:p>
       </dsp:txBody>
       <dsp:txXfrm>
-        <a:off x="9011752" y="3289640"/>
-        <a:ext cx="660745" cy="330372"/>
+        <a:off x="9038854" y="3165693"/>
+        <a:ext cx="636218" cy="318109"/>
       </dsp:txXfrm>
     </dsp:sp>
     <dsp:sp modelId="{0922FE8B-DF89-4405-8D8B-F8F3C875E2DD}">
@@ -11114,8 +11243,8 @@
       </dsp:nvSpPr>
       <dsp:spPr>
         <a:xfrm>
-          <a:off x="7412747" y="3758770"/>
-          <a:ext cx="660745" cy="330372"/>
+          <a:off x="7499205" y="3617408"/>
+          <a:ext cx="636218" cy="318109"/>
         </a:xfrm>
         <a:prstGeom prst="rect">
           <a:avLst/>
@@ -11158,12 +11287,12 @@
         </a:fontRef>
       </dsp:style>
       <dsp:txBody>
-        <a:bodyPr spcFirstLastPara="0" vert="horz" wrap="square" lIns="3810" tIns="3810" rIns="3810" bIns="3810" numCol="1" spcCol="1270" anchor="ctr" anchorCtr="0">
+        <a:bodyPr spcFirstLastPara="0" vert="horz" wrap="square" lIns="3175" tIns="3175" rIns="3175" bIns="3175" numCol="1" spcCol="1270" anchor="ctr" anchorCtr="0">
           <a:noAutofit/>
         </a:bodyPr>
         <a:lstStyle/>
         <a:p>
-          <a:pPr marL="0" lvl="0" indent="0" algn="ctr" defTabSz="266700">
+          <a:pPr marL="0" lvl="0" indent="0" algn="ctr" defTabSz="222250">
             <a:lnSpc>
               <a:spcPct val="90000"/>
             </a:lnSpc>
@@ -11176,15 +11305,15 @@
             <a:buNone/>
           </a:pPr>
           <a:r>
-            <a:rPr lang="fr-FR" sz="600" kern="1200" dirty="0" err="1"/>
+            <a:rPr lang="fr-FR" sz="500" kern="1200" dirty="0" err="1"/>
             <a:t>Level</a:t>
           </a:r>
-          <a:endParaRPr lang="fr-FR" sz="600" kern="1200" dirty="0"/>
+          <a:endParaRPr lang="fr-FR" sz="500" kern="1200" dirty="0"/>
         </a:p>
       </dsp:txBody>
       <dsp:txXfrm>
-        <a:off x="7412747" y="3758770"/>
-        <a:ext cx="660745" cy="330372"/>
+        <a:off x="7499205" y="3617408"/>
+        <a:ext cx="636218" cy="318109"/>
       </dsp:txXfrm>
     </dsp:sp>
     <dsp:sp modelId="{BCFCD26C-86D8-4D7F-B57A-880FC9A97A3F}">
@@ -11194,8 +11323,8 @@
       </dsp:nvSpPr>
       <dsp:spPr>
         <a:xfrm>
-          <a:off x="9011752" y="3758770"/>
-          <a:ext cx="660745" cy="330372"/>
+          <a:off x="9038854" y="3617408"/>
+          <a:ext cx="636218" cy="318109"/>
         </a:xfrm>
         <a:prstGeom prst="rect">
           <a:avLst/>
@@ -11238,12 +11367,12 @@
         </a:fontRef>
       </dsp:style>
       <dsp:txBody>
-        <a:bodyPr spcFirstLastPara="0" vert="horz" wrap="square" lIns="3810" tIns="3810" rIns="3810" bIns="3810" numCol="1" spcCol="1270" anchor="ctr" anchorCtr="0">
+        <a:bodyPr spcFirstLastPara="0" vert="horz" wrap="square" lIns="3175" tIns="3175" rIns="3175" bIns="3175" numCol="1" spcCol="1270" anchor="ctr" anchorCtr="0">
           <a:noAutofit/>
         </a:bodyPr>
         <a:lstStyle/>
         <a:p>
-          <a:pPr marL="0" lvl="0" indent="0" algn="ctr" defTabSz="266700">
+          <a:pPr marL="0" lvl="0" indent="0" algn="ctr" defTabSz="222250">
             <a:lnSpc>
               <a:spcPct val="90000"/>
             </a:lnSpc>
@@ -11256,15 +11385,15 @@
             <a:buNone/>
           </a:pPr>
           <a:r>
-            <a:rPr lang="fr-FR" sz="600" kern="1200" dirty="0" err="1"/>
+            <a:rPr lang="fr-FR" sz="500" kern="1200" dirty="0" err="1"/>
             <a:t>Number_serving</a:t>
           </a:r>
-          <a:endParaRPr lang="fr-FR" sz="600" kern="1200" dirty="0"/>
+          <a:endParaRPr lang="fr-FR" sz="500" kern="1200" dirty="0"/>
         </a:p>
       </dsp:txBody>
       <dsp:txXfrm>
-        <a:off x="9011752" y="3758770"/>
-        <a:ext cx="660745" cy="330372"/>
+        <a:off x="9038854" y="3617408"/>
+        <a:ext cx="636218" cy="318109"/>
       </dsp:txXfrm>
     </dsp:sp>
     <dsp:sp modelId="{E51E6F38-46A5-4263-9055-A1AEB09CD03A}">
@@ -11274,8 +11403,8 @@
       </dsp:nvSpPr>
       <dsp:spPr>
         <a:xfrm>
-          <a:off x="7412747" y="4227900"/>
-          <a:ext cx="660745" cy="330372"/>
+          <a:off x="7499205" y="4069124"/>
+          <a:ext cx="636218" cy="318109"/>
         </a:xfrm>
         <a:prstGeom prst="rect">
           <a:avLst/>
@@ -11318,12 +11447,12 @@
         </a:fontRef>
       </dsp:style>
       <dsp:txBody>
-        <a:bodyPr spcFirstLastPara="0" vert="horz" wrap="square" lIns="3810" tIns="3810" rIns="3810" bIns="3810" numCol="1" spcCol="1270" anchor="ctr" anchorCtr="0">
+        <a:bodyPr spcFirstLastPara="0" vert="horz" wrap="square" lIns="3175" tIns="3175" rIns="3175" bIns="3175" numCol="1" spcCol="1270" anchor="ctr" anchorCtr="0">
           <a:noAutofit/>
         </a:bodyPr>
         <a:lstStyle/>
         <a:p>
-          <a:pPr marL="0" lvl="0" indent="0" algn="ctr" defTabSz="266700">
+          <a:pPr marL="0" lvl="0" indent="0" algn="ctr" defTabSz="222250">
             <a:lnSpc>
               <a:spcPct val="90000"/>
             </a:lnSpc>
@@ -11336,15 +11465,15 @@
             <a:buNone/>
           </a:pPr>
           <a:r>
-            <a:rPr lang="fr-FR" sz="600" kern="1200" dirty="0" err="1"/>
+            <a:rPr lang="fr-FR" sz="500" kern="1200" dirty="0" err="1"/>
             <a:t>Step</a:t>
           </a:r>
-          <a:endParaRPr lang="fr-FR" sz="600" kern="1200" dirty="0"/>
+          <a:endParaRPr lang="fr-FR" sz="500" kern="1200" dirty="0"/>
         </a:p>
       </dsp:txBody>
       <dsp:txXfrm>
-        <a:off x="7412747" y="4227900"/>
-        <a:ext cx="660745" cy="330372"/>
+        <a:off x="7499205" y="4069124"/>
+        <a:ext cx="636218" cy="318109"/>
       </dsp:txXfrm>
     </dsp:sp>
     <dsp:sp modelId="{1005FA76-D947-46F8-8000-A279BD4348DD}">
@@ -11354,8 +11483,8 @@
       </dsp:nvSpPr>
       <dsp:spPr>
         <a:xfrm>
-          <a:off x="9011752" y="4227900"/>
-          <a:ext cx="660745" cy="330372"/>
+          <a:off x="9038854" y="4069124"/>
+          <a:ext cx="636218" cy="318109"/>
         </a:xfrm>
         <a:prstGeom prst="rect">
           <a:avLst/>
@@ -11398,12 +11527,12 @@
         </a:fontRef>
       </dsp:style>
       <dsp:txBody>
-        <a:bodyPr spcFirstLastPara="0" vert="horz" wrap="square" lIns="3810" tIns="3810" rIns="3810" bIns="3810" numCol="1" spcCol="1270" anchor="ctr" anchorCtr="0">
+        <a:bodyPr spcFirstLastPara="0" vert="horz" wrap="square" lIns="3175" tIns="3175" rIns="3175" bIns="3175" numCol="1" spcCol="1270" anchor="ctr" anchorCtr="0">
           <a:noAutofit/>
         </a:bodyPr>
         <a:lstStyle/>
         <a:p>
-          <a:pPr marL="0" lvl="0" indent="0" algn="ctr" defTabSz="266700">
+          <a:pPr marL="0" lvl="0" indent="0" algn="ctr" defTabSz="222250">
             <a:lnSpc>
               <a:spcPct val="90000"/>
             </a:lnSpc>
@@ -11416,14 +11545,14 @@
             <a:buNone/>
           </a:pPr>
           <a:r>
-            <a:rPr lang="fr-FR" sz="600" kern="1200" dirty="0"/>
+            <a:rPr lang="fr-FR" sz="500" kern="1200" dirty="0"/>
             <a:t>Rating</a:t>
           </a:r>
         </a:p>
       </dsp:txBody>
       <dsp:txXfrm>
-        <a:off x="9011752" y="4227900"/>
-        <a:ext cx="660745" cy="330372"/>
+        <a:off x="9038854" y="4069124"/>
+        <a:ext cx="636218" cy="318109"/>
       </dsp:txXfrm>
     </dsp:sp>
     <dsp:sp modelId="{1A5F4A39-3F72-454B-8E34-BA033BF3C5E1}">
@@ -11433,8 +11562,8 @@
       </dsp:nvSpPr>
       <dsp:spPr>
         <a:xfrm>
-          <a:off x="11410259" y="474863"/>
-          <a:ext cx="660745" cy="330372"/>
+          <a:off x="11348328" y="455401"/>
+          <a:ext cx="636218" cy="318109"/>
         </a:xfrm>
         <a:prstGeom prst="rect">
           <a:avLst/>
@@ -11477,12 +11606,12 @@
         </a:fontRef>
       </dsp:style>
       <dsp:txBody>
-        <a:bodyPr spcFirstLastPara="0" vert="horz" wrap="square" lIns="3810" tIns="3810" rIns="3810" bIns="3810" numCol="1" spcCol="1270" anchor="ctr" anchorCtr="0">
+        <a:bodyPr spcFirstLastPara="0" vert="horz" wrap="square" lIns="3175" tIns="3175" rIns="3175" bIns="3175" numCol="1" spcCol="1270" anchor="ctr" anchorCtr="0">
           <a:noAutofit/>
         </a:bodyPr>
         <a:lstStyle/>
         <a:p>
-          <a:pPr marL="0" lvl="0" indent="0" algn="ctr" defTabSz="266700">
+          <a:pPr marL="0" lvl="0" indent="0" algn="ctr" defTabSz="222250">
             <a:lnSpc>
               <a:spcPct val="90000"/>
             </a:lnSpc>
@@ -11495,15 +11624,15 @@
             <a:buNone/>
           </a:pPr>
           <a:r>
-            <a:rPr lang="fr-FR" sz="600" kern="1200" dirty="0" err="1"/>
+            <a:rPr lang="fr-FR" sz="500" kern="1200" dirty="0" err="1"/>
             <a:t>ingredients</a:t>
           </a:r>
-          <a:endParaRPr lang="fr-FR" sz="600" kern="1200" dirty="0"/>
+          <a:endParaRPr lang="fr-FR" sz="500" kern="1200" dirty="0"/>
         </a:p>
       </dsp:txBody>
       <dsp:txXfrm>
-        <a:off x="11410259" y="474863"/>
-        <a:ext cx="660745" cy="330372"/>
+        <a:off x="11348328" y="455401"/>
+        <a:ext cx="636218" cy="318109"/>
       </dsp:txXfrm>
     </dsp:sp>
     <dsp:sp modelId="{7C453B80-2575-4477-8225-282BC5C3B02F}">
@@ -11513,8 +11642,8 @@
       </dsp:nvSpPr>
       <dsp:spPr>
         <a:xfrm>
-          <a:off x="10610757" y="943993"/>
-          <a:ext cx="660745" cy="330372"/>
+          <a:off x="10578504" y="907116"/>
+          <a:ext cx="636218" cy="318109"/>
         </a:xfrm>
         <a:prstGeom prst="rect">
           <a:avLst/>
@@ -11557,12 +11686,12 @@
         </a:fontRef>
       </dsp:style>
       <dsp:txBody>
-        <a:bodyPr spcFirstLastPara="0" vert="horz" wrap="square" lIns="3810" tIns="3810" rIns="3810" bIns="3810" numCol="1" spcCol="1270" anchor="ctr" anchorCtr="0">
+        <a:bodyPr spcFirstLastPara="0" vert="horz" wrap="square" lIns="3175" tIns="3175" rIns="3175" bIns="3175" numCol="1" spcCol="1270" anchor="ctr" anchorCtr="0">
           <a:noAutofit/>
         </a:bodyPr>
         <a:lstStyle/>
         <a:p>
-          <a:pPr marL="0" lvl="0" indent="0" algn="ctr" defTabSz="266700">
+          <a:pPr marL="0" lvl="0" indent="0" algn="ctr" defTabSz="222250">
             <a:lnSpc>
               <a:spcPct val="90000"/>
             </a:lnSpc>
@@ -11575,15 +11704,15 @@
             <a:buNone/>
           </a:pPr>
           <a:r>
-            <a:rPr lang="fr-FR" sz="600" kern="1200" dirty="0" err="1"/>
+            <a:rPr lang="fr-FR" sz="500" kern="1200" dirty="0" err="1"/>
             <a:t>ingredient</a:t>
           </a:r>
-          <a:endParaRPr lang="fr-FR" sz="600" kern="1200" dirty="0"/>
+          <a:endParaRPr lang="fr-FR" sz="500" kern="1200" dirty="0"/>
         </a:p>
       </dsp:txBody>
       <dsp:txXfrm>
-        <a:off x="10610757" y="943993"/>
-        <a:ext cx="660745" cy="330372"/>
+        <a:off x="10578504" y="907116"/>
+        <a:ext cx="636218" cy="318109"/>
       </dsp:txXfrm>
     </dsp:sp>
     <dsp:sp modelId="{CFFB4314-3114-427D-9439-8EE9BFA47093}">
@@ -11593,8 +11722,8 @@
       </dsp:nvSpPr>
       <dsp:spPr>
         <a:xfrm>
-          <a:off x="10211006" y="1413122"/>
-          <a:ext cx="660745" cy="330372"/>
+          <a:off x="10193591" y="1358832"/>
+          <a:ext cx="636218" cy="318109"/>
         </a:xfrm>
         <a:prstGeom prst="rect">
           <a:avLst/>
@@ -11637,12 +11766,12 @@
         </a:fontRef>
       </dsp:style>
       <dsp:txBody>
-        <a:bodyPr spcFirstLastPara="0" vert="horz" wrap="square" lIns="3810" tIns="3810" rIns="3810" bIns="3810" numCol="1" spcCol="1270" anchor="ctr" anchorCtr="0">
+        <a:bodyPr spcFirstLastPara="0" vert="horz" wrap="square" lIns="3175" tIns="3175" rIns="3175" bIns="3175" numCol="1" spcCol="1270" anchor="ctr" anchorCtr="0">
           <a:noAutofit/>
         </a:bodyPr>
         <a:lstStyle/>
         <a:p>
-          <a:pPr marL="0" lvl="0" indent="0" algn="ctr" defTabSz="266700">
+          <a:pPr marL="0" lvl="0" indent="0" algn="ctr" defTabSz="222250">
             <a:lnSpc>
               <a:spcPct val="90000"/>
             </a:lnSpc>
@@ -11655,14 +11784,14 @@
             <a:buNone/>
           </a:pPr>
           <a:r>
-            <a:rPr lang="fr-FR" sz="600" kern="1200" dirty="0"/>
+            <a:rPr lang="fr-FR" sz="500" kern="1200" dirty="0"/>
             <a:t>Name</a:t>
           </a:r>
         </a:p>
       </dsp:txBody>
       <dsp:txXfrm>
-        <a:off x="10211006" y="1413122"/>
-        <a:ext cx="660745" cy="330372"/>
+        <a:off x="10193591" y="1358832"/>
+        <a:ext cx="636218" cy="318109"/>
       </dsp:txXfrm>
     </dsp:sp>
     <dsp:sp modelId="{5AEF1B41-FBF0-46FE-8187-960FE966BE9B}">
@@ -11672,8 +11801,8 @@
       </dsp:nvSpPr>
       <dsp:spPr>
         <a:xfrm>
-          <a:off x="11010508" y="1413122"/>
-          <a:ext cx="660745" cy="330372"/>
+          <a:off x="10963416" y="1358832"/>
+          <a:ext cx="636218" cy="318109"/>
         </a:xfrm>
         <a:prstGeom prst="rect">
           <a:avLst/>
@@ -11716,12 +11845,12 @@
         </a:fontRef>
       </dsp:style>
       <dsp:txBody>
-        <a:bodyPr spcFirstLastPara="0" vert="horz" wrap="square" lIns="3810" tIns="3810" rIns="3810" bIns="3810" numCol="1" spcCol="1270" anchor="ctr" anchorCtr="0">
+        <a:bodyPr spcFirstLastPara="0" vert="horz" wrap="square" lIns="3175" tIns="3175" rIns="3175" bIns="3175" numCol="1" spcCol="1270" anchor="ctr" anchorCtr="0">
           <a:noAutofit/>
         </a:bodyPr>
         <a:lstStyle/>
         <a:p>
-          <a:pPr marL="0" lvl="0" indent="0" algn="ctr" defTabSz="266700">
+          <a:pPr marL="0" lvl="0" indent="0" algn="ctr" defTabSz="222250">
             <a:lnSpc>
               <a:spcPct val="90000"/>
             </a:lnSpc>
@@ -11734,15 +11863,15 @@
             <a:buNone/>
           </a:pPr>
           <a:r>
-            <a:rPr lang="fr-FR" sz="600" kern="1200" dirty="0" err="1"/>
+            <a:rPr lang="fr-FR" sz="500" kern="1200" dirty="0" err="1"/>
             <a:t>Season</a:t>
           </a:r>
-          <a:endParaRPr lang="fr-FR" sz="600" kern="1200" dirty="0"/>
+          <a:endParaRPr lang="fr-FR" sz="500" kern="1200" dirty="0"/>
         </a:p>
       </dsp:txBody>
       <dsp:txXfrm>
-        <a:off x="11010508" y="1413122"/>
-        <a:ext cx="660745" cy="330372"/>
+        <a:off x="10963416" y="1358832"/>
+        <a:ext cx="636218" cy="318109"/>
       </dsp:txXfrm>
     </dsp:sp>
     <dsp:sp modelId="{2F5DA395-98D7-4FE9-ADDD-B78A90D4D5C8}">
@@ -11752,8 +11881,8 @@
       </dsp:nvSpPr>
       <dsp:spPr>
         <a:xfrm>
-          <a:off x="10211006" y="1882252"/>
-          <a:ext cx="660745" cy="330372"/>
+          <a:off x="10193591" y="1810547"/>
+          <a:ext cx="636218" cy="318109"/>
         </a:xfrm>
         <a:prstGeom prst="rect">
           <a:avLst/>
@@ -11796,12 +11925,12 @@
         </a:fontRef>
       </dsp:style>
       <dsp:txBody>
-        <a:bodyPr spcFirstLastPara="0" vert="horz" wrap="square" lIns="3810" tIns="3810" rIns="3810" bIns="3810" numCol="1" spcCol="1270" anchor="ctr" anchorCtr="0">
+        <a:bodyPr spcFirstLastPara="0" vert="horz" wrap="square" lIns="3175" tIns="3175" rIns="3175" bIns="3175" numCol="1" spcCol="1270" anchor="ctr" anchorCtr="0">
           <a:noAutofit/>
         </a:bodyPr>
         <a:lstStyle/>
         <a:p>
-          <a:pPr marL="0" lvl="0" indent="0" algn="ctr" defTabSz="266700">
+          <a:pPr marL="0" lvl="0" indent="0" algn="ctr" defTabSz="222250">
             <a:lnSpc>
               <a:spcPct val="90000"/>
             </a:lnSpc>
@@ -11814,14 +11943,14 @@
             <a:buNone/>
           </a:pPr>
           <a:r>
-            <a:rPr lang="fr-FR" sz="600" kern="1200" dirty="0"/>
+            <a:rPr lang="fr-FR" sz="500" kern="1200" dirty="0"/>
             <a:t>Budget</a:t>
           </a:r>
         </a:p>
       </dsp:txBody>
       <dsp:txXfrm>
-        <a:off x="10211006" y="1882252"/>
-        <a:ext cx="660745" cy="330372"/>
+        <a:off x="10193591" y="1810547"/>
+        <a:ext cx="636218" cy="318109"/>
       </dsp:txXfrm>
     </dsp:sp>
     <dsp:sp modelId="{7B729E8C-5D0D-4C65-A18C-D77CE62B6E3D}">
@@ -11831,8 +11960,8 @@
       </dsp:nvSpPr>
       <dsp:spPr>
         <a:xfrm>
-          <a:off x="8612001" y="4697029"/>
-          <a:ext cx="660745" cy="330372"/>
+          <a:off x="8653942" y="4520839"/>
+          <a:ext cx="636218" cy="318109"/>
         </a:xfrm>
         <a:prstGeom prst="rect">
           <a:avLst/>
@@ -11875,12 +12004,12 @@
         </a:fontRef>
       </dsp:style>
       <dsp:txBody>
-        <a:bodyPr spcFirstLastPara="0" vert="horz" wrap="square" lIns="3810" tIns="3810" rIns="3810" bIns="3810" numCol="1" spcCol="1270" anchor="ctr" anchorCtr="0">
+        <a:bodyPr spcFirstLastPara="0" vert="horz" wrap="square" lIns="3175" tIns="3175" rIns="3175" bIns="3175" numCol="1" spcCol="1270" anchor="ctr" anchorCtr="0">
           <a:noAutofit/>
         </a:bodyPr>
         <a:lstStyle/>
         <a:p>
-          <a:pPr marL="0" lvl="0" indent="0" algn="ctr" defTabSz="266700">
+          <a:pPr marL="0" lvl="0" indent="0" algn="ctr" defTabSz="222250">
             <a:lnSpc>
               <a:spcPct val="90000"/>
             </a:lnSpc>
@@ -11893,14 +12022,14 @@
             <a:buNone/>
           </a:pPr>
           <a:r>
-            <a:rPr lang="fr-FR" sz="600" kern="1200" dirty="0"/>
+            <a:rPr lang="fr-FR" sz="500" kern="1200" dirty="0"/>
             <a:t>menus</a:t>
           </a:r>
         </a:p>
       </dsp:txBody>
       <dsp:txXfrm>
-        <a:off x="8612001" y="4697029"/>
-        <a:ext cx="660745" cy="330372"/>
+        <a:off x="8653942" y="4520839"/>
+        <a:ext cx="636218" cy="318109"/>
       </dsp:txXfrm>
     </dsp:sp>
     <dsp:sp modelId="{CBC61EC5-8357-41D5-A566-A8644C9E413A}">
@@ -11910,8 +12039,8 @@
       </dsp:nvSpPr>
       <dsp:spPr>
         <a:xfrm>
-          <a:off x="7812498" y="5166159"/>
-          <a:ext cx="660745" cy="330372"/>
+          <a:off x="7884117" y="4972554"/>
+          <a:ext cx="636218" cy="318109"/>
         </a:xfrm>
         <a:prstGeom prst="rect">
           <a:avLst/>
@@ -11954,12 +12083,12 @@
         </a:fontRef>
       </dsp:style>
       <dsp:txBody>
-        <a:bodyPr spcFirstLastPara="0" vert="horz" wrap="square" lIns="3810" tIns="3810" rIns="3810" bIns="3810" numCol="1" spcCol="1270" anchor="ctr" anchorCtr="0">
+        <a:bodyPr spcFirstLastPara="0" vert="horz" wrap="square" lIns="3175" tIns="3175" rIns="3175" bIns="3175" numCol="1" spcCol="1270" anchor="ctr" anchorCtr="0">
           <a:noAutofit/>
         </a:bodyPr>
         <a:lstStyle/>
         <a:p>
-          <a:pPr marL="0" lvl="0" indent="0" algn="ctr" defTabSz="266700">
+          <a:pPr marL="0" lvl="0" indent="0" algn="ctr" defTabSz="222250">
             <a:lnSpc>
               <a:spcPct val="90000"/>
             </a:lnSpc>
@@ -11972,14 +12101,14 @@
             <a:buNone/>
           </a:pPr>
           <a:r>
-            <a:rPr lang="fr-FR" sz="600" kern="1200" dirty="0"/>
+            <a:rPr lang="fr-FR" sz="500" kern="1200" dirty="0"/>
             <a:t>Menu</a:t>
           </a:r>
         </a:p>
       </dsp:txBody>
       <dsp:txXfrm>
-        <a:off x="7812498" y="5166159"/>
-        <a:ext cx="660745" cy="330372"/>
+        <a:off x="7884117" y="4972554"/>
+        <a:ext cx="636218" cy="318109"/>
       </dsp:txXfrm>
     </dsp:sp>
     <dsp:sp modelId="{551598E9-034F-4447-97E1-782205478AE8}">
@@ -11989,8 +12118,8 @@
       </dsp:nvSpPr>
       <dsp:spPr>
         <a:xfrm>
-          <a:off x="7412747" y="5635288"/>
-          <a:ext cx="660745" cy="330372"/>
+          <a:off x="7499205" y="5424270"/>
+          <a:ext cx="636218" cy="318109"/>
         </a:xfrm>
         <a:prstGeom prst="rect">
           <a:avLst/>
@@ -12033,12 +12162,12 @@
         </a:fontRef>
       </dsp:style>
       <dsp:txBody>
-        <a:bodyPr spcFirstLastPara="0" vert="horz" wrap="square" lIns="3810" tIns="3810" rIns="3810" bIns="3810" numCol="1" spcCol="1270" anchor="ctr" anchorCtr="0">
+        <a:bodyPr spcFirstLastPara="0" vert="horz" wrap="square" lIns="3175" tIns="3175" rIns="3175" bIns="3175" numCol="1" spcCol="1270" anchor="ctr" anchorCtr="0">
           <a:noAutofit/>
         </a:bodyPr>
         <a:lstStyle/>
         <a:p>
-          <a:pPr marL="0" lvl="0" indent="0" algn="ctr" defTabSz="266700">
+          <a:pPr marL="0" lvl="0" indent="0" algn="ctr" defTabSz="222250">
             <a:lnSpc>
               <a:spcPct val="90000"/>
             </a:lnSpc>
@@ -12051,14 +12180,14 @@
             <a:buNone/>
           </a:pPr>
           <a:r>
-            <a:rPr lang="fr-FR" sz="600" kern="1200" dirty="0"/>
+            <a:rPr lang="fr-FR" sz="500" kern="1200" dirty="0"/>
             <a:t>Name</a:t>
           </a:r>
         </a:p>
       </dsp:txBody>
       <dsp:txXfrm>
-        <a:off x="7412747" y="5635288"/>
-        <a:ext cx="660745" cy="330372"/>
+        <a:off x="7499205" y="5424270"/>
+        <a:ext cx="636218" cy="318109"/>
       </dsp:txXfrm>
     </dsp:sp>
     <dsp:sp modelId="{05121054-EFD6-49CC-81C8-AF91D8C37724}">
@@ -12068,8 +12197,8 @@
       </dsp:nvSpPr>
       <dsp:spPr>
         <a:xfrm>
-          <a:off x="8212249" y="5635288"/>
-          <a:ext cx="660745" cy="330372"/>
+          <a:off x="8269030" y="5424270"/>
+          <a:ext cx="636218" cy="318109"/>
         </a:xfrm>
         <a:prstGeom prst="rect">
           <a:avLst/>
@@ -12112,12 +12241,12 @@
         </a:fontRef>
       </dsp:style>
       <dsp:txBody>
-        <a:bodyPr spcFirstLastPara="0" vert="horz" wrap="square" lIns="3810" tIns="3810" rIns="3810" bIns="3810" numCol="1" spcCol="1270" anchor="ctr" anchorCtr="0">
+        <a:bodyPr spcFirstLastPara="0" vert="horz" wrap="square" lIns="3175" tIns="3175" rIns="3175" bIns="3175" numCol="1" spcCol="1270" anchor="ctr" anchorCtr="0">
           <a:noAutofit/>
         </a:bodyPr>
         <a:lstStyle/>
         <a:p>
-          <a:pPr marL="0" lvl="0" indent="0" algn="ctr" defTabSz="266700">
+          <a:pPr marL="0" lvl="0" indent="0" algn="ctr" defTabSz="222250">
             <a:lnSpc>
               <a:spcPct val="90000"/>
             </a:lnSpc>
@@ -12130,15 +12259,15 @@
             <a:buNone/>
           </a:pPr>
           <a:r>
-            <a:rPr lang="fr-FR" sz="600" kern="1200" dirty="0" err="1"/>
+            <a:rPr lang="fr-FR" sz="500" kern="1200" dirty="0" err="1"/>
             <a:t>Number_recipe</a:t>
           </a:r>
-          <a:endParaRPr lang="fr-FR" sz="600" kern="1200" dirty="0"/>
+          <a:endParaRPr lang="fr-FR" sz="500" kern="1200" dirty="0"/>
         </a:p>
       </dsp:txBody>
       <dsp:txXfrm>
-        <a:off x="8212249" y="5635288"/>
-        <a:ext cx="660745" cy="330372"/>
+        <a:off x="8269030" y="5424270"/>
+        <a:ext cx="636218" cy="318109"/>
       </dsp:txXfrm>
     </dsp:sp>
     <dsp:sp modelId="{059FBCEB-C1E8-4D3B-AEFC-9AF2EAB5A0C0}">
@@ -12148,8 +12277,8 @@
       </dsp:nvSpPr>
       <dsp:spPr>
         <a:xfrm>
-          <a:off x="7412747" y="6104418"/>
-          <a:ext cx="660745" cy="330372"/>
+          <a:off x="7499205" y="5875985"/>
+          <a:ext cx="636218" cy="318109"/>
         </a:xfrm>
         <a:prstGeom prst="rect">
           <a:avLst/>
@@ -12192,12 +12321,12 @@
         </a:fontRef>
       </dsp:style>
       <dsp:txBody>
-        <a:bodyPr spcFirstLastPara="0" vert="horz" wrap="square" lIns="3810" tIns="3810" rIns="3810" bIns="3810" numCol="1" spcCol="1270" anchor="ctr" anchorCtr="0">
+        <a:bodyPr spcFirstLastPara="0" vert="horz" wrap="square" lIns="3175" tIns="3175" rIns="3175" bIns="3175" numCol="1" spcCol="1270" anchor="ctr" anchorCtr="0">
           <a:noAutofit/>
         </a:bodyPr>
         <a:lstStyle/>
         <a:p>
-          <a:pPr marL="0" lvl="0" indent="0" algn="ctr" defTabSz="266700">
+          <a:pPr marL="0" lvl="0" indent="0" algn="ctr" defTabSz="222250">
             <a:lnSpc>
               <a:spcPct val="90000"/>
             </a:lnSpc>
@@ -12210,15 +12339,15 @@
             <a:buNone/>
           </a:pPr>
           <a:r>
-            <a:rPr lang="fr-FR" sz="600" kern="1200" dirty="0" err="1"/>
+            <a:rPr lang="fr-FR" sz="500" kern="1200" dirty="0" err="1"/>
             <a:t>Recipe_list</a:t>
           </a:r>
-          <a:endParaRPr lang="fr-FR" sz="600" kern="1200" dirty="0"/>
+          <a:endParaRPr lang="fr-FR" sz="500" kern="1200" dirty="0"/>
         </a:p>
       </dsp:txBody>
       <dsp:txXfrm>
-        <a:off x="7412747" y="6104418"/>
-        <a:ext cx="660745" cy="330372"/>
+        <a:off x="7499205" y="5875985"/>
+        <a:ext cx="636218" cy="318109"/>
       </dsp:txXfrm>
     </dsp:sp>
     <dsp:sp modelId="{835FBC05-15F8-43EF-A036-E3BC2CA82BE9}">
@@ -12228,8 +12357,8 @@
       </dsp:nvSpPr>
       <dsp:spPr>
         <a:xfrm>
-          <a:off x="8212249" y="6104418"/>
-          <a:ext cx="660745" cy="330372"/>
+          <a:off x="8269030" y="5875985"/>
+          <a:ext cx="636218" cy="318109"/>
         </a:xfrm>
         <a:prstGeom prst="rect">
           <a:avLst/>
@@ -12272,12 +12401,12 @@
         </a:fontRef>
       </dsp:style>
       <dsp:txBody>
-        <a:bodyPr spcFirstLastPara="0" vert="horz" wrap="square" lIns="3810" tIns="3810" rIns="3810" bIns="3810" numCol="1" spcCol="1270" anchor="ctr" anchorCtr="0">
+        <a:bodyPr spcFirstLastPara="0" vert="horz" wrap="square" lIns="3175" tIns="3175" rIns="3175" bIns="3175" numCol="1" spcCol="1270" anchor="ctr" anchorCtr="0">
           <a:noAutofit/>
         </a:bodyPr>
         <a:lstStyle/>
         <a:p>
-          <a:pPr marL="0" lvl="0" indent="0" algn="ctr" defTabSz="266700">
+          <a:pPr marL="0" lvl="0" indent="0" algn="ctr" defTabSz="222250">
             <a:lnSpc>
               <a:spcPct val="90000"/>
             </a:lnSpc>
@@ -12290,14 +12419,14 @@
             <a:buNone/>
           </a:pPr>
           <a:r>
-            <a:rPr lang="fr-FR" sz="600" kern="1200" dirty="0"/>
+            <a:rPr lang="fr-FR" sz="500" kern="1200" dirty="0"/>
             <a:t>Budget</a:t>
           </a:r>
         </a:p>
       </dsp:txBody>
       <dsp:txXfrm>
-        <a:off x="8212249" y="6104418"/>
-        <a:ext cx="660745" cy="330372"/>
+        <a:off x="8269030" y="5875985"/>
+        <a:ext cx="636218" cy="318109"/>
       </dsp:txXfrm>
     </dsp:sp>
     <dsp:sp modelId="{E2F6B417-5BD4-4008-AAF6-B738C8BED1E8}">
@@ -12307,8 +12436,8 @@
       </dsp:nvSpPr>
       <dsp:spPr>
         <a:xfrm>
-          <a:off x="7412747" y="6573547"/>
-          <a:ext cx="660745" cy="330372"/>
+          <a:off x="7499205" y="6327700"/>
+          <a:ext cx="636218" cy="318109"/>
         </a:xfrm>
         <a:prstGeom prst="rect">
           <a:avLst/>
@@ -12351,12 +12480,12 @@
         </a:fontRef>
       </dsp:style>
       <dsp:txBody>
-        <a:bodyPr spcFirstLastPara="0" vert="horz" wrap="square" lIns="3810" tIns="3810" rIns="3810" bIns="3810" numCol="1" spcCol="1270" anchor="ctr" anchorCtr="0">
+        <a:bodyPr spcFirstLastPara="0" vert="horz" wrap="square" lIns="3175" tIns="3175" rIns="3175" bIns="3175" numCol="1" spcCol="1270" anchor="ctr" anchorCtr="0">
           <a:noAutofit/>
         </a:bodyPr>
         <a:lstStyle/>
         <a:p>
-          <a:pPr marL="0" lvl="0" indent="0" algn="ctr" defTabSz="266700">
+          <a:pPr marL="0" lvl="0" indent="0" algn="ctr" defTabSz="222250">
             <a:lnSpc>
               <a:spcPct val="90000"/>
             </a:lnSpc>
@@ -12369,14 +12498,14 @@
             <a:buNone/>
           </a:pPr>
           <a:r>
-            <a:rPr lang="fr-FR" sz="600" kern="1200" dirty="0"/>
+            <a:rPr lang="fr-FR" sz="500" kern="1200" dirty="0"/>
             <a:t>Rating</a:t>
           </a:r>
         </a:p>
       </dsp:txBody>
       <dsp:txXfrm>
-        <a:off x="7412747" y="6573547"/>
-        <a:ext cx="660745" cy="330372"/>
+        <a:off x="7499205" y="6327700"/>
+        <a:ext cx="636218" cy="318109"/>
       </dsp:txXfrm>
     </dsp:sp>
     <dsp:sp modelId="{8E052154-49ED-445C-A8C9-E6354099F9EA}">
@@ -12386,8 +12515,8 @@
       </dsp:nvSpPr>
       <dsp:spPr>
         <a:xfrm>
-          <a:off x="8212249" y="6573547"/>
-          <a:ext cx="660745" cy="330372"/>
+          <a:off x="8269030" y="6327700"/>
+          <a:ext cx="636218" cy="318109"/>
         </a:xfrm>
         <a:prstGeom prst="rect">
           <a:avLst/>
@@ -12430,12 +12559,12 @@
         </a:fontRef>
       </dsp:style>
       <dsp:txBody>
-        <a:bodyPr spcFirstLastPara="0" vert="horz" wrap="square" lIns="3810" tIns="3810" rIns="3810" bIns="3810" numCol="1" spcCol="1270" anchor="ctr" anchorCtr="0">
+        <a:bodyPr spcFirstLastPara="0" vert="horz" wrap="square" lIns="3175" tIns="3175" rIns="3175" bIns="3175" numCol="1" spcCol="1270" anchor="ctr" anchorCtr="0">
           <a:noAutofit/>
         </a:bodyPr>
         <a:lstStyle/>
         <a:p>
-          <a:pPr marL="0" lvl="0" indent="0" algn="ctr" defTabSz="266700">
+          <a:pPr marL="0" lvl="0" indent="0" algn="ctr" defTabSz="222250">
             <a:lnSpc>
               <a:spcPct val="90000"/>
             </a:lnSpc>
@@ -12448,14 +12577,14 @@
             <a:buNone/>
           </a:pPr>
           <a:r>
-            <a:rPr lang="fr-FR" sz="600" kern="1200" dirty="0"/>
+            <a:rPr lang="fr-FR" sz="500" kern="1200" dirty="0"/>
             <a:t>Description</a:t>
           </a:r>
         </a:p>
       </dsp:txBody>
       <dsp:txXfrm>
-        <a:off x="8212249" y="6573547"/>
-        <a:ext cx="660745" cy="330372"/>
+        <a:off x="8269030" y="6327700"/>
+        <a:ext cx="636218" cy="318109"/>
       </dsp:txXfrm>
     </dsp:sp>
     <dsp:sp modelId="{00D5D10B-8AA0-43B3-889D-6ED1CE84029D}">
@@ -12465,8 +12594,8 @@
       </dsp:nvSpPr>
       <dsp:spPr>
         <a:xfrm>
-          <a:off x="11410259" y="4697029"/>
-          <a:ext cx="660745" cy="330372"/>
+          <a:off x="11348328" y="4520839"/>
+          <a:ext cx="636218" cy="318109"/>
         </a:xfrm>
         <a:prstGeom prst="rect">
           <a:avLst/>
@@ -12509,12 +12638,12 @@
         </a:fontRef>
       </dsp:style>
       <dsp:txBody>
-        <a:bodyPr spcFirstLastPara="0" vert="horz" wrap="square" lIns="3810" tIns="3810" rIns="3810" bIns="3810" numCol="1" spcCol="1270" anchor="ctr" anchorCtr="0">
+        <a:bodyPr spcFirstLastPara="0" vert="horz" wrap="square" lIns="3175" tIns="3175" rIns="3175" bIns="3175" numCol="1" spcCol="1270" anchor="ctr" anchorCtr="0">
           <a:noAutofit/>
         </a:bodyPr>
         <a:lstStyle/>
         <a:p>
-          <a:pPr marL="0" lvl="0" indent="0" algn="ctr" defTabSz="266700">
+          <a:pPr marL="0" lvl="0" indent="0" algn="ctr" defTabSz="222250">
             <a:lnSpc>
               <a:spcPct val="90000"/>
             </a:lnSpc>
@@ -12527,14 +12656,14 @@
             <a:buNone/>
           </a:pPr>
           <a:r>
-            <a:rPr lang="fr-FR" sz="600" kern="1200" dirty="0"/>
+            <a:rPr lang="fr-FR" sz="500" kern="1200" dirty="0"/>
             <a:t>Nutritions</a:t>
           </a:r>
         </a:p>
       </dsp:txBody>
       <dsp:txXfrm>
-        <a:off x="11410259" y="4697029"/>
-        <a:ext cx="660745" cy="330372"/>
+        <a:off x="11348328" y="4520839"/>
+        <a:ext cx="636218" cy="318109"/>
       </dsp:txXfrm>
     </dsp:sp>
     <dsp:sp modelId="{96061F53-08F3-4E09-B7D7-23E0C5D08D8B}">
@@ -12544,8 +12673,8 @@
       </dsp:nvSpPr>
       <dsp:spPr>
         <a:xfrm>
-          <a:off x="10610757" y="5166159"/>
-          <a:ext cx="660745" cy="330372"/>
+          <a:off x="10578504" y="4972554"/>
+          <a:ext cx="636218" cy="318109"/>
         </a:xfrm>
         <a:prstGeom prst="rect">
           <a:avLst/>
@@ -12588,12 +12717,12 @@
         </a:fontRef>
       </dsp:style>
       <dsp:txBody>
-        <a:bodyPr spcFirstLastPara="0" vert="horz" wrap="square" lIns="3810" tIns="3810" rIns="3810" bIns="3810" numCol="1" spcCol="1270" anchor="ctr" anchorCtr="0">
+        <a:bodyPr spcFirstLastPara="0" vert="horz" wrap="square" lIns="3175" tIns="3175" rIns="3175" bIns="3175" numCol="1" spcCol="1270" anchor="ctr" anchorCtr="0">
           <a:noAutofit/>
         </a:bodyPr>
         <a:lstStyle/>
         <a:p>
-          <a:pPr marL="0" lvl="0" indent="0" algn="ctr" defTabSz="266700">
+          <a:pPr marL="0" lvl="0" indent="0" algn="ctr" defTabSz="222250">
             <a:lnSpc>
               <a:spcPct val="90000"/>
             </a:lnSpc>
@@ -12606,14 +12735,14 @@
             <a:buNone/>
           </a:pPr>
           <a:r>
-            <a:rPr lang="fr-FR" sz="600" kern="1200" dirty="0"/>
+            <a:rPr lang="fr-FR" sz="500" kern="1200" dirty="0"/>
             <a:t>Nutrition</a:t>
           </a:r>
         </a:p>
       </dsp:txBody>
       <dsp:txXfrm>
-        <a:off x="10610757" y="5166159"/>
-        <a:ext cx="660745" cy="330372"/>
+        <a:off x="10578504" y="4972554"/>
+        <a:ext cx="636218" cy="318109"/>
       </dsp:txXfrm>
     </dsp:sp>
     <dsp:sp modelId="{248F3600-CB79-4891-ADA9-3921BA2D6F2C}">
@@ -12623,8 +12752,8 @@
       </dsp:nvSpPr>
       <dsp:spPr>
         <a:xfrm>
-          <a:off x="10211006" y="5635288"/>
-          <a:ext cx="660745" cy="330372"/>
+          <a:off x="10193591" y="5424270"/>
+          <a:ext cx="636218" cy="318109"/>
         </a:xfrm>
         <a:prstGeom prst="rect">
           <a:avLst/>
@@ -12667,12 +12796,12 @@
         </a:fontRef>
       </dsp:style>
       <dsp:txBody>
-        <a:bodyPr spcFirstLastPara="0" vert="horz" wrap="square" lIns="3810" tIns="3810" rIns="3810" bIns="3810" numCol="1" spcCol="1270" anchor="ctr" anchorCtr="0">
+        <a:bodyPr spcFirstLastPara="0" vert="horz" wrap="square" lIns="3175" tIns="3175" rIns="3175" bIns="3175" numCol="1" spcCol="1270" anchor="ctr" anchorCtr="0">
           <a:noAutofit/>
         </a:bodyPr>
         <a:lstStyle/>
         <a:p>
-          <a:pPr marL="0" lvl="0" indent="0" algn="ctr" defTabSz="266700">
+          <a:pPr marL="0" lvl="0" indent="0" algn="ctr" defTabSz="222250">
             <a:lnSpc>
               <a:spcPct val="90000"/>
             </a:lnSpc>
@@ -12685,26 +12814,26 @@
             <a:buNone/>
           </a:pPr>
           <a:r>
-            <a:rPr lang="fr-FR" sz="600" kern="1200" dirty="0" err="1"/>
+            <a:rPr lang="fr-FR" sz="500" kern="1200" dirty="0" err="1"/>
             <a:t>RecipeID</a:t>
           </a:r>
           <a:br>
-            <a:rPr lang="fr-FR" sz="600" kern="1200" dirty="0"/>
+            <a:rPr lang="fr-FR" sz="500" kern="1200" dirty="0"/>
           </a:br>
           <a:r>
-            <a:rPr lang="fr-FR" sz="600" kern="1200" dirty="0"/>
+            <a:rPr lang="fr-FR" sz="500" kern="1200" dirty="0"/>
             <a:t>Key of </a:t>
           </a:r>
           <a:r>
-            <a:rPr lang="fr-FR" sz="600" kern="1200" dirty="0" err="1"/>
+            <a:rPr lang="fr-FR" sz="500" kern="1200" dirty="0" err="1"/>
             <a:t>NutID</a:t>
           </a:r>
-          <a:endParaRPr lang="fr-FR" sz="600" kern="1200" dirty="0"/>
+          <a:endParaRPr lang="fr-FR" sz="500" kern="1200" dirty="0"/>
         </a:p>
       </dsp:txBody>
       <dsp:txXfrm>
-        <a:off x="10211006" y="5635288"/>
-        <a:ext cx="660745" cy="330372"/>
+        <a:off x="10193591" y="5424270"/>
+        <a:ext cx="636218" cy="318109"/>
       </dsp:txXfrm>
     </dsp:sp>
     <dsp:sp modelId="{7383D0D0-0515-4684-AFF0-5F0F362D0779}">
@@ -12714,8 +12843,8 @@
       </dsp:nvSpPr>
       <dsp:spPr>
         <a:xfrm>
-          <a:off x="11010508" y="5635288"/>
-          <a:ext cx="660745" cy="330372"/>
+          <a:off x="10963416" y="5424270"/>
+          <a:ext cx="636218" cy="318109"/>
         </a:xfrm>
         <a:prstGeom prst="rect">
           <a:avLst/>
@@ -12758,12 +12887,12 @@
         </a:fontRef>
       </dsp:style>
       <dsp:txBody>
-        <a:bodyPr spcFirstLastPara="0" vert="horz" wrap="square" lIns="3810" tIns="3810" rIns="3810" bIns="3810" numCol="1" spcCol="1270" anchor="ctr" anchorCtr="0">
+        <a:bodyPr spcFirstLastPara="0" vert="horz" wrap="square" lIns="3175" tIns="3175" rIns="3175" bIns="3175" numCol="1" spcCol="1270" anchor="ctr" anchorCtr="0">
           <a:noAutofit/>
         </a:bodyPr>
         <a:lstStyle/>
         <a:p>
-          <a:pPr marL="0" lvl="0" indent="0" algn="ctr" defTabSz="266700">
+          <a:pPr marL="0" lvl="0" indent="0" algn="ctr" defTabSz="222250">
             <a:lnSpc>
               <a:spcPct val="90000"/>
             </a:lnSpc>
@@ -12776,15 +12905,15 @@
             <a:buNone/>
           </a:pPr>
           <a:r>
-            <a:rPr lang="fr-FR" sz="600" kern="1200" dirty="0" err="1"/>
+            <a:rPr lang="fr-FR" sz="500" kern="1200" dirty="0" err="1"/>
             <a:t>Recipe_name</a:t>
           </a:r>
-          <a:endParaRPr lang="fr-FR" sz="600" kern="1200" dirty="0"/>
+          <a:endParaRPr lang="fr-FR" sz="500" kern="1200" dirty="0"/>
         </a:p>
       </dsp:txBody>
       <dsp:txXfrm>
-        <a:off x="11010508" y="5635288"/>
-        <a:ext cx="660745" cy="330372"/>
+        <a:off x="10963416" y="5424270"/>
+        <a:ext cx="636218" cy="318109"/>
       </dsp:txXfrm>
     </dsp:sp>
     <dsp:sp modelId="{F2D1A4CC-10AC-4501-93C6-C16062E965E5}">
@@ -12794,8 +12923,8 @@
       </dsp:nvSpPr>
       <dsp:spPr>
         <a:xfrm>
-          <a:off x="10211006" y="6104418"/>
-          <a:ext cx="660745" cy="330372"/>
+          <a:off x="10193591" y="5875985"/>
+          <a:ext cx="636218" cy="318109"/>
         </a:xfrm>
         <a:prstGeom prst="rect">
           <a:avLst/>
@@ -12838,12 +12967,12 @@
         </a:fontRef>
       </dsp:style>
       <dsp:txBody>
-        <a:bodyPr spcFirstLastPara="0" vert="horz" wrap="square" lIns="3810" tIns="3810" rIns="3810" bIns="3810" numCol="1" spcCol="1270" anchor="ctr" anchorCtr="0">
+        <a:bodyPr spcFirstLastPara="0" vert="horz" wrap="square" lIns="3175" tIns="3175" rIns="3175" bIns="3175" numCol="1" spcCol="1270" anchor="ctr" anchorCtr="0">
           <a:noAutofit/>
         </a:bodyPr>
         <a:lstStyle/>
         <a:p>
-          <a:pPr marL="0" lvl="0" indent="0" algn="ctr" defTabSz="266700">
+          <a:pPr marL="0" lvl="0" indent="0" algn="ctr" defTabSz="222250">
             <a:lnSpc>
               <a:spcPct val="90000"/>
             </a:lnSpc>
@@ -12856,14 +12985,14 @@
             <a:buNone/>
           </a:pPr>
           <a:r>
-            <a:rPr lang="fr-FR" sz="600" kern="1200" dirty="0"/>
+            <a:rPr lang="fr-FR" sz="500" kern="1200" dirty="0"/>
             <a:t>Energy</a:t>
           </a:r>
         </a:p>
       </dsp:txBody>
       <dsp:txXfrm>
-        <a:off x="10211006" y="6104418"/>
-        <a:ext cx="660745" cy="330372"/>
+        <a:off x="10193591" y="5875985"/>
+        <a:ext cx="636218" cy="318109"/>
       </dsp:txXfrm>
     </dsp:sp>
     <dsp:sp modelId="{E4AC0109-0A2D-4A2D-927D-BF34315E0098}">
@@ -12873,8 +13002,8 @@
       </dsp:nvSpPr>
       <dsp:spPr>
         <a:xfrm>
-          <a:off x="11010508" y="6104418"/>
-          <a:ext cx="660745" cy="330372"/>
+          <a:off x="10963416" y="5875985"/>
+          <a:ext cx="636218" cy="318109"/>
         </a:xfrm>
         <a:prstGeom prst="rect">
           <a:avLst/>
@@ -12917,12 +13046,12 @@
         </a:fontRef>
       </dsp:style>
       <dsp:txBody>
-        <a:bodyPr spcFirstLastPara="0" vert="horz" wrap="square" lIns="3810" tIns="3810" rIns="3810" bIns="3810" numCol="1" spcCol="1270" anchor="ctr" anchorCtr="0">
+        <a:bodyPr spcFirstLastPara="0" vert="horz" wrap="square" lIns="3175" tIns="3175" rIns="3175" bIns="3175" numCol="1" spcCol="1270" anchor="ctr" anchorCtr="0">
           <a:noAutofit/>
         </a:bodyPr>
         <a:lstStyle/>
         <a:p>
-          <a:pPr marL="0" lvl="0" indent="0" algn="ctr" defTabSz="266700">
+          <a:pPr marL="0" lvl="0" indent="0" algn="ctr" defTabSz="222250">
             <a:lnSpc>
               <a:spcPct val="90000"/>
             </a:lnSpc>
@@ -12935,15 +13064,15 @@
             <a:buNone/>
           </a:pPr>
           <a:r>
-            <a:rPr lang="fr-FR" sz="600" kern="1200" dirty="0" err="1"/>
+            <a:rPr lang="fr-FR" sz="500" kern="1200" dirty="0" err="1"/>
             <a:t>Total_fat</a:t>
           </a:r>
-          <a:endParaRPr lang="fr-FR" sz="600" kern="1200" dirty="0"/>
+          <a:endParaRPr lang="fr-FR" sz="500" kern="1200" dirty="0"/>
         </a:p>
       </dsp:txBody>
       <dsp:txXfrm>
-        <a:off x="11010508" y="6104418"/>
-        <a:ext cx="660745" cy="330372"/>
+        <a:off x="10963416" y="5875985"/>
+        <a:ext cx="636218" cy="318109"/>
       </dsp:txXfrm>
     </dsp:sp>
     <dsp:sp modelId="{1D6E1A72-0CCB-4925-886F-31DD3E434CE0}">
@@ -12953,8 +13082,8 @@
       </dsp:nvSpPr>
       <dsp:spPr>
         <a:xfrm>
-          <a:off x="10211006" y="6573547"/>
-          <a:ext cx="660745" cy="330372"/>
+          <a:off x="10193591" y="6327700"/>
+          <a:ext cx="636218" cy="318109"/>
         </a:xfrm>
         <a:prstGeom prst="rect">
           <a:avLst/>
@@ -12997,12 +13126,12 @@
         </a:fontRef>
       </dsp:style>
       <dsp:txBody>
-        <a:bodyPr spcFirstLastPara="0" vert="horz" wrap="square" lIns="3810" tIns="3810" rIns="3810" bIns="3810" numCol="1" spcCol="1270" anchor="ctr" anchorCtr="0">
+        <a:bodyPr spcFirstLastPara="0" vert="horz" wrap="square" lIns="3175" tIns="3175" rIns="3175" bIns="3175" numCol="1" spcCol="1270" anchor="ctr" anchorCtr="0">
           <a:noAutofit/>
         </a:bodyPr>
         <a:lstStyle/>
         <a:p>
-          <a:pPr marL="0" lvl="0" indent="0" algn="ctr" defTabSz="266700">
+          <a:pPr marL="0" lvl="0" indent="0" algn="ctr" defTabSz="222250">
             <a:lnSpc>
               <a:spcPct val="90000"/>
             </a:lnSpc>
@@ -13015,15 +13144,15 @@
             <a:buNone/>
           </a:pPr>
           <a:r>
-            <a:rPr lang="fr-FR" sz="600" kern="1200" dirty="0" err="1"/>
+            <a:rPr lang="fr-FR" sz="500" kern="1200" dirty="0" err="1"/>
             <a:t>Cholesterol</a:t>
           </a:r>
-          <a:endParaRPr lang="fr-FR" sz="600" kern="1200" dirty="0"/>
+          <a:endParaRPr lang="fr-FR" sz="500" kern="1200" dirty="0"/>
         </a:p>
       </dsp:txBody>
       <dsp:txXfrm>
-        <a:off x="10211006" y="6573547"/>
-        <a:ext cx="660745" cy="330372"/>
+        <a:off x="10193591" y="6327700"/>
+        <a:ext cx="636218" cy="318109"/>
       </dsp:txXfrm>
     </dsp:sp>
     <dsp:sp modelId="{0B4C3548-DCBD-4D42-8983-02DC77F07D6B}">
@@ -13033,8 +13162,8 @@
       </dsp:nvSpPr>
       <dsp:spPr>
         <a:xfrm>
-          <a:off x="11010508" y="6573547"/>
-          <a:ext cx="660745" cy="330372"/>
+          <a:off x="10963416" y="6327700"/>
+          <a:ext cx="636218" cy="318109"/>
         </a:xfrm>
         <a:prstGeom prst="rect">
           <a:avLst/>
@@ -13077,12 +13206,12 @@
         </a:fontRef>
       </dsp:style>
       <dsp:txBody>
-        <a:bodyPr spcFirstLastPara="0" vert="horz" wrap="square" lIns="3810" tIns="3810" rIns="3810" bIns="3810" numCol="1" spcCol="1270" anchor="ctr" anchorCtr="0">
+        <a:bodyPr spcFirstLastPara="0" vert="horz" wrap="square" lIns="3175" tIns="3175" rIns="3175" bIns="3175" numCol="1" spcCol="1270" anchor="ctr" anchorCtr="0">
           <a:noAutofit/>
         </a:bodyPr>
         <a:lstStyle/>
         <a:p>
-          <a:pPr marL="0" lvl="0" indent="0" algn="ctr" defTabSz="266700">
+          <a:pPr marL="0" lvl="0" indent="0" algn="ctr" defTabSz="222250">
             <a:lnSpc>
               <a:spcPct val="90000"/>
             </a:lnSpc>
@@ -13095,14 +13224,14 @@
             <a:buNone/>
           </a:pPr>
           <a:r>
-            <a:rPr lang="fr-FR" sz="600" kern="1200" dirty="0"/>
+            <a:rPr lang="fr-FR" sz="500" kern="1200" dirty="0"/>
             <a:t>Salt</a:t>
           </a:r>
         </a:p>
       </dsp:txBody>
       <dsp:txXfrm>
-        <a:off x="11010508" y="6573547"/>
-        <a:ext cx="660745" cy="330372"/>
+        <a:off x="10963416" y="6327700"/>
+        <a:ext cx="636218" cy="318109"/>
       </dsp:txXfrm>
     </dsp:sp>
     <dsp:sp modelId="{ED02FAB8-9A57-4CEB-968B-9D9EEF96143F}">
@@ -13112,8 +13241,8 @@
       </dsp:nvSpPr>
       <dsp:spPr>
         <a:xfrm>
-          <a:off x="10211006" y="7042677"/>
-          <a:ext cx="660745" cy="330372"/>
+          <a:off x="10193591" y="6779415"/>
+          <a:ext cx="636218" cy="318109"/>
         </a:xfrm>
         <a:prstGeom prst="rect">
           <a:avLst/>
@@ -13156,12 +13285,12 @@
         </a:fontRef>
       </dsp:style>
       <dsp:txBody>
-        <a:bodyPr spcFirstLastPara="0" vert="horz" wrap="square" lIns="3810" tIns="3810" rIns="3810" bIns="3810" numCol="1" spcCol="1270" anchor="ctr" anchorCtr="0">
+        <a:bodyPr spcFirstLastPara="0" vert="horz" wrap="square" lIns="3175" tIns="3175" rIns="3175" bIns="3175" numCol="1" spcCol="1270" anchor="ctr" anchorCtr="0">
           <a:noAutofit/>
         </a:bodyPr>
         <a:lstStyle/>
         <a:p>
-          <a:pPr marL="0" lvl="0" indent="0" algn="ctr" defTabSz="266700">
+          <a:pPr marL="0" lvl="0" indent="0" algn="ctr" defTabSz="222250">
             <a:lnSpc>
               <a:spcPct val="90000"/>
             </a:lnSpc>
@@ -13174,15 +13303,15 @@
             <a:buNone/>
           </a:pPr>
           <a:r>
-            <a:rPr lang="fr-FR" sz="600" kern="1200" dirty="0" err="1"/>
+            <a:rPr lang="fr-FR" sz="500" kern="1200" dirty="0" err="1"/>
             <a:t>Total_carbohydrate</a:t>
           </a:r>
-          <a:endParaRPr lang="fr-FR" sz="600" kern="1200" dirty="0"/>
+          <a:endParaRPr lang="fr-FR" sz="500" kern="1200" dirty="0"/>
         </a:p>
       </dsp:txBody>
       <dsp:txXfrm>
-        <a:off x="10211006" y="7042677"/>
-        <a:ext cx="660745" cy="330372"/>
+        <a:off x="10193591" y="6779415"/>
+        <a:ext cx="636218" cy="318109"/>
       </dsp:txXfrm>
     </dsp:sp>
     <dsp:sp modelId="{17A061EB-22ED-47DA-B8FA-E23925F2334C}">
@@ -13192,8 +13321,8 @@
       </dsp:nvSpPr>
       <dsp:spPr>
         <a:xfrm>
-          <a:off x="11010508" y="7042677"/>
-          <a:ext cx="660745" cy="330372"/>
+          <a:off x="10963416" y="6779415"/>
+          <a:ext cx="636218" cy="318109"/>
         </a:xfrm>
         <a:prstGeom prst="rect">
           <a:avLst/>
@@ -13236,12 +13365,12 @@
         </a:fontRef>
       </dsp:style>
       <dsp:txBody>
-        <a:bodyPr spcFirstLastPara="0" vert="horz" wrap="square" lIns="3810" tIns="3810" rIns="3810" bIns="3810" numCol="1" spcCol="1270" anchor="ctr" anchorCtr="0">
+        <a:bodyPr spcFirstLastPara="0" vert="horz" wrap="square" lIns="3175" tIns="3175" rIns="3175" bIns="3175" numCol="1" spcCol="1270" anchor="ctr" anchorCtr="0">
           <a:noAutofit/>
         </a:bodyPr>
         <a:lstStyle/>
         <a:p>
-          <a:pPr marL="0" lvl="0" indent="0" algn="ctr" defTabSz="266700">
+          <a:pPr marL="0" lvl="0" indent="0" algn="ctr" defTabSz="222250">
             <a:lnSpc>
               <a:spcPct val="90000"/>
             </a:lnSpc>
@@ -13254,15 +13383,15 @@
             <a:buNone/>
           </a:pPr>
           <a:r>
-            <a:rPr lang="fr-FR" sz="600" kern="1200" dirty="0" err="1"/>
+            <a:rPr lang="fr-FR" sz="500" kern="1200" dirty="0" err="1"/>
             <a:t>protein</a:t>
           </a:r>
-          <a:endParaRPr lang="fr-FR" sz="600" kern="1200" dirty="0"/>
+          <a:endParaRPr lang="fr-FR" sz="500" kern="1200" dirty="0"/>
         </a:p>
       </dsp:txBody>
       <dsp:txXfrm>
-        <a:off x="11010508" y="7042677"/>
-        <a:ext cx="660745" cy="330372"/>
+        <a:off x="10963416" y="6779415"/>
+        <a:ext cx="636218" cy="318109"/>
       </dsp:txXfrm>
     </dsp:sp>
     <dsp:sp modelId="{BD989610-072D-44CD-9333-4475C63B1B88}">
@@ -13272,8 +13401,8 @@
       </dsp:nvSpPr>
       <dsp:spPr>
         <a:xfrm>
-          <a:off x="7812498" y="7511807"/>
-          <a:ext cx="660745" cy="330372"/>
+          <a:off x="7884117" y="7231131"/>
+          <a:ext cx="636218" cy="318109"/>
         </a:xfrm>
         <a:prstGeom prst="rect">
           <a:avLst/>
@@ -13316,12 +13445,12 @@
         </a:fontRef>
       </dsp:style>
       <dsp:txBody>
-        <a:bodyPr spcFirstLastPara="0" vert="horz" wrap="square" lIns="3810" tIns="3810" rIns="3810" bIns="3810" numCol="1" spcCol="1270" anchor="ctr" anchorCtr="0">
+        <a:bodyPr spcFirstLastPara="0" vert="horz" wrap="square" lIns="3175" tIns="3175" rIns="3175" bIns="3175" numCol="1" spcCol="1270" anchor="ctr" anchorCtr="0">
           <a:noAutofit/>
         </a:bodyPr>
         <a:lstStyle/>
         <a:p>
-          <a:pPr marL="0" lvl="0" indent="0" algn="ctr" defTabSz="266700">
+          <a:pPr marL="0" lvl="0" indent="0" algn="ctr" defTabSz="222250">
             <a:lnSpc>
               <a:spcPct val="90000"/>
             </a:lnSpc>
@@ -13334,15 +13463,15 @@
             <a:buNone/>
           </a:pPr>
           <a:r>
-            <a:rPr lang="fr-FR" sz="600" kern="1200" dirty="0" err="1"/>
+            <a:rPr lang="fr-FR" sz="500" kern="1200" dirty="0" err="1"/>
             <a:t>Compagny_infos</a:t>
           </a:r>
-          <a:endParaRPr lang="fr-FR" sz="600" kern="1200" dirty="0"/>
+          <a:endParaRPr lang="fr-FR" sz="500" kern="1200" dirty="0"/>
         </a:p>
       </dsp:txBody>
       <dsp:txXfrm>
-        <a:off x="7812498" y="7511807"/>
-        <a:ext cx="660745" cy="330372"/>
+        <a:off x="7884117" y="7231131"/>
+        <a:ext cx="636218" cy="318109"/>
       </dsp:txXfrm>
     </dsp:sp>
     <dsp:sp modelId="{BE96DB66-AD1E-4365-AE46-C3C60770B1CA}">
@@ -13352,8 +13481,8 @@
       </dsp:nvSpPr>
       <dsp:spPr>
         <a:xfrm>
-          <a:off x="7412747" y="7980936"/>
-          <a:ext cx="660745" cy="330372"/>
+          <a:off x="7499205" y="7682846"/>
+          <a:ext cx="636218" cy="318109"/>
         </a:xfrm>
         <a:prstGeom prst="rect">
           <a:avLst/>
@@ -13396,12 +13525,12 @@
         </a:fontRef>
       </dsp:style>
       <dsp:txBody>
-        <a:bodyPr spcFirstLastPara="0" vert="horz" wrap="square" lIns="3810" tIns="3810" rIns="3810" bIns="3810" numCol="1" spcCol="1270" anchor="ctr" anchorCtr="0">
+        <a:bodyPr spcFirstLastPara="0" vert="horz" wrap="square" lIns="3175" tIns="3175" rIns="3175" bIns="3175" numCol="1" spcCol="1270" anchor="ctr" anchorCtr="0">
           <a:noAutofit/>
         </a:bodyPr>
         <a:lstStyle/>
         <a:p>
-          <a:pPr marL="0" lvl="0" indent="0" algn="ctr" defTabSz="266700">
+          <a:pPr marL="0" lvl="0" indent="0" algn="ctr" defTabSz="222250">
             <a:lnSpc>
               <a:spcPct val="90000"/>
             </a:lnSpc>
@@ -13414,14 +13543,14 @@
             <a:buNone/>
           </a:pPr>
           <a:r>
-            <a:rPr lang="fr-FR" sz="600" kern="1200" dirty="0"/>
+            <a:rPr lang="fr-FR" sz="500" kern="1200" dirty="0"/>
             <a:t>Name</a:t>
           </a:r>
         </a:p>
       </dsp:txBody>
       <dsp:txXfrm>
-        <a:off x="7412747" y="7980936"/>
-        <a:ext cx="660745" cy="330372"/>
+        <a:off x="7499205" y="7682846"/>
+        <a:ext cx="636218" cy="318109"/>
       </dsp:txXfrm>
     </dsp:sp>
     <dsp:sp modelId="{8DFB8425-051F-429D-9AA7-ABE75BE636A3}">
@@ -13431,8 +13560,8 @@
       </dsp:nvSpPr>
       <dsp:spPr>
         <a:xfrm>
-          <a:off x="8212249" y="7980936"/>
-          <a:ext cx="660745" cy="330372"/>
+          <a:off x="8269030" y="7682846"/>
+          <a:ext cx="636218" cy="318109"/>
         </a:xfrm>
         <a:prstGeom prst="rect">
           <a:avLst/>
@@ -13475,12 +13604,12 @@
         </a:fontRef>
       </dsp:style>
       <dsp:txBody>
-        <a:bodyPr spcFirstLastPara="0" vert="horz" wrap="square" lIns="3810" tIns="3810" rIns="3810" bIns="3810" numCol="1" spcCol="1270" anchor="ctr" anchorCtr="0">
+        <a:bodyPr spcFirstLastPara="0" vert="horz" wrap="square" lIns="3175" tIns="3175" rIns="3175" bIns="3175" numCol="1" spcCol="1270" anchor="ctr" anchorCtr="0">
           <a:noAutofit/>
         </a:bodyPr>
         <a:lstStyle/>
         <a:p>
-          <a:pPr marL="0" lvl="0" indent="0" algn="ctr" defTabSz="266700">
+          <a:pPr marL="0" lvl="0" indent="0" algn="ctr" defTabSz="222250">
             <a:lnSpc>
               <a:spcPct val="90000"/>
             </a:lnSpc>
@@ -13493,15 +13622,15 @@
             <a:buNone/>
           </a:pPr>
           <a:r>
-            <a:rPr lang="fr-FR" sz="600" kern="1200" dirty="0" err="1"/>
+            <a:rPr lang="fr-FR" sz="500" kern="1200" dirty="0" err="1"/>
             <a:t>Compagny_adress</a:t>
           </a:r>
-          <a:endParaRPr lang="fr-FR" sz="600" kern="1200" dirty="0"/>
+          <a:endParaRPr lang="fr-FR" sz="500" kern="1200" dirty="0"/>
         </a:p>
       </dsp:txBody>
       <dsp:txXfrm>
-        <a:off x="8212249" y="7980936"/>
-        <a:ext cx="660745" cy="330372"/>
+        <a:off x="8269030" y="7682846"/>
+        <a:ext cx="636218" cy="318109"/>
       </dsp:txXfrm>
     </dsp:sp>
     <dsp:sp modelId="{22A8CFEC-7F3C-48AD-9648-26B468C40213}">
@@ -13511,8 +13640,8 @@
       </dsp:nvSpPr>
       <dsp:spPr>
         <a:xfrm>
-          <a:off x="7412747" y="8450066"/>
-          <a:ext cx="660745" cy="330372"/>
+          <a:off x="7499205" y="8134561"/>
+          <a:ext cx="636218" cy="318109"/>
         </a:xfrm>
         <a:prstGeom prst="rect">
           <a:avLst/>
@@ -13555,12 +13684,12 @@
         </a:fontRef>
       </dsp:style>
       <dsp:txBody>
-        <a:bodyPr spcFirstLastPara="0" vert="horz" wrap="square" lIns="3810" tIns="3810" rIns="3810" bIns="3810" numCol="1" spcCol="1270" anchor="ctr" anchorCtr="0">
+        <a:bodyPr spcFirstLastPara="0" vert="horz" wrap="square" lIns="3175" tIns="3175" rIns="3175" bIns="3175" numCol="1" spcCol="1270" anchor="ctr" anchorCtr="0">
           <a:noAutofit/>
         </a:bodyPr>
         <a:lstStyle/>
         <a:p>
-          <a:pPr marL="0" lvl="0" indent="0" algn="ctr" defTabSz="266700">
+          <a:pPr marL="0" lvl="0" indent="0" algn="ctr" defTabSz="222250">
             <a:lnSpc>
               <a:spcPct val="90000"/>
             </a:lnSpc>
@@ -13573,15 +13702,15 @@
             <a:buNone/>
           </a:pPr>
           <a:r>
-            <a:rPr lang="fr-FR" sz="600" kern="1200" dirty="0" err="1"/>
+            <a:rPr lang="fr-FR" sz="500" kern="1200" dirty="0" err="1"/>
             <a:t>Compagny_phone</a:t>
           </a:r>
-          <a:endParaRPr lang="fr-FR" sz="600" kern="1200" dirty="0"/>
+          <a:endParaRPr lang="fr-FR" sz="500" kern="1200" dirty="0"/>
         </a:p>
       </dsp:txBody>
       <dsp:txXfrm>
-        <a:off x="7412747" y="8450066"/>
-        <a:ext cx="660745" cy="330372"/>
+        <a:off x="7499205" y="8134561"/>
+        <a:ext cx="636218" cy="318109"/>
       </dsp:txXfrm>
     </dsp:sp>
     <dsp:sp modelId="{8B0677EB-6953-47E5-8009-4399C01D45A6}">
@@ -13591,8 +13720,8 @@
       </dsp:nvSpPr>
       <dsp:spPr>
         <a:xfrm>
-          <a:off x="8212249" y="8450066"/>
-          <a:ext cx="660745" cy="330372"/>
+          <a:off x="8269030" y="8134561"/>
+          <a:ext cx="636218" cy="318109"/>
         </a:xfrm>
         <a:prstGeom prst="rect">
           <a:avLst/>
@@ -13635,12 +13764,12 @@
         </a:fontRef>
       </dsp:style>
       <dsp:txBody>
-        <a:bodyPr spcFirstLastPara="0" vert="horz" wrap="square" lIns="3810" tIns="3810" rIns="3810" bIns="3810" numCol="1" spcCol="1270" anchor="ctr" anchorCtr="0">
+        <a:bodyPr spcFirstLastPara="0" vert="horz" wrap="square" lIns="3175" tIns="3175" rIns="3175" bIns="3175" numCol="1" spcCol="1270" anchor="ctr" anchorCtr="0">
           <a:noAutofit/>
         </a:bodyPr>
         <a:lstStyle/>
         <a:p>
-          <a:pPr marL="0" lvl="0" indent="0" algn="ctr" defTabSz="266700">
+          <a:pPr marL="0" lvl="0" indent="0" algn="ctr" defTabSz="222250">
             <a:lnSpc>
               <a:spcPct val="90000"/>
             </a:lnSpc>
@@ -13653,15 +13782,15 @@
             <a:buNone/>
           </a:pPr>
           <a:r>
-            <a:rPr lang="fr-FR" sz="600" kern="1200" dirty="0" err="1"/>
+            <a:rPr lang="fr-FR" sz="500" kern="1200" dirty="0" err="1"/>
             <a:t>Compagny_email</a:t>
           </a:r>
-          <a:endParaRPr lang="fr-FR" sz="600" kern="1200" dirty="0"/>
+          <a:endParaRPr lang="fr-FR" sz="500" kern="1200" dirty="0"/>
         </a:p>
       </dsp:txBody>
       <dsp:txXfrm>
-        <a:off x="8212249" y="8450066"/>
-        <a:ext cx="660745" cy="330372"/>
+        <a:off x="8269030" y="8134561"/>
+        <a:ext cx="636218" cy="318109"/>
       </dsp:txXfrm>
     </dsp:sp>
     <dsp:sp modelId="{8EDD4C9F-41A6-4BF3-ACD8-E3DDBBD245E6}">
@@ -13671,8 +13800,8 @@
       </dsp:nvSpPr>
       <dsp:spPr>
         <a:xfrm>
-          <a:off x="11410259" y="7511807"/>
-          <a:ext cx="660745" cy="330372"/>
+          <a:off x="11348328" y="7231131"/>
+          <a:ext cx="636218" cy="318109"/>
         </a:xfrm>
         <a:prstGeom prst="rect">
           <a:avLst/>
@@ -13715,12 +13844,12 @@
         </a:fontRef>
       </dsp:style>
       <dsp:txBody>
-        <a:bodyPr spcFirstLastPara="0" vert="horz" wrap="square" lIns="3810" tIns="3810" rIns="3810" bIns="3810" numCol="1" spcCol="1270" anchor="ctr" anchorCtr="0">
+        <a:bodyPr spcFirstLastPara="0" vert="horz" wrap="square" lIns="3175" tIns="3175" rIns="3175" bIns="3175" numCol="1" spcCol="1270" anchor="ctr" anchorCtr="0">
           <a:noAutofit/>
         </a:bodyPr>
         <a:lstStyle/>
         <a:p>
-          <a:pPr marL="0" lvl="0" indent="0" algn="ctr" defTabSz="266700">
+          <a:pPr marL="0" lvl="0" indent="0" algn="ctr" defTabSz="222250">
             <a:lnSpc>
               <a:spcPct val="90000"/>
             </a:lnSpc>
@@ -13733,15 +13862,15 @@
             <a:buNone/>
           </a:pPr>
           <a:r>
-            <a:rPr lang="fr-FR" sz="600" kern="1200" dirty="0" err="1"/>
+            <a:rPr lang="fr-FR" sz="500" kern="1200" dirty="0" err="1"/>
             <a:t>Customers</a:t>
           </a:r>
-          <a:endParaRPr lang="fr-FR" sz="600" kern="1200" dirty="0"/>
+          <a:endParaRPr lang="fr-FR" sz="500" kern="1200" dirty="0"/>
         </a:p>
       </dsp:txBody>
       <dsp:txXfrm>
-        <a:off x="11410259" y="7511807"/>
-        <a:ext cx="660745" cy="330372"/>
+        <a:off x="11348328" y="7231131"/>
+        <a:ext cx="636218" cy="318109"/>
       </dsp:txXfrm>
     </dsp:sp>
     <dsp:sp modelId="{29282C8B-69C0-461B-8924-B327399CEF5A}">
@@ -13751,8 +13880,8 @@
       </dsp:nvSpPr>
       <dsp:spPr>
         <a:xfrm>
-          <a:off x="10610757" y="7980936"/>
-          <a:ext cx="660745" cy="330372"/>
+          <a:off x="10578504" y="7682846"/>
+          <a:ext cx="636218" cy="318109"/>
         </a:xfrm>
         <a:prstGeom prst="rect">
           <a:avLst/>
@@ -13795,12 +13924,12 @@
         </a:fontRef>
       </dsp:style>
       <dsp:txBody>
-        <a:bodyPr spcFirstLastPara="0" vert="horz" wrap="square" lIns="3810" tIns="3810" rIns="3810" bIns="3810" numCol="1" spcCol="1270" anchor="ctr" anchorCtr="0">
+        <a:bodyPr spcFirstLastPara="0" vert="horz" wrap="square" lIns="3175" tIns="3175" rIns="3175" bIns="3175" numCol="1" spcCol="1270" anchor="ctr" anchorCtr="0">
           <a:noAutofit/>
         </a:bodyPr>
         <a:lstStyle/>
         <a:p>
-          <a:pPr marL="0" lvl="0" indent="0" algn="ctr" defTabSz="266700">
+          <a:pPr marL="0" lvl="0" indent="0" algn="ctr" defTabSz="222250">
             <a:lnSpc>
               <a:spcPct val="90000"/>
             </a:lnSpc>
@@ -13813,14 +13942,14 @@
             <a:buNone/>
           </a:pPr>
           <a:r>
-            <a:rPr lang="fr-FR" sz="600" kern="1200" dirty="0"/>
+            <a:rPr lang="fr-FR" sz="500" kern="1200" dirty="0"/>
             <a:t>Customer</a:t>
           </a:r>
         </a:p>
       </dsp:txBody>
       <dsp:txXfrm>
-        <a:off x="10610757" y="7980936"/>
-        <a:ext cx="660745" cy="330372"/>
+        <a:off x="10578504" y="7682846"/>
+        <a:ext cx="636218" cy="318109"/>
       </dsp:txXfrm>
     </dsp:sp>
     <dsp:sp modelId="{66690EF5-AA87-4B5A-9AB9-BA66C34A1D3F}">
@@ -13830,8 +13959,8 @@
       </dsp:nvSpPr>
       <dsp:spPr>
         <a:xfrm>
-          <a:off x="10211006" y="8450066"/>
-          <a:ext cx="660745" cy="330372"/>
+          <a:off x="10193591" y="8134561"/>
+          <a:ext cx="636218" cy="318109"/>
         </a:xfrm>
         <a:prstGeom prst="rect">
           <a:avLst/>
@@ -13874,12 +14003,12 @@
         </a:fontRef>
       </dsp:style>
       <dsp:txBody>
-        <a:bodyPr spcFirstLastPara="0" vert="horz" wrap="square" lIns="3810" tIns="3810" rIns="3810" bIns="3810" numCol="1" spcCol="1270" anchor="ctr" anchorCtr="0">
+        <a:bodyPr spcFirstLastPara="0" vert="horz" wrap="square" lIns="3175" tIns="3175" rIns="3175" bIns="3175" numCol="1" spcCol="1270" anchor="ctr" anchorCtr="0">
           <a:noAutofit/>
         </a:bodyPr>
         <a:lstStyle/>
         <a:p>
-          <a:pPr marL="0" lvl="0" indent="0" algn="ctr" defTabSz="266700">
+          <a:pPr marL="0" lvl="0" indent="0" algn="ctr" defTabSz="222250">
             <a:lnSpc>
               <a:spcPct val="90000"/>
             </a:lnSpc>
@@ -13892,15 +14021,15 @@
             <a:buNone/>
           </a:pPr>
           <a:r>
-            <a:rPr lang="fr-FR" sz="600" kern="1200" dirty="0" err="1"/>
+            <a:rPr lang="fr-FR" sz="500" kern="1200" dirty="0" err="1"/>
             <a:t>CustomerName</a:t>
           </a:r>
-          <a:endParaRPr lang="fr-FR" sz="600" kern="1200" dirty="0"/>
+          <a:endParaRPr lang="fr-FR" sz="500" kern="1200" dirty="0"/>
         </a:p>
       </dsp:txBody>
       <dsp:txXfrm>
-        <a:off x="10211006" y="8450066"/>
-        <a:ext cx="660745" cy="330372"/>
+        <a:off x="10193591" y="8134561"/>
+        <a:ext cx="636218" cy="318109"/>
       </dsp:txXfrm>
     </dsp:sp>
     <dsp:sp modelId="{1477FD6A-9723-424D-B2A6-33C1EDCDD02C}">
@@ -13910,8 +14039,8 @@
       </dsp:nvSpPr>
       <dsp:spPr>
         <a:xfrm>
-          <a:off x="11010508" y="8450066"/>
-          <a:ext cx="660745" cy="330372"/>
+          <a:off x="10963416" y="8134561"/>
+          <a:ext cx="636218" cy="318109"/>
         </a:xfrm>
         <a:prstGeom prst="rect">
           <a:avLst/>
@@ -13954,12 +14083,12 @@
         </a:fontRef>
       </dsp:style>
       <dsp:txBody>
-        <a:bodyPr spcFirstLastPara="0" vert="horz" wrap="square" lIns="3810" tIns="3810" rIns="3810" bIns="3810" numCol="1" spcCol="1270" anchor="ctr" anchorCtr="0">
+        <a:bodyPr spcFirstLastPara="0" vert="horz" wrap="square" lIns="3175" tIns="3175" rIns="3175" bIns="3175" numCol="1" spcCol="1270" anchor="ctr" anchorCtr="0">
           <a:noAutofit/>
         </a:bodyPr>
         <a:lstStyle/>
         <a:p>
-          <a:pPr marL="0" lvl="0" indent="0" algn="ctr" defTabSz="266700">
+          <a:pPr marL="0" lvl="0" indent="0" algn="ctr" defTabSz="222250">
             <a:lnSpc>
               <a:spcPct val="90000"/>
             </a:lnSpc>
@@ -13972,15 +14101,15 @@
             <a:buNone/>
           </a:pPr>
           <a:r>
-            <a:rPr lang="fr-FR" sz="600" kern="1200" dirty="0" err="1"/>
+            <a:rPr lang="fr-FR" sz="500" kern="1200" dirty="0" err="1"/>
             <a:t>CustomerAddress</a:t>
           </a:r>
-          <a:endParaRPr lang="fr-FR" sz="600" kern="1200" dirty="0"/>
+          <a:endParaRPr lang="fr-FR" sz="500" kern="1200" dirty="0"/>
         </a:p>
       </dsp:txBody>
       <dsp:txXfrm>
-        <a:off x="11010508" y="8450066"/>
-        <a:ext cx="660745" cy="330372"/>
+        <a:off x="10963416" y="8134561"/>
+        <a:ext cx="636218" cy="318109"/>
       </dsp:txXfrm>
     </dsp:sp>
     <dsp:sp modelId="{7349D38B-F67B-4338-BB04-CCAE4E6B7AE4}">
@@ -13990,8 +14119,8 @@
       </dsp:nvSpPr>
       <dsp:spPr>
         <a:xfrm>
-          <a:off x="10211006" y="8919195"/>
-          <a:ext cx="660745" cy="330372"/>
+          <a:off x="10193591" y="8586277"/>
+          <a:ext cx="636218" cy="318109"/>
         </a:xfrm>
         <a:prstGeom prst="rect">
           <a:avLst/>
@@ -14034,12 +14163,12 @@
         </a:fontRef>
       </dsp:style>
       <dsp:txBody>
-        <a:bodyPr spcFirstLastPara="0" vert="horz" wrap="square" lIns="3810" tIns="3810" rIns="3810" bIns="3810" numCol="1" spcCol="1270" anchor="ctr" anchorCtr="0">
+        <a:bodyPr spcFirstLastPara="0" vert="horz" wrap="square" lIns="3175" tIns="3175" rIns="3175" bIns="3175" numCol="1" spcCol="1270" anchor="ctr" anchorCtr="0">
           <a:noAutofit/>
         </a:bodyPr>
         <a:lstStyle/>
         <a:p>
-          <a:pPr marL="0" lvl="0" indent="0" algn="ctr" defTabSz="266700">
+          <a:pPr marL="0" lvl="0" indent="0" algn="ctr" defTabSz="222250">
             <a:lnSpc>
               <a:spcPct val="90000"/>
             </a:lnSpc>
@@ -14052,15 +14181,15 @@
             <a:buNone/>
           </a:pPr>
           <a:r>
-            <a:rPr lang="fr-FR" sz="600" kern="1200" dirty="0" err="1"/>
+            <a:rPr lang="fr-FR" sz="500" kern="1200" dirty="0" err="1"/>
             <a:t>Phone_number</a:t>
           </a:r>
-          <a:endParaRPr lang="fr-FR" sz="600" kern="1200" dirty="0"/>
+          <a:endParaRPr lang="fr-FR" sz="500" kern="1200" dirty="0"/>
         </a:p>
       </dsp:txBody>
       <dsp:txXfrm>
-        <a:off x="10211006" y="8919195"/>
-        <a:ext cx="660745" cy="330372"/>
+        <a:off x="10193591" y="8586277"/>
+        <a:ext cx="636218" cy="318109"/>
       </dsp:txXfrm>
     </dsp:sp>
     <dsp:sp modelId="{339B0BFA-3E97-45D7-9D50-EBCD490669F9}">
@@ -14070,8 +14199,8 @@
       </dsp:nvSpPr>
       <dsp:spPr>
         <a:xfrm>
-          <a:off x="11010508" y="8919195"/>
-          <a:ext cx="660745" cy="330372"/>
+          <a:off x="10963416" y="8586277"/>
+          <a:ext cx="636218" cy="318109"/>
         </a:xfrm>
         <a:prstGeom prst="rect">
           <a:avLst/>
@@ -14114,12 +14243,12 @@
         </a:fontRef>
       </dsp:style>
       <dsp:txBody>
-        <a:bodyPr spcFirstLastPara="0" vert="horz" wrap="square" lIns="3810" tIns="3810" rIns="3810" bIns="3810" numCol="1" spcCol="1270" anchor="ctr" anchorCtr="0">
+        <a:bodyPr spcFirstLastPara="0" vert="horz" wrap="square" lIns="3175" tIns="3175" rIns="3175" bIns="3175" numCol="1" spcCol="1270" anchor="ctr" anchorCtr="0">
           <a:noAutofit/>
         </a:bodyPr>
         <a:lstStyle/>
         <a:p>
-          <a:pPr marL="0" lvl="0" indent="0" algn="ctr" defTabSz="266700">
+          <a:pPr marL="0" lvl="0" indent="0" algn="ctr" defTabSz="222250">
             <a:lnSpc>
               <a:spcPct val="90000"/>
             </a:lnSpc>
@@ -14132,15 +14261,15 @@
             <a:buNone/>
           </a:pPr>
           <a:r>
-            <a:rPr lang="fr-FR" sz="600" kern="1200" dirty="0" err="1"/>
+            <a:rPr lang="fr-FR" sz="500" kern="1200" dirty="0" err="1"/>
             <a:t>Cust_email</a:t>
           </a:r>
-          <a:endParaRPr lang="fr-FR" sz="600" kern="1200" dirty="0"/>
+          <a:endParaRPr lang="fr-FR" sz="500" kern="1200" dirty="0"/>
         </a:p>
       </dsp:txBody>
       <dsp:txXfrm>
-        <a:off x="11010508" y="8919195"/>
-        <a:ext cx="660745" cy="330372"/>
+        <a:off x="10963416" y="8586277"/>
+        <a:ext cx="636218" cy="318109"/>
       </dsp:txXfrm>
     </dsp:sp>
     <dsp:sp modelId="{703C605E-1889-4263-9AA9-7FBB0B1021D9}">
@@ -14150,8 +14279,8 @@
       </dsp:nvSpPr>
       <dsp:spPr>
         <a:xfrm>
-          <a:off x="10211006" y="9388325"/>
-          <a:ext cx="660745" cy="330372"/>
+          <a:off x="10193591" y="9037992"/>
+          <a:ext cx="636218" cy="318109"/>
         </a:xfrm>
         <a:prstGeom prst="rect">
           <a:avLst/>
@@ -14194,12 +14323,12 @@
         </a:fontRef>
       </dsp:style>
       <dsp:txBody>
-        <a:bodyPr spcFirstLastPara="0" vert="horz" wrap="square" lIns="3810" tIns="3810" rIns="3810" bIns="3810" numCol="1" spcCol="1270" anchor="ctr" anchorCtr="0">
+        <a:bodyPr spcFirstLastPara="0" vert="horz" wrap="square" lIns="3175" tIns="3175" rIns="3175" bIns="3175" numCol="1" spcCol="1270" anchor="ctr" anchorCtr="0">
           <a:noAutofit/>
         </a:bodyPr>
         <a:lstStyle/>
         <a:p>
-          <a:pPr marL="0" lvl="0" indent="0" algn="ctr" defTabSz="266700">
+          <a:pPr marL="0" lvl="0" indent="0" algn="ctr" defTabSz="222250">
             <a:lnSpc>
               <a:spcPct val="90000"/>
             </a:lnSpc>
@@ -14212,15 +14341,15 @@
             <a:buNone/>
           </a:pPr>
           <a:r>
-            <a:rPr lang="fr-FR" sz="600" kern="1200" dirty="0" err="1"/>
+            <a:rPr lang="fr-FR" sz="500" kern="1200" dirty="0" err="1"/>
             <a:t>Invoice</a:t>
           </a:r>
-          <a:endParaRPr lang="fr-FR" sz="600" kern="1200" dirty="0"/>
+          <a:endParaRPr lang="fr-FR" sz="500" kern="1200" dirty="0"/>
         </a:p>
       </dsp:txBody>
       <dsp:txXfrm>
-        <a:off x="10211006" y="9388325"/>
-        <a:ext cx="660745" cy="330372"/>
+        <a:off x="10193591" y="9037992"/>
+        <a:ext cx="636218" cy="318109"/>
       </dsp:txXfrm>
     </dsp:sp>
     <dsp:sp modelId="{3FCF524F-4B2D-44FD-942D-4FC7D10F4E3B}">
@@ -14230,8 +14359,8 @@
       </dsp:nvSpPr>
       <dsp:spPr>
         <a:xfrm>
-          <a:off x="9411503" y="9857454"/>
-          <a:ext cx="660745" cy="330372"/>
+          <a:off x="9423767" y="9489707"/>
+          <a:ext cx="636218" cy="318109"/>
         </a:xfrm>
         <a:prstGeom prst="rect">
           <a:avLst/>
@@ -14274,12 +14403,12 @@
         </a:fontRef>
       </dsp:style>
       <dsp:txBody>
-        <a:bodyPr spcFirstLastPara="0" vert="horz" wrap="square" lIns="3810" tIns="3810" rIns="3810" bIns="3810" numCol="1" spcCol="1270" anchor="ctr" anchorCtr="0">
+        <a:bodyPr spcFirstLastPara="0" vert="horz" wrap="square" lIns="3175" tIns="3175" rIns="3175" bIns="3175" numCol="1" spcCol="1270" anchor="ctr" anchorCtr="0">
           <a:noAutofit/>
         </a:bodyPr>
         <a:lstStyle/>
         <a:p>
-          <a:pPr marL="0" lvl="0" indent="0" algn="ctr" defTabSz="266700">
+          <a:pPr marL="0" lvl="0" indent="0" algn="ctr" defTabSz="222250">
             <a:lnSpc>
               <a:spcPct val="90000"/>
             </a:lnSpc>
@@ -14292,18 +14421,18 @@
             <a:buNone/>
           </a:pPr>
           <a:r>
-            <a:rPr lang="fr-FR" sz="600" kern="1200" dirty="0" err="1"/>
+            <a:rPr lang="fr-FR" sz="500" kern="1200" dirty="0" err="1"/>
             <a:t>Invoices</a:t>
           </a:r>
           <a:r>
-            <a:rPr lang="fr-FR" sz="600" kern="1200" dirty="0"/>
+            <a:rPr lang="fr-FR" sz="500" kern="1200" dirty="0"/>
             <a:t> </a:t>
           </a:r>
         </a:p>
       </dsp:txBody>
       <dsp:txXfrm>
-        <a:off x="9411503" y="9857454"/>
-        <a:ext cx="660745" cy="330372"/>
+        <a:off x="9423767" y="9489707"/>
+        <a:ext cx="636218" cy="318109"/>
       </dsp:txXfrm>
     </dsp:sp>
     <dsp:sp modelId="{29DD0E76-C366-4820-B170-C3E3DBD37CCF}">
@@ -14313,8 +14442,8 @@
       </dsp:nvSpPr>
       <dsp:spPr>
         <a:xfrm>
-          <a:off x="8612001" y="10326584"/>
-          <a:ext cx="660745" cy="330372"/>
+          <a:off x="8653942" y="9941423"/>
+          <a:ext cx="636218" cy="318109"/>
         </a:xfrm>
         <a:prstGeom prst="rect">
           <a:avLst/>
@@ -14357,12 +14486,12 @@
         </a:fontRef>
       </dsp:style>
       <dsp:txBody>
-        <a:bodyPr spcFirstLastPara="0" vert="horz" wrap="square" lIns="3810" tIns="3810" rIns="3810" bIns="3810" numCol="1" spcCol="1270" anchor="ctr" anchorCtr="0">
+        <a:bodyPr spcFirstLastPara="0" vert="horz" wrap="square" lIns="3175" tIns="3175" rIns="3175" bIns="3175" numCol="1" spcCol="1270" anchor="ctr" anchorCtr="0">
           <a:noAutofit/>
         </a:bodyPr>
         <a:lstStyle/>
         <a:p>
-          <a:pPr marL="0" lvl="0" indent="0" algn="ctr" defTabSz="266700">
+          <a:pPr marL="0" lvl="0" indent="0" algn="ctr" defTabSz="222250">
             <a:lnSpc>
               <a:spcPct val="90000"/>
             </a:lnSpc>
@@ -14375,15 +14504,15 @@
             <a:buNone/>
           </a:pPr>
           <a:r>
-            <a:rPr lang="fr-FR" sz="600" kern="1200" dirty="0" err="1"/>
+            <a:rPr lang="fr-FR" sz="500" kern="1200" dirty="0" err="1"/>
             <a:t>Invoice</a:t>
           </a:r>
-          <a:endParaRPr lang="fr-FR" sz="600" kern="1200" dirty="0"/>
+          <a:endParaRPr lang="fr-FR" sz="500" kern="1200" dirty="0"/>
         </a:p>
       </dsp:txBody>
       <dsp:txXfrm>
-        <a:off x="8612001" y="10326584"/>
-        <a:ext cx="660745" cy="330372"/>
+        <a:off x="8653942" y="9941423"/>
+        <a:ext cx="636218" cy="318109"/>
       </dsp:txXfrm>
     </dsp:sp>
     <dsp:sp modelId="{1CA3A432-5662-47BD-919D-FCB44199A7CD}">
@@ -14393,8 +14522,8 @@
       </dsp:nvSpPr>
       <dsp:spPr>
         <a:xfrm>
-          <a:off x="7812498" y="10795713"/>
-          <a:ext cx="660745" cy="330372"/>
+          <a:off x="7884117" y="10393138"/>
+          <a:ext cx="636218" cy="318109"/>
         </a:xfrm>
         <a:prstGeom prst="rect">
           <a:avLst/>
@@ -14437,12 +14566,12 @@
         </a:fontRef>
       </dsp:style>
       <dsp:txBody>
-        <a:bodyPr spcFirstLastPara="0" vert="horz" wrap="square" lIns="3810" tIns="3810" rIns="3810" bIns="3810" numCol="1" spcCol="1270" anchor="ctr" anchorCtr="0">
+        <a:bodyPr spcFirstLastPara="0" vert="horz" wrap="square" lIns="3175" tIns="3175" rIns="3175" bIns="3175" numCol="1" spcCol="1270" anchor="ctr" anchorCtr="0">
           <a:noAutofit/>
         </a:bodyPr>
         <a:lstStyle/>
         <a:p>
-          <a:pPr marL="0" lvl="0" indent="0" algn="ctr" defTabSz="266700">
+          <a:pPr marL="0" lvl="0" indent="0" algn="ctr" defTabSz="222250">
             <a:lnSpc>
               <a:spcPct val="90000"/>
             </a:lnSpc>
@@ -14455,15 +14584,15 @@
             <a:buNone/>
           </a:pPr>
           <a:r>
-            <a:rPr lang="fr-FR" sz="600" kern="1200" dirty="0" err="1"/>
+            <a:rPr lang="fr-FR" sz="500" kern="1200" dirty="0" err="1"/>
             <a:t>Rec_list</a:t>
           </a:r>
-          <a:endParaRPr lang="fr-FR" sz="600" kern="1200" dirty="0"/>
+          <a:endParaRPr lang="fr-FR" sz="500" kern="1200" dirty="0"/>
         </a:p>
       </dsp:txBody>
       <dsp:txXfrm>
-        <a:off x="7812498" y="10795713"/>
-        <a:ext cx="660745" cy="330372"/>
+        <a:off x="7884117" y="10393138"/>
+        <a:ext cx="636218" cy="318109"/>
       </dsp:txXfrm>
     </dsp:sp>
     <dsp:sp modelId="{56B26504-DFD5-4550-9411-DF9B5E83C3BF}">
@@ -14473,8 +14602,8 @@
       </dsp:nvSpPr>
       <dsp:spPr>
         <a:xfrm>
-          <a:off x="7412747" y="11264843"/>
-          <a:ext cx="660745" cy="330372"/>
+          <a:off x="7499205" y="10844853"/>
+          <a:ext cx="636218" cy="318109"/>
         </a:xfrm>
         <a:prstGeom prst="rect">
           <a:avLst/>
@@ -14517,12 +14646,12 @@
         </a:fontRef>
       </dsp:style>
       <dsp:txBody>
-        <a:bodyPr spcFirstLastPara="0" vert="horz" wrap="square" lIns="3810" tIns="3810" rIns="3810" bIns="3810" numCol="1" spcCol="1270" anchor="ctr" anchorCtr="0">
+        <a:bodyPr spcFirstLastPara="0" vert="horz" wrap="square" lIns="3175" tIns="3175" rIns="3175" bIns="3175" numCol="1" spcCol="1270" anchor="ctr" anchorCtr="0">
           <a:noAutofit/>
         </a:bodyPr>
         <a:lstStyle/>
         <a:p>
-          <a:pPr marL="0" lvl="0" indent="0" algn="ctr" defTabSz="266700">
+          <a:pPr marL="0" lvl="0" indent="0" algn="ctr" defTabSz="222250">
             <a:lnSpc>
               <a:spcPct val="90000"/>
             </a:lnSpc>
@@ -14535,15 +14664,15 @@
             <a:buNone/>
           </a:pPr>
           <a:r>
-            <a:rPr lang="fr-FR" sz="600" kern="1200" dirty="0" err="1"/>
+            <a:rPr lang="fr-FR" sz="500" kern="1200" dirty="0" err="1"/>
             <a:t>Recipe</a:t>
           </a:r>
-          <a:endParaRPr lang="fr-FR" sz="600" kern="1200" dirty="0"/>
+          <a:endParaRPr lang="fr-FR" sz="500" kern="1200" dirty="0"/>
         </a:p>
       </dsp:txBody>
       <dsp:txXfrm>
-        <a:off x="7412747" y="11264843"/>
-        <a:ext cx="660745" cy="330372"/>
+        <a:off x="7499205" y="10844853"/>
+        <a:ext cx="636218" cy="318109"/>
       </dsp:txXfrm>
     </dsp:sp>
     <dsp:sp modelId="{61911E5C-528E-4EA6-8F96-A7A60A4E2453}">
@@ -14553,8 +14682,8 @@
       </dsp:nvSpPr>
       <dsp:spPr>
         <a:xfrm>
-          <a:off x="8212249" y="11264843"/>
-          <a:ext cx="660745" cy="330372"/>
+          <a:off x="8269030" y="10844853"/>
+          <a:ext cx="636218" cy="318109"/>
         </a:xfrm>
         <a:prstGeom prst="rect">
           <a:avLst/>
@@ -14597,12 +14726,12 @@
         </a:fontRef>
       </dsp:style>
       <dsp:txBody>
-        <a:bodyPr spcFirstLastPara="0" vert="horz" wrap="square" lIns="3810" tIns="3810" rIns="3810" bIns="3810" numCol="1" spcCol="1270" anchor="ctr" anchorCtr="0">
+        <a:bodyPr spcFirstLastPara="0" vert="horz" wrap="square" lIns="3175" tIns="3175" rIns="3175" bIns="3175" numCol="1" spcCol="1270" anchor="ctr" anchorCtr="0">
           <a:noAutofit/>
         </a:bodyPr>
         <a:lstStyle/>
         <a:p>
-          <a:pPr marL="0" lvl="0" indent="0" algn="ctr" defTabSz="266700">
+          <a:pPr marL="0" lvl="0" indent="0" algn="ctr" defTabSz="222250">
             <a:lnSpc>
               <a:spcPct val="90000"/>
             </a:lnSpc>
@@ -14615,15 +14744,15 @@
             <a:buNone/>
           </a:pPr>
           <a:r>
-            <a:rPr lang="fr-FR" sz="600" kern="1200" dirty="0" err="1"/>
+            <a:rPr lang="fr-FR" sz="500" kern="1200" dirty="0" err="1"/>
             <a:t>Recipe_price</a:t>
           </a:r>
-          <a:endParaRPr lang="fr-FR" sz="600" kern="1200" dirty="0"/>
+          <a:endParaRPr lang="fr-FR" sz="500" kern="1200" dirty="0"/>
         </a:p>
       </dsp:txBody>
       <dsp:txXfrm>
-        <a:off x="8212249" y="11264843"/>
-        <a:ext cx="660745" cy="330372"/>
+        <a:off x="8269030" y="10844853"/>
+        <a:ext cx="636218" cy="318109"/>
       </dsp:txXfrm>
     </dsp:sp>
     <dsp:sp modelId="{27279F26-69CB-4517-AC3E-0AB24822479D}">
@@ -14633,8 +14762,8 @@
       </dsp:nvSpPr>
       <dsp:spPr>
         <a:xfrm>
-          <a:off x="9011752" y="10795713"/>
-          <a:ext cx="660745" cy="330372"/>
+          <a:off x="9038854" y="10393138"/>
+          <a:ext cx="636218" cy="318109"/>
         </a:xfrm>
         <a:prstGeom prst="rect">
           <a:avLst/>
@@ -14677,12 +14806,12 @@
         </a:fontRef>
       </dsp:style>
       <dsp:txBody>
-        <a:bodyPr spcFirstLastPara="0" vert="horz" wrap="square" lIns="3810" tIns="3810" rIns="3810" bIns="3810" numCol="1" spcCol="1270" anchor="ctr" anchorCtr="0">
+        <a:bodyPr spcFirstLastPara="0" vert="horz" wrap="square" lIns="3175" tIns="3175" rIns="3175" bIns="3175" numCol="1" spcCol="1270" anchor="ctr" anchorCtr="0">
           <a:noAutofit/>
         </a:bodyPr>
         <a:lstStyle/>
         <a:p>
-          <a:pPr marL="0" lvl="0" indent="0" algn="ctr" defTabSz="266700">
+          <a:pPr marL="0" lvl="0" indent="0" algn="ctr" defTabSz="222250">
             <a:lnSpc>
               <a:spcPct val="90000"/>
             </a:lnSpc>
@@ -14695,15 +14824,15 @@
             <a:buNone/>
           </a:pPr>
           <a:r>
-            <a:rPr lang="fr-FR" sz="600" kern="1200" dirty="0" err="1"/>
+            <a:rPr lang="fr-FR" sz="500" kern="1200" dirty="0" err="1"/>
             <a:t>Number_delivered</a:t>
           </a:r>
-          <a:endParaRPr lang="fr-FR" sz="600" kern="1200" dirty="0"/>
+          <a:endParaRPr lang="fr-FR" sz="500" kern="1200" dirty="0"/>
         </a:p>
       </dsp:txBody>
       <dsp:txXfrm>
-        <a:off x="9011752" y="10795713"/>
-        <a:ext cx="660745" cy="330372"/>
+        <a:off x="9038854" y="10393138"/>
+        <a:ext cx="636218" cy="318109"/>
       </dsp:txXfrm>
     </dsp:sp>
     <dsp:sp modelId="{D069C8E9-8746-4CD8-9E2B-53351693FE96}">
@@ -14713,8 +14842,8 @@
       </dsp:nvSpPr>
       <dsp:spPr>
         <a:xfrm>
-          <a:off x="7412747" y="11733973"/>
-          <a:ext cx="660745" cy="330372"/>
+          <a:off x="7499205" y="11296568"/>
+          <a:ext cx="636218" cy="318109"/>
         </a:xfrm>
         <a:prstGeom prst="rect">
           <a:avLst/>
@@ -14757,12 +14886,12 @@
         </a:fontRef>
       </dsp:style>
       <dsp:txBody>
-        <a:bodyPr spcFirstLastPara="0" vert="horz" wrap="square" lIns="3810" tIns="3810" rIns="3810" bIns="3810" numCol="1" spcCol="1270" anchor="ctr" anchorCtr="0">
+        <a:bodyPr spcFirstLastPara="0" vert="horz" wrap="square" lIns="3175" tIns="3175" rIns="3175" bIns="3175" numCol="1" spcCol="1270" anchor="ctr" anchorCtr="0">
           <a:noAutofit/>
         </a:bodyPr>
         <a:lstStyle/>
         <a:p>
-          <a:pPr marL="0" lvl="0" indent="0" algn="ctr" defTabSz="266700">
+          <a:pPr marL="0" lvl="0" indent="0" algn="ctr" defTabSz="222250">
             <a:lnSpc>
               <a:spcPct val="90000"/>
             </a:lnSpc>
@@ -14775,15 +14904,15 @@
             <a:buNone/>
           </a:pPr>
           <a:r>
-            <a:rPr lang="fr-FR" sz="600" kern="1200" dirty="0" err="1"/>
+            <a:rPr lang="fr-FR" sz="500" kern="1200" dirty="0" err="1"/>
             <a:t>Delivery_frequency</a:t>
           </a:r>
-          <a:endParaRPr lang="fr-FR" sz="600" kern="1200" dirty="0"/>
+          <a:endParaRPr lang="fr-FR" sz="500" kern="1200" dirty="0"/>
         </a:p>
       </dsp:txBody>
       <dsp:txXfrm>
-        <a:off x="7412747" y="11733973"/>
-        <a:ext cx="660745" cy="330372"/>
+        <a:off x="7499205" y="11296568"/>
+        <a:ext cx="636218" cy="318109"/>
       </dsp:txXfrm>
     </dsp:sp>
     <dsp:sp modelId="{5AE02209-1EE6-416B-B4EC-1F8CAE700954}">
@@ -14793,8 +14922,8 @@
       </dsp:nvSpPr>
       <dsp:spPr>
         <a:xfrm>
-          <a:off x="9011752" y="11733973"/>
-          <a:ext cx="660745" cy="330372"/>
+          <a:off x="9038854" y="11296568"/>
+          <a:ext cx="636218" cy="318109"/>
         </a:xfrm>
         <a:prstGeom prst="rect">
           <a:avLst/>
@@ -14837,12 +14966,12 @@
         </a:fontRef>
       </dsp:style>
       <dsp:txBody>
-        <a:bodyPr spcFirstLastPara="0" vert="horz" wrap="square" lIns="3810" tIns="3810" rIns="3810" bIns="3810" numCol="1" spcCol="1270" anchor="ctr" anchorCtr="0">
+        <a:bodyPr spcFirstLastPara="0" vert="horz" wrap="square" lIns="3175" tIns="3175" rIns="3175" bIns="3175" numCol="1" spcCol="1270" anchor="ctr" anchorCtr="0">
           <a:noAutofit/>
         </a:bodyPr>
         <a:lstStyle/>
         <a:p>
-          <a:pPr marL="0" lvl="0" indent="0" algn="ctr" defTabSz="266700">
+          <a:pPr marL="0" lvl="0" indent="0" algn="ctr" defTabSz="222250">
             <a:lnSpc>
               <a:spcPct val="90000"/>
             </a:lnSpc>
@@ -14855,26 +14984,26 @@
             <a:buNone/>
           </a:pPr>
           <a:r>
-            <a:rPr lang="fr-FR" sz="600" kern="1200" dirty="0" err="1"/>
-            <a:t>Delivery_date</a:t>
+            <a:rPr lang="fr-FR" sz="500" kern="1200" dirty="0" err="1"/>
+            <a:t>delivery_startDate</a:t>
           </a:r>
-          <a:endParaRPr lang="fr-FR" sz="600" kern="1200" dirty="0"/>
+          <a:endParaRPr lang="fr-FR" sz="500" kern="1200" dirty="0"/>
         </a:p>
       </dsp:txBody>
       <dsp:txXfrm>
-        <a:off x="9011752" y="11733973"/>
-        <a:ext cx="660745" cy="330372"/>
+        <a:off x="9038854" y="11296568"/>
+        <a:ext cx="636218" cy="318109"/>
       </dsp:txXfrm>
     </dsp:sp>
-    <dsp:sp modelId="{A671F663-21D9-43F4-8EE0-2896E9628F81}">
+    <dsp:sp modelId="{236A73DA-2C5E-4770-8B12-0B78831A5811}">
       <dsp:nvSpPr>
         <dsp:cNvPr id="0" name=""/>
         <dsp:cNvSpPr/>
       </dsp:nvSpPr>
       <dsp:spPr>
         <a:xfrm>
-          <a:off x="10610757" y="9857454"/>
-          <a:ext cx="660745" cy="330372"/>
+          <a:off x="7499205" y="11748284"/>
+          <a:ext cx="636218" cy="318109"/>
         </a:xfrm>
         <a:prstGeom prst="rect">
           <a:avLst/>
@@ -14917,12 +15046,12 @@
         </a:fontRef>
       </dsp:style>
       <dsp:txBody>
-        <a:bodyPr spcFirstLastPara="0" vert="horz" wrap="square" lIns="3810" tIns="3810" rIns="3810" bIns="3810" numCol="1" spcCol="1270" anchor="ctr" anchorCtr="0">
+        <a:bodyPr spcFirstLastPara="0" vert="horz" wrap="square" lIns="3175" tIns="3175" rIns="3175" bIns="3175" numCol="1" spcCol="1270" anchor="ctr" anchorCtr="0">
           <a:noAutofit/>
         </a:bodyPr>
         <a:lstStyle/>
         <a:p>
-          <a:pPr marL="0" lvl="0" indent="0" algn="ctr" defTabSz="266700">
+          <a:pPr marL="0" lvl="0" indent="0" algn="ctr" defTabSz="222250">
             <a:lnSpc>
               <a:spcPct val="90000"/>
             </a:lnSpc>
@@ -14935,49 +15064,26 @@
             <a:buNone/>
           </a:pPr>
           <a:r>
-            <a:rPr lang="fr-FR" sz="600" kern="1200" dirty="0" err="1"/>
-            <a:t>Categories</a:t>
+            <a:rPr lang="fr-FR" sz="500" kern="1200"/>
+            <a:t>delivery_EndDate</a:t>
           </a:r>
-          <a:endParaRPr lang="fr-FR" sz="600" kern="1200" dirty="0"/>
-        </a:p>
-        <a:p>
-          <a:pPr marL="0" lvl="0" indent="0" algn="ctr" defTabSz="266700">
-            <a:lnSpc>
-              <a:spcPct val="90000"/>
-            </a:lnSpc>
-            <a:spcBef>
-              <a:spcPct val="0"/>
-            </a:spcBef>
-            <a:spcAft>
-              <a:spcPct val="35000"/>
-            </a:spcAft>
-            <a:buNone/>
-          </a:pPr>
-          <a:r>
-            <a:rPr lang="fr-FR" sz="600" kern="1200" dirty="0"/>
-            <a:t>Key </a:t>
-          </a:r>
-          <a:r>
-            <a:rPr lang="fr-FR" sz="600" kern="1200"/>
-            <a:t>of recipeCat</a:t>
-          </a:r>
-          <a:endParaRPr lang="fr-FR" sz="600" kern="1200" dirty="0"/>
+          <a:endParaRPr lang="fr-FR" sz="500" kern="1200" dirty="0"/>
         </a:p>
       </dsp:txBody>
       <dsp:txXfrm>
-        <a:off x="10610757" y="9857454"/>
-        <a:ext cx="660745" cy="330372"/>
+        <a:off x="7499205" y="11748284"/>
+        <a:ext cx="636218" cy="318109"/>
       </dsp:txXfrm>
     </dsp:sp>
-    <dsp:sp modelId="{EECB5851-B5EA-4373-9C18-E26E94F1871F}">
+    <dsp:sp modelId="{A671F663-21D9-43F4-8EE0-2896E9628F81}">
       <dsp:nvSpPr>
         <dsp:cNvPr id="0" name=""/>
         <dsp:cNvSpPr/>
       </dsp:nvSpPr>
       <dsp:spPr>
         <a:xfrm>
-          <a:off x="10211006" y="10326584"/>
-          <a:ext cx="660745" cy="330372"/>
+          <a:off x="10578504" y="9489707"/>
+          <a:ext cx="636218" cy="318109"/>
         </a:xfrm>
         <a:prstGeom prst="rect">
           <a:avLst/>
@@ -15020,12 +15126,12 @@
         </a:fontRef>
       </dsp:style>
       <dsp:txBody>
-        <a:bodyPr spcFirstLastPara="0" vert="horz" wrap="square" lIns="3810" tIns="3810" rIns="3810" bIns="3810" numCol="1" spcCol="1270" anchor="ctr" anchorCtr="0">
+        <a:bodyPr spcFirstLastPara="0" vert="horz" wrap="square" lIns="3175" tIns="3175" rIns="3175" bIns="3175" numCol="1" spcCol="1270" anchor="ctr" anchorCtr="0">
           <a:noAutofit/>
         </a:bodyPr>
         <a:lstStyle/>
         <a:p>
-          <a:pPr marL="0" lvl="0" indent="0" algn="ctr" defTabSz="266700">
+          <a:pPr marL="0" lvl="0" indent="0" algn="ctr" defTabSz="222250">
             <a:lnSpc>
               <a:spcPct val="90000"/>
             </a:lnSpc>
@@ -15038,26 +15144,49 @@
             <a:buNone/>
           </a:pPr>
           <a:r>
-            <a:rPr lang="fr-FR" sz="600" kern="1200" dirty="0" err="1"/>
-            <a:t>Categorie</a:t>
+            <a:rPr lang="fr-FR" sz="500" kern="1200" dirty="0" err="1"/>
+            <a:t>Categories</a:t>
           </a:r>
-          <a:endParaRPr lang="fr-FR" sz="600" kern="1200" dirty="0"/>
+          <a:endParaRPr lang="fr-FR" sz="500" kern="1200" dirty="0"/>
+        </a:p>
+        <a:p>
+          <a:pPr marL="0" lvl="0" indent="0" algn="ctr" defTabSz="222250">
+            <a:lnSpc>
+              <a:spcPct val="90000"/>
+            </a:lnSpc>
+            <a:spcBef>
+              <a:spcPct val="0"/>
+            </a:spcBef>
+            <a:spcAft>
+              <a:spcPct val="35000"/>
+            </a:spcAft>
+            <a:buNone/>
+          </a:pPr>
+          <a:r>
+            <a:rPr lang="fr-FR" sz="500" kern="1200" dirty="0"/>
+            <a:t>Key </a:t>
+          </a:r>
+          <a:r>
+            <a:rPr lang="fr-FR" sz="500" kern="1200"/>
+            <a:t>of recipeCat</a:t>
+          </a:r>
+          <a:endParaRPr lang="fr-FR" sz="500" kern="1200" dirty="0"/>
         </a:p>
       </dsp:txBody>
       <dsp:txXfrm>
-        <a:off x="10211006" y="10326584"/>
-        <a:ext cx="660745" cy="330372"/>
+        <a:off x="10578504" y="9489707"/>
+        <a:ext cx="636218" cy="318109"/>
       </dsp:txXfrm>
     </dsp:sp>
-    <dsp:sp modelId="{FCC977D8-6D8B-4AF1-A3D4-3B8585587317}">
+    <dsp:sp modelId="{EECB5851-B5EA-4373-9C18-E26E94F1871F}">
       <dsp:nvSpPr>
         <dsp:cNvPr id="0" name=""/>
         <dsp:cNvSpPr/>
       </dsp:nvSpPr>
       <dsp:spPr>
         <a:xfrm>
-          <a:off x="11010508" y="10326584"/>
-          <a:ext cx="660745" cy="330372"/>
+          <a:off x="10193591" y="9941423"/>
+          <a:ext cx="636218" cy="318109"/>
         </a:xfrm>
         <a:prstGeom prst="rect">
           <a:avLst/>
@@ -15100,12 +15229,12 @@
         </a:fontRef>
       </dsp:style>
       <dsp:txBody>
-        <a:bodyPr spcFirstLastPara="0" vert="horz" wrap="square" lIns="3810" tIns="3810" rIns="3810" bIns="3810" numCol="1" spcCol="1270" anchor="ctr" anchorCtr="0">
+        <a:bodyPr spcFirstLastPara="0" vert="horz" wrap="square" lIns="3175" tIns="3175" rIns="3175" bIns="3175" numCol="1" spcCol="1270" anchor="ctr" anchorCtr="0">
           <a:noAutofit/>
         </a:bodyPr>
         <a:lstStyle/>
         <a:p>
-          <a:pPr marL="0" lvl="0" indent="0" algn="ctr" defTabSz="266700">
+          <a:pPr marL="0" lvl="0" indent="0" algn="ctr" defTabSz="222250">
             <a:lnSpc>
               <a:spcPct val="90000"/>
             </a:lnSpc>
@@ -15118,15 +15247,95 @@
             <a:buNone/>
           </a:pPr>
           <a:r>
-            <a:rPr lang="fr-FR" sz="600" kern="1200" dirty="0" err="1"/>
+            <a:rPr lang="fr-FR" sz="500" kern="1200" dirty="0" err="1"/>
+            <a:t>Categorie</a:t>
+          </a:r>
+          <a:endParaRPr lang="fr-FR" sz="500" kern="1200" dirty="0"/>
+        </a:p>
+      </dsp:txBody>
+      <dsp:txXfrm>
+        <a:off x="10193591" y="9941423"/>
+        <a:ext cx="636218" cy="318109"/>
+      </dsp:txXfrm>
+    </dsp:sp>
+    <dsp:sp modelId="{FCC977D8-6D8B-4AF1-A3D4-3B8585587317}">
+      <dsp:nvSpPr>
+        <dsp:cNvPr id="0" name=""/>
+        <dsp:cNvSpPr/>
+      </dsp:nvSpPr>
+      <dsp:spPr>
+        <a:xfrm>
+          <a:off x="10963416" y="9941423"/>
+          <a:ext cx="636218" cy="318109"/>
+        </a:xfrm>
+        <a:prstGeom prst="rect">
+          <a:avLst/>
+        </a:prstGeom>
+        <a:solidFill>
+          <a:schemeClr val="accent1">
+            <a:alpha val="90000"/>
+            <a:hueOff val="0"/>
+            <a:satOff val="0"/>
+            <a:lumOff val="0"/>
+            <a:alphaOff val="0"/>
+          </a:schemeClr>
+        </a:solidFill>
+        <a:ln w="19050" cap="flat" cmpd="sng" algn="ctr">
+          <a:solidFill>
+            <a:schemeClr val="lt1">
+              <a:hueOff val="0"/>
+              <a:satOff val="0"/>
+              <a:lumOff val="0"/>
+              <a:alphaOff val="0"/>
+            </a:schemeClr>
+          </a:solidFill>
+          <a:prstDash val="solid"/>
+          <a:miter lim="800000"/>
+        </a:ln>
+        <a:effectLst/>
+      </dsp:spPr>
+      <dsp:style>
+        <a:lnRef idx="2">
+          <a:scrgbClr r="0" g="0" b="0"/>
+        </a:lnRef>
+        <a:fillRef idx="1">
+          <a:scrgbClr r="0" g="0" b="0"/>
+        </a:fillRef>
+        <a:effectRef idx="0">
+          <a:scrgbClr r="0" g="0" b="0"/>
+        </a:effectRef>
+        <a:fontRef idx="minor">
+          <a:schemeClr val="lt1"/>
+        </a:fontRef>
+      </dsp:style>
+      <dsp:txBody>
+        <a:bodyPr spcFirstLastPara="0" vert="horz" wrap="square" lIns="3175" tIns="3175" rIns="3175" bIns="3175" numCol="1" spcCol="1270" anchor="ctr" anchorCtr="0">
+          <a:noAutofit/>
+        </a:bodyPr>
+        <a:lstStyle/>
+        <a:p>
+          <a:pPr marL="0" lvl="0" indent="0" algn="ctr" defTabSz="222250">
+            <a:lnSpc>
+              <a:spcPct val="90000"/>
+            </a:lnSpc>
+            <a:spcBef>
+              <a:spcPct val="0"/>
+            </a:spcBef>
+            <a:spcAft>
+              <a:spcPct val="35000"/>
+            </a:spcAft>
+            <a:buNone/>
+          </a:pPr>
+          <a:r>
+            <a:rPr lang="fr-FR" sz="500" kern="1200" dirty="0" err="1"/>
             <a:t>Recipe_cat</a:t>
           </a:r>
-          <a:endParaRPr lang="fr-FR" sz="600" kern="1200" dirty="0"/>
+          <a:endParaRPr lang="fr-FR" sz="500" kern="1200" dirty="0"/>
         </a:p>
       </dsp:txBody>
       <dsp:txXfrm>
-        <a:off x="11010508" y="10326584"/>
-        <a:ext cx="660745" cy="330372"/>
+        <a:off x="10963416" y="9941423"/>
+        <a:ext cx="636218" cy="318109"/>
       </dsp:txXfrm>
     </dsp:sp>
   </dsp:spTree>
@@ -17444,7 +17653,7 @@
           <a:p>
             <a:fld id="{EB66BFD0-91ED-438F-8452-904E0098E796}" type="datetimeFigureOut">
               <a:rPr lang="fr-FR" smtClean="0"/>
-              <a:t>22/08/2024</a:t>
+              <a:t>17/09/2024</a:t>
             </a:fld>
             <a:endParaRPr lang="fr-FR"/>
           </a:p>
@@ -17614,7 +17823,7 @@
           <a:p>
             <a:fld id="{EB66BFD0-91ED-438F-8452-904E0098E796}" type="datetimeFigureOut">
               <a:rPr lang="fr-FR" smtClean="0"/>
-              <a:t>22/08/2024</a:t>
+              <a:t>17/09/2024</a:t>
             </a:fld>
             <a:endParaRPr lang="fr-FR"/>
           </a:p>
@@ -17794,7 +18003,7 @@
           <a:p>
             <a:fld id="{EB66BFD0-91ED-438F-8452-904E0098E796}" type="datetimeFigureOut">
               <a:rPr lang="fr-FR" smtClean="0"/>
-              <a:t>22/08/2024</a:t>
+              <a:t>17/09/2024</a:t>
             </a:fld>
             <a:endParaRPr lang="fr-FR"/>
           </a:p>
@@ -17964,7 +18173,7 @@
           <a:p>
             <a:fld id="{EB66BFD0-91ED-438F-8452-904E0098E796}" type="datetimeFigureOut">
               <a:rPr lang="fr-FR" smtClean="0"/>
-              <a:t>22/08/2024</a:t>
+              <a:t>17/09/2024</a:t>
             </a:fld>
             <a:endParaRPr lang="fr-FR"/>
           </a:p>
@@ -18210,7 +18419,7 @@
           <a:p>
             <a:fld id="{EB66BFD0-91ED-438F-8452-904E0098E796}" type="datetimeFigureOut">
               <a:rPr lang="fr-FR" smtClean="0"/>
-              <a:t>22/08/2024</a:t>
+              <a:t>17/09/2024</a:t>
             </a:fld>
             <a:endParaRPr lang="fr-FR"/>
           </a:p>
@@ -18442,7 +18651,7 @@
           <a:p>
             <a:fld id="{EB66BFD0-91ED-438F-8452-904E0098E796}" type="datetimeFigureOut">
               <a:rPr lang="fr-FR" smtClean="0"/>
-              <a:t>22/08/2024</a:t>
+              <a:t>17/09/2024</a:t>
             </a:fld>
             <a:endParaRPr lang="fr-FR"/>
           </a:p>
@@ -18809,7 +19018,7 @@
           <a:p>
             <a:fld id="{EB66BFD0-91ED-438F-8452-904E0098E796}" type="datetimeFigureOut">
               <a:rPr lang="fr-FR" smtClean="0"/>
-              <a:t>22/08/2024</a:t>
+              <a:t>17/09/2024</a:t>
             </a:fld>
             <a:endParaRPr lang="fr-FR"/>
           </a:p>
@@ -18927,7 +19136,7 @@
           <a:p>
             <a:fld id="{EB66BFD0-91ED-438F-8452-904E0098E796}" type="datetimeFigureOut">
               <a:rPr lang="fr-FR" smtClean="0"/>
-              <a:t>22/08/2024</a:t>
+              <a:t>17/09/2024</a:t>
             </a:fld>
             <a:endParaRPr lang="fr-FR"/>
           </a:p>
@@ -19022,7 +19231,7 @@
           <a:p>
             <a:fld id="{EB66BFD0-91ED-438F-8452-904E0098E796}" type="datetimeFigureOut">
               <a:rPr lang="fr-FR" smtClean="0"/>
-              <a:t>22/08/2024</a:t>
+              <a:t>17/09/2024</a:t>
             </a:fld>
             <a:endParaRPr lang="fr-FR"/>
           </a:p>
@@ -19299,7 +19508,7 @@
           <a:p>
             <a:fld id="{EB66BFD0-91ED-438F-8452-904E0098E796}" type="datetimeFigureOut">
               <a:rPr lang="fr-FR" smtClean="0"/>
-              <a:t>22/08/2024</a:t>
+              <a:t>17/09/2024</a:t>
             </a:fld>
             <a:endParaRPr lang="fr-FR"/>
           </a:p>
@@ -19556,7 +19765,7 @@
           <a:p>
             <a:fld id="{EB66BFD0-91ED-438F-8452-904E0098E796}" type="datetimeFigureOut">
               <a:rPr lang="fr-FR" smtClean="0"/>
-              <a:t>22/08/2024</a:t>
+              <a:t>17/09/2024</a:t>
             </a:fld>
             <a:endParaRPr lang="fr-FR"/>
           </a:p>
@@ -19769,7 +19978,7 @@
           <a:p>
             <a:fld id="{EB66BFD0-91ED-438F-8452-904E0098E796}" type="datetimeFigureOut">
               <a:rPr lang="fr-FR" smtClean="0"/>
-              <a:t>22/08/2024</a:t>
+              <a:t>17/09/2024</a:t>
             </a:fld>
             <a:endParaRPr lang="fr-FR"/>
           </a:p>
@@ -20187,7 +20396,7 @@
           <p:nvPr>
             <p:extLst>
               <p:ext uri="{D42A27DB-BD31-4B8C-83A1-F6EECF244321}">
-                <p14:modId xmlns:p14="http://schemas.microsoft.com/office/powerpoint/2010/main" val="3286640950"/>
+                <p14:modId xmlns:p14="http://schemas.microsoft.com/office/powerpoint/2010/main" val="1667098274"/>
               </p:ext>
             </p:extLst>
           </p:nvPr>
